--- a/Images/fig4.pptx
+++ b/Images/fig4.pptx
@@ -197,7 +197,7 @@
           <a:p>
             <a:fld id="{D34CEA9E-E5A5-49C8-A578-AF124664FEC0}" type="datetimeFigureOut">
               <a:rPr lang="en-US" smtClean="0"/>
-              <a:t>7/22/2021</a:t>
+              <a:t>8/9/2021</a:t>
             </a:fld>
             <a:endParaRPr lang="en-US"/>
           </a:p>
@@ -684,7 +684,7 @@
           <a:p>
             <a:fld id="{BA05AF01-4F0E-4718-A4C1-DFCBB47EE5F2}" type="datetimeFigureOut">
               <a:rPr lang="en-US" smtClean="0"/>
-              <a:t>7/22/2021</a:t>
+              <a:t>8/9/2021</a:t>
             </a:fld>
             <a:endParaRPr lang="en-US"/>
           </a:p>
@@ -854,7 +854,7 @@
           <a:p>
             <a:fld id="{BA05AF01-4F0E-4718-A4C1-DFCBB47EE5F2}" type="datetimeFigureOut">
               <a:rPr lang="en-US" smtClean="0"/>
-              <a:t>7/22/2021</a:t>
+              <a:t>8/9/2021</a:t>
             </a:fld>
             <a:endParaRPr lang="en-US"/>
           </a:p>
@@ -1034,7 +1034,7 @@
           <a:p>
             <a:fld id="{BA05AF01-4F0E-4718-A4C1-DFCBB47EE5F2}" type="datetimeFigureOut">
               <a:rPr lang="en-US" smtClean="0"/>
-              <a:t>7/22/2021</a:t>
+              <a:t>8/9/2021</a:t>
             </a:fld>
             <a:endParaRPr lang="en-US"/>
           </a:p>
@@ -1204,7 +1204,7 @@
           <a:p>
             <a:fld id="{BA05AF01-4F0E-4718-A4C1-DFCBB47EE5F2}" type="datetimeFigureOut">
               <a:rPr lang="en-US" smtClean="0"/>
-              <a:t>7/22/2021</a:t>
+              <a:t>8/9/2021</a:t>
             </a:fld>
             <a:endParaRPr lang="en-US"/>
           </a:p>
@@ -1448,7 +1448,7 @@
           <a:p>
             <a:fld id="{BA05AF01-4F0E-4718-A4C1-DFCBB47EE5F2}" type="datetimeFigureOut">
               <a:rPr lang="en-US" smtClean="0"/>
-              <a:t>7/22/2021</a:t>
+              <a:t>8/9/2021</a:t>
             </a:fld>
             <a:endParaRPr lang="en-US"/>
           </a:p>
@@ -1680,7 +1680,7 @@
           <a:p>
             <a:fld id="{BA05AF01-4F0E-4718-A4C1-DFCBB47EE5F2}" type="datetimeFigureOut">
               <a:rPr lang="en-US" smtClean="0"/>
-              <a:t>7/22/2021</a:t>
+              <a:t>8/9/2021</a:t>
             </a:fld>
             <a:endParaRPr lang="en-US"/>
           </a:p>
@@ -2047,7 +2047,7 @@
           <a:p>
             <a:fld id="{BA05AF01-4F0E-4718-A4C1-DFCBB47EE5F2}" type="datetimeFigureOut">
               <a:rPr lang="en-US" smtClean="0"/>
-              <a:t>7/22/2021</a:t>
+              <a:t>8/9/2021</a:t>
             </a:fld>
             <a:endParaRPr lang="en-US"/>
           </a:p>
@@ -2165,7 +2165,7 @@
           <a:p>
             <a:fld id="{BA05AF01-4F0E-4718-A4C1-DFCBB47EE5F2}" type="datetimeFigureOut">
               <a:rPr lang="en-US" smtClean="0"/>
-              <a:t>7/22/2021</a:t>
+              <a:t>8/9/2021</a:t>
             </a:fld>
             <a:endParaRPr lang="en-US"/>
           </a:p>
@@ -2260,7 +2260,7 @@
           <a:p>
             <a:fld id="{BA05AF01-4F0E-4718-A4C1-DFCBB47EE5F2}" type="datetimeFigureOut">
               <a:rPr lang="en-US" smtClean="0"/>
-              <a:t>7/22/2021</a:t>
+              <a:t>8/9/2021</a:t>
             </a:fld>
             <a:endParaRPr lang="en-US"/>
           </a:p>
@@ -2537,7 +2537,7 @@
           <a:p>
             <a:fld id="{BA05AF01-4F0E-4718-A4C1-DFCBB47EE5F2}" type="datetimeFigureOut">
               <a:rPr lang="en-US" smtClean="0"/>
-              <a:t>7/22/2021</a:t>
+              <a:t>8/9/2021</a:t>
             </a:fld>
             <a:endParaRPr lang="en-US"/>
           </a:p>
@@ -2794,7 +2794,7 @@
           <a:p>
             <a:fld id="{BA05AF01-4F0E-4718-A4C1-DFCBB47EE5F2}" type="datetimeFigureOut">
               <a:rPr lang="en-US" smtClean="0"/>
-              <a:t>7/22/2021</a:t>
+              <a:t>8/9/2021</a:t>
             </a:fld>
             <a:endParaRPr lang="en-US"/>
           </a:p>
@@ -3007,7 +3007,7 @@
           <a:p>
             <a:fld id="{BA05AF01-4F0E-4718-A4C1-DFCBB47EE5F2}" type="datetimeFigureOut">
               <a:rPr lang="en-US" smtClean="0"/>
-              <a:t>7/22/2021</a:t>
+              <a:t>8/9/2021</a:t>
             </a:fld>
             <a:endParaRPr lang="en-US"/>
           </a:p>
@@ -4843,186 +4843,6 @@
               </a:rPr>
               <a:t>-10 kcal/mole</a:t>
             </a:r>
-          </a:p>
-        </p:txBody>
-      </p:sp>
-      <p:sp>
-        <p:nvSpPr>
-          <p:cNvPr id="46" name="TextBox 45">
-            <a:extLst>
-              <a:ext uri="{FF2B5EF4-FFF2-40B4-BE49-F238E27FC236}">
-                <a16:creationId xmlns:a16="http://schemas.microsoft.com/office/drawing/2014/main" id="{EE98D114-7B96-42B9-9A05-BD830AB6D33A}"/>
-              </a:ext>
-            </a:extLst>
-          </p:cNvPr>
-          <p:cNvSpPr txBox="1"/>
-          <p:nvPr/>
-        </p:nvSpPr>
-        <p:spPr>
-          <a:xfrm>
-            <a:off x="2147988" y="2963619"/>
-            <a:ext cx="3223984" cy="830997"/>
-          </a:xfrm>
-          <a:prstGeom prst="rect">
-            <a:avLst/>
-          </a:prstGeom>
-          <a:noFill/>
-        </p:spPr>
-        <p:txBody>
-          <a:bodyPr wrap="square" rtlCol="0">
-            <a:spAutoFit/>
-          </a:bodyPr>
-          <a:lstStyle/>
-          <a:p>
-            <a:r>
-              <a:rPr lang="en-US" sz="2400" b="0" i="0" dirty="0">
-                <a:effectLst/>
-                <a:latin typeface="Times New Roman" panose="02020603050405020304" pitchFamily="18" charset="0"/>
-                <a:cs typeface="Times New Roman" panose="02020603050405020304" pitchFamily="18" charset="0"/>
-              </a:rPr>
-              <a:t>Lower binding affinity implies better binding</a:t>
-            </a:r>
-          </a:p>
-        </p:txBody>
-      </p:sp>
-      <p:sp>
-        <p:nvSpPr>
-          <p:cNvPr id="13" name="Rectangle: Rounded Corners 12">
-            <a:extLst>
-              <a:ext uri="{FF2B5EF4-FFF2-40B4-BE49-F238E27FC236}">
-                <a16:creationId xmlns:a16="http://schemas.microsoft.com/office/drawing/2014/main" id="{EE7C4DEE-FA34-4E37-A1D8-E71E82D6703D}"/>
-              </a:ext>
-            </a:extLst>
-          </p:cNvPr>
-          <p:cNvSpPr/>
-          <p:nvPr/>
-        </p:nvSpPr>
-        <p:spPr>
-          <a:xfrm>
-            <a:off x="1882932" y="2704289"/>
-            <a:ext cx="3428370" cy="1322962"/>
-          </a:xfrm>
-          <a:prstGeom prst="roundRect">
-            <a:avLst/>
-          </a:prstGeom>
-          <a:noFill/>
-        </p:spPr>
-        <p:style>
-          <a:lnRef idx="2">
-            <a:schemeClr val="accent1">
-              <a:shade val="50000"/>
-            </a:schemeClr>
-          </a:lnRef>
-          <a:fillRef idx="1">
-            <a:schemeClr val="accent1"/>
-          </a:fillRef>
-          <a:effectRef idx="0">
-            <a:schemeClr val="accent1"/>
-          </a:effectRef>
-          <a:fontRef idx="minor">
-            <a:schemeClr val="lt1"/>
-          </a:fontRef>
-        </p:style>
-        <p:txBody>
-          <a:bodyPr rtlCol="0" anchor="ctr"/>
-          <a:lstStyle/>
-          <a:p>
-            <a:pPr algn="ctr"/>
-            <a:endParaRPr lang="en-US"/>
-          </a:p>
-        </p:txBody>
-      </p:sp>
-      <p:sp>
-        <p:nvSpPr>
-          <p:cNvPr id="16" name="Arrow: Right 15">
-            <a:extLst>
-              <a:ext uri="{FF2B5EF4-FFF2-40B4-BE49-F238E27FC236}">
-                <a16:creationId xmlns:a16="http://schemas.microsoft.com/office/drawing/2014/main" id="{F6E2CE43-8317-4CE5-ACF0-3011F4EFFDFC}"/>
-              </a:ext>
-            </a:extLst>
-          </p:cNvPr>
-          <p:cNvSpPr/>
-          <p:nvPr/>
-        </p:nvSpPr>
-        <p:spPr>
-          <a:xfrm rot="10800000">
-            <a:off x="1205321" y="3068193"/>
-            <a:ext cx="629462" cy="707886"/>
-          </a:xfrm>
-          <a:prstGeom prst="rightArrow">
-            <a:avLst/>
-          </a:prstGeom>
-          <a:noFill/>
-        </p:spPr>
-        <p:style>
-          <a:lnRef idx="2">
-            <a:schemeClr val="accent1">
-              <a:shade val="50000"/>
-            </a:schemeClr>
-          </a:lnRef>
-          <a:fillRef idx="1">
-            <a:schemeClr val="accent1"/>
-          </a:fillRef>
-          <a:effectRef idx="0">
-            <a:schemeClr val="accent1"/>
-          </a:effectRef>
-          <a:fontRef idx="minor">
-            <a:schemeClr val="lt1"/>
-          </a:fontRef>
-        </p:style>
-        <p:txBody>
-          <a:bodyPr rtlCol="0" anchor="ctr"/>
-          <a:lstStyle/>
-          <a:p>
-            <a:pPr algn="ctr"/>
-            <a:endParaRPr lang="en-US"/>
-          </a:p>
-        </p:txBody>
-      </p:sp>
-      <p:sp>
-        <p:nvSpPr>
-          <p:cNvPr id="17" name="Rectangle 16">
-            <a:extLst>
-              <a:ext uri="{FF2B5EF4-FFF2-40B4-BE49-F238E27FC236}">
-                <a16:creationId xmlns:a16="http://schemas.microsoft.com/office/drawing/2014/main" id="{539A6A18-7420-4CF8-AD9A-F7AB8093DE0F}"/>
-              </a:ext>
-            </a:extLst>
-          </p:cNvPr>
-          <p:cNvSpPr/>
-          <p:nvPr/>
-        </p:nvSpPr>
-        <p:spPr>
-          <a:xfrm>
-            <a:off x="5361740" y="3144813"/>
-            <a:ext cx="225793" cy="441913"/>
-          </a:xfrm>
-          <a:prstGeom prst="rect">
-            <a:avLst/>
-          </a:prstGeom>
-          <a:noFill/>
-        </p:spPr>
-        <p:style>
-          <a:lnRef idx="2">
-            <a:schemeClr val="accent1">
-              <a:shade val="50000"/>
-            </a:schemeClr>
-          </a:lnRef>
-          <a:fillRef idx="1">
-            <a:schemeClr val="accent1"/>
-          </a:fillRef>
-          <a:effectRef idx="0">
-            <a:schemeClr val="accent1"/>
-          </a:effectRef>
-          <a:fontRef idx="minor">
-            <a:schemeClr val="lt1"/>
-          </a:fontRef>
-        </p:style>
-        <p:txBody>
-          <a:bodyPr rtlCol="0" anchor="ctr"/>
-          <a:lstStyle/>
-          <a:p>
-            <a:pPr algn="ctr"/>
-            <a:endParaRPr lang="en-US"/>
           </a:p>
         </p:txBody>
       </p:sp>

--- a/Images/fig4.pptx
+++ b/Images/fig4.pptx
@@ -197,7 +197,7 @@
           <a:p>
             <a:fld id="{D34CEA9E-E5A5-49C8-A578-AF124664FEC0}" type="datetimeFigureOut">
               <a:rPr lang="en-US" smtClean="0"/>
-              <a:t>8/9/2021</a:t>
+              <a:t>9/3/2021</a:t>
             </a:fld>
             <a:endParaRPr lang="en-US"/>
           </a:p>
@@ -684,7 +684,7 @@
           <a:p>
             <a:fld id="{BA05AF01-4F0E-4718-A4C1-DFCBB47EE5F2}" type="datetimeFigureOut">
               <a:rPr lang="en-US" smtClean="0"/>
-              <a:t>8/9/2021</a:t>
+              <a:t>9/3/2021</a:t>
             </a:fld>
             <a:endParaRPr lang="en-US"/>
           </a:p>
@@ -854,7 +854,7 @@
           <a:p>
             <a:fld id="{BA05AF01-4F0E-4718-A4C1-DFCBB47EE5F2}" type="datetimeFigureOut">
               <a:rPr lang="en-US" smtClean="0"/>
-              <a:t>8/9/2021</a:t>
+              <a:t>9/3/2021</a:t>
             </a:fld>
             <a:endParaRPr lang="en-US"/>
           </a:p>
@@ -1034,7 +1034,7 @@
           <a:p>
             <a:fld id="{BA05AF01-4F0E-4718-A4C1-DFCBB47EE5F2}" type="datetimeFigureOut">
               <a:rPr lang="en-US" smtClean="0"/>
-              <a:t>8/9/2021</a:t>
+              <a:t>9/3/2021</a:t>
             </a:fld>
             <a:endParaRPr lang="en-US"/>
           </a:p>
@@ -1204,7 +1204,7 @@
           <a:p>
             <a:fld id="{BA05AF01-4F0E-4718-A4C1-DFCBB47EE5F2}" type="datetimeFigureOut">
               <a:rPr lang="en-US" smtClean="0"/>
-              <a:t>8/9/2021</a:t>
+              <a:t>9/3/2021</a:t>
             </a:fld>
             <a:endParaRPr lang="en-US"/>
           </a:p>
@@ -1448,7 +1448,7 @@
           <a:p>
             <a:fld id="{BA05AF01-4F0E-4718-A4C1-DFCBB47EE5F2}" type="datetimeFigureOut">
               <a:rPr lang="en-US" smtClean="0"/>
-              <a:t>8/9/2021</a:t>
+              <a:t>9/3/2021</a:t>
             </a:fld>
             <a:endParaRPr lang="en-US"/>
           </a:p>
@@ -1680,7 +1680,7 @@
           <a:p>
             <a:fld id="{BA05AF01-4F0E-4718-A4C1-DFCBB47EE5F2}" type="datetimeFigureOut">
               <a:rPr lang="en-US" smtClean="0"/>
-              <a:t>8/9/2021</a:t>
+              <a:t>9/3/2021</a:t>
             </a:fld>
             <a:endParaRPr lang="en-US"/>
           </a:p>
@@ -2047,7 +2047,7 @@
           <a:p>
             <a:fld id="{BA05AF01-4F0E-4718-A4C1-DFCBB47EE5F2}" type="datetimeFigureOut">
               <a:rPr lang="en-US" smtClean="0"/>
-              <a:t>8/9/2021</a:t>
+              <a:t>9/3/2021</a:t>
             </a:fld>
             <a:endParaRPr lang="en-US"/>
           </a:p>
@@ -2165,7 +2165,7 @@
           <a:p>
             <a:fld id="{BA05AF01-4F0E-4718-A4C1-DFCBB47EE5F2}" type="datetimeFigureOut">
               <a:rPr lang="en-US" smtClean="0"/>
-              <a:t>8/9/2021</a:t>
+              <a:t>9/3/2021</a:t>
             </a:fld>
             <a:endParaRPr lang="en-US"/>
           </a:p>
@@ -2260,7 +2260,7 @@
           <a:p>
             <a:fld id="{BA05AF01-4F0E-4718-A4C1-DFCBB47EE5F2}" type="datetimeFigureOut">
               <a:rPr lang="en-US" smtClean="0"/>
-              <a:t>8/9/2021</a:t>
+              <a:t>9/3/2021</a:t>
             </a:fld>
             <a:endParaRPr lang="en-US"/>
           </a:p>
@@ -2537,7 +2537,7 @@
           <a:p>
             <a:fld id="{BA05AF01-4F0E-4718-A4C1-DFCBB47EE5F2}" type="datetimeFigureOut">
               <a:rPr lang="en-US" smtClean="0"/>
-              <a:t>8/9/2021</a:t>
+              <a:t>9/3/2021</a:t>
             </a:fld>
             <a:endParaRPr lang="en-US"/>
           </a:p>
@@ -2794,7 +2794,7 @@
           <a:p>
             <a:fld id="{BA05AF01-4F0E-4718-A4C1-DFCBB47EE5F2}" type="datetimeFigureOut">
               <a:rPr lang="en-US" smtClean="0"/>
-              <a:t>8/9/2021</a:t>
+              <a:t>9/3/2021</a:t>
             </a:fld>
             <a:endParaRPr lang="en-US"/>
           </a:p>
@@ -3007,7 +3007,7 @@
           <a:p>
             <a:fld id="{BA05AF01-4F0E-4718-A4C1-DFCBB47EE5F2}" type="datetimeFigureOut">
               <a:rPr lang="en-US" smtClean="0"/>
-              <a:t>8/9/2021</a:t>
+              <a:t>9/3/2021</a:t>
             </a:fld>
             <a:endParaRPr lang="en-US"/>
           </a:p>
@@ -3445,7 +3445,7 @@
                 <a:latin typeface="Times New Roman" panose="02020603050405020304" pitchFamily="18" charset="0"/>
                 <a:cs typeface="Times New Roman" panose="02020603050405020304" pitchFamily="18" charset="0"/>
               </a:rPr>
-              <a:t>a</a:t>
+              <a:t>A</a:t>
             </a:r>
           </a:p>
         </p:txBody>
@@ -3479,12 +3479,16 @@
           <a:lstStyle/>
           <a:p>
             <a:r>
-              <a:rPr lang="en-US" sz="3174" b="1" dirty="0">
+              <a:rPr lang="en-US" sz="3174" b="1">
                 <a:latin typeface="Times New Roman" panose="02020603050405020304" pitchFamily="18" charset="0"/>
                 <a:cs typeface="Times New Roman" panose="02020603050405020304" pitchFamily="18" charset="0"/>
               </a:rPr>
-              <a:t>b</a:t>
-            </a:r>
+              <a:t>B</a:t>
+            </a:r>
+            <a:endParaRPr lang="en-US" sz="3174" b="1" dirty="0">
+              <a:latin typeface="Times New Roman" panose="02020603050405020304" pitchFamily="18" charset="0"/>
+              <a:cs typeface="Times New Roman" panose="02020603050405020304" pitchFamily="18" charset="0"/>
+            </a:endParaRPr>
           </a:p>
         </p:txBody>
       </p:sp>
@@ -4730,7 +4734,7 @@
             <a:avLst/>
           </a:prstGeom>
           <a:solidFill>
-            <a:srgbClr val="2F98FF"/>
+            <a:srgbClr val="E8F3FF"/>
           </a:solidFill>
         </p:spPr>
         <p:style>
@@ -4779,7 +4783,7 @@
             <a:avLst/>
           </a:prstGeom>
           <a:solidFill>
-            <a:srgbClr val="FFA90A"/>
+            <a:srgbClr val="FFF5E5"/>
           </a:solidFill>
         </p:spPr>
         <p:style>

--- a/Images/fig4.pptx
+++ b/Images/fig4.pptx
@@ -2,7 +2,7 @@
 <file path=ppt/presentation.xml><?xml version="1.0" encoding="utf-8"?>
 <p:presentation xmlns:a="http://schemas.openxmlformats.org/drawingml/2006/main" xmlns:r="http://schemas.openxmlformats.org/officeDocument/2006/relationships" xmlns:p="http://schemas.openxmlformats.org/presentationml/2006/main" saveSubsetFonts="1">
   <p:sldMasterIdLst>
-    <p:sldMasterId id="2147483804" r:id="rId1"/>
+    <p:sldMasterId id="2147483816" r:id="rId1"/>
   </p:sldMasterIdLst>
   <p:notesMasterIdLst>
     <p:notesMasterId r:id="rId3"/>
@@ -10,7 +10,7 @@
   <p:sldIdLst>
     <p:sldId id="256" r:id="rId2"/>
   </p:sldIdLst>
-  <p:sldSz cx="14173200" cy="15544800"/>
+  <p:sldSz cx="14173200" cy="22860000"/>
   <p:notesSz cx="6858000" cy="9144000"/>
   <p:defaultTextStyle>
     <a:defPPr>
@@ -197,7 +197,7 @@
           <a:p>
             <a:fld id="{D34CEA9E-E5A5-49C8-A578-AF124664FEC0}" type="datetimeFigureOut">
               <a:rPr lang="en-US" smtClean="0"/>
-              <a:t>9/3/2021</a:t>
+              <a:t>9/20/2021</a:t>
             </a:fld>
             <a:endParaRPr lang="en-US"/>
           </a:p>
@@ -215,8 +215,8 @@
         </p:nvSpPr>
         <p:spPr>
           <a:xfrm>
-            <a:off x="2022475" y="1143000"/>
-            <a:ext cx="2813050" cy="3086100"/>
+            <a:off x="2471738" y="1143000"/>
+            <a:ext cx="1914525" cy="3086100"/>
           </a:xfrm>
           <a:prstGeom prst="rect">
             <a:avLst/>
@@ -493,8 +493,8 @@
         </p:nvSpPr>
         <p:spPr>
           <a:xfrm>
-            <a:off x="2022475" y="1143000"/>
-            <a:ext cx="2813050" cy="3086100"/>
+            <a:off x="2471738" y="1143000"/>
+            <a:ext cx="1914525" cy="3086100"/>
           </a:xfrm>
         </p:spPr>
       </p:sp>
@@ -582,8 +582,8 @@
         </p:nvSpPr>
         <p:spPr>
           <a:xfrm>
-            <a:off x="1062990" y="2544023"/>
-            <a:ext cx="12047220" cy="5411893"/>
+            <a:off x="1062990" y="3741210"/>
+            <a:ext cx="12047220" cy="7958667"/>
           </a:xfrm>
         </p:spPr>
         <p:txBody>
@@ -614,8 +614,8 @@
         </p:nvSpPr>
         <p:spPr>
           <a:xfrm>
-            <a:off x="1771650" y="8164619"/>
-            <a:ext cx="10629900" cy="3753061"/>
+            <a:off x="1771650" y="12006793"/>
+            <a:ext cx="10629900" cy="5519207"/>
           </a:xfrm>
         </p:spPr>
         <p:txBody>
@@ -684,7 +684,7 @@
           <a:p>
             <a:fld id="{BA05AF01-4F0E-4718-A4C1-DFCBB47EE5F2}" type="datetimeFigureOut">
               <a:rPr lang="en-US" smtClean="0"/>
-              <a:t>9/3/2021</a:t>
+              <a:t>9/20/2021</a:t>
             </a:fld>
             <a:endParaRPr lang="en-US"/>
           </a:p>
@@ -735,7 +735,7 @@
     </p:spTree>
     <p:extLst>
       <p:ext uri="{BB962C8B-B14F-4D97-AF65-F5344CB8AC3E}">
-        <p14:creationId xmlns:p14="http://schemas.microsoft.com/office/powerpoint/2010/main" val="2494202299"/>
+        <p14:creationId xmlns:p14="http://schemas.microsoft.com/office/powerpoint/2010/main" val="538290493"/>
       </p:ext>
     </p:extLst>
   </p:cSld>
@@ -854,7 +854,7 @@
           <a:p>
             <a:fld id="{BA05AF01-4F0E-4718-A4C1-DFCBB47EE5F2}" type="datetimeFigureOut">
               <a:rPr lang="en-US" smtClean="0"/>
-              <a:t>9/3/2021</a:t>
+              <a:t>9/20/2021</a:t>
             </a:fld>
             <a:endParaRPr lang="en-US"/>
           </a:p>
@@ -905,7 +905,7 @@
     </p:spTree>
     <p:extLst>
       <p:ext uri="{BB962C8B-B14F-4D97-AF65-F5344CB8AC3E}">
-        <p14:creationId xmlns:p14="http://schemas.microsoft.com/office/powerpoint/2010/main" val="895067241"/>
+        <p14:creationId xmlns:p14="http://schemas.microsoft.com/office/powerpoint/2010/main" val="3675138530"/>
       </p:ext>
     </p:extLst>
   </p:cSld>
@@ -944,8 +944,8 @@
         </p:nvSpPr>
         <p:spPr>
           <a:xfrm>
-            <a:off x="10142697" y="827617"/>
-            <a:ext cx="3056096" cy="13173499"/>
+            <a:off x="10142697" y="1217084"/>
+            <a:ext cx="3056096" cy="19372793"/>
           </a:xfrm>
         </p:spPr>
         <p:txBody>
@@ -972,8 +972,8 @@
         </p:nvSpPr>
         <p:spPr>
           <a:xfrm>
-            <a:off x="974408" y="827617"/>
-            <a:ext cx="8991124" cy="13173499"/>
+            <a:off x="974408" y="1217084"/>
+            <a:ext cx="8991124" cy="19372793"/>
           </a:xfrm>
         </p:spPr>
         <p:txBody>
@@ -1034,7 +1034,7 @@
           <a:p>
             <a:fld id="{BA05AF01-4F0E-4718-A4C1-DFCBB47EE5F2}" type="datetimeFigureOut">
               <a:rPr lang="en-US" smtClean="0"/>
-              <a:t>9/3/2021</a:t>
+              <a:t>9/20/2021</a:t>
             </a:fld>
             <a:endParaRPr lang="en-US"/>
           </a:p>
@@ -1085,7 +1085,7 @@
     </p:spTree>
     <p:extLst>
       <p:ext uri="{BB962C8B-B14F-4D97-AF65-F5344CB8AC3E}">
-        <p14:creationId xmlns:p14="http://schemas.microsoft.com/office/powerpoint/2010/main" val="2905147851"/>
+        <p14:creationId xmlns:p14="http://schemas.microsoft.com/office/powerpoint/2010/main" val="2797058348"/>
       </p:ext>
     </p:extLst>
   </p:cSld>
@@ -1204,7 +1204,7 @@
           <a:p>
             <a:fld id="{BA05AF01-4F0E-4718-A4C1-DFCBB47EE5F2}" type="datetimeFigureOut">
               <a:rPr lang="en-US" smtClean="0"/>
-              <a:t>9/3/2021</a:t>
+              <a:t>9/20/2021</a:t>
             </a:fld>
             <a:endParaRPr lang="en-US"/>
           </a:p>
@@ -1255,7 +1255,7 @@
     </p:spTree>
     <p:extLst>
       <p:ext uri="{BB962C8B-B14F-4D97-AF65-F5344CB8AC3E}">
-        <p14:creationId xmlns:p14="http://schemas.microsoft.com/office/powerpoint/2010/main" val="229439959"/>
+        <p14:creationId xmlns:p14="http://schemas.microsoft.com/office/powerpoint/2010/main" val="1367633493"/>
       </p:ext>
     </p:extLst>
   </p:cSld>
@@ -1294,8 +1294,8 @@
         </p:nvSpPr>
         <p:spPr>
           <a:xfrm>
-            <a:off x="967026" y="3875409"/>
-            <a:ext cx="12224385" cy="6466204"/>
+            <a:off x="967026" y="5699132"/>
+            <a:ext cx="12224385" cy="9509123"/>
           </a:xfrm>
         </p:spPr>
         <p:txBody>
@@ -1326,8 +1326,8 @@
         </p:nvSpPr>
         <p:spPr>
           <a:xfrm>
-            <a:off x="967026" y="10402786"/>
-            <a:ext cx="12224385" cy="3400424"/>
+            <a:off x="967026" y="15298215"/>
+            <a:ext cx="12224385" cy="5000623"/>
           </a:xfrm>
         </p:spPr>
         <p:txBody>
@@ -1448,7 +1448,7 @@
           <a:p>
             <a:fld id="{BA05AF01-4F0E-4718-A4C1-DFCBB47EE5F2}" type="datetimeFigureOut">
               <a:rPr lang="en-US" smtClean="0"/>
-              <a:t>9/3/2021</a:t>
+              <a:t>9/20/2021</a:t>
             </a:fld>
             <a:endParaRPr lang="en-US"/>
           </a:p>
@@ -1499,7 +1499,7 @@
     </p:spTree>
     <p:extLst>
       <p:ext uri="{BB962C8B-B14F-4D97-AF65-F5344CB8AC3E}">
-        <p14:creationId xmlns:p14="http://schemas.microsoft.com/office/powerpoint/2010/main" val="763828969"/>
+        <p14:creationId xmlns:p14="http://schemas.microsoft.com/office/powerpoint/2010/main" val="2110097788"/>
       </p:ext>
     </p:extLst>
   </p:cSld>
@@ -1561,8 +1561,8 @@
         </p:nvSpPr>
         <p:spPr>
           <a:xfrm>
-            <a:off x="974408" y="4138083"/>
-            <a:ext cx="6023610" cy="9863033"/>
+            <a:off x="974408" y="6085417"/>
+            <a:ext cx="6023610" cy="14504460"/>
           </a:xfrm>
         </p:spPr>
         <p:txBody>
@@ -1618,8 +1618,8 @@
         </p:nvSpPr>
         <p:spPr>
           <a:xfrm>
-            <a:off x="7175183" y="4138083"/>
-            <a:ext cx="6023610" cy="9863033"/>
+            <a:off x="7175183" y="6085417"/>
+            <a:ext cx="6023610" cy="14504460"/>
           </a:xfrm>
         </p:spPr>
         <p:txBody>
@@ -1680,7 +1680,7 @@
           <a:p>
             <a:fld id="{BA05AF01-4F0E-4718-A4C1-DFCBB47EE5F2}" type="datetimeFigureOut">
               <a:rPr lang="en-US" smtClean="0"/>
-              <a:t>9/3/2021</a:t>
+              <a:t>9/20/2021</a:t>
             </a:fld>
             <a:endParaRPr lang="en-US"/>
           </a:p>
@@ -1731,7 +1731,7 @@
     </p:spTree>
     <p:extLst>
       <p:ext uri="{BB962C8B-B14F-4D97-AF65-F5344CB8AC3E}">
-        <p14:creationId xmlns:p14="http://schemas.microsoft.com/office/powerpoint/2010/main" val="1249971905"/>
+        <p14:creationId xmlns:p14="http://schemas.microsoft.com/office/powerpoint/2010/main" val="337912873"/>
       </p:ext>
     </p:extLst>
   </p:cSld>
@@ -1770,8 +1770,8 @@
         </p:nvSpPr>
         <p:spPr>
           <a:xfrm>
-            <a:off x="976254" y="827620"/>
-            <a:ext cx="12224385" cy="3004609"/>
+            <a:off x="976254" y="1217089"/>
+            <a:ext cx="12224385" cy="4418543"/>
           </a:xfrm>
         </p:spPr>
         <p:txBody>
@@ -1798,8 +1798,8 @@
         </p:nvSpPr>
         <p:spPr>
           <a:xfrm>
-            <a:off x="976255" y="3810636"/>
-            <a:ext cx="5995927" cy="1867534"/>
+            <a:off x="976255" y="5603877"/>
+            <a:ext cx="5995927" cy="2746373"/>
           </a:xfrm>
         </p:spPr>
         <p:txBody>
@@ -1863,8 +1863,8 @@
         </p:nvSpPr>
         <p:spPr>
           <a:xfrm>
-            <a:off x="976255" y="5678170"/>
-            <a:ext cx="5995927" cy="8351733"/>
+            <a:off x="976255" y="8350250"/>
+            <a:ext cx="5995927" cy="12281960"/>
           </a:xfrm>
         </p:spPr>
         <p:txBody>
@@ -1920,8 +1920,8 @@
         </p:nvSpPr>
         <p:spPr>
           <a:xfrm>
-            <a:off x="7175183" y="3810636"/>
-            <a:ext cx="6025456" cy="1867534"/>
+            <a:off x="7175183" y="5603877"/>
+            <a:ext cx="6025456" cy="2746373"/>
           </a:xfrm>
         </p:spPr>
         <p:txBody>
@@ -1985,8 +1985,8 @@
         </p:nvSpPr>
         <p:spPr>
           <a:xfrm>
-            <a:off x="7175183" y="5678170"/>
-            <a:ext cx="6025456" cy="8351733"/>
+            <a:off x="7175183" y="8350250"/>
+            <a:ext cx="6025456" cy="12281960"/>
           </a:xfrm>
         </p:spPr>
         <p:txBody>
@@ -2047,7 +2047,7 @@
           <a:p>
             <a:fld id="{BA05AF01-4F0E-4718-A4C1-DFCBB47EE5F2}" type="datetimeFigureOut">
               <a:rPr lang="en-US" smtClean="0"/>
-              <a:t>9/3/2021</a:t>
+              <a:t>9/20/2021</a:t>
             </a:fld>
             <a:endParaRPr lang="en-US"/>
           </a:p>
@@ -2098,7 +2098,7 @@
     </p:spTree>
     <p:extLst>
       <p:ext uri="{BB962C8B-B14F-4D97-AF65-F5344CB8AC3E}">
-        <p14:creationId xmlns:p14="http://schemas.microsoft.com/office/powerpoint/2010/main" val="1797133943"/>
+        <p14:creationId xmlns:p14="http://schemas.microsoft.com/office/powerpoint/2010/main" val="448031867"/>
       </p:ext>
     </p:extLst>
   </p:cSld>
@@ -2165,7 +2165,7 @@
           <a:p>
             <a:fld id="{BA05AF01-4F0E-4718-A4C1-DFCBB47EE5F2}" type="datetimeFigureOut">
               <a:rPr lang="en-US" smtClean="0"/>
-              <a:t>9/3/2021</a:t>
+              <a:t>9/20/2021</a:t>
             </a:fld>
             <a:endParaRPr lang="en-US"/>
           </a:p>
@@ -2216,7 +2216,7 @@
     </p:spTree>
     <p:extLst>
       <p:ext uri="{BB962C8B-B14F-4D97-AF65-F5344CB8AC3E}">
-        <p14:creationId xmlns:p14="http://schemas.microsoft.com/office/powerpoint/2010/main" val="1326084557"/>
+        <p14:creationId xmlns:p14="http://schemas.microsoft.com/office/powerpoint/2010/main" val="76748455"/>
       </p:ext>
     </p:extLst>
   </p:cSld>
@@ -2260,7 +2260,7 @@
           <a:p>
             <a:fld id="{BA05AF01-4F0E-4718-A4C1-DFCBB47EE5F2}" type="datetimeFigureOut">
               <a:rPr lang="en-US" smtClean="0"/>
-              <a:t>9/3/2021</a:t>
+              <a:t>9/20/2021</a:t>
             </a:fld>
             <a:endParaRPr lang="en-US"/>
           </a:p>
@@ -2311,7 +2311,7 @@
     </p:spTree>
     <p:extLst>
       <p:ext uri="{BB962C8B-B14F-4D97-AF65-F5344CB8AC3E}">
-        <p14:creationId xmlns:p14="http://schemas.microsoft.com/office/powerpoint/2010/main" val="1671015443"/>
+        <p14:creationId xmlns:p14="http://schemas.microsoft.com/office/powerpoint/2010/main" val="3668366954"/>
       </p:ext>
     </p:extLst>
   </p:cSld>
@@ -2350,8 +2350,8 @@
         </p:nvSpPr>
         <p:spPr>
           <a:xfrm>
-            <a:off x="976254" y="1036320"/>
-            <a:ext cx="4571226" cy="3627120"/>
+            <a:off x="976254" y="1524000"/>
+            <a:ext cx="4571226" cy="5334000"/>
           </a:xfrm>
         </p:spPr>
         <p:txBody>
@@ -2382,8 +2382,8 @@
         </p:nvSpPr>
         <p:spPr>
           <a:xfrm>
-            <a:off x="6025456" y="2238167"/>
-            <a:ext cx="7175183" cy="11046883"/>
+            <a:off x="6025456" y="3291422"/>
+            <a:ext cx="7175183" cy="16245417"/>
           </a:xfrm>
         </p:spPr>
         <p:txBody>
@@ -2467,8 +2467,8 @@
         </p:nvSpPr>
         <p:spPr>
           <a:xfrm>
-            <a:off x="976254" y="4663440"/>
-            <a:ext cx="4571226" cy="8639599"/>
+            <a:off x="976254" y="6858000"/>
+            <a:ext cx="4571226" cy="12705293"/>
           </a:xfrm>
         </p:spPr>
         <p:txBody>
@@ -2537,7 +2537,7 @@
           <a:p>
             <a:fld id="{BA05AF01-4F0E-4718-A4C1-DFCBB47EE5F2}" type="datetimeFigureOut">
               <a:rPr lang="en-US" smtClean="0"/>
-              <a:t>9/3/2021</a:t>
+              <a:t>9/20/2021</a:t>
             </a:fld>
             <a:endParaRPr lang="en-US"/>
           </a:p>
@@ -2588,7 +2588,7 @@
     </p:spTree>
     <p:extLst>
       <p:ext uri="{BB962C8B-B14F-4D97-AF65-F5344CB8AC3E}">
-        <p14:creationId xmlns:p14="http://schemas.microsoft.com/office/powerpoint/2010/main" val="3692112518"/>
+        <p14:creationId xmlns:p14="http://schemas.microsoft.com/office/powerpoint/2010/main" val="966099966"/>
       </p:ext>
     </p:extLst>
   </p:cSld>
@@ -2627,8 +2627,8 @@
         </p:nvSpPr>
         <p:spPr>
           <a:xfrm>
-            <a:off x="976254" y="1036320"/>
-            <a:ext cx="4571226" cy="3627120"/>
+            <a:off x="976254" y="1524000"/>
+            <a:ext cx="4571226" cy="5334000"/>
           </a:xfrm>
         </p:spPr>
         <p:txBody>
@@ -2659,8 +2659,8 @@
         </p:nvSpPr>
         <p:spPr>
           <a:xfrm>
-            <a:off x="6025456" y="2238167"/>
-            <a:ext cx="7175183" cy="11046883"/>
+            <a:off x="6025456" y="3291422"/>
+            <a:ext cx="7175183" cy="16245417"/>
           </a:xfrm>
         </p:spPr>
         <p:txBody>
@@ -2724,8 +2724,8 @@
         </p:nvSpPr>
         <p:spPr>
           <a:xfrm>
-            <a:off x="976254" y="4663440"/>
-            <a:ext cx="4571226" cy="8639599"/>
+            <a:off x="976254" y="6858000"/>
+            <a:ext cx="4571226" cy="12705293"/>
           </a:xfrm>
         </p:spPr>
         <p:txBody>
@@ -2794,7 +2794,7 @@
           <a:p>
             <a:fld id="{BA05AF01-4F0E-4718-A4C1-DFCBB47EE5F2}" type="datetimeFigureOut">
               <a:rPr lang="en-US" smtClean="0"/>
-              <a:t>9/3/2021</a:t>
+              <a:t>9/20/2021</a:t>
             </a:fld>
             <a:endParaRPr lang="en-US"/>
           </a:p>
@@ -2845,7 +2845,7 @@
     </p:spTree>
     <p:extLst>
       <p:ext uri="{BB962C8B-B14F-4D97-AF65-F5344CB8AC3E}">
-        <p14:creationId xmlns:p14="http://schemas.microsoft.com/office/powerpoint/2010/main" val="2719909449"/>
+        <p14:creationId xmlns:p14="http://schemas.microsoft.com/office/powerpoint/2010/main" val="3913448289"/>
       </p:ext>
     </p:extLst>
   </p:cSld>
@@ -2889,8 +2889,8 @@
         </p:nvSpPr>
         <p:spPr>
           <a:xfrm>
-            <a:off x="974408" y="827620"/>
-            <a:ext cx="12224385" cy="3004609"/>
+            <a:off x="974408" y="1217089"/>
+            <a:ext cx="12224385" cy="4418543"/>
           </a:xfrm>
           <a:prstGeom prst="rect">
             <a:avLst/>
@@ -2922,8 +2922,8 @@
         </p:nvSpPr>
         <p:spPr>
           <a:xfrm>
-            <a:off x="974408" y="4138083"/>
-            <a:ext cx="12224385" cy="9863033"/>
+            <a:off x="974408" y="6085417"/>
+            <a:ext cx="12224385" cy="14504460"/>
           </a:xfrm>
           <a:prstGeom prst="rect">
             <a:avLst/>
@@ -2984,8 +2984,8 @@
         </p:nvSpPr>
         <p:spPr>
           <a:xfrm>
-            <a:off x="974408" y="14407730"/>
-            <a:ext cx="3188970" cy="827617"/>
+            <a:off x="974408" y="21187839"/>
+            <a:ext cx="3188970" cy="1217083"/>
           </a:xfrm>
           <a:prstGeom prst="rect">
             <a:avLst/>
@@ -3007,7 +3007,7 @@
           <a:p>
             <a:fld id="{BA05AF01-4F0E-4718-A4C1-DFCBB47EE5F2}" type="datetimeFigureOut">
               <a:rPr lang="en-US" smtClean="0"/>
-              <a:t>9/3/2021</a:t>
+              <a:t>9/20/2021</a:t>
             </a:fld>
             <a:endParaRPr lang="en-US"/>
           </a:p>
@@ -3025,8 +3025,8 @@
         </p:nvSpPr>
         <p:spPr>
           <a:xfrm>
-            <a:off x="4694873" y="14407730"/>
-            <a:ext cx="4783455" cy="827617"/>
+            <a:off x="4694873" y="21187839"/>
+            <a:ext cx="4783455" cy="1217083"/>
           </a:xfrm>
           <a:prstGeom prst="rect">
             <a:avLst/>
@@ -3062,8 +3062,8 @@
         </p:nvSpPr>
         <p:spPr>
           <a:xfrm>
-            <a:off x="10009823" y="14407730"/>
-            <a:ext cx="3188970" cy="827617"/>
+            <a:off x="10009823" y="21187839"/>
+            <a:ext cx="3188970" cy="1217083"/>
           </a:xfrm>
           <a:prstGeom prst="rect">
             <a:avLst/>
@@ -3094,23 +3094,23 @@
     </p:spTree>
     <p:extLst>
       <p:ext uri="{BB962C8B-B14F-4D97-AF65-F5344CB8AC3E}">
-        <p14:creationId xmlns:p14="http://schemas.microsoft.com/office/powerpoint/2010/main" val="3327232063"/>
+        <p14:creationId xmlns:p14="http://schemas.microsoft.com/office/powerpoint/2010/main" val="3377492412"/>
       </p:ext>
     </p:extLst>
   </p:cSld>
   <p:clrMap bg1="lt1" tx1="dk1" bg2="lt2" tx2="dk2" accent1="accent1" accent2="accent2" accent3="accent3" accent4="accent4" accent5="accent5" accent6="accent6" hlink="hlink" folHlink="folHlink"/>
   <p:sldLayoutIdLst>
-    <p:sldLayoutId id="2147483805" r:id="rId1"/>
-    <p:sldLayoutId id="2147483806" r:id="rId2"/>
-    <p:sldLayoutId id="2147483807" r:id="rId3"/>
-    <p:sldLayoutId id="2147483808" r:id="rId4"/>
-    <p:sldLayoutId id="2147483809" r:id="rId5"/>
-    <p:sldLayoutId id="2147483810" r:id="rId6"/>
-    <p:sldLayoutId id="2147483811" r:id="rId7"/>
-    <p:sldLayoutId id="2147483812" r:id="rId8"/>
-    <p:sldLayoutId id="2147483813" r:id="rId9"/>
-    <p:sldLayoutId id="2147483814" r:id="rId10"/>
-    <p:sldLayoutId id="2147483815" r:id="rId11"/>
+    <p:sldLayoutId id="2147483817" r:id="rId1"/>
+    <p:sldLayoutId id="2147483818" r:id="rId2"/>
+    <p:sldLayoutId id="2147483819" r:id="rId3"/>
+    <p:sldLayoutId id="2147483820" r:id="rId4"/>
+    <p:sldLayoutId id="2147483821" r:id="rId5"/>
+    <p:sldLayoutId id="2147483822" r:id="rId6"/>
+    <p:sldLayoutId id="2147483823" r:id="rId7"/>
+    <p:sldLayoutId id="2147483824" r:id="rId8"/>
+    <p:sldLayoutId id="2147483825" r:id="rId9"/>
+    <p:sldLayoutId id="2147483826" r:id="rId10"/>
+    <p:sldLayoutId id="2147483827" r:id="rId11"/>
   </p:sldLayoutIdLst>
   <p:txStyles>
     <p:titleStyle>
@@ -3412,219 +3412,12 @@
           <a:chExt cx="0" cy="0"/>
         </a:xfrm>
       </p:grpSpPr>
-      <p:sp>
-        <p:nvSpPr>
-          <p:cNvPr id="52" name="TextBox 51">
+      <p:grpSp>
+        <p:nvGrpSpPr>
+          <p:cNvPr id="3" name="Group 2">
             <a:extLst>
               <a:ext uri="{FF2B5EF4-FFF2-40B4-BE49-F238E27FC236}">
-                <a16:creationId xmlns:a16="http://schemas.microsoft.com/office/drawing/2014/main" id="{6A078558-F2EC-4075-A219-D678D16B2F8F}"/>
-              </a:ext>
-            </a:extLst>
-          </p:cNvPr>
-          <p:cNvSpPr txBox="1"/>
-          <p:nvPr/>
-        </p:nvSpPr>
-        <p:spPr>
-          <a:xfrm>
-            <a:off x="268420" y="99402"/>
-            <a:ext cx="897706" cy="580800"/>
-          </a:xfrm>
-          <a:prstGeom prst="rect">
-            <a:avLst/>
-          </a:prstGeom>
-          <a:noFill/>
-        </p:spPr>
-        <p:txBody>
-          <a:bodyPr wrap="square" rtlCol="0">
-            <a:spAutoFit/>
-          </a:bodyPr>
-          <a:lstStyle/>
-          <a:p>
-            <a:r>
-              <a:rPr lang="en-US" sz="3174" b="1" dirty="0">
-                <a:latin typeface="Times New Roman" panose="02020603050405020304" pitchFamily="18" charset="0"/>
-                <a:cs typeface="Times New Roman" panose="02020603050405020304" pitchFamily="18" charset="0"/>
-              </a:rPr>
-              <a:t>A</a:t>
-            </a:r>
-          </a:p>
-        </p:txBody>
-      </p:sp>
-      <p:sp>
-        <p:nvSpPr>
-          <p:cNvPr id="25" name="TextBox 24">
-            <a:extLst>
-              <a:ext uri="{FF2B5EF4-FFF2-40B4-BE49-F238E27FC236}">
-                <a16:creationId xmlns:a16="http://schemas.microsoft.com/office/drawing/2014/main" id="{8DFA5ECB-6CA6-4F27-807D-6A189A005588}"/>
-              </a:ext>
-            </a:extLst>
-          </p:cNvPr>
-          <p:cNvSpPr txBox="1"/>
-          <p:nvPr/>
-        </p:nvSpPr>
-        <p:spPr>
-          <a:xfrm>
-            <a:off x="268420" y="7958055"/>
-            <a:ext cx="897706" cy="580800"/>
-          </a:xfrm>
-          <a:prstGeom prst="rect">
-            <a:avLst/>
-          </a:prstGeom>
-          <a:noFill/>
-        </p:spPr>
-        <p:txBody>
-          <a:bodyPr wrap="square" rtlCol="0">
-            <a:spAutoFit/>
-          </a:bodyPr>
-          <a:lstStyle/>
-          <a:p>
-            <a:r>
-              <a:rPr lang="en-US" sz="3174" b="1">
-                <a:latin typeface="Times New Roman" panose="02020603050405020304" pitchFamily="18" charset="0"/>
-                <a:cs typeface="Times New Roman" panose="02020603050405020304" pitchFamily="18" charset="0"/>
-              </a:rPr>
-              <a:t>B</a:t>
-            </a:r>
-            <a:endParaRPr lang="en-US" sz="3174" b="1" dirty="0">
-              <a:latin typeface="Times New Roman" panose="02020603050405020304" pitchFamily="18" charset="0"/>
-              <a:cs typeface="Times New Roman" panose="02020603050405020304" pitchFamily="18" charset="0"/>
-            </a:endParaRPr>
-          </a:p>
-        </p:txBody>
-      </p:sp>
-      <p:pic>
-        <p:nvPicPr>
-          <p:cNvPr id="1026" name="Picture 2">
-            <a:extLst>
-              <a:ext uri="{FF2B5EF4-FFF2-40B4-BE49-F238E27FC236}">
-                <a16:creationId xmlns:a16="http://schemas.microsoft.com/office/drawing/2014/main" id="{0833E798-11FC-446B-AF6C-D8427DA87A88}"/>
-              </a:ext>
-            </a:extLst>
-          </p:cNvPr>
-          <p:cNvPicPr>
-            <a:picLocks noChangeAspect="1" noChangeArrowheads="1"/>
-          </p:cNvPicPr>
-          <p:nvPr/>
-        </p:nvPicPr>
-        <p:blipFill>
-          <a:blip r:embed="rId3">
-            <a:extLst>
-              <a:ext uri="{28A0092B-C50C-407E-A947-70E740481C1C}">
-                <a14:useLocalDpi xmlns:a14="http://schemas.microsoft.com/office/drawing/2010/main" val="0"/>
-              </a:ext>
-            </a:extLst>
-          </a:blip>
-          <a:srcRect/>
-          <a:stretch>
-            <a:fillRect/>
-          </a:stretch>
-        </p:blipFill>
-        <p:spPr bwMode="auto">
-          <a:xfrm>
-            <a:off x="268420" y="849262"/>
-            <a:ext cx="13750710" cy="6923137"/>
-          </a:xfrm>
-          <a:prstGeom prst="rect">
-            <a:avLst/>
-          </a:prstGeom>
-          <a:noFill/>
-          <a:extLst>
-            <a:ext uri="{909E8E84-426E-40DD-AFC4-6F175D3DCCD1}">
-              <a14:hiddenFill xmlns:a14="http://schemas.microsoft.com/office/drawing/2010/main">
-                <a:solidFill>
-                  <a:srgbClr val="FFFFFF"/>
-                </a:solidFill>
-              </a14:hiddenFill>
-            </a:ext>
-          </a:extLst>
-        </p:spPr>
-      </p:pic>
-      <p:sp>
-        <p:nvSpPr>
-          <p:cNvPr id="2" name="TextBox 1">
-            <a:extLst>
-              <a:ext uri="{FF2B5EF4-FFF2-40B4-BE49-F238E27FC236}">
-                <a16:creationId xmlns:a16="http://schemas.microsoft.com/office/drawing/2014/main" id="{36F88E82-9832-4E0A-A00B-D98A53730BDB}"/>
-              </a:ext>
-            </a:extLst>
-          </p:cNvPr>
-          <p:cNvSpPr txBox="1"/>
-          <p:nvPr/>
-        </p:nvSpPr>
-        <p:spPr>
-          <a:xfrm>
-            <a:off x="5797687" y="7557945"/>
-            <a:ext cx="4182893" cy="400110"/>
-          </a:xfrm>
-          <a:prstGeom prst="rect">
-            <a:avLst/>
-          </a:prstGeom>
-          <a:solidFill>
-            <a:schemeClr val="bg1"/>
-          </a:solidFill>
-        </p:spPr>
-        <p:txBody>
-          <a:bodyPr wrap="square" rtlCol="0">
-            <a:spAutoFit/>
-          </a:bodyPr>
-          <a:lstStyle/>
-          <a:p>
-            <a:r>
-              <a:rPr lang="en-US" sz="2000" dirty="0">
-                <a:latin typeface="Times New Roman" panose="02020603050405020304" pitchFamily="18" charset="0"/>
-                <a:cs typeface="Times New Roman" panose="02020603050405020304" pitchFamily="18" charset="0"/>
-              </a:rPr>
-              <a:t>Binding Affinity in kcal/mole</a:t>
-            </a:r>
-          </a:p>
-        </p:txBody>
-      </p:sp>
-      <p:sp>
-        <p:nvSpPr>
-          <p:cNvPr id="14" name="TextBox 13">
-            <a:extLst>
-              <a:ext uri="{FF2B5EF4-FFF2-40B4-BE49-F238E27FC236}">
-                <a16:creationId xmlns:a16="http://schemas.microsoft.com/office/drawing/2014/main" id="{4455DCB5-551E-43CB-9730-C26043F8703E}"/>
-              </a:ext>
-            </a:extLst>
-          </p:cNvPr>
-          <p:cNvSpPr txBox="1"/>
-          <p:nvPr/>
-        </p:nvSpPr>
-        <p:spPr>
-          <a:xfrm rot="16200000">
-            <a:off x="-106363" y="3969345"/>
-            <a:ext cx="749567" cy="400110"/>
-          </a:xfrm>
-          <a:prstGeom prst="rect">
-            <a:avLst/>
-          </a:prstGeom>
-          <a:solidFill>
-            <a:schemeClr val="bg1"/>
-          </a:solidFill>
-        </p:spPr>
-        <p:txBody>
-          <a:bodyPr wrap="square" rtlCol="0">
-            <a:spAutoFit/>
-          </a:bodyPr>
-          <a:lstStyle/>
-          <a:p>
-            <a:r>
-              <a:rPr lang="en-US" sz="2000" dirty="0">
-                <a:latin typeface="Times New Roman" panose="02020603050405020304" pitchFamily="18" charset="0"/>
-                <a:cs typeface="Times New Roman" panose="02020603050405020304" pitchFamily="18" charset="0"/>
-              </a:rPr>
-              <a:t>PDF</a:t>
-            </a:r>
-          </a:p>
-        </p:txBody>
-      </p:sp>
-      <p:grpSp>
-        <p:nvGrpSpPr>
-          <p:cNvPr id="38" name="Group 37">
-            <a:extLst>
-              <a:ext uri="{FF2B5EF4-FFF2-40B4-BE49-F238E27FC236}">
-                <a16:creationId xmlns:a16="http://schemas.microsoft.com/office/drawing/2014/main" id="{A1CD6525-0024-451B-A8E5-848492FD1D9D}"/>
+                <a16:creationId xmlns:a16="http://schemas.microsoft.com/office/drawing/2014/main" id="{EDEF5298-37F0-4E04-9FDF-9621E1525BFB}"/>
               </a:ext>
             </a:extLst>
           </p:cNvPr>
@@ -3633,48 +3426,18 @@
         </p:nvGrpSpPr>
         <p:grpSpPr>
           <a:xfrm>
-            <a:off x="1602228" y="8039847"/>
-            <a:ext cx="2922662" cy="3335597"/>
-            <a:chOff x="2121698" y="8103452"/>
-            <a:chExt cx="2922662" cy="3335597"/>
+            <a:off x="0" y="120482"/>
+            <a:ext cx="15306261" cy="8498494"/>
+            <a:chOff x="73075" y="99402"/>
+            <a:chExt cx="15102853" cy="7824330"/>
           </a:xfrm>
         </p:grpSpPr>
-        <p:pic>
-          <p:nvPicPr>
-            <p:cNvPr id="5" name="Picture 4">
+        <p:sp>
+          <p:nvSpPr>
+            <p:cNvPr id="52" name="TextBox 51">
               <a:extLst>
                 <a:ext uri="{FF2B5EF4-FFF2-40B4-BE49-F238E27FC236}">
-                  <a16:creationId xmlns:a16="http://schemas.microsoft.com/office/drawing/2014/main" id="{EF1F6314-FED6-4880-9653-D9404A033E55}"/>
-                </a:ext>
-              </a:extLst>
-            </p:cNvPr>
-            <p:cNvPicPr>
-              <a:picLocks noChangeAspect="1"/>
-            </p:cNvPicPr>
-            <p:nvPr/>
-          </p:nvPicPr>
-          <p:blipFill>
-            <a:blip r:embed="rId4"/>
-            <a:stretch>
-              <a:fillRect/>
-            </a:stretch>
-          </p:blipFill>
-          <p:spPr>
-            <a:xfrm>
-              <a:off x="2121698" y="8538855"/>
-              <a:ext cx="2397634" cy="2900194"/>
-            </a:xfrm>
-            <a:prstGeom prst="rect">
-              <a:avLst/>
-            </a:prstGeom>
-          </p:spPr>
-        </p:pic>
-        <p:sp>
-          <p:nvSpPr>
-            <p:cNvPr id="6" name="TextBox 5">
-              <a:extLst>
-                <a:ext uri="{FF2B5EF4-FFF2-40B4-BE49-F238E27FC236}">
-                  <a16:creationId xmlns:a16="http://schemas.microsoft.com/office/drawing/2014/main" id="{47EA12D5-251D-4FBA-BD2A-26F7AD08DDDE}"/>
+                  <a16:creationId xmlns:a16="http://schemas.microsoft.com/office/drawing/2014/main" id="{6A078558-F2EC-4075-A219-D678D16B2F8F}"/>
                 </a:ext>
               </a:extLst>
             </p:cNvPr>
@@ -3683,7 +3446,953 @@
           </p:nvSpPr>
           <p:spPr>
             <a:xfrm>
-              <a:off x="2343818" y="8103452"/>
+              <a:off x="268420" y="99402"/>
+              <a:ext cx="897706" cy="530977"/>
+            </a:xfrm>
+            <a:prstGeom prst="rect">
+              <a:avLst/>
+            </a:prstGeom>
+            <a:noFill/>
+          </p:spPr>
+          <p:txBody>
+            <a:bodyPr wrap="square" rtlCol="0">
+              <a:spAutoFit/>
+            </a:bodyPr>
+            <a:lstStyle/>
+            <a:p>
+              <a:r>
+                <a:rPr lang="en-US" sz="3174" b="1" dirty="0">
+                  <a:latin typeface="Times New Roman" panose="02020603050405020304" pitchFamily="18" charset="0"/>
+                  <a:cs typeface="Times New Roman" panose="02020603050405020304" pitchFamily="18" charset="0"/>
+                </a:rPr>
+                <a:t>A</a:t>
+              </a:r>
+            </a:p>
+          </p:txBody>
+        </p:sp>
+        <p:pic>
+          <p:nvPicPr>
+            <p:cNvPr id="1026" name="Picture 2">
+              <a:extLst>
+                <a:ext uri="{FF2B5EF4-FFF2-40B4-BE49-F238E27FC236}">
+                  <a16:creationId xmlns:a16="http://schemas.microsoft.com/office/drawing/2014/main" id="{0833E798-11FC-446B-AF6C-D8427DA87A88}"/>
+                </a:ext>
+              </a:extLst>
+            </p:cNvPr>
+            <p:cNvPicPr>
+              <a:picLocks noChangeAspect="1" noChangeArrowheads="1"/>
+            </p:cNvPicPr>
+            <p:nvPr/>
+          </p:nvPicPr>
+          <p:blipFill>
+            <a:blip r:embed="rId3">
+              <a:extLst>
+                <a:ext uri="{28A0092B-C50C-407E-A947-70E740481C1C}">
+                  <a14:useLocalDpi xmlns:a14="http://schemas.microsoft.com/office/drawing/2010/main" val="0"/>
+                </a:ext>
+              </a:extLst>
+            </a:blip>
+            <a:srcRect/>
+            <a:stretch>
+              <a:fillRect/>
+            </a:stretch>
+          </p:blipFill>
+          <p:spPr bwMode="auto">
+            <a:xfrm>
+              <a:off x="268420" y="849262"/>
+              <a:ext cx="13750710" cy="6923137"/>
+            </a:xfrm>
+            <a:prstGeom prst="rect">
+              <a:avLst/>
+            </a:prstGeom>
+            <a:noFill/>
+            <a:extLst>
+              <a:ext uri="{909E8E84-426E-40DD-AFC4-6F175D3DCCD1}">
+                <a14:hiddenFill xmlns:a14="http://schemas.microsoft.com/office/drawing/2010/main">
+                  <a:solidFill>
+                    <a:srgbClr val="FFFFFF"/>
+                  </a:solidFill>
+                </a14:hiddenFill>
+              </a:ext>
+            </a:extLst>
+          </p:spPr>
+        </p:pic>
+        <p:sp>
+          <p:nvSpPr>
+            <p:cNvPr id="2" name="TextBox 1">
+              <a:extLst>
+                <a:ext uri="{FF2B5EF4-FFF2-40B4-BE49-F238E27FC236}">
+                  <a16:creationId xmlns:a16="http://schemas.microsoft.com/office/drawing/2014/main" id="{36F88E82-9832-4E0A-A00B-D98A53730BDB}"/>
+                </a:ext>
+              </a:extLst>
+            </p:cNvPr>
+            <p:cNvSpPr txBox="1"/>
+            <p:nvPr/>
+          </p:nvSpPr>
+          <p:spPr>
+            <a:xfrm>
+              <a:off x="5797687" y="7557945"/>
+              <a:ext cx="4182893" cy="365787"/>
+            </a:xfrm>
+            <a:prstGeom prst="rect">
+              <a:avLst/>
+            </a:prstGeom>
+            <a:solidFill>
+              <a:schemeClr val="bg1"/>
+            </a:solidFill>
+          </p:spPr>
+          <p:txBody>
+            <a:bodyPr wrap="square" rtlCol="0">
+              <a:spAutoFit/>
+            </a:bodyPr>
+            <a:lstStyle/>
+            <a:p>
+              <a:r>
+                <a:rPr lang="en-US" sz="2000" dirty="0">
+                  <a:latin typeface="Times New Roman" panose="02020603050405020304" pitchFamily="18" charset="0"/>
+                  <a:cs typeface="Times New Roman" panose="02020603050405020304" pitchFamily="18" charset="0"/>
+                </a:rPr>
+                <a:t>Binding Affinity in kcal/mole</a:t>
+              </a:r>
+            </a:p>
+          </p:txBody>
+        </p:sp>
+        <p:sp>
+          <p:nvSpPr>
+            <p:cNvPr id="14" name="TextBox 13">
+              <a:extLst>
+                <a:ext uri="{FF2B5EF4-FFF2-40B4-BE49-F238E27FC236}">
+                  <a16:creationId xmlns:a16="http://schemas.microsoft.com/office/drawing/2014/main" id="{4455DCB5-551E-43CB-9730-C26043F8703E}"/>
+                </a:ext>
+              </a:extLst>
+            </p:cNvPr>
+            <p:cNvSpPr txBox="1"/>
+            <p:nvPr/>
+          </p:nvSpPr>
+          <p:spPr>
+            <a:xfrm rot="16200000">
+              <a:off x="-106363" y="3974056"/>
+              <a:ext cx="749567" cy="390691"/>
+            </a:xfrm>
+            <a:prstGeom prst="rect">
+              <a:avLst/>
+            </a:prstGeom>
+            <a:solidFill>
+              <a:schemeClr val="bg1"/>
+            </a:solidFill>
+          </p:spPr>
+          <p:txBody>
+            <a:bodyPr wrap="square" rtlCol="0">
+              <a:spAutoFit/>
+            </a:bodyPr>
+            <a:lstStyle/>
+            <a:p>
+              <a:r>
+                <a:rPr lang="en-US" sz="2000" dirty="0">
+                  <a:latin typeface="Times New Roman" panose="02020603050405020304" pitchFamily="18" charset="0"/>
+                  <a:cs typeface="Times New Roman" panose="02020603050405020304" pitchFamily="18" charset="0"/>
+                </a:rPr>
+                <a:t>PDF</a:t>
+              </a:r>
+            </a:p>
+          </p:txBody>
+        </p:sp>
+        <p:sp>
+          <p:nvSpPr>
+            <p:cNvPr id="44" name="TextBox 43">
+              <a:extLst>
+                <a:ext uri="{FF2B5EF4-FFF2-40B4-BE49-F238E27FC236}">
+                  <a16:creationId xmlns:a16="http://schemas.microsoft.com/office/drawing/2014/main" id="{1FDC6409-1EB0-4F5F-BCB8-D7E0F60907C4}"/>
+                </a:ext>
+              </a:extLst>
+            </p:cNvPr>
+            <p:cNvSpPr txBox="1"/>
+            <p:nvPr/>
+          </p:nvSpPr>
+          <p:spPr>
+            <a:xfrm>
+              <a:off x="8324546" y="1033028"/>
+              <a:ext cx="2700542" cy="647162"/>
+            </a:xfrm>
+            <a:prstGeom prst="rect">
+              <a:avLst/>
+            </a:prstGeom>
+            <a:noFill/>
+          </p:spPr>
+          <p:txBody>
+            <a:bodyPr wrap="square" rtlCol="0">
+              <a:spAutoFit/>
+            </a:bodyPr>
+            <a:lstStyle/>
+            <a:p>
+              <a:r>
+                <a:rPr lang="en-US" sz="2000" dirty="0">
+                  <a:latin typeface="Times New Roman" panose="02020603050405020304" pitchFamily="18" charset="0"/>
+                  <a:cs typeface="Times New Roman" panose="02020603050405020304" pitchFamily="18" charset="0"/>
+                </a:rPr>
+                <a:t>Threshold of</a:t>
+              </a:r>
+            </a:p>
+            <a:p>
+              <a:r>
+                <a:rPr lang="en-US" sz="2000" dirty="0">
+                  <a:latin typeface="Times New Roman" panose="02020603050405020304" pitchFamily="18" charset="0"/>
+                  <a:cs typeface="Times New Roman" panose="02020603050405020304" pitchFamily="18" charset="0"/>
+                </a:rPr>
+                <a:t>-1.75 kcal/mole</a:t>
+              </a:r>
+            </a:p>
+          </p:txBody>
+        </p:sp>
+        <p:sp>
+          <p:nvSpPr>
+            <p:cNvPr id="56" name="Rectangle 55">
+              <a:extLst>
+                <a:ext uri="{FF2B5EF4-FFF2-40B4-BE49-F238E27FC236}">
+                  <a16:creationId xmlns:a16="http://schemas.microsoft.com/office/drawing/2014/main" id="{CB7B0D58-E4CE-4FA6-9B50-1D8364928CD7}"/>
+                </a:ext>
+              </a:extLst>
+            </p:cNvPr>
+            <p:cNvSpPr/>
+            <p:nvPr/>
+          </p:nvSpPr>
+          <p:spPr>
+            <a:xfrm>
+              <a:off x="11827265" y="995871"/>
+              <a:ext cx="2045034" cy="930205"/>
+            </a:xfrm>
+            <a:prstGeom prst="rect">
+              <a:avLst/>
+            </a:prstGeom>
+            <a:solidFill>
+              <a:schemeClr val="bg1"/>
+            </a:solidFill>
+          </p:spPr>
+          <p:style>
+            <a:lnRef idx="2">
+              <a:schemeClr val="accent1">
+                <a:shade val="50000"/>
+              </a:schemeClr>
+            </a:lnRef>
+            <a:fillRef idx="1">
+              <a:schemeClr val="accent1"/>
+            </a:fillRef>
+            <a:effectRef idx="0">
+              <a:schemeClr val="accent1"/>
+            </a:effectRef>
+            <a:fontRef idx="minor">
+              <a:schemeClr val="lt1"/>
+            </a:fontRef>
+          </p:style>
+          <p:txBody>
+            <a:bodyPr rtlCol="0" anchor="ctr"/>
+            <a:lstStyle/>
+            <a:p>
+              <a:pPr algn="ctr"/>
+              <a:endParaRPr lang="en-US"/>
+            </a:p>
+          </p:txBody>
+        </p:sp>
+        <p:sp>
+          <p:nvSpPr>
+            <p:cNvPr id="69" name="TextBox 68">
+              <a:extLst>
+                <a:ext uri="{FF2B5EF4-FFF2-40B4-BE49-F238E27FC236}">
+                  <a16:creationId xmlns:a16="http://schemas.microsoft.com/office/drawing/2014/main" id="{2BB5331D-8F39-4FDC-9D08-414335693E54}"/>
+                </a:ext>
+              </a:extLst>
+            </p:cNvPr>
+            <p:cNvSpPr txBox="1"/>
+            <p:nvPr/>
+          </p:nvSpPr>
+          <p:spPr>
+            <a:xfrm>
+              <a:off x="12475386" y="1033028"/>
+              <a:ext cx="2700542" cy="365787"/>
+            </a:xfrm>
+            <a:prstGeom prst="rect">
+              <a:avLst/>
+            </a:prstGeom>
+            <a:noFill/>
+          </p:spPr>
+          <p:txBody>
+            <a:bodyPr wrap="square" rtlCol="0">
+              <a:spAutoFit/>
+            </a:bodyPr>
+            <a:lstStyle/>
+            <a:p>
+              <a:r>
+                <a:rPr lang="en-US" sz="2000" dirty="0">
+                  <a:solidFill>
+                    <a:srgbClr val="5B616B"/>
+                  </a:solidFill>
+                  <a:latin typeface="Times New Roman" panose="02020603050405020304" pitchFamily="18" charset="0"/>
+                  <a:cs typeface="Times New Roman" panose="02020603050405020304" pitchFamily="18" charset="0"/>
+                </a:rPr>
+                <a:t>Top 100</a:t>
+              </a:r>
+            </a:p>
+          </p:txBody>
+        </p:sp>
+        <p:sp>
+          <p:nvSpPr>
+            <p:cNvPr id="70" name="TextBox 69">
+              <a:extLst>
+                <a:ext uri="{FF2B5EF4-FFF2-40B4-BE49-F238E27FC236}">
+                  <a16:creationId xmlns:a16="http://schemas.microsoft.com/office/drawing/2014/main" id="{74F3CF25-7269-4019-B3D2-24D6DBC39CE2}"/>
+                </a:ext>
+              </a:extLst>
+            </p:cNvPr>
+            <p:cNvSpPr txBox="1"/>
+            <p:nvPr/>
+          </p:nvSpPr>
+          <p:spPr>
+            <a:xfrm>
+              <a:off x="12475386" y="1418739"/>
+              <a:ext cx="2700542" cy="365787"/>
+            </a:xfrm>
+            <a:prstGeom prst="rect">
+              <a:avLst/>
+            </a:prstGeom>
+            <a:noFill/>
+          </p:spPr>
+          <p:txBody>
+            <a:bodyPr wrap="square" rtlCol="0">
+              <a:spAutoFit/>
+            </a:bodyPr>
+            <a:lstStyle/>
+            <a:p>
+              <a:r>
+                <a:rPr lang="en-US" sz="2000" dirty="0">
+                  <a:solidFill>
+                    <a:srgbClr val="5B616B"/>
+                  </a:solidFill>
+                  <a:latin typeface="Times New Roman" panose="02020603050405020304" pitchFamily="18" charset="0"/>
+                  <a:cs typeface="Times New Roman" panose="02020603050405020304" pitchFamily="18" charset="0"/>
+                </a:rPr>
+                <a:t>Bottom 100</a:t>
+              </a:r>
+            </a:p>
+          </p:txBody>
+        </p:sp>
+        <p:sp>
+          <p:nvSpPr>
+            <p:cNvPr id="61" name="Rectangle 60">
+              <a:extLst>
+                <a:ext uri="{FF2B5EF4-FFF2-40B4-BE49-F238E27FC236}">
+                  <a16:creationId xmlns:a16="http://schemas.microsoft.com/office/drawing/2014/main" id="{E890C59C-2127-496E-AD62-AD7FA4B8F743}"/>
+                </a:ext>
+              </a:extLst>
+            </p:cNvPr>
+            <p:cNvSpPr/>
+            <p:nvPr/>
+          </p:nvSpPr>
+          <p:spPr>
+            <a:xfrm>
+              <a:off x="11955988" y="1091046"/>
+              <a:ext cx="390676" cy="311285"/>
+            </a:xfrm>
+            <a:prstGeom prst="rect">
+              <a:avLst/>
+            </a:prstGeom>
+            <a:solidFill>
+              <a:srgbClr val="E8F3FF"/>
+            </a:solidFill>
+          </p:spPr>
+          <p:style>
+            <a:lnRef idx="2">
+              <a:schemeClr val="accent1">
+                <a:shade val="50000"/>
+              </a:schemeClr>
+            </a:lnRef>
+            <a:fillRef idx="1">
+              <a:schemeClr val="accent1"/>
+            </a:fillRef>
+            <a:effectRef idx="0">
+              <a:schemeClr val="accent1"/>
+            </a:effectRef>
+            <a:fontRef idx="minor">
+              <a:schemeClr val="lt1"/>
+            </a:fontRef>
+          </p:style>
+          <p:txBody>
+            <a:bodyPr rtlCol="0" anchor="ctr"/>
+            <a:lstStyle/>
+            <a:p>
+              <a:pPr algn="ctr"/>
+              <a:endParaRPr lang="en-US"/>
+            </a:p>
+          </p:txBody>
+        </p:sp>
+        <p:sp>
+          <p:nvSpPr>
+            <p:cNvPr id="72" name="Rectangle 71">
+              <a:extLst>
+                <a:ext uri="{FF2B5EF4-FFF2-40B4-BE49-F238E27FC236}">
+                  <a16:creationId xmlns:a16="http://schemas.microsoft.com/office/drawing/2014/main" id="{8AD65E02-ABDD-44A6-8E1E-02DB9AFAEBEA}"/>
+                </a:ext>
+              </a:extLst>
+            </p:cNvPr>
+            <p:cNvSpPr/>
+            <p:nvPr/>
+          </p:nvSpPr>
+          <p:spPr>
+            <a:xfrm>
+              <a:off x="11955988" y="1497506"/>
+              <a:ext cx="390676" cy="311285"/>
+            </a:xfrm>
+            <a:prstGeom prst="rect">
+              <a:avLst/>
+            </a:prstGeom>
+            <a:solidFill>
+              <a:srgbClr val="FFF5E5"/>
+            </a:solidFill>
+          </p:spPr>
+          <p:style>
+            <a:lnRef idx="2">
+              <a:schemeClr val="accent1">
+                <a:shade val="50000"/>
+              </a:schemeClr>
+            </a:lnRef>
+            <a:fillRef idx="1">
+              <a:schemeClr val="accent1"/>
+            </a:fillRef>
+            <a:effectRef idx="0">
+              <a:schemeClr val="accent1"/>
+            </a:effectRef>
+            <a:fontRef idx="minor">
+              <a:schemeClr val="lt1"/>
+            </a:fontRef>
+          </p:style>
+          <p:txBody>
+            <a:bodyPr rtlCol="0" anchor="ctr"/>
+            <a:lstStyle/>
+            <a:p>
+              <a:pPr algn="ctr"/>
+              <a:endParaRPr lang="en-US"/>
+            </a:p>
+          </p:txBody>
+        </p:sp>
+      </p:grpSp>
+      <p:grpSp>
+        <p:nvGrpSpPr>
+          <p:cNvPr id="4" name="Group 3">
+            <a:extLst>
+              <a:ext uri="{FF2B5EF4-FFF2-40B4-BE49-F238E27FC236}">
+                <a16:creationId xmlns:a16="http://schemas.microsoft.com/office/drawing/2014/main" id="{CC19EC0F-F384-493F-84A7-45AED6161EBB}"/>
+              </a:ext>
+            </a:extLst>
+          </p:cNvPr>
+          <p:cNvGrpSpPr/>
+          <p:nvPr/>
+        </p:nvGrpSpPr>
+        <p:grpSpPr>
+          <a:xfrm>
+            <a:off x="197976" y="8818576"/>
+            <a:ext cx="14422221" cy="7263523"/>
+            <a:chOff x="268420" y="7958055"/>
+            <a:chExt cx="14422221" cy="7263523"/>
+          </a:xfrm>
+        </p:grpSpPr>
+        <p:sp>
+          <p:nvSpPr>
+            <p:cNvPr id="25" name="TextBox 24">
+              <a:extLst>
+                <a:ext uri="{FF2B5EF4-FFF2-40B4-BE49-F238E27FC236}">
+                  <a16:creationId xmlns:a16="http://schemas.microsoft.com/office/drawing/2014/main" id="{8DFA5ECB-6CA6-4F27-807D-6A189A005588}"/>
+                </a:ext>
+              </a:extLst>
+            </p:cNvPr>
+            <p:cNvSpPr txBox="1"/>
+            <p:nvPr/>
+          </p:nvSpPr>
+          <p:spPr>
+            <a:xfrm>
+              <a:off x="268420" y="7958055"/>
+              <a:ext cx="897706" cy="580800"/>
+            </a:xfrm>
+            <a:prstGeom prst="rect">
+              <a:avLst/>
+            </a:prstGeom>
+            <a:noFill/>
+          </p:spPr>
+          <p:txBody>
+            <a:bodyPr wrap="square" rtlCol="0">
+              <a:spAutoFit/>
+            </a:bodyPr>
+            <a:lstStyle/>
+            <a:p>
+              <a:r>
+                <a:rPr lang="en-US" sz="3174" b="1" dirty="0">
+                  <a:latin typeface="Times New Roman" panose="02020603050405020304" pitchFamily="18" charset="0"/>
+                  <a:cs typeface="Times New Roman" panose="02020603050405020304" pitchFamily="18" charset="0"/>
+                </a:rPr>
+                <a:t>B</a:t>
+              </a:r>
+            </a:p>
+          </p:txBody>
+        </p:sp>
+        <p:grpSp>
+          <p:nvGrpSpPr>
+            <p:cNvPr id="38" name="Group 37">
+              <a:extLst>
+                <a:ext uri="{FF2B5EF4-FFF2-40B4-BE49-F238E27FC236}">
+                  <a16:creationId xmlns:a16="http://schemas.microsoft.com/office/drawing/2014/main" id="{A1CD6525-0024-451B-A8E5-848492FD1D9D}"/>
+                </a:ext>
+              </a:extLst>
+            </p:cNvPr>
+            <p:cNvGrpSpPr/>
+            <p:nvPr/>
+          </p:nvGrpSpPr>
+          <p:grpSpPr>
+            <a:xfrm>
+              <a:off x="1602228" y="8039847"/>
+              <a:ext cx="2922662" cy="3335597"/>
+              <a:chOff x="2121698" y="8103452"/>
+              <a:chExt cx="2922662" cy="3335597"/>
+            </a:xfrm>
+          </p:grpSpPr>
+          <p:pic>
+            <p:nvPicPr>
+              <p:cNvPr id="5" name="Picture 4">
+                <a:extLst>
+                  <a:ext uri="{FF2B5EF4-FFF2-40B4-BE49-F238E27FC236}">
+                    <a16:creationId xmlns:a16="http://schemas.microsoft.com/office/drawing/2014/main" id="{EF1F6314-FED6-4880-9653-D9404A033E55}"/>
+                  </a:ext>
+                </a:extLst>
+              </p:cNvPr>
+              <p:cNvPicPr>
+                <a:picLocks noChangeAspect="1"/>
+              </p:cNvPicPr>
+              <p:nvPr/>
+            </p:nvPicPr>
+            <p:blipFill>
+              <a:blip r:embed="rId4"/>
+              <a:stretch>
+                <a:fillRect/>
+              </a:stretch>
+            </p:blipFill>
+            <p:spPr>
+              <a:xfrm>
+                <a:off x="2121698" y="8538855"/>
+                <a:ext cx="2397634" cy="2900194"/>
+              </a:xfrm>
+              <a:prstGeom prst="rect">
+                <a:avLst/>
+              </a:prstGeom>
+            </p:spPr>
+          </p:pic>
+          <p:sp>
+            <p:nvSpPr>
+              <p:cNvPr id="6" name="TextBox 5">
+                <a:extLst>
+                  <a:ext uri="{FF2B5EF4-FFF2-40B4-BE49-F238E27FC236}">
+                    <a16:creationId xmlns:a16="http://schemas.microsoft.com/office/drawing/2014/main" id="{47EA12D5-251D-4FBA-BD2A-26F7AD08DDDE}"/>
+                  </a:ext>
+                </a:extLst>
+              </p:cNvPr>
+              <p:cNvSpPr txBox="1"/>
+              <p:nvPr/>
+            </p:nvSpPr>
+            <p:spPr>
+              <a:xfrm>
+                <a:off x="2343818" y="8103452"/>
+                <a:ext cx="2700542" cy="400110"/>
+              </a:xfrm>
+              <a:prstGeom prst="rect">
+                <a:avLst/>
+              </a:prstGeom>
+              <a:noFill/>
+            </p:spPr>
+            <p:txBody>
+              <a:bodyPr wrap="square" rtlCol="0">
+                <a:spAutoFit/>
+              </a:bodyPr>
+              <a:lstStyle/>
+              <a:p>
+                <a:r>
+                  <a:rPr lang="en-US" sz="2000" b="1" dirty="0">
+                    <a:latin typeface="Times New Roman" panose="02020603050405020304" pitchFamily="18" charset="0"/>
+                    <a:cs typeface="Times New Roman" panose="02020603050405020304" pitchFamily="18" charset="0"/>
+                  </a:rPr>
+                  <a:t>Spironolactone</a:t>
+                </a:r>
+              </a:p>
+            </p:txBody>
+          </p:sp>
+        </p:grpSp>
+        <p:grpSp>
+          <p:nvGrpSpPr>
+            <p:cNvPr id="40" name="Group 39">
+              <a:extLst>
+                <a:ext uri="{FF2B5EF4-FFF2-40B4-BE49-F238E27FC236}">
+                  <a16:creationId xmlns:a16="http://schemas.microsoft.com/office/drawing/2014/main" id="{5B10AC26-4032-4DBB-97E7-1634253D93F6}"/>
+                </a:ext>
+              </a:extLst>
+            </p:cNvPr>
+            <p:cNvGrpSpPr/>
+            <p:nvPr/>
+          </p:nvGrpSpPr>
+          <p:grpSpPr>
+            <a:xfrm>
+              <a:off x="5797687" y="8049487"/>
+              <a:ext cx="3576152" cy="3102589"/>
+              <a:chOff x="5529273" y="8011776"/>
+              <a:chExt cx="3576152" cy="3102589"/>
+            </a:xfrm>
+          </p:grpSpPr>
+          <p:pic>
+            <p:nvPicPr>
+              <p:cNvPr id="8" name="Picture 7">
+                <a:extLst>
+                  <a:ext uri="{FF2B5EF4-FFF2-40B4-BE49-F238E27FC236}">
+                    <a16:creationId xmlns:a16="http://schemas.microsoft.com/office/drawing/2014/main" id="{C0114F1D-98E3-40C4-BC3F-31E3FD75AE8C}"/>
+                  </a:ext>
+                </a:extLst>
+              </p:cNvPr>
+              <p:cNvPicPr>
+                <a:picLocks noChangeAspect="1"/>
+              </p:cNvPicPr>
+              <p:nvPr/>
+            </p:nvPicPr>
+            <p:blipFill>
+              <a:blip r:embed="rId5"/>
+              <a:stretch>
+                <a:fillRect/>
+              </a:stretch>
+            </p:blipFill>
+            <p:spPr>
+              <a:xfrm>
+                <a:off x="5529273" y="8651427"/>
+                <a:ext cx="3441365" cy="2462938"/>
+              </a:xfrm>
+              <a:prstGeom prst="rect">
+                <a:avLst/>
+              </a:prstGeom>
+            </p:spPr>
+          </p:pic>
+          <p:sp>
+            <p:nvSpPr>
+              <p:cNvPr id="20" name="TextBox 19">
+                <a:extLst>
+                  <a:ext uri="{FF2B5EF4-FFF2-40B4-BE49-F238E27FC236}">
+                    <a16:creationId xmlns:a16="http://schemas.microsoft.com/office/drawing/2014/main" id="{188A4506-DFF0-4FAA-9217-E6B42F35305A}"/>
+                  </a:ext>
+                </a:extLst>
+              </p:cNvPr>
+              <p:cNvSpPr txBox="1"/>
+              <p:nvPr/>
+            </p:nvSpPr>
+            <p:spPr>
+              <a:xfrm>
+                <a:off x="6404883" y="8011776"/>
+                <a:ext cx="2700542" cy="400110"/>
+              </a:xfrm>
+              <a:prstGeom prst="rect">
+                <a:avLst/>
+              </a:prstGeom>
+              <a:noFill/>
+            </p:spPr>
+            <p:txBody>
+              <a:bodyPr wrap="square" rtlCol="0">
+                <a:spAutoFit/>
+              </a:bodyPr>
+              <a:lstStyle/>
+              <a:p>
+                <a:r>
+                  <a:rPr lang="en-US" sz="2000" b="1" dirty="0">
+                    <a:latin typeface="Times New Roman" panose="02020603050405020304" pitchFamily="18" charset="0"/>
+                    <a:cs typeface="Times New Roman" panose="02020603050405020304" pitchFamily="18" charset="0"/>
+                  </a:rPr>
+                  <a:t>Oleanolic acid</a:t>
+                </a:r>
+              </a:p>
+            </p:txBody>
+          </p:sp>
+        </p:grpSp>
+        <p:grpSp>
+          <p:nvGrpSpPr>
+            <p:cNvPr id="41" name="Group 40">
+              <a:extLst>
+                <a:ext uri="{FF2B5EF4-FFF2-40B4-BE49-F238E27FC236}">
+                  <a16:creationId xmlns:a16="http://schemas.microsoft.com/office/drawing/2014/main" id="{7EDD54F3-A656-48BA-A031-1284D0A65AD3}"/>
+                </a:ext>
+              </a:extLst>
+            </p:cNvPr>
+            <p:cNvGrpSpPr/>
+            <p:nvPr/>
+          </p:nvGrpSpPr>
+          <p:grpSpPr>
+            <a:xfrm>
+              <a:off x="10314158" y="8053030"/>
+              <a:ext cx="3149511" cy="3099046"/>
+              <a:chOff x="10252956" y="8015319"/>
+              <a:chExt cx="3149511" cy="3099046"/>
+            </a:xfrm>
+          </p:grpSpPr>
+          <p:pic>
+            <p:nvPicPr>
+              <p:cNvPr id="10" name="Picture 9">
+                <a:extLst>
+                  <a:ext uri="{FF2B5EF4-FFF2-40B4-BE49-F238E27FC236}">
+                    <a16:creationId xmlns:a16="http://schemas.microsoft.com/office/drawing/2014/main" id="{4411E461-9A51-4E90-814D-1E382CD1A361}"/>
+                  </a:ext>
+                </a:extLst>
+              </p:cNvPr>
+              <p:cNvPicPr>
+                <a:picLocks noChangeAspect="1"/>
+              </p:cNvPicPr>
+              <p:nvPr/>
+            </p:nvPicPr>
+            <p:blipFill>
+              <a:blip r:embed="rId6"/>
+              <a:stretch>
+                <a:fillRect/>
+              </a:stretch>
+            </p:blipFill>
+            <p:spPr>
+              <a:xfrm>
+                <a:off x="10252956" y="8651426"/>
+                <a:ext cx="3026212" cy="2462939"/>
+              </a:xfrm>
+              <a:prstGeom prst="rect">
+                <a:avLst/>
+              </a:prstGeom>
+            </p:spPr>
+          </p:pic>
+          <p:sp>
+            <p:nvSpPr>
+              <p:cNvPr id="23" name="TextBox 22">
+                <a:extLst>
+                  <a:ext uri="{FF2B5EF4-FFF2-40B4-BE49-F238E27FC236}">
+                    <a16:creationId xmlns:a16="http://schemas.microsoft.com/office/drawing/2014/main" id="{50DDAF2E-0556-4434-8179-DF7A40CD5797}"/>
+                  </a:ext>
+                </a:extLst>
+              </p:cNvPr>
+              <p:cNvSpPr txBox="1"/>
+              <p:nvPr/>
+            </p:nvSpPr>
+            <p:spPr>
+              <a:xfrm>
+                <a:off x="10701925" y="8015319"/>
+                <a:ext cx="2700542" cy="400110"/>
+              </a:xfrm>
+              <a:prstGeom prst="rect">
+                <a:avLst/>
+              </a:prstGeom>
+              <a:noFill/>
+            </p:spPr>
+            <p:txBody>
+              <a:bodyPr wrap="square" rtlCol="0">
+                <a:spAutoFit/>
+              </a:bodyPr>
+              <a:lstStyle/>
+              <a:p>
+                <a:pPr algn="l"/>
+                <a:r>
+                  <a:rPr lang="en-US" sz="2000" b="1" dirty="0">
+                    <a:latin typeface="Times New Roman" panose="02020603050405020304" pitchFamily="18" charset="0"/>
+                    <a:cs typeface="Times New Roman" panose="02020603050405020304" pitchFamily="18" charset="0"/>
+                  </a:rPr>
+                  <a:t>Echinocystic acid</a:t>
+                </a:r>
+              </a:p>
+            </p:txBody>
+          </p:sp>
+        </p:grpSp>
+        <p:grpSp>
+          <p:nvGrpSpPr>
+            <p:cNvPr id="35" name="Group 34">
+              <a:extLst>
+                <a:ext uri="{FF2B5EF4-FFF2-40B4-BE49-F238E27FC236}">
+                  <a16:creationId xmlns:a16="http://schemas.microsoft.com/office/drawing/2014/main" id="{1ADCEE93-00AB-4642-BCB3-4D005BA75696}"/>
+                </a:ext>
+              </a:extLst>
+            </p:cNvPr>
+            <p:cNvGrpSpPr/>
+            <p:nvPr/>
+          </p:nvGrpSpPr>
+          <p:grpSpPr>
+            <a:xfrm>
+              <a:off x="468476" y="11843328"/>
+              <a:ext cx="3511762" cy="3378250"/>
+              <a:chOff x="3694089" y="11847929"/>
+              <a:chExt cx="3511762" cy="3378250"/>
+            </a:xfrm>
+          </p:grpSpPr>
+          <p:pic>
+            <p:nvPicPr>
+              <p:cNvPr id="12" name="Picture 11">
+                <a:extLst>
+                  <a:ext uri="{FF2B5EF4-FFF2-40B4-BE49-F238E27FC236}">
+                    <a16:creationId xmlns:a16="http://schemas.microsoft.com/office/drawing/2014/main" id="{26353F88-3630-4A8E-B410-9E3D9387B18D}"/>
+                  </a:ext>
+                </a:extLst>
+              </p:cNvPr>
+              <p:cNvPicPr>
+                <a:picLocks noChangeAspect="1"/>
+              </p:cNvPicPr>
+              <p:nvPr/>
+            </p:nvPicPr>
+            <p:blipFill>
+              <a:blip r:embed="rId7"/>
+              <a:stretch>
+                <a:fillRect/>
+              </a:stretch>
+            </p:blipFill>
+            <p:spPr>
+              <a:xfrm>
+                <a:off x="3694089" y="11847929"/>
+                <a:ext cx="2397633" cy="2847609"/>
+              </a:xfrm>
+              <a:prstGeom prst="rect">
+                <a:avLst/>
+              </a:prstGeom>
+            </p:spPr>
+          </p:pic>
+          <p:sp>
+            <p:nvSpPr>
+              <p:cNvPr id="28" name="TextBox 27">
+                <a:extLst>
+                  <a:ext uri="{FF2B5EF4-FFF2-40B4-BE49-F238E27FC236}">
+                    <a16:creationId xmlns:a16="http://schemas.microsoft.com/office/drawing/2014/main" id="{6476C1D1-9E5C-44D4-B261-22846810EC9E}"/>
+                  </a:ext>
+                </a:extLst>
+              </p:cNvPr>
+              <p:cNvSpPr txBox="1"/>
+              <p:nvPr/>
+            </p:nvSpPr>
+            <p:spPr>
+              <a:xfrm>
+                <a:off x="4505309" y="14826069"/>
+                <a:ext cx="2700542" cy="400110"/>
+              </a:xfrm>
+              <a:prstGeom prst="rect">
+                <a:avLst/>
+              </a:prstGeom>
+              <a:noFill/>
+            </p:spPr>
+            <p:txBody>
+              <a:bodyPr wrap="square" rtlCol="0">
+                <a:spAutoFit/>
+              </a:bodyPr>
+              <a:lstStyle/>
+              <a:p>
+                <a:r>
+                  <a:rPr lang="en-US" sz="2000" dirty="0">
+                    <a:latin typeface="Times New Roman" panose="02020603050405020304" pitchFamily="18" charset="0"/>
+                    <a:cs typeface="Times New Roman" panose="02020603050405020304" pitchFamily="18" charset="0"/>
+                  </a:rPr>
+                  <a:t>PTPN22</a:t>
+                </a:r>
+              </a:p>
+            </p:txBody>
+          </p:sp>
+        </p:grpSp>
+        <p:grpSp>
+          <p:nvGrpSpPr>
+            <p:cNvPr id="37" name="Group 36">
+              <a:extLst>
+                <a:ext uri="{FF2B5EF4-FFF2-40B4-BE49-F238E27FC236}">
+                  <a16:creationId xmlns:a16="http://schemas.microsoft.com/office/drawing/2014/main" id="{FC18B488-74FF-42A7-B409-2EF1CBC43D6D}"/>
+                </a:ext>
+              </a:extLst>
+            </p:cNvPr>
+            <p:cNvGrpSpPr/>
+            <p:nvPr/>
+          </p:nvGrpSpPr>
+          <p:grpSpPr>
+            <a:xfrm>
+              <a:off x="3468281" y="11995347"/>
+              <a:ext cx="3285362" cy="3226231"/>
+              <a:chOff x="8195778" y="12137245"/>
+              <a:chExt cx="3285362" cy="3226231"/>
+            </a:xfrm>
+          </p:grpSpPr>
+          <p:pic>
+            <p:nvPicPr>
+              <p:cNvPr id="15" name="Picture 14">
+                <a:extLst>
+                  <a:ext uri="{FF2B5EF4-FFF2-40B4-BE49-F238E27FC236}">
+                    <a16:creationId xmlns:a16="http://schemas.microsoft.com/office/drawing/2014/main" id="{0259E803-242B-4032-9BC0-1BE1DAF643C6}"/>
+                  </a:ext>
+                </a:extLst>
+              </p:cNvPr>
+              <p:cNvPicPr>
+                <a:picLocks noChangeAspect="1"/>
+              </p:cNvPicPr>
+              <p:nvPr/>
+            </p:nvPicPr>
+            <p:blipFill>
+              <a:blip r:embed="rId8"/>
+              <a:stretch>
+                <a:fillRect/>
+              </a:stretch>
+            </p:blipFill>
+            <p:spPr>
+              <a:xfrm>
+                <a:off x="8195778" y="12137245"/>
+                <a:ext cx="2177192" cy="2847609"/>
+              </a:xfrm>
+              <a:prstGeom prst="rect">
+                <a:avLst/>
+              </a:prstGeom>
+            </p:spPr>
+          </p:pic>
+          <p:sp>
+            <p:nvSpPr>
+              <p:cNvPr id="29" name="TextBox 28">
+                <a:extLst>
+                  <a:ext uri="{FF2B5EF4-FFF2-40B4-BE49-F238E27FC236}">
+                    <a16:creationId xmlns:a16="http://schemas.microsoft.com/office/drawing/2014/main" id="{20EE9E54-B8D9-4078-AA39-F15BF7C222E5}"/>
+                  </a:ext>
+                </a:extLst>
+              </p:cNvPr>
+              <p:cNvSpPr txBox="1"/>
+              <p:nvPr/>
+            </p:nvSpPr>
+            <p:spPr>
+              <a:xfrm>
+                <a:off x="8780598" y="14963366"/>
+                <a:ext cx="2700542" cy="400110"/>
+              </a:xfrm>
+              <a:prstGeom prst="rect">
+                <a:avLst/>
+              </a:prstGeom>
+              <a:noFill/>
+            </p:spPr>
+            <p:txBody>
+              <a:bodyPr wrap="square" rtlCol="0">
+                <a:spAutoFit/>
+              </a:bodyPr>
+              <a:lstStyle/>
+              <a:p>
+                <a:r>
+                  <a:rPr lang="en-US" sz="2000" dirty="0">
+                    <a:latin typeface="Times New Roman" panose="02020603050405020304" pitchFamily="18" charset="0"/>
+                    <a:cs typeface="Times New Roman" panose="02020603050405020304" pitchFamily="18" charset="0"/>
+                  </a:rPr>
+                  <a:t>GRIA2</a:t>
+                </a:r>
+              </a:p>
+            </p:txBody>
+          </p:sp>
+        </p:grpSp>
+        <p:sp>
+          <p:nvSpPr>
+            <p:cNvPr id="45" name="TextBox 44">
+              <a:extLst>
+                <a:ext uri="{FF2B5EF4-FFF2-40B4-BE49-F238E27FC236}">
+                  <a16:creationId xmlns:a16="http://schemas.microsoft.com/office/drawing/2014/main" id="{B9242CF8-244A-44A5-A15B-F557C66A3A7E}"/>
+                </a:ext>
+              </a:extLst>
+            </p:cNvPr>
+            <p:cNvSpPr txBox="1"/>
+            <p:nvPr/>
+          </p:nvSpPr>
+          <p:spPr>
+            <a:xfrm>
+              <a:off x="532661" y="11127553"/>
               <a:ext cx="2700542" cy="400110"/>
             </a:xfrm>
             <a:prstGeom prst="rect">
@@ -3698,73 +4407,233 @@
             <a:lstStyle/>
             <a:p>
               <a:r>
-                <a:rPr lang="en-US" sz="2000" b="0" i="0" dirty="0">
-                  <a:effectLst/>
+                <a:rPr lang="en-US" sz="2000" i="1" dirty="0">
                   <a:latin typeface="Times New Roman" panose="02020603050405020304" pitchFamily="18" charset="0"/>
                   <a:cs typeface="Times New Roman" panose="02020603050405020304" pitchFamily="18" charset="0"/>
                 </a:rPr>
-                <a:t>Spironolactone</a:t>
+                <a:t>-9 kcal/mole</a:t>
               </a:r>
             </a:p>
           </p:txBody>
         </p:sp>
-      </p:grpSp>
-      <p:grpSp>
-        <p:nvGrpSpPr>
-          <p:cNvPr id="40" name="Group 39">
-            <a:extLst>
-              <a:ext uri="{FF2B5EF4-FFF2-40B4-BE49-F238E27FC236}">
-                <a16:creationId xmlns:a16="http://schemas.microsoft.com/office/drawing/2014/main" id="{5B10AC26-4032-4DBB-97E7-1634253D93F6}"/>
-              </a:ext>
-            </a:extLst>
-          </p:cNvPr>
-          <p:cNvGrpSpPr/>
-          <p:nvPr/>
-        </p:nvGrpSpPr>
-        <p:grpSpPr>
-          <a:xfrm>
-            <a:off x="5797687" y="8049487"/>
-            <a:ext cx="3576152" cy="3102589"/>
-            <a:chOff x="5529273" y="8011776"/>
-            <a:chExt cx="3576152" cy="3102589"/>
-          </a:xfrm>
-        </p:grpSpPr>
-        <p:pic>
-          <p:nvPicPr>
-            <p:cNvPr id="8" name="Picture 7">
+        <p:cxnSp>
+          <p:nvCxnSpPr>
+            <p:cNvPr id="47" name="Straight Arrow Connector 46">
               <a:extLst>
                 <a:ext uri="{FF2B5EF4-FFF2-40B4-BE49-F238E27FC236}">
-                  <a16:creationId xmlns:a16="http://schemas.microsoft.com/office/drawing/2014/main" id="{C0114F1D-98E3-40C4-BC3F-31E3FD75AE8C}"/>
+                  <a16:creationId xmlns:a16="http://schemas.microsoft.com/office/drawing/2014/main" id="{0A3FAB7F-9816-4BC2-B0EA-E805E87AA38E}"/>
                 </a:ext>
               </a:extLst>
             </p:cNvPr>
-            <p:cNvPicPr>
-              <a:picLocks noChangeAspect="1"/>
-            </p:cNvPicPr>
+            <p:cNvCxnSpPr>
+              <a:cxnSpLocks/>
+            </p:cNvCxnSpPr>
             <p:nvPr/>
-          </p:nvPicPr>
-          <p:blipFill>
-            <a:blip r:embed="rId5"/>
-            <a:stretch>
-              <a:fillRect/>
-            </a:stretch>
-          </p:blipFill>
+          </p:nvCxnSpPr>
+          <p:spPr>
+            <a:xfrm flipH="1">
+              <a:off x="2147988" y="11126015"/>
+              <a:ext cx="547003" cy="618415"/>
+            </a:xfrm>
+            <a:prstGeom prst="straightConnector1">
+              <a:avLst/>
+            </a:prstGeom>
+            <a:ln w="38100">
+              <a:tailEnd type="triangle"/>
+            </a:ln>
+          </p:spPr>
+          <p:style>
+            <a:lnRef idx="1">
+              <a:schemeClr val="accent1"/>
+            </a:lnRef>
+            <a:fillRef idx="0">
+              <a:schemeClr val="accent1"/>
+            </a:fillRef>
+            <a:effectRef idx="0">
+              <a:schemeClr val="accent1"/>
+            </a:effectRef>
+            <a:fontRef idx="minor">
+              <a:schemeClr val="tx1"/>
+            </a:fontRef>
+          </p:style>
+        </p:cxnSp>
+        <p:cxnSp>
+          <p:nvCxnSpPr>
+            <p:cNvPr id="55" name="Straight Arrow Connector 54">
+              <a:extLst>
+                <a:ext uri="{FF2B5EF4-FFF2-40B4-BE49-F238E27FC236}">
+                  <a16:creationId xmlns:a16="http://schemas.microsoft.com/office/drawing/2014/main" id="{D85F3CC5-7F7B-498C-9C10-07E74E1EB971}"/>
+                </a:ext>
+              </a:extLst>
+            </p:cNvPr>
+            <p:cNvCxnSpPr>
+              <a:cxnSpLocks/>
+            </p:cNvCxnSpPr>
+            <p:nvPr/>
+          </p:nvCxnSpPr>
           <p:spPr>
             <a:xfrm>
-              <a:off x="5529273" y="8651427"/>
-              <a:ext cx="3441365" cy="2462938"/>
+              <a:off x="3497446" y="11220364"/>
+              <a:ext cx="482792" cy="613623"/>
             </a:xfrm>
-            <a:prstGeom prst="rect">
+            <a:prstGeom prst="straightConnector1">
               <a:avLst/>
             </a:prstGeom>
+            <a:ln w="38100">
+              <a:tailEnd type="triangle"/>
+            </a:ln>
           </p:spPr>
-        </p:pic>
+          <p:style>
+            <a:lnRef idx="1">
+              <a:schemeClr val="accent1"/>
+            </a:lnRef>
+            <a:fillRef idx="0">
+              <a:schemeClr val="accent1"/>
+            </a:fillRef>
+            <a:effectRef idx="0">
+              <a:schemeClr val="accent1"/>
+            </a:effectRef>
+            <a:fontRef idx="minor">
+              <a:schemeClr val="tx1"/>
+            </a:fontRef>
+          </p:style>
+        </p:cxnSp>
+        <p:grpSp>
+          <p:nvGrpSpPr>
+            <p:cNvPr id="57" name="Group 56">
+              <a:extLst>
+                <a:ext uri="{FF2B5EF4-FFF2-40B4-BE49-F238E27FC236}">
+                  <a16:creationId xmlns:a16="http://schemas.microsoft.com/office/drawing/2014/main" id="{7EE37DB0-A941-4C9F-B0C4-2D6BD308E7F5}"/>
+                </a:ext>
+              </a:extLst>
+            </p:cNvPr>
+            <p:cNvGrpSpPr/>
+            <p:nvPr/>
+          </p:nvGrpSpPr>
+          <p:grpSpPr>
+            <a:xfrm>
+              <a:off x="6568665" y="11792384"/>
+              <a:ext cx="3511762" cy="3378250"/>
+              <a:chOff x="3694089" y="11847929"/>
+              <a:chExt cx="3511762" cy="3378250"/>
+            </a:xfrm>
+          </p:grpSpPr>
+          <p:pic>
+            <p:nvPicPr>
+              <p:cNvPr id="58" name="Picture 57">
+                <a:extLst>
+                  <a:ext uri="{FF2B5EF4-FFF2-40B4-BE49-F238E27FC236}">
+                    <a16:creationId xmlns:a16="http://schemas.microsoft.com/office/drawing/2014/main" id="{BDE1C8F9-E5F7-48B4-A1C5-7A2190F1E126}"/>
+                  </a:ext>
+                </a:extLst>
+              </p:cNvPr>
+              <p:cNvPicPr>
+                <a:picLocks noChangeAspect="1"/>
+              </p:cNvPicPr>
+              <p:nvPr/>
+            </p:nvPicPr>
+            <p:blipFill>
+              <a:blip r:embed="rId7"/>
+              <a:stretch>
+                <a:fillRect/>
+              </a:stretch>
+            </p:blipFill>
+            <p:spPr>
+              <a:xfrm>
+                <a:off x="3694089" y="11847929"/>
+                <a:ext cx="2397633" cy="2847609"/>
+              </a:xfrm>
+              <a:prstGeom prst="rect">
+                <a:avLst/>
+              </a:prstGeom>
+            </p:spPr>
+          </p:pic>
+          <p:sp>
+            <p:nvSpPr>
+              <p:cNvPr id="59" name="TextBox 58">
+                <a:extLst>
+                  <a:ext uri="{FF2B5EF4-FFF2-40B4-BE49-F238E27FC236}">
+                    <a16:creationId xmlns:a16="http://schemas.microsoft.com/office/drawing/2014/main" id="{A2182CDA-3F59-46DB-AB9F-F07BA1AA5DA8}"/>
+                  </a:ext>
+                </a:extLst>
+              </p:cNvPr>
+              <p:cNvSpPr txBox="1"/>
+              <p:nvPr/>
+            </p:nvSpPr>
+            <p:spPr>
+              <a:xfrm>
+                <a:off x="4505309" y="14826069"/>
+                <a:ext cx="2700542" cy="400110"/>
+              </a:xfrm>
+              <a:prstGeom prst="rect">
+                <a:avLst/>
+              </a:prstGeom>
+              <a:noFill/>
+            </p:spPr>
+            <p:txBody>
+              <a:bodyPr wrap="square" rtlCol="0">
+                <a:spAutoFit/>
+              </a:bodyPr>
+              <a:lstStyle/>
+              <a:p>
+                <a:r>
+                  <a:rPr lang="en-US" sz="2000" dirty="0">
+                    <a:latin typeface="Times New Roman" panose="02020603050405020304" pitchFamily="18" charset="0"/>
+                    <a:cs typeface="Times New Roman" panose="02020603050405020304" pitchFamily="18" charset="0"/>
+                  </a:rPr>
+                  <a:t>PTPN22</a:t>
+                </a:r>
+              </a:p>
+            </p:txBody>
+          </p:sp>
+        </p:grpSp>
+        <p:cxnSp>
+          <p:nvCxnSpPr>
+            <p:cNvPr id="60" name="Straight Arrow Connector 59">
+              <a:extLst>
+                <a:ext uri="{FF2B5EF4-FFF2-40B4-BE49-F238E27FC236}">
+                  <a16:creationId xmlns:a16="http://schemas.microsoft.com/office/drawing/2014/main" id="{24111FBA-6872-473C-8F9F-995B094169E7}"/>
+                </a:ext>
+              </a:extLst>
+            </p:cNvPr>
+            <p:cNvCxnSpPr>
+              <a:cxnSpLocks/>
+            </p:cNvCxnSpPr>
+            <p:nvPr/>
+          </p:nvCxnSpPr>
+          <p:spPr>
+            <a:xfrm>
+              <a:off x="7811305" y="10698297"/>
+              <a:ext cx="1" cy="789456"/>
+            </a:xfrm>
+            <a:prstGeom prst="straightConnector1">
+              <a:avLst/>
+            </a:prstGeom>
+            <a:ln w="38100">
+              <a:tailEnd type="triangle"/>
+            </a:ln>
+          </p:spPr>
+          <p:style>
+            <a:lnRef idx="1">
+              <a:schemeClr val="accent1"/>
+            </a:lnRef>
+            <a:fillRef idx="0">
+              <a:schemeClr val="accent1"/>
+            </a:fillRef>
+            <a:effectRef idx="0">
+              <a:schemeClr val="accent1"/>
+            </a:effectRef>
+            <a:fontRef idx="minor">
+              <a:schemeClr val="tx1"/>
+            </a:fontRef>
+          </p:style>
+        </p:cxnSp>
         <p:sp>
           <p:nvSpPr>
-            <p:cNvPr id="20" name="TextBox 19">
+            <p:cNvPr id="62" name="TextBox 61">
               <a:extLst>
                 <a:ext uri="{FF2B5EF4-FFF2-40B4-BE49-F238E27FC236}">
-                  <a16:creationId xmlns:a16="http://schemas.microsoft.com/office/drawing/2014/main" id="{188A4506-DFF0-4FAA-9217-E6B42F35305A}"/>
+                  <a16:creationId xmlns:a16="http://schemas.microsoft.com/office/drawing/2014/main" id="{97FAD9E5-2C2C-4FED-B76A-6BD79578B6D6}"/>
                 </a:ext>
               </a:extLst>
             </p:cNvPr>
@@ -3773,7 +4642,7 @@
           </p:nvSpPr>
           <p:spPr>
             <a:xfrm>
-              <a:off x="6404883" y="8011776"/>
+              <a:off x="8023568" y="10869366"/>
               <a:ext cx="2700542" cy="400110"/>
             </a:xfrm>
             <a:prstGeom prst="rect">
@@ -3788,73 +4657,151 @@
             <a:lstStyle/>
             <a:p>
               <a:r>
-                <a:rPr lang="en-US" sz="2000" b="0" i="0" dirty="0">
-                  <a:effectLst/>
+                <a:rPr lang="en-US" sz="2000" i="1" dirty="0">
                   <a:latin typeface="Times New Roman" panose="02020603050405020304" pitchFamily="18" charset="0"/>
                   <a:cs typeface="Times New Roman" panose="02020603050405020304" pitchFamily="18" charset="0"/>
                 </a:rPr>
-                <a:t>Oleanolic acid</a:t>
+                <a:t>-8.3 kcal/mole</a:t>
               </a:r>
             </a:p>
           </p:txBody>
         </p:sp>
-      </p:grpSp>
-      <p:grpSp>
-        <p:nvGrpSpPr>
-          <p:cNvPr id="41" name="Group 40">
-            <a:extLst>
-              <a:ext uri="{FF2B5EF4-FFF2-40B4-BE49-F238E27FC236}">
-                <a16:creationId xmlns:a16="http://schemas.microsoft.com/office/drawing/2014/main" id="{7EDD54F3-A656-48BA-A031-1284D0A65AD3}"/>
-              </a:ext>
-            </a:extLst>
-          </p:cNvPr>
-          <p:cNvGrpSpPr/>
-          <p:nvPr/>
-        </p:nvGrpSpPr>
-        <p:grpSpPr>
-          <a:xfrm>
-            <a:off x="10314158" y="8039847"/>
-            <a:ext cx="3382777" cy="3112229"/>
-            <a:chOff x="10252956" y="8002136"/>
-            <a:chExt cx="3382777" cy="3112229"/>
-          </a:xfrm>
-        </p:grpSpPr>
-        <p:pic>
-          <p:nvPicPr>
-            <p:cNvPr id="10" name="Picture 9">
+        <p:grpSp>
+          <p:nvGrpSpPr>
+            <p:cNvPr id="63" name="Group 62">
               <a:extLst>
                 <a:ext uri="{FF2B5EF4-FFF2-40B4-BE49-F238E27FC236}">
-                  <a16:creationId xmlns:a16="http://schemas.microsoft.com/office/drawing/2014/main" id="{4411E461-9A51-4E90-814D-1E382CD1A361}"/>
+                  <a16:creationId xmlns:a16="http://schemas.microsoft.com/office/drawing/2014/main" id="{5DE7D555-0479-49F3-8F3A-25169CADA1C4}"/>
                 </a:ext>
               </a:extLst>
             </p:cNvPr>
-            <p:cNvPicPr>
-              <a:picLocks noChangeAspect="1"/>
-            </p:cNvPicPr>
+            <p:cNvGrpSpPr/>
             <p:nvPr/>
-          </p:nvPicPr>
-          <p:blipFill>
-            <a:blip r:embed="rId6"/>
-            <a:stretch>
-              <a:fillRect/>
-            </a:stretch>
-          </p:blipFill>
+          </p:nvGrpSpPr>
+          <p:grpSpPr>
+            <a:xfrm>
+              <a:off x="10395445" y="11792384"/>
+              <a:ext cx="3511762" cy="3378250"/>
+              <a:chOff x="3694089" y="11847929"/>
+              <a:chExt cx="3511762" cy="3378250"/>
+            </a:xfrm>
+          </p:grpSpPr>
+          <p:pic>
+            <p:nvPicPr>
+              <p:cNvPr id="64" name="Picture 63">
+                <a:extLst>
+                  <a:ext uri="{FF2B5EF4-FFF2-40B4-BE49-F238E27FC236}">
+                    <a16:creationId xmlns:a16="http://schemas.microsoft.com/office/drawing/2014/main" id="{B0C437CF-C7D3-452C-9B19-319E696D8F38}"/>
+                  </a:ext>
+                </a:extLst>
+              </p:cNvPr>
+              <p:cNvPicPr>
+                <a:picLocks noChangeAspect="1"/>
+              </p:cNvPicPr>
+              <p:nvPr/>
+            </p:nvPicPr>
+            <p:blipFill>
+              <a:blip r:embed="rId7"/>
+              <a:stretch>
+                <a:fillRect/>
+              </a:stretch>
+            </p:blipFill>
+            <p:spPr>
+              <a:xfrm>
+                <a:off x="3694089" y="11847929"/>
+                <a:ext cx="2397633" cy="2847609"/>
+              </a:xfrm>
+              <a:prstGeom prst="rect">
+                <a:avLst/>
+              </a:prstGeom>
+            </p:spPr>
+          </p:pic>
+          <p:sp>
+            <p:nvSpPr>
+              <p:cNvPr id="65" name="TextBox 64">
+                <a:extLst>
+                  <a:ext uri="{FF2B5EF4-FFF2-40B4-BE49-F238E27FC236}">
+                    <a16:creationId xmlns:a16="http://schemas.microsoft.com/office/drawing/2014/main" id="{76214288-D0CA-4739-B10C-1DD355EE7AE0}"/>
+                  </a:ext>
+                </a:extLst>
+              </p:cNvPr>
+              <p:cNvSpPr txBox="1"/>
+              <p:nvPr/>
+            </p:nvSpPr>
+            <p:spPr>
+              <a:xfrm>
+                <a:off x="4505309" y="14826069"/>
+                <a:ext cx="2700542" cy="400110"/>
+              </a:xfrm>
+              <a:prstGeom prst="rect">
+                <a:avLst/>
+              </a:prstGeom>
+              <a:noFill/>
+            </p:spPr>
+            <p:txBody>
+              <a:bodyPr wrap="square" rtlCol="0">
+                <a:spAutoFit/>
+              </a:bodyPr>
+              <a:lstStyle/>
+              <a:p>
+                <a:r>
+                  <a:rPr lang="en-US" sz="2000" dirty="0">
+                    <a:latin typeface="Times New Roman" panose="02020603050405020304" pitchFamily="18" charset="0"/>
+                    <a:cs typeface="Times New Roman" panose="02020603050405020304" pitchFamily="18" charset="0"/>
+                  </a:rPr>
+                  <a:t>PTPN22</a:t>
+                </a:r>
+              </a:p>
+            </p:txBody>
+          </p:sp>
+        </p:grpSp>
+        <p:cxnSp>
+          <p:nvCxnSpPr>
+            <p:cNvPr id="66" name="Straight Arrow Connector 65">
+              <a:extLst>
+                <a:ext uri="{FF2B5EF4-FFF2-40B4-BE49-F238E27FC236}">
+                  <a16:creationId xmlns:a16="http://schemas.microsoft.com/office/drawing/2014/main" id="{973687BA-1798-4D91-97C7-7686C5FF5FEF}"/>
+                </a:ext>
+              </a:extLst>
+            </p:cNvPr>
+            <p:cNvCxnSpPr>
+              <a:cxnSpLocks/>
+            </p:cNvCxnSpPr>
+            <p:nvPr/>
+          </p:nvCxnSpPr>
           <p:spPr>
             <a:xfrm>
-              <a:off x="10252956" y="8651426"/>
-              <a:ext cx="3026212" cy="2462939"/>
+              <a:off x="11827264" y="10849686"/>
+              <a:ext cx="1" cy="789456"/>
             </a:xfrm>
-            <a:prstGeom prst="rect">
+            <a:prstGeom prst="straightConnector1">
               <a:avLst/>
             </a:prstGeom>
+            <a:ln w="38100">
+              <a:tailEnd type="triangle"/>
+            </a:ln>
           </p:spPr>
-        </p:pic>
+          <p:style>
+            <a:lnRef idx="1">
+              <a:schemeClr val="accent1"/>
+            </a:lnRef>
+            <a:fillRef idx="0">
+              <a:schemeClr val="accent1"/>
+            </a:fillRef>
+            <a:effectRef idx="0">
+              <a:schemeClr val="accent1"/>
+            </a:effectRef>
+            <a:fontRef idx="minor">
+              <a:schemeClr val="tx1"/>
+            </a:fontRef>
+          </p:style>
+        </p:cxnSp>
         <p:sp>
           <p:nvSpPr>
-            <p:cNvPr id="23" name="TextBox 22">
+            <p:cNvPr id="67" name="TextBox 66">
               <a:extLst>
                 <a:ext uri="{FF2B5EF4-FFF2-40B4-BE49-F238E27FC236}">
-                  <a16:creationId xmlns:a16="http://schemas.microsoft.com/office/drawing/2014/main" id="{50DDAF2E-0556-4434-8179-DF7A40CD5797}"/>
+                  <a16:creationId xmlns:a16="http://schemas.microsoft.com/office/drawing/2014/main" id="{72A5B143-5604-4635-A54A-99E89538794F}"/>
                 </a:ext>
               </a:extLst>
             </p:cNvPr>
@@ -3863,98 +4810,7 @@
           </p:nvSpPr>
           <p:spPr>
             <a:xfrm>
-              <a:off x="10935191" y="8002136"/>
-              <a:ext cx="2700542" cy="400110"/>
-            </a:xfrm>
-            <a:prstGeom prst="rect">
-              <a:avLst/>
-            </a:prstGeom>
-            <a:noFill/>
-          </p:spPr>
-          <p:txBody>
-            <a:bodyPr wrap="square" rtlCol="0">
-              <a:spAutoFit/>
-            </a:bodyPr>
-            <a:lstStyle/>
-            <a:p>
-              <a:pPr algn="l"/>
-              <a:r>
-                <a:rPr lang="en-US" sz="2000" b="0" i="0" dirty="0">
-                  <a:effectLst/>
-                  <a:latin typeface="Times New Roman" panose="02020603050405020304" pitchFamily="18" charset="0"/>
-                  <a:cs typeface="Times New Roman" panose="02020603050405020304" pitchFamily="18" charset="0"/>
-                </a:rPr>
-                <a:t>Echinocystic acid</a:t>
-              </a:r>
-            </a:p>
-          </p:txBody>
-        </p:sp>
-      </p:grpSp>
-      <p:grpSp>
-        <p:nvGrpSpPr>
-          <p:cNvPr id="35" name="Group 34">
-            <a:extLst>
-              <a:ext uri="{FF2B5EF4-FFF2-40B4-BE49-F238E27FC236}">
-                <a16:creationId xmlns:a16="http://schemas.microsoft.com/office/drawing/2014/main" id="{1ADCEE93-00AB-4642-BCB3-4D005BA75696}"/>
-              </a:ext>
-            </a:extLst>
-          </p:cNvPr>
-          <p:cNvGrpSpPr/>
-          <p:nvPr/>
-        </p:nvGrpSpPr>
-        <p:grpSpPr>
-          <a:xfrm>
-            <a:off x="468476" y="11843328"/>
-            <a:ext cx="3511762" cy="3378250"/>
-            <a:chOff x="3694089" y="11847929"/>
-            <a:chExt cx="3511762" cy="3378250"/>
-          </a:xfrm>
-        </p:grpSpPr>
-        <p:pic>
-          <p:nvPicPr>
-            <p:cNvPr id="12" name="Picture 11">
-              <a:extLst>
-                <a:ext uri="{FF2B5EF4-FFF2-40B4-BE49-F238E27FC236}">
-                  <a16:creationId xmlns:a16="http://schemas.microsoft.com/office/drawing/2014/main" id="{26353F88-3630-4A8E-B410-9E3D9387B18D}"/>
-                </a:ext>
-              </a:extLst>
-            </p:cNvPr>
-            <p:cNvPicPr>
-              <a:picLocks noChangeAspect="1"/>
-            </p:cNvPicPr>
-            <p:nvPr/>
-          </p:nvPicPr>
-          <p:blipFill>
-            <a:blip r:embed="rId7"/>
-            <a:stretch>
-              <a:fillRect/>
-            </a:stretch>
-          </p:blipFill>
-          <p:spPr>
-            <a:xfrm>
-              <a:off x="3694089" y="11847929"/>
-              <a:ext cx="2397633" cy="2847609"/>
-            </a:xfrm>
-            <a:prstGeom prst="rect">
-              <a:avLst/>
-            </a:prstGeom>
-          </p:spPr>
-        </p:pic>
-        <p:sp>
-          <p:nvSpPr>
-            <p:cNvPr id="28" name="TextBox 27">
-              <a:extLst>
-                <a:ext uri="{FF2B5EF4-FFF2-40B4-BE49-F238E27FC236}">
-                  <a16:creationId xmlns:a16="http://schemas.microsoft.com/office/drawing/2014/main" id="{6476C1D1-9E5C-44D4-B261-22846810EC9E}"/>
-                </a:ext>
-              </a:extLst>
-            </p:cNvPr>
-            <p:cNvSpPr txBox="1"/>
-            <p:nvPr/>
-          </p:nvSpPr>
-          <p:spPr>
-            <a:xfrm>
-              <a:off x="4505309" y="14826069"/>
+              <a:off x="11990099" y="11058149"/>
               <a:ext cx="2700542" cy="400110"/>
             </a:xfrm>
             <a:prstGeom prst="rect">
@@ -3969,73 +4825,21 @@
             <a:lstStyle/>
             <a:p>
               <a:r>
-                <a:rPr lang="en-US" sz="2000" b="0" i="0" dirty="0">
-                  <a:effectLst/>
+                <a:rPr lang="en-US" sz="2000" i="1" dirty="0">
                   <a:latin typeface="Times New Roman" panose="02020603050405020304" pitchFamily="18" charset="0"/>
                   <a:cs typeface="Times New Roman" panose="02020603050405020304" pitchFamily="18" charset="0"/>
                 </a:rPr>
-                <a:t>PTPN22</a:t>
+                <a:t>-8.3 kcal/mole</a:t>
               </a:r>
             </a:p>
           </p:txBody>
         </p:sp>
-      </p:grpSp>
-      <p:grpSp>
-        <p:nvGrpSpPr>
-          <p:cNvPr id="37" name="Group 36">
-            <a:extLst>
-              <a:ext uri="{FF2B5EF4-FFF2-40B4-BE49-F238E27FC236}">
-                <a16:creationId xmlns:a16="http://schemas.microsoft.com/office/drawing/2014/main" id="{FC18B488-74FF-42A7-B409-2EF1CBC43D6D}"/>
-              </a:ext>
-            </a:extLst>
-          </p:cNvPr>
-          <p:cNvGrpSpPr/>
-          <p:nvPr/>
-        </p:nvGrpSpPr>
-        <p:grpSpPr>
-          <a:xfrm>
-            <a:off x="3468281" y="11995347"/>
-            <a:ext cx="3285362" cy="3226231"/>
-            <a:chOff x="8195778" y="12137245"/>
-            <a:chExt cx="3285362" cy="3226231"/>
-          </a:xfrm>
-        </p:grpSpPr>
-        <p:pic>
-          <p:nvPicPr>
-            <p:cNvPr id="15" name="Picture 14">
+        <p:sp>
+          <p:nvSpPr>
+            <p:cNvPr id="73" name="TextBox 72">
               <a:extLst>
                 <a:ext uri="{FF2B5EF4-FFF2-40B4-BE49-F238E27FC236}">
-                  <a16:creationId xmlns:a16="http://schemas.microsoft.com/office/drawing/2014/main" id="{0259E803-242B-4032-9BC0-1BE1DAF643C6}"/>
-                </a:ext>
-              </a:extLst>
-            </p:cNvPr>
-            <p:cNvPicPr>
-              <a:picLocks noChangeAspect="1"/>
-            </p:cNvPicPr>
-            <p:nvPr/>
-          </p:nvPicPr>
-          <p:blipFill>
-            <a:blip r:embed="rId8"/>
-            <a:stretch>
-              <a:fillRect/>
-            </a:stretch>
-          </p:blipFill>
-          <p:spPr>
-            <a:xfrm>
-              <a:off x="8195778" y="12137245"/>
-              <a:ext cx="2177192" cy="2847609"/>
-            </a:xfrm>
-            <a:prstGeom prst="rect">
-              <a:avLst/>
-            </a:prstGeom>
-          </p:spPr>
-        </p:pic>
-        <p:sp>
-          <p:nvSpPr>
-            <p:cNvPr id="29" name="TextBox 28">
-              <a:extLst>
-                <a:ext uri="{FF2B5EF4-FFF2-40B4-BE49-F238E27FC236}">
-                  <a16:creationId xmlns:a16="http://schemas.microsoft.com/office/drawing/2014/main" id="{20EE9E54-B8D9-4078-AA39-F15BF7C222E5}"/>
+                  <a16:creationId xmlns:a16="http://schemas.microsoft.com/office/drawing/2014/main" id="{C1CE169C-F4E4-4EB2-AFAD-BDF862F92B1D}"/>
                 </a:ext>
               </a:extLst>
             </p:cNvPr>
@@ -4044,7 +4848,7 @@
           </p:nvSpPr>
           <p:spPr>
             <a:xfrm>
-              <a:off x="8780598" y="14963366"/>
+              <a:off x="4188058" y="11327789"/>
               <a:ext cx="2700542" cy="400110"/>
             </a:xfrm>
             <a:prstGeom prst="rect">
@@ -4059,23 +4863,52 @@
             <a:lstStyle/>
             <a:p>
               <a:r>
-                <a:rPr lang="en-US" sz="2000" b="0" i="0" dirty="0">
-                  <a:effectLst/>
+                <a:rPr lang="en-US" sz="2000" i="1" dirty="0">
                   <a:latin typeface="Times New Roman" panose="02020603050405020304" pitchFamily="18" charset="0"/>
                   <a:cs typeface="Times New Roman" panose="02020603050405020304" pitchFamily="18" charset="0"/>
                 </a:rPr>
-                <a:t>GRIA2</a:t>
+                <a:t>-10 kcal/mole</a:t>
               </a:r>
             </a:p>
           </p:txBody>
         </p:sp>
       </p:grpSp>
-      <p:sp>
-        <p:nvSpPr>
-          <p:cNvPr id="44" name="TextBox 43">
+      <p:pic>
+        <p:nvPicPr>
+          <p:cNvPr id="9" name="Picture 8">
             <a:extLst>
               <a:ext uri="{FF2B5EF4-FFF2-40B4-BE49-F238E27FC236}">
-                <a16:creationId xmlns:a16="http://schemas.microsoft.com/office/drawing/2014/main" id="{1FDC6409-1EB0-4F5F-BCB8-D7E0F60907C4}"/>
+                <a16:creationId xmlns:a16="http://schemas.microsoft.com/office/drawing/2014/main" id="{9941ED77-9C66-46FA-BA5F-313A98B142F8}"/>
+              </a:ext>
+            </a:extLst>
+          </p:cNvPr>
+          <p:cNvPicPr>
+            <a:picLocks noChangeAspect="1"/>
+          </p:cNvPicPr>
+          <p:nvPr/>
+        </p:nvPicPr>
+        <p:blipFill>
+          <a:blip r:embed="rId9"/>
+          <a:stretch>
+            <a:fillRect/>
+          </a:stretch>
+        </p:blipFill>
+        <p:spPr>
+          <a:xfrm>
+            <a:off x="1896080" y="19528123"/>
+            <a:ext cx="4173153" cy="3093743"/>
+          </a:xfrm>
+          <a:prstGeom prst="rect">
+            <a:avLst/>
+          </a:prstGeom>
+        </p:spPr>
+      </p:pic>
+      <p:sp>
+        <p:nvSpPr>
+          <p:cNvPr id="46" name="TextBox 45">
+            <a:extLst>
+              <a:ext uri="{FF2B5EF4-FFF2-40B4-BE49-F238E27FC236}">
+                <a16:creationId xmlns:a16="http://schemas.microsoft.com/office/drawing/2014/main" id="{000DB218-0B9F-409A-BD43-789A973F4A79}"/>
               </a:ext>
             </a:extLst>
           </p:cNvPr>
@@ -4084,8 +4917,8 @@
         </p:nvSpPr>
         <p:spPr>
           <a:xfrm>
-            <a:off x="8324546" y="1033028"/>
-            <a:ext cx="2700542" cy="707886"/>
+            <a:off x="336973" y="16715803"/>
+            <a:ext cx="897706" cy="580800"/>
           </a:xfrm>
           <a:prstGeom prst="rect">
             <a:avLst/>
@@ -4099,32 +4932,51 @@
           <a:lstStyle/>
           <a:p>
             <a:r>
-              <a:rPr lang="en-US" sz="2000" b="0" i="0" dirty="0">
-                <a:effectLst/>
+              <a:rPr lang="en-US" sz="3174" b="1" dirty="0">
                 <a:latin typeface="Times New Roman" panose="02020603050405020304" pitchFamily="18" charset="0"/>
                 <a:cs typeface="Times New Roman" panose="02020603050405020304" pitchFamily="18" charset="0"/>
               </a:rPr>
-              <a:t>Threshold of</a:t>
-            </a:r>
-          </a:p>
-          <a:p>
-            <a:r>
-              <a:rPr lang="en-US" sz="2000" b="0" i="0" dirty="0">
-                <a:effectLst/>
-                <a:latin typeface="Times New Roman" panose="02020603050405020304" pitchFamily="18" charset="0"/>
-                <a:cs typeface="Times New Roman" panose="02020603050405020304" pitchFamily="18" charset="0"/>
-              </a:rPr>
-              <a:t>-1.75 kcal/mole</a:t>
-            </a:r>
-          </a:p>
-        </p:txBody>
-      </p:sp>
-      <p:sp>
-        <p:nvSpPr>
-          <p:cNvPr id="45" name="TextBox 44">
+              <a:t>C</a:t>
+            </a:r>
+          </a:p>
+        </p:txBody>
+      </p:sp>
+      <p:pic>
+        <p:nvPicPr>
+          <p:cNvPr id="13" name="Picture 12">
             <a:extLst>
               <a:ext uri="{FF2B5EF4-FFF2-40B4-BE49-F238E27FC236}">
-                <a16:creationId xmlns:a16="http://schemas.microsoft.com/office/drawing/2014/main" id="{B9242CF8-244A-44A5-A15B-F557C66A3A7E}"/>
+                <a16:creationId xmlns:a16="http://schemas.microsoft.com/office/drawing/2014/main" id="{BF80C24D-407B-402F-86A3-05F16F6A39B1}"/>
+              </a:ext>
+            </a:extLst>
+          </p:cNvPr>
+          <p:cNvPicPr>
+            <a:picLocks noChangeAspect="1"/>
+          </p:cNvPicPr>
+          <p:nvPr/>
+        </p:nvPicPr>
+        <p:blipFill>
+          <a:blip r:embed="rId10"/>
+          <a:stretch>
+            <a:fillRect/>
+          </a:stretch>
+        </p:blipFill>
+        <p:spPr>
+          <a:xfrm>
+            <a:off x="1920885" y="16965898"/>
+            <a:ext cx="4972050" cy="2562225"/>
+          </a:xfrm>
+          <a:prstGeom prst="rect">
+            <a:avLst/>
+          </a:prstGeom>
+        </p:spPr>
+      </p:pic>
+      <p:sp>
+        <p:nvSpPr>
+          <p:cNvPr id="49" name="TextBox 48">
+            <a:extLst>
+              <a:ext uri="{FF2B5EF4-FFF2-40B4-BE49-F238E27FC236}">
+                <a16:creationId xmlns:a16="http://schemas.microsoft.com/office/drawing/2014/main" id="{76B17723-2C58-4D51-9B49-2C32369D1860}"/>
               </a:ext>
             </a:extLst>
           </p:cNvPr>
@@ -4133,469 +4985,8 @@
         </p:nvSpPr>
         <p:spPr>
           <a:xfrm>
-            <a:off x="532661" y="11127553"/>
+            <a:off x="2656335" y="19499004"/>
             <a:ext cx="2700542" cy="400110"/>
-          </a:xfrm>
-          <a:prstGeom prst="rect">
-            <a:avLst/>
-          </a:prstGeom>
-          <a:noFill/>
-        </p:spPr>
-        <p:txBody>
-          <a:bodyPr wrap="square" rtlCol="0">
-            <a:spAutoFit/>
-          </a:bodyPr>
-          <a:lstStyle/>
-          <a:p>
-            <a:r>
-              <a:rPr lang="en-US" sz="2000" b="0" i="0" dirty="0">
-                <a:effectLst/>
-                <a:latin typeface="Times New Roman" panose="02020603050405020304" pitchFamily="18" charset="0"/>
-                <a:cs typeface="Times New Roman" panose="02020603050405020304" pitchFamily="18" charset="0"/>
-              </a:rPr>
-              <a:t>-9 kcal/mole</a:t>
-            </a:r>
-          </a:p>
-        </p:txBody>
-      </p:sp>
-      <p:cxnSp>
-        <p:nvCxnSpPr>
-          <p:cNvPr id="47" name="Straight Arrow Connector 46">
-            <a:extLst>
-              <a:ext uri="{FF2B5EF4-FFF2-40B4-BE49-F238E27FC236}">
-                <a16:creationId xmlns:a16="http://schemas.microsoft.com/office/drawing/2014/main" id="{0A3FAB7F-9816-4BC2-B0EA-E805E87AA38E}"/>
-              </a:ext>
-            </a:extLst>
-          </p:cNvPr>
-          <p:cNvCxnSpPr>
-            <a:cxnSpLocks/>
-          </p:cNvCxnSpPr>
-          <p:nvPr/>
-        </p:nvCxnSpPr>
-        <p:spPr>
-          <a:xfrm flipH="1">
-            <a:off x="2147988" y="11126015"/>
-            <a:ext cx="547003" cy="618415"/>
-          </a:xfrm>
-          <a:prstGeom prst="straightConnector1">
-            <a:avLst/>
-          </a:prstGeom>
-          <a:ln w="38100">
-            <a:tailEnd type="triangle"/>
-          </a:ln>
-        </p:spPr>
-        <p:style>
-          <a:lnRef idx="1">
-            <a:schemeClr val="accent1"/>
-          </a:lnRef>
-          <a:fillRef idx="0">
-            <a:schemeClr val="accent1"/>
-          </a:fillRef>
-          <a:effectRef idx="0">
-            <a:schemeClr val="accent1"/>
-          </a:effectRef>
-          <a:fontRef idx="minor">
-            <a:schemeClr val="tx1"/>
-          </a:fontRef>
-        </p:style>
-      </p:cxnSp>
-      <p:cxnSp>
-        <p:nvCxnSpPr>
-          <p:cNvPr id="55" name="Straight Arrow Connector 54">
-            <a:extLst>
-              <a:ext uri="{FF2B5EF4-FFF2-40B4-BE49-F238E27FC236}">
-                <a16:creationId xmlns:a16="http://schemas.microsoft.com/office/drawing/2014/main" id="{D85F3CC5-7F7B-498C-9C10-07E74E1EB971}"/>
-              </a:ext>
-            </a:extLst>
-          </p:cNvPr>
-          <p:cNvCxnSpPr>
-            <a:cxnSpLocks/>
-          </p:cNvCxnSpPr>
-          <p:nvPr/>
-        </p:nvCxnSpPr>
-        <p:spPr>
-          <a:xfrm>
-            <a:off x="3497446" y="11220364"/>
-            <a:ext cx="482792" cy="613623"/>
-          </a:xfrm>
-          <a:prstGeom prst="straightConnector1">
-            <a:avLst/>
-          </a:prstGeom>
-          <a:ln w="38100">
-            <a:tailEnd type="triangle"/>
-          </a:ln>
-        </p:spPr>
-        <p:style>
-          <a:lnRef idx="1">
-            <a:schemeClr val="accent1"/>
-          </a:lnRef>
-          <a:fillRef idx="0">
-            <a:schemeClr val="accent1"/>
-          </a:fillRef>
-          <a:effectRef idx="0">
-            <a:schemeClr val="accent1"/>
-          </a:effectRef>
-          <a:fontRef idx="minor">
-            <a:schemeClr val="tx1"/>
-          </a:fontRef>
-        </p:style>
-      </p:cxnSp>
-      <p:grpSp>
-        <p:nvGrpSpPr>
-          <p:cNvPr id="57" name="Group 56">
-            <a:extLst>
-              <a:ext uri="{FF2B5EF4-FFF2-40B4-BE49-F238E27FC236}">
-                <a16:creationId xmlns:a16="http://schemas.microsoft.com/office/drawing/2014/main" id="{7EE37DB0-A941-4C9F-B0C4-2D6BD308E7F5}"/>
-              </a:ext>
-            </a:extLst>
-          </p:cNvPr>
-          <p:cNvGrpSpPr/>
-          <p:nvPr/>
-        </p:nvGrpSpPr>
-        <p:grpSpPr>
-          <a:xfrm>
-            <a:off x="6568665" y="11792384"/>
-            <a:ext cx="3511762" cy="3378250"/>
-            <a:chOff x="3694089" y="11847929"/>
-            <a:chExt cx="3511762" cy="3378250"/>
-          </a:xfrm>
-        </p:grpSpPr>
-        <p:pic>
-          <p:nvPicPr>
-            <p:cNvPr id="58" name="Picture 57">
-              <a:extLst>
-                <a:ext uri="{FF2B5EF4-FFF2-40B4-BE49-F238E27FC236}">
-                  <a16:creationId xmlns:a16="http://schemas.microsoft.com/office/drawing/2014/main" id="{BDE1C8F9-E5F7-48B4-A1C5-7A2190F1E126}"/>
-                </a:ext>
-              </a:extLst>
-            </p:cNvPr>
-            <p:cNvPicPr>
-              <a:picLocks noChangeAspect="1"/>
-            </p:cNvPicPr>
-            <p:nvPr/>
-          </p:nvPicPr>
-          <p:blipFill>
-            <a:blip r:embed="rId7"/>
-            <a:stretch>
-              <a:fillRect/>
-            </a:stretch>
-          </p:blipFill>
-          <p:spPr>
-            <a:xfrm>
-              <a:off x="3694089" y="11847929"/>
-              <a:ext cx="2397633" cy="2847609"/>
-            </a:xfrm>
-            <a:prstGeom prst="rect">
-              <a:avLst/>
-            </a:prstGeom>
-          </p:spPr>
-        </p:pic>
-        <p:sp>
-          <p:nvSpPr>
-            <p:cNvPr id="59" name="TextBox 58">
-              <a:extLst>
-                <a:ext uri="{FF2B5EF4-FFF2-40B4-BE49-F238E27FC236}">
-                  <a16:creationId xmlns:a16="http://schemas.microsoft.com/office/drawing/2014/main" id="{A2182CDA-3F59-46DB-AB9F-F07BA1AA5DA8}"/>
-                </a:ext>
-              </a:extLst>
-            </p:cNvPr>
-            <p:cNvSpPr txBox="1"/>
-            <p:nvPr/>
-          </p:nvSpPr>
-          <p:spPr>
-            <a:xfrm>
-              <a:off x="4505309" y="14826069"/>
-              <a:ext cx="2700542" cy="400110"/>
-            </a:xfrm>
-            <a:prstGeom prst="rect">
-              <a:avLst/>
-            </a:prstGeom>
-            <a:noFill/>
-          </p:spPr>
-          <p:txBody>
-            <a:bodyPr wrap="square" rtlCol="0">
-              <a:spAutoFit/>
-            </a:bodyPr>
-            <a:lstStyle/>
-            <a:p>
-              <a:r>
-                <a:rPr lang="en-US" sz="2000" b="0" i="0" dirty="0">
-                  <a:effectLst/>
-                  <a:latin typeface="Times New Roman" panose="02020603050405020304" pitchFamily="18" charset="0"/>
-                  <a:cs typeface="Times New Roman" panose="02020603050405020304" pitchFamily="18" charset="0"/>
-                </a:rPr>
-                <a:t>PTPN22</a:t>
-              </a:r>
-            </a:p>
-          </p:txBody>
-        </p:sp>
-      </p:grpSp>
-      <p:cxnSp>
-        <p:nvCxnSpPr>
-          <p:cNvPr id="60" name="Straight Arrow Connector 59">
-            <a:extLst>
-              <a:ext uri="{FF2B5EF4-FFF2-40B4-BE49-F238E27FC236}">
-                <a16:creationId xmlns:a16="http://schemas.microsoft.com/office/drawing/2014/main" id="{24111FBA-6872-473C-8F9F-995B094169E7}"/>
-              </a:ext>
-            </a:extLst>
-          </p:cNvPr>
-          <p:cNvCxnSpPr>
-            <a:cxnSpLocks/>
-          </p:cNvCxnSpPr>
-          <p:nvPr/>
-        </p:nvCxnSpPr>
-        <p:spPr>
-          <a:xfrm>
-            <a:off x="7811305" y="10698297"/>
-            <a:ext cx="1" cy="789456"/>
-          </a:xfrm>
-          <a:prstGeom prst="straightConnector1">
-            <a:avLst/>
-          </a:prstGeom>
-          <a:ln w="38100">
-            <a:tailEnd type="triangle"/>
-          </a:ln>
-        </p:spPr>
-        <p:style>
-          <a:lnRef idx="1">
-            <a:schemeClr val="accent1"/>
-          </a:lnRef>
-          <a:fillRef idx="0">
-            <a:schemeClr val="accent1"/>
-          </a:fillRef>
-          <a:effectRef idx="0">
-            <a:schemeClr val="accent1"/>
-          </a:effectRef>
-          <a:fontRef idx="minor">
-            <a:schemeClr val="tx1"/>
-          </a:fontRef>
-        </p:style>
-      </p:cxnSp>
-      <p:sp>
-        <p:nvSpPr>
-          <p:cNvPr id="62" name="TextBox 61">
-            <a:extLst>
-              <a:ext uri="{FF2B5EF4-FFF2-40B4-BE49-F238E27FC236}">
-                <a16:creationId xmlns:a16="http://schemas.microsoft.com/office/drawing/2014/main" id="{97FAD9E5-2C2C-4FED-B76A-6BD79578B6D6}"/>
-              </a:ext>
-            </a:extLst>
-          </p:cNvPr>
-          <p:cNvSpPr txBox="1"/>
-          <p:nvPr/>
-        </p:nvSpPr>
-        <p:spPr>
-          <a:xfrm>
-            <a:off x="8023568" y="10869366"/>
-            <a:ext cx="2700542" cy="400110"/>
-          </a:xfrm>
-          <a:prstGeom prst="rect">
-            <a:avLst/>
-          </a:prstGeom>
-          <a:noFill/>
-        </p:spPr>
-        <p:txBody>
-          <a:bodyPr wrap="square" rtlCol="0">
-            <a:spAutoFit/>
-          </a:bodyPr>
-          <a:lstStyle/>
-          <a:p>
-            <a:r>
-              <a:rPr lang="en-US" sz="2000" b="0" i="0" dirty="0">
-                <a:effectLst/>
-                <a:latin typeface="Times New Roman" panose="02020603050405020304" pitchFamily="18" charset="0"/>
-                <a:cs typeface="Times New Roman" panose="02020603050405020304" pitchFamily="18" charset="0"/>
-              </a:rPr>
-              <a:t>-8.3 kcal/mole</a:t>
-            </a:r>
-          </a:p>
-        </p:txBody>
-      </p:sp>
-      <p:grpSp>
-        <p:nvGrpSpPr>
-          <p:cNvPr id="63" name="Group 62">
-            <a:extLst>
-              <a:ext uri="{FF2B5EF4-FFF2-40B4-BE49-F238E27FC236}">
-                <a16:creationId xmlns:a16="http://schemas.microsoft.com/office/drawing/2014/main" id="{5DE7D555-0479-49F3-8F3A-25169CADA1C4}"/>
-              </a:ext>
-            </a:extLst>
-          </p:cNvPr>
-          <p:cNvGrpSpPr/>
-          <p:nvPr/>
-        </p:nvGrpSpPr>
-        <p:grpSpPr>
-          <a:xfrm>
-            <a:off x="10395445" y="11792384"/>
-            <a:ext cx="3511762" cy="3378250"/>
-            <a:chOff x="3694089" y="11847929"/>
-            <a:chExt cx="3511762" cy="3378250"/>
-          </a:xfrm>
-        </p:grpSpPr>
-        <p:pic>
-          <p:nvPicPr>
-            <p:cNvPr id="64" name="Picture 63">
-              <a:extLst>
-                <a:ext uri="{FF2B5EF4-FFF2-40B4-BE49-F238E27FC236}">
-                  <a16:creationId xmlns:a16="http://schemas.microsoft.com/office/drawing/2014/main" id="{B0C437CF-C7D3-452C-9B19-319E696D8F38}"/>
-                </a:ext>
-              </a:extLst>
-            </p:cNvPr>
-            <p:cNvPicPr>
-              <a:picLocks noChangeAspect="1"/>
-            </p:cNvPicPr>
-            <p:nvPr/>
-          </p:nvPicPr>
-          <p:blipFill>
-            <a:blip r:embed="rId7"/>
-            <a:stretch>
-              <a:fillRect/>
-            </a:stretch>
-          </p:blipFill>
-          <p:spPr>
-            <a:xfrm>
-              <a:off x="3694089" y="11847929"/>
-              <a:ext cx="2397633" cy="2847609"/>
-            </a:xfrm>
-            <a:prstGeom prst="rect">
-              <a:avLst/>
-            </a:prstGeom>
-          </p:spPr>
-        </p:pic>
-        <p:sp>
-          <p:nvSpPr>
-            <p:cNvPr id="65" name="TextBox 64">
-              <a:extLst>
-                <a:ext uri="{FF2B5EF4-FFF2-40B4-BE49-F238E27FC236}">
-                  <a16:creationId xmlns:a16="http://schemas.microsoft.com/office/drawing/2014/main" id="{76214288-D0CA-4739-B10C-1DD355EE7AE0}"/>
-                </a:ext>
-              </a:extLst>
-            </p:cNvPr>
-            <p:cNvSpPr txBox="1"/>
-            <p:nvPr/>
-          </p:nvSpPr>
-          <p:spPr>
-            <a:xfrm>
-              <a:off x="4505309" y="14826069"/>
-              <a:ext cx="2700542" cy="400110"/>
-            </a:xfrm>
-            <a:prstGeom prst="rect">
-              <a:avLst/>
-            </a:prstGeom>
-            <a:noFill/>
-          </p:spPr>
-          <p:txBody>
-            <a:bodyPr wrap="square" rtlCol="0">
-              <a:spAutoFit/>
-            </a:bodyPr>
-            <a:lstStyle/>
-            <a:p>
-              <a:r>
-                <a:rPr lang="en-US" sz="2000" b="0" i="0" dirty="0">
-                  <a:effectLst/>
-                  <a:latin typeface="Times New Roman" panose="02020603050405020304" pitchFamily="18" charset="0"/>
-                  <a:cs typeface="Times New Roman" panose="02020603050405020304" pitchFamily="18" charset="0"/>
-                </a:rPr>
-                <a:t>PTPN22</a:t>
-              </a:r>
-            </a:p>
-          </p:txBody>
-        </p:sp>
-      </p:grpSp>
-      <p:cxnSp>
-        <p:nvCxnSpPr>
-          <p:cNvPr id="66" name="Straight Arrow Connector 65">
-            <a:extLst>
-              <a:ext uri="{FF2B5EF4-FFF2-40B4-BE49-F238E27FC236}">
-                <a16:creationId xmlns:a16="http://schemas.microsoft.com/office/drawing/2014/main" id="{973687BA-1798-4D91-97C7-7686C5FF5FEF}"/>
-              </a:ext>
-            </a:extLst>
-          </p:cNvPr>
-          <p:cNvCxnSpPr>
-            <a:cxnSpLocks/>
-          </p:cNvCxnSpPr>
-          <p:nvPr/>
-        </p:nvCxnSpPr>
-        <p:spPr>
-          <a:xfrm>
-            <a:off x="11827264" y="10849686"/>
-            <a:ext cx="1" cy="789456"/>
-          </a:xfrm>
-          <a:prstGeom prst="straightConnector1">
-            <a:avLst/>
-          </a:prstGeom>
-          <a:ln w="38100">
-            <a:tailEnd type="triangle"/>
-          </a:ln>
-        </p:spPr>
-        <p:style>
-          <a:lnRef idx="1">
-            <a:schemeClr val="accent1"/>
-          </a:lnRef>
-          <a:fillRef idx="0">
-            <a:schemeClr val="accent1"/>
-          </a:fillRef>
-          <a:effectRef idx="0">
-            <a:schemeClr val="accent1"/>
-          </a:effectRef>
-          <a:fontRef idx="minor">
-            <a:schemeClr val="tx1"/>
-          </a:fontRef>
-        </p:style>
-      </p:cxnSp>
-      <p:sp>
-        <p:nvSpPr>
-          <p:cNvPr id="67" name="TextBox 66">
-            <a:extLst>
-              <a:ext uri="{FF2B5EF4-FFF2-40B4-BE49-F238E27FC236}">
-                <a16:creationId xmlns:a16="http://schemas.microsoft.com/office/drawing/2014/main" id="{72A5B143-5604-4635-A54A-99E89538794F}"/>
-              </a:ext>
-            </a:extLst>
-          </p:cNvPr>
-          <p:cNvSpPr txBox="1"/>
-          <p:nvPr/>
-        </p:nvSpPr>
-        <p:spPr>
-          <a:xfrm>
-            <a:off x="11990099" y="11058149"/>
-            <a:ext cx="2700542" cy="400110"/>
-          </a:xfrm>
-          <a:prstGeom prst="rect">
-            <a:avLst/>
-          </a:prstGeom>
-          <a:noFill/>
-        </p:spPr>
-        <p:txBody>
-          <a:bodyPr wrap="square" rtlCol="0">
-            <a:spAutoFit/>
-          </a:bodyPr>
-          <a:lstStyle/>
-          <a:p>
-            <a:r>
-              <a:rPr lang="en-US" sz="2000" b="0" i="0" dirty="0">
-                <a:effectLst/>
-                <a:latin typeface="Times New Roman" panose="02020603050405020304" pitchFamily="18" charset="0"/>
-                <a:cs typeface="Times New Roman" panose="02020603050405020304" pitchFamily="18" charset="0"/>
-              </a:rPr>
-              <a:t>-8.3 kcal/mole</a:t>
-            </a:r>
-          </a:p>
-        </p:txBody>
-      </p:sp>
-      <p:sp>
-        <p:nvSpPr>
-          <p:cNvPr id="56" name="Rectangle 55">
-            <a:extLst>
-              <a:ext uri="{FF2B5EF4-FFF2-40B4-BE49-F238E27FC236}">
-                <a16:creationId xmlns:a16="http://schemas.microsoft.com/office/drawing/2014/main" id="{CB7B0D58-E4CE-4FA6-9B50-1D8364928CD7}"/>
-              </a:ext>
-            </a:extLst>
-          </p:cNvPr>
-          <p:cNvSpPr/>
-          <p:nvPr/>
-        </p:nvSpPr>
-        <p:spPr>
-          <a:xfrm>
-            <a:off x="11827265" y="995871"/>
-            <a:ext cx="2045034" cy="930205"/>
           </a:xfrm>
           <a:prstGeom prst="rect">
             <a:avLst/>
@@ -4604,37 +4995,89 @@
             <a:schemeClr val="bg1"/>
           </a:solidFill>
         </p:spPr>
-        <p:style>
-          <a:lnRef idx="2">
-            <a:schemeClr val="accent1">
-              <a:shade val="50000"/>
-            </a:schemeClr>
-          </a:lnRef>
-          <a:fillRef idx="1">
-            <a:schemeClr val="accent1"/>
-          </a:fillRef>
-          <a:effectRef idx="0">
-            <a:schemeClr val="accent1"/>
-          </a:effectRef>
-          <a:fontRef idx="minor">
-            <a:schemeClr val="lt1"/>
-          </a:fontRef>
-        </p:style>
-        <p:txBody>
-          <a:bodyPr rtlCol="0" anchor="ctr"/>
+        <p:txBody>
+          <a:bodyPr wrap="square" rtlCol="0">
+            <a:spAutoFit/>
+          </a:bodyPr>
           <a:lstStyle/>
           <a:p>
             <a:pPr algn="ctr"/>
-            <a:endParaRPr lang="en-US"/>
-          </a:p>
-        </p:txBody>
-      </p:sp>
-      <p:sp>
-        <p:nvSpPr>
-          <p:cNvPr id="69" name="TextBox 68">
+            <a:r>
+              <a:rPr lang="en-US" sz="2000" b="1" dirty="0">
+                <a:latin typeface="Times New Roman" panose="02020603050405020304" pitchFamily="18" charset="0"/>
+                <a:cs typeface="Times New Roman" panose="02020603050405020304" pitchFamily="18" charset="0"/>
+              </a:rPr>
+              <a:t>Anidulafungin</a:t>
+            </a:r>
+          </a:p>
+        </p:txBody>
+      </p:sp>
+      <p:pic>
+        <p:nvPicPr>
+          <p:cNvPr id="17" name="Picture 16">
             <a:extLst>
               <a:ext uri="{FF2B5EF4-FFF2-40B4-BE49-F238E27FC236}">
-                <a16:creationId xmlns:a16="http://schemas.microsoft.com/office/drawing/2014/main" id="{2BB5331D-8F39-4FDC-9D08-414335693E54}"/>
+                <a16:creationId xmlns:a16="http://schemas.microsoft.com/office/drawing/2014/main" id="{3F4096E0-3731-4642-AF22-1567F3308AD2}"/>
+              </a:ext>
+            </a:extLst>
+          </p:cNvPr>
+          <p:cNvPicPr>
+            <a:picLocks noChangeAspect="1"/>
+          </p:cNvPicPr>
+          <p:nvPr/>
+        </p:nvPicPr>
+        <p:blipFill>
+          <a:blip r:embed="rId11"/>
+          <a:stretch>
+            <a:fillRect/>
+          </a:stretch>
+        </p:blipFill>
+        <p:spPr>
+          <a:xfrm>
+            <a:off x="9366045" y="16808685"/>
+            <a:ext cx="2390775" cy="2676525"/>
+          </a:xfrm>
+          <a:prstGeom prst="rect">
+            <a:avLst/>
+          </a:prstGeom>
+        </p:spPr>
+      </p:pic>
+      <p:pic>
+        <p:nvPicPr>
+          <p:cNvPr id="19" name="Picture 18">
+            <a:extLst>
+              <a:ext uri="{FF2B5EF4-FFF2-40B4-BE49-F238E27FC236}">
+                <a16:creationId xmlns:a16="http://schemas.microsoft.com/office/drawing/2014/main" id="{5F62360E-5D1F-4977-9ABD-DB772BFBAFE8}"/>
+              </a:ext>
+            </a:extLst>
+          </p:cNvPr>
+          <p:cNvPicPr>
+            <a:picLocks noChangeAspect="1"/>
+          </p:cNvPicPr>
+          <p:nvPr/>
+        </p:nvPicPr>
+        <p:blipFill>
+          <a:blip r:embed="rId12"/>
+          <a:stretch>
+            <a:fillRect/>
+          </a:stretch>
+        </p:blipFill>
+        <p:spPr>
+          <a:xfrm>
+            <a:off x="8432596" y="19857649"/>
+            <a:ext cx="4442139" cy="3002351"/>
+          </a:xfrm>
+          <a:prstGeom prst="rect">
+            <a:avLst/>
+          </a:prstGeom>
+        </p:spPr>
+      </p:pic>
+      <p:sp>
+        <p:nvSpPr>
+          <p:cNvPr id="68" name="TextBox 67">
+            <a:extLst>
+              <a:ext uri="{FF2B5EF4-FFF2-40B4-BE49-F238E27FC236}">
+                <a16:creationId xmlns:a16="http://schemas.microsoft.com/office/drawing/2014/main" id="{B8B36C3A-51B7-4796-A434-CE056FBF3424}"/>
               </a:ext>
             </a:extLst>
           </p:cNvPr>
@@ -4643,13 +5086,15 @@
         </p:nvSpPr>
         <p:spPr>
           <a:xfrm>
-            <a:off x="12475386" y="1033028"/>
+            <a:off x="9342412" y="19528123"/>
             <a:ext cx="2700542" cy="400110"/>
           </a:xfrm>
           <a:prstGeom prst="rect">
             <a:avLst/>
           </a:prstGeom>
-          <a:noFill/>
+          <a:solidFill>
+            <a:schemeClr val="bg1"/>
+          </a:solidFill>
         </p:spPr>
         <p:txBody>
           <a:bodyPr wrap="square" rtlCol="0">
@@ -4657,195 +5102,23 @@
           </a:bodyPr>
           <a:lstStyle/>
           <a:p>
+            <a:pPr algn="ctr"/>
+            <a:r>
+              <a:rPr lang="en-US" sz="2000" b="1" dirty="0">
+                <a:latin typeface="Times New Roman" panose="02020603050405020304" pitchFamily="18" charset="0"/>
+                <a:cs typeface="Times New Roman" panose="02020603050405020304" pitchFamily="18" charset="0"/>
+              </a:rPr>
+              <a:t>Cyclosporin</a:t>
+            </a:r>
             <a:r>
               <a:rPr lang="en-US" sz="2000" b="0" i="0" dirty="0">
                 <a:solidFill>
                   <a:srgbClr val="5B616B"/>
                 </a:solidFill>
                 <a:effectLst/>
-                <a:latin typeface="Times New Roman" panose="02020603050405020304" pitchFamily="18" charset="0"/>
-                <a:cs typeface="Times New Roman" panose="02020603050405020304" pitchFamily="18" charset="0"/>
+                <a:latin typeface="-apple-system"/>
               </a:rPr>
-              <a:t>Top 100</a:t>
-            </a:r>
-          </a:p>
-        </p:txBody>
-      </p:sp>
-      <p:sp>
-        <p:nvSpPr>
-          <p:cNvPr id="70" name="TextBox 69">
-            <a:extLst>
-              <a:ext uri="{FF2B5EF4-FFF2-40B4-BE49-F238E27FC236}">
-                <a16:creationId xmlns:a16="http://schemas.microsoft.com/office/drawing/2014/main" id="{74F3CF25-7269-4019-B3D2-24D6DBC39CE2}"/>
-              </a:ext>
-            </a:extLst>
-          </p:cNvPr>
-          <p:cNvSpPr txBox="1"/>
-          <p:nvPr/>
-        </p:nvSpPr>
-        <p:spPr>
-          <a:xfrm>
-            <a:off x="12475386" y="1418739"/>
-            <a:ext cx="2700542" cy="400110"/>
-          </a:xfrm>
-          <a:prstGeom prst="rect">
-            <a:avLst/>
-          </a:prstGeom>
-          <a:noFill/>
-        </p:spPr>
-        <p:txBody>
-          <a:bodyPr wrap="square" rtlCol="0">
-            <a:spAutoFit/>
-          </a:bodyPr>
-          <a:lstStyle/>
-          <a:p>
-            <a:r>
-              <a:rPr lang="en-US" sz="2000" b="0" i="0" dirty="0">
-                <a:solidFill>
-                  <a:srgbClr val="5B616B"/>
-                </a:solidFill>
-                <a:effectLst/>
-                <a:latin typeface="Times New Roman" panose="02020603050405020304" pitchFamily="18" charset="0"/>
-                <a:cs typeface="Times New Roman" panose="02020603050405020304" pitchFamily="18" charset="0"/>
-              </a:rPr>
-              <a:t>Bottom 100</a:t>
-            </a:r>
-          </a:p>
-        </p:txBody>
-      </p:sp>
-      <p:sp>
-        <p:nvSpPr>
-          <p:cNvPr id="61" name="Rectangle 60">
-            <a:extLst>
-              <a:ext uri="{FF2B5EF4-FFF2-40B4-BE49-F238E27FC236}">
-                <a16:creationId xmlns:a16="http://schemas.microsoft.com/office/drawing/2014/main" id="{E890C59C-2127-496E-AD62-AD7FA4B8F743}"/>
-              </a:ext>
-            </a:extLst>
-          </p:cNvPr>
-          <p:cNvSpPr/>
-          <p:nvPr/>
-        </p:nvSpPr>
-        <p:spPr>
-          <a:xfrm>
-            <a:off x="11955988" y="1091046"/>
-            <a:ext cx="390676" cy="311285"/>
-          </a:xfrm>
-          <a:prstGeom prst="rect">
-            <a:avLst/>
-          </a:prstGeom>
-          <a:solidFill>
-            <a:srgbClr val="E8F3FF"/>
-          </a:solidFill>
-        </p:spPr>
-        <p:style>
-          <a:lnRef idx="2">
-            <a:schemeClr val="accent1">
-              <a:shade val="50000"/>
-            </a:schemeClr>
-          </a:lnRef>
-          <a:fillRef idx="1">
-            <a:schemeClr val="accent1"/>
-          </a:fillRef>
-          <a:effectRef idx="0">
-            <a:schemeClr val="accent1"/>
-          </a:effectRef>
-          <a:fontRef idx="minor">
-            <a:schemeClr val="lt1"/>
-          </a:fontRef>
-        </p:style>
-        <p:txBody>
-          <a:bodyPr rtlCol="0" anchor="ctr"/>
-          <a:lstStyle/>
-          <a:p>
-            <a:pPr algn="ctr"/>
-            <a:endParaRPr lang="en-US"/>
-          </a:p>
-        </p:txBody>
-      </p:sp>
-      <p:sp>
-        <p:nvSpPr>
-          <p:cNvPr id="72" name="Rectangle 71">
-            <a:extLst>
-              <a:ext uri="{FF2B5EF4-FFF2-40B4-BE49-F238E27FC236}">
-                <a16:creationId xmlns:a16="http://schemas.microsoft.com/office/drawing/2014/main" id="{8AD65E02-ABDD-44A6-8E1E-02DB9AFAEBEA}"/>
-              </a:ext>
-            </a:extLst>
-          </p:cNvPr>
-          <p:cNvSpPr/>
-          <p:nvPr/>
-        </p:nvSpPr>
-        <p:spPr>
-          <a:xfrm>
-            <a:off x="11955988" y="1497506"/>
-            <a:ext cx="390676" cy="311285"/>
-          </a:xfrm>
-          <a:prstGeom prst="rect">
-            <a:avLst/>
-          </a:prstGeom>
-          <a:solidFill>
-            <a:srgbClr val="FFF5E5"/>
-          </a:solidFill>
-        </p:spPr>
-        <p:style>
-          <a:lnRef idx="2">
-            <a:schemeClr val="accent1">
-              <a:shade val="50000"/>
-            </a:schemeClr>
-          </a:lnRef>
-          <a:fillRef idx="1">
-            <a:schemeClr val="accent1"/>
-          </a:fillRef>
-          <a:effectRef idx="0">
-            <a:schemeClr val="accent1"/>
-          </a:effectRef>
-          <a:fontRef idx="minor">
-            <a:schemeClr val="lt1"/>
-          </a:fontRef>
-        </p:style>
-        <p:txBody>
-          <a:bodyPr rtlCol="0" anchor="ctr"/>
-          <a:lstStyle/>
-          <a:p>
-            <a:pPr algn="ctr"/>
-            <a:endParaRPr lang="en-US"/>
-          </a:p>
-        </p:txBody>
-      </p:sp>
-      <p:sp>
-        <p:nvSpPr>
-          <p:cNvPr id="73" name="TextBox 72">
-            <a:extLst>
-              <a:ext uri="{FF2B5EF4-FFF2-40B4-BE49-F238E27FC236}">
-                <a16:creationId xmlns:a16="http://schemas.microsoft.com/office/drawing/2014/main" id="{C1CE169C-F4E4-4EB2-AFAD-BDF862F92B1D}"/>
-              </a:ext>
-            </a:extLst>
-          </p:cNvPr>
-          <p:cNvSpPr txBox="1"/>
-          <p:nvPr/>
-        </p:nvSpPr>
-        <p:spPr>
-          <a:xfrm>
-            <a:off x="4188058" y="11327789"/>
-            <a:ext cx="2700542" cy="400110"/>
-          </a:xfrm>
-          <a:prstGeom prst="rect">
-            <a:avLst/>
-          </a:prstGeom>
-          <a:noFill/>
-        </p:spPr>
-        <p:txBody>
-          <a:bodyPr wrap="square" rtlCol="0">
-            <a:spAutoFit/>
-          </a:bodyPr>
-          <a:lstStyle/>
-          <a:p>
-            <a:r>
-              <a:rPr lang="en-US" sz="2000" b="0" i="0" dirty="0">
-                <a:effectLst/>
-                <a:latin typeface="Times New Roman" panose="02020603050405020304" pitchFamily="18" charset="0"/>
-                <a:cs typeface="Times New Roman" panose="02020603050405020304" pitchFamily="18" charset="0"/>
-              </a:rPr>
-              <a:t>-10 kcal/mole</a:t>
+              <a:t> </a:t>
             </a:r>
           </a:p>
         </p:txBody>

--- a/Images/fig4.pptx
+++ b/Images/fig4.pptx
@@ -2,7 +2,7 @@
 <file path=ppt/presentation.xml><?xml version="1.0" encoding="utf-8"?>
 <p:presentation xmlns:a="http://schemas.openxmlformats.org/drawingml/2006/main" xmlns:r="http://schemas.openxmlformats.org/officeDocument/2006/relationships" xmlns:p="http://schemas.openxmlformats.org/presentationml/2006/main" saveSubsetFonts="1">
   <p:sldMasterIdLst>
-    <p:sldMasterId id="2147483816" r:id="rId1"/>
+    <p:sldMasterId id="2147483828" r:id="rId1"/>
   </p:sldMasterIdLst>
   <p:notesMasterIdLst>
     <p:notesMasterId r:id="rId3"/>
@@ -10,7 +10,7 @@
   <p:sldIdLst>
     <p:sldId id="256" r:id="rId2"/>
   </p:sldIdLst>
-  <p:sldSz cx="14173200" cy="22860000"/>
+  <p:sldSz cx="14173200" cy="18288000"/>
   <p:notesSz cx="6858000" cy="9144000"/>
   <p:defaultTextStyle>
     <a:defPPr>
@@ -197,7 +197,7 @@
           <a:p>
             <a:fld id="{D34CEA9E-E5A5-49C8-A578-AF124664FEC0}" type="datetimeFigureOut">
               <a:rPr lang="en-US" smtClean="0"/>
-              <a:t>9/20/2021</a:t>
+              <a:t>9/23/2021</a:t>
             </a:fld>
             <a:endParaRPr lang="en-US"/>
           </a:p>
@@ -215,8 +215,8 @@
         </p:nvSpPr>
         <p:spPr>
           <a:xfrm>
-            <a:off x="2471738" y="1143000"/>
-            <a:ext cx="1914525" cy="3086100"/>
+            <a:off x="2233613" y="1143000"/>
+            <a:ext cx="2390775" cy="3086100"/>
           </a:xfrm>
           <a:prstGeom prst="rect">
             <a:avLst/>
@@ -493,8 +493,8 @@
         </p:nvSpPr>
         <p:spPr>
           <a:xfrm>
-            <a:off x="2471738" y="1143000"/>
-            <a:ext cx="1914525" cy="3086100"/>
+            <a:off x="2233613" y="1143000"/>
+            <a:ext cx="2390775" cy="3086100"/>
           </a:xfrm>
         </p:spPr>
       </p:sp>
@@ -582,8 +582,8 @@
         </p:nvSpPr>
         <p:spPr>
           <a:xfrm>
-            <a:off x="1062990" y="3741210"/>
-            <a:ext cx="12047220" cy="7958667"/>
+            <a:off x="1062990" y="2992969"/>
+            <a:ext cx="12047220" cy="6366933"/>
           </a:xfrm>
         </p:spPr>
         <p:txBody>
@@ -614,8 +614,8 @@
         </p:nvSpPr>
         <p:spPr>
           <a:xfrm>
-            <a:off x="1771650" y="12006793"/>
-            <a:ext cx="10629900" cy="5519207"/>
+            <a:off x="1771650" y="9605436"/>
+            <a:ext cx="10629900" cy="4415366"/>
           </a:xfrm>
         </p:spPr>
         <p:txBody>
@@ -684,7 +684,7 @@
           <a:p>
             <a:fld id="{BA05AF01-4F0E-4718-A4C1-DFCBB47EE5F2}" type="datetimeFigureOut">
               <a:rPr lang="en-US" smtClean="0"/>
-              <a:t>9/20/2021</a:t>
+              <a:t>9/23/2021</a:t>
             </a:fld>
             <a:endParaRPr lang="en-US"/>
           </a:p>
@@ -735,7 +735,7 @@
     </p:spTree>
     <p:extLst>
       <p:ext uri="{BB962C8B-B14F-4D97-AF65-F5344CB8AC3E}">
-        <p14:creationId xmlns:p14="http://schemas.microsoft.com/office/powerpoint/2010/main" val="538290493"/>
+        <p14:creationId xmlns:p14="http://schemas.microsoft.com/office/powerpoint/2010/main" val="1755616029"/>
       </p:ext>
     </p:extLst>
   </p:cSld>
@@ -854,7 +854,7 @@
           <a:p>
             <a:fld id="{BA05AF01-4F0E-4718-A4C1-DFCBB47EE5F2}" type="datetimeFigureOut">
               <a:rPr lang="en-US" smtClean="0"/>
-              <a:t>9/20/2021</a:t>
+              <a:t>9/23/2021</a:t>
             </a:fld>
             <a:endParaRPr lang="en-US"/>
           </a:p>
@@ -905,7 +905,7 @@
     </p:spTree>
     <p:extLst>
       <p:ext uri="{BB962C8B-B14F-4D97-AF65-F5344CB8AC3E}">
-        <p14:creationId xmlns:p14="http://schemas.microsoft.com/office/powerpoint/2010/main" val="3675138530"/>
+        <p14:creationId xmlns:p14="http://schemas.microsoft.com/office/powerpoint/2010/main" val="897258045"/>
       </p:ext>
     </p:extLst>
   </p:cSld>
@@ -944,8 +944,8 @@
         </p:nvSpPr>
         <p:spPr>
           <a:xfrm>
-            <a:off x="10142697" y="1217084"/>
-            <a:ext cx="3056096" cy="19372793"/>
+            <a:off x="10142697" y="973668"/>
+            <a:ext cx="3056096" cy="15498236"/>
           </a:xfrm>
         </p:spPr>
         <p:txBody>
@@ -972,8 +972,8 @@
         </p:nvSpPr>
         <p:spPr>
           <a:xfrm>
-            <a:off x="974408" y="1217084"/>
-            <a:ext cx="8991124" cy="19372793"/>
+            <a:off x="974408" y="973668"/>
+            <a:ext cx="8991124" cy="15498236"/>
           </a:xfrm>
         </p:spPr>
         <p:txBody>
@@ -1034,7 +1034,7 @@
           <a:p>
             <a:fld id="{BA05AF01-4F0E-4718-A4C1-DFCBB47EE5F2}" type="datetimeFigureOut">
               <a:rPr lang="en-US" smtClean="0"/>
-              <a:t>9/20/2021</a:t>
+              <a:t>9/23/2021</a:t>
             </a:fld>
             <a:endParaRPr lang="en-US"/>
           </a:p>
@@ -1085,7 +1085,7 @@
     </p:spTree>
     <p:extLst>
       <p:ext uri="{BB962C8B-B14F-4D97-AF65-F5344CB8AC3E}">
-        <p14:creationId xmlns:p14="http://schemas.microsoft.com/office/powerpoint/2010/main" val="2797058348"/>
+        <p14:creationId xmlns:p14="http://schemas.microsoft.com/office/powerpoint/2010/main" val="3302405993"/>
       </p:ext>
     </p:extLst>
   </p:cSld>
@@ -1204,7 +1204,7 @@
           <a:p>
             <a:fld id="{BA05AF01-4F0E-4718-A4C1-DFCBB47EE5F2}" type="datetimeFigureOut">
               <a:rPr lang="en-US" smtClean="0"/>
-              <a:t>9/20/2021</a:t>
+              <a:t>9/23/2021</a:t>
             </a:fld>
             <a:endParaRPr lang="en-US"/>
           </a:p>
@@ -1255,7 +1255,7 @@
     </p:spTree>
     <p:extLst>
       <p:ext uri="{BB962C8B-B14F-4D97-AF65-F5344CB8AC3E}">
-        <p14:creationId xmlns:p14="http://schemas.microsoft.com/office/powerpoint/2010/main" val="1367633493"/>
+        <p14:creationId xmlns:p14="http://schemas.microsoft.com/office/powerpoint/2010/main" val="1483419019"/>
       </p:ext>
     </p:extLst>
   </p:cSld>
@@ -1294,8 +1294,8 @@
         </p:nvSpPr>
         <p:spPr>
           <a:xfrm>
-            <a:off x="967026" y="5699132"/>
-            <a:ext cx="12224385" cy="9509123"/>
+            <a:off x="967028" y="4559306"/>
+            <a:ext cx="12224385" cy="7607299"/>
           </a:xfrm>
         </p:spPr>
         <p:txBody>
@@ -1326,8 +1326,8 @@
         </p:nvSpPr>
         <p:spPr>
           <a:xfrm>
-            <a:off x="967026" y="15298215"/>
-            <a:ext cx="12224385" cy="5000623"/>
+            <a:off x="967028" y="12238573"/>
+            <a:ext cx="12224385" cy="4000499"/>
           </a:xfrm>
         </p:spPr>
         <p:txBody>
@@ -1448,7 +1448,7 @@
           <a:p>
             <a:fld id="{BA05AF01-4F0E-4718-A4C1-DFCBB47EE5F2}" type="datetimeFigureOut">
               <a:rPr lang="en-US" smtClean="0"/>
-              <a:t>9/20/2021</a:t>
+              <a:t>9/23/2021</a:t>
             </a:fld>
             <a:endParaRPr lang="en-US"/>
           </a:p>
@@ -1499,7 +1499,7 @@
     </p:spTree>
     <p:extLst>
       <p:ext uri="{BB962C8B-B14F-4D97-AF65-F5344CB8AC3E}">
-        <p14:creationId xmlns:p14="http://schemas.microsoft.com/office/powerpoint/2010/main" val="2110097788"/>
+        <p14:creationId xmlns:p14="http://schemas.microsoft.com/office/powerpoint/2010/main" val="1059499280"/>
       </p:ext>
     </p:extLst>
   </p:cSld>
@@ -1561,8 +1561,8 @@
         </p:nvSpPr>
         <p:spPr>
           <a:xfrm>
-            <a:off x="974408" y="6085417"/>
-            <a:ext cx="6023610" cy="14504460"/>
+            <a:off x="974408" y="4868334"/>
+            <a:ext cx="6023610" cy="11603568"/>
           </a:xfrm>
         </p:spPr>
         <p:txBody>
@@ -1618,8 +1618,8 @@
         </p:nvSpPr>
         <p:spPr>
           <a:xfrm>
-            <a:off x="7175183" y="6085417"/>
-            <a:ext cx="6023610" cy="14504460"/>
+            <a:off x="7175183" y="4868334"/>
+            <a:ext cx="6023610" cy="11603568"/>
           </a:xfrm>
         </p:spPr>
         <p:txBody>
@@ -1680,7 +1680,7 @@
           <a:p>
             <a:fld id="{BA05AF01-4F0E-4718-A4C1-DFCBB47EE5F2}" type="datetimeFigureOut">
               <a:rPr lang="en-US" smtClean="0"/>
-              <a:t>9/20/2021</a:t>
+              <a:t>9/23/2021</a:t>
             </a:fld>
             <a:endParaRPr lang="en-US"/>
           </a:p>
@@ -1731,7 +1731,7 @@
     </p:spTree>
     <p:extLst>
       <p:ext uri="{BB962C8B-B14F-4D97-AF65-F5344CB8AC3E}">
-        <p14:creationId xmlns:p14="http://schemas.microsoft.com/office/powerpoint/2010/main" val="337912873"/>
+        <p14:creationId xmlns:p14="http://schemas.microsoft.com/office/powerpoint/2010/main" val="1393164832"/>
       </p:ext>
     </p:extLst>
   </p:cSld>
@@ -1770,8 +1770,8 @@
         </p:nvSpPr>
         <p:spPr>
           <a:xfrm>
-            <a:off x="976254" y="1217089"/>
-            <a:ext cx="12224385" cy="4418543"/>
+            <a:off x="976256" y="973671"/>
+            <a:ext cx="12224385" cy="3534836"/>
           </a:xfrm>
         </p:spPr>
         <p:txBody>
@@ -1798,8 +1798,8 @@
         </p:nvSpPr>
         <p:spPr>
           <a:xfrm>
-            <a:off x="976255" y="5603877"/>
-            <a:ext cx="5995927" cy="2746373"/>
+            <a:off x="976257" y="4483102"/>
+            <a:ext cx="5995927" cy="2197099"/>
           </a:xfrm>
         </p:spPr>
         <p:txBody>
@@ -1863,8 +1863,8 @@
         </p:nvSpPr>
         <p:spPr>
           <a:xfrm>
-            <a:off x="976255" y="8350250"/>
-            <a:ext cx="5995927" cy="12281960"/>
+            <a:off x="976257" y="6680200"/>
+            <a:ext cx="5995927" cy="9825568"/>
           </a:xfrm>
         </p:spPr>
         <p:txBody>
@@ -1920,8 +1920,8 @@
         </p:nvSpPr>
         <p:spPr>
           <a:xfrm>
-            <a:off x="7175183" y="5603877"/>
-            <a:ext cx="6025456" cy="2746373"/>
+            <a:off x="7175183" y="4483102"/>
+            <a:ext cx="6025456" cy="2197099"/>
           </a:xfrm>
         </p:spPr>
         <p:txBody>
@@ -1985,8 +1985,8 @@
         </p:nvSpPr>
         <p:spPr>
           <a:xfrm>
-            <a:off x="7175183" y="8350250"/>
-            <a:ext cx="6025456" cy="12281960"/>
+            <a:off x="7175183" y="6680200"/>
+            <a:ext cx="6025456" cy="9825568"/>
           </a:xfrm>
         </p:spPr>
         <p:txBody>
@@ -2047,7 +2047,7 @@
           <a:p>
             <a:fld id="{BA05AF01-4F0E-4718-A4C1-DFCBB47EE5F2}" type="datetimeFigureOut">
               <a:rPr lang="en-US" smtClean="0"/>
-              <a:t>9/20/2021</a:t>
+              <a:t>9/23/2021</a:t>
             </a:fld>
             <a:endParaRPr lang="en-US"/>
           </a:p>
@@ -2098,7 +2098,7 @@
     </p:spTree>
     <p:extLst>
       <p:ext uri="{BB962C8B-B14F-4D97-AF65-F5344CB8AC3E}">
-        <p14:creationId xmlns:p14="http://schemas.microsoft.com/office/powerpoint/2010/main" val="448031867"/>
+        <p14:creationId xmlns:p14="http://schemas.microsoft.com/office/powerpoint/2010/main" val="1065036271"/>
       </p:ext>
     </p:extLst>
   </p:cSld>
@@ -2165,7 +2165,7 @@
           <a:p>
             <a:fld id="{BA05AF01-4F0E-4718-A4C1-DFCBB47EE5F2}" type="datetimeFigureOut">
               <a:rPr lang="en-US" smtClean="0"/>
-              <a:t>9/20/2021</a:t>
+              <a:t>9/23/2021</a:t>
             </a:fld>
             <a:endParaRPr lang="en-US"/>
           </a:p>
@@ -2216,7 +2216,7 @@
     </p:spTree>
     <p:extLst>
       <p:ext uri="{BB962C8B-B14F-4D97-AF65-F5344CB8AC3E}">
-        <p14:creationId xmlns:p14="http://schemas.microsoft.com/office/powerpoint/2010/main" val="76748455"/>
+        <p14:creationId xmlns:p14="http://schemas.microsoft.com/office/powerpoint/2010/main" val="1356053286"/>
       </p:ext>
     </p:extLst>
   </p:cSld>
@@ -2260,7 +2260,7 @@
           <a:p>
             <a:fld id="{BA05AF01-4F0E-4718-A4C1-DFCBB47EE5F2}" type="datetimeFigureOut">
               <a:rPr lang="en-US" smtClean="0"/>
-              <a:t>9/20/2021</a:t>
+              <a:t>9/23/2021</a:t>
             </a:fld>
             <a:endParaRPr lang="en-US"/>
           </a:p>
@@ -2311,7 +2311,7 @@
     </p:spTree>
     <p:extLst>
       <p:ext uri="{BB962C8B-B14F-4D97-AF65-F5344CB8AC3E}">
-        <p14:creationId xmlns:p14="http://schemas.microsoft.com/office/powerpoint/2010/main" val="3668366954"/>
+        <p14:creationId xmlns:p14="http://schemas.microsoft.com/office/powerpoint/2010/main" val="1617196786"/>
       </p:ext>
     </p:extLst>
   </p:cSld>
@@ -2350,8 +2350,8 @@
         </p:nvSpPr>
         <p:spPr>
           <a:xfrm>
-            <a:off x="976254" y="1524000"/>
-            <a:ext cx="4571226" cy="5334000"/>
+            <a:off x="976254" y="1219200"/>
+            <a:ext cx="4571226" cy="4267200"/>
           </a:xfrm>
         </p:spPr>
         <p:txBody>
@@ -2382,8 +2382,8 @@
         </p:nvSpPr>
         <p:spPr>
           <a:xfrm>
-            <a:off x="6025456" y="3291422"/>
-            <a:ext cx="7175183" cy="16245417"/>
+            <a:off x="6025458" y="2633139"/>
+            <a:ext cx="7175183" cy="12996333"/>
           </a:xfrm>
         </p:spPr>
         <p:txBody>
@@ -2467,8 +2467,8 @@
         </p:nvSpPr>
         <p:spPr>
           <a:xfrm>
-            <a:off x="976254" y="6858000"/>
-            <a:ext cx="4571226" cy="12705293"/>
+            <a:off x="976254" y="5486400"/>
+            <a:ext cx="4571226" cy="10164236"/>
           </a:xfrm>
         </p:spPr>
         <p:txBody>
@@ -2537,7 +2537,7 @@
           <a:p>
             <a:fld id="{BA05AF01-4F0E-4718-A4C1-DFCBB47EE5F2}" type="datetimeFigureOut">
               <a:rPr lang="en-US" smtClean="0"/>
-              <a:t>9/20/2021</a:t>
+              <a:t>9/23/2021</a:t>
             </a:fld>
             <a:endParaRPr lang="en-US"/>
           </a:p>
@@ -2588,7 +2588,7 @@
     </p:spTree>
     <p:extLst>
       <p:ext uri="{BB962C8B-B14F-4D97-AF65-F5344CB8AC3E}">
-        <p14:creationId xmlns:p14="http://schemas.microsoft.com/office/powerpoint/2010/main" val="966099966"/>
+        <p14:creationId xmlns:p14="http://schemas.microsoft.com/office/powerpoint/2010/main" val="2272067107"/>
       </p:ext>
     </p:extLst>
   </p:cSld>
@@ -2627,8 +2627,8 @@
         </p:nvSpPr>
         <p:spPr>
           <a:xfrm>
-            <a:off x="976254" y="1524000"/>
-            <a:ext cx="4571226" cy="5334000"/>
+            <a:off x="976254" y="1219200"/>
+            <a:ext cx="4571226" cy="4267200"/>
           </a:xfrm>
         </p:spPr>
         <p:txBody>
@@ -2659,8 +2659,8 @@
         </p:nvSpPr>
         <p:spPr>
           <a:xfrm>
-            <a:off x="6025456" y="3291422"/>
-            <a:ext cx="7175183" cy="16245417"/>
+            <a:off x="6025458" y="2633139"/>
+            <a:ext cx="7175183" cy="12996333"/>
           </a:xfrm>
         </p:spPr>
         <p:txBody>
@@ -2724,8 +2724,8 @@
         </p:nvSpPr>
         <p:spPr>
           <a:xfrm>
-            <a:off x="976254" y="6858000"/>
-            <a:ext cx="4571226" cy="12705293"/>
+            <a:off x="976254" y="5486400"/>
+            <a:ext cx="4571226" cy="10164236"/>
           </a:xfrm>
         </p:spPr>
         <p:txBody>
@@ -2794,7 +2794,7 @@
           <a:p>
             <a:fld id="{BA05AF01-4F0E-4718-A4C1-DFCBB47EE5F2}" type="datetimeFigureOut">
               <a:rPr lang="en-US" smtClean="0"/>
-              <a:t>9/20/2021</a:t>
+              <a:t>9/23/2021</a:t>
             </a:fld>
             <a:endParaRPr lang="en-US"/>
           </a:p>
@@ -2845,7 +2845,7 @@
     </p:spTree>
     <p:extLst>
       <p:ext uri="{BB962C8B-B14F-4D97-AF65-F5344CB8AC3E}">
-        <p14:creationId xmlns:p14="http://schemas.microsoft.com/office/powerpoint/2010/main" val="3913448289"/>
+        <p14:creationId xmlns:p14="http://schemas.microsoft.com/office/powerpoint/2010/main" val="3728299360"/>
       </p:ext>
     </p:extLst>
   </p:cSld>
@@ -2889,8 +2889,8 @@
         </p:nvSpPr>
         <p:spPr>
           <a:xfrm>
-            <a:off x="974408" y="1217089"/>
-            <a:ext cx="12224385" cy="4418543"/>
+            <a:off x="974408" y="973671"/>
+            <a:ext cx="12224385" cy="3534836"/>
           </a:xfrm>
           <a:prstGeom prst="rect">
             <a:avLst/>
@@ -2922,8 +2922,8 @@
         </p:nvSpPr>
         <p:spPr>
           <a:xfrm>
-            <a:off x="974408" y="6085417"/>
-            <a:ext cx="12224385" cy="14504460"/>
+            <a:off x="974408" y="4868334"/>
+            <a:ext cx="12224385" cy="11603568"/>
           </a:xfrm>
           <a:prstGeom prst="rect">
             <a:avLst/>
@@ -2984,8 +2984,8 @@
         </p:nvSpPr>
         <p:spPr>
           <a:xfrm>
-            <a:off x="974408" y="21187839"/>
-            <a:ext cx="3188970" cy="1217083"/>
+            <a:off x="974408" y="16950272"/>
+            <a:ext cx="3188970" cy="973667"/>
           </a:xfrm>
           <a:prstGeom prst="rect">
             <a:avLst/>
@@ -3007,7 +3007,7 @@
           <a:p>
             <a:fld id="{BA05AF01-4F0E-4718-A4C1-DFCBB47EE5F2}" type="datetimeFigureOut">
               <a:rPr lang="en-US" smtClean="0"/>
-              <a:t>9/20/2021</a:t>
+              <a:t>9/23/2021</a:t>
             </a:fld>
             <a:endParaRPr lang="en-US"/>
           </a:p>
@@ -3025,8 +3025,8 @@
         </p:nvSpPr>
         <p:spPr>
           <a:xfrm>
-            <a:off x="4694873" y="21187839"/>
-            <a:ext cx="4783455" cy="1217083"/>
+            <a:off x="4694873" y="16950272"/>
+            <a:ext cx="4783455" cy="973667"/>
           </a:xfrm>
           <a:prstGeom prst="rect">
             <a:avLst/>
@@ -3062,8 +3062,8 @@
         </p:nvSpPr>
         <p:spPr>
           <a:xfrm>
-            <a:off x="10009823" y="21187839"/>
-            <a:ext cx="3188970" cy="1217083"/>
+            <a:off x="10009823" y="16950272"/>
+            <a:ext cx="3188970" cy="973667"/>
           </a:xfrm>
           <a:prstGeom prst="rect">
             <a:avLst/>
@@ -3094,23 +3094,23 @@
     </p:spTree>
     <p:extLst>
       <p:ext uri="{BB962C8B-B14F-4D97-AF65-F5344CB8AC3E}">
-        <p14:creationId xmlns:p14="http://schemas.microsoft.com/office/powerpoint/2010/main" val="3377492412"/>
+        <p14:creationId xmlns:p14="http://schemas.microsoft.com/office/powerpoint/2010/main" val="3228132630"/>
       </p:ext>
     </p:extLst>
   </p:cSld>
   <p:clrMap bg1="lt1" tx1="dk1" bg2="lt2" tx2="dk2" accent1="accent1" accent2="accent2" accent3="accent3" accent4="accent4" accent5="accent5" accent6="accent6" hlink="hlink" folHlink="folHlink"/>
   <p:sldLayoutIdLst>
-    <p:sldLayoutId id="2147483817" r:id="rId1"/>
-    <p:sldLayoutId id="2147483818" r:id="rId2"/>
-    <p:sldLayoutId id="2147483819" r:id="rId3"/>
-    <p:sldLayoutId id="2147483820" r:id="rId4"/>
-    <p:sldLayoutId id="2147483821" r:id="rId5"/>
-    <p:sldLayoutId id="2147483822" r:id="rId6"/>
-    <p:sldLayoutId id="2147483823" r:id="rId7"/>
-    <p:sldLayoutId id="2147483824" r:id="rId8"/>
-    <p:sldLayoutId id="2147483825" r:id="rId9"/>
-    <p:sldLayoutId id="2147483826" r:id="rId10"/>
-    <p:sldLayoutId id="2147483827" r:id="rId11"/>
+    <p:sldLayoutId id="2147483829" r:id="rId1"/>
+    <p:sldLayoutId id="2147483830" r:id="rId2"/>
+    <p:sldLayoutId id="2147483831" r:id="rId3"/>
+    <p:sldLayoutId id="2147483832" r:id="rId4"/>
+    <p:sldLayoutId id="2147483833" r:id="rId5"/>
+    <p:sldLayoutId id="2147483834" r:id="rId6"/>
+    <p:sldLayoutId id="2147483835" r:id="rId7"/>
+    <p:sldLayoutId id="2147483836" r:id="rId8"/>
+    <p:sldLayoutId id="2147483837" r:id="rId9"/>
+    <p:sldLayoutId id="2147483838" r:id="rId10"/>
+    <p:sldLayoutId id="2147483839" r:id="rId11"/>
   </p:sldLayoutIdLst>
   <p:txStyles>
     <p:titleStyle>
@@ -3414,10 +3414,10 @@
       </p:grpSpPr>
       <p:grpSp>
         <p:nvGrpSpPr>
-          <p:cNvPr id="3" name="Group 2">
+          <p:cNvPr id="39" name="Group 38">
             <a:extLst>
               <a:ext uri="{FF2B5EF4-FFF2-40B4-BE49-F238E27FC236}">
-                <a16:creationId xmlns:a16="http://schemas.microsoft.com/office/drawing/2014/main" id="{EDEF5298-37F0-4E04-9FDF-9621E1525BFB}"/>
+                <a16:creationId xmlns:a16="http://schemas.microsoft.com/office/drawing/2014/main" id="{DB620288-A49C-46E4-9BFC-2DF695B32D10}"/>
               </a:ext>
             </a:extLst>
           </p:cNvPr>
@@ -3426,18 +3426,1504 @@
         </p:nvGrpSpPr>
         <p:grpSpPr>
           <a:xfrm>
-            <a:off x="0" y="120482"/>
-            <a:ext cx="15306261" cy="8498494"/>
-            <a:chOff x="73075" y="99402"/>
-            <a:chExt cx="15102853" cy="7824330"/>
+            <a:off x="0" y="0"/>
+            <a:ext cx="15046437" cy="17365818"/>
+            <a:chOff x="19086" y="-55217"/>
+            <a:chExt cx="15046437" cy="17365818"/>
           </a:xfrm>
         </p:grpSpPr>
+        <p:grpSp>
+          <p:nvGrpSpPr>
+            <p:cNvPr id="27" name="Group 26">
+              <a:extLst>
+                <a:ext uri="{FF2B5EF4-FFF2-40B4-BE49-F238E27FC236}">
+                  <a16:creationId xmlns:a16="http://schemas.microsoft.com/office/drawing/2014/main" id="{42664940-4F02-4927-8355-6149A7F16B83}"/>
+                </a:ext>
+              </a:extLst>
+            </p:cNvPr>
+            <p:cNvGrpSpPr/>
+            <p:nvPr/>
+          </p:nvGrpSpPr>
+          <p:grpSpPr>
+            <a:xfrm>
+              <a:off x="249176" y="-6471"/>
+              <a:ext cx="14816347" cy="7293334"/>
+              <a:chOff x="57646" y="755987"/>
+              <a:chExt cx="14816347" cy="7293334"/>
+            </a:xfrm>
+          </p:grpSpPr>
+          <p:pic>
+            <p:nvPicPr>
+              <p:cNvPr id="1026" name="Picture 2">
+                <a:extLst>
+                  <a:ext uri="{FF2B5EF4-FFF2-40B4-BE49-F238E27FC236}">
+                    <a16:creationId xmlns:a16="http://schemas.microsoft.com/office/drawing/2014/main" id="{0833E798-11FC-446B-AF6C-D8427DA87A88}"/>
+                  </a:ext>
+                </a:extLst>
+              </p:cNvPr>
+              <p:cNvPicPr>
+                <a:picLocks noChangeAspect="1" noChangeArrowheads="1"/>
+              </p:cNvPicPr>
+              <p:nvPr/>
+            </p:nvPicPr>
+            <p:blipFill>
+              <a:blip r:embed="rId3">
+                <a:extLst>
+                  <a:ext uri="{28A0092B-C50C-407E-A947-70E740481C1C}">
+                    <a14:useLocalDpi xmlns:a14="http://schemas.microsoft.com/office/drawing/2010/main" val="0"/>
+                  </a:ext>
+                </a:extLst>
+              </a:blip>
+              <a:srcRect/>
+              <a:stretch>
+                <a:fillRect/>
+              </a:stretch>
+            </p:blipFill>
+            <p:spPr bwMode="auto">
+              <a:xfrm>
+                <a:off x="257701" y="755987"/>
+                <a:ext cx="13482092" cy="7113576"/>
+              </a:xfrm>
+              <a:prstGeom prst="rect">
+                <a:avLst/>
+              </a:prstGeom>
+              <a:noFill/>
+              <a:extLst>
+                <a:ext uri="{909E8E84-426E-40DD-AFC4-6F175D3DCCD1}">
+                  <a14:hiddenFill xmlns:a14="http://schemas.microsoft.com/office/drawing/2010/main">
+                    <a:solidFill>
+                      <a:srgbClr val="FFFFFF"/>
+                    </a:solidFill>
+                  </a14:hiddenFill>
+                </a:ext>
+              </a:extLst>
+            </p:spPr>
+          </p:pic>
+          <p:sp>
+            <p:nvSpPr>
+              <p:cNvPr id="2" name="TextBox 1">
+                <a:extLst>
+                  <a:ext uri="{FF2B5EF4-FFF2-40B4-BE49-F238E27FC236}">
+                    <a16:creationId xmlns:a16="http://schemas.microsoft.com/office/drawing/2014/main" id="{36F88E82-9832-4E0A-A00B-D98A53730BDB}"/>
+                  </a:ext>
+                </a:extLst>
+              </p:cNvPr>
+              <p:cNvSpPr txBox="1"/>
+              <p:nvPr/>
+            </p:nvSpPr>
+            <p:spPr>
+              <a:xfrm>
+                <a:off x="5678955" y="7649211"/>
+                <a:ext cx="4101181" cy="400110"/>
+              </a:xfrm>
+              <a:prstGeom prst="rect">
+                <a:avLst/>
+              </a:prstGeom>
+              <a:solidFill>
+                <a:schemeClr val="bg1"/>
+              </a:solidFill>
+            </p:spPr>
+            <p:txBody>
+              <a:bodyPr wrap="square" rtlCol="0">
+                <a:spAutoFit/>
+              </a:bodyPr>
+              <a:lstStyle/>
+              <a:p>
+                <a:r>
+                  <a:rPr lang="en-US" sz="2000" dirty="0">
+                    <a:latin typeface="Times New Roman" panose="02020603050405020304" pitchFamily="18" charset="0"/>
+                    <a:cs typeface="Times New Roman" panose="02020603050405020304" pitchFamily="18" charset="0"/>
+                  </a:rPr>
+                  <a:t>Binding Affinity in kcal/mole</a:t>
+                </a:r>
+              </a:p>
+            </p:txBody>
+          </p:sp>
+          <p:sp>
+            <p:nvSpPr>
+              <p:cNvPr id="14" name="TextBox 13">
+                <a:extLst>
+                  <a:ext uri="{FF2B5EF4-FFF2-40B4-BE49-F238E27FC236}">
+                    <a16:creationId xmlns:a16="http://schemas.microsoft.com/office/drawing/2014/main" id="{4455DCB5-551E-43CB-9730-C26043F8703E}"/>
+                  </a:ext>
+                </a:extLst>
+              </p:cNvPr>
+              <p:cNvSpPr txBox="1"/>
+              <p:nvPr/>
+            </p:nvSpPr>
+            <p:spPr>
+              <a:xfrm rot="16200000">
+                <a:off x="-127392" y="3967402"/>
+                <a:ext cx="770186" cy="400110"/>
+              </a:xfrm>
+              <a:prstGeom prst="rect">
+                <a:avLst/>
+              </a:prstGeom>
+              <a:solidFill>
+                <a:schemeClr val="bg1"/>
+              </a:solidFill>
+            </p:spPr>
+            <p:txBody>
+              <a:bodyPr wrap="square" rtlCol="0">
+                <a:spAutoFit/>
+              </a:bodyPr>
+              <a:lstStyle/>
+              <a:p>
+                <a:r>
+                  <a:rPr lang="en-US" sz="2000" dirty="0">
+                    <a:latin typeface="Times New Roman" panose="02020603050405020304" pitchFamily="18" charset="0"/>
+                    <a:cs typeface="Times New Roman" panose="02020603050405020304" pitchFamily="18" charset="0"/>
+                  </a:rPr>
+                  <a:t>PDF</a:t>
+                </a:r>
+              </a:p>
+            </p:txBody>
+          </p:sp>
+          <p:sp>
+            <p:nvSpPr>
+              <p:cNvPr id="44" name="TextBox 43">
+                <a:extLst>
+                  <a:ext uri="{FF2B5EF4-FFF2-40B4-BE49-F238E27FC236}">
+                    <a16:creationId xmlns:a16="http://schemas.microsoft.com/office/drawing/2014/main" id="{1FDC6409-1EB0-4F5F-BCB8-D7E0F60907C4}"/>
+                  </a:ext>
+                </a:extLst>
+              </p:cNvPr>
+              <p:cNvSpPr txBox="1"/>
+              <p:nvPr/>
+            </p:nvSpPr>
+            <p:spPr>
+              <a:xfrm>
+                <a:off x="8156452" y="944808"/>
+                <a:ext cx="2647787" cy="707886"/>
+              </a:xfrm>
+              <a:prstGeom prst="rect">
+                <a:avLst/>
+              </a:prstGeom>
+              <a:noFill/>
+            </p:spPr>
+            <p:txBody>
+              <a:bodyPr wrap="square" rtlCol="0">
+                <a:spAutoFit/>
+              </a:bodyPr>
+              <a:lstStyle/>
+              <a:p>
+                <a:r>
+                  <a:rPr lang="en-US" sz="2000" dirty="0">
+                    <a:latin typeface="Times New Roman" panose="02020603050405020304" pitchFamily="18" charset="0"/>
+                    <a:cs typeface="Times New Roman" panose="02020603050405020304" pitchFamily="18" charset="0"/>
+                  </a:rPr>
+                  <a:t>Threshold of</a:t>
+                </a:r>
+              </a:p>
+              <a:p>
+                <a:r>
+                  <a:rPr lang="en-US" sz="2000" dirty="0">
+                    <a:latin typeface="Times New Roman" panose="02020603050405020304" pitchFamily="18" charset="0"/>
+                    <a:cs typeface="Times New Roman" panose="02020603050405020304" pitchFamily="18" charset="0"/>
+                  </a:rPr>
+                  <a:t>-1.75 kcal/mole</a:t>
+                </a:r>
+              </a:p>
+            </p:txBody>
+          </p:sp>
+          <p:sp>
+            <p:nvSpPr>
+              <p:cNvPr id="56" name="Rectangle 55">
+                <a:extLst>
+                  <a:ext uri="{FF2B5EF4-FFF2-40B4-BE49-F238E27FC236}">
+                    <a16:creationId xmlns:a16="http://schemas.microsoft.com/office/drawing/2014/main" id="{CB7B0D58-E4CE-4FA6-9B50-1D8364928CD7}"/>
+                  </a:ext>
+                </a:extLst>
+              </p:cNvPr>
+              <p:cNvSpPr/>
+              <p:nvPr/>
+            </p:nvSpPr>
+            <p:spPr>
+              <a:xfrm>
+                <a:off x="11590746" y="906629"/>
+                <a:ext cx="2005085" cy="955793"/>
+              </a:xfrm>
+              <a:prstGeom prst="rect">
+                <a:avLst/>
+              </a:prstGeom>
+              <a:solidFill>
+                <a:schemeClr val="bg1"/>
+              </a:solidFill>
+            </p:spPr>
+            <p:style>
+              <a:lnRef idx="2">
+                <a:schemeClr val="accent1">
+                  <a:shade val="50000"/>
+                </a:schemeClr>
+              </a:lnRef>
+              <a:fillRef idx="1">
+                <a:schemeClr val="accent1"/>
+              </a:fillRef>
+              <a:effectRef idx="0">
+                <a:schemeClr val="accent1"/>
+              </a:effectRef>
+              <a:fontRef idx="minor">
+                <a:schemeClr val="lt1"/>
+              </a:fontRef>
+            </p:style>
+            <p:txBody>
+              <a:bodyPr rtlCol="0" anchor="ctr"/>
+              <a:lstStyle/>
+              <a:p>
+                <a:pPr algn="ctr"/>
+                <a:endParaRPr lang="en-US"/>
+              </a:p>
+            </p:txBody>
+          </p:sp>
+          <p:sp>
+            <p:nvSpPr>
+              <p:cNvPr id="69" name="TextBox 68">
+                <a:extLst>
+                  <a:ext uri="{FF2B5EF4-FFF2-40B4-BE49-F238E27FC236}">
+                    <a16:creationId xmlns:a16="http://schemas.microsoft.com/office/drawing/2014/main" id="{2BB5331D-8F39-4FDC-9D08-414335693E54}"/>
+                  </a:ext>
+                </a:extLst>
+              </p:cNvPr>
+              <p:cNvSpPr txBox="1"/>
+              <p:nvPr/>
+            </p:nvSpPr>
+            <p:spPr>
+              <a:xfrm>
+                <a:off x="12226206" y="944808"/>
+                <a:ext cx="2647787" cy="400110"/>
+              </a:xfrm>
+              <a:prstGeom prst="rect">
+                <a:avLst/>
+              </a:prstGeom>
+              <a:noFill/>
+            </p:spPr>
+            <p:txBody>
+              <a:bodyPr wrap="square" rtlCol="0">
+                <a:spAutoFit/>
+              </a:bodyPr>
+              <a:lstStyle/>
+              <a:p>
+                <a:r>
+                  <a:rPr lang="en-US" sz="2000" dirty="0">
+                    <a:solidFill>
+                      <a:srgbClr val="5B616B"/>
+                    </a:solidFill>
+                    <a:latin typeface="Times New Roman" panose="02020603050405020304" pitchFamily="18" charset="0"/>
+                    <a:cs typeface="Times New Roman" panose="02020603050405020304" pitchFamily="18" charset="0"/>
+                  </a:rPr>
+                  <a:t>Top 100</a:t>
+                </a:r>
+              </a:p>
+            </p:txBody>
+          </p:sp>
+          <p:sp>
+            <p:nvSpPr>
+              <p:cNvPr id="70" name="TextBox 69">
+                <a:extLst>
+                  <a:ext uri="{FF2B5EF4-FFF2-40B4-BE49-F238E27FC236}">
+                    <a16:creationId xmlns:a16="http://schemas.microsoft.com/office/drawing/2014/main" id="{74F3CF25-7269-4019-B3D2-24D6DBC39CE2}"/>
+                  </a:ext>
+                </a:extLst>
+              </p:cNvPr>
+              <p:cNvSpPr txBox="1"/>
+              <p:nvPr/>
+            </p:nvSpPr>
+            <p:spPr>
+              <a:xfrm>
+                <a:off x="12226206" y="1341129"/>
+                <a:ext cx="2647787" cy="400110"/>
+              </a:xfrm>
+              <a:prstGeom prst="rect">
+                <a:avLst/>
+              </a:prstGeom>
+              <a:noFill/>
+            </p:spPr>
+            <p:txBody>
+              <a:bodyPr wrap="square" rtlCol="0">
+                <a:spAutoFit/>
+              </a:bodyPr>
+              <a:lstStyle/>
+              <a:p>
+                <a:r>
+                  <a:rPr lang="en-US" sz="2000" dirty="0">
+                    <a:solidFill>
+                      <a:srgbClr val="5B616B"/>
+                    </a:solidFill>
+                    <a:latin typeface="Times New Roman" panose="02020603050405020304" pitchFamily="18" charset="0"/>
+                    <a:cs typeface="Times New Roman" panose="02020603050405020304" pitchFamily="18" charset="0"/>
+                  </a:rPr>
+                  <a:t>Bottom 100</a:t>
+                </a:r>
+              </a:p>
+            </p:txBody>
+          </p:sp>
+          <p:sp>
+            <p:nvSpPr>
+              <p:cNvPr id="61" name="Rectangle 60">
+                <a:extLst>
+                  <a:ext uri="{FF2B5EF4-FFF2-40B4-BE49-F238E27FC236}">
+                    <a16:creationId xmlns:a16="http://schemas.microsoft.com/office/drawing/2014/main" id="{E890C59C-2127-496E-AD62-AD7FA4B8F743}"/>
+                  </a:ext>
+                </a:extLst>
+              </p:cNvPr>
+              <p:cNvSpPr/>
+              <p:nvPr/>
+            </p:nvSpPr>
+            <p:spPr>
+              <a:xfrm>
+                <a:off x="11716954" y="1004422"/>
+                <a:ext cx="383044" cy="319848"/>
+              </a:xfrm>
+              <a:prstGeom prst="rect">
+                <a:avLst/>
+              </a:prstGeom>
+              <a:solidFill>
+                <a:srgbClr val="E8F3FF"/>
+              </a:solidFill>
+            </p:spPr>
+            <p:style>
+              <a:lnRef idx="2">
+                <a:schemeClr val="accent1">
+                  <a:shade val="50000"/>
+                </a:schemeClr>
+              </a:lnRef>
+              <a:fillRef idx="1">
+                <a:schemeClr val="accent1"/>
+              </a:fillRef>
+              <a:effectRef idx="0">
+                <a:schemeClr val="accent1"/>
+              </a:effectRef>
+              <a:fontRef idx="minor">
+                <a:schemeClr val="lt1"/>
+              </a:fontRef>
+            </p:style>
+            <p:txBody>
+              <a:bodyPr rtlCol="0" anchor="ctr"/>
+              <a:lstStyle/>
+              <a:p>
+                <a:pPr algn="ctr"/>
+                <a:endParaRPr lang="en-US"/>
+              </a:p>
+            </p:txBody>
+          </p:sp>
+          <p:sp>
+            <p:nvSpPr>
+              <p:cNvPr id="72" name="Rectangle 71">
+                <a:extLst>
+                  <a:ext uri="{FF2B5EF4-FFF2-40B4-BE49-F238E27FC236}">
+                    <a16:creationId xmlns:a16="http://schemas.microsoft.com/office/drawing/2014/main" id="{8AD65E02-ABDD-44A6-8E1E-02DB9AFAEBEA}"/>
+                  </a:ext>
+                </a:extLst>
+              </p:cNvPr>
+              <p:cNvSpPr/>
+              <p:nvPr/>
+            </p:nvSpPr>
+            <p:spPr>
+              <a:xfrm>
+                <a:off x="11716954" y="1422063"/>
+                <a:ext cx="383044" cy="319848"/>
+              </a:xfrm>
+              <a:prstGeom prst="rect">
+                <a:avLst/>
+              </a:prstGeom>
+              <a:solidFill>
+                <a:srgbClr val="FFF5E5"/>
+              </a:solidFill>
+            </p:spPr>
+            <p:style>
+              <a:lnRef idx="2">
+                <a:schemeClr val="accent1">
+                  <a:shade val="50000"/>
+                </a:schemeClr>
+              </a:lnRef>
+              <a:fillRef idx="1">
+                <a:schemeClr val="accent1"/>
+              </a:fillRef>
+              <a:effectRef idx="0">
+                <a:schemeClr val="accent1"/>
+              </a:effectRef>
+              <a:fontRef idx="minor">
+                <a:schemeClr val="lt1"/>
+              </a:fontRef>
+            </p:style>
+            <p:txBody>
+              <a:bodyPr rtlCol="0" anchor="ctr"/>
+              <a:lstStyle/>
+              <a:p>
+                <a:pPr algn="ctr"/>
+                <a:endParaRPr lang="en-US"/>
+              </a:p>
+            </p:txBody>
+          </p:sp>
+        </p:grpSp>
+        <p:grpSp>
+          <p:nvGrpSpPr>
+            <p:cNvPr id="26" name="Group 25">
+              <a:extLst>
+                <a:ext uri="{FF2B5EF4-FFF2-40B4-BE49-F238E27FC236}">
+                  <a16:creationId xmlns:a16="http://schemas.microsoft.com/office/drawing/2014/main" id="{027C4190-5487-41B3-8B14-4B20D40F4B18}"/>
+                </a:ext>
+              </a:extLst>
+            </p:cNvPr>
+            <p:cNvGrpSpPr/>
+            <p:nvPr/>
+          </p:nvGrpSpPr>
+          <p:grpSpPr>
+            <a:xfrm>
+              <a:off x="76689" y="7026979"/>
+              <a:ext cx="13988475" cy="6547307"/>
+              <a:chOff x="168547" y="7987941"/>
+              <a:chExt cx="13988475" cy="6547307"/>
+            </a:xfrm>
+          </p:grpSpPr>
+          <p:sp>
+            <p:nvSpPr>
+              <p:cNvPr id="25" name="TextBox 24">
+                <a:extLst>
+                  <a:ext uri="{FF2B5EF4-FFF2-40B4-BE49-F238E27FC236}">
+                    <a16:creationId xmlns:a16="http://schemas.microsoft.com/office/drawing/2014/main" id="{8DFA5ECB-6CA6-4F27-807D-6A189A005588}"/>
+                  </a:ext>
+                </a:extLst>
+              </p:cNvPr>
+              <p:cNvSpPr txBox="1"/>
+              <p:nvPr/>
+            </p:nvSpPr>
+            <p:spPr>
+              <a:xfrm>
+                <a:off x="168547" y="7987941"/>
+                <a:ext cx="669467" cy="580800"/>
+              </a:xfrm>
+              <a:prstGeom prst="rect">
+                <a:avLst/>
+              </a:prstGeom>
+              <a:noFill/>
+            </p:spPr>
+            <p:txBody>
+              <a:bodyPr wrap="square" rtlCol="0">
+                <a:spAutoFit/>
+              </a:bodyPr>
+              <a:lstStyle/>
+              <a:p>
+                <a:r>
+                  <a:rPr lang="en-US" sz="3174" b="1" dirty="0">
+                    <a:latin typeface="Times New Roman" panose="02020603050405020304" pitchFamily="18" charset="0"/>
+                    <a:cs typeface="Times New Roman" panose="02020603050405020304" pitchFamily="18" charset="0"/>
+                  </a:rPr>
+                  <a:t>B</a:t>
+                </a:r>
+              </a:p>
+            </p:txBody>
+          </p:sp>
+          <p:grpSp>
+            <p:nvGrpSpPr>
+              <p:cNvPr id="11" name="Group 10">
+                <a:extLst>
+                  <a:ext uri="{FF2B5EF4-FFF2-40B4-BE49-F238E27FC236}">
+                    <a16:creationId xmlns:a16="http://schemas.microsoft.com/office/drawing/2014/main" id="{81D40FC0-2CA0-49C4-ACD6-FABB426A5F20}"/>
+                  </a:ext>
+                </a:extLst>
+              </p:cNvPr>
+              <p:cNvGrpSpPr/>
+              <p:nvPr/>
+            </p:nvGrpSpPr>
+            <p:grpSpPr>
+              <a:xfrm>
+                <a:off x="6156073" y="8262625"/>
+                <a:ext cx="4339731" cy="6225730"/>
+                <a:chOff x="5716215" y="8278341"/>
+                <a:chExt cx="4339731" cy="6225730"/>
+              </a:xfrm>
+            </p:grpSpPr>
+            <p:grpSp>
+              <p:nvGrpSpPr>
+                <p:cNvPr id="40" name="Group 39">
+                  <a:extLst>
+                    <a:ext uri="{FF2B5EF4-FFF2-40B4-BE49-F238E27FC236}">
+                      <a16:creationId xmlns:a16="http://schemas.microsoft.com/office/drawing/2014/main" id="{5B10AC26-4032-4DBB-97E7-1634253D93F6}"/>
+                    </a:ext>
+                  </a:extLst>
+                </p:cNvPr>
+                <p:cNvGrpSpPr/>
+                <p:nvPr/>
+              </p:nvGrpSpPr>
+              <p:grpSpPr>
+                <a:xfrm>
+                  <a:off x="5716215" y="8278341"/>
+                  <a:ext cx="3150265" cy="2689244"/>
+                  <a:chOff x="5529273" y="8011776"/>
+                  <a:chExt cx="3576152" cy="3102589"/>
+                </a:xfrm>
+              </p:grpSpPr>
+              <p:pic>
+                <p:nvPicPr>
+                  <p:cNvPr id="8" name="Picture 7">
+                    <a:extLst>
+                      <a:ext uri="{FF2B5EF4-FFF2-40B4-BE49-F238E27FC236}">
+                        <a16:creationId xmlns:a16="http://schemas.microsoft.com/office/drawing/2014/main" id="{C0114F1D-98E3-40C4-BC3F-31E3FD75AE8C}"/>
+                      </a:ext>
+                    </a:extLst>
+                  </p:cNvPr>
+                  <p:cNvPicPr>
+                    <a:picLocks noChangeAspect="1"/>
+                  </p:cNvPicPr>
+                  <p:nvPr/>
+                </p:nvPicPr>
+                <p:blipFill>
+                  <a:blip r:embed="rId4"/>
+                  <a:stretch>
+                    <a:fillRect/>
+                  </a:stretch>
+                </p:blipFill>
+                <p:spPr>
+                  <a:xfrm>
+                    <a:off x="5529273" y="8651427"/>
+                    <a:ext cx="3441365" cy="2462938"/>
+                  </a:xfrm>
+                  <a:prstGeom prst="rect">
+                    <a:avLst/>
+                  </a:prstGeom>
+                </p:spPr>
+              </p:pic>
+              <p:sp>
+                <p:nvSpPr>
+                  <p:cNvPr id="20" name="TextBox 19">
+                    <a:extLst>
+                      <a:ext uri="{FF2B5EF4-FFF2-40B4-BE49-F238E27FC236}">
+                        <a16:creationId xmlns:a16="http://schemas.microsoft.com/office/drawing/2014/main" id="{188A4506-DFF0-4FAA-9217-E6B42F35305A}"/>
+                      </a:ext>
+                    </a:extLst>
+                  </p:cNvPr>
+                  <p:cNvSpPr txBox="1"/>
+                  <p:nvPr/>
+                </p:nvSpPr>
+                <p:spPr>
+                  <a:xfrm>
+                    <a:off x="6404883" y="8011776"/>
+                    <a:ext cx="2700542" cy="461608"/>
+                  </a:xfrm>
+                  <a:prstGeom prst="rect">
+                    <a:avLst/>
+                  </a:prstGeom>
+                  <a:noFill/>
+                </p:spPr>
+                <p:txBody>
+                  <a:bodyPr wrap="square" rtlCol="0">
+                    <a:spAutoFit/>
+                  </a:bodyPr>
+                  <a:lstStyle/>
+                  <a:p>
+                    <a:r>
+                      <a:rPr lang="en-US" sz="2000" b="1" dirty="0">
+                        <a:latin typeface="Times New Roman" panose="02020603050405020304" pitchFamily="18" charset="0"/>
+                        <a:cs typeface="Times New Roman" panose="02020603050405020304" pitchFamily="18" charset="0"/>
+                      </a:rPr>
+                      <a:t>Oleanolic acid</a:t>
+                    </a:r>
+                  </a:p>
+                </p:txBody>
+              </p:sp>
+            </p:grpSp>
+            <p:grpSp>
+              <p:nvGrpSpPr>
+                <p:cNvPr id="57" name="Group 56">
+                  <a:extLst>
+                    <a:ext uri="{FF2B5EF4-FFF2-40B4-BE49-F238E27FC236}">
+                      <a16:creationId xmlns:a16="http://schemas.microsoft.com/office/drawing/2014/main" id="{7EE37DB0-A941-4C9F-B0C4-2D6BD308E7F5}"/>
+                    </a:ext>
+                  </a:extLst>
+                </p:cNvPr>
+                <p:cNvGrpSpPr/>
+                <p:nvPr/>
+              </p:nvGrpSpPr>
+              <p:grpSpPr>
+                <a:xfrm>
+                  <a:off x="6395377" y="11522587"/>
+                  <a:ext cx="3093543" cy="2981484"/>
+                  <a:chOff x="3694089" y="11847929"/>
+                  <a:chExt cx="3511762" cy="3439747"/>
+                </a:xfrm>
+              </p:grpSpPr>
+              <p:pic>
+                <p:nvPicPr>
+                  <p:cNvPr id="58" name="Picture 57">
+                    <a:extLst>
+                      <a:ext uri="{FF2B5EF4-FFF2-40B4-BE49-F238E27FC236}">
+                        <a16:creationId xmlns:a16="http://schemas.microsoft.com/office/drawing/2014/main" id="{BDE1C8F9-E5F7-48B4-A1C5-7A2190F1E126}"/>
+                      </a:ext>
+                    </a:extLst>
+                  </p:cNvPr>
+                  <p:cNvPicPr>
+                    <a:picLocks noChangeAspect="1"/>
+                  </p:cNvPicPr>
+                  <p:nvPr/>
+                </p:nvPicPr>
+                <p:blipFill>
+                  <a:blip r:embed="rId5"/>
+                  <a:stretch>
+                    <a:fillRect/>
+                  </a:stretch>
+                </p:blipFill>
+                <p:spPr>
+                  <a:xfrm>
+                    <a:off x="3694089" y="11847929"/>
+                    <a:ext cx="2397633" cy="2847609"/>
+                  </a:xfrm>
+                  <a:prstGeom prst="rect">
+                    <a:avLst/>
+                  </a:prstGeom>
+                </p:spPr>
+              </p:pic>
+              <p:sp>
+                <p:nvSpPr>
+                  <p:cNvPr id="59" name="TextBox 58">
+                    <a:extLst>
+                      <a:ext uri="{FF2B5EF4-FFF2-40B4-BE49-F238E27FC236}">
+                        <a16:creationId xmlns:a16="http://schemas.microsoft.com/office/drawing/2014/main" id="{A2182CDA-3F59-46DB-AB9F-F07BA1AA5DA8}"/>
+                      </a:ext>
+                    </a:extLst>
+                  </p:cNvPr>
+                  <p:cNvSpPr txBox="1"/>
+                  <p:nvPr/>
+                </p:nvSpPr>
+                <p:spPr>
+                  <a:xfrm>
+                    <a:off x="4505309" y="14826068"/>
+                    <a:ext cx="2700542" cy="461608"/>
+                  </a:xfrm>
+                  <a:prstGeom prst="rect">
+                    <a:avLst/>
+                  </a:prstGeom>
+                  <a:noFill/>
+                </p:spPr>
+                <p:txBody>
+                  <a:bodyPr wrap="square" rtlCol="0">
+                    <a:spAutoFit/>
+                  </a:bodyPr>
+                  <a:lstStyle/>
+                  <a:p>
+                    <a:r>
+                      <a:rPr lang="en-US" sz="2000" dirty="0">
+                        <a:latin typeface="Times New Roman" panose="02020603050405020304" pitchFamily="18" charset="0"/>
+                        <a:cs typeface="Times New Roman" panose="02020603050405020304" pitchFamily="18" charset="0"/>
+                      </a:rPr>
+                      <a:t>PTPN22</a:t>
+                    </a:r>
+                  </a:p>
+                </p:txBody>
+              </p:sp>
+            </p:grpSp>
+            <p:cxnSp>
+              <p:nvCxnSpPr>
+                <p:cNvPr id="60" name="Straight Arrow Connector 59">
+                  <a:extLst>
+                    <a:ext uri="{FF2B5EF4-FFF2-40B4-BE49-F238E27FC236}">
+                      <a16:creationId xmlns:a16="http://schemas.microsoft.com/office/drawing/2014/main" id="{24111FBA-6872-473C-8F9F-995B094169E7}"/>
+                    </a:ext>
+                  </a:extLst>
+                </p:cNvPr>
+                <p:cNvCxnSpPr>
+                  <a:cxnSpLocks/>
+                </p:cNvCxnSpPr>
+                <p:nvPr/>
+              </p:nvCxnSpPr>
+              <p:spPr>
+                <a:xfrm>
+                  <a:off x="7490030" y="10574261"/>
+                  <a:ext cx="1" cy="684280"/>
+                </a:xfrm>
+                <a:prstGeom prst="straightConnector1">
+                  <a:avLst/>
+                </a:prstGeom>
+                <a:ln w="38100">
+                  <a:tailEnd type="triangle"/>
+                </a:ln>
+              </p:spPr>
+              <p:style>
+                <a:lnRef idx="1">
+                  <a:schemeClr val="accent1"/>
+                </a:lnRef>
+                <a:fillRef idx="0">
+                  <a:schemeClr val="accent1"/>
+                </a:fillRef>
+                <a:effectRef idx="0">
+                  <a:schemeClr val="accent1"/>
+                </a:effectRef>
+                <a:fontRef idx="minor">
+                  <a:schemeClr val="tx1"/>
+                </a:fontRef>
+              </p:style>
+            </p:cxnSp>
+            <p:sp>
+              <p:nvSpPr>
+                <p:cNvPr id="62" name="TextBox 61">
+                  <a:extLst>
+                    <a:ext uri="{FF2B5EF4-FFF2-40B4-BE49-F238E27FC236}">
+                      <a16:creationId xmlns:a16="http://schemas.microsoft.com/office/drawing/2014/main" id="{97FAD9E5-2C2C-4FED-B76A-6BD79578B6D6}"/>
+                    </a:ext>
+                  </a:extLst>
+                </p:cNvPr>
+                <p:cNvSpPr txBox="1"/>
+                <p:nvPr/>
+              </p:nvSpPr>
+              <p:spPr>
+                <a:xfrm>
+                  <a:off x="7677014" y="10722539"/>
+                  <a:ext cx="2378932" cy="400110"/>
+                </a:xfrm>
+                <a:prstGeom prst="rect">
+                  <a:avLst/>
+                </a:prstGeom>
+                <a:noFill/>
+              </p:spPr>
+              <p:txBody>
+                <a:bodyPr wrap="square" rtlCol="0">
+                  <a:spAutoFit/>
+                </a:bodyPr>
+                <a:lstStyle/>
+                <a:p>
+                  <a:r>
+                    <a:rPr lang="en-US" sz="2000" i="1" dirty="0">
+                      <a:latin typeface="Times New Roman" panose="02020603050405020304" pitchFamily="18" charset="0"/>
+                      <a:cs typeface="Times New Roman" panose="02020603050405020304" pitchFamily="18" charset="0"/>
+                    </a:rPr>
+                    <a:t>-8.3 kcal/mole</a:t>
+                  </a:r>
+                </a:p>
+              </p:txBody>
+            </p:sp>
+          </p:grpSp>
+          <p:grpSp>
+            <p:nvGrpSpPr>
+              <p:cNvPr id="7" name="Group 6">
+                <a:extLst>
+                  <a:ext uri="{FF2B5EF4-FFF2-40B4-BE49-F238E27FC236}">
+                    <a16:creationId xmlns:a16="http://schemas.microsoft.com/office/drawing/2014/main" id="{6E3ADA9E-663F-4B97-AE22-F4E06D492375}"/>
+                  </a:ext>
+                </a:extLst>
+              </p:cNvPr>
+              <p:cNvGrpSpPr/>
+              <p:nvPr/>
+            </p:nvGrpSpPr>
+            <p:grpSpPr>
+              <a:xfrm>
+                <a:off x="10301740" y="8257004"/>
+                <a:ext cx="3855282" cy="6235640"/>
+                <a:chOff x="9694817" y="8268431"/>
+                <a:chExt cx="3855282" cy="6235640"/>
+              </a:xfrm>
+            </p:grpSpPr>
+            <p:grpSp>
+              <p:nvGrpSpPr>
+                <p:cNvPr id="41" name="Group 40">
+                  <a:extLst>
+                    <a:ext uri="{FF2B5EF4-FFF2-40B4-BE49-F238E27FC236}">
+                      <a16:creationId xmlns:a16="http://schemas.microsoft.com/office/drawing/2014/main" id="{7EDD54F3-A656-48BA-A031-1284D0A65AD3}"/>
+                    </a:ext>
+                  </a:extLst>
+                </p:cNvPr>
+                <p:cNvGrpSpPr/>
+                <p:nvPr/>
+              </p:nvGrpSpPr>
+              <p:grpSpPr>
+                <a:xfrm>
+                  <a:off x="9694817" y="8268431"/>
+                  <a:ext cx="2665818" cy="2699155"/>
+                  <a:chOff x="10252956" y="8000342"/>
+                  <a:chExt cx="3026212" cy="3114023"/>
+                </a:xfrm>
+              </p:grpSpPr>
+              <p:pic>
+                <p:nvPicPr>
+                  <p:cNvPr id="10" name="Picture 9">
+                    <a:extLst>
+                      <a:ext uri="{FF2B5EF4-FFF2-40B4-BE49-F238E27FC236}">
+                        <a16:creationId xmlns:a16="http://schemas.microsoft.com/office/drawing/2014/main" id="{4411E461-9A51-4E90-814D-1E382CD1A361}"/>
+                      </a:ext>
+                    </a:extLst>
+                  </p:cNvPr>
+                  <p:cNvPicPr>
+                    <a:picLocks noChangeAspect="1"/>
+                  </p:cNvPicPr>
+                  <p:nvPr/>
+                </p:nvPicPr>
+                <p:blipFill>
+                  <a:blip r:embed="rId6"/>
+                  <a:stretch>
+                    <a:fillRect/>
+                  </a:stretch>
+                </p:blipFill>
+                <p:spPr>
+                  <a:xfrm>
+                    <a:off x="10252956" y="8651426"/>
+                    <a:ext cx="3026212" cy="2462939"/>
+                  </a:xfrm>
+                  <a:prstGeom prst="rect">
+                    <a:avLst/>
+                  </a:prstGeom>
+                </p:spPr>
+              </p:pic>
+              <p:sp>
+                <p:nvSpPr>
+                  <p:cNvPr id="23" name="TextBox 22">
+                    <a:extLst>
+                      <a:ext uri="{FF2B5EF4-FFF2-40B4-BE49-F238E27FC236}">
+                        <a16:creationId xmlns:a16="http://schemas.microsoft.com/office/drawing/2014/main" id="{50DDAF2E-0556-4434-8179-DF7A40CD5797}"/>
+                      </a:ext>
+                    </a:extLst>
+                  </p:cNvPr>
+                  <p:cNvSpPr txBox="1"/>
+                  <p:nvPr/>
+                </p:nvSpPr>
+                <p:spPr>
+                  <a:xfrm>
+                    <a:off x="10473256" y="8000342"/>
+                    <a:ext cx="2700542" cy="461608"/>
+                  </a:xfrm>
+                  <a:prstGeom prst="rect">
+                    <a:avLst/>
+                  </a:prstGeom>
+                  <a:noFill/>
+                </p:spPr>
+                <p:txBody>
+                  <a:bodyPr wrap="square" rtlCol="0">
+                    <a:spAutoFit/>
+                  </a:bodyPr>
+                  <a:lstStyle/>
+                  <a:p>
+                    <a:pPr algn="l"/>
+                    <a:r>
+                      <a:rPr lang="en-US" sz="2000" b="1" dirty="0">
+                        <a:latin typeface="Times New Roman" panose="02020603050405020304" pitchFamily="18" charset="0"/>
+                        <a:cs typeface="Times New Roman" panose="02020603050405020304" pitchFamily="18" charset="0"/>
+                      </a:rPr>
+                      <a:t>Echinocystic acid</a:t>
+                    </a:r>
+                  </a:p>
+                </p:txBody>
+              </p:sp>
+            </p:grpSp>
+            <p:grpSp>
+              <p:nvGrpSpPr>
+                <p:cNvPr id="63" name="Group 62">
+                  <a:extLst>
+                    <a:ext uri="{FF2B5EF4-FFF2-40B4-BE49-F238E27FC236}">
+                      <a16:creationId xmlns:a16="http://schemas.microsoft.com/office/drawing/2014/main" id="{5DE7D555-0479-49F3-8F3A-25169CADA1C4}"/>
+                    </a:ext>
+                  </a:extLst>
+                </p:cNvPr>
+                <p:cNvGrpSpPr/>
+                <p:nvPr/>
+              </p:nvGrpSpPr>
+              <p:grpSpPr>
+                <a:xfrm>
+                  <a:off x="9766422" y="11522587"/>
+                  <a:ext cx="3093543" cy="2981484"/>
+                  <a:chOff x="3694089" y="11847929"/>
+                  <a:chExt cx="3511762" cy="3439747"/>
+                </a:xfrm>
+              </p:grpSpPr>
+              <p:pic>
+                <p:nvPicPr>
+                  <p:cNvPr id="64" name="Picture 63">
+                    <a:extLst>
+                      <a:ext uri="{FF2B5EF4-FFF2-40B4-BE49-F238E27FC236}">
+                        <a16:creationId xmlns:a16="http://schemas.microsoft.com/office/drawing/2014/main" id="{B0C437CF-C7D3-452C-9B19-319E696D8F38}"/>
+                      </a:ext>
+                    </a:extLst>
+                  </p:cNvPr>
+                  <p:cNvPicPr>
+                    <a:picLocks noChangeAspect="1"/>
+                  </p:cNvPicPr>
+                  <p:nvPr/>
+                </p:nvPicPr>
+                <p:blipFill>
+                  <a:blip r:embed="rId5"/>
+                  <a:stretch>
+                    <a:fillRect/>
+                  </a:stretch>
+                </p:blipFill>
+                <p:spPr>
+                  <a:xfrm>
+                    <a:off x="3694089" y="11847929"/>
+                    <a:ext cx="2397633" cy="2847609"/>
+                  </a:xfrm>
+                  <a:prstGeom prst="rect">
+                    <a:avLst/>
+                  </a:prstGeom>
+                </p:spPr>
+              </p:pic>
+              <p:sp>
+                <p:nvSpPr>
+                  <p:cNvPr id="65" name="TextBox 64">
+                    <a:extLst>
+                      <a:ext uri="{FF2B5EF4-FFF2-40B4-BE49-F238E27FC236}">
+                        <a16:creationId xmlns:a16="http://schemas.microsoft.com/office/drawing/2014/main" id="{76214288-D0CA-4739-B10C-1DD355EE7AE0}"/>
+                      </a:ext>
+                    </a:extLst>
+                  </p:cNvPr>
+                  <p:cNvSpPr txBox="1"/>
+                  <p:nvPr/>
+                </p:nvSpPr>
+                <p:spPr>
+                  <a:xfrm>
+                    <a:off x="4505309" y="14826068"/>
+                    <a:ext cx="2700542" cy="461608"/>
+                  </a:xfrm>
+                  <a:prstGeom prst="rect">
+                    <a:avLst/>
+                  </a:prstGeom>
+                  <a:noFill/>
+                </p:spPr>
+                <p:txBody>
+                  <a:bodyPr wrap="square" rtlCol="0">
+                    <a:spAutoFit/>
+                  </a:bodyPr>
+                  <a:lstStyle/>
+                  <a:p>
+                    <a:r>
+                      <a:rPr lang="en-US" sz="2000" dirty="0">
+                        <a:latin typeface="Times New Roman" panose="02020603050405020304" pitchFamily="18" charset="0"/>
+                        <a:cs typeface="Times New Roman" panose="02020603050405020304" pitchFamily="18" charset="0"/>
+                      </a:rPr>
+                      <a:t>PTPN22</a:t>
+                    </a:r>
+                  </a:p>
+                </p:txBody>
+              </p:sp>
+            </p:grpSp>
+            <p:cxnSp>
+              <p:nvCxnSpPr>
+                <p:cNvPr id="66" name="Straight Arrow Connector 65">
+                  <a:extLst>
+                    <a:ext uri="{FF2B5EF4-FFF2-40B4-BE49-F238E27FC236}">
+                      <a16:creationId xmlns:a16="http://schemas.microsoft.com/office/drawing/2014/main" id="{973687BA-1798-4D91-97C7-7686C5FF5FEF}"/>
+                    </a:ext>
+                  </a:extLst>
+                </p:cNvPr>
+                <p:cNvCxnSpPr>
+                  <a:cxnSpLocks/>
+                </p:cNvCxnSpPr>
+                <p:nvPr/>
+              </p:nvCxnSpPr>
+              <p:spPr>
+                <a:xfrm>
+                  <a:off x="11027724" y="10705481"/>
+                  <a:ext cx="1" cy="684280"/>
+                </a:xfrm>
+                <a:prstGeom prst="straightConnector1">
+                  <a:avLst/>
+                </a:prstGeom>
+                <a:ln w="38100">
+                  <a:tailEnd type="triangle"/>
+                </a:ln>
+              </p:spPr>
+              <p:style>
+                <a:lnRef idx="1">
+                  <a:schemeClr val="accent1"/>
+                </a:lnRef>
+                <a:fillRef idx="0">
+                  <a:schemeClr val="accent1"/>
+                </a:fillRef>
+                <a:effectRef idx="0">
+                  <a:schemeClr val="accent1"/>
+                </a:effectRef>
+                <a:fontRef idx="minor">
+                  <a:schemeClr val="tx1"/>
+                </a:fontRef>
+              </p:style>
+            </p:cxnSp>
+            <p:sp>
+              <p:nvSpPr>
+                <p:cNvPr id="67" name="TextBox 66">
+                  <a:extLst>
+                    <a:ext uri="{FF2B5EF4-FFF2-40B4-BE49-F238E27FC236}">
+                      <a16:creationId xmlns:a16="http://schemas.microsoft.com/office/drawing/2014/main" id="{72A5B143-5604-4635-A54A-99E89538794F}"/>
+                    </a:ext>
+                  </a:extLst>
+                </p:cNvPr>
+                <p:cNvSpPr txBox="1"/>
+                <p:nvPr/>
+              </p:nvSpPr>
+              <p:spPr>
+                <a:xfrm>
+                  <a:off x="11171167" y="10886172"/>
+                  <a:ext cx="2378932" cy="400110"/>
+                </a:xfrm>
+                <a:prstGeom prst="rect">
+                  <a:avLst/>
+                </a:prstGeom>
+                <a:noFill/>
+              </p:spPr>
+              <p:txBody>
+                <a:bodyPr wrap="square" rtlCol="0">
+                  <a:spAutoFit/>
+                </a:bodyPr>
+                <a:lstStyle/>
+                <a:p>
+                  <a:r>
+                    <a:rPr lang="en-US" sz="2000" i="1" dirty="0">
+                      <a:latin typeface="Times New Roman" panose="02020603050405020304" pitchFamily="18" charset="0"/>
+                      <a:cs typeface="Times New Roman" panose="02020603050405020304" pitchFamily="18" charset="0"/>
+                    </a:rPr>
+                    <a:t>-8.3 kcal/mole</a:t>
+                  </a:r>
+                </a:p>
+              </p:txBody>
+            </p:sp>
+          </p:grpSp>
+          <p:grpSp>
+            <p:nvGrpSpPr>
+              <p:cNvPr id="16" name="Group 15">
+                <a:extLst>
+                  <a:ext uri="{FF2B5EF4-FFF2-40B4-BE49-F238E27FC236}">
+                    <a16:creationId xmlns:a16="http://schemas.microsoft.com/office/drawing/2014/main" id="{3133191E-96B2-4F68-B70D-FDA564E569EC}"/>
+                  </a:ext>
+                </a:extLst>
+              </p:cNvPr>
+              <p:cNvGrpSpPr/>
+              <p:nvPr/>
+            </p:nvGrpSpPr>
+            <p:grpSpPr>
+              <a:xfrm>
+                <a:off x="1387435" y="8257004"/>
+                <a:ext cx="5655546" cy="6278244"/>
+                <a:chOff x="1021665" y="8269985"/>
+                <a:chExt cx="5655546" cy="6278244"/>
+              </a:xfrm>
+            </p:grpSpPr>
+            <p:grpSp>
+              <p:nvGrpSpPr>
+                <p:cNvPr id="38" name="Group 37">
+                  <a:extLst>
+                    <a:ext uri="{FF2B5EF4-FFF2-40B4-BE49-F238E27FC236}">
+                      <a16:creationId xmlns:a16="http://schemas.microsoft.com/office/drawing/2014/main" id="{A1CD6525-0024-451B-A8E5-848492FD1D9D}"/>
+                    </a:ext>
+                  </a:extLst>
+                </p:cNvPr>
+                <p:cNvGrpSpPr/>
+                <p:nvPr/>
+              </p:nvGrpSpPr>
+              <p:grpSpPr>
+                <a:xfrm>
+                  <a:off x="2020398" y="8269985"/>
+                  <a:ext cx="2574599" cy="2891210"/>
+                  <a:chOff x="2121698" y="8103452"/>
+                  <a:chExt cx="2922662" cy="3335597"/>
+                </a:xfrm>
+              </p:grpSpPr>
+              <p:pic>
+                <p:nvPicPr>
+                  <p:cNvPr id="5" name="Picture 4">
+                    <a:extLst>
+                      <a:ext uri="{FF2B5EF4-FFF2-40B4-BE49-F238E27FC236}">
+                        <a16:creationId xmlns:a16="http://schemas.microsoft.com/office/drawing/2014/main" id="{EF1F6314-FED6-4880-9653-D9404A033E55}"/>
+                      </a:ext>
+                    </a:extLst>
+                  </p:cNvPr>
+                  <p:cNvPicPr>
+                    <a:picLocks noChangeAspect="1"/>
+                  </p:cNvPicPr>
+                  <p:nvPr/>
+                </p:nvPicPr>
+                <p:blipFill>
+                  <a:blip r:embed="rId7"/>
+                  <a:stretch>
+                    <a:fillRect/>
+                  </a:stretch>
+                </p:blipFill>
+                <p:spPr>
+                  <a:xfrm>
+                    <a:off x="2121698" y="8538855"/>
+                    <a:ext cx="2397634" cy="2900194"/>
+                  </a:xfrm>
+                  <a:prstGeom prst="rect">
+                    <a:avLst/>
+                  </a:prstGeom>
+                </p:spPr>
+              </p:pic>
+              <p:sp>
+                <p:nvSpPr>
+                  <p:cNvPr id="6" name="TextBox 5">
+                    <a:extLst>
+                      <a:ext uri="{FF2B5EF4-FFF2-40B4-BE49-F238E27FC236}">
+                        <a16:creationId xmlns:a16="http://schemas.microsoft.com/office/drawing/2014/main" id="{47EA12D5-251D-4FBA-BD2A-26F7AD08DDDE}"/>
+                      </a:ext>
+                    </a:extLst>
+                  </p:cNvPr>
+                  <p:cNvSpPr txBox="1"/>
+                  <p:nvPr/>
+                </p:nvSpPr>
+                <p:spPr>
+                  <a:xfrm>
+                    <a:off x="2343817" y="8103452"/>
+                    <a:ext cx="2700543" cy="461608"/>
+                  </a:xfrm>
+                  <a:prstGeom prst="rect">
+                    <a:avLst/>
+                  </a:prstGeom>
+                  <a:noFill/>
+                </p:spPr>
+                <p:txBody>
+                  <a:bodyPr wrap="square" rtlCol="0">
+                    <a:spAutoFit/>
+                  </a:bodyPr>
+                  <a:lstStyle/>
+                  <a:p>
+                    <a:r>
+                      <a:rPr lang="en-US" sz="2000" b="1" dirty="0">
+                        <a:latin typeface="Times New Roman" panose="02020603050405020304" pitchFamily="18" charset="0"/>
+                        <a:cs typeface="Times New Roman" panose="02020603050405020304" pitchFamily="18" charset="0"/>
+                      </a:rPr>
+                      <a:t>Spironolactone</a:t>
+                    </a:r>
+                  </a:p>
+                </p:txBody>
+              </p:sp>
+            </p:grpSp>
+            <p:grpSp>
+              <p:nvGrpSpPr>
+                <p:cNvPr id="35" name="Group 34">
+                  <a:extLst>
+                    <a:ext uri="{FF2B5EF4-FFF2-40B4-BE49-F238E27FC236}">
+                      <a16:creationId xmlns:a16="http://schemas.microsoft.com/office/drawing/2014/main" id="{1ADCEE93-00AB-4642-BCB3-4D005BA75696}"/>
+                    </a:ext>
+                  </a:extLst>
+                </p:cNvPr>
+                <p:cNvGrpSpPr/>
+                <p:nvPr/>
+              </p:nvGrpSpPr>
+              <p:grpSpPr>
+                <a:xfrm>
+                  <a:off x="1021665" y="11566744"/>
+                  <a:ext cx="3093543" cy="2981484"/>
+                  <a:chOff x="3694089" y="11847929"/>
+                  <a:chExt cx="3511762" cy="3439747"/>
+                </a:xfrm>
+              </p:grpSpPr>
+              <p:pic>
+                <p:nvPicPr>
+                  <p:cNvPr id="12" name="Picture 11">
+                    <a:extLst>
+                      <a:ext uri="{FF2B5EF4-FFF2-40B4-BE49-F238E27FC236}">
+                        <a16:creationId xmlns:a16="http://schemas.microsoft.com/office/drawing/2014/main" id="{26353F88-3630-4A8E-B410-9E3D9387B18D}"/>
+                      </a:ext>
+                    </a:extLst>
+                  </p:cNvPr>
+                  <p:cNvPicPr>
+                    <a:picLocks noChangeAspect="1"/>
+                  </p:cNvPicPr>
+                  <p:nvPr/>
+                </p:nvPicPr>
+                <p:blipFill>
+                  <a:blip r:embed="rId5"/>
+                  <a:stretch>
+                    <a:fillRect/>
+                  </a:stretch>
+                </p:blipFill>
+                <p:spPr>
+                  <a:xfrm>
+                    <a:off x="3694089" y="11847929"/>
+                    <a:ext cx="2397633" cy="2847609"/>
+                  </a:xfrm>
+                  <a:prstGeom prst="rect">
+                    <a:avLst/>
+                  </a:prstGeom>
+                </p:spPr>
+              </p:pic>
+              <p:sp>
+                <p:nvSpPr>
+                  <p:cNvPr id="28" name="TextBox 27">
+                    <a:extLst>
+                      <a:ext uri="{FF2B5EF4-FFF2-40B4-BE49-F238E27FC236}">
+                        <a16:creationId xmlns:a16="http://schemas.microsoft.com/office/drawing/2014/main" id="{6476C1D1-9E5C-44D4-B261-22846810EC9E}"/>
+                      </a:ext>
+                    </a:extLst>
+                  </p:cNvPr>
+                  <p:cNvSpPr txBox="1"/>
+                  <p:nvPr/>
+                </p:nvSpPr>
+                <p:spPr>
+                  <a:xfrm>
+                    <a:off x="4505309" y="14826068"/>
+                    <a:ext cx="2700542" cy="461608"/>
+                  </a:xfrm>
+                  <a:prstGeom prst="rect">
+                    <a:avLst/>
+                  </a:prstGeom>
+                  <a:noFill/>
+                </p:spPr>
+                <p:txBody>
+                  <a:bodyPr wrap="square" rtlCol="0">
+                    <a:spAutoFit/>
+                  </a:bodyPr>
+                  <a:lstStyle/>
+                  <a:p>
+                    <a:r>
+                      <a:rPr lang="en-US" sz="2000" dirty="0">
+                        <a:latin typeface="Times New Roman" panose="02020603050405020304" pitchFamily="18" charset="0"/>
+                        <a:cs typeface="Times New Roman" panose="02020603050405020304" pitchFamily="18" charset="0"/>
+                      </a:rPr>
+                      <a:t>PTPN22</a:t>
+                    </a:r>
+                  </a:p>
+                </p:txBody>
+              </p:sp>
+            </p:grpSp>
+            <p:grpSp>
+              <p:nvGrpSpPr>
+                <p:cNvPr id="37" name="Group 36">
+                  <a:extLst>
+                    <a:ext uri="{FF2B5EF4-FFF2-40B4-BE49-F238E27FC236}">
+                      <a16:creationId xmlns:a16="http://schemas.microsoft.com/office/drawing/2014/main" id="{FC18B488-74FF-42A7-B409-2EF1CBC43D6D}"/>
+                    </a:ext>
+                  </a:extLst>
+                </p:cNvPr>
+                <p:cNvGrpSpPr/>
+                <p:nvPr/>
+              </p:nvGrpSpPr>
+              <p:grpSpPr>
+                <a:xfrm>
+                  <a:off x="3664221" y="11698510"/>
+                  <a:ext cx="2894105" cy="2849719"/>
+                  <a:chOff x="8195778" y="12137245"/>
+                  <a:chExt cx="3285362" cy="3287729"/>
+                </a:xfrm>
+              </p:grpSpPr>
+              <p:pic>
+                <p:nvPicPr>
+                  <p:cNvPr id="15" name="Picture 14">
+                    <a:extLst>
+                      <a:ext uri="{FF2B5EF4-FFF2-40B4-BE49-F238E27FC236}">
+                        <a16:creationId xmlns:a16="http://schemas.microsoft.com/office/drawing/2014/main" id="{0259E803-242B-4032-9BC0-1BE1DAF643C6}"/>
+                      </a:ext>
+                    </a:extLst>
+                  </p:cNvPr>
+                  <p:cNvPicPr>
+                    <a:picLocks noChangeAspect="1"/>
+                  </p:cNvPicPr>
+                  <p:nvPr/>
+                </p:nvPicPr>
+                <p:blipFill>
+                  <a:blip r:embed="rId8"/>
+                  <a:stretch>
+                    <a:fillRect/>
+                  </a:stretch>
+                </p:blipFill>
+                <p:spPr>
+                  <a:xfrm>
+                    <a:off x="8195778" y="12137245"/>
+                    <a:ext cx="2177192" cy="2847609"/>
+                  </a:xfrm>
+                  <a:prstGeom prst="rect">
+                    <a:avLst/>
+                  </a:prstGeom>
+                </p:spPr>
+              </p:pic>
+              <p:sp>
+                <p:nvSpPr>
+                  <p:cNvPr id="29" name="TextBox 28">
+                    <a:extLst>
+                      <a:ext uri="{FF2B5EF4-FFF2-40B4-BE49-F238E27FC236}">
+                        <a16:creationId xmlns:a16="http://schemas.microsoft.com/office/drawing/2014/main" id="{20EE9E54-B8D9-4078-AA39-F15BF7C222E5}"/>
+                      </a:ext>
+                    </a:extLst>
+                  </p:cNvPr>
+                  <p:cNvSpPr txBox="1"/>
+                  <p:nvPr/>
+                </p:nvSpPr>
+                <p:spPr>
+                  <a:xfrm>
+                    <a:off x="8780598" y="14963366"/>
+                    <a:ext cx="2700542" cy="461608"/>
+                  </a:xfrm>
+                  <a:prstGeom prst="rect">
+                    <a:avLst/>
+                  </a:prstGeom>
+                  <a:noFill/>
+                </p:spPr>
+                <p:txBody>
+                  <a:bodyPr wrap="square" rtlCol="0">
+                    <a:spAutoFit/>
+                  </a:bodyPr>
+                  <a:lstStyle/>
+                  <a:p>
+                    <a:r>
+                      <a:rPr lang="en-US" sz="2000" dirty="0">
+                        <a:latin typeface="Times New Roman" panose="02020603050405020304" pitchFamily="18" charset="0"/>
+                        <a:cs typeface="Times New Roman" panose="02020603050405020304" pitchFamily="18" charset="0"/>
+                      </a:rPr>
+                      <a:t>GRIA2</a:t>
+                    </a:r>
+                  </a:p>
+                </p:txBody>
+              </p:sp>
+            </p:grpSp>
+            <p:sp>
+              <p:nvSpPr>
+                <p:cNvPr id="45" name="TextBox 44">
+                  <a:extLst>
+                    <a:ext uri="{FF2B5EF4-FFF2-40B4-BE49-F238E27FC236}">
+                      <a16:creationId xmlns:a16="http://schemas.microsoft.com/office/drawing/2014/main" id="{B9242CF8-244A-44A5-A15B-F557C66A3A7E}"/>
+                    </a:ext>
+                  </a:extLst>
+                </p:cNvPr>
+                <p:cNvSpPr txBox="1"/>
+                <p:nvPr/>
+              </p:nvSpPr>
+              <p:spPr>
+                <a:xfrm>
+                  <a:off x="1078206" y="10946329"/>
+                  <a:ext cx="2378932" cy="400110"/>
+                </a:xfrm>
+                <a:prstGeom prst="rect">
+                  <a:avLst/>
+                </a:prstGeom>
+                <a:noFill/>
+              </p:spPr>
+              <p:txBody>
+                <a:bodyPr wrap="square" rtlCol="0">
+                  <a:spAutoFit/>
+                </a:bodyPr>
+                <a:lstStyle/>
+                <a:p>
+                  <a:r>
+                    <a:rPr lang="en-US" sz="2000" i="1" dirty="0">
+                      <a:latin typeface="Times New Roman" panose="02020603050405020304" pitchFamily="18" charset="0"/>
+                      <a:cs typeface="Times New Roman" panose="02020603050405020304" pitchFamily="18" charset="0"/>
+                    </a:rPr>
+                    <a:t>-9 kcal/mole</a:t>
+                  </a:r>
+                </a:p>
+              </p:txBody>
+            </p:sp>
+            <p:cxnSp>
+              <p:nvCxnSpPr>
+                <p:cNvPr id="47" name="Straight Arrow Connector 46">
+                  <a:extLst>
+                    <a:ext uri="{FF2B5EF4-FFF2-40B4-BE49-F238E27FC236}">
+                      <a16:creationId xmlns:a16="http://schemas.microsoft.com/office/drawing/2014/main" id="{0A3FAB7F-9816-4BC2-B0EA-E805E87AA38E}"/>
+                    </a:ext>
+                  </a:extLst>
+                </p:cNvPr>
+                <p:cNvCxnSpPr>
+                  <a:cxnSpLocks/>
+                </p:cNvCxnSpPr>
+                <p:nvPr/>
+              </p:nvCxnSpPr>
+              <p:spPr>
+                <a:xfrm flipH="1">
+                  <a:off x="2501162" y="10944996"/>
+                  <a:ext cx="481860" cy="536026"/>
+                </a:xfrm>
+                <a:prstGeom prst="straightConnector1">
+                  <a:avLst/>
+                </a:prstGeom>
+                <a:ln w="38100">
+                  <a:tailEnd type="triangle"/>
+                </a:ln>
+              </p:spPr>
+              <p:style>
+                <a:lnRef idx="1">
+                  <a:schemeClr val="accent1"/>
+                </a:lnRef>
+                <a:fillRef idx="0">
+                  <a:schemeClr val="accent1"/>
+                </a:fillRef>
+                <a:effectRef idx="0">
+                  <a:schemeClr val="accent1"/>
+                </a:effectRef>
+                <a:fontRef idx="minor">
+                  <a:schemeClr val="tx1"/>
+                </a:fontRef>
+              </p:style>
+            </p:cxnSp>
+            <p:cxnSp>
+              <p:nvCxnSpPr>
+                <p:cNvPr id="55" name="Straight Arrow Connector 54">
+                  <a:extLst>
+                    <a:ext uri="{FF2B5EF4-FFF2-40B4-BE49-F238E27FC236}">
+                      <a16:creationId xmlns:a16="http://schemas.microsoft.com/office/drawing/2014/main" id="{D85F3CC5-7F7B-498C-9C10-07E74E1EB971}"/>
+                    </a:ext>
+                  </a:extLst>
+                </p:cNvPr>
+                <p:cNvCxnSpPr>
+                  <a:cxnSpLocks/>
+                </p:cNvCxnSpPr>
+                <p:nvPr/>
+              </p:nvCxnSpPr>
+              <p:spPr>
+                <a:xfrm>
+                  <a:off x="3689912" y="11026775"/>
+                  <a:ext cx="425296" cy="531873"/>
+                </a:xfrm>
+                <a:prstGeom prst="straightConnector1">
+                  <a:avLst/>
+                </a:prstGeom>
+                <a:ln w="38100">
+                  <a:tailEnd type="triangle"/>
+                </a:ln>
+              </p:spPr>
+              <p:style>
+                <a:lnRef idx="1">
+                  <a:schemeClr val="accent1"/>
+                </a:lnRef>
+                <a:fillRef idx="0">
+                  <a:schemeClr val="accent1"/>
+                </a:fillRef>
+                <a:effectRef idx="0">
+                  <a:schemeClr val="accent1"/>
+                </a:effectRef>
+                <a:fontRef idx="minor">
+                  <a:schemeClr val="tx1"/>
+                </a:fontRef>
+              </p:style>
+            </p:cxnSp>
+            <p:sp>
+              <p:nvSpPr>
+                <p:cNvPr id="73" name="TextBox 72">
+                  <a:extLst>
+                    <a:ext uri="{FF2B5EF4-FFF2-40B4-BE49-F238E27FC236}">
+                      <a16:creationId xmlns:a16="http://schemas.microsoft.com/office/drawing/2014/main" id="{C1CE169C-F4E4-4EB2-AFAD-BDF862F92B1D}"/>
+                    </a:ext>
+                  </a:extLst>
+                </p:cNvPr>
+                <p:cNvSpPr txBox="1"/>
+                <p:nvPr/>
+              </p:nvSpPr>
+              <p:spPr>
+                <a:xfrm>
+                  <a:off x="4298279" y="11119889"/>
+                  <a:ext cx="2378932" cy="400110"/>
+                </a:xfrm>
+                <a:prstGeom prst="rect">
+                  <a:avLst/>
+                </a:prstGeom>
+                <a:noFill/>
+              </p:spPr>
+              <p:txBody>
+                <a:bodyPr wrap="square" rtlCol="0">
+                  <a:spAutoFit/>
+                </a:bodyPr>
+                <a:lstStyle/>
+                <a:p>
+                  <a:r>
+                    <a:rPr lang="en-US" sz="2000" i="1" dirty="0">
+                      <a:latin typeface="Times New Roman" panose="02020603050405020304" pitchFamily="18" charset="0"/>
+                      <a:cs typeface="Times New Roman" panose="02020603050405020304" pitchFamily="18" charset="0"/>
+                    </a:rPr>
+                    <a:t>-10 kcal/mole</a:t>
+                  </a:r>
+                </a:p>
+              </p:txBody>
+            </p:sp>
+          </p:grpSp>
+        </p:grpSp>
         <p:sp>
           <p:nvSpPr>
-            <p:cNvPr id="52" name="TextBox 51">
+            <p:cNvPr id="46" name="TextBox 45">
               <a:extLst>
                 <a:ext uri="{FF2B5EF4-FFF2-40B4-BE49-F238E27FC236}">
-                  <a16:creationId xmlns:a16="http://schemas.microsoft.com/office/drawing/2014/main" id="{6A078558-F2EC-4075-A219-D678D16B2F8F}"/>
+                  <a16:creationId xmlns:a16="http://schemas.microsoft.com/office/drawing/2014/main" id="{000DB218-0B9F-409A-BD43-789A973F4A79}"/>
                 </a:ext>
               </a:extLst>
             </p:cNvPr>
@@ -3446,8 +4932,167 @@
           </p:nvSpPr>
           <p:spPr>
             <a:xfrm>
-              <a:off x="268420" y="99402"/>
-              <a:ext cx="897706" cy="530977"/>
+              <a:off x="124540" y="13520982"/>
+              <a:ext cx="897706" cy="580800"/>
+            </a:xfrm>
+            <a:prstGeom prst="rect">
+              <a:avLst/>
+            </a:prstGeom>
+            <a:noFill/>
+          </p:spPr>
+          <p:txBody>
+            <a:bodyPr wrap="square" rtlCol="0">
+              <a:spAutoFit/>
+            </a:bodyPr>
+            <a:lstStyle/>
+            <a:p>
+              <a:r>
+                <a:rPr lang="en-US" sz="3174" b="1" dirty="0">
+                  <a:latin typeface="Times New Roman" panose="02020603050405020304" pitchFamily="18" charset="0"/>
+                  <a:cs typeface="Times New Roman" panose="02020603050405020304" pitchFamily="18" charset="0"/>
+                </a:rPr>
+                <a:t>C</a:t>
+              </a:r>
+            </a:p>
+          </p:txBody>
+        </p:sp>
+        <p:pic>
+          <p:nvPicPr>
+            <p:cNvPr id="17" name="Picture 16">
+              <a:extLst>
+                <a:ext uri="{FF2B5EF4-FFF2-40B4-BE49-F238E27FC236}">
+                  <a16:creationId xmlns:a16="http://schemas.microsoft.com/office/drawing/2014/main" id="{3F4096E0-3731-4642-AF22-1567F3308AD2}"/>
+                </a:ext>
+              </a:extLst>
+            </p:cNvPr>
+            <p:cNvPicPr>
+              <a:picLocks noChangeAspect="1"/>
+            </p:cNvPicPr>
+            <p:nvPr/>
+          </p:nvPicPr>
+          <p:blipFill>
+            <a:blip r:embed="rId9"/>
+            <a:stretch>
+              <a:fillRect/>
+            </a:stretch>
+          </p:blipFill>
+          <p:spPr>
+            <a:xfrm>
+              <a:off x="7799425" y="13860889"/>
+              <a:ext cx="2390775" cy="2676525"/>
+            </a:xfrm>
+            <a:prstGeom prst="rect">
+              <a:avLst/>
+            </a:prstGeom>
+          </p:spPr>
+        </p:pic>
+        <p:sp>
+          <p:nvSpPr>
+            <p:cNvPr id="68" name="TextBox 67">
+              <a:extLst>
+                <a:ext uri="{FF2B5EF4-FFF2-40B4-BE49-F238E27FC236}">
+                  <a16:creationId xmlns:a16="http://schemas.microsoft.com/office/drawing/2014/main" id="{B8B36C3A-51B7-4796-A434-CE056FBF3424}"/>
+                </a:ext>
+              </a:extLst>
+            </p:cNvPr>
+            <p:cNvSpPr txBox="1"/>
+            <p:nvPr/>
+          </p:nvSpPr>
+          <p:spPr>
+            <a:xfrm>
+              <a:off x="7799425" y="16445836"/>
+              <a:ext cx="2700542" cy="400110"/>
+            </a:xfrm>
+            <a:prstGeom prst="rect">
+              <a:avLst/>
+            </a:prstGeom>
+            <a:solidFill>
+              <a:schemeClr val="bg1"/>
+            </a:solidFill>
+          </p:spPr>
+          <p:txBody>
+            <a:bodyPr wrap="square" rtlCol="0">
+              <a:spAutoFit/>
+            </a:bodyPr>
+            <a:lstStyle/>
+            <a:p>
+              <a:pPr algn="ctr"/>
+              <a:r>
+                <a:rPr lang="en-US" sz="2000" b="1" dirty="0">
+                  <a:latin typeface="Times New Roman" panose="02020603050405020304" pitchFamily="18" charset="0"/>
+                  <a:cs typeface="Times New Roman" panose="02020603050405020304" pitchFamily="18" charset="0"/>
+                </a:rPr>
+                <a:t>Cyclosporin</a:t>
+              </a:r>
+              <a:r>
+                <a:rPr lang="en-US" sz="2000" dirty="0">
+                  <a:solidFill>
+                    <a:srgbClr val="5B616B"/>
+                  </a:solidFill>
+                  <a:latin typeface="-apple-system"/>
+                </a:rPr>
+                <a:t> </a:t>
+              </a:r>
+            </a:p>
+          </p:txBody>
+        </p:sp>
+        <p:sp>
+          <p:nvSpPr>
+            <p:cNvPr id="71" name="TextBox 70">
+              <a:extLst>
+                <a:ext uri="{FF2B5EF4-FFF2-40B4-BE49-F238E27FC236}">
+                  <a16:creationId xmlns:a16="http://schemas.microsoft.com/office/drawing/2014/main" id="{EDB09EDB-853F-4EC5-83C3-85497C4D6B8E}"/>
+                </a:ext>
+              </a:extLst>
+            </p:cNvPr>
+            <p:cNvSpPr txBox="1"/>
+            <p:nvPr/>
+          </p:nvSpPr>
+          <p:spPr>
+            <a:xfrm>
+              <a:off x="556391" y="16502204"/>
+              <a:ext cx="2700542" cy="400110"/>
+            </a:xfrm>
+            <a:prstGeom prst="rect">
+              <a:avLst/>
+            </a:prstGeom>
+            <a:solidFill>
+              <a:schemeClr val="bg1"/>
+            </a:solidFill>
+          </p:spPr>
+          <p:txBody>
+            <a:bodyPr wrap="square" rtlCol="0">
+              <a:spAutoFit/>
+            </a:bodyPr>
+            <a:lstStyle/>
+            <a:p>
+              <a:pPr algn="ctr"/>
+              <a:r>
+                <a:rPr lang="en-US" sz="2000" b="1" dirty="0">
+                  <a:latin typeface="Times New Roman" panose="02020603050405020304" pitchFamily="18" charset="0"/>
+                  <a:cs typeface="Times New Roman" panose="02020603050405020304" pitchFamily="18" charset="0"/>
+                </a:rPr>
+                <a:t>Anidulafungin</a:t>
+              </a:r>
+            </a:p>
+          </p:txBody>
+        </p:sp>
+        <p:sp>
+          <p:nvSpPr>
+            <p:cNvPr id="112" name="TextBox 111">
+              <a:extLst>
+                <a:ext uri="{FF2B5EF4-FFF2-40B4-BE49-F238E27FC236}">
+                  <a16:creationId xmlns:a16="http://schemas.microsoft.com/office/drawing/2014/main" id="{1076047C-335E-4F79-855B-B52C1B2C1525}"/>
+                </a:ext>
+              </a:extLst>
+            </p:cNvPr>
+            <p:cNvSpPr txBox="1"/>
+            <p:nvPr/>
+          </p:nvSpPr>
+          <p:spPr>
+            <a:xfrm>
+              <a:off x="76689" y="-55217"/>
+              <a:ext cx="880169" cy="580800"/>
             </a:xfrm>
             <a:prstGeom prst="rect">
               <a:avLst/>
@@ -3470,474 +5115,12 @@
             </a:p>
           </p:txBody>
         </p:sp>
-        <p:pic>
-          <p:nvPicPr>
-            <p:cNvPr id="1026" name="Picture 2">
+        <p:grpSp>
+          <p:nvGrpSpPr>
+            <p:cNvPr id="36" name="Group 35">
               <a:extLst>
                 <a:ext uri="{FF2B5EF4-FFF2-40B4-BE49-F238E27FC236}">
-                  <a16:creationId xmlns:a16="http://schemas.microsoft.com/office/drawing/2014/main" id="{0833E798-11FC-446B-AF6C-D8427DA87A88}"/>
-                </a:ext>
-              </a:extLst>
-            </p:cNvPr>
-            <p:cNvPicPr>
-              <a:picLocks noChangeAspect="1" noChangeArrowheads="1"/>
-            </p:cNvPicPr>
-            <p:nvPr/>
-          </p:nvPicPr>
-          <p:blipFill>
-            <a:blip r:embed="rId3">
-              <a:extLst>
-                <a:ext uri="{28A0092B-C50C-407E-A947-70E740481C1C}">
-                  <a14:useLocalDpi xmlns:a14="http://schemas.microsoft.com/office/drawing/2010/main" val="0"/>
-                </a:ext>
-              </a:extLst>
-            </a:blip>
-            <a:srcRect/>
-            <a:stretch>
-              <a:fillRect/>
-            </a:stretch>
-          </p:blipFill>
-          <p:spPr bwMode="auto">
-            <a:xfrm>
-              <a:off x="268420" y="849262"/>
-              <a:ext cx="13750710" cy="6923137"/>
-            </a:xfrm>
-            <a:prstGeom prst="rect">
-              <a:avLst/>
-            </a:prstGeom>
-            <a:noFill/>
-            <a:extLst>
-              <a:ext uri="{909E8E84-426E-40DD-AFC4-6F175D3DCCD1}">
-                <a14:hiddenFill xmlns:a14="http://schemas.microsoft.com/office/drawing/2010/main">
-                  <a:solidFill>
-                    <a:srgbClr val="FFFFFF"/>
-                  </a:solidFill>
-                </a14:hiddenFill>
-              </a:ext>
-            </a:extLst>
-          </p:spPr>
-        </p:pic>
-        <p:sp>
-          <p:nvSpPr>
-            <p:cNvPr id="2" name="TextBox 1">
-              <a:extLst>
-                <a:ext uri="{FF2B5EF4-FFF2-40B4-BE49-F238E27FC236}">
-                  <a16:creationId xmlns:a16="http://schemas.microsoft.com/office/drawing/2014/main" id="{36F88E82-9832-4E0A-A00B-D98A53730BDB}"/>
-                </a:ext>
-              </a:extLst>
-            </p:cNvPr>
-            <p:cNvSpPr txBox="1"/>
-            <p:nvPr/>
-          </p:nvSpPr>
-          <p:spPr>
-            <a:xfrm>
-              <a:off x="5797687" y="7557945"/>
-              <a:ext cx="4182893" cy="365787"/>
-            </a:xfrm>
-            <a:prstGeom prst="rect">
-              <a:avLst/>
-            </a:prstGeom>
-            <a:solidFill>
-              <a:schemeClr val="bg1"/>
-            </a:solidFill>
-          </p:spPr>
-          <p:txBody>
-            <a:bodyPr wrap="square" rtlCol="0">
-              <a:spAutoFit/>
-            </a:bodyPr>
-            <a:lstStyle/>
-            <a:p>
-              <a:r>
-                <a:rPr lang="en-US" sz="2000" dirty="0">
-                  <a:latin typeface="Times New Roman" panose="02020603050405020304" pitchFamily="18" charset="0"/>
-                  <a:cs typeface="Times New Roman" panose="02020603050405020304" pitchFamily="18" charset="0"/>
-                </a:rPr>
-                <a:t>Binding Affinity in kcal/mole</a:t>
-              </a:r>
-            </a:p>
-          </p:txBody>
-        </p:sp>
-        <p:sp>
-          <p:nvSpPr>
-            <p:cNvPr id="14" name="TextBox 13">
-              <a:extLst>
-                <a:ext uri="{FF2B5EF4-FFF2-40B4-BE49-F238E27FC236}">
-                  <a16:creationId xmlns:a16="http://schemas.microsoft.com/office/drawing/2014/main" id="{4455DCB5-551E-43CB-9730-C26043F8703E}"/>
-                </a:ext>
-              </a:extLst>
-            </p:cNvPr>
-            <p:cNvSpPr txBox="1"/>
-            <p:nvPr/>
-          </p:nvSpPr>
-          <p:spPr>
-            <a:xfrm rot="16200000">
-              <a:off x="-106363" y="3974056"/>
-              <a:ext cx="749567" cy="390691"/>
-            </a:xfrm>
-            <a:prstGeom prst="rect">
-              <a:avLst/>
-            </a:prstGeom>
-            <a:solidFill>
-              <a:schemeClr val="bg1"/>
-            </a:solidFill>
-          </p:spPr>
-          <p:txBody>
-            <a:bodyPr wrap="square" rtlCol="0">
-              <a:spAutoFit/>
-            </a:bodyPr>
-            <a:lstStyle/>
-            <a:p>
-              <a:r>
-                <a:rPr lang="en-US" sz="2000" dirty="0">
-                  <a:latin typeface="Times New Roman" panose="02020603050405020304" pitchFamily="18" charset="0"/>
-                  <a:cs typeface="Times New Roman" panose="02020603050405020304" pitchFamily="18" charset="0"/>
-                </a:rPr>
-                <a:t>PDF</a:t>
-              </a:r>
-            </a:p>
-          </p:txBody>
-        </p:sp>
-        <p:sp>
-          <p:nvSpPr>
-            <p:cNvPr id="44" name="TextBox 43">
-              <a:extLst>
-                <a:ext uri="{FF2B5EF4-FFF2-40B4-BE49-F238E27FC236}">
-                  <a16:creationId xmlns:a16="http://schemas.microsoft.com/office/drawing/2014/main" id="{1FDC6409-1EB0-4F5F-BCB8-D7E0F60907C4}"/>
-                </a:ext>
-              </a:extLst>
-            </p:cNvPr>
-            <p:cNvSpPr txBox="1"/>
-            <p:nvPr/>
-          </p:nvSpPr>
-          <p:spPr>
-            <a:xfrm>
-              <a:off x="8324546" y="1033028"/>
-              <a:ext cx="2700542" cy="647162"/>
-            </a:xfrm>
-            <a:prstGeom prst="rect">
-              <a:avLst/>
-            </a:prstGeom>
-            <a:noFill/>
-          </p:spPr>
-          <p:txBody>
-            <a:bodyPr wrap="square" rtlCol="0">
-              <a:spAutoFit/>
-            </a:bodyPr>
-            <a:lstStyle/>
-            <a:p>
-              <a:r>
-                <a:rPr lang="en-US" sz="2000" dirty="0">
-                  <a:latin typeface="Times New Roman" panose="02020603050405020304" pitchFamily="18" charset="0"/>
-                  <a:cs typeface="Times New Roman" panose="02020603050405020304" pitchFamily="18" charset="0"/>
-                </a:rPr>
-                <a:t>Threshold of</a:t>
-              </a:r>
-            </a:p>
-            <a:p>
-              <a:r>
-                <a:rPr lang="en-US" sz="2000" dirty="0">
-                  <a:latin typeface="Times New Roman" panose="02020603050405020304" pitchFamily="18" charset="0"/>
-                  <a:cs typeface="Times New Roman" panose="02020603050405020304" pitchFamily="18" charset="0"/>
-                </a:rPr>
-                <a:t>-1.75 kcal/mole</a:t>
-              </a:r>
-            </a:p>
-          </p:txBody>
-        </p:sp>
-        <p:sp>
-          <p:nvSpPr>
-            <p:cNvPr id="56" name="Rectangle 55">
-              <a:extLst>
-                <a:ext uri="{FF2B5EF4-FFF2-40B4-BE49-F238E27FC236}">
-                  <a16:creationId xmlns:a16="http://schemas.microsoft.com/office/drawing/2014/main" id="{CB7B0D58-E4CE-4FA6-9B50-1D8364928CD7}"/>
-                </a:ext>
-              </a:extLst>
-            </p:cNvPr>
-            <p:cNvSpPr/>
-            <p:nvPr/>
-          </p:nvSpPr>
-          <p:spPr>
-            <a:xfrm>
-              <a:off x="11827265" y="995871"/>
-              <a:ext cx="2045034" cy="930205"/>
-            </a:xfrm>
-            <a:prstGeom prst="rect">
-              <a:avLst/>
-            </a:prstGeom>
-            <a:solidFill>
-              <a:schemeClr val="bg1"/>
-            </a:solidFill>
-          </p:spPr>
-          <p:style>
-            <a:lnRef idx="2">
-              <a:schemeClr val="accent1">
-                <a:shade val="50000"/>
-              </a:schemeClr>
-            </a:lnRef>
-            <a:fillRef idx="1">
-              <a:schemeClr val="accent1"/>
-            </a:fillRef>
-            <a:effectRef idx="0">
-              <a:schemeClr val="accent1"/>
-            </a:effectRef>
-            <a:fontRef idx="minor">
-              <a:schemeClr val="lt1"/>
-            </a:fontRef>
-          </p:style>
-          <p:txBody>
-            <a:bodyPr rtlCol="0" anchor="ctr"/>
-            <a:lstStyle/>
-            <a:p>
-              <a:pPr algn="ctr"/>
-              <a:endParaRPr lang="en-US"/>
-            </a:p>
-          </p:txBody>
-        </p:sp>
-        <p:sp>
-          <p:nvSpPr>
-            <p:cNvPr id="69" name="TextBox 68">
-              <a:extLst>
-                <a:ext uri="{FF2B5EF4-FFF2-40B4-BE49-F238E27FC236}">
-                  <a16:creationId xmlns:a16="http://schemas.microsoft.com/office/drawing/2014/main" id="{2BB5331D-8F39-4FDC-9D08-414335693E54}"/>
-                </a:ext>
-              </a:extLst>
-            </p:cNvPr>
-            <p:cNvSpPr txBox="1"/>
-            <p:nvPr/>
-          </p:nvSpPr>
-          <p:spPr>
-            <a:xfrm>
-              <a:off x="12475386" y="1033028"/>
-              <a:ext cx="2700542" cy="365787"/>
-            </a:xfrm>
-            <a:prstGeom prst="rect">
-              <a:avLst/>
-            </a:prstGeom>
-            <a:noFill/>
-          </p:spPr>
-          <p:txBody>
-            <a:bodyPr wrap="square" rtlCol="0">
-              <a:spAutoFit/>
-            </a:bodyPr>
-            <a:lstStyle/>
-            <a:p>
-              <a:r>
-                <a:rPr lang="en-US" sz="2000" dirty="0">
-                  <a:solidFill>
-                    <a:srgbClr val="5B616B"/>
-                  </a:solidFill>
-                  <a:latin typeface="Times New Roman" panose="02020603050405020304" pitchFamily="18" charset="0"/>
-                  <a:cs typeface="Times New Roman" panose="02020603050405020304" pitchFamily="18" charset="0"/>
-                </a:rPr>
-                <a:t>Top 100</a:t>
-              </a:r>
-            </a:p>
-          </p:txBody>
-        </p:sp>
-        <p:sp>
-          <p:nvSpPr>
-            <p:cNvPr id="70" name="TextBox 69">
-              <a:extLst>
-                <a:ext uri="{FF2B5EF4-FFF2-40B4-BE49-F238E27FC236}">
-                  <a16:creationId xmlns:a16="http://schemas.microsoft.com/office/drawing/2014/main" id="{74F3CF25-7269-4019-B3D2-24D6DBC39CE2}"/>
-                </a:ext>
-              </a:extLst>
-            </p:cNvPr>
-            <p:cNvSpPr txBox="1"/>
-            <p:nvPr/>
-          </p:nvSpPr>
-          <p:spPr>
-            <a:xfrm>
-              <a:off x="12475386" y="1418739"/>
-              <a:ext cx="2700542" cy="365787"/>
-            </a:xfrm>
-            <a:prstGeom prst="rect">
-              <a:avLst/>
-            </a:prstGeom>
-            <a:noFill/>
-          </p:spPr>
-          <p:txBody>
-            <a:bodyPr wrap="square" rtlCol="0">
-              <a:spAutoFit/>
-            </a:bodyPr>
-            <a:lstStyle/>
-            <a:p>
-              <a:r>
-                <a:rPr lang="en-US" sz="2000" dirty="0">
-                  <a:solidFill>
-                    <a:srgbClr val="5B616B"/>
-                  </a:solidFill>
-                  <a:latin typeface="Times New Roman" panose="02020603050405020304" pitchFamily="18" charset="0"/>
-                  <a:cs typeface="Times New Roman" panose="02020603050405020304" pitchFamily="18" charset="0"/>
-                </a:rPr>
-                <a:t>Bottom 100</a:t>
-              </a:r>
-            </a:p>
-          </p:txBody>
-        </p:sp>
-        <p:sp>
-          <p:nvSpPr>
-            <p:cNvPr id="61" name="Rectangle 60">
-              <a:extLst>
-                <a:ext uri="{FF2B5EF4-FFF2-40B4-BE49-F238E27FC236}">
-                  <a16:creationId xmlns:a16="http://schemas.microsoft.com/office/drawing/2014/main" id="{E890C59C-2127-496E-AD62-AD7FA4B8F743}"/>
-                </a:ext>
-              </a:extLst>
-            </p:cNvPr>
-            <p:cNvSpPr/>
-            <p:nvPr/>
-          </p:nvSpPr>
-          <p:spPr>
-            <a:xfrm>
-              <a:off x="11955988" y="1091046"/>
-              <a:ext cx="390676" cy="311285"/>
-            </a:xfrm>
-            <a:prstGeom prst="rect">
-              <a:avLst/>
-            </a:prstGeom>
-            <a:solidFill>
-              <a:srgbClr val="E8F3FF"/>
-            </a:solidFill>
-          </p:spPr>
-          <p:style>
-            <a:lnRef idx="2">
-              <a:schemeClr val="accent1">
-                <a:shade val="50000"/>
-              </a:schemeClr>
-            </a:lnRef>
-            <a:fillRef idx="1">
-              <a:schemeClr val="accent1"/>
-            </a:fillRef>
-            <a:effectRef idx="0">
-              <a:schemeClr val="accent1"/>
-            </a:effectRef>
-            <a:fontRef idx="minor">
-              <a:schemeClr val="lt1"/>
-            </a:fontRef>
-          </p:style>
-          <p:txBody>
-            <a:bodyPr rtlCol="0" anchor="ctr"/>
-            <a:lstStyle/>
-            <a:p>
-              <a:pPr algn="ctr"/>
-              <a:endParaRPr lang="en-US"/>
-            </a:p>
-          </p:txBody>
-        </p:sp>
-        <p:sp>
-          <p:nvSpPr>
-            <p:cNvPr id="72" name="Rectangle 71">
-              <a:extLst>
-                <a:ext uri="{FF2B5EF4-FFF2-40B4-BE49-F238E27FC236}">
-                  <a16:creationId xmlns:a16="http://schemas.microsoft.com/office/drawing/2014/main" id="{8AD65E02-ABDD-44A6-8E1E-02DB9AFAEBEA}"/>
-                </a:ext>
-              </a:extLst>
-            </p:cNvPr>
-            <p:cNvSpPr/>
-            <p:nvPr/>
-          </p:nvSpPr>
-          <p:spPr>
-            <a:xfrm>
-              <a:off x="11955988" y="1497506"/>
-              <a:ext cx="390676" cy="311285"/>
-            </a:xfrm>
-            <a:prstGeom prst="rect">
-              <a:avLst/>
-            </a:prstGeom>
-            <a:solidFill>
-              <a:srgbClr val="FFF5E5"/>
-            </a:solidFill>
-          </p:spPr>
-          <p:style>
-            <a:lnRef idx="2">
-              <a:schemeClr val="accent1">
-                <a:shade val="50000"/>
-              </a:schemeClr>
-            </a:lnRef>
-            <a:fillRef idx="1">
-              <a:schemeClr val="accent1"/>
-            </a:fillRef>
-            <a:effectRef idx="0">
-              <a:schemeClr val="accent1"/>
-            </a:effectRef>
-            <a:fontRef idx="minor">
-              <a:schemeClr val="lt1"/>
-            </a:fontRef>
-          </p:style>
-          <p:txBody>
-            <a:bodyPr rtlCol="0" anchor="ctr"/>
-            <a:lstStyle/>
-            <a:p>
-              <a:pPr algn="ctr"/>
-              <a:endParaRPr lang="en-US"/>
-            </a:p>
-          </p:txBody>
-        </p:sp>
-      </p:grpSp>
-      <p:grpSp>
-        <p:nvGrpSpPr>
-          <p:cNvPr id="4" name="Group 3">
-            <a:extLst>
-              <a:ext uri="{FF2B5EF4-FFF2-40B4-BE49-F238E27FC236}">
-                <a16:creationId xmlns:a16="http://schemas.microsoft.com/office/drawing/2014/main" id="{CC19EC0F-F384-493F-84A7-45AED6161EBB}"/>
-              </a:ext>
-            </a:extLst>
-          </p:cNvPr>
-          <p:cNvGrpSpPr/>
-          <p:nvPr/>
-        </p:nvGrpSpPr>
-        <p:grpSpPr>
-          <a:xfrm>
-            <a:off x="197976" y="8818576"/>
-            <a:ext cx="14422221" cy="7263523"/>
-            <a:chOff x="268420" y="7958055"/>
-            <a:chExt cx="14422221" cy="7263523"/>
-          </a:xfrm>
-        </p:grpSpPr>
-        <p:sp>
-          <p:nvSpPr>
-            <p:cNvPr id="25" name="TextBox 24">
-              <a:extLst>
-                <a:ext uri="{FF2B5EF4-FFF2-40B4-BE49-F238E27FC236}">
-                  <a16:creationId xmlns:a16="http://schemas.microsoft.com/office/drawing/2014/main" id="{8DFA5ECB-6CA6-4F27-807D-6A189A005588}"/>
-                </a:ext>
-              </a:extLst>
-            </p:cNvPr>
-            <p:cNvSpPr txBox="1"/>
-            <p:nvPr/>
-          </p:nvSpPr>
-          <p:spPr>
-            <a:xfrm>
-              <a:off x="268420" y="7958055"/>
-              <a:ext cx="897706" cy="580800"/>
-            </a:xfrm>
-            <a:prstGeom prst="rect">
-              <a:avLst/>
-            </a:prstGeom>
-            <a:noFill/>
-          </p:spPr>
-          <p:txBody>
-            <a:bodyPr wrap="square" rtlCol="0">
-              <a:spAutoFit/>
-            </a:bodyPr>
-            <a:lstStyle/>
-            <a:p>
-              <a:r>
-                <a:rPr lang="en-US" sz="3174" b="1" dirty="0">
-                  <a:latin typeface="Times New Roman" panose="02020603050405020304" pitchFamily="18" charset="0"/>
-                  <a:cs typeface="Times New Roman" panose="02020603050405020304" pitchFamily="18" charset="0"/>
-                </a:rPr>
-                <a:t>B</a:t>
-              </a:r>
-            </a:p>
-          </p:txBody>
-        </p:sp>
-        <p:grpSp>
-          <p:nvGrpSpPr>
-            <p:cNvPr id="38" name="Group 37">
-              <a:extLst>
-                <a:ext uri="{FF2B5EF4-FFF2-40B4-BE49-F238E27FC236}">
-                  <a16:creationId xmlns:a16="http://schemas.microsoft.com/office/drawing/2014/main" id="{A1CD6525-0024-451B-A8E5-848492FD1D9D}"/>
+                  <a16:creationId xmlns:a16="http://schemas.microsoft.com/office/drawing/2014/main" id="{0DC4A1E7-97A2-4A55-9CDF-913F930013D1}"/>
                 </a:ext>
               </a:extLst>
             </p:cNvPr>
@@ -3946,18 +5129,18 @@
           </p:nvGrpSpPr>
           <p:grpSpPr>
             <a:xfrm>
-              <a:off x="1602228" y="8039847"/>
-              <a:ext cx="2922662" cy="3335597"/>
-              <a:chOff x="2121698" y="8103452"/>
-              <a:chExt cx="2922662" cy="3335597"/>
+              <a:off x="10158955" y="14101782"/>
+              <a:ext cx="3995159" cy="3006137"/>
+              <a:chOff x="10158955" y="14168435"/>
+              <a:chExt cx="3995159" cy="3006137"/>
             </a:xfrm>
           </p:grpSpPr>
           <p:pic>
             <p:nvPicPr>
-              <p:cNvPr id="5" name="Picture 4">
+              <p:cNvPr id="32" name="Picture 31">
                 <a:extLst>
                   <a:ext uri="{FF2B5EF4-FFF2-40B4-BE49-F238E27FC236}">
-                    <a16:creationId xmlns:a16="http://schemas.microsoft.com/office/drawing/2014/main" id="{EF1F6314-FED6-4880-9653-D9404A033E55}"/>
+                    <a16:creationId xmlns:a16="http://schemas.microsoft.com/office/drawing/2014/main" id="{AB3654D6-18DA-400B-A3F4-B982C58A2457}"/>
                   </a:ext>
                 </a:extLst>
               </p:cNvPr>
@@ -3967,15 +5150,438 @@
               <p:nvPr/>
             </p:nvPicPr>
             <p:blipFill>
-              <a:blip r:embed="rId4"/>
+              <a:blip r:embed="rId10"/>
               <a:stretch>
                 <a:fillRect/>
               </a:stretch>
             </p:blipFill>
             <p:spPr>
               <a:xfrm>
-                <a:off x="2121698" y="8538855"/>
-                <a:ext cx="2397634" cy="2900194"/>
+                <a:off x="10489194" y="14168435"/>
+                <a:ext cx="3379749" cy="2232080"/>
+              </a:xfrm>
+              <a:prstGeom prst="rect">
+                <a:avLst/>
+              </a:prstGeom>
+            </p:spPr>
+          </p:pic>
+          <p:grpSp>
+            <p:nvGrpSpPr>
+              <p:cNvPr id="114" name="Group 113">
+                <a:extLst>
+                  <a:ext uri="{FF2B5EF4-FFF2-40B4-BE49-F238E27FC236}">
+                    <a16:creationId xmlns:a16="http://schemas.microsoft.com/office/drawing/2014/main" id="{4FFE27B1-2499-4DB3-B662-9EBD97D39AF3}"/>
+                  </a:ext>
+                </a:extLst>
+              </p:cNvPr>
+              <p:cNvGrpSpPr/>
+              <p:nvPr/>
+            </p:nvGrpSpPr>
+            <p:grpSpPr>
+              <a:xfrm>
+                <a:off x="10158955" y="14175799"/>
+                <a:ext cx="3995159" cy="2998773"/>
+                <a:chOff x="4204828" y="15871791"/>
+                <a:chExt cx="3995159" cy="2998773"/>
+              </a:xfrm>
+            </p:grpSpPr>
+            <p:sp>
+              <p:nvSpPr>
+                <p:cNvPr id="116" name="TextBox 115">
+                  <a:extLst>
+                    <a:ext uri="{FF2B5EF4-FFF2-40B4-BE49-F238E27FC236}">
+                      <a16:creationId xmlns:a16="http://schemas.microsoft.com/office/drawing/2014/main" id="{A95D82AF-9185-4E9D-8E10-0C6A076F00C3}"/>
+                    </a:ext>
+                  </a:extLst>
+                </p:cNvPr>
+                <p:cNvSpPr txBox="1"/>
+                <p:nvPr/>
+              </p:nvSpPr>
+              <p:spPr>
+                <a:xfrm rot="16200000">
+                  <a:off x="3637333" y="16439286"/>
+                  <a:ext cx="1504321" cy="369332"/>
+                </a:xfrm>
+                <a:prstGeom prst="rect">
+                  <a:avLst/>
+                </a:prstGeom>
+                <a:noFill/>
+              </p:spPr>
+              <p:txBody>
+                <a:bodyPr wrap="square" rtlCol="0">
+                  <a:spAutoFit/>
+                </a:bodyPr>
+                <a:lstStyle/>
+                <a:p>
+                  <a:r>
+                    <a:rPr lang="en-US" dirty="0">
+                      <a:solidFill>
+                        <a:srgbClr val="0000F8"/>
+                      </a:solidFill>
+                      <a:latin typeface="Times New Roman" panose="02020603050405020304" pitchFamily="18" charset="0"/>
+                      <a:cs typeface="Times New Roman" panose="02020603050405020304" pitchFamily="18" charset="0"/>
+                    </a:rPr>
+                    <a:t>% Inhibition</a:t>
+                  </a:r>
+                </a:p>
+              </p:txBody>
+            </p:sp>
+            <p:sp>
+              <p:nvSpPr>
+                <p:cNvPr id="117" name="TextBox 116">
+                  <a:extLst>
+                    <a:ext uri="{FF2B5EF4-FFF2-40B4-BE49-F238E27FC236}">
+                      <a16:creationId xmlns:a16="http://schemas.microsoft.com/office/drawing/2014/main" id="{7C4C2B78-F1CA-4446-B68D-ECAB766DFE82}"/>
+                    </a:ext>
+                  </a:extLst>
+                </p:cNvPr>
+                <p:cNvSpPr txBox="1"/>
+                <p:nvPr/>
+              </p:nvSpPr>
+              <p:spPr>
+                <a:xfrm rot="5400000">
+                  <a:off x="7263160" y="16972911"/>
+                  <a:ext cx="1504321" cy="369332"/>
+                </a:xfrm>
+                <a:prstGeom prst="rect">
+                  <a:avLst/>
+                </a:prstGeom>
+                <a:noFill/>
+              </p:spPr>
+              <p:txBody>
+                <a:bodyPr wrap="square" rtlCol="0">
+                  <a:spAutoFit/>
+                </a:bodyPr>
+                <a:lstStyle/>
+                <a:p>
+                  <a:r>
+                    <a:rPr lang="en-US" dirty="0">
+                      <a:solidFill>
+                        <a:srgbClr val="F7080B"/>
+                      </a:solidFill>
+                      <a:latin typeface="Times New Roman" panose="02020603050405020304" pitchFamily="18" charset="0"/>
+                      <a:cs typeface="Times New Roman" panose="02020603050405020304" pitchFamily="18" charset="0"/>
+                    </a:rPr>
+                    <a:t>% Cell ratio</a:t>
+                  </a:r>
+                </a:p>
+              </p:txBody>
+            </p:sp>
+            <p:sp>
+              <p:nvSpPr>
+                <p:cNvPr id="118" name="Rectangle 117">
+                  <a:extLst>
+                    <a:ext uri="{FF2B5EF4-FFF2-40B4-BE49-F238E27FC236}">
+                      <a16:creationId xmlns:a16="http://schemas.microsoft.com/office/drawing/2014/main" id="{5CABB3C3-FEDE-4253-9713-A6E97FA07002}"/>
+                    </a:ext>
+                  </a:extLst>
+                </p:cNvPr>
+                <p:cNvSpPr/>
+                <p:nvPr/>
+              </p:nvSpPr>
+              <p:spPr>
+                <a:xfrm>
+                  <a:off x="4286474" y="17390216"/>
+                  <a:ext cx="258690" cy="204716"/>
+                </a:xfrm>
+                <a:prstGeom prst="rect">
+                  <a:avLst/>
+                </a:prstGeom>
+                <a:solidFill>
+                  <a:srgbClr val="0201FC"/>
+                </a:solidFill>
+              </p:spPr>
+              <p:style>
+                <a:lnRef idx="2">
+                  <a:schemeClr val="accent1">
+                    <a:shade val="50000"/>
+                  </a:schemeClr>
+                </a:lnRef>
+                <a:fillRef idx="1">
+                  <a:schemeClr val="accent1"/>
+                </a:fillRef>
+                <a:effectRef idx="0">
+                  <a:schemeClr val="accent1"/>
+                </a:effectRef>
+                <a:fontRef idx="minor">
+                  <a:schemeClr val="lt1"/>
+                </a:fontRef>
+              </p:style>
+              <p:txBody>
+                <a:bodyPr rtlCol="0" anchor="ctr"/>
+                <a:lstStyle/>
+                <a:p>
+                  <a:pPr algn="ctr"/>
+                  <a:endParaRPr lang="en-US"/>
+                </a:p>
+              </p:txBody>
+            </p:sp>
+            <p:sp>
+              <p:nvSpPr>
+                <p:cNvPr id="119" name="Rectangle 118">
+                  <a:extLst>
+                    <a:ext uri="{FF2B5EF4-FFF2-40B4-BE49-F238E27FC236}">
+                      <a16:creationId xmlns:a16="http://schemas.microsoft.com/office/drawing/2014/main" id="{3DC2BD83-294F-4943-BF47-B36F8B06C564}"/>
+                    </a:ext>
+                  </a:extLst>
+                </p:cNvPr>
+                <p:cNvSpPr/>
+                <p:nvPr/>
+              </p:nvSpPr>
+              <p:spPr>
+                <a:xfrm>
+                  <a:off x="7885975" y="16218647"/>
+                  <a:ext cx="258690" cy="204716"/>
+                </a:xfrm>
+                <a:prstGeom prst="rect">
+                  <a:avLst/>
+                </a:prstGeom>
+                <a:solidFill>
+                  <a:srgbClr val="FD0000"/>
+                </a:solidFill>
+              </p:spPr>
+              <p:style>
+                <a:lnRef idx="2">
+                  <a:schemeClr val="accent1">
+                    <a:shade val="50000"/>
+                  </a:schemeClr>
+                </a:lnRef>
+                <a:fillRef idx="1">
+                  <a:schemeClr val="accent1"/>
+                </a:fillRef>
+                <a:effectRef idx="0">
+                  <a:schemeClr val="accent1"/>
+                </a:effectRef>
+                <a:fontRef idx="minor">
+                  <a:schemeClr val="lt1"/>
+                </a:fontRef>
+              </p:style>
+              <p:txBody>
+                <a:bodyPr rtlCol="0" anchor="ctr"/>
+                <a:lstStyle/>
+                <a:p>
+                  <a:pPr algn="ctr"/>
+                  <a:endParaRPr lang="en-US"/>
+                </a:p>
+              </p:txBody>
+            </p:sp>
+            <p:sp>
+              <p:nvSpPr>
+                <p:cNvPr id="120" name="TextBox 119">
+                  <a:extLst>
+                    <a:ext uri="{FF2B5EF4-FFF2-40B4-BE49-F238E27FC236}">
+                      <a16:creationId xmlns:a16="http://schemas.microsoft.com/office/drawing/2014/main" id="{6CC3DA2F-FB47-49E4-8788-72854396468D}"/>
+                    </a:ext>
+                  </a:extLst>
+                </p:cNvPr>
+                <p:cNvSpPr txBox="1"/>
+                <p:nvPr/>
+              </p:nvSpPr>
+              <p:spPr>
+                <a:xfrm>
+                  <a:off x="4974395" y="17939723"/>
+                  <a:ext cx="2529816" cy="369332"/>
+                </a:xfrm>
+                <a:prstGeom prst="rect">
+                  <a:avLst/>
+                </a:prstGeom>
+                <a:noFill/>
+              </p:spPr>
+              <p:txBody>
+                <a:bodyPr wrap="square" rtlCol="0">
+                  <a:spAutoFit/>
+                </a:bodyPr>
+                <a:lstStyle/>
+                <a:p>
+                  <a:r>
+                    <a:rPr lang="en-US" dirty="0">
+                      <a:latin typeface="Times New Roman" panose="02020603050405020304" pitchFamily="18" charset="0"/>
+                      <a:cs typeface="Times New Roman" panose="02020603050405020304" pitchFamily="18" charset="0"/>
+                    </a:rPr>
+                    <a:t>Concentration [log </a:t>
+                  </a:r>
+                  <a:r>
+                    <a:rPr lang="el-GR" dirty="0">
+                      <a:solidFill>
+                        <a:srgbClr val="202124"/>
+                      </a:solidFill>
+                      <a:latin typeface="Times New Roman" panose="02020603050405020304" pitchFamily="18" charset="0"/>
+                      <a:cs typeface="Times New Roman" panose="02020603050405020304" pitchFamily="18" charset="0"/>
+                    </a:rPr>
+                    <a:t>μ</a:t>
+                  </a:r>
+                  <a:r>
+                    <a:rPr lang="en-US" dirty="0">
+                      <a:latin typeface="Times New Roman" panose="02020603050405020304" pitchFamily="18" charset="0"/>
+                      <a:cs typeface="Times New Roman" panose="02020603050405020304" pitchFamily="18" charset="0"/>
+                    </a:rPr>
+                    <a:t>M]</a:t>
+                  </a:r>
+                </a:p>
+              </p:txBody>
+            </p:sp>
+            <p:sp>
+              <p:nvSpPr>
+                <p:cNvPr id="121" name="TextBox 120">
+                  <a:extLst>
+                    <a:ext uri="{FF2B5EF4-FFF2-40B4-BE49-F238E27FC236}">
+                      <a16:creationId xmlns:a16="http://schemas.microsoft.com/office/drawing/2014/main" id="{8D51C4E7-E461-42DC-B436-44B0539378B1}"/>
+                    </a:ext>
+                  </a:extLst>
+                </p:cNvPr>
+                <p:cNvSpPr txBox="1"/>
+                <p:nvPr/>
+              </p:nvSpPr>
+              <p:spPr>
+                <a:xfrm>
+                  <a:off x="4803589" y="18224233"/>
+                  <a:ext cx="2995836" cy="646331"/>
+                </a:xfrm>
+                <a:prstGeom prst="rect">
+                  <a:avLst/>
+                </a:prstGeom>
+                <a:noFill/>
+              </p:spPr>
+              <p:txBody>
+                <a:bodyPr wrap="square" rtlCol="0">
+                  <a:spAutoFit/>
+                </a:bodyPr>
+                <a:lstStyle/>
+                <a:p>
+                  <a:r>
+                    <a:rPr lang="en-US" dirty="0">
+                      <a:latin typeface="Times New Roman" panose="02020603050405020304" pitchFamily="18" charset="0"/>
+                      <a:ea typeface="Calibri" panose="020F0502020204030204" pitchFamily="34" charset="0"/>
+                      <a:cs typeface="Times New Roman" panose="02020603050405020304" pitchFamily="18" charset="0"/>
+                    </a:rPr>
+                    <a:t>IC</a:t>
+                  </a:r>
+                  <a:r>
+                    <a:rPr lang="en-US" baseline="-25000" dirty="0">
+                      <a:latin typeface="Times New Roman" panose="02020603050405020304" pitchFamily="18" charset="0"/>
+                      <a:ea typeface="Calibri" panose="020F0502020204030204" pitchFamily="34" charset="0"/>
+                      <a:cs typeface="Times New Roman" panose="02020603050405020304" pitchFamily="18" charset="0"/>
+                    </a:rPr>
+                    <a:t>50</a:t>
+                  </a:r>
+                  <a:r>
+                    <a:rPr lang="en-US" dirty="0">
+                      <a:latin typeface="Times New Roman" panose="02020603050405020304" pitchFamily="18" charset="0"/>
+                      <a:ea typeface="Calibri" panose="020F0502020204030204" pitchFamily="34" charset="0"/>
+                      <a:cs typeface="Times New Roman" panose="02020603050405020304" pitchFamily="18" charset="0"/>
+                    </a:rPr>
+                    <a:t>=5.82; CC</a:t>
+                  </a:r>
+                  <a:r>
+                    <a:rPr lang="en-US" baseline="-25000" dirty="0">
+                      <a:latin typeface="Times New Roman" panose="02020603050405020304" pitchFamily="18" charset="0"/>
+                      <a:ea typeface="Calibri" panose="020F0502020204030204" pitchFamily="34" charset="0"/>
+                      <a:cs typeface="Times New Roman" panose="02020603050405020304" pitchFamily="18" charset="0"/>
+                    </a:rPr>
+                    <a:t>50</a:t>
+                  </a:r>
+                  <a:r>
+                    <a:rPr lang="en-US" dirty="0">
+                      <a:latin typeface="Times New Roman" panose="02020603050405020304" pitchFamily="18" charset="0"/>
+                      <a:ea typeface="Calibri" panose="020F0502020204030204" pitchFamily="34" charset="0"/>
+                      <a:cs typeface="Times New Roman" panose="02020603050405020304" pitchFamily="18" charset="0"/>
+                    </a:rPr>
+                    <a:t>&gt;50; SI=8.59</a:t>
+                  </a:r>
+                </a:p>
+                <a:p>
+                  <a:r>
+                    <a:rPr lang="en-US" baseline="-25000" dirty="0">
+                      <a:latin typeface="Times New Roman" panose="02020603050405020304" pitchFamily="18" charset="0"/>
+                      <a:ea typeface="Calibri" panose="020F0502020204030204" pitchFamily="34" charset="0"/>
+                      <a:cs typeface="Times New Roman" panose="02020603050405020304" pitchFamily="18" charset="0"/>
+                    </a:rPr>
+                    <a:t> </a:t>
+                  </a:r>
+                  <a:endParaRPr lang="en-US" dirty="0">
+                    <a:latin typeface="Times New Roman" panose="02020603050405020304" pitchFamily="18" charset="0"/>
+                    <a:ea typeface="Calibri" panose="020F0502020204030204" pitchFamily="34" charset="0"/>
+                    <a:cs typeface="Times New Roman" panose="02020603050405020304" pitchFamily="18" charset="0"/>
+                  </a:endParaRPr>
+                </a:p>
+              </p:txBody>
+            </p:sp>
+          </p:grpSp>
+        </p:grpSp>
+        <p:pic>
+          <p:nvPicPr>
+            <p:cNvPr id="13" name="Picture 12">
+              <a:extLst>
+                <a:ext uri="{FF2B5EF4-FFF2-40B4-BE49-F238E27FC236}">
+                  <a16:creationId xmlns:a16="http://schemas.microsoft.com/office/drawing/2014/main" id="{BF80C24D-407B-402F-86A3-05F16F6A39B1}"/>
+                </a:ext>
+              </a:extLst>
+            </p:cNvPr>
+            <p:cNvPicPr>
+              <a:picLocks noChangeAspect="1"/>
+            </p:cNvPicPr>
+            <p:nvPr/>
+          </p:nvPicPr>
+          <p:blipFill>
+            <a:blip r:embed="rId11"/>
+            <a:stretch>
+              <a:fillRect/>
+            </a:stretch>
+          </p:blipFill>
+          <p:spPr>
+            <a:xfrm>
+              <a:off x="19086" y="14290699"/>
+              <a:ext cx="3775153" cy="1867979"/>
+            </a:xfrm>
+            <a:prstGeom prst="rect">
+              <a:avLst/>
+            </a:prstGeom>
+          </p:spPr>
+        </p:pic>
+        <p:grpSp>
+          <p:nvGrpSpPr>
+            <p:cNvPr id="30" name="Group 29">
+              <a:extLst>
+                <a:ext uri="{FF2B5EF4-FFF2-40B4-BE49-F238E27FC236}">
+                  <a16:creationId xmlns:a16="http://schemas.microsoft.com/office/drawing/2014/main" id="{E18254A2-1BEC-40A8-BFD1-9C3B965C99F4}"/>
+                </a:ext>
+              </a:extLst>
+            </p:cNvPr>
+            <p:cNvGrpSpPr/>
+            <p:nvPr/>
+          </p:nvGrpSpPr>
+          <p:grpSpPr>
+            <a:xfrm>
+              <a:off x="3679443" y="14290699"/>
+              <a:ext cx="3967365" cy="3019902"/>
+              <a:chOff x="4204828" y="15850662"/>
+              <a:chExt cx="3967365" cy="3019902"/>
+            </a:xfrm>
+          </p:grpSpPr>
+          <p:pic>
+            <p:nvPicPr>
+              <p:cNvPr id="21" name="Picture 20">
+                <a:extLst>
+                  <a:ext uri="{FF2B5EF4-FFF2-40B4-BE49-F238E27FC236}">
+                    <a16:creationId xmlns:a16="http://schemas.microsoft.com/office/drawing/2014/main" id="{2F3C1E16-FFB0-4DB7-B3C2-3E1285F901B2}"/>
+                  </a:ext>
+                </a:extLst>
+              </p:cNvPr>
+              <p:cNvPicPr>
+                <a:picLocks noChangeAspect="1"/>
+              </p:cNvPicPr>
+              <p:nvPr/>
+            </p:nvPicPr>
+            <p:blipFill>
+              <a:blip r:embed="rId12"/>
+              <a:stretch>
+                <a:fillRect/>
+              </a:stretch>
+            </p:blipFill>
+            <p:spPr>
+              <a:xfrm>
+                <a:off x="4506376" y="15850662"/>
+                <a:ext cx="3423512" cy="2153209"/>
               </a:xfrm>
               <a:prstGeom prst="rect">
                 <a:avLst/>
@@ -3984,10 +5590,10 @@
           </p:pic>
           <p:sp>
             <p:nvSpPr>
-              <p:cNvPr id="6" name="TextBox 5">
+              <p:cNvPr id="22" name="TextBox 21">
                 <a:extLst>
                   <a:ext uri="{FF2B5EF4-FFF2-40B4-BE49-F238E27FC236}">
-                    <a16:creationId xmlns:a16="http://schemas.microsoft.com/office/drawing/2014/main" id="{47EA12D5-251D-4FBA-BD2A-26F7AD08DDDE}"/>
+                    <a16:creationId xmlns:a16="http://schemas.microsoft.com/office/drawing/2014/main" id="{593CFE39-BE15-45C2-B387-A95645C7889A}"/>
                   </a:ext>
                 </a:extLst>
               </p:cNvPr>
@@ -3995,9 +5601,9 @@
               <p:nvPr/>
             </p:nvSpPr>
             <p:spPr>
-              <a:xfrm>
-                <a:off x="2343818" y="8103452"/>
-                <a:ext cx="2700542" cy="400110"/>
+              <a:xfrm rot="16200000">
+                <a:off x="3637333" y="16439286"/>
+                <a:ext cx="1504321" cy="369332"/>
               </a:xfrm>
               <a:prstGeom prst="rect">
                 <a:avLst/>
@@ -4011,72 +5617,24 @@
               <a:lstStyle/>
               <a:p>
                 <a:r>
-                  <a:rPr lang="en-US" sz="2000" b="1" dirty="0">
+                  <a:rPr lang="en-US" dirty="0">
+                    <a:solidFill>
+                      <a:srgbClr val="0000F8"/>
+                    </a:solidFill>
                     <a:latin typeface="Times New Roman" panose="02020603050405020304" pitchFamily="18" charset="0"/>
                     <a:cs typeface="Times New Roman" panose="02020603050405020304" pitchFamily="18" charset="0"/>
                   </a:rPr>
-                  <a:t>Spironolactone</a:t>
+                  <a:t>% Inhibition</a:t>
                 </a:r>
               </a:p>
             </p:txBody>
           </p:sp>
-        </p:grpSp>
-        <p:grpSp>
-          <p:nvGrpSpPr>
-            <p:cNvPr id="40" name="Group 39">
-              <a:extLst>
-                <a:ext uri="{FF2B5EF4-FFF2-40B4-BE49-F238E27FC236}">
-                  <a16:creationId xmlns:a16="http://schemas.microsoft.com/office/drawing/2014/main" id="{5B10AC26-4032-4DBB-97E7-1634253D93F6}"/>
-                </a:ext>
-              </a:extLst>
-            </p:cNvPr>
-            <p:cNvGrpSpPr/>
-            <p:nvPr/>
-          </p:nvGrpSpPr>
-          <p:grpSpPr>
-            <a:xfrm>
-              <a:off x="5797687" y="8049487"/>
-              <a:ext cx="3576152" cy="3102589"/>
-              <a:chOff x="5529273" y="8011776"/>
-              <a:chExt cx="3576152" cy="3102589"/>
-            </a:xfrm>
-          </p:grpSpPr>
-          <p:pic>
-            <p:nvPicPr>
-              <p:cNvPr id="8" name="Picture 7">
+          <p:sp>
+            <p:nvSpPr>
+              <p:cNvPr id="74" name="TextBox 73">
                 <a:extLst>
                   <a:ext uri="{FF2B5EF4-FFF2-40B4-BE49-F238E27FC236}">
-                    <a16:creationId xmlns:a16="http://schemas.microsoft.com/office/drawing/2014/main" id="{C0114F1D-98E3-40C4-BC3F-31E3FD75AE8C}"/>
-                  </a:ext>
-                </a:extLst>
-              </p:cNvPr>
-              <p:cNvPicPr>
-                <a:picLocks noChangeAspect="1"/>
-              </p:cNvPicPr>
-              <p:nvPr/>
-            </p:nvPicPr>
-            <p:blipFill>
-              <a:blip r:embed="rId5"/>
-              <a:stretch>
-                <a:fillRect/>
-              </a:stretch>
-            </p:blipFill>
-            <p:spPr>
-              <a:xfrm>
-                <a:off x="5529273" y="8651427"/>
-                <a:ext cx="3441365" cy="2462938"/>
-              </a:xfrm>
-              <a:prstGeom prst="rect">
-                <a:avLst/>
-              </a:prstGeom>
-            </p:spPr>
-          </p:pic>
-          <p:sp>
-            <p:nvSpPr>
-              <p:cNvPr id="20" name="TextBox 19">
-                <a:extLst>
-                  <a:ext uri="{FF2B5EF4-FFF2-40B4-BE49-F238E27FC236}">
-                    <a16:creationId xmlns:a16="http://schemas.microsoft.com/office/drawing/2014/main" id="{188A4506-DFF0-4FAA-9217-E6B42F35305A}"/>
+                    <a16:creationId xmlns:a16="http://schemas.microsoft.com/office/drawing/2014/main" id="{0E60287A-9E18-49AA-A89D-CCC1D89E5F53}"/>
                   </a:ext>
                 </a:extLst>
               </p:cNvPr>
@@ -4084,9 +5642,9 @@
               <p:nvPr/>
             </p:nvSpPr>
             <p:spPr>
-              <a:xfrm>
-                <a:off x="6404883" y="8011776"/>
-                <a:ext cx="2700542" cy="400110"/>
+              <a:xfrm rot="5400000">
+                <a:off x="7235366" y="16961685"/>
+                <a:ext cx="1504321" cy="369332"/>
               </a:xfrm>
               <a:prstGeom prst="rect">
                 <a:avLst/>
@@ -4100,72 +5658,122 @@
               <a:lstStyle/>
               <a:p>
                 <a:r>
-                  <a:rPr lang="en-US" sz="2000" b="1" dirty="0">
+                  <a:rPr lang="en-US" dirty="0">
+                    <a:solidFill>
+                      <a:srgbClr val="F7080B"/>
+                    </a:solidFill>
                     <a:latin typeface="Times New Roman" panose="02020603050405020304" pitchFamily="18" charset="0"/>
                     <a:cs typeface="Times New Roman" panose="02020603050405020304" pitchFamily="18" charset="0"/>
                   </a:rPr>
-                  <a:t>Oleanolic acid</a:t>
+                  <a:t>% Cell ratio</a:t>
                 </a:r>
               </a:p>
             </p:txBody>
           </p:sp>
-        </p:grpSp>
-        <p:grpSp>
-          <p:nvGrpSpPr>
-            <p:cNvPr id="41" name="Group 40">
-              <a:extLst>
-                <a:ext uri="{FF2B5EF4-FFF2-40B4-BE49-F238E27FC236}">
-                  <a16:creationId xmlns:a16="http://schemas.microsoft.com/office/drawing/2014/main" id="{7EDD54F3-A656-48BA-A031-1284D0A65AD3}"/>
-                </a:ext>
-              </a:extLst>
-            </p:cNvPr>
-            <p:cNvGrpSpPr/>
-            <p:nvPr/>
-          </p:nvGrpSpPr>
-          <p:grpSpPr>
-            <a:xfrm>
-              <a:off x="10314158" y="8053030"/>
-              <a:ext cx="3149511" cy="3099046"/>
-              <a:chOff x="10252956" y="8015319"/>
-              <a:chExt cx="3149511" cy="3099046"/>
-            </a:xfrm>
-          </p:grpSpPr>
-          <p:pic>
-            <p:nvPicPr>
-              <p:cNvPr id="10" name="Picture 9">
+          <p:sp>
+            <p:nvSpPr>
+              <p:cNvPr id="24" name="Rectangle 23">
                 <a:extLst>
                   <a:ext uri="{FF2B5EF4-FFF2-40B4-BE49-F238E27FC236}">
-                    <a16:creationId xmlns:a16="http://schemas.microsoft.com/office/drawing/2014/main" id="{4411E461-9A51-4E90-814D-1E382CD1A361}"/>
+                    <a16:creationId xmlns:a16="http://schemas.microsoft.com/office/drawing/2014/main" id="{9D8F4083-E7D0-4F02-A037-3B1FD4BC8F80}"/>
                   </a:ext>
                 </a:extLst>
               </p:cNvPr>
-              <p:cNvPicPr>
-                <a:picLocks noChangeAspect="1"/>
-              </p:cNvPicPr>
+              <p:cNvSpPr/>
               <p:nvPr/>
-            </p:nvPicPr>
-            <p:blipFill>
-              <a:blip r:embed="rId6"/>
-              <a:stretch>
-                <a:fillRect/>
-              </a:stretch>
-            </p:blipFill>
+            </p:nvSpPr>
             <p:spPr>
               <a:xfrm>
-                <a:off x="10252956" y="8651426"/>
-                <a:ext cx="3026212" cy="2462939"/>
+                <a:off x="4286474" y="17390216"/>
+                <a:ext cx="258690" cy="204716"/>
               </a:xfrm>
               <a:prstGeom prst="rect">
                 <a:avLst/>
               </a:prstGeom>
+              <a:solidFill>
+                <a:srgbClr val="0201FC"/>
+              </a:solidFill>
             </p:spPr>
-          </p:pic>
+            <p:style>
+              <a:lnRef idx="2">
+                <a:schemeClr val="accent1">
+                  <a:shade val="50000"/>
+                </a:schemeClr>
+              </a:lnRef>
+              <a:fillRef idx="1">
+                <a:schemeClr val="accent1"/>
+              </a:fillRef>
+              <a:effectRef idx="0">
+                <a:schemeClr val="accent1"/>
+              </a:effectRef>
+              <a:fontRef idx="minor">
+                <a:schemeClr val="lt1"/>
+              </a:fontRef>
+            </p:style>
+            <p:txBody>
+              <a:bodyPr rtlCol="0" anchor="ctr"/>
+              <a:lstStyle/>
+              <a:p>
+                <a:pPr algn="ctr"/>
+                <a:endParaRPr lang="en-US"/>
+              </a:p>
+            </p:txBody>
+          </p:sp>
           <p:sp>
             <p:nvSpPr>
-              <p:cNvPr id="23" name="TextBox 22">
+              <p:cNvPr id="75" name="Rectangle 74">
                 <a:extLst>
                   <a:ext uri="{FF2B5EF4-FFF2-40B4-BE49-F238E27FC236}">
-                    <a16:creationId xmlns:a16="http://schemas.microsoft.com/office/drawing/2014/main" id="{50DDAF2E-0556-4434-8179-DF7A40CD5797}"/>
+                    <a16:creationId xmlns:a16="http://schemas.microsoft.com/office/drawing/2014/main" id="{650A4339-8E7E-4120-950E-7D7C7178461D}"/>
+                  </a:ext>
+                </a:extLst>
+              </p:cNvPr>
+              <p:cNvSpPr/>
+              <p:nvPr/>
+            </p:nvSpPr>
+            <p:spPr>
+              <a:xfrm>
+                <a:off x="7858182" y="16232829"/>
+                <a:ext cx="258690" cy="204716"/>
+              </a:xfrm>
+              <a:prstGeom prst="rect">
+                <a:avLst/>
+              </a:prstGeom>
+              <a:solidFill>
+                <a:srgbClr val="FD0000"/>
+              </a:solidFill>
+            </p:spPr>
+            <p:style>
+              <a:lnRef idx="2">
+                <a:schemeClr val="accent1">
+                  <a:shade val="50000"/>
+                </a:schemeClr>
+              </a:lnRef>
+              <a:fillRef idx="1">
+                <a:schemeClr val="accent1"/>
+              </a:fillRef>
+              <a:effectRef idx="0">
+                <a:schemeClr val="accent1"/>
+              </a:effectRef>
+              <a:fontRef idx="minor">
+                <a:schemeClr val="lt1"/>
+              </a:fontRef>
+            </p:style>
+            <p:txBody>
+              <a:bodyPr rtlCol="0" anchor="ctr"/>
+              <a:lstStyle/>
+              <a:p>
+                <a:pPr algn="ctr"/>
+                <a:endParaRPr lang="en-US"/>
+              </a:p>
+            </p:txBody>
+          </p:sp>
+          <p:sp>
+            <p:nvSpPr>
+              <p:cNvPr id="76" name="TextBox 75">
+                <a:extLst>
+                  <a:ext uri="{FF2B5EF4-FFF2-40B4-BE49-F238E27FC236}">
+                    <a16:creationId xmlns:a16="http://schemas.microsoft.com/office/drawing/2014/main" id="{0A344F5C-A593-498C-9C4C-67EDB7451A59}"/>
                   </a:ext>
                 </a:extLst>
               </p:cNvPr>
@@ -4174,98 +5782,8 @@
             </p:nvSpPr>
             <p:spPr>
               <a:xfrm>
-                <a:off x="10701925" y="8015319"/>
-                <a:ext cx="2700542" cy="400110"/>
-              </a:xfrm>
-              <a:prstGeom prst="rect">
-                <a:avLst/>
-              </a:prstGeom>
-              <a:noFill/>
-            </p:spPr>
-            <p:txBody>
-              <a:bodyPr wrap="square" rtlCol="0">
-                <a:spAutoFit/>
-              </a:bodyPr>
-              <a:lstStyle/>
-              <a:p>
-                <a:pPr algn="l"/>
-                <a:r>
-                  <a:rPr lang="en-US" sz="2000" b="1" dirty="0">
-                    <a:latin typeface="Times New Roman" panose="02020603050405020304" pitchFamily="18" charset="0"/>
-                    <a:cs typeface="Times New Roman" panose="02020603050405020304" pitchFamily="18" charset="0"/>
-                  </a:rPr>
-                  <a:t>Echinocystic acid</a:t>
-                </a:r>
-              </a:p>
-            </p:txBody>
-          </p:sp>
-        </p:grpSp>
-        <p:grpSp>
-          <p:nvGrpSpPr>
-            <p:cNvPr id="35" name="Group 34">
-              <a:extLst>
-                <a:ext uri="{FF2B5EF4-FFF2-40B4-BE49-F238E27FC236}">
-                  <a16:creationId xmlns:a16="http://schemas.microsoft.com/office/drawing/2014/main" id="{1ADCEE93-00AB-4642-BCB3-4D005BA75696}"/>
-                </a:ext>
-              </a:extLst>
-            </p:cNvPr>
-            <p:cNvGrpSpPr/>
-            <p:nvPr/>
-          </p:nvGrpSpPr>
-          <p:grpSpPr>
-            <a:xfrm>
-              <a:off x="468476" y="11843328"/>
-              <a:ext cx="3511762" cy="3378250"/>
-              <a:chOff x="3694089" y="11847929"/>
-              <a:chExt cx="3511762" cy="3378250"/>
-            </a:xfrm>
-          </p:grpSpPr>
-          <p:pic>
-            <p:nvPicPr>
-              <p:cNvPr id="12" name="Picture 11">
-                <a:extLst>
-                  <a:ext uri="{FF2B5EF4-FFF2-40B4-BE49-F238E27FC236}">
-                    <a16:creationId xmlns:a16="http://schemas.microsoft.com/office/drawing/2014/main" id="{26353F88-3630-4A8E-B410-9E3D9387B18D}"/>
-                  </a:ext>
-                </a:extLst>
-              </p:cNvPr>
-              <p:cNvPicPr>
-                <a:picLocks noChangeAspect="1"/>
-              </p:cNvPicPr>
-              <p:nvPr/>
-            </p:nvPicPr>
-            <p:blipFill>
-              <a:blip r:embed="rId7"/>
-              <a:stretch>
-                <a:fillRect/>
-              </a:stretch>
-            </p:blipFill>
-            <p:spPr>
-              <a:xfrm>
-                <a:off x="3694089" y="11847929"/>
-                <a:ext cx="2397633" cy="2847609"/>
-              </a:xfrm>
-              <a:prstGeom prst="rect">
-                <a:avLst/>
-              </a:prstGeom>
-            </p:spPr>
-          </p:pic>
-          <p:sp>
-            <p:nvSpPr>
-              <p:cNvPr id="28" name="TextBox 27">
-                <a:extLst>
-                  <a:ext uri="{FF2B5EF4-FFF2-40B4-BE49-F238E27FC236}">
-                    <a16:creationId xmlns:a16="http://schemas.microsoft.com/office/drawing/2014/main" id="{6476C1D1-9E5C-44D4-B261-22846810EC9E}"/>
-                  </a:ext>
-                </a:extLst>
-              </p:cNvPr>
-              <p:cNvSpPr txBox="1"/>
-              <p:nvPr/>
-            </p:nvSpPr>
-            <p:spPr>
-              <a:xfrm>
-                <a:off x="4505309" y="14826069"/>
-                <a:ext cx="2700542" cy="400110"/>
+                <a:off x="4974395" y="17939723"/>
+                <a:ext cx="2529816" cy="369332"/>
               </a:xfrm>
               <a:prstGeom prst="rect">
                 <a:avLst/>
@@ -4279,72 +5797,38 @@
               <a:lstStyle/>
               <a:p>
                 <a:r>
-                  <a:rPr lang="en-US" sz="2000" dirty="0">
+                  <a:rPr lang="en-US" dirty="0">
                     <a:latin typeface="Times New Roman" panose="02020603050405020304" pitchFamily="18" charset="0"/>
                     <a:cs typeface="Times New Roman" panose="02020603050405020304" pitchFamily="18" charset="0"/>
                   </a:rPr>
-                  <a:t>PTPN22</a:t>
+                  <a:t>Concentration [log </a:t>
+                </a:r>
+                <a:r>
+                  <a:rPr lang="el-GR" dirty="0">
+                    <a:solidFill>
+                      <a:srgbClr val="202124"/>
+                    </a:solidFill>
+                    <a:latin typeface="Times New Roman" panose="02020603050405020304" pitchFamily="18" charset="0"/>
+                    <a:cs typeface="Times New Roman" panose="02020603050405020304" pitchFamily="18" charset="0"/>
+                  </a:rPr>
+                  <a:t>μ</a:t>
+                </a:r>
+                <a:r>
+                  <a:rPr lang="en-US" dirty="0">
+                    <a:latin typeface="Times New Roman" panose="02020603050405020304" pitchFamily="18" charset="0"/>
+                    <a:cs typeface="Times New Roman" panose="02020603050405020304" pitchFamily="18" charset="0"/>
+                  </a:rPr>
+                  <a:t>M]</a:t>
                 </a:r>
               </a:p>
             </p:txBody>
           </p:sp>
-        </p:grpSp>
-        <p:grpSp>
-          <p:nvGrpSpPr>
-            <p:cNvPr id="37" name="Group 36">
-              <a:extLst>
-                <a:ext uri="{FF2B5EF4-FFF2-40B4-BE49-F238E27FC236}">
-                  <a16:creationId xmlns:a16="http://schemas.microsoft.com/office/drawing/2014/main" id="{FC18B488-74FF-42A7-B409-2EF1CBC43D6D}"/>
-                </a:ext>
-              </a:extLst>
-            </p:cNvPr>
-            <p:cNvGrpSpPr/>
-            <p:nvPr/>
-          </p:nvGrpSpPr>
-          <p:grpSpPr>
-            <a:xfrm>
-              <a:off x="3468281" y="11995347"/>
-              <a:ext cx="3285362" cy="3226231"/>
-              <a:chOff x="8195778" y="12137245"/>
-              <a:chExt cx="3285362" cy="3226231"/>
-            </a:xfrm>
-          </p:grpSpPr>
-          <p:pic>
-            <p:nvPicPr>
-              <p:cNvPr id="15" name="Picture 14">
+          <p:sp>
+            <p:nvSpPr>
+              <p:cNvPr id="113" name="TextBox 112">
                 <a:extLst>
                   <a:ext uri="{FF2B5EF4-FFF2-40B4-BE49-F238E27FC236}">
-                    <a16:creationId xmlns:a16="http://schemas.microsoft.com/office/drawing/2014/main" id="{0259E803-242B-4032-9BC0-1BE1DAF643C6}"/>
-                  </a:ext>
-                </a:extLst>
-              </p:cNvPr>
-              <p:cNvPicPr>
-                <a:picLocks noChangeAspect="1"/>
-              </p:cNvPicPr>
-              <p:nvPr/>
-            </p:nvPicPr>
-            <p:blipFill>
-              <a:blip r:embed="rId8"/>
-              <a:stretch>
-                <a:fillRect/>
-              </a:stretch>
-            </p:blipFill>
-            <p:spPr>
-              <a:xfrm>
-                <a:off x="8195778" y="12137245"/>
-                <a:ext cx="2177192" cy="2847609"/>
-              </a:xfrm>
-              <a:prstGeom prst="rect">
-                <a:avLst/>
-              </a:prstGeom>
-            </p:spPr>
-          </p:pic>
-          <p:sp>
-            <p:nvSpPr>
-              <p:cNvPr id="29" name="TextBox 28">
-                <a:extLst>
-                  <a:ext uri="{FF2B5EF4-FFF2-40B4-BE49-F238E27FC236}">
-                    <a16:creationId xmlns:a16="http://schemas.microsoft.com/office/drawing/2014/main" id="{20EE9E54-B8D9-4078-AA39-F15BF7C222E5}"/>
+                    <a16:creationId xmlns:a16="http://schemas.microsoft.com/office/drawing/2014/main" id="{87EED1F5-1EE6-4DC5-9246-FF711A6B6B77}"/>
                   </a:ext>
                 </a:extLst>
               </p:cNvPr>
@@ -4353,8 +5837,8 @@
             </p:nvSpPr>
             <p:spPr>
               <a:xfrm>
-                <a:off x="8780598" y="14963366"/>
-                <a:ext cx="2700542" cy="400110"/>
+                <a:off x="4803589" y="18224233"/>
+                <a:ext cx="2995836" cy="646331"/>
               </a:xfrm>
               <a:prstGeom prst="rect">
                 <a:avLst/>
@@ -4368,547 +5852,71 @@
               <a:lstStyle/>
               <a:p>
                 <a:r>
-                  <a:rPr lang="en-US" sz="2000" dirty="0">
+                  <a:rPr lang="en-US" dirty="0">
                     <a:latin typeface="Times New Roman" panose="02020603050405020304" pitchFamily="18" charset="0"/>
+                    <a:ea typeface="Calibri" panose="020F0502020204030204" pitchFamily="34" charset="0"/>
                     <a:cs typeface="Times New Roman" panose="02020603050405020304" pitchFamily="18" charset="0"/>
                   </a:rPr>
-                  <a:t>GRIA2</a:t>
+                  <a:t>IC</a:t>
                 </a:r>
+                <a:r>
+                  <a:rPr lang="en-US" baseline="-25000" dirty="0">
+                    <a:latin typeface="Times New Roman" panose="02020603050405020304" pitchFamily="18" charset="0"/>
+                    <a:ea typeface="Calibri" panose="020F0502020204030204" pitchFamily="34" charset="0"/>
+                    <a:cs typeface="Times New Roman" panose="02020603050405020304" pitchFamily="18" charset="0"/>
+                  </a:rPr>
+                  <a:t>50</a:t>
+                </a:r>
+                <a:r>
+                  <a:rPr lang="en-US" dirty="0">
+                    <a:latin typeface="Times New Roman" panose="02020603050405020304" pitchFamily="18" charset="0"/>
+                    <a:ea typeface="Calibri" panose="020F0502020204030204" pitchFamily="34" charset="0"/>
+                    <a:cs typeface="Times New Roman" panose="02020603050405020304" pitchFamily="18" charset="0"/>
+                  </a:rPr>
+                  <a:t>=4.64; CC</a:t>
+                </a:r>
+                <a:r>
+                  <a:rPr lang="en-US" baseline="-25000" dirty="0">
+                    <a:latin typeface="Times New Roman" panose="02020603050405020304" pitchFamily="18" charset="0"/>
+                    <a:ea typeface="Calibri" panose="020F0502020204030204" pitchFamily="34" charset="0"/>
+                    <a:cs typeface="Times New Roman" panose="02020603050405020304" pitchFamily="18" charset="0"/>
+                  </a:rPr>
+                  <a:t>50</a:t>
+                </a:r>
+                <a:r>
+                  <a:rPr lang="en-US" dirty="0">
+                    <a:latin typeface="Times New Roman" panose="02020603050405020304" pitchFamily="18" charset="0"/>
+                    <a:ea typeface="Calibri" panose="020F0502020204030204" pitchFamily="34" charset="0"/>
+                    <a:cs typeface="Times New Roman" panose="02020603050405020304" pitchFamily="18" charset="0"/>
+                  </a:rPr>
+                  <a:t>&gt;50; SI=10.78</a:t>
+                </a:r>
+              </a:p>
+              <a:p>
+                <a:r>
+                  <a:rPr lang="en-US" baseline="-25000" dirty="0">
+                    <a:latin typeface="Times New Roman" panose="02020603050405020304" pitchFamily="18" charset="0"/>
+                    <a:ea typeface="Calibri" panose="020F0502020204030204" pitchFamily="34" charset="0"/>
+                    <a:cs typeface="Times New Roman" panose="02020603050405020304" pitchFamily="18" charset="0"/>
+                  </a:rPr>
+                  <a:t> </a:t>
+                </a:r>
+                <a:endParaRPr lang="en-US" dirty="0">
+                  <a:latin typeface="Times New Roman" panose="02020603050405020304" pitchFamily="18" charset="0"/>
+                  <a:ea typeface="Calibri" panose="020F0502020204030204" pitchFamily="34" charset="0"/>
+                  <a:cs typeface="Times New Roman" panose="02020603050405020304" pitchFamily="18" charset="0"/>
+                </a:endParaRPr>
               </a:p>
             </p:txBody>
           </p:sp>
         </p:grpSp>
-        <p:sp>
-          <p:nvSpPr>
-            <p:cNvPr id="45" name="TextBox 44">
-              <a:extLst>
-                <a:ext uri="{FF2B5EF4-FFF2-40B4-BE49-F238E27FC236}">
-                  <a16:creationId xmlns:a16="http://schemas.microsoft.com/office/drawing/2014/main" id="{B9242CF8-244A-44A5-A15B-F557C66A3A7E}"/>
-                </a:ext>
-              </a:extLst>
-            </p:cNvPr>
-            <p:cNvSpPr txBox="1"/>
-            <p:nvPr/>
-          </p:nvSpPr>
-          <p:spPr>
-            <a:xfrm>
-              <a:off x="532661" y="11127553"/>
-              <a:ext cx="2700542" cy="400110"/>
-            </a:xfrm>
-            <a:prstGeom prst="rect">
-              <a:avLst/>
-            </a:prstGeom>
-            <a:noFill/>
-          </p:spPr>
-          <p:txBody>
-            <a:bodyPr wrap="square" rtlCol="0">
-              <a:spAutoFit/>
-            </a:bodyPr>
-            <a:lstStyle/>
-            <a:p>
-              <a:r>
-                <a:rPr lang="en-US" sz="2000" i="1" dirty="0">
-                  <a:latin typeface="Times New Roman" panose="02020603050405020304" pitchFamily="18" charset="0"/>
-                  <a:cs typeface="Times New Roman" panose="02020603050405020304" pitchFamily="18" charset="0"/>
-                </a:rPr>
-                <a:t>-9 kcal/mole</a:t>
-              </a:r>
-            </a:p>
-          </p:txBody>
-        </p:sp>
-        <p:cxnSp>
-          <p:nvCxnSpPr>
-            <p:cNvPr id="47" name="Straight Arrow Connector 46">
-              <a:extLst>
-                <a:ext uri="{FF2B5EF4-FFF2-40B4-BE49-F238E27FC236}">
-                  <a16:creationId xmlns:a16="http://schemas.microsoft.com/office/drawing/2014/main" id="{0A3FAB7F-9816-4BC2-B0EA-E805E87AA38E}"/>
-                </a:ext>
-              </a:extLst>
-            </p:cNvPr>
-            <p:cNvCxnSpPr>
-              <a:cxnSpLocks/>
-            </p:cNvCxnSpPr>
-            <p:nvPr/>
-          </p:nvCxnSpPr>
-          <p:spPr>
-            <a:xfrm flipH="1">
-              <a:off x="2147988" y="11126015"/>
-              <a:ext cx="547003" cy="618415"/>
-            </a:xfrm>
-            <a:prstGeom prst="straightConnector1">
-              <a:avLst/>
-            </a:prstGeom>
-            <a:ln w="38100">
-              <a:tailEnd type="triangle"/>
-            </a:ln>
-          </p:spPr>
-          <p:style>
-            <a:lnRef idx="1">
-              <a:schemeClr val="accent1"/>
-            </a:lnRef>
-            <a:fillRef idx="0">
-              <a:schemeClr val="accent1"/>
-            </a:fillRef>
-            <a:effectRef idx="0">
-              <a:schemeClr val="accent1"/>
-            </a:effectRef>
-            <a:fontRef idx="minor">
-              <a:schemeClr val="tx1"/>
-            </a:fontRef>
-          </p:style>
-        </p:cxnSp>
-        <p:cxnSp>
-          <p:nvCxnSpPr>
-            <p:cNvPr id="55" name="Straight Arrow Connector 54">
-              <a:extLst>
-                <a:ext uri="{FF2B5EF4-FFF2-40B4-BE49-F238E27FC236}">
-                  <a16:creationId xmlns:a16="http://schemas.microsoft.com/office/drawing/2014/main" id="{D85F3CC5-7F7B-498C-9C10-07E74E1EB971}"/>
-                </a:ext>
-              </a:extLst>
-            </p:cNvPr>
-            <p:cNvCxnSpPr>
-              <a:cxnSpLocks/>
-            </p:cNvCxnSpPr>
-            <p:nvPr/>
-          </p:nvCxnSpPr>
-          <p:spPr>
-            <a:xfrm>
-              <a:off x="3497446" y="11220364"/>
-              <a:ext cx="482792" cy="613623"/>
-            </a:xfrm>
-            <a:prstGeom prst="straightConnector1">
-              <a:avLst/>
-            </a:prstGeom>
-            <a:ln w="38100">
-              <a:tailEnd type="triangle"/>
-            </a:ln>
-          </p:spPr>
-          <p:style>
-            <a:lnRef idx="1">
-              <a:schemeClr val="accent1"/>
-            </a:lnRef>
-            <a:fillRef idx="0">
-              <a:schemeClr val="accent1"/>
-            </a:fillRef>
-            <a:effectRef idx="0">
-              <a:schemeClr val="accent1"/>
-            </a:effectRef>
-            <a:fontRef idx="minor">
-              <a:schemeClr val="tx1"/>
-            </a:fontRef>
-          </p:style>
-        </p:cxnSp>
-        <p:grpSp>
-          <p:nvGrpSpPr>
-            <p:cNvPr id="57" name="Group 56">
-              <a:extLst>
-                <a:ext uri="{FF2B5EF4-FFF2-40B4-BE49-F238E27FC236}">
-                  <a16:creationId xmlns:a16="http://schemas.microsoft.com/office/drawing/2014/main" id="{7EE37DB0-A941-4C9F-B0C4-2D6BD308E7F5}"/>
-                </a:ext>
-              </a:extLst>
-            </p:cNvPr>
-            <p:cNvGrpSpPr/>
-            <p:nvPr/>
-          </p:nvGrpSpPr>
-          <p:grpSpPr>
-            <a:xfrm>
-              <a:off x="6568665" y="11792384"/>
-              <a:ext cx="3511762" cy="3378250"/>
-              <a:chOff x="3694089" y="11847929"/>
-              <a:chExt cx="3511762" cy="3378250"/>
-            </a:xfrm>
-          </p:grpSpPr>
-          <p:pic>
-            <p:nvPicPr>
-              <p:cNvPr id="58" name="Picture 57">
-                <a:extLst>
-                  <a:ext uri="{FF2B5EF4-FFF2-40B4-BE49-F238E27FC236}">
-                    <a16:creationId xmlns:a16="http://schemas.microsoft.com/office/drawing/2014/main" id="{BDE1C8F9-E5F7-48B4-A1C5-7A2190F1E126}"/>
-                  </a:ext>
-                </a:extLst>
-              </p:cNvPr>
-              <p:cNvPicPr>
-                <a:picLocks noChangeAspect="1"/>
-              </p:cNvPicPr>
-              <p:nvPr/>
-            </p:nvPicPr>
-            <p:blipFill>
-              <a:blip r:embed="rId7"/>
-              <a:stretch>
-                <a:fillRect/>
-              </a:stretch>
-            </p:blipFill>
-            <p:spPr>
-              <a:xfrm>
-                <a:off x="3694089" y="11847929"/>
-                <a:ext cx="2397633" cy="2847609"/>
-              </a:xfrm>
-              <a:prstGeom prst="rect">
-                <a:avLst/>
-              </a:prstGeom>
-            </p:spPr>
-          </p:pic>
-          <p:sp>
-            <p:nvSpPr>
-              <p:cNvPr id="59" name="TextBox 58">
-                <a:extLst>
-                  <a:ext uri="{FF2B5EF4-FFF2-40B4-BE49-F238E27FC236}">
-                    <a16:creationId xmlns:a16="http://schemas.microsoft.com/office/drawing/2014/main" id="{A2182CDA-3F59-46DB-AB9F-F07BA1AA5DA8}"/>
-                  </a:ext>
-                </a:extLst>
-              </p:cNvPr>
-              <p:cNvSpPr txBox="1"/>
-              <p:nvPr/>
-            </p:nvSpPr>
-            <p:spPr>
-              <a:xfrm>
-                <a:off x="4505309" y="14826069"/>
-                <a:ext cx="2700542" cy="400110"/>
-              </a:xfrm>
-              <a:prstGeom prst="rect">
-                <a:avLst/>
-              </a:prstGeom>
-              <a:noFill/>
-            </p:spPr>
-            <p:txBody>
-              <a:bodyPr wrap="square" rtlCol="0">
-                <a:spAutoFit/>
-              </a:bodyPr>
-              <a:lstStyle/>
-              <a:p>
-                <a:r>
-                  <a:rPr lang="en-US" sz="2000" dirty="0">
-                    <a:latin typeface="Times New Roman" panose="02020603050405020304" pitchFamily="18" charset="0"/>
-                    <a:cs typeface="Times New Roman" panose="02020603050405020304" pitchFamily="18" charset="0"/>
-                  </a:rPr>
-                  <a:t>PTPN22</a:t>
-                </a:r>
-              </a:p>
-            </p:txBody>
-          </p:sp>
-        </p:grpSp>
-        <p:cxnSp>
-          <p:nvCxnSpPr>
-            <p:cNvPr id="60" name="Straight Arrow Connector 59">
-              <a:extLst>
-                <a:ext uri="{FF2B5EF4-FFF2-40B4-BE49-F238E27FC236}">
-                  <a16:creationId xmlns:a16="http://schemas.microsoft.com/office/drawing/2014/main" id="{24111FBA-6872-473C-8F9F-995B094169E7}"/>
-                </a:ext>
-              </a:extLst>
-            </p:cNvPr>
-            <p:cNvCxnSpPr>
-              <a:cxnSpLocks/>
-            </p:cNvCxnSpPr>
-            <p:nvPr/>
-          </p:nvCxnSpPr>
-          <p:spPr>
-            <a:xfrm>
-              <a:off x="7811305" y="10698297"/>
-              <a:ext cx="1" cy="789456"/>
-            </a:xfrm>
-            <a:prstGeom prst="straightConnector1">
-              <a:avLst/>
-            </a:prstGeom>
-            <a:ln w="38100">
-              <a:tailEnd type="triangle"/>
-            </a:ln>
-          </p:spPr>
-          <p:style>
-            <a:lnRef idx="1">
-              <a:schemeClr val="accent1"/>
-            </a:lnRef>
-            <a:fillRef idx="0">
-              <a:schemeClr val="accent1"/>
-            </a:fillRef>
-            <a:effectRef idx="0">
-              <a:schemeClr val="accent1"/>
-            </a:effectRef>
-            <a:fontRef idx="minor">
-              <a:schemeClr val="tx1"/>
-            </a:fontRef>
-          </p:style>
-        </p:cxnSp>
-        <p:sp>
-          <p:nvSpPr>
-            <p:cNvPr id="62" name="TextBox 61">
-              <a:extLst>
-                <a:ext uri="{FF2B5EF4-FFF2-40B4-BE49-F238E27FC236}">
-                  <a16:creationId xmlns:a16="http://schemas.microsoft.com/office/drawing/2014/main" id="{97FAD9E5-2C2C-4FED-B76A-6BD79578B6D6}"/>
-                </a:ext>
-              </a:extLst>
-            </p:cNvPr>
-            <p:cNvSpPr txBox="1"/>
-            <p:nvPr/>
-          </p:nvSpPr>
-          <p:spPr>
-            <a:xfrm>
-              <a:off x="8023568" y="10869366"/>
-              <a:ext cx="2700542" cy="400110"/>
-            </a:xfrm>
-            <a:prstGeom prst="rect">
-              <a:avLst/>
-            </a:prstGeom>
-            <a:noFill/>
-          </p:spPr>
-          <p:txBody>
-            <a:bodyPr wrap="square" rtlCol="0">
-              <a:spAutoFit/>
-            </a:bodyPr>
-            <a:lstStyle/>
-            <a:p>
-              <a:r>
-                <a:rPr lang="en-US" sz="2000" i="1" dirty="0">
-                  <a:latin typeface="Times New Roman" panose="02020603050405020304" pitchFamily="18" charset="0"/>
-                  <a:cs typeface="Times New Roman" panose="02020603050405020304" pitchFamily="18" charset="0"/>
-                </a:rPr>
-                <a:t>-8.3 kcal/mole</a:t>
-              </a:r>
-            </a:p>
-          </p:txBody>
-        </p:sp>
-        <p:grpSp>
-          <p:nvGrpSpPr>
-            <p:cNvPr id="63" name="Group 62">
-              <a:extLst>
-                <a:ext uri="{FF2B5EF4-FFF2-40B4-BE49-F238E27FC236}">
-                  <a16:creationId xmlns:a16="http://schemas.microsoft.com/office/drawing/2014/main" id="{5DE7D555-0479-49F3-8F3A-25169CADA1C4}"/>
-                </a:ext>
-              </a:extLst>
-            </p:cNvPr>
-            <p:cNvGrpSpPr/>
-            <p:nvPr/>
-          </p:nvGrpSpPr>
-          <p:grpSpPr>
-            <a:xfrm>
-              <a:off x="10395445" y="11792384"/>
-              <a:ext cx="3511762" cy="3378250"/>
-              <a:chOff x="3694089" y="11847929"/>
-              <a:chExt cx="3511762" cy="3378250"/>
-            </a:xfrm>
-          </p:grpSpPr>
-          <p:pic>
-            <p:nvPicPr>
-              <p:cNvPr id="64" name="Picture 63">
-                <a:extLst>
-                  <a:ext uri="{FF2B5EF4-FFF2-40B4-BE49-F238E27FC236}">
-                    <a16:creationId xmlns:a16="http://schemas.microsoft.com/office/drawing/2014/main" id="{B0C437CF-C7D3-452C-9B19-319E696D8F38}"/>
-                  </a:ext>
-                </a:extLst>
-              </p:cNvPr>
-              <p:cNvPicPr>
-                <a:picLocks noChangeAspect="1"/>
-              </p:cNvPicPr>
-              <p:nvPr/>
-            </p:nvPicPr>
-            <p:blipFill>
-              <a:blip r:embed="rId7"/>
-              <a:stretch>
-                <a:fillRect/>
-              </a:stretch>
-            </p:blipFill>
-            <p:spPr>
-              <a:xfrm>
-                <a:off x="3694089" y="11847929"/>
-                <a:ext cx="2397633" cy="2847609"/>
-              </a:xfrm>
-              <a:prstGeom prst="rect">
-                <a:avLst/>
-              </a:prstGeom>
-            </p:spPr>
-          </p:pic>
-          <p:sp>
-            <p:nvSpPr>
-              <p:cNvPr id="65" name="TextBox 64">
-                <a:extLst>
-                  <a:ext uri="{FF2B5EF4-FFF2-40B4-BE49-F238E27FC236}">
-                    <a16:creationId xmlns:a16="http://schemas.microsoft.com/office/drawing/2014/main" id="{76214288-D0CA-4739-B10C-1DD355EE7AE0}"/>
-                  </a:ext>
-                </a:extLst>
-              </p:cNvPr>
-              <p:cNvSpPr txBox="1"/>
-              <p:nvPr/>
-            </p:nvSpPr>
-            <p:spPr>
-              <a:xfrm>
-                <a:off x="4505309" y="14826069"/>
-                <a:ext cx="2700542" cy="400110"/>
-              </a:xfrm>
-              <a:prstGeom prst="rect">
-                <a:avLst/>
-              </a:prstGeom>
-              <a:noFill/>
-            </p:spPr>
-            <p:txBody>
-              <a:bodyPr wrap="square" rtlCol="0">
-                <a:spAutoFit/>
-              </a:bodyPr>
-              <a:lstStyle/>
-              <a:p>
-                <a:r>
-                  <a:rPr lang="en-US" sz="2000" dirty="0">
-                    <a:latin typeface="Times New Roman" panose="02020603050405020304" pitchFamily="18" charset="0"/>
-                    <a:cs typeface="Times New Roman" panose="02020603050405020304" pitchFamily="18" charset="0"/>
-                  </a:rPr>
-                  <a:t>PTPN22</a:t>
-                </a:r>
-              </a:p>
-            </p:txBody>
-          </p:sp>
-        </p:grpSp>
-        <p:cxnSp>
-          <p:nvCxnSpPr>
-            <p:cNvPr id="66" name="Straight Arrow Connector 65">
-              <a:extLst>
-                <a:ext uri="{FF2B5EF4-FFF2-40B4-BE49-F238E27FC236}">
-                  <a16:creationId xmlns:a16="http://schemas.microsoft.com/office/drawing/2014/main" id="{973687BA-1798-4D91-97C7-7686C5FF5FEF}"/>
-                </a:ext>
-              </a:extLst>
-            </p:cNvPr>
-            <p:cNvCxnSpPr>
-              <a:cxnSpLocks/>
-            </p:cNvCxnSpPr>
-            <p:nvPr/>
-          </p:nvCxnSpPr>
-          <p:spPr>
-            <a:xfrm>
-              <a:off x="11827264" y="10849686"/>
-              <a:ext cx="1" cy="789456"/>
-            </a:xfrm>
-            <a:prstGeom prst="straightConnector1">
-              <a:avLst/>
-            </a:prstGeom>
-            <a:ln w="38100">
-              <a:tailEnd type="triangle"/>
-            </a:ln>
-          </p:spPr>
-          <p:style>
-            <a:lnRef idx="1">
-              <a:schemeClr val="accent1"/>
-            </a:lnRef>
-            <a:fillRef idx="0">
-              <a:schemeClr val="accent1"/>
-            </a:fillRef>
-            <a:effectRef idx="0">
-              <a:schemeClr val="accent1"/>
-            </a:effectRef>
-            <a:fontRef idx="minor">
-              <a:schemeClr val="tx1"/>
-            </a:fontRef>
-          </p:style>
-        </p:cxnSp>
-        <p:sp>
-          <p:nvSpPr>
-            <p:cNvPr id="67" name="TextBox 66">
-              <a:extLst>
-                <a:ext uri="{FF2B5EF4-FFF2-40B4-BE49-F238E27FC236}">
-                  <a16:creationId xmlns:a16="http://schemas.microsoft.com/office/drawing/2014/main" id="{72A5B143-5604-4635-A54A-99E89538794F}"/>
-                </a:ext>
-              </a:extLst>
-            </p:cNvPr>
-            <p:cNvSpPr txBox="1"/>
-            <p:nvPr/>
-          </p:nvSpPr>
-          <p:spPr>
-            <a:xfrm>
-              <a:off x="11990099" y="11058149"/>
-              <a:ext cx="2700542" cy="400110"/>
-            </a:xfrm>
-            <a:prstGeom prst="rect">
-              <a:avLst/>
-            </a:prstGeom>
-            <a:noFill/>
-          </p:spPr>
-          <p:txBody>
-            <a:bodyPr wrap="square" rtlCol="0">
-              <a:spAutoFit/>
-            </a:bodyPr>
-            <a:lstStyle/>
-            <a:p>
-              <a:r>
-                <a:rPr lang="en-US" sz="2000" i="1" dirty="0">
-                  <a:latin typeface="Times New Roman" panose="02020603050405020304" pitchFamily="18" charset="0"/>
-                  <a:cs typeface="Times New Roman" panose="02020603050405020304" pitchFamily="18" charset="0"/>
-                </a:rPr>
-                <a:t>-8.3 kcal/mole</a:t>
-              </a:r>
-            </a:p>
-          </p:txBody>
-        </p:sp>
-        <p:sp>
-          <p:nvSpPr>
-            <p:cNvPr id="73" name="TextBox 72">
-              <a:extLst>
-                <a:ext uri="{FF2B5EF4-FFF2-40B4-BE49-F238E27FC236}">
-                  <a16:creationId xmlns:a16="http://schemas.microsoft.com/office/drawing/2014/main" id="{C1CE169C-F4E4-4EB2-AFAD-BDF862F92B1D}"/>
-                </a:ext>
-              </a:extLst>
-            </p:cNvPr>
-            <p:cNvSpPr txBox="1"/>
-            <p:nvPr/>
-          </p:nvSpPr>
-          <p:spPr>
-            <a:xfrm>
-              <a:off x="4188058" y="11327789"/>
-              <a:ext cx="2700542" cy="400110"/>
-            </a:xfrm>
-            <a:prstGeom prst="rect">
-              <a:avLst/>
-            </a:prstGeom>
-            <a:noFill/>
-          </p:spPr>
-          <p:txBody>
-            <a:bodyPr wrap="square" rtlCol="0">
-              <a:spAutoFit/>
-            </a:bodyPr>
-            <a:lstStyle/>
-            <a:p>
-              <a:r>
-                <a:rPr lang="en-US" sz="2000" i="1" dirty="0">
-                  <a:latin typeface="Times New Roman" panose="02020603050405020304" pitchFamily="18" charset="0"/>
-                  <a:cs typeface="Times New Roman" panose="02020603050405020304" pitchFamily="18" charset="0"/>
-                </a:rPr>
-                <a:t>-10 kcal/mole</a:t>
-              </a:r>
-            </a:p>
-          </p:txBody>
-        </p:sp>
       </p:grpSp>
-      <p:pic>
-        <p:nvPicPr>
-          <p:cNvPr id="9" name="Picture 8">
+      <p:sp>
+        <p:nvSpPr>
+          <p:cNvPr id="42" name="TextBox 41">
             <a:extLst>
               <a:ext uri="{FF2B5EF4-FFF2-40B4-BE49-F238E27FC236}">
-                <a16:creationId xmlns:a16="http://schemas.microsoft.com/office/drawing/2014/main" id="{9941ED77-9C66-46FA-BA5F-313A98B142F8}"/>
-              </a:ext>
-            </a:extLst>
-          </p:cNvPr>
-          <p:cNvPicPr>
-            <a:picLocks noChangeAspect="1"/>
-          </p:cNvPicPr>
-          <p:nvPr/>
-        </p:nvPicPr>
-        <p:blipFill>
-          <a:blip r:embed="rId9"/>
-          <a:stretch>
-            <a:fillRect/>
-          </a:stretch>
-        </p:blipFill>
-        <p:spPr>
-          <a:xfrm>
-            <a:off x="1896080" y="19528123"/>
-            <a:ext cx="4173153" cy="3093743"/>
-          </a:xfrm>
-          <a:prstGeom prst="rect">
-            <a:avLst/>
-          </a:prstGeom>
-        </p:spPr>
-      </p:pic>
-      <p:sp>
-        <p:nvSpPr>
-          <p:cNvPr id="46" name="TextBox 45">
-            <a:extLst>
-              <a:ext uri="{FF2B5EF4-FFF2-40B4-BE49-F238E27FC236}">
-                <a16:creationId xmlns:a16="http://schemas.microsoft.com/office/drawing/2014/main" id="{000DB218-0B9F-409A-BD43-789A973F4A79}"/>
+                <a16:creationId xmlns:a16="http://schemas.microsoft.com/office/drawing/2014/main" id="{2C65A75C-B0CE-4DA3-9198-91D6293173A0}"/>
               </a:ext>
             </a:extLst>
           </p:cNvPr>
@@ -4917,8 +5925,8 @@
         </p:nvSpPr>
         <p:spPr>
           <a:xfrm>
-            <a:off x="336973" y="16715803"/>
-            <a:ext cx="897706" cy="580800"/>
+            <a:off x="5889571" y="17314013"/>
+            <a:ext cx="8283629" cy="738664"/>
           </a:xfrm>
           <a:prstGeom prst="rect">
             <a:avLst/>
@@ -4932,51 +5940,30 @@
           <a:lstStyle/>
           <a:p>
             <a:r>
-              <a:rPr lang="en-US" sz="3174" b="1" dirty="0">
+              <a:rPr lang="en-US" sz="1400" i="1" dirty="0">
+                <a:solidFill>
+                  <a:srgbClr val="232629"/>
+                </a:solidFill>
+                <a:effectLst/>
                 <a:latin typeface="Times New Roman" panose="02020603050405020304" pitchFamily="18" charset="0"/>
+                <a:ea typeface="Calibri" panose="020F0502020204030204" pitchFamily="34" charset="0"/>
                 <a:cs typeface="Times New Roman" panose="02020603050405020304" pitchFamily="18" charset="0"/>
               </a:rPr>
-              <a:t>C</a:t>
-            </a:r>
-          </a:p>
-        </p:txBody>
-      </p:sp>
-      <p:pic>
-        <p:nvPicPr>
-          <p:cNvPr id="13" name="Picture 12">
+              <a:t>*Adapted from Jeon,  S.et al. Identification  of  antiviral  drug  candidates  against  SARS-CoV-2  from FDA-approved  drugs. Antimicrobial Agents and Chemotherapy 64 (2020). URL https://doi.org/10.1128/aac.00819-20. Adapted with permission.</a:t>
+            </a:r>
+            <a:endParaRPr lang="en-US" sz="1400" dirty="0">
+              <a:latin typeface="Times New Roman" panose="02020603050405020304" pitchFamily="18" charset="0"/>
+              <a:cs typeface="Times New Roman" panose="02020603050405020304" pitchFamily="18" charset="0"/>
+            </a:endParaRPr>
+          </a:p>
+        </p:txBody>
+      </p:sp>
+      <p:sp>
+        <p:nvSpPr>
+          <p:cNvPr id="43" name="TextBox 42">
             <a:extLst>
               <a:ext uri="{FF2B5EF4-FFF2-40B4-BE49-F238E27FC236}">
-                <a16:creationId xmlns:a16="http://schemas.microsoft.com/office/drawing/2014/main" id="{BF80C24D-407B-402F-86A3-05F16F6A39B1}"/>
-              </a:ext>
-            </a:extLst>
-          </p:cNvPr>
-          <p:cNvPicPr>
-            <a:picLocks noChangeAspect="1"/>
-          </p:cNvPicPr>
-          <p:nvPr/>
-        </p:nvPicPr>
-        <p:blipFill>
-          <a:blip r:embed="rId10"/>
-          <a:stretch>
-            <a:fillRect/>
-          </a:stretch>
-        </p:blipFill>
-        <p:spPr>
-          <a:xfrm>
-            <a:off x="1920885" y="16965898"/>
-            <a:ext cx="4972050" cy="2562225"/>
-          </a:xfrm>
-          <a:prstGeom prst="rect">
-            <a:avLst/>
-          </a:prstGeom>
-        </p:spPr>
-      </p:pic>
-      <p:sp>
-        <p:nvSpPr>
-          <p:cNvPr id="49" name="TextBox 48">
-            <a:extLst>
-              <a:ext uri="{FF2B5EF4-FFF2-40B4-BE49-F238E27FC236}">
-                <a16:creationId xmlns:a16="http://schemas.microsoft.com/office/drawing/2014/main" id="{76B17723-2C58-4D51-9B49-2C32369D1860}"/>
+                <a16:creationId xmlns:a16="http://schemas.microsoft.com/office/drawing/2014/main" id="{6FEFA3DC-5D6F-4EE1-9993-F0CD2EDAE4D6}"/>
               </a:ext>
             </a:extLst>
           </p:cNvPr>
@@ -4985,99 +5972,36 @@
         </p:nvSpPr>
         <p:spPr>
           <a:xfrm>
-            <a:off x="2656335" y="19499004"/>
-            <a:ext cx="2700542" cy="400110"/>
+            <a:off x="7056141" y="16603587"/>
+            <a:ext cx="274434" cy="307777"/>
           </a:xfrm>
           <a:prstGeom prst="rect">
             <a:avLst/>
           </a:prstGeom>
-          <a:solidFill>
-            <a:schemeClr val="bg1"/>
-          </a:solidFill>
+          <a:noFill/>
         </p:spPr>
         <p:txBody>
-          <a:bodyPr wrap="square" rtlCol="0">
+          <a:bodyPr wrap="none" rtlCol="0">
             <a:spAutoFit/>
           </a:bodyPr>
           <a:lstStyle/>
           <a:p>
-            <a:pPr algn="ctr"/>
-            <a:r>
-              <a:rPr lang="en-US" sz="2000" b="1" dirty="0">
+            <a:r>
+              <a:rPr lang="en-US" sz="1400" dirty="0">
                 <a:latin typeface="Times New Roman" panose="02020603050405020304" pitchFamily="18" charset="0"/>
                 <a:cs typeface="Times New Roman" panose="02020603050405020304" pitchFamily="18" charset="0"/>
               </a:rPr>
-              <a:t>Anidulafungin</a:t>
-            </a:r>
-          </a:p>
-        </p:txBody>
-      </p:sp>
-      <p:pic>
-        <p:nvPicPr>
-          <p:cNvPr id="17" name="Picture 16">
+              <a:t>*</a:t>
+            </a:r>
+          </a:p>
+        </p:txBody>
+      </p:sp>
+      <p:sp>
+        <p:nvSpPr>
+          <p:cNvPr id="243" name="TextBox 242">
             <a:extLst>
               <a:ext uri="{FF2B5EF4-FFF2-40B4-BE49-F238E27FC236}">
-                <a16:creationId xmlns:a16="http://schemas.microsoft.com/office/drawing/2014/main" id="{3F4096E0-3731-4642-AF22-1567F3308AD2}"/>
-              </a:ext>
-            </a:extLst>
-          </p:cNvPr>
-          <p:cNvPicPr>
-            <a:picLocks noChangeAspect="1"/>
-          </p:cNvPicPr>
-          <p:nvPr/>
-        </p:nvPicPr>
-        <p:blipFill>
-          <a:blip r:embed="rId11"/>
-          <a:stretch>
-            <a:fillRect/>
-          </a:stretch>
-        </p:blipFill>
-        <p:spPr>
-          <a:xfrm>
-            <a:off x="9366045" y="16808685"/>
-            <a:ext cx="2390775" cy="2676525"/>
-          </a:xfrm>
-          <a:prstGeom prst="rect">
-            <a:avLst/>
-          </a:prstGeom>
-        </p:spPr>
-      </p:pic>
-      <p:pic>
-        <p:nvPicPr>
-          <p:cNvPr id="19" name="Picture 18">
-            <a:extLst>
-              <a:ext uri="{FF2B5EF4-FFF2-40B4-BE49-F238E27FC236}">
-                <a16:creationId xmlns:a16="http://schemas.microsoft.com/office/drawing/2014/main" id="{5F62360E-5D1F-4977-9ABD-DB772BFBAFE8}"/>
-              </a:ext>
-            </a:extLst>
-          </p:cNvPr>
-          <p:cNvPicPr>
-            <a:picLocks noChangeAspect="1"/>
-          </p:cNvPicPr>
-          <p:nvPr/>
-        </p:nvPicPr>
-        <p:blipFill>
-          <a:blip r:embed="rId12"/>
-          <a:stretch>
-            <a:fillRect/>
-          </a:stretch>
-        </p:blipFill>
-        <p:spPr>
-          <a:xfrm>
-            <a:off x="8432596" y="19857649"/>
-            <a:ext cx="4442139" cy="3002351"/>
-          </a:xfrm>
-          <a:prstGeom prst="rect">
-            <a:avLst/>
-          </a:prstGeom>
-        </p:spPr>
-      </p:pic>
-      <p:sp>
-        <p:nvSpPr>
-          <p:cNvPr id="68" name="TextBox 67">
-            <a:extLst>
-              <a:ext uri="{FF2B5EF4-FFF2-40B4-BE49-F238E27FC236}">
-                <a16:creationId xmlns:a16="http://schemas.microsoft.com/office/drawing/2014/main" id="{B8B36C3A-51B7-4796-A434-CE056FBF3424}"/>
+                <a16:creationId xmlns:a16="http://schemas.microsoft.com/office/drawing/2014/main" id="{5C4A274A-1865-45DB-AE56-7EBD18D88751}"/>
               </a:ext>
             </a:extLst>
           </p:cNvPr>
@@ -5086,15 +6010,13 @@
         </p:nvSpPr>
         <p:spPr>
           <a:xfrm>
-            <a:off x="9342412" y="19528123"/>
-            <a:ext cx="2700542" cy="400110"/>
+            <a:off x="13428127" y="16434977"/>
+            <a:ext cx="363861" cy="307777"/>
           </a:xfrm>
           <a:prstGeom prst="rect">
             <a:avLst/>
           </a:prstGeom>
-          <a:solidFill>
-            <a:schemeClr val="bg1"/>
-          </a:solidFill>
+          <a:noFill/>
         </p:spPr>
         <p:txBody>
           <a:bodyPr wrap="square" rtlCol="0">
@@ -5102,23 +6024,12 @@
           </a:bodyPr>
           <a:lstStyle/>
           <a:p>
-            <a:pPr algn="ctr"/>
-            <a:r>
-              <a:rPr lang="en-US" sz="2000" b="1" dirty="0">
+            <a:r>
+              <a:rPr lang="en-US" sz="1400" dirty="0">
                 <a:latin typeface="Times New Roman" panose="02020603050405020304" pitchFamily="18" charset="0"/>
                 <a:cs typeface="Times New Roman" panose="02020603050405020304" pitchFamily="18" charset="0"/>
               </a:rPr>
-              <a:t>Cyclosporin</a:t>
-            </a:r>
-            <a:r>
-              <a:rPr lang="en-US" sz="2000" b="0" i="0" dirty="0">
-                <a:solidFill>
-                  <a:srgbClr val="5B616B"/>
-                </a:solidFill>
-                <a:effectLst/>
-                <a:latin typeface="-apple-system"/>
-              </a:rPr>
-              <a:t> </a:t>
+              <a:t>*</a:t>
             </a:r>
           </a:p>
         </p:txBody>

--- a/Images/fig4.pptx
+++ b/Images/fig4.pptx
@@ -2,7 +2,7 @@
 <file path=ppt/presentation.xml><?xml version="1.0" encoding="utf-8"?>
 <p:presentation xmlns:a="http://schemas.openxmlformats.org/drawingml/2006/main" xmlns:r="http://schemas.openxmlformats.org/officeDocument/2006/relationships" xmlns:p="http://schemas.openxmlformats.org/presentationml/2006/main" saveSubsetFonts="1">
   <p:sldMasterIdLst>
-    <p:sldMasterId id="2147483828" r:id="rId1"/>
+    <p:sldMasterId id="2147483864" r:id="rId1"/>
   </p:sldMasterIdLst>
   <p:notesMasterIdLst>
     <p:notesMasterId r:id="rId3"/>
@@ -10,7 +10,7 @@
   <p:sldIdLst>
     <p:sldId id="256" r:id="rId2"/>
   </p:sldIdLst>
-  <p:sldSz cx="14173200" cy="18288000"/>
+  <p:sldSz cx="15544800" cy="14630400"/>
   <p:notesSz cx="6858000" cy="9144000"/>
   <p:defaultTextStyle>
     <a:defPPr>
@@ -197,7 +197,7 @@
           <a:p>
             <a:fld id="{D34CEA9E-E5A5-49C8-A578-AF124664FEC0}" type="datetimeFigureOut">
               <a:rPr lang="en-US" smtClean="0"/>
-              <a:t>9/23/2021</a:t>
+              <a:t>11/11/2021</a:t>
             </a:fld>
             <a:endParaRPr lang="en-US"/>
           </a:p>
@@ -215,8 +215,8 @@
         </p:nvSpPr>
         <p:spPr>
           <a:xfrm>
-            <a:off x="2233613" y="1143000"/>
-            <a:ext cx="2390775" cy="3086100"/>
+            <a:off x="1790700" y="1143000"/>
+            <a:ext cx="3276600" cy="3086100"/>
           </a:xfrm>
           <a:prstGeom prst="rect">
             <a:avLst/>
@@ -493,8 +493,8 @@
         </p:nvSpPr>
         <p:spPr>
           <a:xfrm>
-            <a:off x="2233613" y="1143000"/>
-            <a:ext cx="2390775" cy="3086100"/>
+            <a:off x="1790700" y="1143000"/>
+            <a:ext cx="3276600" cy="3086100"/>
           </a:xfrm>
         </p:spPr>
       </p:sp>
@@ -582,15 +582,15 @@
         </p:nvSpPr>
         <p:spPr>
           <a:xfrm>
-            <a:off x="1062990" y="2992969"/>
-            <a:ext cx="12047220" cy="6366933"/>
+            <a:off x="1165860" y="2394374"/>
+            <a:ext cx="13213080" cy="5093547"/>
           </a:xfrm>
         </p:spPr>
         <p:txBody>
           <a:bodyPr anchor="b"/>
           <a:lstStyle>
             <a:lvl1pPr algn="ctr">
-              <a:defRPr sz="9300"/>
+              <a:defRPr sz="10200"/>
             </a:lvl1pPr>
           </a:lstStyle>
           <a:p>
@@ -614,8 +614,8 @@
         </p:nvSpPr>
         <p:spPr>
           <a:xfrm>
-            <a:off x="1771650" y="9605436"/>
-            <a:ext cx="10629900" cy="4415366"/>
+            <a:off x="1943100" y="7684348"/>
+            <a:ext cx="11658600" cy="3532292"/>
           </a:xfrm>
         </p:spPr>
         <p:txBody>
@@ -623,39 +623,39 @@
           <a:lstStyle>
             <a:lvl1pPr marL="0" indent="0" algn="ctr">
               <a:buNone/>
-              <a:defRPr sz="3720"/>
+              <a:defRPr sz="4080"/>
             </a:lvl1pPr>
-            <a:lvl2pPr marL="708660" indent="0" algn="ctr">
+            <a:lvl2pPr marL="777240" indent="0" algn="ctr">
               <a:buNone/>
-              <a:defRPr sz="3100"/>
+              <a:defRPr sz="3400"/>
             </a:lvl2pPr>
-            <a:lvl3pPr marL="1417320" indent="0" algn="ctr">
+            <a:lvl3pPr marL="1554480" indent="0" algn="ctr">
               <a:buNone/>
-              <a:defRPr sz="2790"/>
+              <a:defRPr sz="3060"/>
             </a:lvl3pPr>
-            <a:lvl4pPr marL="2125980" indent="0" algn="ctr">
+            <a:lvl4pPr marL="2331720" indent="0" algn="ctr">
               <a:buNone/>
-              <a:defRPr sz="2480"/>
+              <a:defRPr sz="2720"/>
             </a:lvl4pPr>
-            <a:lvl5pPr marL="2834640" indent="0" algn="ctr">
+            <a:lvl5pPr marL="3108960" indent="0" algn="ctr">
               <a:buNone/>
-              <a:defRPr sz="2480"/>
+              <a:defRPr sz="2720"/>
             </a:lvl5pPr>
-            <a:lvl6pPr marL="3543300" indent="0" algn="ctr">
+            <a:lvl6pPr marL="3886200" indent="0" algn="ctr">
               <a:buNone/>
-              <a:defRPr sz="2480"/>
+              <a:defRPr sz="2720"/>
             </a:lvl6pPr>
-            <a:lvl7pPr marL="4251960" indent="0" algn="ctr">
+            <a:lvl7pPr marL="4663440" indent="0" algn="ctr">
               <a:buNone/>
-              <a:defRPr sz="2480"/>
+              <a:defRPr sz="2720"/>
             </a:lvl7pPr>
-            <a:lvl8pPr marL="4960620" indent="0" algn="ctr">
+            <a:lvl8pPr marL="5440680" indent="0" algn="ctr">
               <a:buNone/>
-              <a:defRPr sz="2480"/>
+              <a:defRPr sz="2720"/>
             </a:lvl8pPr>
-            <a:lvl9pPr marL="5669280" indent="0" algn="ctr">
+            <a:lvl9pPr marL="6217920" indent="0" algn="ctr">
               <a:buNone/>
-              <a:defRPr sz="2480"/>
+              <a:defRPr sz="2720"/>
             </a:lvl9pPr>
           </a:lstStyle>
           <a:p>
@@ -684,7 +684,7 @@
           <a:p>
             <a:fld id="{BA05AF01-4F0E-4718-A4C1-DFCBB47EE5F2}" type="datetimeFigureOut">
               <a:rPr lang="en-US" smtClean="0"/>
-              <a:t>9/23/2021</a:t>
+              <a:t>11/11/2021</a:t>
             </a:fld>
             <a:endParaRPr lang="en-US"/>
           </a:p>
@@ -735,7 +735,7 @@
     </p:spTree>
     <p:extLst>
       <p:ext uri="{BB962C8B-B14F-4D97-AF65-F5344CB8AC3E}">
-        <p14:creationId xmlns:p14="http://schemas.microsoft.com/office/powerpoint/2010/main" val="1755616029"/>
+        <p14:creationId xmlns:p14="http://schemas.microsoft.com/office/powerpoint/2010/main" val="1377758511"/>
       </p:ext>
     </p:extLst>
   </p:cSld>
@@ -854,7 +854,7 @@
           <a:p>
             <a:fld id="{BA05AF01-4F0E-4718-A4C1-DFCBB47EE5F2}" type="datetimeFigureOut">
               <a:rPr lang="en-US" smtClean="0"/>
-              <a:t>9/23/2021</a:t>
+              <a:t>11/11/2021</a:t>
             </a:fld>
             <a:endParaRPr lang="en-US"/>
           </a:p>
@@ -905,7 +905,7 @@
     </p:spTree>
     <p:extLst>
       <p:ext uri="{BB962C8B-B14F-4D97-AF65-F5344CB8AC3E}">
-        <p14:creationId xmlns:p14="http://schemas.microsoft.com/office/powerpoint/2010/main" val="897258045"/>
+        <p14:creationId xmlns:p14="http://schemas.microsoft.com/office/powerpoint/2010/main" val="4230347941"/>
       </p:ext>
     </p:extLst>
   </p:cSld>
@@ -944,8 +944,8 @@
         </p:nvSpPr>
         <p:spPr>
           <a:xfrm>
-            <a:off x="10142697" y="973668"/>
-            <a:ext cx="3056096" cy="15498236"/>
+            <a:off x="11124248" y="778933"/>
+            <a:ext cx="3351848" cy="12398588"/>
           </a:xfrm>
         </p:spPr>
         <p:txBody>
@@ -972,8 +972,8 @@
         </p:nvSpPr>
         <p:spPr>
           <a:xfrm>
-            <a:off x="974408" y="973668"/>
-            <a:ext cx="8991124" cy="15498236"/>
+            <a:off x="1068706" y="778933"/>
+            <a:ext cx="9861233" cy="12398588"/>
           </a:xfrm>
         </p:spPr>
         <p:txBody>
@@ -1034,7 +1034,7 @@
           <a:p>
             <a:fld id="{BA05AF01-4F0E-4718-A4C1-DFCBB47EE5F2}" type="datetimeFigureOut">
               <a:rPr lang="en-US" smtClean="0"/>
-              <a:t>9/23/2021</a:t>
+              <a:t>11/11/2021</a:t>
             </a:fld>
             <a:endParaRPr lang="en-US"/>
           </a:p>
@@ -1085,7 +1085,7 @@
     </p:spTree>
     <p:extLst>
       <p:ext uri="{BB962C8B-B14F-4D97-AF65-F5344CB8AC3E}">
-        <p14:creationId xmlns:p14="http://schemas.microsoft.com/office/powerpoint/2010/main" val="3302405993"/>
+        <p14:creationId xmlns:p14="http://schemas.microsoft.com/office/powerpoint/2010/main" val="2033924133"/>
       </p:ext>
     </p:extLst>
   </p:cSld>
@@ -1204,7 +1204,7 @@
           <a:p>
             <a:fld id="{BA05AF01-4F0E-4718-A4C1-DFCBB47EE5F2}" type="datetimeFigureOut">
               <a:rPr lang="en-US" smtClean="0"/>
-              <a:t>9/23/2021</a:t>
+              <a:t>11/11/2021</a:t>
             </a:fld>
             <a:endParaRPr lang="en-US"/>
           </a:p>
@@ -1255,7 +1255,7 @@
     </p:spTree>
     <p:extLst>
       <p:ext uri="{BB962C8B-B14F-4D97-AF65-F5344CB8AC3E}">
-        <p14:creationId xmlns:p14="http://schemas.microsoft.com/office/powerpoint/2010/main" val="1483419019"/>
+        <p14:creationId xmlns:p14="http://schemas.microsoft.com/office/powerpoint/2010/main" val="4049990845"/>
       </p:ext>
     </p:extLst>
   </p:cSld>
@@ -1294,15 +1294,15 @@
         </p:nvSpPr>
         <p:spPr>
           <a:xfrm>
-            <a:off x="967028" y="4559306"/>
-            <a:ext cx="12224385" cy="7607299"/>
+            <a:off x="1060610" y="3647444"/>
+            <a:ext cx="13407390" cy="6085839"/>
           </a:xfrm>
         </p:spPr>
         <p:txBody>
           <a:bodyPr anchor="b"/>
           <a:lstStyle>
             <a:lvl1pPr>
-              <a:defRPr sz="9300"/>
+              <a:defRPr sz="10200"/>
             </a:lvl1pPr>
           </a:lstStyle>
           <a:p>
@@ -1326,8 +1326,8 @@
         </p:nvSpPr>
         <p:spPr>
           <a:xfrm>
-            <a:off x="967028" y="12238573"/>
-            <a:ext cx="12224385" cy="4000499"/>
+            <a:off x="1060610" y="9790858"/>
+            <a:ext cx="13407390" cy="3200399"/>
           </a:xfrm>
         </p:spPr>
         <p:txBody>
@@ -1335,15 +1335,15 @@
           <a:lstStyle>
             <a:lvl1pPr marL="0" indent="0">
               <a:buNone/>
-              <a:defRPr sz="3720">
+              <a:defRPr sz="4080">
                 <a:solidFill>
                   <a:schemeClr val="tx1"/>
                 </a:solidFill>
               </a:defRPr>
             </a:lvl1pPr>
-            <a:lvl2pPr marL="708660" indent="0">
+            <a:lvl2pPr marL="777240" indent="0">
               <a:buNone/>
-              <a:defRPr sz="3100">
+              <a:defRPr sz="3400">
                 <a:solidFill>
                   <a:schemeClr val="tx1">
                     <a:tint val="75000"/>
@@ -1351,9 +1351,9 @@
                 </a:solidFill>
               </a:defRPr>
             </a:lvl2pPr>
-            <a:lvl3pPr marL="1417320" indent="0">
+            <a:lvl3pPr marL="1554480" indent="0">
               <a:buNone/>
-              <a:defRPr sz="2790">
+              <a:defRPr sz="3060">
                 <a:solidFill>
                   <a:schemeClr val="tx1">
                     <a:tint val="75000"/>
@@ -1361,9 +1361,9 @@
                 </a:solidFill>
               </a:defRPr>
             </a:lvl3pPr>
-            <a:lvl4pPr marL="2125980" indent="0">
+            <a:lvl4pPr marL="2331720" indent="0">
               <a:buNone/>
-              <a:defRPr sz="2480">
+              <a:defRPr sz="2720">
                 <a:solidFill>
                   <a:schemeClr val="tx1">
                     <a:tint val="75000"/>
@@ -1371,9 +1371,9 @@
                 </a:solidFill>
               </a:defRPr>
             </a:lvl4pPr>
-            <a:lvl5pPr marL="2834640" indent="0">
+            <a:lvl5pPr marL="3108960" indent="0">
               <a:buNone/>
-              <a:defRPr sz="2480">
+              <a:defRPr sz="2720">
                 <a:solidFill>
                   <a:schemeClr val="tx1">
                     <a:tint val="75000"/>
@@ -1381,9 +1381,9 @@
                 </a:solidFill>
               </a:defRPr>
             </a:lvl5pPr>
-            <a:lvl6pPr marL="3543300" indent="0">
+            <a:lvl6pPr marL="3886200" indent="0">
               <a:buNone/>
-              <a:defRPr sz="2480">
+              <a:defRPr sz="2720">
                 <a:solidFill>
                   <a:schemeClr val="tx1">
                     <a:tint val="75000"/>
@@ -1391,9 +1391,9 @@
                 </a:solidFill>
               </a:defRPr>
             </a:lvl6pPr>
-            <a:lvl7pPr marL="4251960" indent="0">
+            <a:lvl7pPr marL="4663440" indent="0">
               <a:buNone/>
-              <a:defRPr sz="2480">
+              <a:defRPr sz="2720">
                 <a:solidFill>
                   <a:schemeClr val="tx1">
                     <a:tint val="75000"/>
@@ -1401,9 +1401,9 @@
                 </a:solidFill>
               </a:defRPr>
             </a:lvl7pPr>
-            <a:lvl8pPr marL="4960620" indent="0">
+            <a:lvl8pPr marL="5440680" indent="0">
               <a:buNone/>
-              <a:defRPr sz="2480">
+              <a:defRPr sz="2720">
                 <a:solidFill>
                   <a:schemeClr val="tx1">
                     <a:tint val="75000"/>
@@ -1411,9 +1411,9 @@
                 </a:solidFill>
               </a:defRPr>
             </a:lvl8pPr>
-            <a:lvl9pPr marL="5669280" indent="0">
+            <a:lvl9pPr marL="6217920" indent="0">
               <a:buNone/>
-              <a:defRPr sz="2480">
+              <a:defRPr sz="2720">
                 <a:solidFill>
                   <a:schemeClr val="tx1">
                     <a:tint val="75000"/>
@@ -1448,7 +1448,7 @@
           <a:p>
             <a:fld id="{BA05AF01-4F0E-4718-A4C1-DFCBB47EE5F2}" type="datetimeFigureOut">
               <a:rPr lang="en-US" smtClean="0"/>
-              <a:t>9/23/2021</a:t>
+              <a:t>11/11/2021</a:t>
             </a:fld>
             <a:endParaRPr lang="en-US"/>
           </a:p>
@@ -1499,7 +1499,7 @@
     </p:spTree>
     <p:extLst>
       <p:ext uri="{BB962C8B-B14F-4D97-AF65-F5344CB8AC3E}">
-        <p14:creationId xmlns:p14="http://schemas.microsoft.com/office/powerpoint/2010/main" val="1059499280"/>
+        <p14:creationId xmlns:p14="http://schemas.microsoft.com/office/powerpoint/2010/main" val="3266461463"/>
       </p:ext>
     </p:extLst>
   </p:cSld>
@@ -1561,8 +1561,8 @@
         </p:nvSpPr>
         <p:spPr>
           <a:xfrm>
-            <a:off x="974408" y="4868334"/>
-            <a:ext cx="6023610" cy="11603568"/>
+            <a:off x="1068705" y="3894667"/>
+            <a:ext cx="6606540" cy="9282854"/>
           </a:xfrm>
         </p:spPr>
         <p:txBody>
@@ -1618,8 +1618,8 @@
         </p:nvSpPr>
         <p:spPr>
           <a:xfrm>
-            <a:off x="7175183" y="4868334"/>
-            <a:ext cx="6023610" cy="11603568"/>
+            <a:off x="7869555" y="3894667"/>
+            <a:ext cx="6606540" cy="9282854"/>
           </a:xfrm>
         </p:spPr>
         <p:txBody>
@@ -1680,7 +1680,7 @@
           <a:p>
             <a:fld id="{BA05AF01-4F0E-4718-A4C1-DFCBB47EE5F2}" type="datetimeFigureOut">
               <a:rPr lang="en-US" smtClean="0"/>
-              <a:t>9/23/2021</a:t>
+              <a:t>11/11/2021</a:t>
             </a:fld>
             <a:endParaRPr lang="en-US"/>
           </a:p>
@@ -1731,7 +1731,7 @@
     </p:spTree>
     <p:extLst>
       <p:ext uri="{BB962C8B-B14F-4D97-AF65-F5344CB8AC3E}">
-        <p14:creationId xmlns:p14="http://schemas.microsoft.com/office/powerpoint/2010/main" val="1393164832"/>
+        <p14:creationId xmlns:p14="http://schemas.microsoft.com/office/powerpoint/2010/main" val="3492729452"/>
       </p:ext>
     </p:extLst>
   </p:cSld>
@@ -1770,8 +1770,8 @@
         </p:nvSpPr>
         <p:spPr>
           <a:xfrm>
-            <a:off x="976256" y="973671"/>
-            <a:ext cx="12224385" cy="3534836"/>
+            <a:off x="1070730" y="778936"/>
+            <a:ext cx="13407390" cy="2827868"/>
           </a:xfrm>
         </p:spPr>
         <p:txBody>
@@ -1798,8 +1798,8 @@
         </p:nvSpPr>
         <p:spPr>
           <a:xfrm>
-            <a:off x="976257" y="4483102"/>
-            <a:ext cx="5995927" cy="2197099"/>
+            <a:off x="1070731" y="3586481"/>
+            <a:ext cx="6576178" cy="1757679"/>
           </a:xfrm>
         </p:spPr>
         <p:txBody>
@@ -1807,39 +1807,39 @@
           <a:lstStyle>
             <a:lvl1pPr marL="0" indent="0">
               <a:buNone/>
-              <a:defRPr sz="3720" b="1"/>
+              <a:defRPr sz="4080" b="1"/>
             </a:lvl1pPr>
-            <a:lvl2pPr marL="708660" indent="0">
+            <a:lvl2pPr marL="777240" indent="0">
               <a:buNone/>
-              <a:defRPr sz="3100" b="1"/>
+              <a:defRPr sz="3400" b="1"/>
             </a:lvl2pPr>
-            <a:lvl3pPr marL="1417320" indent="0">
+            <a:lvl3pPr marL="1554480" indent="0">
               <a:buNone/>
-              <a:defRPr sz="2790" b="1"/>
+              <a:defRPr sz="3060" b="1"/>
             </a:lvl3pPr>
-            <a:lvl4pPr marL="2125980" indent="0">
+            <a:lvl4pPr marL="2331720" indent="0">
               <a:buNone/>
-              <a:defRPr sz="2480" b="1"/>
+              <a:defRPr sz="2720" b="1"/>
             </a:lvl4pPr>
-            <a:lvl5pPr marL="2834640" indent="0">
+            <a:lvl5pPr marL="3108960" indent="0">
               <a:buNone/>
-              <a:defRPr sz="2480" b="1"/>
+              <a:defRPr sz="2720" b="1"/>
             </a:lvl5pPr>
-            <a:lvl6pPr marL="3543300" indent="0">
+            <a:lvl6pPr marL="3886200" indent="0">
               <a:buNone/>
-              <a:defRPr sz="2480" b="1"/>
+              <a:defRPr sz="2720" b="1"/>
             </a:lvl6pPr>
-            <a:lvl7pPr marL="4251960" indent="0">
+            <a:lvl7pPr marL="4663440" indent="0">
               <a:buNone/>
-              <a:defRPr sz="2480" b="1"/>
+              <a:defRPr sz="2720" b="1"/>
             </a:lvl7pPr>
-            <a:lvl8pPr marL="4960620" indent="0">
+            <a:lvl8pPr marL="5440680" indent="0">
               <a:buNone/>
-              <a:defRPr sz="2480" b="1"/>
+              <a:defRPr sz="2720" b="1"/>
             </a:lvl8pPr>
-            <a:lvl9pPr marL="5669280" indent="0">
+            <a:lvl9pPr marL="6217920" indent="0">
               <a:buNone/>
-              <a:defRPr sz="2480" b="1"/>
+              <a:defRPr sz="2720" b="1"/>
             </a:lvl9pPr>
           </a:lstStyle>
           <a:p>
@@ -1863,8 +1863,8 @@
         </p:nvSpPr>
         <p:spPr>
           <a:xfrm>
-            <a:off x="976257" y="6680200"/>
-            <a:ext cx="5995927" cy="9825568"/>
+            <a:off x="1070731" y="5344160"/>
+            <a:ext cx="6576178" cy="7860454"/>
           </a:xfrm>
         </p:spPr>
         <p:txBody>
@@ -1920,8 +1920,8 @@
         </p:nvSpPr>
         <p:spPr>
           <a:xfrm>
-            <a:off x="7175183" y="4483102"/>
-            <a:ext cx="6025456" cy="2197099"/>
+            <a:off x="7869556" y="3586481"/>
+            <a:ext cx="6608565" cy="1757679"/>
           </a:xfrm>
         </p:spPr>
         <p:txBody>
@@ -1929,39 +1929,39 @@
           <a:lstStyle>
             <a:lvl1pPr marL="0" indent="0">
               <a:buNone/>
-              <a:defRPr sz="3720" b="1"/>
+              <a:defRPr sz="4080" b="1"/>
             </a:lvl1pPr>
-            <a:lvl2pPr marL="708660" indent="0">
+            <a:lvl2pPr marL="777240" indent="0">
               <a:buNone/>
-              <a:defRPr sz="3100" b="1"/>
+              <a:defRPr sz="3400" b="1"/>
             </a:lvl2pPr>
-            <a:lvl3pPr marL="1417320" indent="0">
+            <a:lvl3pPr marL="1554480" indent="0">
               <a:buNone/>
-              <a:defRPr sz="2790" b="1"/>
+              <a:defRPr sz="3060" b="1"/>
             </a:lvl3pPr>
-            <a:lvl4pPr marL="2125980" indent="0">
+            <a:lvl4pPr marL="2331720" indent="0">
               <a:buNone/>
-              <a:defRPr sz="2480" b="1"/>
+              <a:defRPr sz="2720" b="1"/>
             </a:lvl4pPr>
-            <a:lvl5pPr marL="2834640" indent="0">
+            <a:lvl5pPr marL="3108960" indent="0">
               <a:buNone/>
-              <a:defRPr sz="2480" b="1"/>
+              <a:defRPr sz="2720" b="1"/>
             </a:lvl5pPr>
-            <a:lvl6pPr marL="3543300" indent="0">
+            <a:lvl6pPr marL="3886200" indent="0">
               <a:buNone/>
-              <a:defRPr sz="2480" b="1"/>
+              <a:defRPr sz="2720" b="1"/>
             </a:lvl6pPr>
-            <a:lvl7pPr marL="4251960" indent="0">
+            <a:lvl7pPr marL="4663440" indent="0">
               <a:buNone/>
-              <a:defRPr sz="2480" b="1"/>
+              <a:defRPr sz="2720" b="1"/>
             </a:lvl7pPr>
-            <a:lvl8pPr marL="4960620" indent="0">
+            <a:lvl8pPr marL="5440680" indent="0">
               <a:buNone/>
-              <a:defRPr sz="2480" b="1"/>
+              <a:defRPr sz="2720" b="1"/>
             </a:lvl8pPr>
-            <a:lvl9pPr marL="5669280" indent="0">
+            <a:lvl9pPr marL="6217920" indent="0">
               <a:buNone/>
-              <a:defRPr sz="2480" b="1"/>
+              <a:defRPr sz="2720" b="1"/>
             </a:lvl9pPr>
           </a:lstStyle>
           <a:p>
@@ -1985,8 +1985,8 @@
         </p:nvSpPr>
         <p:spPr>
           <a:xfrm>
-            <a:off x="7175183" y="6680200"/>
-            <a:ext cx="6025456" cy="9825568"/>
+            <a:off x="7869556" y="5344160"/>
+            <a:ext cx="6608565" cy="7860454"/>
           </a:xfrm>
         </p:spPr>
         <p:txBody>
@@ -2047,7 +2047,7 @@
           <a:p>
             <a:fld id="{BA05AF01-4F0E-4718-A4C1-DFCBB47EE5F2}" type="datetimeFigureOut">
               <a:rPr lang="en-US" smtClean="0"/>
-              <a:t>9/23/2021</a:t>
+              <a:t>11/11/2021</a:t>
             </a:fld>
             <a:endParaRPr lang="en-US"/>
           </a:p>
@@ -2098,7 +2098,7 @@
     </p:spTree>
     <p:extLst>
       <p:ext uri="{BB962C8B-B14F-4D97-AF65-F5344CB8AC3E}">
-        <p14:creationId xmlns:p14="http://schemas.microsoft.com/office/powerpoint/2010/main" val="1065036271"/>
+        <p14:creationId xmlns:p14="http://schemas.microsoft.com/office/powerpoint/2010/main" val="628987350"/>
       </p:ext>
     </p:extLst>
   </p:cSld>
@@ -2165,7 +2165,7 @@
           <a:p>
             <a:fld id="{BA05AF01-4F0E-4718-A4C1-DFCBB47EE5F2}" type="datetimeFigureOut">
               <a:rPr lang="en-US" smtClean="0"/>
-              <a:t>9/23/2021</a:t>
+              <a:t>11/11/2021</a:t>
             </a:fld>
             <a:endParaRPr lang="en-US"/>
           </a:p>
@@ -2216,7 +2216,7 @@
     </p:spTree>
     <p:extLst>
       <p:ext uri="{BB962C8B-B14F-4D97-AF65-F5344CB8AC3E}">
-        <p14:creationId xmlns:p14="http://schemas.microsoft.com/office/powerpoint/2010/main" val="1356053286"/>
+        <p14:creationId xmlns:p14="http://schemas.microsoft.com/office/powerpoint/2010/main" val="2536178423"/>
       </p:ext>
     </p:extLst>
   </p:cSld>
@@ -2260,7 +2260,7 @@
           <a:p>
             <a:fld id="{BA05AF01-4F0E-4718-A4C1-DFCBB47EE5F2}" type="datetimeFigureOut">
               <a:rPr lang="en-US" smtClean="0"/>
-              <a:t>9/23/2021</a:t>
+              <a:t>11/11/2021</a:t>
             </a:fld>
             <a:endParaRPr lang="en-US"/>
           </a:p>
@@ -2311,7 +2311,7 @@
     </p:spTree>
     <p:extLst>
       <p:ext uri="{BB962C8B-B14F-4D97-AF65-F5344CB8AC3E}">
-        <p14:creationId xmlns:p14="http://schemas.microsoft.com/office/powerpoint/2010/main" val="1617196786"/>
+        <p14:creationId xmlns:p14="http://schemas.microsoft.com/office/powerpoint/2010/main" val="2409474883"/>
       </p:ext>
     </p:extLst>
   </p:cSld>
@@ -2350,15 +2350,15 @@
         </p:nvSpPr>
         <p:spPr>
           <a:xfrm>
-            <a:off x="976254" y="1219200"/>
-            <a:ext cx="4571226" cy="4267200"/>
+            <a:off x="1070730" y="975360"/>
+            <a:ext cx="5013603" cy="3413760"/>
           </a:xfrm>
         </p:spPr>
         <p:txBody>
           <a:bodyPr anchor="b"/>
           <a:lstStyle>
             <a:lvl1pPr>
-              <a:defRPr sz="4960"/>
+              <a:defRPr sz="5440"/>
             </a:lvl1pPr>
           </a:lstStyle>
           <a:p>
@@ -2382,39 +2382,39 @@
         </p:nvSpPr>
         <p:spPr>
           <a:xfrm>
-            <a:off x="6025458" y="2633139"/>
-            <a:ext cx="7175183" cy="12996333"/>
+            <a:off x="6608565" y="2106510"/>
+            <a:ext cx="7869555" cy="10397067"/>
           </a:xfrm>
         </p:spPr>
         <p:txBody>
           <a:bodyPr/>
           <a:lstStyle>
             <a:lvl1pPr>
-              <a:defRPr sz="4960"/>
+              <a:defRPr sz="5440"/>
             </a:lvl1pPr>
             <a:lvl2pPr>
-              <a:defRPr sz="4340"/>
+              <a:defRPr sz="4760"/>
             </a:lvl2pPr>
             <a:lvl3pPr>
-              <a:defRPr sz="3720"/>
+              <a:defRPr sz="4080"/>
             </a:lvl3pPr>
             <a:lvl4pPr>
-              <a:defRPr sz="3100"/>
+              <a:defRPr sz="3400"/>
             </a:lvl4pPr>
             <a:lvl5pPr>
-              <a:defRPr sz="3100"/>
+              <a:defRPr sz="3400"/>
             </a:lvl5pPr>
             <a:lvl6pPr>
-              <a:defRPr sz="3100"/>
+              <a:defRPr sz="3400"/>
             </a:lvl6pPr>
             <a:lvl7pPr>
-              <a:defRPr sz="3100"/>
+              <a:defRPr sz="3400"/>
             </a:lvl7pPr>
             <a:lvl8pPr>
-              <a:defRPr sz="3100"/>
+              <a:defRPr sz="3400"/>
             </a:lvl8pPr>
             <a:lvl9pPr>
-              <a:defRPr sz="3100"/>
+              <a:defRPr sz="3400"/>
             </a:lvl9pPr>
           </a:lstStyle>
           <a:p>
@@ -2467,8 +2467,8 @@
         </p:nvSpPr>
         <p:spPr>
           <a:xfrm>
-            <a:off x="976254" y="5486400"/>
-            <a:ext cx="4571226" cy="10164236"/>
+            <a:off x="1070730" y="4389120"/>
+            <a:ext cx="5013603" cy="8131388"/>
           </a:xfrm>
         </p:spPr>
         <p:txBody>
@@ -2476,39 +2476,39 @@
           <a:lstStyle>
             <a:lvl1pPr marL="0" indent="0">
               <a:buNone/>
-              <a:defRPr sz="2480"/>
+              <a:defRPr sz="2720"/>
             </a:lvl1pPr>
-            <a:lvl2pPr marL="708660" indent="0">
+            <a:lvl2pPr marL="777240" indent="0">
               <a:buNone/>
-              <a:defRPr sz="2170"/>
+              <a:defRPr sz="2380"/>
             </a:lvl2pPr>
-            <a:lvl3pPr marL="1417320" indent="0">
+            <a:lvl3pPr marL="1554480" indent="0">
               <a:buNone/>
-              <a:defRPr sz="1860"/>
+              <a:defRPr sz="2040"/>
             </a:lvl3pPr>
-            <a:lvl4pPr marL="2125980" indent="0">
+            <a:lvl4pPr marL="2331720" indent="0">
               <a:buNone/>
-              <a:defRPr sz="1550"/>
+              <a:defRPr sz="1700"/>
             </a:lvl4pPr>
-            <a:lvl5pPr marL="2834640" indent="0">
+            <a:lvl5pPr marL="3108960" indent="0">
               <a:buNone/>
-              <a:defRPr sz="1550"/>
+              <a:defRPr sz="1700"/>
             </a:lvl5pPr>
-            <a:lvl6pPr marL="3543300" indent="0">
+            <a:lvl6pPr marL="3886200" indent="0">
               <a:buNone/>
-              <a:defRPr sz="1550"/>
+              <a:defRPr sz="1700"/>
             </a:lvl6pPr>
-            <a:lvl7pPr marL="4251960" indent="0">
+            <a:lvl7pPr marL="4663440" indent="0">
               <a:buNone/>
-              <a:defRPr sz="1550"/>
+              <a:defRPr sz="1700"/>
             </a:lvl7pPr>
-            <a:lvl8pPr marL="4960620" indent="0">
+            <a:lvl8pPr marL="5440680" indent="0">
               <a:buNone/>
-              <a:defRPr sz="1550"/>
+              <a:defRPr sz="1700"/>
             </a:lvl8pPr>
-            <a:lvl9pPr marL="5669280" indent="0">
+            <a:lvl9pPr marL="6217920" indent="0">
               <a:buNone/>
-              <a:defRPr sz="1550"/>
+              <a:defRPr sz="1700"/>
             </a:lvl9pPr>
           </a:lstStyle>
           <a:p>
@@ -2537,7 +2537,7 @@
           <a:p>
             <a:fld id="{BA05AF01-4F0E-4718-A4C1-DFCBB47EE5F2}" type="datetimeFigureOut">
               <a:rPr lang="en-US" smtClean="0"/>
-              <a:t>9/23/2021</a:t>
+              <a:t>11/11/2021</a:t>
             </a:fld>
             <a:endParaRPr lang="en-US"/>
           </a:p>
@@ -2588,7 +2588,7 @@
     </p:spTree>
     <p:extLst>
       <p:ext uri="{BB962C8B-B14F-4D97-AF65-F5344CB8AC3E}">
-        <p14:creationId xmlns:p14="http://schemas.microsoft.com/office/powerpoint/2010/main" val="2272067107"/>
+        <p14:creationId xmlns:p14="http://schemas.microsoft.com/office/powerpoint/2010/main" val="714856086"/>
       </p:ext>
     </p:extLst>
   </p:cSld>
@@ -2627,15 +2627,15 @@
         </p:nvSpPr>
         <p:spPr>
           <a:xfrm>
-            <a:off x="976254" y="1219200"/>
-            <a:ext cx="4571226" cy="4267200"/>
+            <a:off x="1070730" y="975360"/>
+            <a:ext cx="5013603" cy="3413760"/>
           </a:xfrm>
         </p:spPr>
         <p:txBody>
           <a:bodyPr anchor="b"/>
           <a:lstStyle>
             <a:lvl1pPr>
-              <a:defRPr sz="4960"/>
+              <a:defRPr sz="5440"/>
             </a:lvl1pPr>
           </a:lstStyle>
           <a:p>
@@ -2659,8 +2659,8 @@
         </p:nvSpPr>
         <p:spPr>
           <a:xfrm>
-            <a:off x="6025458" y="2633139"/>
-            <a:ext cx="7175183" cy="12996333"/>
+            <a:off x="6608565" y="2106510"/>
+            <a:ext cx="7869555" cy="10397067"/>
           </a:xfrm>
         </p:spPr>
         <p:txBody>
@@ -2668,39 +2668,39 @@
           <a:lstStyle>
             <a:lvl1pPr marL="0" indent="0">
               <a:buNone/>
-              <a:defRPr sz="4960"/>
+              <a:defRPr sz="5440"/>
             </a:lvl1pPr>
-            <a:lvl2pPr marL="708660" indent="0">
+            <a:lvl2pPr marL="777240" indent="0">
               <a:buNone/>
-              <a:defRPr sz="4340"/>
+              <a:defRPr sz="4760"/>
             </a:lvl2pPr>
-            <a:lvl3pPr marL="1417320" indent="0">
+            <a:lvl3pPr marL="1554480" indent="0">
               <a:buNone/>
-              <a:defRPr sz="3720"/>
+              <a:defRPr sz="4080"/>
             </a:lvl3pPr>
-            <a:lvl4pPr marL="2125980" indent="0">
+            <a:lvl4pPr marL="2331720" indent="0">
               <a:buNone/>
-              <a:defRPr sz="3100"/>
+              <a:defRPr sz="3400"/>
             </a:lvl4pPr>
-            <a:lvl5pPr marL="2834640" indent="0">
+            <a:lvl5pPr marL="3108960" indent="0">
               <a:buNone/>
-              <a:defRPr sz="3100"/>
+              <a:defRPr sz="3400"/>
             </a:lvl5pPr>
-            <a:lvl6pPr marL="3543300" indent="0">
+            <a:lvl6pPr marL="3886200" indent="0">
               <a:buNone/>
-              <a:defRPr sz="3100"/>
+              <a:defRPr sz="3400"/>
             </a:lvl6pPr>
-            <a:lvl7pPr marL="4251960" indent="0">
+            <a:lvl7pPr marL="4663440" indent="0">
               <a:buNone/>
-              <a:defRPr sz="3100"/>
+              <a:defRPr sz="3400"/>
             </a:lvl7pPr>
-            <a:lvl8pPr marL="4960620" indent="0">
+            <a:lvl8pPr marL="5440680" indent="0">
               <a:buNone/>
-              <a:defRPr sz="3100"/>
+              <a:defRPr sz="3400"/>
             </a:lvl8pPr>
-            <a:lvl9pPr marL="5669280" indent="0">
+            <a:lvl9pPr marL="6217920" indent="0">
               <a:buNone/>
-              <a:defRPr sz="3100"/>
+              <a:defRPr sz="3400"/>
             </a:lvl9pPr>
           </a:lstStyle>
           <a:p>
@@ -2724,8 +2724,8 @@
         </p:nvSpPr>
         <p:spPr>
           <a:xfrm>
-            <a:off x="976254" y="5486400"/>
-            <a:ext cx="4571226" cy="10164236"/>
+            <a:off x="1070730" y="4389120"/>
+            <a:ext cx="5013603" cy="8131388"/>
           </a:xfrm>
         </p:spPr>
         <p:txBody>
@@ -2733,39 +2733,39 @@
           <a:lstStyle>
             <a:lvl1pPr marL="0" indent="0">
               <a:buNone/>
-              <a:defRPr sz="2480"/>
+              <a:defRPr sz="2720"/>
             </a:lvl1pPr>
-            <a:lvl2pPr marL="708660" indent="0">
+            <a:lvl2pPr marL="777240" indent="0">
               <a:buNone/>
-              <a:defRPr sz="2170"/>
+              <a:defRPr sz="2380"/>
             </a:lvl2pPr>
-            <a:lvl3pPr marL="1417320" indent="0">
+            <a:lvl3pPr marL="1554480" indent="0">
               <a:buNone/>
-              <a:defRPr sz="1860"/>
+              <a:defRPr sz="2040"/>
             </a:lvl3pPr>
-            <a:lvl4pPr marL="2125980" indent="0">
+            <a:lvl4pPr marL="2331720" indent="0">
               <a:buNone/>
-              <a:defRPr sz="1550"/>
+              <a:defRPr sz="1700"/>
             </a:lvl4pPr>
-            <a:lvl5pPr marL="2834640" indent="0">
+            <a:lvl5pPr marL="3108960" indent="0">
               <a:buNone/>
-              <a:defRPr sz="1550"/>
+              <a:defRPr sz="1700"/>
             </a:lvl5pPr>
-            <a:lvl6pPr marL="3543300" indent="0">
+            <a:lvl6pPr marL="3886200" indent="0">
               <a:buNone/>
-              <a:defRPr sz="1550"/>
+              <a:defRPr sz="1700"/>
             </a:lvl6pPr>
-            <a:lvl7pPr marL="4251960" indent="0">
+            <a:lvl7pPr marL="4663440" indent="0">
               <a:buNone/>
-              <a:defRPr sz="1550"/>
+              <a:defRPr sz="1700"/>
             </a:lvl7pPr>
-            <a:lvl8pPr marL="4960620" indent="0">
+            <a:lvl8pPr marL="5440680" indent="0">
               <a:buNone/>
-              <a:defRPr sz="1550"/>
+              <a:defRPr sz="1700"/>
             </a:lvl8pPr>
-            <a:lvl9pPr marL="5669280" indent="0">
+            <a:lvl9pPr marL="6217920" indent="0">
               <a:buNone/>
-              <a:defRPr sz="1550"/>
+              <a:defRPr sz="1700"/>
             </a:lvl9pPr>
           </a:lstStyle>
           <a:p>
@@ -2794,7 +2794,7 @@
           <a:p>
             <a:fld id="{BA05AF01-4F0E-4718-A4C1-DFCBB47EE5F2}" type="datetimeFigureOut">
               <a:rPr lang="en-US" smtClean="0"/>
-              <a:t>9/23/2021</a:t>
+              <a:t>11/11/2021</a:t>
             </a:fld>
             <a:endParaRPr lang="en-US"/>
           </a:p>
@@ -2845,7 +2845,7 @@
     </p:spTree>
     <p:extLst>
       <p:ext uri="{BB962C8B-B14F-4D97-AF65-F5344CB8AC3E}">
-        <p14:creationId xmlns:p14="http://schemas.microsoft.com/office/powerpoint/2010/main" val="3728299360"/>
+        <p14:creationId xmlns:p14="http://schemas.microsoft.com/office/powerpoint/2010/main" val="2714463412"/>
       </p:ext>
     </p:extLst>
   </p:cSld>
@@ -2889,8 +2889,8 @@
         </p:nvSpPr>
         <p:spPr>
           <a:xfrm>
-            <a:off x="974408" y="973671"/>
-            <a:ext cx="12224385" cy="3534836"/>
+            <a:off x="1068705" y="778936"/>
+            <a:ext cx="13407390" cy="2827868"/>
           </a:xfrm>
           <a:prstGeom prst="rect">
             <a:avLst/>
@@ -2922,8 +2922,8 @@
         </p:nvSpPr>
         <p:spPr>
           <a:xfrm>
-            <a:off x="974408" y="4868334"/>
-            <a:ext cx="12224385" cy="11603568"/>
+            <a:off x="1068705" y="3894667"/>
+            <a:ext cx="13407390" cy="9282854"/>
           </a:xfrm>
           <a:prstGeom prst="rect">
             <a:avLst/>
@@ -2984,8 +2984,8 @@
         </p:nvSpPr>
         <p:spPr>
           <a:xfrm>
-            <a:off x="974408" y="16950272"/>
-            <a:ext cx="3188970" cy="973667"/>
+            <a:off x="1068705" y="13560217"/>
+            <a:ext cx="3497580" cy="778933"/>
           </a:xfrm>
           <a:prstGeom prst="rect">
             <a:avLst/>
@@ -2995,7 +2995,7 @@
           <a:bodyPr vert="horz" lIns="91440" tIns="45720" rIns="91440" bIns="45720" rtlCol="0" anchor="ctr"/>
           <a:lstStyle>
             <a:lvl1pPr algn="l">
-              <a:defRPr sz="1860">
+              <a:defRPr sz="2040">
                 <a:solidFill>
                   <a:schemeClr val="tx1">
                     <a:tint val="75000"/>
@@ -3007,7 +3007,7 @@
           <a:p>
             <a:fld id="{BA05AF01-4F0E-4718-A4C1-DFCBB47EE5F2}" type="datetimeFigureOut">
               <a:rPr lang="en-US" smtClean="0"/>
-              <a:t>9/23/2021</a:t>
+              <a:t>11/11/2021</a:t>
             </a:fld>
             <a:endParaRPr lang="en-US"/>
           </a:p>
@@ -3025,8 +3025,8 @@
         </p:nvSpPr>
         <p:spPr>
           <a:xfrm>
-            <a:off x="4694873" y="16950272"/>
-            <a:ext cx="4783455" cy="973667"/>
+            <a:off x="5149215" y="13560217"/>
+            <a:ext cx="5246370" cy="778933"/>
           </a:xfrm>
           <a:prstGeom prst="rect">
             <a:avLst/>
@@ -3036,7 +3036,7 @@
           <a:bodyPr vert="horz" lIns="91440" tIns="45720" rIns="91440" bIns="45720" rtlCol="0" anchor="ctr"/>
           <a:lstStyle>
             <a:lvl1pPr algn="ctr">
-              <a:defRPr sz="1860">
+              <a:defRPr sz="2040">
                 <a:solidFill>
                   <a:schemeClr val="tx1">
                     <a:tint val="75000"/>
@@ -3062,8 +3062,8 @@
         </p:nvSpPr>
         <p:spPr>
           <a:xfrm>
-            <a:off x="10009823" y="16950272"/>
-            <a:ext cx="3188970" cy="973667"/>
+            <a:off x="10978515" y="13560217"/>
+            <a:ext cx="3497580" cy="778933"/>
           </a:xfrm>
           <a:prstGeom prst="rect">
             <a:avLst/>
@@ -3073,7 +3073,7 @@
           <a:bodyPr vert="horz" lIns="91440" tIns="45720" rIns="91440" bIns="45720" rtlCol="0" anchor="ctr"/>
           <a:lstStyle>
             <a:lvl1pPr algn="r">
-              <a:defRPr sz="1860">
+              <a:defRPr sz="2040">
                 <a:solidFill>
                   <a:schemeClr val="tx1">
                     <a:tint val="75000"/>
@@ -3094,27 +3094,27 @@
     </p:spTree>
     <p:extLst>
       <p:ext uri="{BB962C8B-B14F-4D97-AF65-F5344CB8AC3E}">
-        <p14:creationId xmlns:p14="http://schemas.microsoft.com/office/powerpoint/2010/main" val="3228132630"/>
+        <p14:creationId xmlns:p14="http://schemas.microsoft.com/office/powerpoint/2010/main" val="29156781"/>
       </p:ext>
     </p:extLst>
   </p:cSld>
   <p:clrMap bg1="lt1" tx1="dk1" bg2="lt2" tx2="dk2" accent1="accent1" accent2="accent2" accent3="accent3" accent4="accent4" accent5="accent5" accent6="accent6" hlink="hlink" folHlink="folHlink"/>
   <p:sldLayoutIdLst>
-    <p:sldLayoutId id="2147483829" r:id="rId1"/>
-    <p:sldLayoutId id="2147483830" r:id="rId2"/>
-    <p:sldLayoutId id="2147483831" r:id="rId3"/>
-    <p:sldLayoutId id="2147483832" r:id="rId4"/>
-    <p:sldLayoutId id="2147483833" r:id="rId5"/>
-    <p:sldLayoutId id="2147483834" r:id="rId6"/>
-    <p:sldLayoutId id="2147483835" r:id="rId7"/>
-    <p:sldLayoutId id="2147483836" r:id="rId8"/>
-    <p:sldLayoutId id="2147483837" r:id="rId9"/>
-    <p:sldLayoutId id="2147483838" r:id="rId10"/>
-    <p:sldLayoutId id="2147483839" r:id="rId11"/>
+    <p:sldLayoutId id="2147483865" r:id="rId1"/>
+    <p:sldLayoutId id="2147483866" r:id="rId2"/>
+    <p:sldLayoutId id="2147483867" r:id="rId3"/>
+    <p:sldLayoutId id="2147483868" r:id="rId4"/>
+    <p:sldLayoutId id="2147483869" r:id="rId5"/>
+    <p:sldLayoutId id="2147483870" r:id="rId6"/>
+    <p:sldLayoutId id="2147483871" r:id="rId7"/>
+    <p:sldLayoutId id="2147483872" r:id="rId8"/>
+    <p:sldLayoutId id="2147483873" r:id="rId9"/>
+    <p:sldLayoutId id="2147483874" r:id="rId10"/>
+    <p:sldLayoutId id="2147483875" r:id="rId11"/>
   </p:sldLayoutIdLst>
   <p:txStyles>
     <p:titleStyle>
-      <a:lvl1pPr algn="l" defTabSz="1417320" rtl="0" eaLnBrk="1" latinLnBrk="0" hangingPunct="1">
+      <a:lvl1pPr algn="l" defTabSz="1554480" rtl="0" eaLnBrk="1" latinLnBrk="0" hangingPunct="1">
         <a:lnSpc>
           <a:spcPct val="90000"/>
         </a:lnSpc>
@@ -3122,7 +3122,7 @@
           <a:spcPct val="0"/>
         </a:spcBef>
         <a:buNone/>
-        <a:defRPr sz="6820" kern="1200">
+        <a:defRPr sz="7480" kern="1200">
           <a:solidFill>
             <a:schemeClr val="tx1"/>
           </a:solidFill>
@@ -3133,16 +3133,16 @@
       </a:lvl1pPr>
     </p:titleStyle>
     <p:bodyStyle>
-      <a:lvl1pPr marL="354330" indent="-354330" algn="l" defTabSz="1417320" rtl="0" eaLnBrk="1" latinLnBrk="0" hangingPunct="1">
+      <a:lvl1pPr marL="388620" indent="-388620" algn="l" defTabSz="1554480" rtl="0" eaLnBrk="1" latinLnBrk="0" hangingPunct="1">
         <a:lnSpc>
           <a:spcPct val="90000"/>
         </a:lnSpc>
         <a:spcBef>
-          <a:spcPts val="1550"/>
+          <a:spcPts val="1700"/>
         </a:spcBef>
         <a:buFont typeface="Arial" panose="020B0604020202020204" pitchFamily="34" charset="0"/>
         <a:buChar char="•"/>
-        <a:defRPr sz="4340" kern="1200">
+        <a:defRPr sz="4760" kern="1200">
           <a:solidFill>
             <a:schemeClr val="tx1"/>
           </a:solidFill>
@@ -3151,16 +3151,16 @@
           <a:cs typeface="+mn-cs"/>
         </a:defRPr>
       </a:lvl1pPr>
-      <a:lvl2pPr marL="1062990" indent="-354330" algn="l" defTabSz="1417320" rtl="0" eaLnBrk="1" latinLnBrk="0" hangingPunct="1">
+      <a:lvl2pPr marL="1165860" indent="-388620" algn="l" defTabSz="1554480" rtl="0" eaLnBrk="1" latinLnBrk="0" hangingPunct="1">
         <a:lnSpc>
           <a:spcPct val="90000"/>
         </a:lnSpc>
         <a:spcBef>
-          <a:spcPts val="775"/>
+          <a:spcPts val="850"/>
         </a:spcBef>
         <a:buFont typeface="Arial" panose="020B0604020202020204" pitchFamily="34" charset="0"/>
         <a:buChar char="•"/>
-        <a:defRPr sz="3720" kern="1200">
+        <a:defRPr sz="4080" kern="1200">
           <a:solidFill>
             <a:schemeClr val="tx1"/>
           </a:solidFill>
@@ -3169,16 +3169,16 @@
           <a:cs typeface="+mn-cs"/>
         </a:defRPr>
       </a:lvl2pPr>
-      <a:lvl3pPr marL="1771650" indent="-354330" algn="l" defTabSz="1417320" rtl="0" eaLnBrk="1" latinLnBrk="0" hangingPunct="1">
+      <a:lvl3pPr marL="1943100" indent="-388620" algn="l" defTabSz="1554480" rtl="0" eaLnBrk="1" latinLnBrk="0" hangingPunct="1">
         <a:lnSpc>
           <a:spcPct val="90000"/>
         </a:lnSpc>
         <a:spcBef>
-          <a:spcPts val="775"/>
+          <a:spcPts val="850"/>
         </a:spcBef>
         <a:buFont typeface="Arial" panose="020B0604020202020204" pitchFamily="34" charset="0"/>
         <a:buChar char="•"/>
-        <a:defRPr sz="3100" kern="1200">
+        <a:defRPr sz="3400" kern="1200">
           <a:solidFill>
             <a:schemeClr val="tx1"/>
           </a:solidFill>
@@ -3187,16 +3187,16 @@
           <a:cs typeface="+mn-cs"/>
         </a:defRPr>
       </a:lvl3pPr>
-      <a:lvl4pPr marL="2480310" indent="-354330" algn="l" defTabSz="1417320" rtl="0" eaLnBrk="1" latinLnBrk="0" hangingPunct="1">
+      <a:lvl4pPr marL="2720340" indent="-388620" algn="l" defTabSz="1554480" rtl="0" eaLnBrk="1" latinLnBrk="0" hangingPunct="1">
         <a:lnSpc>
           <a:spcPct val="90000"/>
         </a:lnSpc>
         <a:spcBef>
-          <a:spcPts val="775"/>
+          <a:spcPts val="850"/>
         </a:spcBef>
         <a:buFont typeface="Arial" panose="020B0604020202020204" pitchFamily="34" charset="0"/>
         <a:buChar char="•"/>
-        <a:defRPr sz="2790" kern="1200">
+        <a:defRPr sz="3060" kern="1200">
           <a:solidFill>
             <a:schemeClr val="tx1"/>
           </a:solidFill>
@@ -3205,16 +3205,16 @@
           <a:cs typeface="+mn-cs"/>
         </a:defRPr>
       </a:lvl4pPr>
-      <a:lvl5pPr marL="3188970" indent="-354330" algn="l" defTabSz="1417320" rtl="0" eaLnBrk="1" latinLnBrk="0" hangingPunct="1">
+      <a:lvl5pPr marL="3497580" indent="-388620" algn="l" defTabSz="1554480" rtl="0" eaLnBrk="1" latinLnBrk="0" hangingPunct="1">
         <a:lnSpc>
           <a:spcPct val="90000"/>
         </a:lnSpc>
         <a:spcBef>
-          <a:spcPts val="775"/>
+          <a:spcPts val="850"/>
         </a:spcBef>
         <a:buFont typeface="Arial" panose="020B0604020202020204" pitchFamily="34" charset="0"/>
         <a:buChar char="•"/>
-        <a:defRPr sz="2790" kern="1200">
+        <a:defRPr sz="3060" kern="1200">
           <a:solidFill>
             <a:schemeClr val="tx1"/>
           </a:solidFill>
@@ -3223,16 +3223,16 @@
           <a:cs typeface="+mn-cs"/>
         </a:defRPr>
       </a:lvl5pPr>
-      <a:lvl6pPr marL="3897630" indent="-354330" algn="l" defTabSz="1417320" rtl="0" eaLnBrk="1" latinLnBrk="0" hangingPunct="1">
+      <a:lvl6pPr marL="4274820" indent="-388620" algn="l" defTabSz="1554480" rtl="0" eaLnBrk="1" latinLnBrk="0" hangingPunct="1">
         <a:lnSpc>
           <a:spcPct val="90000"/>
         </a:lnSpc>
         <a:spcBef>
-          <a:spcPts val="775"/>
+          <a:spcPts val="850"/>
         </a:spcBef>
         <a:buFont typeface="Arial" panose="020B0604020202020204" pitchFamily="34" charset="0"/>
         <a:buChar char="•"/>
-        <a:defRPr sz="2790" kern="1200">
+        <a:defRPr sz="3060" kern="1200">
           <a:solidFill>
             <a:schemeClr val="tx1"/>
           </a:solidFill>
@@ -3241,16 +3241,16 @@
           <a:cs typeface="+mn-cs"/>
         </a:defRPr>
       </a:lvl6pPr>
-      <a:lvl7pPr marL="4606290" indent="-354330" algn="l" defTabSz="1417320" rtl="0" eaLnBrk="1" latinLnBrk="0" hangingPunct="1">
+      <a:lvl7pPr marL="5052060" indent="-388620" algn="l" defTabSz="1554480" rtl="0" eaLnBrk="1" latinLnBrk="0" hangingPunct="1">
         <a:lnSpc>
           <a:spcPct val="90000"/>
         </a:lnSpc>
         <a:spcBef>
-          <a:spcPts val="775"/>
+          <a:spcPts val="850"/>
         </a:spcBef>
         <a:buFont typeface="Arial" panose="020B0604020202020204" pitchFamily="34" charset="0"/>
         <a:buChar char="•"/>
-        <a:defRPr sz="2790" kern="1200">
+        <a:defRPr sz="3060" kern="1200">
           <a:solidFill>
             <a:schemeClr val="tx1"/>
           </a:solidFill>
@@ -3259,16 +3259,16 @@
           <a:cs typeface="+mn-cs"/>
         </a:defRPr>
       </a:lvl7pPr>
-      <a:lvl8pPr marL="5314950" indent="-354330" algn="l" defTabSz="1417320" rtl="0" eaLnBrk="1" latinLnBrk="0" hangingPunct="1">
+      <a:lvl8pPr marL="5829300" indent="-388620" algn="l" defTabSz="1554480" rtl="0" eaLnBrk="1" latinLnBrk="0" hangingPunct="1">
         <a:lnSpc>
           <a:spcPct val="90000"/>
         </a:lnSpc>
         <a:spcBef>
-          <a:spcPts val="775"/>
+          <a:spcPts val="850"/>
         </a:spcBef>
         <a:buFont typeface="Arial" panose="020B0604020202020204" pitchFamily="34" charset="0"/>
         <a:buChar char="•"/>
-        <a:defRPr sz="2790" kern="1200">
+        <a:defRPr sz="3060" kern="1200">
           <a:solidFill>
             <a:schemeClr val="tx1"/>
           </a:solidFill>
@@ -3277,16 +3277,16 @@
           <a:cs typeface="+mn-cs"/>
         </a:defRPr>
       </a:lvl8pPr>
-      <a:lvl9pPr marL="6023610" indent="-354330" algn="l" defTabSz="1417320" rtl="0" eaLnBrk="1" latinLnBrk="0" hangingPunct="1">
+      <a:lvl9pPr marL="6606540" indent="-388620" algn="l" defTabSz="1554480" rtl="0" eaLnBrk="1" latinLnBrk="0" hangingPunct="1">
         <a:lnSpc>
           <a:spcPct val="90000"/>
         </a:lnSpc>
         <a:spcBef>
-          <a:spcPts val="775"/>
+          <a:spcPts val="850"/>
         </a:spcBef>
         <a:buFont typeface="Arial" panose="020B0604020202020204" pitchFamily="34" charset="0"/>
         <a:buChar char="•"/>
-        <a:defRPr sz="2790" kern="1200">
+        <a:defRPr sz="3060" kern="1200">
           <a:solidFill>
             <a:schemeClr val="tx1"/>
           </a:solidFill>
@@ -3300,8 +3300,8 @@
       <a:defPPr>
         <a:defRPr lang="en-US"/>
       </a:defPPr>
-      <a:lvl1pPr marL="0" algn="l" defTabSz="1417320" rtl="0" eaLnBrk="1" latinLnBrk="0" hangingPunct="1">
-        <a:defRPr sz="2790" kern="1200">
+      <a:lvl1pPr marL="0" algn="l" defTabSz="1554480" rtl="0" eaLnBrk="1" latinLnBrk="0" hangingPunct="1">
+        <a:defRPr sz="3060" kern="1200">
           <a:solidFill>
             <a:schemeClr val="tx1"/>
           </a:solidFill>
@@ -3310,8 +3310,8 @@
           <a:cs typeface="+mn-cs"/>
         </a:defRPr>
       </a:lvl1pPr>
-      <a:lvl2pPr marL="708660" algn="l" defTabSz="1417320" rtl="0" eaLnBrk="1" latinLnBrk="0" hangingPunct="1">
-        <a:defRPr sz="2790" kern="1200">
+      <a:lvl2pPr marL="777240" algn="l" defTabSz="1554480" rtl="0" eaLnBrk="1" latinLnBrk="0" hangingPunct="1">
+        <a:defRPr sz="3060" kern="1200">
           <a:solidFill>
             <a:schemeClr val="tx1"/>
           </a:solidFill>
@@ -3320,8 +3320,8 @@
           <a:cs typeface="+mn-cs"/>
         </a:defRPr>
       </a:lvl2pPr>
-      <a:lvl3pPr marL="1417320" algn="l" defTabSz="1417320" rtl="0" eaLnBrk="1" latinLnBrk="0" hangingPunct="1">
-        <a:defRPr sz="2790" kern="1200">
+      <a:lvl3pPr marL="1554480" algn="l" defTabSz="1554480" rtl="0" eaLnBrk="1" latinLnBrk="0" hangingPunct="1">
+        <a:defRPr sz="3060" kern="1200">
           <a:solidFill>
             <a:schemeClr val="tx1"/>
           </a:solidFill>
@@ -3330,8 +3330,8 @@
           <a:cs typeface="+mn-cs"/>
         </a:defRPr>
       </a:lvl3pPr>
-      <a:lvl4pPr marL="2125980" algn="l" defTabSz="1417320" rtl="0" eaLnBrk="1" latinLnBrk="0" hangingPunct="1">
-        <a:defRPr sz="2790" kern="1200">
+      <a:lvl4pPr marL="2331720" algn="l" defTabSz="1554480" rtl="0" eaLnBrk="1" latinLnBrk="0" hangingPunct="1">
+        <a:defRPr sz="3060" kern="1200">
           <a:solidFill>
             <a:schemeClr val="tx1"/>
           </a:solidFill>
@@ -3340,8 +3340,8 @@
           <a:cs typeface="+mn-cs"/>
         </a:defRPr>
       </a:lvl4pPr>
-      <a:lvl5pPr marL="2834640" algn="l" defTabSz="1417320" rtl="0" eaLnBrk="1" latinLnBrk="0" hangingPunct="1">
-        <a:defRPr sz="2790" kern="1200">
+      <a:lvl5pPr marL="3108960" algn="l" defTabSz="1554480" rtl="0" eaLnBrk="1" latinLnBrk="0" hangingPunct="1">
+        <a:defRPr sz="3060" kern="1200">
           <a:solidFill>
             <a:schemeClr val="tx1"/>
           </a:solidFill>
@@ -3350,8 +3350,8 @@
           <a:cs typeface="+mn-cs"/>
         </a:defRPr>
       </a:lvl5pPr>
-      <a:lvl6pPr marL="3543300" algn="l" defTabSz="1417320" rtl="0" eaLnBrk="1" latinLnBrk="0" hangingPunct="1">
-        <a:defRPr sz="2790" kern="1200">
+      <a:lvl6pPr marL="3886200" algn="l" defTabSz="1554480" rtl="0" eaLnBrk="1" latinLnBrk="0" hangingPunct="1">
+        <a:defRPr sz="3060" kern="1200">
           <a:solidFill>
             <a:schemeClr val="tx1"/>
           </a:solidFill>
@@ -3360,8 +3360,8 @@
           <a:cs typeface="+mn-cs"/>
         </a:defRPr>
       </a:lvl6pPr>
-      <a:lvl7pPr marL="4251960" algn="l" defTabSz="1417320" rtl="0" eaLnBrk="1" latinLnBrk="0" hangingPunct="1">
-        <a:defRPr sz="2790" kern="1200">
+      <a:lvl7pPr marL="4663440" algn="l" defTabSz="1554480" rtl="0" eaLnBrk="1" latinLnBrk="0" hangingPunct="1">
+        <a:defRPr sz="3060" kern="1200">
           <a:solidFill>
             <a:schemeClr val="tx1"/>
           </a:solidFill>
@@ -3370,8 +3370,8 @@
           <a:cs typeface="+mn-cs"/>
         </a:defRPr>
       </a:lvl7pPr>
-      <a:lvl8pPr marL="4960620" algn="l" defTabSz="1417320" rtl="0" eaLnBrk="1" latinLnBrk="0" hangingPunct="1">
-        <a:defRPr sz="2790" kern="1200">
+      <a:lvl8pPr marL="5440680" algn="l" defTabSz="1554480" rtl="0" eaLnBrk="1" latinLnBrk="0" hangingPunct="1">
+        <a:defRPr sz="3060" kern="1200">
           <a:solidFill>
             <a:schemeClr val="tx1"/>
           </a:solidFill>
@@ -3380,8 +3380,8 @@
           <a:cs typeface="+mn-cs"/>
         </a:defRPr>
       </a:lvl8pPr>
-      <a:lvl9pPr marL="5669280" algn="l" defTabSz="1417320" rtl="0" eaLnBrk="1" latinLnBrk="0" hangingPunct="1">
-        <a:defRPr sz="2790" kern="1200">
+      <a:lvl9pPr marL="6217920" algn="l" defTabSz="1554480" rtl="0" eaLnBrk="1" latinLnBrk="0" hangingPunct="1">
+        <a:defRPr sz="3060" kern="1200">
           <a:solidFill>
             <a:schemeClr val="tx1"/>
           </a:solidFill>
@@ -3412,12 +3412,50 @@
           <a:chExt cx="0" cy="0"/>
         </a:xfrm>
       </p:grpSpPr>
+      <p:sp>
+        <p:nvSpPr>
+          <p:cNvPr id="25" name="TextBox 24">
+            <a:extLst>
+              <a:ext uri="{FF2B5EF4-FFF2-40B4-BE49-F238E27FC236}">
+                <a16:creationId xmlns:a16="http://schemas.microsoft.com/office/drawing/2014/main" id="{8DFA5ECB-6CA6-4F27-807D-6A189A005588}"/>
+              </a:ext>
+            </a:extLst>
+          </p:cNvPr>
+          <p:cNvSpPr txBox="1"/>
+          <p:nvPr/>
+        </p:nvSpPr>
+        <p:spPr>
+          <a:xfrm>
+            <a:off x="87327" y="7617892"/>
+            <a:ext cx="669467" cy="580800"/>
+          </a:xfrm>
+          <a:prstGeom prst="rect">
+            <a:avLst/>
+          </a:prstGeom>
+          <a:noFill/>
+        </p:spPr>
+        <p:txBody>
+          <a:bodyPr wrap="square" rtlCol="0">
+            <a:spAutoFit/>
+          </a:bodyPr>
+          <a:lstStyle/>
+          <a:p>
+            <a:r>
+              <a:rPr lang="en-US" sz="3174" b="1" dirty="0">
+                <a:latin typeface="Times New Roman" panose="02020603050405020304" pitchFamily="18" charset="0"/>
+                <a:cs typeface="Times New Roman" panose="02020603050405020304" pitchFamily="18" charset="0"/>
+              </a:rPr>
+              <a:t>B</a:t>
+            </a:r>
+          </a:p>
+        </p:txBody>
+      </p:sp>
       <p:grpSp>
         <p:nvGrpSpPr>
-          <p:cNvPr id="39" name="Group 38">
+          <p:cNvPr id="27" name="Group 26">
             <a:extLst>
               <a:ext uri="{FF2B5EF4-FFF2-40B4-BE49-F238E27FC236}">
-                <a16:creationId xmlns:a16="http://schemas.microsoft.com/office/drawing/2014/main" id="{DB620288-A49C-46E4-9BFC-2DF695B32D10}"/>
+                <a16:creationId xmlns:a16="http://schemas.microsoft.com/office/drawing/2014/main" id="{42664940-4F02-4927-8355-6149A7F16B83}"/>
               </a:ext>
             </a:extLst>
           </p:cNvPr>
@@ -3426,1504 +3464,65 @@
         </p:nvGrpSpPr>
         <p:grpSpPr>
           <a:xfrm>
-            <a:off x="0" y="0"/>
-            <a:ext cx="15046437" cy="17365818"/>
-            <a:chOff x="19086" y="-55217"/>
-            <a:chExt cx="15046437" cy="17365818"/>
+            <a:off x="895157" y="68975"/>
+            <a:ext cx="14111322" cy="7293335"/>
+            <a:chOff x="57646" y="755987"/>
+            <a:chExt cx="14111322" cy="7293334"/>
           </a:xfrm>
         </p:grpSpPr>
-        <p:grpSp>
-          <p:nvGrpSpPr>
-            <p:cNvPr id="27" name="Group 26">
+        <p:pic>
+          <p:nvPicPr>
+            <p:cNvPr id="1026" name="Picture 2">
               <a:extLst>
                 <a:ext uri="{FF2B5EF4-FFF2-40B4-BE49-F238E27FC236}">
-                  <a16:creationId xmlns:a16="http://schemas.microsoft.com/office/drawing/2014/main" id="{42664940-4F02-4927-8355-6149A7F16B83}"/>
+                  <a16:creationId xmlns:a16="http://schemas.microsoft.com/office/drawing/2014/main" id="{0833E798-11FC-446B-AF6C-D8427DA87A88}"/>
                 </a:ext>
               </a:extLst>
             </p:cNvPr>
-            <p:cNvGrpSpPr/>
+            <p:cNvPicPr>
+              <a:picLocks noChangeAspect="1" noChangeArrowheads="1"/>
+            </p:cNvPicPr>
             <p:nvPr/>
-          </p:nvGrpSpPr>
-          <p:grpSpPr>
-            <a:xfrm>
-              <a:off x="249176" y="-6471"/>
-              <a:ext cx="14816347" cy="7293334"/>
-              <a:chOff x="57646" y="755987"/>
-              <a:chExt cx="14816347" cy="7293334"/>
-            </a:xfrm>
-          </p:grpSpPr>
-          <p:pic>
-            <p:nvPicPr>
-              <p:cNvPr id="1026" name="Picture 2">
-                <a:extLst>
-                  <a:ext uri="{FF2B5EF4-FFF2-40B4-BE49-F238E27FC236}">
-                    <a16:creationId xmlns:a16="http://schemas.microsoft.com/office/drawing/2014/main" id="{0833E798-11FC-446B-AF6C-D8427DA87A88}"/>
-                  </a:ext>
-                </a:extLst>
-              </p:cNvPr>
-              <p:cNvPicPr>
-                <a:picLocks noChangeAspect="1" noChangeArrowheads="1"/>
-              </p:cNvPicPr>
-              <p:nvPr/>
-            </p:nvPicPr>
-            <p:blipFill>
-              <a:blip r:embed="rId3">
-                <a:extLst>
-                  <a:ext uri="{28A0092B-C50C-407E-A947-70E740481C1C}">
-                    <a14:useLocalDpi xmlns:a14="http://schemas.microsoft.com/office/drawing/2010/main" val="0"/>
-                  </a:ext>
-                </a:extLst>
-              </a:blip>
-              <a:srcRect/>
-              <a:stretch>
-                <a:fillRect/>
-              </a:stretch>
-            </p:blipFill>
-            <p:spPr bwMode="auto">
-              <a:xfrm>
-                <a:off x="257701" y="755987"/>
-                <a:ext cx="13482092" cy="7113576"/>
-              </a:xfrm>
-              <a:prstGeom prst="rect">
-                <a:avLst/>
-              </a:prstGeom>
-              <a:noFill/>
+          </p:nvPicPr>
+          <p:blipFill>
+            <a:blip r:embed="rId3">
               <a:extLst>
-                <a:ext uri="{909E8E84-426E-40DD-AFC4-6F175D3DCCD1}">
-                  <a14:hiddenFill xmlns:a14="http://schemas.microsoft.com/office/drawing/2010/main">
-                    <a:solidFill>
-                      <a:srgbClr val="FFFFFF"/>
-                    </a:solidFill>
-                  </a14:hiddenFill>
+                <a:ext uri="{28A0092B-C50C-407E-A947-70E740481C1C}">
+                  <a14:useLocalDpi xmlns:a14="http://schemas.microsoft.com/office/drawing/2010/main" val="0"/>
                 </a:ext>
               </a:extLst>
-            </p:spPr>
-          </p:pic>
-          <p:sp>
-            <p:nvSpPr>
-              <p:cNvPr id="2" name="TextBox 1">
-                <a:extLst>
-                  <a:ext uri="{FF2B5EF4-FFF2-40B4-BE49-F238E27FC236}">
-                    <a16:creationId xmlns:a16="http://schemas.microsoft.com/office/drawing/2014/main" id="{36F88E82-9832-4E0A-A00B-D98A53730BDB}"/>
-                  </a:ext>
-                </a:extLst>
-              </p:cNvPr>
-              <p:cNvSpPr txBox="1"/>
-              <p:nvPr/>
-            </p:nvSpPr>
-            <p:spPr>
-              <a:xfrm>
-                <a:off x="5678955" y="7649211"/>
-                <a:ext cx="4101181" cy="400110"/>
-              </a:xfrm>
-              <a:prstGeom prst="rect">
-                <a:avLst/>
-              </a:prstGeom>
-              <a:solidFill>
-                <a:schemeClr val="bg1"/>
-              </a:solidFill>
-            </p:spPr>
-            <p:txBody>
-              <a:bodyPr wrap="square" rtlCol="0">
-                <a:spAutoFit/>
-              </a:bodyPr>
-              <a:lstStyle/>
-              <a:p>
-                <a:r>
-                  <a:rPr lang="en-US" sz="2000" dirty="0">
-                    <a:latin typeface="Times New Roman" panose="02020603050405020304" pitchFamily="18" charset="0"/>
-                    <a:cs typeface="Times New Roman" panose="02020603050405020304" pitchFamily="18" charset="0"/>
-                  </a:rPr>
-                  <a:t>Binding Affinity in kcal/mole</a:t>
-                </a:r>
-              </a:p>
-            </p:txBody>
-          </p:sp>
-          <p:sp>
-            <p:nvSpPr>
-              <p:cNvPr id="14" name="TextBox 13">
-                <a:extLst>
-                  <a:ext uri="{FF2B5EF4-FFF2-40B4-BE49-F238E27FC236}">
-                    <a16:creationId xmlns:a16="http://schemas.microsoft.com/office/drawing/2014/main" id="{4455DCB5-551E-43CB-9730-C26043F8703E}"/>
-                  </a:ext>
-                </a:extLst>
-              </p:cNvPr>
-              <p:cNvSpPr txBox="1"/>
-              <p:nvPr/>
-            </p:nvSpPr>
-            <p:spPr>
-              <a:xfrm rot="16200000">
-                <a:off x="-127392" y="3967402"/>
-                <a:ext cx="770186" cy="400110"/>
-              </a:xfrm>
-              <a:prstGeom prst="rect">
-                <a:avLst/>
-              </a:prstGeom>
-              <a:solidFill>
-                <a:schemeClr val="bg1"/>
-              </a:solidFill>
-            </p:spPr>
-            <p:txBody>
-              <a:bodyPr wrap="square" rtlCol="0">
-                <a:spAutoFit/>
-              </a:bodyPr>
-              <a:lstStyle/>
-              <a:p>
-                <a:r>
-                  <a:rPr lang="en-US" sz="2000" dirty="0">
-                    <a:latin typeface="Times New Roman" panose="02020603050405020304" pitchFamily="18" charset="0"/>
-                    <a:cs typeface="Times New Roman" panose="02020603050405020304" pitchFamily="18" charset="0"/>
-                  </a:rPr>
-                  <a:t>PDF</a:t>
-                </a:r>
-              </a:p>
-            </p:txBody>
-          </p:sp>
-          <p:sp>
-            <p:nvSpPr>
-              <p:cNvPr id="44" name="TextBox 43">
-                <a:extLst>
-                  <a:ext uri="{FF2B5EF4-FFF2-40B4-BE49-F238E27FC236}">
-                    <a16:creationId xmlns:a16="http://schemas.microsoft.com/office/drawing/2014/main" id="{1FDC6409-1EB0-4F5F-BCB8-D7E0F60907C4}"/>
-                  </a:ext>
-                </a:extLst>
-              </p:cNvPr>
-              <p:cNvSpPr txBox="1"/>
-              <p:nvPr/>
-            </p:nvSpPr>
-            <p:spPr>
-              <a:xfrm>
-                <a:off x="8156452" y="944808"/>
-                <a:ext cx="2647787" cy="707886"/>
-              </a:xfrm>
-              <a:prstGeom prst="rect">
-                <a:avLst/>
-              </a:prstGeom>
-              <a:noFill/>
-            </p:spPr>
-            <p:txBody>
-              <a:bodyPr wrap="square" rtlCol="0">
-                <a:spAutoFit/>
-              </a:bodyPr>
-              <a:lstStyle/>
-              <a:p>
-                <a:r>
-                  <a:rPr lang="en-US" sz="2000" dirty="0">
-                    <a:latin typeface="Times New Roman" panose="02020603050405020304" pitchFamily="18" charset="0"/>
-                    <a:cs typeface="Times New Roman" panose="02020603050405020304" pitchFamily="18" charset="0"/>
-                  </a:rPr>
-                  <a:t>Threshold of</a:t>
-                </a:r>
-              </a:p>
-              <a:p>
-                <a:r>
-                  <a:rPr lang="en-US" sz="2000" dirty="0">
-                    <a:latin typeface="Times New Roman" panose="02020603050405020304" pitchFamily="18" charset="0"/>
-                    <a:cs typeface="Times New Roman" panose="02020603050405020304" pitchFamily="18" charset="0"/>
-                  </a:rPr>
-                  <a:t>-1.75 kcal/mole</a:t>
-                </a:r>
-              </a:p>
-            </p:txBody>
-          </p:sp>
-          <p:sp>
-            <p:nvSpPr>
-              <p:cNvPr id="56" name="Rectangle 55">
-                <a:extLst>
-                  <a:ext uri="{FF2B5EF4-FFF2-40B4-BE49-F238E27FC236}">
-                    <a16:creationId xmlns:a16="http://schemas.microsoft.com/office/drawing/2014/main" id="{CB7B0D58-E4CE-4FA6-9B50-1D8364928CD7}"/>
-                  </a:ext>
-                </a:extLst>
-              </p:cNvPr>
-              <p:cNvSpPr/>
-              <p:nvPr/>
-            </p:nvSpPr>
-            <p:spPr>
-              <a:xfrm>
-                <a:off x="11590746" y="906629"/>
-                <a:ext cx="2005085" cy="955793"/>
-              </a:xfrm>
-              <a:prstGeom prst="rect">
-                <a:avLst/>
-              </a:prstGeom>
-              <a:solidFill>
-                <a:schemeClr val="bg1"/>
-              </a:solidFill>
-            </p:spPr>
-            <p:style>
-              <a:lnRef idx="2">
-                <a:schemeClr val="accent1">
-                  <a:shade val="50000"/>
-                </a:schemeClr>
-              </a:lnRef>
-              <a:fillRef idx="1">
-                <a:schemeClr val="accent1"/>
-              </a:fillRef>
-              <a:effectRef idx="0">
-                <a:schemeClr val="accent1"/>
-              </a:effectRef>
-              <a:fontRef idx="minor">
-                <a:schemeClr val="lt1"/>
-              </a:fontRef>
-            </p:style>
-            <p:txBody>
-              <a:bodyPr rtlCol="0" anchor="ctr"/>
-              <a:lstStyle/>
-              <a:p>
-                <a:pPr algn="ctr"/>
-                <a:endParaRPr lang="en-US"/>
-              </a:p>
-            </p:txBody>
-          </p:sp>
-          <p:sp>
-            <p:nvSpPr>
-              <p:cNvPr id="69" name="TextBox 68">
-                <a:extLst>
-                  <a:ext uri="{FF2B5EF4-FFF2-40B4-BE49-F238E27FC236}">
-                    <a16:creationId xmlns:a16="http://schemas.microsoft.com/office/drawing/2014/main" id="{2BB5331D-8F39-4FDC-9D08-414335693E54}"/>
-                  </a:ext>
-                </a:extLst>
-              </p:cNvPr>
-              <p:cNvSpPr txBox="1"/>
-              <p:nvPr/>
-            </p:nvSpPr>
-            <p:spPr>
-              <a:xfrm>
-                <a:off x="12226206" y="944808"/>
-                <a:ext cx="2647787" cy="400110"/>
-              </a:xfrm>
-              <a:prstGeom prst="rect">
-                <a:avLst/>
-              </a:prstGeom>
-              <a:noFill/>
-            </p:spPr>
-            <p:txBody>
-              <a:bodyPr wrap="square" rtlCol="0">
-                <a:spAutoFit/>
-              </a:bodyPr>
-              <a:lstStyle/>
-              <a:p>
-                <a:r>
-                  <a:rPr lang="en-US" sz="2000" dirty="0">
-                    <a:solidFill>
-                      <a:srgbClr val="5B616B"/>
-                    </a:solidFill>
-                    <a:latin typeface="Times New Roman" panose="02020603050405020304" pitchFamily="18" charset="0"/>
-                    <a:cs typeface="Times New Roman" panose="02020603050405020304" pitchFamily="18" charset="0"/>
-                  </a:rPr>
-                  <a:t>Top 100</a:t>
-                </a:r>
-              </a:p>
-            </p:txBody>
-          </p:sp>
-          <p:sp>
-            <p:nvSpPr>
-              <p:cNvPr id="70" name="TextBox 69">
-                <a:extLst>
-                  <a:ext uri="{FF2B5EF4-FFF2-40B4-BE49-F238E27FC236}">
-                    <a16:creationId xmlns:a16="http://schemas.microsoft.com/office/drawing/2014/main" id="{74F3CF25-7269-4019-B3D2-24D6DBC39CE2}"/>
-                  </a:ext>
-                </a:extLst>
-              </p:cNvPr>
-              <p:cNvSpPr txBox="1"/>
-              <p:nvPr/>
-            </p:nvSpPr>
-            <p:spPr>
-              <a:xfrm>
-                <a:off x="12226206" y="1341129"/>
-                <a:ext cx="2647787" cy="400110"/>
-              </a:xfrm>
-              <a:prstGeom prst="rect">
-                <a:avLst/>
-              </a:prstGeom>
-              <a:noFill/>
-            </p:spPr>
-            <p:txBody>
-              <a:bodyPr wrap="square" rtlCol="0">
-                <a:spAutoFit/>
-              </a:bodyPr>
-              <a:lstStyle/>
-              <a:p>
-                <a:r>
-                  <a:rPr lang="en-US" sz="2000" dirty="0">
-                    <a:solidFill>
-                      <a:srgbClr val="5B616B"/>
-                    </a:solidFill>
-                    <a:latin typeface="Times New Roman" panose="02020603050405020304" pitchFamily="18" charset="0"/>
-                    <a:cs typeface="Times New Roman" panose="02020603050405020304" pitchFamily="18" charset="0"/>
-                  </a:rPr>
-                  <a:t>Bottom 100</a:t>
-                </a:r>
-              </a:p>
-            </p:txBody>
-          </p:sp>
-          <p:sp>
-            <p:nvSpPr>
-              <p:cNvPr id="61" name="Rectangle 60">
-                <a:extLst>
-                  <a:ext uri="{FF2B5EF4-FFF2-40B4-BE49-F238E27FC236}">
-                    <a16:creationId xmlns:a16="http://schemas.microsoft.com/office/drawing/2014/main" id="{E890C59C-2127-496E-AD62-AD7FA4B8F743}"/>
-                  </a:ext>
-                </a:extLst>
-              </p:cNvPr>
-              <p:cNvSpPr/>
-              <p:nvPr/>
-            </p:nvSpPr>
-            <p:spPr>
-              <a:xfrm>
-                <a:off x="11716954" y="1004422"/>
-                <a:ext cx="383044" cy="319848"/>
-              </a:xfrm>
-              <a:prstGeom prst="rect">
-                <a:avLst/>
-              </a:prstGeom>
-              <a:solidFill>
-                <a:srgbClr val="E8F3FF"/>
-              </a:solidFill>
-            </p:spPr>
-            <p:style>
-              <a:lnRef idx="2">
-                <a:schemeClr val="accent1">
-                  <a:shade val="50000"/>
-                </a:schemeClr>
-              </a:lnRef>
-              <a:fillRef idx="1">
-                <a:schemeClr val="accent1"/>
-              </a:fillRef>
-              <a:effectRef idx="0">
-                <a:schemeClr val="accent1"/>
-              </a:effectRef>
-              <a:fontRef idx="minor">
-                <a:schemeClr val="lt1"/>
-              </a:fontRef>
-            </p:style>
-            <p:txBody>
-              <a:bodyPr rtlCol="0" anchor="ctr"/>
-              <a:lstStyle/>
-              <a:p>
-                <a:pPr algn="ctr"/>
-                <a:endParaRPr lang="en-US"/>
-              </a:p>
-            </p:txBody>
-          </p:sp>
-          <p:sp>
-            <p:nvSpPr>
-              <p:cNvPr id="72" name="Rectangle 71">
-                <a:extLst>
-                  <a:ext uri="{FF2B5EF4-FFF2-40B4-BE49-F238E27FC236}">
-                    <a16:creationId xmlns:a16="http://schemas.microsoft.com/office/drawing/2014/main" id="{8AD65E02-ABDD-44A6-8E1E-02DB9AFAEBEA}"/>
-                  </a:ext>
-                </a:extLst>
-              </p:cNvPr>
-              <p:cNvSpPr/>
-              <p:nvPr/>
-            </p:nvSpPr>
-            <p:spPr>
-              <a:xfrm>
-                <a:off x="11716954" y="1422063"/>
-                <a:ext cx="383044" cy="319848"/>
-              </a:xfrm>
-              <a:prstGeom prst="rect">
-                <a:avLst/>
-              </a:prstGeom>
-              <a:solidFill>
-                <a:srgbClr val="FFF5E5"/>
-              </a:solidFill>
-            </p:spPr>
-            <p:style>
-              <a:lnRef idx="2">
-                <a:schemeClr val="accent1">
-                  <a:shade val="50000"/>
-                </a:schemeClr>
-              </a:lnRef>
-              <a:fillRef idx="1">
-                <a:schemeClr val="accent1"/>
-              </a:fillRef>
-              <a:effectRef idx="0">
-                <a:schemeClr val="accent1"/>
-              </a:effectRef>
-              <a:fontRef idx="minor">
-                <a:schemeClr val="lt1"/>
-              </a:fontRef>
-            </p:style>
-            <p:txBody>
-              <a:bodyPr rtlCol="0" anchor="ctr"/>
-              <a:lstStyle/>
-              <a:p>
-                <a:pPr algn="ctr"/>
-                <a:endParaRPr lang="en-US"/>
-              </a:p>
-            </p:txBody>
-          </p:sp>
-        </p:grpSp>
-        <p:grpSp>
-          <p:nvGrpSpPr>
-            <p:cNvPr id="26" name="Group 25">
+            </a:blip>
+            <a:srcRect/>
+            <a:stretch>
+              <a:fillRect/>
+            </a:stretch>
+          </p:blipFill>
+          <p:spPr bwMode="auto">
+            <a:xfrm>
+              <a:off x="257701" y="755987"/>
+              <a:ext cx="13482092" cy="7113576"/>
+            </a:xfrm>
+            <a:prstGeom prst="rect">
+              <a:avLst/>
+            </a:prstGeom>
+            <a:noFill/>
+            <a:extLst>
+              <a:ext uri="{909E8E84-426E-40DD-AFC4-6F175D3DCCD1}">
+                <a14:hiddenFill xmlns:a14="http://schemas.microsoft.com/office/drawing/2010/main">
+                  <a:solidFill>
+                    <a:srgbClr val="FFFFFF"/>
+                  </a:solidFill>
+                </a14:hiddenFill>
+              </a:ext>
+            </a:extLst>
+          </p:spPr>
+        </p:pic>
+        <p:sp>
+          <p:nvSpPr>
+            <p:cNvPr id="2" name="TextBox 1">
               <a:extLst>
                 <a:ext uri="{FF2B5EF4-FFF2-40B4-BE49-F238E27FC236}">
-                  <a16:creationId xmlns:a16="http://schemas.microsoft.com/office/drawing/2014/main" id="{027C4190-5487-41B3-8B14-4B20D40F4B18}"/>
-                </a:ext>
-              </a:extLst>
-            </p:cNvPr>
-            <p:cNvGrpSpPr/>
-            <p:nvPr/>
-          </p:nvGrpSpPr>
-          <p:grpSpPr>
-            <a:xfrm>
-              <a:off x="76689" y="7026979"/>
-              <a:ext cx="13988475" cy="6547307"/>
-              <a:chOff x="168547" y="7987941"/>
-              <a:chExt cx="13988475" cy="6547307"/>
-            </a:xfrm>
-          </p:grpSpPr>
-          <p:sp>
-            <p:nvSpPr>
-              <p:cNvPr id="25" name="TextBox 24">
-                <a:extLst>
-                  <a:ext uri="{FF2B5EF4-FFF2-40B4-BE49-F238E27FC236}">
-                    <a16:creationId xmlns:a16="http://schemas.microsoft.com/office/drawing/2014/main" id="{8DFA5ECB-6CA6-4F27-807D-6A189A005588}"/>
-                  </a:ext>
-                </a:extLst>
-              </p:cNvPr>
-              <p:cNvSpPr txBox="1"/>
-              <p:nvPr/>
-            </p:nvSpPr>
-            <p:spPr>
-              <a:xfrm>
-                <a:off x="168547" y="7987941"/>
-                <a:ext cx="669467" cy="580800"/>
-              </a:xfrm>
-              <a:prstGeom prst="rect">
-                <a:avLst/>
-              </a:prstGeom>
-              <a:noFill/>
-            </p:spPr>
-            <p:txBody>
-              <a:bodyPr wrap="square" rtlCol="0">
-                <a:spAutoFit/>
-              </a:bodyPr>
-              <a:lstStyle/>
-              <a:p>
-                <a:r>
-                  <a:rPr lang="en-US" sz="3174" b="1" dirty="0">
-                    <a:latin typeface="Times New Roman" panose="02020603050405020304" pitchFamily="18" charset="0"/>
-                    <a:cs typeface="Times New Roman" panose="02020603050405020304" pitchFamily="18" charset="0"/>
-                  </a:rPr>
-                  <a:t>B</a:t>
-                </a:r>
-              </a:p>
-            </p:txBody>
-          </p:sp>
-          <p:grpSp>
-            <p:nvGrpSpPr>
-              <p:cNvPr id="11" name="Group 10">
-                <a:extLst>
-                  <a:ext uri="{FF2B5EF4-FFF2-40B4-BE49-F238E27FC236}">
-                    <a16:creationId xmlns:a16="http://schemas.microsoft.com/office/drawing/2014/main" id="{81D40FC0-2CA0-49C4-ACD6-FABB426A5F20}"/>
-                  </a:ext>
-                </a:extLst>
-              </p:cNvPr>
-              <p:cNvGrpSpPr/>
-              <p:nvPr/>
-            </p:nvGrpSpPr>
-            <p:grpSpPr>
-              <a:xfrm>
-                <a:off x="6156073" y="8262625"/>
-                <a:ext cx="4339731" cy="6225730"/>
-                <a:chOff x="5716215" y="8278341"/>
-                <a:chExt cx="4339731" cy="6225730"/>
-              </a:xfrm>
-            </p:grpSpPr>
-            <p:grpSp>
-              <p:nvGrpSpPr>
-                <p:cNvPr id="40" name="Group 39">
-                  <a:extLst>
-                    <a:ext uri="{FF2B5EF4-FFF2-40B4-BE49-F238E27FC236}">
-                      <a16:creationId xmlns:a16="http://schemas.microsoft.com/office/drawing/2014/main" id="{5B10AC26-4032-4DBB-97E7-1634253D93F6}"/>
-                    </a:ext>
-                  </a:extLst>
-                </p:cNvPr>
-                <p:cNvGrpSpPr/>
-                <p:nvPr/>
-              </p:nvGrpSpPr>
-              <p:grpSpPr>
-                <a:xfrm>
-                  <a:off x="5716215" y="8278341"/>
-                  <a:ext cx="3150265" cy="2689244"/>
-                  <a:chOff x="5529273" y="8011776"/>
-                  <a:chExt cx="3576152" cy="3102589"/>
-                </a:xfrm>
-              </p:grpSpPr>
-              <p:pic>
-                <p:nvPicPr>
-                  <p:cNvPr id="8" name="Picture 7">
-                    <a:extLst>
-                      <a:ext uri="{FF2B5EF4-FFF2-40B4-BE49-F238E27FC236}">
-                        <a16:creationId xmlns:a16="http://schemas.microsoft.com/office/drawing/2014/main" id="{C0114F1D-98E3-40C4-BC3F-31E3FD75AE8C}"/>
-                      </a:ext>
-                    </a:extLst>
-                  </p:cNvPr>
-                  <p:cNvPicPr>
-                    <a:picLocks noChangeAspect="1"/>
-                  </p:cNvPicPr>
-                  <p:nvPr/>
-                </p:nvPicPr>
-                <p:blipFill>
-                  <a:blip r:embed="rId4"/>
-                  <a:stretch>
-                    <a:fillRect/>
-                  </a:stretch>
-                </p:blipFill>
-                <p:spPr>
-                  <a:xfrm>
-                    <a:off x="5529273" y="8651427"/>
-                    <a:ext cx="3441365" cy="2462938"/>
-                  </a:xfrm>
-                  <a:prstGeom prst="rect">
-                    <a:avLst/>
-                  </a:prstGeom>
-                </p:spPr>
-              </p:pic>
-              <p:sp>
-                <p:nvSpPr>
-                  <p:cNvPr id="20" name="TextBox 19">
-                    <a:extLst>
-                      <a:ext uri="{FF2B5EF4-FFF2-40B4-BE49-F238E27FC236}">
-                        <a16:creationId xmlns:a16="http://schemas.microsoft.com/office/drawing/2014/main" id="{188A4506-DFF0-4FAA-9217-E6B42F35305A}"/>
-                      </a:ext>
-                    </a:extLst>
-                  </p:cNvPr>
-                  <p:cNvSpPr txBox="1"/>
-                  <p:nvPr/>
-                </p:nvSpPr>
-                <p:spPr>
-                  <a:xfrm>
-                    <a:off x="6404883" y="8011776"/>
-                    <a:ext cx="2700542" cy="461608"/>
-                  </a:xfrm>
-                  <a:prstGeom prst="rect">
-                    <a:avLst/>
-                  </a:prstGeom>
-                  <a:noFill/>
-                </p:spPr>
-                <p:txBody>
-                  <a:bodyPr wrap="square" rtlCol="0">
-                    <a:spAutoFit/>
-                  </a:bodyPr>
-                  <a:lstStyle/>
-                  <a:p>
-                    <a:r>
-                      <a:rPr lang="en-US" sz="2000" b="1" dirty="0">
-                        <a:latin typeface="Times New Roman" panose="02020603050405020304" pitchFamily="18" charset="0"/>
-                        <a:cs typeface="Times New Roman" panose="02020603050405020304" pitchFamily="18" charset="0"/>
-                      </a:rPr>
-                      <a:t>Oleanolic acid</a:t>
-                    </a:r>
-                  </a:p>
-                </p:txBody>
-              </p:sp>
-            </p:grpSp>
-            <p:grpSp>
-              <p:nvGrpSpPr>
-                <p:cNvPr id="57" name="Group 56">
-                  <a:extLst>
-                    <a:ext uri="{FF2B5EF4-FFF2-40B4-BE49-F238E27FC236}">
-                      <a16:creationId xmlns:a16="http://schemas.microsoft.com/office/drawing/2014/main" id="{7EE37DB0-A941-4C9F-B0C4-2D6BD308E7F5}"/>
-                    </a:ext>
-                  </a:extLst>
-                </p:cNvPr>
-                <p:cNvGrpSpPr/>
-                <p:nvPr/>
-              </p:nvGrpSpPr>
-              <p:grpSpPr>
-                <a:xfrm>
-                  <a:off x="6395377" y="11522587"/>
-                  <a:ext cx="3093543" cy="2981484"/>
-                  <a:chOff x="3694089" y="11847929"/>
-                  <a:chExt cx="3511762" cy="3439747"/>
-                </a:xfrm>
-              </p:grpSpPr>
-              <p:pic>
-                <p:nvPicPr>
-                  <p:cNvPr id="58" name="Picture 57">
-                    <a:extLst>
-                      <a:ext uri="{FF2B5EF4-FFF2-40B4-BE49-F238E27FC236}">
-                        <a16:creationId xmlns:a16="http://schemas.microsoft.com/office/drawing/2014/main" id="{BDE1C8F9-E5F7-48B4-A1C5-7A2190F1E126}"/>
-                      </a:ext>
-                    </a:extLst>
-                  </p:cNvPr>
-                  <p:cNvPicPr>
-                    <a:picLocks noChangeAspect="1"/>
-                  </p:cNvPicPr>
-                  <p:nvPr/>
-                </p:nvPicPr>
-                <p:blipFill>
-                  <a:blip r:embed="rId5"/>
-                  <a:stretch>
-                    <a:fillRect/>
-                  </a:stretch>
-                </p:blipFill>
-                <p:spPr>
-                  <a:xfrm>
-                    <a:off x="3694089" y="11847929"/>
-                    <a:ext cx="2397633" cy="2847609"/>
-                  </a:xfrm>
-                  <a:prstGeom prst="rect">
-                    <a:avLst/>
-                  </a:prstGeom>
-                </p:spPr>
-              </p:pic>
-              <p:sp>
-                <p:nvSpPr>
-                  <p:cNvPr id="59" name="TextBox 58">
-                    <a:extLst>
-                      <a:ext uri="{FF2B5EF4-FFF2-40B4-BE49-F238E27FC236}">
-                        <a16:creationId xmlns:a16="http://schemas.microsoft.com/office/drawing/2014/main" id="{A2182CDA-3F59-46DB-AB9F-F07BA1AA5DA8}"/>
-                      </a:ext>
-                    </a:extLst>
-                  </p:cNvPr>
-                  <p:cNvSpPr txBox="1"/>
-                  <p:nvPr/>
-                </p:nvSpPr>
-                <p:spPr>
-                  <a:xfrm>
-                    <a:off x="4505309" y="14826068"/>
-                    <a:ext cx="2700542" cy="461608"/>
-                  </a:xfrm>
-                  <a:prstGeom prst="rect">
-                    <a:avLst/>
-                  </a:prstGeom>
-                  <a:noFill/>
-                </p:spPr>
-                <p:txBody>
-                  <a:bodyPr wrap="square" rtlCol="0">
-                    <a:spAutoFit/>
-                  </a:bodyPr>
-                  <a:lstStyle/>
-                  <a:p>
-                    <a:r>
-                      <a:rPr lang="en-US" sz="2000" dirty="0">
-                        <a:latin typeface="Times New Roman" panose="02020603050405020304" pitchFamily="18" charset="0"/>
-                        <a:cs typeface="Times New Roman" panose="02020603050405020304" pitchFamily="18" charset="0"/>
-                      </a:rPr>
-                      <a:t>PTPN22</a:t>
-                    </a:r>
-                  </a:p>
-                </p:txBody>
-              </p:sp>
-            </p:grpSp>
-            <p:cxnSp>
-              <p:nvCxnSpPr>
-                <p:cNvPr id="60" name="Straight Arrow Connector 59">
-                  <a:extLst>
-                    <a:ext uri="{FF2B5EF4-FFF2-40B4-BE49-F238E27FC236}">
-                      <a16:creationId xmlns:a16="http://schemas.microsoft.com/office/drawing/2014/main" id="{24111FBA-6872-473C-8F9F-995B094169E7}"/>
-                    </a:ext>
-                  </a:extLst>
-                </p:cNvPr>
-                <p:cNvCxnSpPr>
-                  <a:cxnSpLocks/>
-                </p:cNvCxnSpPr>
-                <p:nvPr/>
-              </p:nvCxnSpPr>
-              <p:spPr>
-                <a:xfrm>
-                  <a:off x="7490030" y="10574261"/>
-                  <a:ext cx="1" cy="684280"/>
-                </a:xfrm>
-                <a:prstGeom prst="straightConnector1">
-                  <a:avLst/>
-                </a:prstGeom>
-                <a:ln w="38100">
-                  <a:tailEnd type="triangle"/>
-                </a:ln>
-              </p:spPr>
-              <p:style>
-                <a:lnRef idx="1">
-                  <a:schemeClr val="accent1"/>
-                </a:lnRef>
-                <a:fillRef idx="0">
-                  <a:schemeClr val="accent1"/>
-                </a:fillRef>
-                <a:effectRef idx="0">
-                  <a:schemeClr val="accent1"/>
-                </a:effectRef>
-                <a:fontRef idx="minor">
-                  <a:schemeClr val="tx1"/>
-                </a:fontRef>
-              </p:style>
-            </p:cxnSp>
-            <p:sp>
-              <p:nvSpPr>
-                <p:cNvPr id="62" name="TextBox 61">
-                  <a:extLst>
-                    <a:ext uri="{FF2B5EF4-FFF2-40B4-BE49-F238E27FC236}">
-                      <a16:creationId xmlns:a16="http://schemas.microsoft.com/office/drawing/2014/main" id="{97FAD9E5-2C2C-4FED-B76A-6BD79578B6D6}"/>
-                    </a:ext>
-                  </a:extLst>
-                </p:cNvPr>
-                <p:cNvSpPr txBox="1"/>
-                <p:nvPr/>
-              </p:nvSpPr>
-              <p:spPr>
-                <a:xfrm>
-                  <a:off x="7677014" y="10722539"/>
-                  <a:ext cx="2378932" cy="400110"/>
-                </a:xfrm>
-                <a:prstGeom prst="rect">
-                  <a:avLst/>
-                </a:prstGeom>
-                <a:noFill/>
-              </p:spPr>
-              <p:txBody>
-                <a:bodyPr wrap="square" rtlCol="0">
-                  <a:spAutoFit/>
-                </a:bodyPr>
-                <a:lstStyle/>
-                <a:p>
-                  <a:r>
-                    <a:rPr lang="en-US" sz="2000" i="1" dirty="0">
-                      <a:latin typeface="Times New Roman" panose="02020603050405020304" pitchFamily="18" charset="0"/>
-                      <a:cs typeface="Times New Roman" panose="02020603050405020304" pitchFamily="18" charset="0"/>
-                    </a:rPr>
-                    <a:t>-8.3 kcal/mole</a:t>
-                  </a:r>
-                </a:p>
-              </p:txBody>
-            </p:sp>
-          </p:grpSp>
-          <p:grpSp>
-            <p:nvGrpSpPr>
-              <p:cNvPr id="7" name="Group 6">
-                <a:extLst>
-                  <a:ext uri="{FF2B5EF4-FFF2-40B4-BE49-F238E27FC236}">
-                    <a16:creationId xmlns:a16="http://schemas.microsoft.com/office/drawing/2014/main" id="{6E3ADA9E-663F-4B97-AE22-F4E06D492375}"/>
-                  </a:ext>
-                </a:extLst>
-              </p:cNvPr>
-              <p:cNvGrpSpPr/>
-              <p:nvPr/>
-            </p:nvGrpSpPr>
-            <p:grpSpPr>
-              <a:xfrm>
-                <a:off x="10301740" y="8257004"/>
-                <a:ext cx="3855282" cy="6235640"/>
-                <a:chOff x="9694817" y="8268431"/>
-                <a:chExt cx="3855282" cy="6235640"/>
-              </a:xfrm>
-            </p:grpSpPr>
-            <p:grpSp>
-              <p:nvGrpSpPr>
-                <p:cNvPr id="41" name="Group 40">
-                  <a:extLst>
-                    <a:ext uri="{FF2B5EF4-FFF2-40B4-BE49-F238E27FC236}">
-                      <a16:creationId xmlns:a16="http://schemas.microsoft.com/office/drawing/2014/main" id="{7EDD54F3-A656-48BA-A031-1284D0A65AD3}"/>
-                    </a:ext>
-                  </a:extLst>
-                </p:cNvPr>
-                <p:cNvGrpSpPr/>
-                <p:nvPr/>
-              </p:nvGrpSpPr>
-              <p:grpSpPr>
-                <a:xfrm>
-                  <a:off x="9694817" y="8268431"/>
-                  <a:ext cx="2665818" cy="2699155"/>
-                  <a:chOff x="10252956" y="8000342"/>
-                  <a:chExt cx="3026212" cy="3114023"/>
-                </a:xfrm>
-              </p:grpSpPr>
-              <p:pic>
-                <p:nvPicPr>
-                  <p:cNvPr id="10" name="Picture 9">
-                    <a:extLst>
-                      <a:ext uri="{FF2B5EF4-FFF2-40B4-BE49-F238E27FC236}">
-                        <a16:creationId xmlns:a16="http://schemas.microsoft.com/office/drawing/2014/main" id="{4411E461-9A51-4E90-814D-1E382CD1A361}"/>
-                      </a:ext>
-                    </a:extLst>
-                  </p:cNvPr>
-                  <p:cNvPicPr>
-                    <a:picLocks noChangeAspect="1"/>
-                  </p:cNvPicPr>
-                  <p:nvPr/>
-                </p:nvPicPr>
-                <p:blipFill>
-                  <a:blip r:embed="rId6"/>
-                  <a:stretch>
-                    <a:fillRect/>
-                  </a:stretch>
-                </p:blipFill>
-                <p:spPr>
-                  <a:xfrm>
-                    <a:off x="10252956" y="8651426"/>
-                    <a:ext cx="3026212" cy="2462939"/>
-                  </a:xfrm>
-                  <a:prstGeom prst="rect">
-                    <a:avLst/>
-                  </a:prstGeom>
-                </p:spPr>
-              </p:pic>
-              <p:sp>
-                <p:nvSpPr>
-                  <p:cNvPr id="23" name="TextBox 22">
-                    <a:extLst>
-                      <a:ext uri="{FF2B5EF4-FFF2-40B4-BE49-F238E27FC236}">
-                        <a16:creationId xmlns:a16="http://schemas.microsoft.com/office/drawing/2014/main" id="{50DDAF2E-0556-4434-8179-DF7A40CD5797}"/>
-                      </a:ext>
-                    </a:extLst>
-                  </p:cNvPr>
-                  <p:cNvSpPr txBox="1"/>
-                  <p:nvPr/>
-                </p:nvSpPr>
-                <p:spPr>
-                  <a:xfrm>
-                    <a:off x="10473256" y="8000342"/>
-                    <a:ext cx="2700542" cy="461608"/>
-                  </a:xfrm>
-                  <a:prstGeom prst="rect">
-                    <a:avLst/>
-                  </a:prstGeom>
-                  <a:noFill/>
-                </p:spPr>
-                <p:txBody>
-                  <a:bodyPr wrap="square" rtlCol="0">
-                    <a:spAutoFit/>
-                  </a:bodyPr>
-                  <a:lstStyle/>
-                  <a:p>
-                    <a:pPr algn="l"/>
-                    <a:r>
-                      <a:rPr lang="en-US" sz="2000" b="1" dirty="0">
-                        <a:latin typeface="Times New Roman" panose="02020603050405020304" pitchFamily="18" charset="0"/>
-                        <a:cs typeface="Times New Roman" panose="02020603050405020304" pitchFamily="18" charset="0"/>
-                      </a:rPr>
-                      <a:t>Echinocystic acid</a:t>
-                    </a:r>
-                  </a:p>
-                </p:txBody>
-              </p:sp>
-            </p:grpSp>
-            <p:grpSp>
-              <p:nvGrpSpPr>
-                <p:cNvPr id="63" name="Group 62">
-                  <a:extLst>
-                    <a:ext uri="{FF2B5EF4-FFF2-40B4-BE49-F238E27FC236}">
-                      <a16:creationId xmlns:a16="http://schemas.microsoft.com/office/drawing/2014/main" id="{5DE7D555-0479-49F3-8F3A-25169CADA1C4}"/>
-                    </a:ext>
-                  </a:extLst>
-                </p:cNvPr>
-                <p:cNvGrpSpPr/>
-                <p:nvPr/>
-              </p:nvGrpSpPr>
-              <p:grpSpPr>
-                <a:xfrm>
-                  <a:off x="9766422" y="11522587"/>
-                  <a:ext cx="3093543" cy="2981484"/>
-                  <a:chOff x="3694089" y="11847929"/>
-                  <a:chExt cx="3511762" cy="3439747"/>
-                </a:xfrm>
-              </p:grpSpPr>
-              <p:pic>
-                <p:nvPicPr>
-                  <p:cNvPr id="64" name="Picture 63">
-                    <a:extLst>
-                      <a:ext uri="{FF2B5EF4-FFF2-40B4-BE49-F238E27FC236}">
-                        <a16:creationId xmlns:a16="http://schemas.microsoft.com/office/drawing/2014/main" id="{B0C437CF-C7D3-452C-9B19-319E696D8F38}"/>
-                      </a:ext>
-                    </a:extLst>
-                  </p:cNvPr>
-                  <p:cNvPicPr>
-                    <a:picLocks noChangeAspect="1"/>
-                  </p:cNvPicPr>
-                  <p:nvPr/>
-                </p:nvPicPr>
-                <p:blipFill>
-                  <a:blip r:embed="rId5"/>
-                  <a:stretch>
-                    <a:fillRect/>
-                  </a:stretch>
-                </p:blipFill>
-                <p:spPr>
-                  <a:xfrm>
-                    <a:off x="3694089" y="11847929"/>
-                    <a:ext cx="2397633" cy="2847609"/>
-                  </a:xfrm>
-                  <a:prstGeom prst="rect">
-                    <a:avLst/>
-                  </a:prstGeom>
-                </p:spPr>
-              </p:pic>
-              <p:sp>
-                <p:nvSpPr>
-                  <p:cNvPr id="65" name="TextBox 64">
-                    <a:extLst>
-                      <a:ext uri="{FF2B5EF4-FFF2-40B4-BE49-F238E27FC236}">
-                        <a16:creationId xmlns:a16="http://schemas.microsoft.com/office/drawing/2014/main" id="{76214288-D0CA-4739-B10C-1DD355EE7AE0}"/>
-                      </a:ext>
-                    </a:extLst>
-                  </p:cNvPr>
-                  <p:cNvSpPr txBox="1"/>
-                  <p:nvPr/>
-                </p:nvSpPr>
-                <p:spPr>
-                  <a:xfrm>
-                    <a:off x="4505309" y="14826068"/>
-                    <a:ext cx="2700542" cy="461608"/>
-                  </a:xfrm>
-                  <a:prstGeom prst="rect">
-                    <a:avLst/>
-                  </a:prstGeom>
-                  <a:noFill/>
-                </p:spPr>
-                <p:txBody>
-                  <a:bodyPr wrap="square" rtlCol="0">
-                    <a:spAutoFit/>
-                  </a:bodyPr>
-                  <a:lstStyle/>
-                  <a:p>
-                    <a:r>
-                      <a:rPr lang="en-US" sz="2000" dirty="0">
-                        <a:latin typeface="Times New Roman" panose="02020603050405020304" pitchFamily="18" charset="0"/>
-                        <a:cs typeface="Times New Roman" panose="02020603050405020304" pitchFamily="18" charset="0"/>
-                      </a:rPr>
-                      <a:t>PTPN22</a:t>
-                    </a:r>
-                  </a:p>
-                </p:txBody>
-              </p:sp>
-            </p:grpSp>
-            <p:cxnSp>
-              <p:nvCxnSpPr>
-                <p:cNvPr id="66" name="Straight Arrow Connector 65">
-                  <a:extLst>
-                    <a:ext uri="{FF2B5EF4-FFF2-40B4-BE49-F238E27FC236}">
-                      <a16:creationId xmlns:a16="http://schemas.microsoft.com/office/drawing/2014/main" id="{973687BA-1798-4D91-97C7-7686C5FF5FEF}"/>
-                    </a:ext>
-                  </a:extLst>
-                </p:cNvPr>
-                <p:cNvCxnSpPr>
-                  <a:cxnSpLocks/>
-                </p:cNvCxnSpPr>
-                <p:nvPr/>
-              </p:nvCxnSpPr>
-              <p:spPr>
-                <a:xfrm>
-                  <a:off x="11027724" y="10705481"/>
-                  <a:ext cx="1" cy="684280"/>
-                </a:xfrm>
-                <a:prstGeom prst="straightConnector1">
-                  <a:avLst/>
-                </a:prstGeom>
-                <a:ln w="38100">
-                  <a:tailEnd type="triangle"/>
-                </a:ln>
-              </p:spPr>
-              <p:style>
-                <a:lnRef idx="1">
-                  <a:schemeClr val="accent1"/>
-                </a:lnRef>
-                <a:fillRef idx="0">
-                  <a:schemeClr val="accent1"/>
-                </a:fillRef>
-                <a:effectRef idx="0">
-                  <a:schemeClr val="accent1"/>
-                </a:effectRef>
-                <a:fontRef idx="minor">
-                  <a:schemeClr val="tx1"/>
-                </a:fontRef>
-              </p:style>
-            </p:cxnSp>
-            <p:sp>
-              <p:nvSpPr>
-                <p:cNvPr id="67" name="TextBox 66">
-                  <a:extLst>
-                    <a:ext uri="{FF2B5EF4-FFF2-40B4-BE49-F238E27FC236}">
-                      <a16:creationId xmlns:a16="http://schemas.microsoft.com/office/drawing/2014/main" id="{72A5B143-5604-4635-A54A-99E89538794F}"/>
-                    </a:ext>
-                  </a:extLst>
-                </p:cNvPr>
-                <p:cNvSpPr txBox="1"/>
-                <p:nvPr/>
-              </p:nvSpPr>
-              <p:spPr>
-                <a:xfrm>
-                  <a:off x="11171167" y="10886172"/>
-                  <a:ext cx="2378932" cy="400110"/>
-                </a:xfrm>
-                <a:prstGeom prst="rect">
-                  <a:avLst/>
-                </a:prstGeom>
-                <a:noFill/>
-              </p:spPr>
-              <p:txBody>
-                <a:bodyPr wrap="square" rtlCol="0">
-                  <a:spAutoFit/>
-                </a:bodyPr>
-                <a:lstStyle/>
-                <a:p>
-                  <a:r>
-                    <a:rPr lang="en-US" sz="2000" i="1" dirty="0">
-                      <a:latin typeface="Times New Roman" panose="02020603050405020304" pitchFamily="18" charset="0"/>
-                      <a:cs typeface="Times New Roman" panose="02020603050405020304" pitchFamily="18" charset="0"/>
-                    </a:rPr>
-                    <a:t>-8.3 kcal/mole</a:t>
-                  </a:r>
-                </a:p>
-              </p:txBody>
-            </p:sp>
-          </p:grpSp>
-          <p:grpSp>
-            <p:nvGrpSpPr>
-              <p:cNvPr id="16" name="Group 15">
-                <a:extLst>
-                  <a:ext uri="{FF2B5EF4-FFF2-40B4-BE49-F238E27FC236}">
-                    <a16:creationId xmlns:a16="http://schemas.microsoft.com/office/drawing/2014/main" id="{3133191E-96B2-4F68-B70D-FDA564E569EC}"/>
-                  </a:ext>
-                </a:extLst>
-              </p:cNvPr>
-              <p:cNvGrpSpPr/>
-              <p:nvPr/>
-            </p:nvGrpSpPr>
-            <p:grpSpPr>
-              <a:xfrm>
-                <a:off x="1387435" y="8257004"/>
-                <a:ext cx="5655546" cy="6278244"/>
-                <a:chOff x="1021665" y="8269985"/>
-                <a:chExt cx="5655546" cy="6278244"/>
-              </a:xfrm>
-            </p:grpSpPr>
-            <p:grpSp>
-              <p:nvGrpSpPr>
-                <p:cNvPr id="38" name="Group 37">
-                  <a:extLst>
-                    <a:ext uri="{FF2B5EF4-FFF2-40B4-BE49-F238E27FC236}">
-                      <a16:creationId xmlns:a16="http://schemas.microsoft.com/office/drawing/2014/main" id="{A1CD6525-0024-451B-A8E5-848492FD1D9D}"/>
-                    </a:ext>
-                  </a:extLst>
-                </p:cNvPr>
-                <p:cNvGrpSpPr/>
-                <p:nvPr/>
-              </p:nvGrpSpPr>
-              <p:grpSpPr>
-                <a:xfrm>
-                  <a:off x="2020398" y="8269985"/>
-                  <a:ext cx="2574599" cy="2891210"/>
-                  <a:chOff x="2121698" y="8103452"/>
-                  <a:chExt cx="2922662" cy="3335597"/>
-                </a:xfrm>
-              </p:grpSpPr>
-              <p:pic>
-                <p:nvPicPr>
-                  <p:cNvPr id="5" name="Picture 4">
-                    <a:extLst>
-                      <a:ext uri="{FF2B5EF4-FFF2-40B4-BE49-F238E27FC236}">
-                        <a16:creationId xmlns:a16="http://schemas.microsoft.com/office/drawing/2014/main" id="{EF1F6314-FED6-4880-9653-D9404A033E55}"/>
-                      </a:ext>
-                    </a:extLst>
-                  </p:cNvPr>
-                  <p:cNvPicPr>
-                    <a:picLocks noChangeAspect="1"/>
-                  </p:cNvPicPr>
-                  <p:nvPr/>
-                </p:nvPicPr>
-                <p:blipFill>
-                  <a:blip r:embed="rId7"/>
-                  <a:stretch>
-                    <a:fillRect/>
-                  </a:stretch>
-                </p:blipFill>
-                <p:spPr>
-                  <a:xfrm>
-                    <a:off x="2121698" y="8538855"/>
-                    <a:ext cx="2397634" cy="2900194"/>
-                  </a:xfrm>
-                  <a:prstGeom prst="rect">
-                    <a:avLst/>
-                  </a:prstGeom>
-                </p:spPr>
-              </p:pic>
-              <p:sp>
-                <p:nvSpPr>
-                  <p:cNvPr id="6" name="TextBox 5">
-                    <a:extLst>
-                      <a:ext uri="{FF2B5EF4-FFF2-40B4-BE49-F238E27FC236}">
-                        <a16:creationId xmlns:a16="http://schemas.microsoft.com/office/drawing/2014/main" id="{47EA12D5-251D-4FBA-BD2A-26F7AD08DDDE}"/>
-                      </a:ext>
-                    </a:extLst>
-                  </p:cNvPr>
-                  <p:cNvSpPr txBox="1"/>
-                  <p:nvPr/>
-                </p:nvSpPr>
-                <p:spPr>
-                  <a:xfrm>
-                    <a:off x="2343817" y="8103452"/>
-                    <a:ext cx="2700543" cy="461608"/>
-                  </a:xfrm>
-                  <a:prstGeom prst="rect">
-                    <a:avLst/>
-                  </a:prstGeom>
-                  <a:noFill/>
-                </p:spPr>
-                <p:txBody>
-                  <a:bodyPr wrap="square" rtlCol="0">
-                    <a:spAutoFit/>
-                  </a:bodyPr>
-                  <a:lstStyle/>
-                  <a:p>
-                    <a:r>
-                      <a:rPr lang="en-US" sz="2000" b="1" dirty="0">
-                        <a:latin typeface="Times New Roman" panose="02020603050405020304" pitchFamily="18" charset="0"/>
-                        <a:cs typeface="Times New Roman" panose="02020603050405020304" pitchFamily="18" charset="0"/>
-                      </a:rPr>
-                      <a:t>Spironolactone</a:t>
-                    </a:r>
-                  </a:p>
-                </p:txBody>
-              </p:sp>
-            </p:grpSp>
-            <p:grpSp>
-              <p:nvGrpSpPr>
-                <p:cNvPr id="35" name="Group 34">
-                  <a:extLst>
-                    <a:ext uri="{FF2B5EF4-FFF2-40B4-BE49-F238E27FC236}">
-                      <a16:creationId xmlns:a16="http://schemas.microsoft.com/office/drawing/2014/main" id="{1ADCEE93-00AB-4642-BCB3-4D005BA75696}"/>
-                    </a:ext>
-                  </a:extLst>
-                </p:cNvPr>
-                <p:cNvGrpSpPr/>
-                <p:nvPr/>
-              </p:nvGrpSpPr>
-              <p:grpSpPr>
-                <a:xfrm>
-                  <a:off x="1021665" y="11566744"/>
-                  <a:ext cx="3093543" cy="2981484"/>
-                  <a:chOff x="3694089" y="11847929"/>
-                  <a:chExt cx="3511762" cy="3439747"/>
-                </a:xfrm>
-              </p:grpSpPr>
-              <p:pic>
-                <p:nvPicPr>
-                  <p:cNvPr id="12" name="Picture 11">
-                    <a:extLst>
-                      <a:ext uri="{FF2B5EF4-FFF2-40B4-BE49-F238E27FC236}">
-                        <a16:creationId xmlns:a16="http://schemas.microsoft.com/office/drawing/2014/main" id="{26353F88-3630-4A8E-B410-9E3D9387B18D}"/>
-                      </a:ext>
-                    </a:extLst>
-                  </p:cNvPr>
-                  <p:cNvPicPr>
-                    <a:picLocks noChangeAspect="1"/>
-                  </p:cNvPicPr>
-                  <p:nvPr/>
-                </p:nvPicPr>
-                <p:blipFill>
-                  <a:blip r:embed="rId5"/>
-                  <a:stretch>
-                    <a:fillRect/>
-                  </a:stretch>
-                </p:blipFill>
-                <p:spPr>
-                  <a:xfrm>
-                    <a:off x="3694089" y="11847929"/>
-                    <a:ext cx="2397633" cy="2847609"/>
-                  </a:xfrm>
-                  <a:prstGeom prst="rect">
-                    <a:avLst/>
-                  </a:prstGeom>
-                </p:spPr>
-              </p:pic>
-              <p:sp>
-                <p:nvSpPr>
-                  <p:cNvPr id="28" name="TextBox 27">
-                    <a:extLst>
-                      <a:ext uri="{FF2B5EF4-FFF2-40B4-BE49-F238E27FC236}">
-                        <a16:creationId xmlns:a16="http://schemas.microsoft.com/office/drawing/2014/main" id="{6476C1D1-9E5C-44D4-B261-22846810EC9E}"/>
-                      </a:ext>
-                    </a:extLst>
-                  </p:cNvPr>
-                  <p:cNvSpPr txBox="1"/>
-                  <p:nvPr/>
-                </p:nvSpPr>
-                <p:spPr>
-                  <a:xfrm>
-                    <a:off x="4505309" y="14826068"/>
-                    <a:ext cx="2700542" cy="461608"/>
-                  </a:xfrm>
-                  <a:prstGeom prst="rect">
-                    <a:avLst/>
-                  </a:prstGeom>
-                  <a:noFill/>
-                </p:spPr>
-                <p:txBody>
-                  <a:bodyPr wrap="square" rtlCol="0">
-                    <a:spAutoFit/>
-                  </a:bodyPr>
-                  <a:lstStyle/>
-                  <a:p>
-                    <a:r>
-                      <a:rPr lang="en-US" sz="2000" dirty="0">
-                        <a:latin typeface="Times New Roman" panose="02020603050405020304" pitchFamily="18" charset="0"/>
-                        <a:cs typeface="Times New Roman" panose="02020603050405020304" pitchFamily="18" charset="0"/>
-                      </a:rPr>
-                      <a:t>PTPN22</a:t>
-                    </a:r>
-                  </a:p>
-                </p:txBody>
-              </p:sp>
-            </p:grpSp>
-            <p:grpSp>
-              <p:nvGrpSpPr>
-                <p:cNvPr id="37" name="Group 36">
-                  <a:extLst>
-                    <a:ext uri="{FF2B5EF4-FFF2-40B4-BE49-F238E27FC236}">
-                      <a16:creationId xmlns:a16="http://schemas.microsoft.com/office/drawing/2014/main" id="{FC18B488-74FF-42A7-B409-2EF1CBC43D6D}"/>
-                    </a:ext>
-                  </a:extLst>
-                </p:cNvPr>
-                <p:cNvGrpSpPr/>
-                <p:nvPr/>
-              </p:nvGrpSpPr>
-              <p:grpSpPr>
-                <a:xfrm>
-                  <a:off x="3664221" y="11698510"/>
-                  <a:ext cx="2894105" cy="2849719"/>
-                  <a:chOff x="8195778" y="12137245"/>
-                  <a:chExt cx="3285362" cy="3287729"/>
-                </a:xfrm>
-              </p:grpSpPr>
-              <p:pic>
-                <p:nvPicPr>
-                  <p:cNvPr id="15" name="Picture 14">
-                    <a:extLst>
-                      <a:ext uri="{FF2B5EF4-FFF2-40B4-BE49-F238E27FC236}">
-                        <a16:creationId xmlns:a16="http://schemas.microsoft.com/office/drawing/2014/main" id="{0259E803-242B-4032-9BC0-1BE1DAF643C6}"/>
-                      </a:ext>
-                    </a:extLst>
-                  </p:cNvPr>
-                  <p:cNvPicPr>
-                    <a:picLocks noChangeAspect="1"/>
-                  </p:cNvPicPr>
-                  <p:nvPr/>
-                </p:nvPicPr>
-                <p:blipFill>
-                  <a:blip r:embed="rId8"/>
-                  <a:stretch>
-                    <a:fillRect/>
-                  </a:stretch>
-                </p:blipFill>
-                <p:spPr>
-                  <a:xfrm>
-                    <a:off x="8195778" y="12137245"/>
-                    <a:ext cx="2177192" cy="2847609"/>
-                  </a:xfrm>
-                  <a:prstGeom prst="rect">
-                    <a:avLst/>
-                  </a:prstGeom>
-                </p:spPr>
-              </p:pic>
-              <p:sp>
-                <p:nvSpPr>
-                  <p:cNvPr id="29" name="TextBox 28">
-                    <a:extLst>
-                      <a:ext uri="{FF2B5EF4-FFF2-40B4-BE49-F238E27FC236}">
-                        <a16:creationId xmlns:a16="http://schemas.microsoft.com/office/drawing/2014/main" id="{20EE9E54-B8D9-4078-AA39-F15BF7C222E5}"/>
-                      </a:ext>
-                    </a:extLst>
-                  </p:cNvPr>
-                  <p:cNvSpPr txBox="1"/>
-                  <p:nvPr/>
-                </p:nvSpPr>
-                <p:spPr>
-                  <a:xfrm>
-                    <a:off x="8780598" y="14963366"/>
-                    <a:ext cx="2700542" cy="461608"/>
-                  </a:xfrm>
-                  <a:prstGeom prst="rect">
-                    <a:avLst/>
-                  </a:prstGeom>
-                  <a:noFill/>
-                </p:spPr>
-                <p:txBody>
-                  <a:bodyPr wrap="square" rtlCol="0">
-                    <a:spAutoFit/>
-                  </a:bodyPr>
-                  <a:lstStyle/>
-                  <a:p>
-                    <a:r>
-                      <a:rPr lang="en-US" sz="2000" dirty="0">
-                        <a:latin typeface="Times New Roman" panose="02020603050405020304" pitchFamily="18" charset="0"/>
-                        <a:cs typeface="Times New Roman" panose="02020603050405020304" pitchFamily="18" charset="0"/>
-                      </a:rPr>
-                      <a:t>GRIA2</a:t>
-                    </a:r>
-                  </a:p>
-                </p:txBody>
-              </p:sp>
-            </p:grpSp>
-            <p:sp>
-              <p:nvSpPr>
-                <p:cNvPr id="45" name="TextBox 44">
-                  <a:extLst>
-                    <a:ext uri="{FF2B5EF4-FFF2-40B4-BE49-F238E27FC236}">
-                      <a16:creationId xmlns:a16="http://schemas.microsoft.com/office/drawing/2014/main" id="{B9242CF8-244A-44A5-A15B-F557C66A3A7E}"/>
-                    </a:ext>
-                  </a:extLst>
-                </p:cNvPr>
-                <p:cNvSpPr txBox="1"/>
-                <p:nvPr/>
-              </p:nvSpPr>
-              <p:spPr>
-                <a:xfrm>
-                  <a:off x="1078206" y="10946329"/>
-                  <a:ext cx="2378932" cy="400110"/>
-                </a:xfrm>
-                <a:prstGeom prst="rect">
-                  <a:avLst/>
-                </a:prstGeom>
-                <a:noFill/>
-              </p:spPr>
-              <p:txBody>
-                <a:bodyPr wrap="square" rtlCol="0">
-                  <a:spAutoFit/>
-                </a:bodyPr>
-                <a:lstStyle/>
-                <a:p>
-                  <a:r>
-                    <a:rPr lang="en-US" sz="2000" i="1" dirty="0">
-                      <a:latin typeface="Times New Roman" panose="02020603050405020304" pitchFamily="18" charset="0"/>
-                      <a:cs typeface="Times New Roman" panose="02020603050405020304" pitchFamily="18" charset="0"/>
-                    </a:rPr>
-                    <a:t>-9 kcal/mole</a:t>
-                  </a:r>
-                </a:p>
-              </p:txBody>
-            </p:sp>
-            <p:cxnSp>
-              <p:nvCxnSpPr>
-                <p:cNvPr id="47" name="Straight Arrow Connector 46">
-                  <a:extLst>
-                    <a:ext uri="{FF2B5EF4-FFF2-40B4-BE49-F238E27FC236}">
-                      <a16:creationId xmlns:a16="http://schemas.microsoft.com/office/drawing/2014/main" id="{0A3FAB7F-9816-4BC2-B0EA-E805E87AA38E}"/>
-                    </a:ext>
-                  </a:extLst>
-                </p:cNvPr>
-                <p:cNvCxnSpPr>
-                  <a:cxnSpLocks/>
-                </p:cNvCxnSpPr>
-                <p:nvPr/>
-              </p:nvCxnSpPr>
-              <p:spPr>
-                <a:xfrm flipH="1">
-                  <a:off x="2501162" y="10944996"/>
-                  <a:ext cx="481860" cy="536026"/>
-                </a:xfrm>
-                <a:prstGeom prst="straightConnector1">
-                  <a:avLst/>
-                </a:prstGeom>
-                <a:ln w="38100">
-                  <a:tailEnd type="triangle"/>
-                </a:ln>
-              </p:spPr>
-              <p:style>
-                <a:lnRef idx="1">
-                  <a:schemeClr val="accent1"/>
-                </a:lnRef>
-                <a:fillRef idx="0">
-                  <a:schemeClr val="accent1"/>
-                </a:fillRef>
-                <a:effectRef idx="0">
-                  <a:schemeClr val="accent1"/>
-                </a:effectRef>
-                <a:fontRef idx="minor">
-                  <a:schemeClr val="tx1"/>
-                </a:fontRef>
-              </p:style>
-            </p:cxnSp>
-            <p:cxnSp>
-              <p:nvCxnSpPr>
-                <p:cNvPr id="55" name="Straight Arrow Connector 54">
-                  <a:extLst>
-                    <a:ext uri="{FF2B5EF4-FFF2-40B4-BE49-F238E27FC236}">
-                      <a16:creationId xmlns:a16="http://schemas.microsoft.com/office/drawing/2014/main" id="{D85F3CC5-7F7B-498C-9C10-07E74E1EB971}"/>
-                    </a:ext>
-                  </a:extLst>
-                </p:cNvPr>
-                <p:cNvCxnSpPr>
-                  <a:cxnSpLocks/>
-                </p:cNvCxnSpPr>
-                <p:nvPr/>
-              </p:nvCxnSpPr>
-              <p:spPr>
-                <a:xfrm>
-                  <a:off x="3689912" y="11026775"/>
-                  <a:ext cx="425296" cy="531873"/>
-                </a:xfrm>
-                <a:prstGeom prst="straightConnector1">
-                  <a:avLst/>
-                </a:prstGeom>
-                <a:ln w="38100">
-                  <a:tailEnd type="triangle"/>
-                </a:ln>
-              </p:spPr>
-              <p:style>
-                <a:lnRef idx="1">
-                  <a:schemeClr val="accent1"/>
-                </a:lnRef>
-                <a:fillRef idx="0">
-                  <a:schemeClr val="accent1"/>
-                </a:fillRef>
-                <a:effectRef idx="0">
-                  <a:schemeClr val="accent1"/>
-                </a:effectRef>
-                <a:fontRef idx="minor">
-                  <a:schemeClr val="tx1"/>
-                </a:fontRef>
-              </p:style>
-            </p:cxnSp>
-            <p:sp>
-              <p:nvSpPr>
-                <p:cNvPr id="73" name="TextBox 72">
-                  <a:extLst>
-                    <a:ext uri="{FF2B5EF4-FFF2-40B4-BE49-F238E27FC236}">
-                      <a16:creationId xmlns:a16="http://schemas.microsoft.com/office/drawing/2014/main" id="{C1CE169C-F4E4-4EB2-AFAD-BDF862F92B1D}"/>
-                    </a:ext>
-                  </a:extLst>
-                </p:cNvPr>
-                <p:cNvSpPr txBox="1"/>
-                <p:nvPr/>
-              </p:nvSpPr>
-              <p:spPr>
-                <a:xfrm>
-                  <a:off x="4298279" y="11119889"/>
-                  <a:ext cx="2378932" cy="400110"/>
-                </a:xfrm>
-                <a:prstGeom prst="rect">
-                  <a:avLst/>
-                </a:prstGeom>
-                <a:noFill/>
-              </p:spPr>
-              <p:txBody>
-                <a:bodyPr wrap="square" rtlCol="0">
-                  <a:spAutoFit/>
-                </a:bodyPr>
-                <a:lstStyle/>
-                <a:p>
-                  <a:r>
-                    <a:rPr lang="en-US" sz="2000" i="1" dirty="0">
-                      <a:latin typeface="Times New Roman" panose="02020603050405020304" pitchFamily="18" charset="0"/>
-                      <a:cs typeface="Times New Roman" panose="02020603050405020304" pitchFamily="18" charset="0"/>
-                    </a:rPr>
-                    <a:t>-10 kcal/mole</a:t>
-                  </a:r>
-                </a:p>
-              </p:txBody>
-            </p:sp>
-          </p:grpSp>
-        </p:grpSp>
-        <p:sp>
-          <p:nvSpPr>
-            <p:cNvPr id="46" name="TextBox 45">
-              <a:extLst>
-                <a:ext uri="{FF2B5EF4-FFF2-40B4-BE49-F238E27FC236}">
-                  <a16:creationId xmlns:a16="http://schemas.microsoft.com/office/drawing/2014/main" id="{000DB218-0B9F-409A-BD43-789A973F4A79}"/>
+                  <a16:creationId xmlns:a16="http://schemas.microsoft.com/office/drawing/2014/main" id="{36F88E82-9832-4E0A-A00B-D98A53730BDB}"/>
                 </a:ext>
               </a:extLst>
             </p:cNvPr>
@@ -4932,76 +3531,8 @@
           </p:nvSpPr>
           <p:spPr>
             <a:xfrm>
-              <a:off x="124540" y="13520982"/>
-              <a:ext cx="897706" cy="580800"/>
-            </a:xfrm>
-            <a:prstGeom prst="rect">
-              <a:avLst/>
-            </a:prstGeom>
-            <a:noFill/>
-          </p:spPr>
-          <p:txBody>
-            <a:bodyPr wrap="square" rtlCol="0">
-              <a:spAutoFit/>
-            </a:bodyPr>
-            <a:lstStyle/>
-            <a:p>
-              <a:r>
-                <a:rPr lang="en-US" sz="3174" b="1" dirty="0">
-                  <a:latin typeface="Times New Roman" panose="02020603050405020304" pitchFamily="18" charset="0"/>
-                  <a:cs typeface="Times New Roman" panose="02020603050405020304" pitchFamily="18" charset="0"/>
-                </a:rPr>
-                <a:t>C</a:t>
-              </a:r>
-            </a:p>
-          </p:txBody>
-        </p:sp>
-        <p:pic>
-          <p:nvPicPr>
-            <p:cNvPr id="17" name="Picture 16">
-              <a:extLst>
-                <a:ext uri="{FF2B5EF4-FFF2-40B4-BE49-F238E27FC236}">
-                  <a16:creationId xmlns:a16="http://schemas.microsoft.com/office/drawing/2014/main" id="{3F4096E0-3731-4642-AF22-1567F3308AD2}"/>
-                </a:ext>
-              </a:extLst>
-            </p:cNvPr>
-            <p:cNvPicPr>
-              <a:picLocks noChangeAspect="1"/>
-            </p:cNvPicPr>
-            <p:nvPr/>
-          </p:nvPicPr>
-          <p:blipFill>
-            <a:blip r:embed="rId9"/>
-            <a:stretch>
-              <a:fillRect/>
-            </a:stretch>
-          </p:blipFill>
-          <p:spPr>
-            <a:xfrm>
-              <a:off x="7799425" y="13860889"/>
-              <a:ext cx="2390775" cy="2676525"/>
-            </a:xfrm>
-            <a:prstGeom prst="rect">
-              <a:avLst/>
-            </a:prstGeom>
-          </p:spPr>
-        </p:pic>
-        <p:sp>
-          <p:nvSpPr>
-            <p:cNvPr id="68" name="TextBox 67">
-              <a:extLst>
-                <a:ext uri="{FF2B5EF4-FFF2-40B4-BE49-F238E27FC236}">
-                  <a16:creationId xmlns:a16="http://schemas.microsoft.com/office/drawing/2014/main" id="{B8B36C3A-51B7-4796-A434-CE056FBF3424}"/>
-                </a:ext>
-              </a:extLst>
-            </p:cNvPr>
-            <p:cNvSpPr txBox="1"/>
-            <p:nvPr/>
-          </p:nvSpPr>
-          <p:spPr>
-            <a:xfrm>
-              <a:off x="7799425" y="16445836"/>
-              <a:ext cx="2700542" cy="400110"/>
+              <a:off x="5678955" y="7649211"/>
+              <a:ext cx="4101181" cy="400110"/>
             </a:xfrm>
             <a:prstGeom prst="rect">
               <a:avLst/>
@@ -5016,32 +3547,22 @@
             </a:bodyPr>
             <a:lstStyle/>
             <a:p>
-              <a:pPr algn="ctr"/>
               <a:r>
-                <a:rPr lang="en-US" sz="2000" b="1" dirty="0">
+                <a:rPr lang="en-US" sz="2000" dirty="0">
                   <a:latin typeface="Times New Roman" panose="02020603050405020304" pitchFamily="18" charset="0"/>
                   <a:cs typeface="Times New Roman" panose="02020603050405020304" pitchFamily="18" charset="0"/>
                 </a:rPr>
-                <a:t>Cyclosporin</a:t>
-              </a:r>
-              <a:r>
-                <a:rPr lang="en-US" sz="2000" dirty="0">
-                  <a:solidFill>
-                    <a:srgbClr val="5B616B"/>
-                  </a:solidFill>
-                  <a:latin typeface="-apple-system"/>
-                </a:rPr>
-                <a:t> </a:t>
+                <a:t>Binding Affinity in kcal/mole</a:t>
               </a:r>
             </a:p>
           </p:txBody>
         </p:sp>
         <p:sp>
           <p:nvSpPr>
-            <p:cNvPr id="71" name="TextBox 70">
+            <p:cNvPr id="14" name="TextBox 13">
               <a:extLst>
                 <a:ext uri="{FF2B5EF4-FFF2-40B4-BE49-F238E27FC236}">
-                  <a16:creationId xmlns:a16="http://schemas.microsoft.com/office/drawing/2014/main" id="{EDB09EDB-853F-4EC5-83C3-85497C4D6B8E}"/>
+                  <a16:creationId xmlns:a16="http://schemas.microsoft.com/office/drawing/2014/main" id="{4455DCB5-551E-43CB-9730-C26043F8703E}"/>
                 </a:ext>
               </a:extLst>
             </p:cNvPr>
@@ -5049,9 +3570,9 @@
             <p:nvPr/>
           </p:nvSpPr>
           <p:spPr>
-            <a:xfrm>
-              <a:off x="556391" y="16502204"/>
-              <a:ext cx="2700542" cy="400110"/>
+            <a:xfrm rot="16200000">
+              <a:off x="-127392" y="3967403"/>
+              <a:ext cx="770186" cy="400110"/>
             </a:xfrm>
             <a:prstGeom prst="rect">
               <a:avLst/>
@@ -5066,23 +3587,22 @@
             </a:bodyPr>
             <a:lstStyle/>
             <a:p>
-              <a:pPr algn="ctr"/>
               <a:r>
-                <a:rPr lang="en-US" sz="2000" b="1" dirty="0">
+                <a:rPr lang="en-US" sz="2000" dirty="0">
                   <a:latin typeface="Times New Roman" panose="02020603050405020304" pitchFamily="18" charset="0"/>
                   <a:cs typeface="Times New Roman" panose="02020603050405020304" pitchFamily="18" charset="0"/>
                 </a:rPr>
-                <a:t>Anidulafungin</a:t>
+                <a:t>PDF</a:t>
               </a:r>
             </a:p>
           </p:txBody>
         </p:sp>
         <p:sp>
           <p:nvSpPr>
-            <p:cNvPr id="112" name="TextBox 111">
+            <p:cNvPr id="44" name="TextBox 43">
               <a:extLst>
                 <a:ext uri="{FF2B5EF4-FFF2-40B4-BE49-F238E27FC236}">
-                  <a16:creationId xmlns:a16="http://schemas.microsoft.com/office/drawing/2014/main" id="{1076047C-335E-4F79-855B-B52C1B2C1525}"/>
+                  <a16:creationId xmlns:a16="http://schemas.microsoft.com/office/drawing/2014/main" id="{1FDC6409-1EB0-4F5F-BCB8-D7E0F60907C4}"/>
                 </a:ext>
               </a:extLst>
             </p:cNvPr>
@@ -5091,8 +3611,8 @@
           </p:nvSpPr>
           <p:spPr>
             <a:xfrm>
-              <a:off x="76689" y="-55217"/>
-              <a:ext cx="880169" cy="580800"/>
+              <a:off x="8156452" y="944808"/>
+              <a:ext cx="2647787" cy="707886"/>
             </a:xfrm>
             <a:prstGeom prst="rect">
               <a:avLst/>
@@ -5106,414 +3626,430 @@
             <a:lstStyle/>
             <a:p>
               <a:r>
-                <a:rPr lang="en-US" sz="3174" b="1" dirty="0">
+                <a:rPr lang="en-US" sz="2000" dirty="0">
                   <a:latin typeface="Times New Roman" panose="02020603050405020304" pitchFamily="18" charset="0"/>
                   <a:cs typeface="Times New Roman" panose="02020603050405020304" pitchFamily="18" charset="0"/>
                 </a:rPr>
-                <a:t>A</a:t>
+                <a:t>Threshold of</a:t>
+              </a:r>
+            </a:p>
+            <a:p>
+              <a:r>
+                <a:rPr lang="en-US" sz="2000" dirty="0">
+                  <a:latin typeface="Times New Roman" panose="02020603050405020304" pitchFamily="18" charset="0"/>
+                  <a:cs typeface="Times New Roman" panose="02020603050405020304" pitchFamily="18" charset="0"/>
+                </a:rPr>
+                <a:t>-1.75 kcal/mole</a:t>
               </a:r>
             </a:p>
           </p:txBody>
         </p:sp>
-        <p:grpSp>
-          <p:nvGrpSpPr>
-            <p:cNvPr id="36" name="Group 35">
+        <p:sp>
+          <p:nvSpPr>
+            <p:cNvPr id="56" name="Rectangle 55">
               <a:extLst>
                 <a:ext uri="{FF2B5EF4-FFF2-40B4-BE49-F238E27FC236}">
-                  <a16:creationId xmlns:a16="http://schemas.microsoft.com/office/drawing/2014/main" id="{0DC4A1E7-97A2-4A55-9CDF-913F930013D1}"/>
+                  <a16:creationId xmlns:a16="http://schemas.microsoft.com/office/drawing/2014/main" id="{CB7B0D58-E4CE-4FA6-9B50-1D8364928CD7}"/>
                 </a:ext>
               </a:extLst>
             </p:cNvPr>
-            <p:cNvGrpSpPr/>
+            <p:cNvSpPr/>
             <p:nvPr/>
-          </p:nvGrpSpPr>
-          <p:grpSpPr>
+          </p:nvSpPr>
+          <p:spPr>
             <a:xfrm>
-              <a:off x="10158955" y="14101782"/>
-              <a:ext cx="3995159" cy="3006137"/>
-              <a:chOff x="10158955" y="14168435"/>
-              <a:chExt cx="3995159" cy="3006137"/>
+              <a:off x="11081451" y="882989"/>
+              <a:ext cx="2530626" cy="955793"/>
             </a:xfrm>
-          </p:grpSpPr>
-          <p:pic>
-            <p:nvPicPr>
-              <p:cNvPr id="32" name="Picture 31">
-                <a:extLst>
-                  <a:ext uri="{FF2B5EF4-FFF2-40B4-BE49-F238E27FC236}">
-                    <a16:creationId xmlns:a16="http://schemas.microsoft.com/office/drawing/2014/main" id="{AB3654D6-18DA-400B-A3F4-B982C58A2457}"/>
-                  </a:ext>
-                </a:extLst>
-              </p:cNvPr>
-              <p:cNvPicPr>
-                <a:picLocks noChangeAspect="1"/>
-              </p:cNvPicPr>
-              <p:nvPr/>
-            </p:nvPicPr>
-            <p:blipFill>
-              <a:blip r:embed="rId10"/>
-              <a:stretch>
-                <a:fillRect/>
-              </a:stretch>
-            </p:blipFill>
-            <p:spPr>
-              <a:xfrm>
-                <a:off x="10489194" y="14168435"/>
-                <a:ext cx="3379749" cy="2232080"/>
-              </a:xfrm>
-              <a:prstGeom prst="rect">
-                <a:avLst/>
-              </a:prstGeom>
-            </p:spPr>
-          </p:pic>
-          <p:grpSp>
-            <p:nvGrpSpPr>
-              <p:cNvPr id="114" name="Group 113">
-                <a:extLst>
-                  <a:ext uri="{FF2B5EF4-FFF2-40B4-BE49-F238E27FC236}">
-                    <a16:creationId xmlns:a16="http://schemas.microsoft.com/office/drawing/2014/main" id="{4FFE27B1-2499-4DB3-B662-9EBD97D39AF3}"/>
-                  </a:ext>
-                </a:extLst>
-              </p:cNvPr>
-              <p:cNvGrpSpPr/>
-              <p:nvPr/>
-            </p:nvGrpSpPr>
-            <p:grpSpPr>
-              <a:xfrm>
-                <a:off x="10158955" y="14175799"/>
-                <a:ext cx="3995159" cy="2998773"/>
-                <a:chOff x="4204828" y="15871791"/>
-                <a:chExt cx="3995159" cy="2998773"/>
-              </a:xfrm>
-            </p:grpSpPr>
-            <p:sp>
-              <p:nvSpPr>
-                <p:cNvPr id="116" name="TextBox 115">
-                  <a:extLst>
-                    <a:ext uri="{FF2B5EF4-FFF2-40B4-BE49-F238E27FC236}">
-                      <a16:creationId xmlns:a16="http://schemas.microsoft.com/office/drawing/2014/main" id="{A95D82AF-9185-4E9D-8E10-0C6A076F00C3}"/>
-                    </a:ext>
-                  </a:extLst>
-                </p:cNvPr>
-                <p:cNvSpPr txBox="1"/>
-                <p:nvPr/>
-              </p:nvSpPr>
-              <p:spPr>
-                <a:xfrm rot="16200000">
-                  <a:off x="3637333" y="16439286"/>
-                  <a:ext cx="1504321" cy="369332"/>
-                </a:xfrm>
-                <a:prstGeom prst="rect">
-                  <a:avLst/>
-                </a:prstGeom>
-                <a:noFill/>
-              </p:spPr>
-              <p:txBody>
-                <a:bodyPr wrap="square" rtlCol="0">
-                  <a:spAutoFit/>
-                </a:bodyPr>
-                <a:lstStyle/>
-                <a:p>
-                  <a:r>
-                    <a:rPr lang="en-US" dirty="0">
-                      <a:solidFill>
-                        <a:srgbClr val="0000F8"/>
-                      </a:solidFill>
-                      <a:latin typeface="Times New Roman" panose="02020603050405020304" pitchFamily="18" charset="0"/>
-                      <a:cs typeface="Times New Roman" panose="02020603050405020304" pitchFamily="18" charset="0"/>
-                    </a:rPr>
-                    <a:t>% Inhibition</a:t>
-                  </a:r>
-                </a:p>
-              </p:txBody>
-            </p:sp>
-            <p:sp>
-              <p:nvSpPr>
-                <p:cNvPr id="117" name="TextBox 116">
-                  <a:extLst>
-                    <a:ext uri="{FF2B5EF4-FFF2-40B4-BE49-F238E27FC236}">
-                      <a16:creationId xmlns:a16="http://schemas.microsoft.com/office/drawing/2014/main" id="{7C4C2B78-F1CA-4446-B68D-ECAB766DFE82}"/>
-                    </a:ext>
-                  </a:extLst>
-                </p:cNvPr>
-                <p:cNvSpPr txBox="1"/>
-                <p:nvPr/>
-              </p:nvSpPr>
-              <p:spPr>
-                <a:xfrm rot="5400000">
-                  <a:off x="7263160" y="16972911"/>
-                  <a:ext cx="1504321" cy="369332"/>
-                </a:xfrm>
-                <a:prstGeom prst="rect">
-                  <a:avLst/>
-                </a:prstGeom>
-                <a:noFill/>
-              </p:spPr>
-              <p:txBody>
-                <a:bodyPr wrap="square" rtlCol="0">
-                  <a:spAutoFit/>
-                </a:bodyPr>
-                <a:lstStyle/>
-                <a:p>
-                  <a:r>
-                    <a:rPr lang="en-US" dirty="0">
-                      <a:solidFill>
-                        <a:srgbClr val="F7080B"/>
-                      </a:solidFill>
-                      <a:latin typeface="Times New Roman" panose="02020603050405020304" pitchFamily="18" charset="0"/>
-                      <a:cs typeface="Times New Roman" panose="02020603050405020304" pitchFamily="18" charset="0"/>
-                    </a:rPr>
-                    <a:t>% Cell ratio</a:t>
-                  </a:r>
-                </a:p>
-              </p:txBody>
-            </p:sp>
-            <p:sp>
-              <p:nvSpPr>
-                <p:cNvPr id="118" name="Rectangle 117">
-                  <a:extLst>
-                    <a:ext uri="{FF2B5EF4-FFF2-40B4-BE49-F238E27FC236}">
-                      <a16:creationId xmlns:a16="http://schemas.microsoft.com/office/drawing/2014/main" id="{5CABB3C3-FEDE-4253-9713-A6E97FA07002}"/>
-                    </a:ext>
-                  </a:extLst>
-                </p:cNvPr>
-                <p:cNvSpPr/>
-                <p:nvPr/>
-              </p:nvSpPr>
-              <p:spPr>
-                <a:xfrm>
-                  <a:off x="4286474" y="17390216"/>
-                  <a:ext cx="258690" cy="204716"/>
-                </a:xfrm>
-                <a:prstGeom prst="rect">
-                  <a:avLst/>
-                </a:prstGeom>
+            <a:prstGeom prst="rect">
+              <a:avLst/>
+            </a:prstGeom>
+            <a:solidFill>
+              <a:schemeClr val="bg1"/>
+            </a:solidFill>
+            <a:ln>
+              <a:solidFill>
+                <a:schemeClr val="tx1"/>
+              </a:solidFill>
+            </a:ln>
+          </p:spPr>
+          <p:style>
+            <a:lnRef idx="2">
+              <a:schemeClr val="accent1">
+                <a:shade val="50000"/>
+              </a:schemeClr>
+            </a:lnRef>
+            <a:fillRef idx="1">
+              <a:schemeClr val="accent1"/>
+            </a:fillRef>
+            <a:effectRef idx="0">
+              <a:schemeClr val="accent1"/>
+            </a:effectRef>
+            <a:fontRef idx="minor">
+              <a:schemeClr val="lt1"/>
+            </a:fontRef>
+          </p:style>
+          <p:txBody>
+            <a:bodyPr rtlCol="0" anchor="ctr"/>
+            <a:lstStyle/>
+            <a:p>
+              <a:pPr algn="ctr"/>
+              <a:endParaRPr lang="en-US" dirty="0"/>
+            </a:p>
+          </p:txBody>
+        </p:sp>
+        <p:sp>
+          <p:nvSpPr>
+            <p:cNvPr id="69" name="TextBox 68">
+              <a:extLst>
+                <a:ext uri="{FF2B5EF4-FFF2-40B4-BE49-F238E27FC236}">
+                  <a16:creationId xmlns:a16="http://schemas.microsoft.com/office/drawing/2014/main" id="{2BB5331D-8F39-4FDC-9D08-414335693E54}"/>
+                </a:ext>
+              </a:extLst>
+            </p:cNvPr>
+            <p:cNvSpPr txBox="1"/>
+            <p:nvPr/>
+          </p:nvSpPr>
+          <p:spPr>
+            <a:xfrm>
+              <a:off x="11499096" y="898641"/>
+              <a:ext cx="2647787" cy="400110"/>
+            </a:xfrm>
+            <a:prstGeom prst="rect">
+              <a:avLst/>
+            </a:prstGeom>
+            <a:noFill/>
+          </p:spPr>
+          <p:txBody>
+            <a:bodyPr wrap="square" rtlCol="0">
+              <a:spAutoFit/>
+            </a:bodyPr>
+            <a:lstStyle/>
+            <a:p>
+              <a:r>
+                <a:rPr lang="en-US" sz="2000" dirty="0">
+                  <a:latin typeface="Times New Roman" panose="02020603050405020304" pitchFamily="18" charset="0"/>
+                  <a:cs typeface="Times New Roman" panose="02020603050405020304" pitchFamily="18" charset="0"/>
+                </a:rPr>
+                <a:t>Top Predictions</a:t>
+              </a:r>
+            </a:p>
+          </p:txBody>
+        </p:sp>
+        <p:sp>
+          <p:nvSpPr>
+            <p:cNvPr id="70" name="TextBox 69">
+              <a:extLst>
+                <a:ext uri="{FF2B5EF4-FFF2-40B4-BE49-F238E27FC236}">
+                  <a16:creationId xmlns:a16="http://schemas.microsoft.com/office/drawing/2014/main" id="{74F3CF25-7269-4019-B3D2-24D6DBC39CE2}"/>
+                </a:ext>
+              </a:extLst>
+            </p:cNvPr>
+            <p:cNvSpPr txBox="1"/>
+            <p:nvPr/>
+          </p:nvSpPr>
+          <p:spPr>
+            <a:xfrm>
+              <a:off x="11521181" y="1335000"/>
+              <a:ext cx="2647787" cy="400110"/>
+            </a:xfrm>
+            <a:prstGeom prst="rect">
+              <a:avLst/>
+            </a:prstGeom>
+            <a:noFill/>
+          </p:spPr>
+          <p:txBody>
+            <a:bodyPr wrap="square" rtlCol="0">
+              <a:spAutoFit/>
+            </a:bodyPr>
+            <a:lstStyle/>
+            <a:p>
+              <a:r>
+                <a:rPr lang="en-US" sz="2000" dirty="0">
+                  <a:latin typeface="Times New Roman" panose="02020603050405020304" pitchFamily="18" charset="0"/>
+                  <a:cs typeface="Times New Roman" panose="02020603050405020304" pitchFamily="18" charset="0"/>
+                </a:rPr>
+                <a:t>Bottom Predictions</a:t>
+              </a:r>
+            </a:p>
+          </p:txBody>
+        </p:sp>
+        <p:sp>
+          <p:nvSpPr>
+            <p:cNvPr id="61" name="Rectangle 60">
+              <a:extLst>
+                <a:ext uri="{FF2B5EF4-FFF2-40B4-BE49-F238E27FC236}">
+                  <a16:creationId xmlns:a16="http://schemas.microsoft.com/office/drawing/2014/main" id="{E890C59C-2127-496E-AD62-AD7FA4B8F743}"/>
+                </a:ext>
+              </a:extLst>
+            </p:cNvPr>
+            <p:cNvSpPr/>
+            <p:nvPr/>
+          </p:nvSpPr>
+          <p:spPr>
+            <a:xfrm>
+              <a:off x="11138137" y="944032"/>
+              <a:ext cx="383044" cy="319848"/>
+            </a:xfrm>
+            <a:prstGeom prst="rect">
+              <a:avLst/>
+            </a:prstGeom>
+            <a:solidFill>
+              <a:srgbClr val="2393FF"/>
+            </a:solidFill>
+            <a:ln>
+              <a:noFill/>
+            </a:ln>
+          </p:spPr>
+          <p:style>
+            <a:lnRef idx="2">
+              <a:schemeClr val="accent1">
+                <a:shade val="50000"/>
+              </a:schemeClr>
+            </a:lnRef>
+            <a:fillRef idx="1">
+              <a:schemeClr val="accent1"/>
+            </a:fillRef>
+            <a:effectRef idx="0">
+              <a:schemeClr val="accent1"/>
+            </a:effectRef>
+            <a:fontRef idx="minor">
+              <a:schemeClr val="lt1"/>
+            </a:fontRef>
+          </p:style>
+          <p:txBody>
+            <a:bodyPr rtlCol="0" anchor="ctr"/>
+            <a:lstStyle/>
+            <a:p>
+              <a:pPr algn="ctr"/>
+              <a:endParaRPr lang="en-US" dirty="0"/>
+            </a:p>
+          </p:txBody>
+        </p:sp>
+      </p:grpSp>
+      <p:sp>
+        <p:nvSpPr>
+          <p:cNvPr id="46" name="TextBox 45">
+            <a:extLst>
+              <a:ext uri="{FF2B5EF4-FFF2-40B4-BE49-F238E27FC236}">
+                <a16:creationId xmlns:a16="http://schemas.microsoft.com/office/drawing/2014/main" id="{000DB218-0B9F-409A-BD43-789A973F4A79}"/>
+              </a:ext>
+            </a:extLst>
+          </p:cNvPr>
+          <p:cNvSpPr txBox="1"/>
+          <p:nvPr/>
+        </p:nvSpPr>
+        <p:spPr>
+          <a:xfrm>
+            <a:off x="7427029" y="7659376"/>
+            <a:ext cx="897706" cy="580800"/>
+          </a:xfrm>
+          <a:prstGeom prst="rect">
+            <a:avLst/>
+          </a:prstGeom>
+          <a:noFill/>
+        </p:spPr>
+        <p:txBody>
+          <a:bodyPr wrap="square" rtlCol="0">
+            <a:spAutoFit/>
+          </a:bodyPr>
+          <a:lstStyle/>
+          <a:p>
+            <a:r>
+              <a:rPr lang="en-US" sz="3174" b="1" dirty="0">
+                <a:latin typeface="Times New Roman" panose="02020603050405020304" pitchFamily="18" charset="0"/>
+                <a:cs typeface="Times New Roman" panose="02020603050405020304" pitchFamily="18" charset="0"/>
+              </a:rPr>
+              <a:t>C</a:t>
+            </a:r>
+          </a:p>
+        </p:txBody>
+      </p:sp>
+      <p:pic>
+        <p:nvPicPr>
+          <p:cNvPr id="17" name="Picture 16">
+            <a:extLst>
+              <a:ext uri="{FF2B5EF4-FFF2-40B4-BE49-F238E27FC236}">
+                <a16:creationId xmlns:a16="http://schemas.microsoft.com/office/drawing/2014/main" id="{3F4096E0-3731-4642-AF22-1567F3308AD2}"/>
+              </a:ext>
+            </a:extLst>
+          </p:cNvPr>
+          <p:cNvPicPr>
+            <a:picLocks noChangeAspect="1"/>
+          </p:cNvPicPr>
+          <p:nvPr/>
+        </p:nvPicPr>
+        <p:blipFill>
+          <a:blip r:embed="rId4"/>
+          <a:stretch>
+            <a:fillRect/>
+          </a:stretch>
+        </p:blipFill>
+        <p:spPr>
+          <a:xfrm>
+            <a:off x="12198790" y="7600900"/>
+            <a:ext cx="2390775" cy="2676525"/>
+          </a:xfrm>
+          <a:prstGeom prst="rect">
+            <a:avLst/>
+          </a:prstGeom>
+        </p:spPr>
+      </p:pic>
+      <p:sp>
+        <p:nvSpPr>
+          <p:cNvPr id="68" name="TextBox 67">
+            <a:extLst>
+              <a:ext uri="{FF2B5EF4-FFF2-40B4-BE49-F238E27FC236}">
+                <a16:creationId xmlns:a16="http://schemas.microsoft.com/office/drawing/2014/main" id="{B8B36C3A-51B7-4796-A434-CE056FBF3424}"/>
+              </a:ext>
+            </a:extLst>
+          </p:cNvPr>
+          <p:cNvSpPr txBox="1"/>
+          <p:nvPr/>
+        </p:nvSpPr>
+        <p:spPr>
+          <a:xfrm>
+            <a:off x="12133543" y="10213295"/>
+            <a:ext cx="2700542" cy="400110"/>
+          </a:xfrm>
+          <a:prstGeom prst="rect">
+            <a:avLst/>
+          </a:prstGeom>
+          <a:solidFill>
+            <a:schemeClr val="bg1"/>
+          </a:solidFill>
+        </p:spPr>
+        <p:txBody>
+          <a:bodyPr wrap="square" rtlCol="0">
+            <a:spAutoFit/>
+          </a:bodyPr>
+          <a:lstStyle/>
+          <a:p>
+            <a:pPr algn="ctr"/>
+            <a:r>
+              <a:rPr lang="en-US" sz="2000" b="1" dirty="0">
+                <a:latin typeface="Times New Roman" panose="02020603050405020304" pitchFamily="18" charset="0"/>
+                <a:cs typeface="Times New Roman" panose="02020603050405020304" pitchFamily="18" charset="0"/>
+              </a:rPr>
+              <a:t>Cyclosporin</a:t>
+            </a:r>
+            <a:r>
+              <a:rPr lang="en-US" sz="2000" dirty="0">
                 <a:solidFill>
-                  <a:srgbClr val="0201FC"/>
+                  <a:srgbClr val="5B616B"/>
                 </a:solidFill>
-              </p:spPr>
-              <p:style>
-                <a:lnRef idx="2">
-                  <a:schemeClr val="accent1">
-                    <a:shade val="50000"/>
-                  </a:schemeClr>
-                </a:lnRef>
-                <a:fillRef idx="1">
-                  <a:schemeClr val="accent1"/>
-                </a:fillRef>
-                <a:effectRef idx="0">
-                  <a:schemeClr val="accent1"/>
-                </a:effectRef>
-                <a:fontRef idx="minor">
-                  <a:schemeClr val="lt1"/>
-                </a:fontRef>
-              </p:style>
-              <p:txBody>
-                <a:bodyPr rtlCol="0" anchor="ctr"/>
-                <a:lstStyle/>
-                <a:p>
-                  <a:pPr algn="ctr"/>
-                  <a:endParaRPr lang="en-US"/>
-                </a:p>
-              </p:txBody>
-            </p:sp>
-            <p:sp>
-              <p:nvSpPr>
-                <p:cNvPr id="119" name="Rectangle 118">
-                  <a:extLst>
-                    <a:ext uri="{FF2B5EF4-FFF2-40B4-BE49-F238E27FC236}">
-                      <a16:creationId xmlns:a16="http://schemas.microsoft.com/office/drawing/2014/main" id="{3DC2BD83-294F-4943-BF47-B36F8B06C564}"/>
-                    </a:ext>
-                  </a:extLst>
-                </p:cNvPr>
-                <p:cNvSpPr/>
-                <p:nvPr/>
-              </p:nvSpPr>
-              <p:spPr>
-                <a:xfrm>
-                  <a:off x="7885975" y="16218647"/>
-                  <a:ext cx="258690" cy="204716"/>
-                </a:xfrm>
-                <a:prstGeom prst="rect">
-                  <a:avLst/>
-                </a:prstGeom>
-                <a:solidFill>
-                  <a:srgbClr val="FD0000"/>
-                </a:solidFill>
-              </p:spPr>
-              <p:style>
-                <a:lnRef idx="2">
-                  <a:schemeClr val="accent1">
-                    <a:shade val="50000"/>
-                  </a:schemeClr>
-                </a:lnRef>
-                <a:fillRef idx="1">
-                  <a:schemeClr val="accent1"/>
-                </a:fillRef>
-                <a:effectRef idx="0">
-                  <a:schemeClr val="accent1"/>
-                </a:effectRef>
-                <a:fontRef idx="minor">
-                  <a:schemeClr val="lt1"/>
-                </a:fontRef>
-              </p:style>
-              <p:txBody>
-                <a:bodyPr rtlCol="0" anchor="ctr"/>
-                <a:lstStyle/>
-                <a:p>
-                  <a:pPr algn="ctr"/>
-                  <a:endParaRPr lang="en-US"/>
-                </a:p>
-              </p:txBody>
-            </p:sp>
-            <p:sp>
-              <p:nvSpPr>
-                <p:cNvPr id="120" name="TextBox 119">
-                  <a:extLst>
-                    <a:ext uri="{FF2B5EF4-FFF2-40B4-BE49-F238E27FC236}">
-                      <a16:creationId xmlns:a16="http://schemas.microsoft.com/office/drawing/2014/main" id="{6CC3DA2F-FB47-49E4-8788-72854396468D}"/>
-                    </a:ext>
-                  </a:extLst>
-                </p:cNvPr>
-                <p:cNvSpPr txBox="1"/>
-                <p:nvPr/>
-              </p:nvSpPr>
-              <p:spPr>
-                <a:xfrm>
-                  <a:off x="4974395" y="17939723"/>
-                  <a:ext cx="2529816" cy="369332"/>
-                </a:xfrm>
-                <a:prstGeom prst="rect">
-                  <a:avLst/>
-                </a:prstGeom>
-                <a:noFill/>
-              </p:spPr>
-              <p:txBody>
-                <a:bodyPr wrap="square" rtlCol="0">
-                  <a:spAutoFit/>
-                </a:bodyPr>
-                <a:lstStyle/>
-                <a:p>
-                  <a:r>
-                    <a:rPr lang="en-US" dirty="0">
-                      <a:latin typeface="Times New Roman" panose="02020603050405020304" pitchFamily="18" charset="0"/>
-                      <a:cs typeface="Times New Roman" panose="02020603050405020304" pitchFamily="18" charset="0"/>
-                    </a:rPr>
-                    <a:t>Concentration [log </a:t>
-                  </a:r>
-                  <a:r>
-                    <a:rPr lang="el-GR" dirty="0">
-                      <a:solidFill>
-                        <a:srgbClr val="202124"/>
-                      </a:solidFill>
-                      <a:latin typeface="Times New Roman" panose="02020603050405020304" pitchFamily="18" charset="0"/>
-                      <a:cs typeface="Times New Roman" panose="02020603050405020304" pitchFamily="18" charset="0"/>
-                    </a:rPr>
-                    <a:t>μ</a:t>
-                  </a:r>
-                  <a:r>
-                    <a:rPr lang="en-US" dirty="0">
-                      <a:latin typeface="Times New Roman" panose="02020603050405020304" pitchFamily="18" charset="0"/>
-                      <a:cs typeface="Times New Roman" panose="02020603050405020304" pitchFamily="18" charset="0"/>
-                    </a:rPr>
-                    <a:t>M]</a:t>
-                  </a:r>
-                </a:p>
-              </p:txBody>
-            </p:sp>
-            <p:sp>
-              <p:nvSpPr>
-                <p:cNvPr id="121" name="TextBox 120">
-                  <a:extLst>
-                    <a:ext uri="{FF2B5EF4-FFF2-40B4-BE49-F238E27FC236}">
-                      <a16:creationId xmlns:a16="http://schemas.microsoft.com/office/drawing/2014/main" id="{8D51C4E7-E461-42DC-B436-44B0539378B1}"/>
-                    </a:ext>
-                  </a:extLst>
-                </p:cNvPr>
-                <p:cNvSpPr txBox="1"/>
-                <p:nvPr/>
-              </p:nvSpPr>
-              <p:spPr>
-                <a:xfrm>
-                  <a:off x="4803589" y="18224233"/>
-                  <a:ext cx="2995836" cy="646331"/>
-                </a:xfrm>
-                <a:prstGeom prst="rect">
-                  <a:avLst/>
-                </a:prstGeom>
-                <a:noFill/>
-              </p:spPr>
-              <p:txBody>
-                <a:bodyPr wrap="square" rtlCol="0">
-                  <a:spAutoFit/>
-                </a:bodyPr>
-                <a:lstStyle/>
-                <a:p>
-                  <a:r>
-                    <a:rPr lang="en-US" dirty="0">
-                      <a:latin typeface="Times New Roman" panose="02020603050405020304" pitchFamily="18" charset="0"/>
-                      <a:ea typeface="Calibri" panose="020F0502020204030204" pitchFamily="34" charset="0"/>
-                      <a:cs typeface="Times New Roman" panose="02020603050405020304" pitchFamily="18" charset="0"/>
-                    </a:rPr>
-                    <a:t>IC</a:t>
-                  </a:r>
-                  <a:r>
-                    <a:rPr lang="en-US" baseline="-25000" dirty="0">
-                      <a:latin typeface="Times New Roman" panose="02020603050405020304" pitchFamily="18" charset="0"/>
-                      <a:ea typeface="Calibri" panose="020F0502020204030204" pitchFamily="34" charset="0"/>
-                      <a:cs typeface="Times New Roman" panose="02020603050405020304" pitchFamily="18" charset="0"/>
-                    </a:rPr>
-                    <a:t>50</a:t>
-                  </a:r>
-                  <a:r>
-                    <a:rPr lang="en-US" dirty="0">
-                      <a:latin typeface="Times New Roman" panose="02020603050405020304" pitchFamily="18" charset="0"/>
-                      <a:ea typeface="Calibri" panose="020F0502020204030204" pitchFamily="34" charset="0"/>
-                      <a:cs typeface="Times New Roman" panose="02020603050405020304" pitchFamily="18" charset="0"/>
-                    </a:rPr>
-                    <a:t>=5.82; CC</a:t>
-                  </a:r>
-                  <a:r>
-                    <a:rPr lang="en-US" baseline="-25000" dirty="0">
-                      <a:latin typeface="Times New Roman" panose="02020603050405020304" pitchFamily="18" charset="0"/>
-                      <a:ea typeface="Calibri" panose="020F0502020204030204" pitchFamily="34" charset="0"/>
-                      <a:cs typeface="Times New Roman" panose="02020603050405020304" pitchFamily="18" charset="0"/>
-                    </a:rPr>
-                    <a:t>50</a:t>
-                  </a:r>
-                  <a:r>
-                    <a:rPr lang="en-US" dirty="0">
-                      <a:latin typeface="Times New Roman" panose="02020603050405020304" pitchFamily="18" charset="0"/>
-                      <a:ea typeface="Calibri" panose="020F0502020204030204" pitchFamily="34" charset="0"/>
-                      <a:cs typeface="Times New Roman" panose="02020603050405020304" pitchFamily="18" charset="0"/>
-                    </a:rPr>
-                    <a:t>&gt;50; SI=8.59</a:t>
-                  </a:r>
-                </a:p>
-                <a:p>
-                  <a:r>
-                    <a:rPr lang="en-US" baseline="-25000" dirty="0">
-                      <a:latin typeface="Times New Roman" panose="02020603050405020304" pitchFamily="18" charset="0"/>
-                      <a:ea typeface="Calibri" panose="020F0502020204030204" pitchFamily="34" charset="0"/>
-                      <a:cs typeface="Times New Roman" panose="02020603050405020304" pitchFamily="18" charset="0"/>
-                    </a:rPr>
-                    <a:t> </a:t>
-                  </a:r>
-                  <a:endParaRPr lang="en-US" dirty="0">
-                    <a:latin typeface="Times New Roman" panose="02020603050405020304" pitchFamily="18" charset="0"/>
-                    <a:ea typeface="Calibri" panose="020F0502020204030204" pitchFamily="34" charset="0"/>
-                    <a:cs typeface="Times New Roman" panose="02020603050405020304" pitchFamily="18" charset="0"/>
-                  </a:endParaRPr>
-                </a:p>
-              </p:txBody>
-            </p:sp>
-          </p:grpSp>
-        </p:grpSp>
+                <a:latin typeface="-apple-system"/>
+              </a:rPr>
+              <a:t> </a:t>
+            </a:r>
+          </a:p>
+        </p:txBody>
+      </p:sp>
+      <p:sp>
+        <p:nvSpPr>
+          <p:cNvPr id="71" name="TextBox 70">
+            <a:extLst>
+              <a:ext uri="{FF2B5EF4-FFF2-40B4-BE49-F238E27FC236}">
+                <a16:creationId xmlns:a16="http://schemas.microsoft.com/office/drawing/2014/main" id="{EDB09EDB-853F-4EC5-83C3-85497C4D6B8E}"/>
+              </a:ext>
+            </a:extLst>
+          </p:cNvPr>
+          <p:cNvSpPr txBox="1"/>
+          <p:nvPr/>
+        </p:nvSpPr>
+        <p:spPr>
+          <a:xfrm>
+            <a:off x="8115930" y="10143751"/>
+            <a:ext cx="2700542" cy="400110"/>
+          </a:xfrm>
+          <a:prstGeom prst="rect">
+            <a:avLst/>
+          </a:prstGeom>
+          <a:solidFill>
+            <a:schemeClr val="bg1"/>
+          </a:solidFill>
+        </p:spPr>
+        <p:txBody>
+          <a:bodyPr wrap="square" rtlCol="0">
+            <a:spAutoFit/>
+          </a:bodyPr>
+          <a:lstStyle/>
+          <a:p>
+            <a:pPr algn="ctr"/>
+            <a:r>
+              <a:rPr lang="en-US" sz="2000" b="1" dirty="0">
+                <a:latin typeface="Times New Roman" panose="02020603050405020304" pitchFamily="18" charset="0"/>
+                <a:cs typeface="Times New Roman" panose="02020603050405020304" pitchFamily="18" charset="0"/>
+              </a:rPr>
+              <a:t>Anidulafungin</a:t>
+            </a:r>
+          </a:p>
+        </p:txBody>
+      </p:sp>
+      <p:sp>
+        <p:nvSpPr>
+          <p:cNvPr id="112" name="TextBox 111">
+            <a:extLst>
+              <a:ext uri="{FF2B5EF4-FFF2-40B4-BE49-F238E27FC236}">
+                <a16:creationId xmlns:a16="http://schemas.microsoft.com/office/drawing/2014/main" id="{1076047C-335E-4F79-855B-B52C1B2C1525}"/>
+              </a:ext>
+            </a:extLst>
+          </p:cNvPr>
+          <p:cNvSpPr txBox="1"/>
+          <p:nvPr/>
+        </p:nvSpPr>
+        <p:spPr>
+          <a:xfrm>
+            <a:off x="87327" y="0"/>
+            <a:ext cx="880169" cy="580800"/>
+          </a:xfrm>
+          <a:prstGeom prst="rect">
+            <a:avLst/>
+          </a:prstGeom>
+          <a:noFill/>
+        </p:spPr>
+        <p:txBody>
+          <a:bodyPr wrap="square" rtlCol="0">
+            <a:spAutoFit/>
+          </a:bodyPr>
+          <a:lstStyle/>
+          <a:p>
+            <a:r>
+              <a:rPr lang="en-US" sz="3174" b="1" dirty="0">
+                <a:latin typeface="Times New Roman" panose="02020603050405020304" pitchFamily="18" charset="0"/>
+                <a:cs typeface="Times New Roman" panose="02020603050405020304" pitchFamily="18" charset="0"/>
+              </a:rPr>
+              <a:t>A</a:t>
+            </a:r>
+          </a:p>
+        </p:txBody>
+      </p:sp>
+      <p:grpSp>
+        <p:nvGrpSpPr>
+          <p:cNvPr id="36" name="Group 35">
+            <a:extLst>
+              <a:ext uri="{FF2B5EF4-FFF2-40B4-BE49-F238E27FC236}">
+                <a16:creationId xmlns:a16="http://schemas.microsoft.com/office/drawing/2014/main" id="{0DC4A1E7-97A2-4A55-9CDF-913F930013D1}"/>
+              </a:ext>
+            </a:extLst>
+          </p:cNvPr>
+          <p:cNvGrpSpPr/>
+          <p:nvPr/>
+        </p:nvGrpSpPr>
+        <p:grpSpPr>
+          <a:xfrm>
+            <a:off x="11463700" y="10662392"/>
+            <a:ext cx="3995160" cy="3006137"/>
+            <a:chOff x="10158954" y="14168435"/>
+            <a:chExt cx="3995160" cy="3006137"/>
+          </a:xfrm>
+        </p:grpSpPr>
         <p:pic>
           <p:nvPicPr>
-            <p:cNvPr id="13" name="Picture 12">
+            <p:cNvPr id="32" name="Picture 31">
               <a:extLst>
                 <a:ext uri="{FF2B5EF4-FFF2-40B4-BE49-F238E27FC236}">
-                  <a16:creationId xmlns:a16="http://schemas.microsoft.com/office/drawing/2014/main" id="{BF80C24D-407B-402F-86A3-05F16F6A39B1}"/>
+                  <a16:creationId xmlns:a16="http://schemas.microsoft.com/office/drawing/2014/main" id="{AB3654D6-18DA-400B-A3F4-B982C58A2457}"/>
                 </a:ext>
               </a:extLst>
             </p:cNvPr>
@@ -5523,15 +4059,15 @@
             <p:nvPr/>
           </p:nvPicPr>
           <p:blipFill>
-            <a:blip r:embed="rId11"/>
+            <a:blip r:embed="rId5"/>
             <a:stretch>
               <a:fillRect/>
             </a:stretch>
           </p:blipFill>
           <p:spPr>
             <a:xfrm>
-              <a:off x="19086" y="14290699"/>
-              <a:ext cx="3775153" cy="1867979"/>
+              <a:off x="10489194" y="14168435"/>
+              <a:ext cx="3379749" cy="2232080"/>
             </a:xfrm>
             <a:prstGeom prst="rect">
               <a:avLst/>
@@ -5540,10 +4076,10 @@
         </p:pic>
         <p:grpSp>
           <p:nvGrpSpPr>
-            <p:cNvPr id="30" name="Group 29">
+            <p:cNvPr id="114" name="Group 113">
               <a:extLst>
                 <a:ext uri="{FF2B5EF4-FFF2-40B4-BE49-F238E27FC236}">
-                  <a16:creationId xmlns:a16="http://schemas.microsoft.com/office/drawing/2014/main" id="{E18254A2-1BEC-40A8-BFD1-9C3B965C99F4}"/>
+                  <a16:creationId xmlns:a16="http://schemas.microsoft.com/office/drawing/2014/main" id="{4FFE27B1-2499-4DB3-B662-9EBD97D39AF3}"/>
                 </a:ext>
               </a:extLst>
             </p:cNvPr>
@@ -5552,48 +4088,18 @@
           </p:nvGrpSpPr>
           <p:grpSpPr>
             <a:xfrm>
-              <a:off x="3679443" y="14290699"/>
-              <a:ext cx="3967365" cy="3019902"/>
-              <a:chOff x="4204828" y="15850662"/>
-              <a:chExt cx="3967365" cy="3019902"/>
+              <a:off x="10158954" y="14175800"/>
+              <a:ext cx="3995160" cy="2998772"/>
+              <a:chOff x="4204827" y="15871792"/>
+              <a:chExt cx="3995160" cy="2998772"/>
             </a:xfrm>
           </p:grpSpPr>
-          <p:pic>
-            <p:nvPicPr>
-              <p:cNvPr id="21" name="Picture 20">
+          <p:sp>
+            <p:nvSpPr>
+              <p:cNvPr id="116" name="TextBox 115">
                 <a:extLst>
                   <a:ext uri="{FF2B5EF4-FFF2-40B4-BE49-F238E27FC236}">
-                    <a16:creationId xmlns:a16="http://schemas.microsoft.com/office/drawing/2014/main" id="{2F3C1E16-FFB0-4DB7-B3C2-3E1285F901B2}"/>
-                  </a:ext>
-                </a:extLst>
-              </p:cNvPr>
-              <p:cNvPicPr>
-                <a:picLocks noChangeAspect="1"/>
-              </p:cNvPicPr>
-              <p:nvPr/>
-            </p:nvPicPr>
-            <p:blipFill>
-              <a:blip r:embed="rId12"/>
-              <a:stretch>
-                <a:fillRect/>
-              </a:stretch>
-            </p:blipFill>
-            <p:spPr>
-              <a:xfrm>
-                <a:off x="4506376" y="15850662"/>
-                <a:ext cx="3423512" cy="2153209"/>
-              </a:xfrm>
-              <a:prstGeom prst="rect">
-                <a:avLst/>
-              </a:prstGeom>
-            </p:spPr>
-          </p:pic>
-          <p:sp>
-            <p:nvSpPr>
-              <p:cNvPr id="22" name="TextBox 21">
-                <a:extLst>
-                  <a:ext uri="{FF2B5EF4-FFF2-40B4-BE49-F238E27FC236}">
-                    <a16:creationId xmlns:a16="http://schemas.microsoft.com/office/drawing/2014/main" id="{593CFE39-BE15-45C2-B387-A95645C7889A}"/>
+                    <a16:creationId xmlns:a16="http://schemas.microsoft.com/office/drawing/2014/main" id="{A95D82AF-9185-4E9D-8E10-0C6A076F00C3}"/>
                   </a:ext>
                 </a:extLst>
               </p:cNvPr>
@@ -5602,8 +4108,8 @@
             </p:nvSpPr>
             <p:spPr>
               <a:xfrm rot="16200000">
-                <a:off x="3637333" y="16439286"/>
-                <a:ext cx="1504321" cy="369332"/>
+                <a:off x="3637332" y="16439287"/>
+                <a:ext cx="1504322" cy="369332"/>
               </a:xfrm>
               <a:prstGeom prst="rect">
                 <a:avLst/>
@@ -5631,10 +4137,10 @@
           </p:sp>
           <p:sp>
             <p:nvSpPr>
-              <p:cNvPr id="74" name="TextBox 73">
+              <p:cNvPr id="117" name="TextBox 116">
                 <a:extLst>
                   <a:ext uri="{FF2B5EF4-FFF2-40B4-BE49-F238E27FC236}">
-                    <a16:creationId xmlns:a16="http://schemas.microsoft.com/office/drawing/2014/main" id="{0E60287A-9E18-49AA-A89D-CCC1D89E5F53}"/>
+                    <a16:creationId xmlns:a16="http://schemas.microsoft.com/office/drawing/2014/main" id="{7C4C2B78-F1CA-4446-B68D-ECAB766DFE82}"/>
                   </a:ext>
                 </a:extLst>
               </p:cNvPr>
@@ -5643,7 +4149,7 @@
             </p:nvSpPr>
             <p:spPr>
               <a:xfrm rot="5400000">
-                <a:off x="7235366" y="16961685"/>
+                <a:off x="7263160" y="16972912"/>
                 <a:ext cx="1504321" cy="369332"/>
               </a:xfrm>
               <a:prstGeom prst="rect">
@@ -5672,10 +4178,10 @@
           </p:sp>
           <p:sp>
             <p:nvSpPr>
-              <p:cNvPr id="24" name="Rectangle 23">
+              <p:cNvPr id="118" name="Rectangle 117">
                 <a:extLst>
                   <a:ext uri="{FF2B5EF4-FFF2-40B4-BE49-F238E27FC236}">
-                    <a16:creationId xmlns:a16="http://schemas.microsoft.com/office/drawing/2014/main" id="{9D8F4083-E7D0-4F02-A037-3B1FD4BC8F80}"/>
+                    <a16:creationId xmlns:a16="http://schemas.microsoft.com/office/drawing/2014/main" id="{5CABB3C3-FEDE-4253-9713-A6E97FA07002}"/>
                   </a:ext>
                 </a:extLst>
               </p:cNvPr>
@@ -5721,10 +4227,10 @@
           </p:sp>
           <p:sp>
             <p:nvSpPr>
-              <p:cNvPr id="75" name="Rectangle 74">
+              <p:cNvPr id="119" name="Rectangle 118">
                 <a:extLst>
                   <a:ext uri="{FF2B5EF4-FFF2-40B4-BE49-F238E27FC236}">
-                    <a16:creationId xmlns:a16="http://schemas.microsoft.com/office/drawing/2014/main" id="{650A4339-8E7E-4120-950E-7D7C7178461D}"/>
+                    <a16:creationId xmlns:a16="http://schemas.microsoft.com/office/drawing/2014/main" id="{3DC2BD83-294F-4943-BF47-B36F8B06C564}"/>
                   </a:ext>
                 </a:extLst>
               </p:cNvPr>
@@ -5733,7 +4239,7 @@
             </p:nvSpPr>
             <p:spPr>
               <a:xfrm>
-                <a:off x="7858182" y="16232829"/>
+                <a:off x="7885975" y="16218647"/>
                 <a:ext cx="258690" cy="204716"/>
               </a:xfrm>
               <a:prstGeom prst="rect">
@@ -5770,10 +4276,10 @@
           </p:sp>
           <p:sp>
             <p:nvSpPr>
-              <p:cNvPr id="76" name="TextBox 75">
+              <p:cNvPr id="120" name="TextBox 119">
                 <a:extLst>
                   <a:ext uri="{FF2B5EF4-FFF2-40B4-BE49-F238E27FC236}">
-                    <a16:creationId xmlns:a16="http://schemas.microsoft.com/office/drawing/2014/main" id="{0A344F5C-A593-498C-9C4C-67EDB7451A59}"/>
+                    <a16:creationId xmlns:a16="http://schemas.microsoft.com/office/drawing/2014/main" id="{6CC3DA2F-FB47-49E4-8788-72854396468D}"/>
                   </a:ext>
                 </a:extLst>
               </p:cNvPr>
@@ -5825,10 +4331,10 @@
           </p:sp>
           <p:sp>
             <p:nvSpPr>
-              <p:cNvPr id="113" name="TextBox 112">
+              <p:cNvPr id="121" name="TextBox 120">
                 <a:extLst>
                   <a:ext uri="{FF2B5EF4-FFF2-40B4-BE49-F238E27FC236}">
-                    <a16:creationId xmlns:a16="http://schemas.microsoft.com/office/drawing/2014/main" id="{87EED1F5-1EE6-4DC5-9246-FF711A6B6B77}"/>
+                    <a16:creationId xmlns:a16="http://schemas.microsoft.com/office/drawing/2014/main" id="{8D51C4E7-E461-42DC-B436-44B0539378B1}"/>
                   </a:ext>
                 </a:extLst>
               </p:cNvPr>
@@ -5873,7 +4379,7 @@
                     <a:ea typeface="Calibri" panose="020F0502020204030204" pitchFamily="34" charset="0"/>
                     <a:cs typeface="Times New Roman" panose="02020603050405020304" pitchFamily="18" charset="0"/>
                   </a:rPr>
-                  <a:t>=4.64; CC</a:t>
+                  <a:t>=5.82; CC</a:t>
                 </a:r>
                 <a:r>
                   <a:rPr lang="en-US" baseline="-25000" dirty="0">
@@ -5889,7 +4395,7 @@
                     <a:ea typeface="Calibri" panose="020F0502020204030204" pitchFamily="34" charset="0"/>
                     <a:cs typeface="Times New Roman" panose="02020603050405020304" pitchFamily="18" charset="0"/>
                   </a:rPr>
-                  <a:t>&gt;50; SI=10.78</a:t>
+                  <a:t>&gt;50; SI=8.59</a:t>
                 </a:r>
               </a:p>
               <a:p>
@@ -5911,6 +4417,408 @@
           </p:sp>
         </p:grpSp>
       </p:grpSp>
+      <p:pic>
+        <p:nvPicPr>
+          <p:cNvPr id="13" name="Picture 12">
+            <a:extLst>
+              <a:ext uri="{FF2B5EF4-FFF2-40B4-BE49-F238E27FC236}">
+                <a16:creationId xmlns:a16="http://schemas.microsoft.com/office/drawing/2014/main" id="{BF80C24D-407B-402F-86A3-05F16F6A39B1}"/>
+              </a:ext>
+            </a:extLst>
+          </p:cNvPr>
+          <p:cNvPicPr>
+            <a:picLocks noChangeAspect="1"/>
+          </p:cNvPicPr>
+          <p:nvPr/>
+        </p:nvPicPr>
+        <p:blipFill>
+          <a:blip r:embed="rId6"/>
+          <a:stretch>
+            <a:fillRect/>
+          </a:stretch>
+        </p:blipFill>
+        <p:spPr>
+          <a:xfrm>
+            <a:off x="7793233" y="8117281"/>
+            <a:ext cx="3775153" cy="1867979"/>
+          </a:xfrm>
+          <a:prstGeom prst="rect">
+            <a:avLst/>
+          </a:prstGeom>
+        </p:spPr>
+      </p:pic>
+      <p:grpSp>
+        <p:nvGrpSpPr>
+          <p:cNvPr id="30" name="Group 29">
+            <a:extLst>
+              <a:ext uri="{FF2B5EF4-FFF2-40B4-BE49-F238E27FC236}">
+                <a16:creationId xmlns:a16="http://schemas.microsoft.com/office/drawing/2014/main" id="{E18254A2-1BEC-40A8-BFD1-9C3B965C99F4}"/>
+              </a:ext>
+            </a:extLst>
+          </p:cNvPr>
+          <p:cNvGrpSpPr/>
+          <p:nvPr/>
+        </p:nvGrpSpPr>
+        <p:grpSpPr>
+          <a:xfrm>
+            <a:off x="7452898" y="10669756"/>
+            <a:ext cx="3967364" cy="3019902"/>
+            <a:chOff x="4204829" y="15850662"/>
+            <a:chExt cx="3967364" cy="3019902"/>
+          </a:xfrm>
+        </p:grpSpPr>
+        <p:pic>
+          <p:nvPicPr>
+            <p:cNvPr id="21" name="Picture 20">
+              <a:extLst>
+                <a:ext uri="{FF2B5EF4-FFF2-40B4-BE49-F238E27FC236}">
+                  <a16:creationId xmlns:a16="http://schemas.microsoft.com/office/drawing/2014/main" id="{2F3C1E16-FFB0-4DB7-B3C2-3E1285F901B2}"/>
+                </a:ext>
+              </a:extLst>
+            </p:cNvPr>
+            <p:cNvPicPr>
+              <a:picLocks noChangeAspect="1"/>
+            </p:cNvPicPr>
+            <p:nvPr/>
+          </p:nvPicPr>
+          <p:blipFill>
+            <a:blip r:embed="rId7"/>
+            <a:stretch>
+              <a:fillRect/>
+            </a:stretch>
+          </p:blipFill>
+          <p:spPr>
+            <a:xfrm>
+              <a:off x="4506376" y="15850662"/>
+              <a:ext cx="3423512" cy="2153209"/>
+            </a:xfrm>
+            <a:prstGeom prst="rect">
+              <a:avLst/>
+            </a:prstGeom>
+          </p:spPr>
+        </p:pic>
+        <p:sp>
+          <p:nvSpPr>
+            <p:cNvPr id="22" name="TextBox 21">
+              <a:extLst>
+                <a:ext uri="{FF2B5EF4-FFF2-40B4-BE49-F238E27FC236}">
+                  <a16:creationId xmlns:a16="http://schemas.microsoft.com/office/drawing/2014/main" id="{593CFE39-BE15-45C2-B387-A95645C7889A}"/>
+                </a:ext>
+              </a:extLst>
+            </p:cNvPr>
+            <p:cNvSpPr txBox="1"/>
+            <p:nvPr/>
+          </p:nvSpPr>
+          <p:spPr>
+            <a:xfrm rot="16200000">
+              <a:off x="3637334" y="16439286"/>
+              <a:ext cx="1504321" cy="369332"/>
+            </a:xfrm>
+            <a:prstGeom prst="rect">
+              <a:avLst/>
+            </a:prstGeom>
+            <a:noFill/>
+          </p:spPr>
+          <p:txBody>
+            <a:bodyPr wrap="square" rtlCol="0">
+              <a:spAutoFit/>
+            </a:bodyPr>
+            <a:lstStyle/>
+            <a:p>
+              <a:r>
+                <a:rPr lang="en-US" dirty="0">
+                  <a:solidFill>
+                    <a:srgbClr val="0000F8"/>
+                  </a:solidFill>
+                  <a:latin typeface="Times New Roman" panose="02020603050405020304" pitchFamily="18" charset="0"/>
+                  <a:cs typeface="Times New Roman" panose="02020603050405020304" pitchFamily="18" charset="0"/>
+                </a:rPr>
+                <a:t>% Inhibition</a:t>
+              </a:r>
+            </a:p>
+          </p:txBody>
+        </p:sp>
+        <p:sp>
+          <p:nvSpPr>
+            <p:cNvPr id="74" name="TextBox 73">
+              <a:extLst>
+                <a:ext uri="{FF2B5EF4-FFF2-40B4-BE49-F238E27FC236}">
+                  <a16:creationId xmlns:a16="http://schemas.microsoft.com/office/drawing/2014/main" id="{0E60287A-9E18-49AA-A89D-CCC1D89E5F53}"/>
+                </a:ext>
+              </a:extLst>
+            </p:cNvPr>
+            <p:cNvSpPr txBox="1"/>
+            <p:nvPr/>
+          </p:nvSpPr>
+          <p:spPr>
+            <a:xfrm rot="5400000">
+              <a:off x="7235366" y="16961686"/>
+              <a:ext cx="1504321" cy="369332"/>
+            </a:xfrm>
+            <a:prstGeom prst="rect">
+              <a:avLst/>
+            </a:prstGeom>
+            <a:noFill/>
+          </p:spPr>
+          <p:txBody>
+            <a:bodyPr wrap="square" rtlCol="0">
+              <a:spAutoFit/>
+            </a:bodyPr>
+            <a:lstStyle/>
+            <a:p>
+              <a:r>
+                <a:rPr lang="en-US" dirty="0">
+                  <a:solidFill>
+                    <a:srgbClr val="F7080B"/>
+                  </a:solidFill>
+                  <a:latin typeface="Times New Roman" panose="02020603050405020304" pitchFamily="18" charset="0"/>
+                  <a:cs typeface="Times New Roman" panose="02020603050405020304" pitchFamily="18" charset="0"/>
+                </a:rPr>
+                <a:t>% Cell ratio</a:t>
+              </a:r>
+            </a:p>
+          </p:txBody>
+        </p:sp>
+        <p:sp>
+          <p:nvSpPr>
+            <p:cNvPr id="24" name="Rectangle 23">
+              <a:extLst>
+                <a:ext uri="{FF2B5EF4-FFF2-40B4-BE49-F238E27FC236}">
+                  <a16:creationId xmlns:a16="http://schemas.microsoft.com/office/drawing/2014/main" id="{9D8F4083-E7D0-4F02-A037-3B1FD4BC8F80}"/>
+                </a:ext>
+              </a:extLst>
+            </p:cNvPr>
+            <p:cNvSpPr/>
+            <p:nvPr/>
+          </p:nvSpPr>
+          <p:spPr>
+            <a:xfrm>
+              <a:off x="4286474" y="17390216"/>
+              <a:ext cx="258690" cy="204716"/>
+            </a:xfrm>
+            <a:prstGeom prst="rect">
+              <a:avLst/>
+            </a:prstGeom>
+            <a:solidFill>
+              <a:srgbClr val="0201FC"/>
+            </a:solidFill>
+          </p:spPr>
+          <p:style>
+            <a:lnRef idx="2">
+              <a:schemeClr val="accent1">
+                <a:shade val="50000"/>
+              </a:schemeClr>
+            </a:lnRef>
+            <a:fillRef idx="1">
+              <a:schemeClr val="accent1"/>
+            </a:fillRef>
+            <a:effectRef idx="0">
+              <a:schemeClr val="accent1"/>
+            </a:effectRef>
+            <a:fontRef idx="minor">
+              <a:schemeClr val="lt1"/>
+            </a:fontRef>
+          </p:style>
+          <p:txBody>
+            <a:bodyPr rtlCol="0" anchor="ctr"/>
+            <a:lstStyle/>
+            <a:p>
+              <a:pPr algn="ctr"/>
+              <a:endParaRPr lang="en-US"/>
+            </a:p>
+          </p:txBody>
+        </p:sp>
+        <p:sp>
+          <p:nvSpPr>
+            <p:cNvPr id="75" name="Rectangle 74">
+              <a:extLst>
+                <a:ext uri="{FF2B5EF4-FFF2-40B4-BE49-F238E27FC236}">
+                  <a16:creationId xmlns:a16="http://schemas.microsoft.com/office/drawing/2014/main" id="{650A4339-8E7E-4120-950E-7D7C7178461D}"/>
+                </a:ext>
+              </a:extLst>
+            </p:cNvPr>
+            <p:cNvSpPr/>
+            <p:nvPr/>
+          </p:nvSpPr>
+          <p:spPr>
+            <a:xfrm>
+              <a:off x="7858182" y="16232829"/>
+              <a:ext cx="258690" cy="204716"/>
+            </a:xfrm>
+            <a:prstGeom prst="rect">
+              <a:avLst/>
+            </a:prstGeom>
+            <a:solidFill>
+              <a:srgbClr val="FD0000"/>
+            </a:solidFill>
+          </p:spPr>
+          <p:style>
+            <a:lnRef idx="2">
+              <a:schemeClr val="accent1">
+                <a:shade val="50000"/>
+              </a:schemeClr>
+            </a:lnRef>
+            <a:fillRef idx="1">
+              <a:schemeClr val="accent1"/>
+            </a:fillRef>
+            <a:effectRef idx="0">
+              <a:schemeClr val="accent1"/>
+            </a:effectRef>
+            <a:fontRef idx="minor">
+              <a:schemeClr val="lt1"/>
+            </a:fontRef>
+          </p:style>
+          <p:txBody>
+            <a:bodyPr rtlCol="0" anchor="ctr"/>
+            <a:lstStyle/>
+            <a:p>
+              <a:pPr algn="ctr"/>
+              <a:endParaRPr lang="en-US"/>
+            </a:p>
+          </p:txBody>
+        </p:sp>
+        <p:sp>
+          <p:nvSpPr>
+            <p:cNvPr id="76" name="TextBox 75">
+              <a:extLst>
+                <a:ext uri="{FF2B5EF4-FFF2-40B4-BE49-F238E27FC236}">
+                  <a16:creationId xmlns:a16="http://schemas.microsoft.com/office/drawing/2014/main" id="{0A344F5C-A593-498C-9C4C-67EDB7451A59}"/>
+                </a:ext>
+              </a:extLst>
+            </p:cNvPr>
+            <p:cNvSpPr txBox="1"/>
+            <p:nvPr/>
+          </p:nvSpPr>
+          <p:spPr>
+            <a:xfrm>
+              <a:off x="4974396" y="17939723"/>
+              <a:ext cx="2529815" cy="369332"/>
+            </a:xfrm>
+            <a:prstGeom prst="rect">
+              <a:avLst/>
+            </a:prstGeom>
+            <a:noFill/>
+          </p:spPr>
+          <p:txBody>
+            <a:bodyPr wrap="square" rtlCol="0">
+              <a:spAutoFit/>
+            </a:bodyPr>
+            <a:lstStyle/>
+            <a:p>
+              <a:r>
+                <a:rPr lang="en-US" dirty="0">
+                  <a:latin typeface="Times New Roman" panose="02020603050405020304" pitchFamily="18" charset="0"/>
+                  <a:cs typeface="Times New Roman" panose="02020603050405020304" pitchFamily="18" charset="0"/>
+                </a:rPr>
+                <a:t>Concentration [log </a:t>
+              </a:r>
+              <a:r>
+                <a:rPr lang="el-GR" dirty="0">
+                  <a:solidFill>
+                    <a:srgbClr val="202124"/>
+                  </a:solidFill>
+                  <a:latin typeface="Times New Roman" panose="02020603050405020304" pitchFamily="18" charset="0"/>
+                  <a:cs typeface="Times New Roman" panose="02020603050405020304" pitchFamily="18" charset="0"/>
+                </a:rPr>
+                <a:t>μ</a:t>
+              </a:r>
+              <a:r>
+                <a:rPr lang="en-US" dirty="0">
+                  <a:latin typeface="Times New Roman" panose="02020603050405020304" pitchFamily="18" charset="0"/>
+                  <a:cs typeface="Times New Roman" panose="02020603050405020304" pitchFamily="18" charset="0"/>
+                </a:rPr>
+                <a:t>M]</a:t>
+              </a:r>
+            </a:p>
+          </p:txBody>
+        </p:sp>
+        <p:sp>
+          <p:nvSpPr>
+            <p:cNvPr id="113" name="TextBox 112">
+              <a:extLst>
+                <a:ext uri="{FF2B5EF4-FFF2-40B4-BE49-F238E27FC236}">
+                  <a16:creationId xmlns:a16="http://schemas.microsoft.com/office/drawing/2014/main" id="{87EED1F5-1EE6-4DC5-9246-FF711A6B6B77}"/>
+                </a:ext>
+              </a:extLst>
+            </p:cNvPr>
+            <p:cNvSpPr txBox="1"/>
+            <p:nvPr/>
+          </p:nvSpPr>
+          <p:spPr>
+            <a:xfrm>
+              <a:off x="4803589" y="18224233"/>
+              <a:ext cx="2995835" cy="646331"/>
+            </a:xfrm>
+            <a:prstGeom prst="rect">
+              <a:avLst/>
+            </a:prstGeom>
+            <a:noFill/>
+          </p:spPr>
+          <p:txBody>
+            <a:bodyPr wrap="square" rtlCol="0">
+              <a:spAutoFit/>
+            </a:bodyPr>
+            <a:lstStyle/>
+            <a:p>
+              <a:r>
+                <a:rPr lang="en-US" dirty="0">
+                  <a:latin typeface="Times New Roman" panose="02020603050405020304" pitchFamily="18" charset="0"/>
+                  <a:ea typeface="Calibri" panose="020F0502020204030204" pitchFamily="34" charset="0"/>
+                  <a:cs typeface="Times New Roman" panose="02020603050405020304" pitchFamily="18" charset="0"/>
+                </a:rPr>
+                <a:t>IC</a:t>
+              </a:r>
+              <a:r>
+                <a:rPr lang="en-US" baseline="-25000" dirty="0">
+                  <a:latin typeface="Times New Roman" panose="02020603050405020304" pitchFamily="18" charset="0"/>
+                  <a:ea typeface="Calibri" panose="020F0502020204030204" pitchFamily="34" charset="0"/>
+                  <a:cs typeface="Times New Roman" panose="02020603050405020304" pitchFamily="18" charset="0"/>
+                </a:rPr>
+                <a:t>50</a:t>
+              </a:r>
+              <a:r>
+                <a:rPr lang="en-US" dirty="0">
+                  <a:latin typeface="Times New Roman" panose="02020603050405020304" pitchFamily="18" charset="0"/>
+                  <a:ea typeface="Calibri" panose="020F0502020204030204" pitchFamily="34" charset="0"/>
+                  <a:cs typeface="Times New Roman" panose="02020603050405020304" pitchFamily="18" charset="0"/>
+                </a:rPr>
+                <a:t>=4.64; CC</a:t>
+              </a:r>
+              <a:r>
+                <a:rPr lang="en-US" baseline="-25000" dirty="0">
+                  <a:latin typeface="Times New Roman" panose="02020603050405020304" pitchFamily="18" charset="0"/>
+                  <a:ea typeface="Calibri" panose="020F0502020204030204" pitchFamily="34" charset="0"/>
+                  <a:cs typeface="Times New Roman" panose="02020603050405020304" pitchFamily="18" charset="0"/>
+                </a:rPr>
+                <a:t>50</a:t>
+              </a:r>
+              <a:r>
+                <a:rPr lang="en-US" dirty="0">
+                  <a:latin typeface="Times New Roman" panose="02020603050405020304" pitchFamily="18" charset="0"/>
+                  <a:ea typeface="Calibri" panose="020F0502020204030204" pitchFamily="34" charset="0"/>
+                  <a:cs typeface="Times New Roman" panose="02020603050405020304" pitchFamily="18" charset="0"/>
+                </a:rPr>
+                <a:t>&gt;50; SI=10.78</a:t>
+              </a:r>
+            </a:p>
+            <a:p>
+              <a:r>
+                <a:rPr lang="en-US" baseline="-25000" dirty="0">
+                  <a:latin typeface="Times New Roman" panose="02020603050405020304" pitchFamily="18" charset="0"/>
+                  <a:ea typeface="Calibri" panose="020F0502020204030204" pitchFamily="34" charset="0"/>
+                  <a:cs typeface="Times New Roman" panose="02020603050405020304" pitchFamily="18" charset="0"/>
+                </a:rPr>
+                <a:t> </a:t>
+              </a:r>
+              <a:endParaRPr lang="en-US" dirty="0">
+                <a:latin typeface="Times New Roman" panose="02020603050405020304" pitchFamily="18" charset="0"/>
+                <a:ea typeface="Calibri" panose="020F0502020204030204" pitchFamily="34" charset="0"/>
+                <a:cs typeface="Times New Roman" panose="02020603050405020304" pitchFamily="18" charset="0"/>
+              </a:endParaRPr>
+            </a:p>
+          </p:txBody>
+        </p:sp>
+      </p:grpSp>
       <p:sp>
         <p:nvSpPr>
           <p:cNvPr id="42" name="TextBox 41">
@@ -5925,8 +4833,8 @@
         </p:nvSpPr>
         <p:spPr>
           <a:xfrm>
-            <a:off x="5889571" y="17314013"/>
-            <a:ext cx="8283629" cy="738664"/>
+            <a:off x="7613629" y="13591806"/>
+            <a:ext cx="7979437" cy="738664"/>
           </a:xfrm>
           <a:prstGeom prst="rect">
             <a:avLst/>
@@ -5944,7 +4852,6 @@
                 <a:solidFill>
                   <a:srgbClr val="232629"/>
                 </a:solidFill>
-                <a:effectLst/>
                 <a:latin typeface="Times New Roman" panose="02020603050405020304" pitchFamily="18" charset="0"/>
                 <a:ea typeface="Calibri" panose="020F0502020204030204" pitchFamily="34" charset="0"/>
                 <a:cs typeface="Times New Roman" panose="02020603050405020304" pitchFamily="18" charset="0"/>
@@ -5972,8 +4879,8 @@
         </p:nvSpPr>
         <p:spPr>
           <a:xfrm>
-            <a:off x="7056141" y="16603587"/>
-            <a:ext cx="274434" cy="307777"/>
+            <a:off x="10882154" y="12974260"/>
+            <a:ext cx="220661" cy="307777"/>
           </a:xfrm>
           <a:prstGeom prst="rect">
             <a:avLst/>
@@ -5981,7 +4888,7 @@
           <a:noFill/>
         </p:spPr>
         <p:txBody>
-          <a:bodyPr wrap="none" rtlCol="0">
+          <a:bodyPr wrap="square" rtlCol="0">
             <a:spAutoFit/>
           </a:bodyPr>
           <a:lstStyle/>
@@ -6010,7 +4917,7 @@
         </p:nvSpPr>
         <p:spPr>
           <a:xfrm>
-            <a:off x="13428127" y="16434977"/>
+            <a:off x="14781817" y="12995866"/>
             <a:ext cx="363861" cy="307777"/>
           </a:xfrm>
           <a:prstGeom prst="rect">
@@ -6030,6 +4937,2984 @@
                 <a:cs typeface="Times New Roman" panose="02020603050405020304" pitchFamily="18" charset="0"/>
               </a:rPr>
               <a:t>*</a:t>
+            </a:r>
+          </a:p>
+        </p:txBody>
+      </p:sp>
+      <p:sp>
+        <p:nvSpPr>
+          <p:cNvPr id="77" name="Rectangle 76">
+            <a:extLst>
+              <a:ext uri="{FF2B5EF4-FFF2-40B4-BE49-F238E27FC236}">
+                <a16:creationId xmlns:a16="http://schemas.microsoft.com/office/drawing/2014/main" id="{44129094-3B51-4BA1-8A31-E70D33CAC7F6}"/>
+              </a:ext>
+            </a:extLst>
+          </p:cNvPr>
+          <p:cNvSpPr/>
+          <p:nvPr/>
+        </p:nvSpPr>
+        <p:spPr>
+          <a:xfrm>
+            <a:off x="11981621" y="703870"/>
+            <a:ext cx="383044" cy="319848"/>
+          </a:xfrm>
+          <a:prstGeom prst="rect">
+            <a:avLst/>
+          </a:prstGeom>
+          <a:solidFill>
+            <a:srgbClr val="FFA401"/>
+          </a:solidFill>
+          <a:ln>
+            <a:noFill/>
+          </a:ln>
+        </p:spPr>
+        <p:style>
+          <a:lnRef idx="2">
+            <a:schemeClr val="accent1">
+              <a:shade val="50000"/>
+            </a:schemeClr>
+          </a:lnRef>
+          <a:fillRef idx="1">
+            <a:schemeClr val="accent1"/>
+          </a:fillRef>
+          <a:effectRef idx="0">
+            <a:schemeClr val="accent1"/>
+          </a:effectRef>
+          <a:fontRef idx="minor">
+            <a:schemeClr val="lt1"/>
+          </a:fontRef>
+        </p:style>
+        <p:txBody>
+          <a:bodyPr rtlCol="0" anchor="ctr"/>
+          <a:lstStyle/>
+          <a:p>
+            <a:pPr algn="ctr"/>
+            <a:endParaRPr lang="en-US" dirty="0"/>
+          </a:p>
+        </p:txBody>
+      </p:sp>
+      <p:pic>
+        <p:nvPicPr>
+          <p:cNvPr id="78" name="Picture 77">
+            <a:extLst>
+              <a:ext uri="{FF2B5EF4-FFF2-40B4-BE49-F238E27FC236}">
+                <a16:creationId xmlns:a16="http://schemas.microsoft.com/office/drawing/2014/main" id="{92E48806-51DD-4436-BE0E-D6D185C474D2}"/>
+              </a:ext>
+            </a:extLst>
+          </p:cNvPr>
+          <p:cNvPicPr>
+            <a:picLocks noChangeAspect="1"/>
+          </p:cNvPicPr>
+          <p:nvPr/>
+        </p:nvPicPr>
+        <p:blipFill>
+          <a:blip r:embed="rId8"/>
+          <a:stretch>
+            <a:fillRect/>
+          </a:stretch>
+        </p:blipFill>
+        <p:spPr>
+          <a:xfrm>
+            <a:off x="769645" y="7664126"/>
+            <a:ext cx="1303362" cy="1313362"/>
+          </a:xfrm>
+          <a:prstGeom prst="rect">
+            <a:avLst/>
+          </a:prstGeom>
+        </p:spPr>
+      </p:pic>
+      <p:sp>
+        <p:nvSpPr>
+          <p:cNvPr id="79" name="TextBox 78">
+            <a:extLst>
+              <a:ext uri="{FF2B5EF4-FFF2-40B4-BE49-F238E27FC236}">
+                <a16:creationId xmlns:a16="http://schemas.microsoft.com/office/drawing/2014/main" id="{6D7B7AB9-3B55-4CC6-A811-3B3FFF768E5E}"/>
+              </a:ext>
+            </a:extLst>
+          </p:cNvPr>
+          <p:cNvSpPr txBox="1"/>
+          <p:nvPr/>
+        </p:nvSpPr>
+        <p:spPr>
+          <a:xfrm>
+            <a:off x="907833" y="9197665"/>
+            <a:ext cx="1303361" cy="307777"/>
+          </a:xfrm>
+          <a:prstGeom prst="rect">
+            <a:avLst/>
+          </a:prstGeom>
+          <a:noFill/>
+        </p:spPr>
+        <p:txBody>
+          <a:bodyPr wrap="square">
+            <a:spAutoFit/>
+          </a:bodyPr>
+          <a:lstStyle/>
+          <a:p>
+            <a:pPr algn="l"/>
+            <a:r>
+              <a:rPr lang="en-US" sz="1400" dirty="0">
+                <a:latin typeface="Times New Roman" panose="02020603050405020304" pitchFamily="18" charset="0"/>
+                <a:cs typeface="Times New Roman" panose="02020603050405020304" pitchFamily="18" charset="0"/>
+              </a:rPr>
+              <a:t>Pipecuronium</a:t>
+            </a:r>
+          </a:p>
+        </p:txBody>
+      </p:sp>
+      <p:sp>
+        <p:nvSpPr>
+          <p:cNvPr id="80" name="TextBox 79">
+            <a:extLst>
+              <a:ext uri="{FF2B5EF4-FFF2-40B4-BE49-F238E27FC236}">
+                <a16:creationId xmlns:a16="http://schemas.microsoft.com/office/drawing/2014/main" id="{64447C98-5D6A-48CF-8A16-13A82BFFE913}"/>
+              </a:ext>
+            </a:extLst>
+          </p:cNvPr>
+          <p:cNvSpPr txBox="1"/>
+          <p:nvPr/>
+        </p:nvSpPr>
+        <p:spPr>
+          <a:xfrm>
+            <a:off x="895157" y="9905518"/>
+            <a:ext cx="1158671" cy="307777"/>
+          </a:xfrm>
+          <a:prstGeom prst="rect">
+            <a:avLst/>
+          </a:prstGeom>
+          <a:noFill/>
+        </p:spPr>
+        <p:txBody>
+          <a:bodyPr wrap="square">
+            <a:spAutoFit/>
+          </a:bodyPr>
+          <a:lstStyle/>
+          <a:p>
+            <a:pPr algn="l"/>
+            <a:r>
+              <a:rPr lang="en-US" sz="1400" dirty="0">
+                <a:latin typeface="Times New Roman" panose="02020603050405020304" pitchFamily="18" charset="0"/>
+                <a:cs typeface="Times New Roman" panose="02020603050405020304" pitchFamily="18" charset="0"/>
+              </a:rPr>
+              <a:t>Pancuronium</a:t>
+            </a:r>
+          </a:p>
+        </p:txBody>
+      </p:sp>
+      <p:sp>
+        <p:nvSpPr>
+          <p:cNvPr id="81" name="TextBox 80">
+            <a:extLst>
+              <a:ext uri="{FF2B5EF4-FFF2-40B4-BE49-F238E27FC236}">
+                <a16:creationId xmlns:a16="http://schemas.microsoft.com/office/drawing/2014/main" id="{F98D6172-A7EC-4015-A05B-C893F2A3FE7E}"/>
+              </a:ext>
+            </a:extLst>
+          </p:cNvPr>
+          <p:cNvSpPr txBox="1"/>
+          <p:nvPr/>
+        </p:nvSpPr>
+        <p:spPr>
+          <a:xfrm>
+            <a:off x="907834" y="10701613"/>
+            <a:ext cx="1158671" cy="307777"/>
+          </a:xfrm>
+          <a:prstGeom prst="rect">
+            <a:avLst/>
+          </a:prstGeom>
+          <a:noFill/>
+        </p:spPr>
+        <p:txBody>
+          <a:bodyPr wrap="square">
+            <a:spAutoFit/>
+          </a:bodyPr>
+          <a:lstStyle/>
+          <a:p>
+            <a:pPr algn="l"/>
+            <a:r>
+              <a:rPr lang="en-US" sz="1400" dirty="0">
+                <a:latin typeface="Times New Roman" panose="02020603050405020304" pitchFamily="18" charset="0"/>
+                <a:cs typeface="Times New Roman" panose="02020603050405020304" pitchFamily="18" charset="0"/>
+              </a:rPr>
+              <a:t>Vecuronium</a:t>
+            </a:r>
+          </a:p>
+        </p:txBody>
+      </p:sp>
+      <p:graphicFrame>
+        <p:nvGraphicFramePr>
+          <p:cNvPr id="82" name="Table 54">
+            <a:extLst>
+              <a:ext uri="{FF2B5EF4-FFF2-40B4-BE49-F238E27FC236}">
+                <a16:creationId xmlns:a16="http://schemas.microsoft.com/office/drawing/2014/main" id="{D65F0FF7-C9B6-4CFF-918C-844A60F9E01A}"/>
+              </a:ext>
+            </a:extLst>
+          </p:cNvPr>
+          <p:cNvGraphicFramePr>
+            <a:graphicFrameLocks noGrp="1"/>
+          </p:cNvGraphicFramePr>
+          <p:nvPr>
+            <p:extLst>
+              <p:ext uri="{D42A27DB-BD31-4B8C-83A1-F6EECF244321}">
+                <p14:modId xmlns:p14="http://schemas.microsoft.com/office/powerpoint/2010/main" val="2368731081"/>
+              </p:ext>
+            </p:extLst>
+          </p:nvPr>
+        </p:nvGraphicFramePr>
+        <p:xfrm>
+          <a:off x="3817926" y="8126892"/>
+          <a:ext cx="968808" cy="6167048"/>
+        </p:xfrm>
+        <a:graphic>
+          <a:graphicData uri="http://schemas.openxmlformats.org/drawingml/2006/table">
+            <a:tbl>
+              <a:tblPr firstRow="1" bandRow="1">
+                <a:tableStyleId>{5C22544A-7EE6-4342-B048-85BDC9FD1C3A}</a:tableStyleId>
+              </a:tblPr>
+              <a:tblGrid>
+                <a:gridCol w="968808">
+                  <a:extLst>
+                    <a:ext uri="{9D8B030D-6E8A-4147-A177-3AD203B41FA5}">
+                      <a16:colId xmlns:a16="http://schemas.microsoft.com/office/drawing/2014/main" val="2561657324"/>
+                    </a:ext>
+                  </a:extLst>
+                </a:gridCol>
+              </a:tblGrid>
+              <a:tr h="770881">
+                <a:tc>
+                  <a:txBody>
+                    <a:bodyPr/>
+                    <a:lstStyle/>
+                    <a:p>
+                      <a:pPr algn="ctr"/>
+                      <a:endParaRPr lang="en-US" sz="1300" dirty="0">
+                        <a:solidFill>
+                          <a:schemeClr val="tx1"/>
+                        </a:solidFill>
+                        <a:latin typeface="Times New Roman" panose="02020603050405020304" pitchFamily="18" charset="0"/>
+                        <a:cs typeface="Times New Roman" panose="02020603050405020304" pitchFamily="18" charset="0"/>
+                      </a:endParaRPr>
+                    </a:p>
+                  </a:txBody>
+                  <a:tcPr>
+                    <a:solidFill>
+                      <a:schemeClr val="accent2">
+                        <a:lumMod val="20000"/>
+                        <a:lumOff val="80000"/>
+                      </a:schemeClr>
+                    </a:solidFill>
+                  </a:tcPr>
+                </a:tc>
+                <a:extLst>
+                  <a:ext uri="{0D108BD9-81ED-4DB2-BD59-A6C34878D82A}">
+                    <a16:rowId xmlns:a16="http://schemas.microsoft.com/office/drawing/2014/main" val="69399357"/>
+                  </a:ext>
+                </a:extLst>
+              </a:tr>
+              <a:tr h="770881">
+                <a:tc>
+                  <a:txBody>
+                    <a:bodyPr/>
+                    <a:lstStyle/>
+                    <a:p>
+                      <a:pPr algn="ctr"/>
+                      <a:endParaRPr lang="en-US" sz="1300">
+                        <a:solidFill>
+                          <a:schemeClr val="tx1"/>
+                        </a:solidFill>
+                        <a:latin typeface="Times New Roman" panose="02020603050405020304" pitchFamily="18" charset="0"/>
+                        <a:cs typeface="Times New Roman" panose="02020603050405020304" pitchFamily="18" charset="0"/>
+                      </a:endParaRPr>
+                    </a:p>
+                    <a:p>
+                      <a:pPr algn="ctr"/>
+                      <a:r>
+                        <a:rPr lang="en-US" sz="1300">
+                          <a:solidFill>
+                            <a:schemeClr val="tx1"/>
+                          </a:solidFill>
+                          <a:latin typeface="Times New Roman" panose="02020603050405020304" pitchFamily="18" charset="0"/>
+                          <a:cs typeface="Times New Roman" panose="02020603050405020304" pitchFamily="18" charset="0"/>
+                        </a:rPr>
+                        <a:t>99.99976</a:t>
+                      </a:r>
+                      <a:endParaRPr lang="en-US" sz="1300" dirty="0">
+                        <a:solidFill>
+                          <a:schemeClr val="tx1"/>
+                        </a:solidFill>
+                        <a:latin typeface="Times New Roman" panose="02020603050405020304" pitchFamily="18" charset="0"/>
+                        <a:cs typeface="Times New Roman" panose="02020603050405020304" pitchFamily="18" charset="0"/>
+                      </a:endParaRPr>
+                    </a:p>
+                  </a:txBody>
+                  <a:tcPr>
+                    <a:solidFill>
+                      <a:srgbClr val="006D2C"/>
+                    </a:solidFill>
+                  </a:tcPr>
+                </a:tc>
+                <a:extLst>
+                  <a:ext uri="{0D108BD9-81ED-4DB2-BD59-A6C34878D82A}">
+                    <a16:rowId xmlns:a16="http://schemas.microsoft.com/office/drawing/2014/main" val="2731884086"/>
+                  </a:ext>
+                </a:extLst>
+              </a:tr>
+              <a:tr h="770881">
+                <a:tc>
+                  <a:txBody>
+                    <a:bodyPr/>
+                    <a:lstStyle/>
+                    <a:p>
+                      <a:pPr algn="ctr"/>
+                      <a:endParaRPr lang="en-US" sz="1300">
+                        <a:solidFill>
+                          <a:schemeClr val="tx1"/>
+                        </a:solidFill>
+                        <a:latin typeface="Times New Roman" panose="02020603050405020304" pitchFamily="18" charset="0"/>
+                        <a:cs typeface="Times New Roman" panose="02020603050405020304" pitchFamily="18" charset="0"/>
+                      </a:endParaRPr>
+                    </a:p>
+                    <a:p>
+                      <a:pPr algn="ctr"/>
+                      <a:r>
+                        <a:rPr lang="en-US" sz="1300">
+                          <a:solidFill>
+                            <a:schemeClr val="tx1"/>
+                          </a:solidFill>
+                          <a:latin typeface="Times New Roman" panose="02020603050405020304" pitchFamily="18" charset="0"/>
+                          <a:cs typeface="Times New Roman" panose="02020603050405020304" pitchFamily="18" charset="0"/>
+                        </a:rPr>
+                        <a:t>99.99955</a:t>
+                      </a:r>
+                      <a:endParaRPr lang="en-US" sz="1300" dirty="0">
+                        <a:solidFill>
+                          <a:schemeClr val="tx1"/>
+                        </a:solidFill>
+                        <a:latin typeface="Times New Roman" panose="02020603050405020304" pitchFamily="18" charset="0"/>
+                        <a:cs typeface="Times New Roman" panose="02020603050405020304" pitchFamily="18" charset="0"/>
+                      </a:endParaRPr>
+                    </a:p>
+                  </a:txBody>
+                  <a:tcPr>
+                    <a:solidFill>
+                      <a:srgbClr val="238B45"/>
+                    </a:solidFill>
+                  </a:tcPr>
+                </a:tc>
+                <a:extLst>
+                  <a:ext uri="{0D108BD9-81ED-4DB2-BD59-A6C34878D82A}">
+                    <a16:rowId xmlns:a16="http://schemas.microsoft.com/office/drawing/2014/main" val="698217815"/>
+                  </a:ext>
+                </a:extLst>
+              </a:tr>
+              <a:tr h="770881">
+                <a:tc>
+                  <a:txBody>
+                    <a:bodyPr/>
+                    <a:lstStyle/>
+                    <a:p>
+                      <a:pPr algn="ctr"/>
+                      <a:endParaRPr lang="en-US" sz="1300">
+                        <a:solidFill>
+                          <a:schemeClr val="tx1"/>
+                        </a:solidFill>
+                        <a:latin typeface="Times New Roman" panose="02020603050405020304" pitchFamily="18" charset="0"/>
+                        <a:cs typeface="Times New Roman" panose="02020603050405020304" pitchFamily="18" charset="0"/>
+                      </a:endParaRPr>
+                    </a:p>
+                    <a:p>
+                      <a:pPr algn="ctr"/>
+                      <a:r>
+                        <a:rPr lang="en-US" sz="1300">
+                          <a:solidFill>
+                            <a:schemeClr val="tx1"/>
+                          </a:solidFill>
+                          <a:latin typeface="Times New Roman" panose="02020603050405020304" pitchFamily="18" charset="0"/>
+                          <a:cs typeface="Times New Roman" panose="02020603050405020304" pitchFamily="18" charset="0"/>
+                        </a:rPr>
+                        <a:t>99.99901</a:t>
+                      </a:r>
+                      <a:endParaRPr lang="en-US" sz="1300" dirty="0">
+                        <a:solidFill>
+                          <a:schemeClr val="tx1"/>
+                        </a:solidFill>
+                        <a:latin typeface="Times New Roman" panose="02020603050405020304" pitchFamily="18" charset="0"/>
+                        <a:cs typeface="Times New Roman" panose="02020603050405020304" pitchFamily="18" charset="0"/>
+                      </a:endParaRPr>
+                    </a:p>
+                  </a:txBody>
+                  <a:tcPr>
+                    <a:solidFill>
+                      <a:srgbClr val="41AE76"/>
+                    </a:solidFill>
+                  </a:tcPr>
+                </a:tc>
+                <a:extLst>
+                  <a:ext uri="{0D108BD9-81ED-4DB2-BD59-A6C34878D82A}">
+                    <a16:rowId xmlns:a16="http://schemas.microsoft.com/office/drawing/2014/main" val="3753925749"/>
+                  </a:ext>
+                </a:extLst>
+              </a:tr>
+              <a:tr h="770881">
+                <a:tc>
+                  <a:txBody>
+                    <a:bodyPr/>
+                    <a:lstStyle/>
+                    <a:p>
+                      <a:pPr algn="ctr"/>
+                      <a:endParaRPr lang="en-US" sz="1300">
+                        <a:solidFill>
+                          <a:schemeClr val="tx1"/>
+                        </a:solidFill>
+                        <a:latin typeface="Times New Roman" panose="02020603050405020304" pitchFamily="18" charset="0"/>
+                        <a:cs typeface="Times New Roman" panose="02020603050405020304" pitchFamily="18" charset="0"/>
+                      </a:endParaRPr>
+                    </a:p>
+                    <a:p>
+                      <a:pPr algn="ctr"/>
+                      <a:r>
+                        <a:rPr lang="en-US" sz="1300"/>
+                        <a:t>99.99701</a:t>
+                      </a:r>
+                      <a:endParaRPr lang="en-US" sz="1300" dirty="0">
+                        <a:solidFill>
+                          <a:schemeClr val="tx1"/>
+                        </a:solidFill>
+                        <a:latin typeface="Times New Roman" panose="02020603050405020304" pitchFamily="18" charset="0"/>
+                        <a:cs typeface="Times New Roman" panose="02020603050405020304" pitchFamily="18" charset="0"/>
+                      </a:endParaRPr>
+                    </a:p>
+                  </a:txBody>
+                  <a:tcPr>
+                    <a:solidFill>
+                      <a:srgbClr val="66C2A4"/>
+                    </a:solidFill>
+                  </a:tcPr>
+                </a:tc>
+                <a:extLst>
+                  <a:ext uri="{0D108BD9-81ED-4DB2-BD59-A6C34878D82A}">
+                    <a16:rowId xmlns:a16="http://schemas.microsoft.com/office/drawing/2014/main" val="2840804932"/>
+                  </a:ext>
+                </a:extLst>
+              </a:tr>
+              <a:tr h="770881">
+                <a:tc>
+                  <a:txBody>
+                    <a:bodyPr/>
+                    <a:lstStyle/>
+                    <a:p>
+                      <a:pPr algn="ctr"/>
+                      <a:endParaRPr lang="en-US" sz="1300">
+                        <a:solidFill>
+                          <a:schemeClr val="tx1"/>
+                        </a:solidFill>
+                        <a:latin typeface="Times New Roman" panose="02020603050405020304" pitchFamily="18" charset="0"/>
+                        <a:cs typeface="Times New Roman" panose="02020603050405020304" pitchFamily="18" charset="0"/>
+                      </a:endParaRPr>
+                    </a:p>
+                    <a:p>
+                      <a:pPr algn="ctr"/>
+                      <a:r>
+                        <a:rPr lang="en-US" sz="1300"/>
+                        <a:t>99.99691</a:t>
+                      </a:r>
+                      <a:endParaRPr lang="en-US" sz="1300" dirty="0">
+                        <a:solidFill>
+                          <a:schemeClr val="tx1"/>
+                        </a:solidFill>
+                        <a:latin typeface="Times New Roman" panose="02020603050405020304" pitchFamily="18" charset="0"/>
+                        <a:cs typeface="Times New Roman" panose="02020603050405020304" pitchFamily="18" charset="0"/>
+                      </a:endParaRPr>
+                    </a:p>
+                  </a:txBody>
+                  <a:tcPr>
+                    <a:solidFill>
+                      <a:srgbClr val="99D8C9"/>
+                    </a:solidFill>
+                  </a:tcPr>
+                </a:tc>
+                <a:extLst>
+                  <a:ext uri="{0D108BD9-81ED-4DB2-BD59-A6C34878D82A}">
+                    <a16:rowId xmlns:a16="http://schemas.microsoft.com/office/drawing/2014/main" val="2731855112"/>
+                  </a:ext>
+                </a:extLst>
+              </a:tr>
+              <a:tr h="770881">
+                <a:tc>
+                  <a:txBody>
+                    <a:bodyPr/>
+                    <a:lstStyle/>
+                    <a:p>
+                      <a:pPr algn="ctr"/>
+                      <a:endParaRPr lang="en-US" sz="1300">
+                        <a:solidFill>
+                          <a:schemeClr val="tx1"/>
+                        </a:solidFill>
+                        <a:latin typeface="Times New Roman" panose="02020603050405020304" pitchFamily="18" charset="0"/>
+                        <a:cs typeface="Times New Roman" panose="02020603050405020304" pitchFamily="18" charset="0"/>
+                      </a:endParaRPr>
+                    </a:p>
+                    <a:p>
+                      <a:pPr algn="ctr"/>
+                      <a:r>
+                        <a:rPr lang="en-US" sz="1300"/>
+                        <a:t>99.99687</a:t>
+                      </a:r>
+                      <a:endParaRPr lang="en-US" sz="1300" dirty="0">
+                        <a:solidFill>
+                          <a:schemeClr val="tx1"/>
+                        </a:solidFill>
+                        <a:latin typeface="Times New Roman" panose="02020603050405020304" pitchFamily="18" charset="0"/>
+                        <a:cs typeface="Times New Roman" panose="02020603050405020304" pitchFamily="18" charset="0"/>
+                      </a:endParaRPr>
+                    </a:p>
+                  </a:txBody>
+                  <a:tcPr>
+                    <a:solidFill>
+                      <a:srgbClr val="E5F5F9"/>
+                    </a:solidFill>
+                  </a:tcPr>
+                </a:tc>
+                <a:extLst>
+                  <a:ext uri="{0D108BD9-81ED-4DB2-BD59-A6C34878D82A}">
+                    <a16:rowId xmlns:a16="http://schemas.microsoft.com/office/drawing/2014/main" val="912332712"/>
+                  </a:ext>
+                </a:extLst>
+              </a:tr>
+              <a:tr h="770881">
+                <a:tc>
+                  <a:txBody>
+                    <a:bodyPr/>
+                    <a:lstStyle/>
+                    <a:p>
+                      <a:pPr algn="ctr"/>
+                      <a:endParaRPr lang="en-US" sz="1300" dirty="0">
+                        <a:solidFill>
+                          <a:schemeClr val="tx1"/>
+                        </a:solidFill>
+                        <a:latin typeface="Times New Roman" panose="02020603050405020304" pitchFamily="18" charset="0"/>
+                        <a:cs typeface="Times New Roman" panose="02020603050405020304" pitchFamily="18" charset="0"/>
+                      </a:endParaRPr>
+                    </a:p>
+                    <a:p>
+                      <a:pPr algn="ctr"/>
+                      <a:r>
+                        <a:rPr lang="en-US" sz="1300" dirty="0"/>
+                        <a:t>99.99671</a:t>
+                      </a:r>
+                      <a:endParaRPr lang="en-US" sz="1300" dirty="0">
+                        <a:solidFill>
+                          <a:schemeClr val="tx1"/>
+                        </a:solidFill>
+                        <a:latin typeface="Times New Roman" panose="02020603050405020304" pitchFamily="18" charset="0"/>
+                        <a:cs typeface="Times New Roman" panose="02020603050405020304" pitchFamily="18" charset="0"/>
+                      </a:endParaRPr>
+                    </a:p>
+                  </a:txBody>
+                  <a:tcPr>
+                    <a:solidFill>
+                      <a:srgbClr val="F7FCFD"/>
+                    </a:solidFill>
+                  </a:tcPr>
+                </a:tc>
+                <a:extLst>
+                  <a:ext uri="{0D108BD9-81ED-4DB2-BD59-A6C34878D82A}">
+                    <a16:rowId xmlns:a16="http://schemas.microsoft.com/office/drawing/2014/main" val="2455186243"/>
+                  </a:ext>
+                </a:extLst>
+              </a:tr>
+            </a:tbl>
+          </a:graphicData>
+        </a:graphic>
+      </p:graphicFrame>
+      <p:graphicFrame>
+        <p:nvGraphicFramePr>
+          <p:cNvPr id="83" name="Table 54">
+            <a:extLst>
+              <a:ext uri="{FF2B5EF4-FFF2-40B4-BE49-F238E27FC236}">
+                <a16:creationId xmlns:a16="http://schemas.microsoft.com/office/drawing/2014/main" id="{F62A80E6-11A0-4039-8E01-01F964666744}"/>
+              </a:ext>
+            </a:extLst>
+          </p:cNvPr>
+          <p:cNvGraphicFramePr>
+            <a:graphicFrameLocks noGrp="1"/>
+          </p:cNvGraphicFramePr>
+          <p:nvPr>
+            <p:extLst>
+              <p:ext uri="{D42A27DB-BD31-4B8C-83A1-F6EECF244321}">
+                <p14:modId xmlns:p14="http://schemas.microsoft.com/office/powerpoint/2010/main" val="3939612282"/>
+              </p:ext>
+            </p:extLst>
+          </p:nvPr>
+        </p:nvGraphicFramePr>
+        <p:xfrm>
+          <a:off x="5429092" y="8126899"/>
+          <a:ext cx="1026634" cy="6167051"/>
+        </p:xfrm>
+        <a:graphic>
+          <a:graphicData uri="http://schemas.openxmlformats.org/drawingml/2006/table">
+            <a:tbl>
+              <a:tblPr firstRow="1" bandRow="1">
+                <a:tableStyleId>{5C22544A-7EE6-4342-B048-85BDC9FD1C3A}</a:tableStyleId>
+              </a:tblPr>
+              <a:tblGrid>
+                <a:gridCol w="1026634">
+                  <a:extLst>
+                    <a:ext uri="{9D8B030D-6E8A-4147-A177-3AD203B41FA5}">
+                      <a16:colId xmlns:a16="http://schemas.microsoft.com/office/drawing/2014/main" val="2561657324"/>
+                    </a:ext>
+                  </a:extLst>
+                </a:gridCol>
+              </a:tblGrid>
+              <a:tr h="780402">
+                <a:tc>
+                  <a:txBody>
+                    <a:bodyPr/>
+                    <a:lstStyle/>
+                    <a:p>
+                      <a:pPr algn="ctr"/>
+                      <a:endParaRPr lang="en-US" sz="1300" dirty="0">
+                        <a:solidFill>
+                          <a:schemeClr val="tx1"/>
+                        </a:solidFill>
+                        <a:latin typeface="Times New Roman" panose="02020603050405020304" pitchFamily="18" charset="0"/>
+                        <a:cs typeface="Times New Roman" panose="02020603050405020304" pitchFamily="18" charset="0"/>
+                      </a:endParaRPr>
+                    </a:p>
+                  </a:txBody>
+                  <a:tcPr>
+                    <a:solidFill>
+                      <a:schemeClr val="accent2">
+                        <a:lumMod val="20000"/>
+                        <a:lumOff val="80000"/>
+                      </a:schemeClr>
+                    </a:solidFill>
+                  </a:tcPr>
+                </a:tc>
+                <a:extLst>
+                  <a:ext uri="{0D108BD9-81ED-4DB2-BD59-A6C34878D82A}">
+                    <a16:rowId xmlns:a16="http://schemas.microsoft.com/office/drawing/2014/main" val="69399357"/>
+                  </a:ext>
+                </a:extLst>
+              </a:tr>
+              <a:tr h="798509">
+                <a:tc>
+                  <a:txBody>
+                    <a:bodyPr/>
+                    <a:lstStyle/>
+                    <a:p>
+                      <a:pPr algn="ctr"/>
+                      <a:endParaRPr lang="en-US" sz="1300">
+                        <a:solidFill>
+                          <a:schemeClr val="tx1"/>
+                        </a:solidFill>
+                        <a:latin typeface="Times New Roman" panose="02020603050405020304" pitchFamily="18" charset="0"/>
+                        <a:cs typeface="Times New Roman" panose="02020603050405020304" pitchFamily="18" charset="0"/>
+                      </a:endParaRPr>
+                    </a:p>
+                    <a:p>
+                      <a:pPr algn="ctr"/>
+                      <a:r>
+                        <a:rPr lang="en-US" sz="1300">
+                          <a:solidFill>
+                            <a:schemeClr val="tx1"/>
+                          </a:solidFill>
+                          <a:latin typeface="Times New Roman" panose="02020603050405020304" pitchFamily="18" charset="0"/>
+                          <a:cs typeface="Times New Roman" panose="02020603050405020304" pitchFamily="18" charset="0"/>
+                        </a:rPr>
+                        <a:t>-7.6</a:t>
+                      </a:r>
+                      <a:endParaRPr lang="en-US" sz="1300" dirty="0">
+                        <a:solidFill>
+                          <a:schemeClr val="tx1"/>
+                        </a:solidFill>
+                        <a:latin typeface="Times New Roman" panose="02020603050405020304" pitchFamily="18" charset="0"/>
+                        <a:cs typeface="Times New Roman" panose="02020603050405020304" pitchFamily="18" charset="0"/>
+                      </a:endParaRPr>
+                    </a:p>
+                  </a:txBody>
+                  <a:tcPr>
+                    <a:solidFill>
+                      <a:srgbClr val="006D2C"/>
+                    </a:solidFill>
+                  </a:tcPr>
+                </a:tc>
+                <a:extLst>
+                  <a:ext uri="{0D108BD9-81ED-4DB2-BD59-A6C34878D82A}">
+                    <a16:rowId xmlns:a16="http://schemas.microsoft.com/office/drawing/2014/main" val="2488195620"/>
+                  </a:ext>
+                </a:extLst>
+              </a:tr>
+              <a:tr h="764690">
+                <a:tc>
+                  <a:txBody>
+                    <a:bodyPr/>
+                    <a:lstStyle/>
+                    <a:p>
+                      <a:pPr algn="ctr"/>
+                      <a:endParaRPr lang="en-US" sz="1300">
+                        <a:solidFill>
+                          <a:schemeClr val="tx1"/>
+                        </a:solidFill>
+                        <a:latin typeface="Times New Roman" panose="02020603050405020304" pitchFamily="18" charset="0"/>
+                        <a:cs typeface="Times New Roman" panose="02020603050405020304" pitchFamily="18" charset="0"/>
+                      </a:endParaRPr>
+                    </a:p>
+                    <a:p>
+                      <a:pPr algn="ctr"/>
+                      <a:r>
+                        <a:rPr lang="en-US" sz="1300">
+                          <a:solidFill>
+                            <a:schemeClr val="tx1"/>
+                          </a:solidFill>
+                          <a:latin typeface="Times New Roman" panose="02020603050405020304" pitchFamily="18" charset="0"/>
+                          <a:cs typeface="Times New Roman" panose="02020603050405020304" pitchFamily="18" charset="0"/>
+                        </a:rPr>
+                        <a:t>-7.6</a:t>
+                      </a:r>
+                      <a:endParaRPr lang="en-US" sz="1300" dirty="0">
+                        <a:solidFill>
+                          <a:schemeClr val="tx1"/>
+                        </a:solidFill>
+                        <a:latin typeface="Times New Roman" panose="02020603050405020304" pitchFamily="18" charset="0"/>
+                        <a:cs typeface="Times New Roman" panose="02020603050405020304" pitchFamily="18" charset="0"/>
+                      </a:endParaRPr>
+                    </a:p>
+                  </a:txBody>
+                  <a:tcPr>
+                    <a:solidFill>
+                      <a:srgbClr val="238B45"/>
+                    </a:solidFill>
+                  </a:tcPr>
+                </a:tc>
+                <a:extLst>
+                  <a:ext uri="{0D108BD9-81ED-4DB2-BD59-A6C34878D82A}">
+                    <a16:rowId xmlns:a16="http://schemas.microsoft.com/office/drawing/2014/main" val="698217815"/>
+                  </a:ext>
+                </a:extLst>
+              </a:tr>
+              <a:tr h="764690">
+                <a:tc>
+                  <a:txBody>
+                    <a:bodyPr/>
+                    <a:lstStyle/>
+                    <a:p>
+                      <a:pPr algn="ctr"/>
+                      <a:endParaRPr lang="en-US" sz="1300" b="0" i="0" kern="1200">
+                        <a:solidFill>
+                          <a:schemeClr val="tx1"/>
+                        </a:solidFill>
+                        <a:effectLst/>
+                        <a:latin typeface="Times New Roman" panose="02020603050405020304" pitchFamily="18" charset="0"/>
+                        <a:ea typeface="+mn-ea"/>
+                        <a:cs typeface="Times New Roman" panose="02020603050405020304" pitchFamily="18" charset="0"/>
+                      </a:endParaRPr>
+                    </a:p>
+                    <a:p>
+                      <a:pPr algn="ctr"/>
+                      <a:r>
+                        <a:rPr lang="en-US" sz="1300" b="0" i="0" kern="1200">
+                          <a:solidFill>
+                            <a:schemeClr val="tx1"/>
+                          </a:solidFill>
+                          <a:effectLst/>
+                          <a:latin typeface="Times New Roman" panose="02020603050405020304" pitchFamily="18" charset="0"/>
+                          <a:ea typeface="+mn-ea"/>
+                          <a:cs typeface="Times New Roman" panose="02020603050405020304" pitchFamily="18" charset="0"/>
+                        </a:rPr>
+                        <a:t>-7.5</a:t>
+                      </a:r>
+                      <a:endParaRPr lang="en-US" sz="1300" dirty="0">
+                        <a:solidFill>
+                          <a:schemeClr val="tx1"/>
+                        </a:solidFill>
+                        <a:latin typeface="Times New Roman" panose="02020603050405020304" pitchFamily="18" charset="0"/>
+                        <a:cs typeface="Times New Roman" panose="02020603050405020304" pitchFamily="18" charset="0"/>
+                      </a:endParaRPr>
+                    </a:p>
+                  </a:txBody>
+                  <a:tcPr>
+                    <a:solidFill>
+                      <a:srgbClr val="E5F5F9"/>
+                    </a:solidFill>
+                  </a:tcPr>
+                </a:tc>
+                <a:extLst>
+                  <a:ext uri="{0D108BD9-81ED-4DB2-BD59-A6C34878D82A}">
+                    <a16:rowId xmlns:a16="http://schemas.microsoft.com/office/drawing/2014/main" val="3753925749"/>
+                  </a:ext>
+                </a:extLst>
+              </a:tr>
+              <a:tr h="764690">
+                <a:tc>
+                  <a:txBody>
+                    <a:bodyPr/>
+                    <a:lstStyle/>
+                    <a:p>
+                      <a:pPr algn="ctr"/>
+                      <a:endParaRPr lang="en-US" sz="1300">
+                        <a:solidFill>
+                          <a:schemeClr val="tx1"/>
+                        </a:solidFill>
+                        <a:latin typeface="Times New Roman" panose="02020603050405020304" pitchFamily="18" charset="0"/>
+                        <a:cs typeface="Times New Roman" panose="02020603050405020304" pitchFamily="18" charset="0"/>
+                      </a:endParaRPr>
+                    </a:p>
+                    <a:p>
+                      <a:pPr algn="ctr"/>
+                      <a:r>
+                        <a:rPr lang="en-US" sz="1300">
+                          <a:solidFill>
+                            <a:schemeClr val="tx1"/>
+                          </a:solidFill>
+                          <a:latin typeface="Times New Roman" panose="02020603050405020304" pitchFamily="18" charset="0"/>
+                          <a:cs typeface="Times New Roman" panose="02020603050405020304" pitchFamily="18" charset="0"/>
+                        </a:rPr>
+                        <a:t>-7.5</a:t>
+                      </a:r>
+                      <a:endParaRPr lang="en-US" sz="1300" dirty="0">
+                        <a:solidFill>
+                          <a:schemeClr val="tx1"/>
+                        </a:solidFill>
+                        <a:latin typeface="Times New Roman" panose="02020603050405020304" pitchFamily="18" charset="0"/>
+                        <a:cs typeface="Times New Roman" panose="02020603050405020304" pitchFamily="18" charset="0"/>
+                      </a:endParaRPr>
+                    </a:p>
+                  </a:txBody>
+                  <a:tcPr>
+                    <a:solidFill>
+                      <a:srgbClr val="F7FCFD"/>
+                    </a:solidFill>
+                  </a:tcPr>
+                </a:tc>
+                <a:extLst>
+                  <a:ext uri="{0D108BD9-81ED-4DB2-BD59-A6C34878D82A}">
+                    <a16:rowId xmlns:a16="http://schemas.microsoft.com/office/drawing/2014/main" val="2840804932"/>
+                  </a:ext>
+                </a:extLst>
+              </a:tr>
+              <a:tr h="764690">
+                <a:tc>
+                  <a:txBody>
+                    <a:bodyPr/>
+                    <a:lstStyle/>
+                    <a:p>
+                      <a:pPr algn="ctr"/>
+                      <a:endParaRPr lang="en-US" sz="1300">
+                        <a:solidFill>
+                          <a:schemeClr val="tx1"/>
+                        </a:solidFill>
+                        <a:latin typeface="Times New Roman" panose="02020603050405020304" pitchFamily="18" charset="0"/>
+                        <a:cs typeface="Times New Roman" panose="02020603050405020304" pitchFamily="18" charset="0"/>
+                      </a:endParaRPr>
+                    </a:p>
+                    <a:p>
+                      <a:pPr algn="ctr"/>
+                      <a:r>
+                        <a:rPr lang="en-US" sz="1300">
+                          <a:solidFill>
+                            <a:schemeClr val="tx1"/>
+                          </a:solidFill>
+                          <a:latin typeface="Times New Roman" panose="02020603050405020304" pitchFamily="18" charset="0"/>
+                          <a:cs typeface="Times New Roman" panose="02020603050405020304" pitchFamily="18" charset="0"/>
+                        </a:rPr>
+                        <a:t>-7.3</a:t>
+                      </a:r>
+                      <a:endParaRPr lang="en-US" sz="1300" dirty="0">
+                        <a:solidFill>
+                          <a:schemeClr val="tx1"/>
+                        </a:solidFill>
+                        <a:latin typeface="Times New Roman" panose="02020603050405020304" pitchFamily="18" charset="0"/>
+                        <a:cs typeface="Times New Roman" panose="02020603050405020304" pitchFamily="18" charset="0"/>
+                      </a:endParaRPr>
+                    </a:p>
+                  </a:txBody>
+                  <a:tcPr>
+                    <a:solidFill>
+                      <a:srgbClr val="66C2A4"/>
+                    </a:solidFill>
+                  </a:tcPr>
+                </a:tc>
+                <a:extLst>
+                  <a:ext uri="{0D108BD9-81ED-4DB2-BD59-A6C34878D82A}">
+                    <a16:rowId xmlns:a16="http://schemas.microsoft.com/office/drawing/2014/main" val="2731855112"/>
+                  </a:ext>
+                </a:extLst>
+              </a:tr>
+              <a:tr h="764690">
+                <a:tc>
+                  <a:txBody>
+                    <a:bodyPr/>
+                    <a:lstStyle/>
+                    <a:p>
+                      <a:pPr algn="ctr"/>
+                      <a:endParaRPr lang="en-US" sz="1300">
+                        <a:solidFill>
+                          <a:schemeClr val="tx1"/>
+                        </a:solidFill>
+                        <a:latin typeface="Times New Roman" panose="02020603050405020304" pitchFamily="18" charset="0"/>
+                        <a:cs typeface="Times New Roman" panose="02020603050405020304" pitchFamily="18" charset="0"/>
+                      </a:endParaRPr>
+                    </a:p>
+                    <a:p>
+                      <a:pPr algn="ctr"/>
+                      <a:r>
+                        <a:rPr lang="en-US" sz="1300">
+                          <a:solidFill>
+                            <a:schemeClr val="tx1"/>
+                          </a:solidFill>
+                          <a:latin typeface="Times New Roman" panose="02020603050405020304" pitchFamily="18" charset="0"/>
+                          <a:cs typeface="Times New Roman" panose="02020603050405020304" pitchFamily="18" charset="0"/>
+                        </a:rPr>
+                        <a:t>-7.1</a:t>
+                      </a:r>
+                      <a:endParaRPr lang="en-US" sz="1300" dirty="0">
+                        <a:solidFill>
+                          <a:schemeClr val="tx1"/>
+                        </a:solidFill>
+                        <a:latin typeface="Times New Roman" panose="02020603050405020304" pitchFamily="18" charset="0"/>
+                        <a:cs typeface="Times New Roman" panose="02020603050405020304" pitchFamily="18" charset="0"/>
+                      </a:endParaRPr>
+                    </a:p>
+                  </a:txBody>
+                  <a:tcPr>
+                    <a:solidFill>
+                      <a:srgbClr val="41AE76"/>
+                    </a:solidFill>
+                  </a:tcPr>
+                </a:tc>
+                <a:extLst>
+                  <a:ext uri="{0D108BD9-81ED-4DB2-BD59-A6C34878D82A}">
+                    <a16:rowId xmlns:a16="http://schemas.microsoft.com/office/drawing/2014/main" val="912332712"/>
+                  </a:ext>
+                </a:extLst>
+              </a:tr>
+              <a:tr h="764690">
+                <a:tc>
+                  <a:txBody>
+                    <a:bodyPr/>
+                    <a:lstStyle/>
+                    <a:p>
+                      <a:pPr algn="ctr"/>
+                      <a:endParaRPr lang="en-US" sz="1300" dirty="0">
+                        <a:solidFill>
+                          <a:schemeClr val="tx1"/>
+                        </a:solidFill>
+                        <a:latin typeface="Times New Roman" panose="02020603050405020304" pitchFamily="18" charset="0"/>
+                        <a:cs typeface="Times New Roman" panose="02020603050405020304" pitchFamily="18" charset="0"/>
+                      </a:endParaRPr>
+                    </a:p>
+                    <a:p>
+                      <a:pPr algn="ctr"/>
+                      <a:r>
+                        <a:rPr lang="en-US" sz="1300" dirty="0">
+                          <a:solidFill>
+                            <a:schemeClr val="tx1"/>
+                          </a:solidFill>
+                          <a:latin typeface="Times New Roman" panose="02020603050405020304" pitchFamily="18" charset="0"/>
+                          <a:cs typeface="Times New Roman" panose="02020603050405020304" pitchFamily="18" charset="0"/>
+                        </a:rPr>
+                        <a:t>-6.9</a:t>
+                      </a:r>
+                    </a:p>
+                  </a:txBody>
+                  <a:tcPr>
+                    <a:solidFill>
+                      <a:srgbClr val="99D8C9"/>
+                    </a:solidFill>
+                  </a:tcPr>
+                </a:tc>
+                <a:extLst>
+                  <a:ext uri="{0D108BD9-81ED-4DB2-BD59-A6C34878D82A}">
+                    <a16:rowId xmlns:a16="http://schemas.microsoft.com/office/drawing/2014/main" val="2455186243"/>
+                  </a:ext>
+                </a:extLst>
+              </a:tr>
+            </a:tbl>
+          </a:graphicData>
+        </a:graphic>
+      </p:graphicFrame>
+      <p:cxnSp>
+        <p:nvCxnSpPr>
+          <p:cNvPr id="84" name="Straight Connector 83">
+            <a:extLst>
+              <a:ext uri="{FF2B5EF4-FFF2-40B4-BE49-F238E27FC236}">
+                <a16:creationId xmlns:a16="http://schemas.microsoft.com/office/drawing/2014/main" id="{7EE53334-31ED-4568-B495-BC129561119C}"/>
+              </a:ext>
+            </a:extLst>
+          </p:cNvPr>
+          <p:cNvCxnSpPr>
+            <a:cxnSpLocks/>
+          </p:cNvCxnSpPr>
+          <p:nvPr/>
+        </p:nvCxnSpPr>
+        <p:spPr>
+          <a:xfrm>
+            <a:off x="4779334" y="9320349"/>
+            <a:ext cx="657150" cy="0"/>
+          </a:xfrm>
+          <a:prstGeom prst="line">
+            <a:avLst/>
+          </a:prstGeom>
+          <a:ln w="38100">
+            <a:solidFill>
+              <a:schemeClr val="bg2">
+                <a:lumMod val="75000"/>
+              </a:schemeClr>
+            </a:solidFill>
+          </a:ln>
+        </p:spPr>
+        <p:style>
+          <a:lnRef idx="1">
+            <a:schemeClr val="accent1"/>
+          </a:lnRef>
+          <a:fillRef idx="0">
+            <a:schemeClr val="accent1"/>
+          </a:fillRef>
+          <a:effectRef idx="0">
+            <a:schemeClr val="accent1"/>
+          </a:effectRef>
+          <a:fontRef idx="minor">
+            <a:schemeClr val="tx1"/>
+          </a:fontRef>
+        </p:style>
+      </p:cxnSp>
+      <p:cxnSp>
+        <p:nvCxnSpPr>
+          <p:cNvPr id="85" name="Straight Connector 84">
+            <a:extLst>
+              <a:ext uri="{FF2B5EF4-FFF2-40B4-BE49-F238E27FC236}">
+                <a16:creationId xmlns:a16="http://schemas.microsoft.com/office/drawing/2014/main" id="{78E4E4B8-58A1-4F9D-9D2B-4217B563A535}"/>
+              </a:ext>
+            </a:extLst>
+          </p:cNvPr>
+          <p:cNvCxnSpPr>
+            <a:cxnSpLocks/>
+          </p:cNvCxnSpPr>
+          <p:nvPr/>
+        </p:nvCxnSpPr>
+        <p:spPr>
+          <a:xfrm>
+            <a:off x="4779334" y="10107370"/>
+            <a:ext cx="657150" cy="0"/>
+          </a:xfrm>
+          <a:prstGeom prst="line">
+            <a:avLst/>
+          </a:prstGeom>
+          <a:ln w="38100">
+            <a:solidFill>
+              <a:schemeClr val="bg2">
+                <a:lumMod val="75000"/>
+              </a:schemeClr>
+            </a:solidFill>
+          </a:ln>
+        </p:spPr>
+        <p:style>
+          <a:lnRef idx="1">
+            <a:schemeClr val="accent1"/>
+          </a:lnRef>
+          <a:fillRef idx="0">
+            <a:schemeClr val="accent1"/>
+          </a:fillRef>
+          <a:effectRef idx="0">
+            <a:schemeClr val="accent1"/>
+          </a:effectRef>
+          <a:fontRef idx="minor">
+            <a:schemeClr val="tx1"/>
+          </a:fontRef>
+        </p:style>
+      </p:cxnSp>
+      <p:cxnSp>
+        <p:nvCxnSpPr>
+          <p:cNvPr id="86" name="Straight Connector 85">
+            <a:extLst>
+              <a:ext uri="{FF2B5EF4-FFF2-40B4-BE49-F238E27FC236}">
+                <a16:creationId xmlns:a16="http://schemas.microsoft.com/office/drawing/2014/main" id="{45EAB70D-4889-4515-B531-AA7ACD2F29A0}"/>
+              </a:ext>
+            </a:extLst>
+          </p:cNvPr>
+          <p:cNvCxnSpPr>
+            <a:cxnSpLocks/>
+          </p:cNvCxnSpPr>
+          <p:nvPr/>
+        </p:nvCxnSpPr>
+        <p:spPr>
+          <a:xfrm>
+            <a:off x="4917561" y="10855504"/>
+            <a:ext cx="356310" cy="2407413"/>
+          </a:xfrm>
+          <a:prstGeom prst="line">
+            <a:avLst/>
+          </a:prstGeom>
+          <a:ln w="38100">
+            <a:solidFill>
+              <a:schemeClr val="bg2">
+                <a:lumMod val="75000"/>
+              </a:schemeClr>
+            </a:solidFill>
+          </a:ln>
+        </p:spPr>
+        <p:style>
+          <a:lnRef idx="1">
+            <a:schemeClr val="accent1"/>
+          </a:lnRef>
+          <a:fillRef idx="0">
+            <a:schemeClr val="accent1"/>
+          </a:fillRef>
+          <a:effectRef idx="0">
+            <a:schemeClr val="accent1"/>
+          </a:effectRef>
+          <a:fontRef idx="minor">
+            <a:schemeClr val="tx1"/>
+          </a:fontRef>
+        </p:style>
+      </p:cxnSp>
+      <p:cxnSp>
+        <p:nvCxnSpPr>
+          <p:cNvPr id="87" name="Straight Connector 86">
+            <a:extLst>
+              <a:ext uri="{FF2B5EF4-FFF2-40B4-BE49-F238E27FC236}">
+                <a16:creationId xmlns:a16="http://schemas.microsoft.com/office/drawing/2014/main" id="{2F24EF33-3474-4DE0-B77D-04D794ACD2BB}"/>
+              </a:ext>
+            </a:extLst>
+          </p:cNvPr>
+          <p:cNvCxnSpPr>
+            <a:cxnSpLocks/>
+          </p:cNvCxnSpPr>
+          <p:nvPr/>
+        </p:nvCxnSpPr>
+        <p:spPr>
+          <a:xfrm>
+            <a:off x="4771949" y="10858603"/>
+            <a:ext cx="158521" cy="0"/>
+          </a:xfrm>
+          <a:prstGeom prst="line">
+            <a:avLst/>
+          </a:prstGeom>
+          <a:ln w="38100">
+            <a:solidFill>
+              <a:schemeClr val="bg2">
+                <a:lumMod val="75000"/>
+              </a:schemeClr>
+            </a:solidFill>
+          </a:ln>
+        </p:spPr>
+        <p:style>
+          <a:lnRef idx="1">
+            <a:schemeClr val="accent1"/>
+          </a:lnRef>
+          <a:fillRef idx="0">
+            <a:schemeClr val="accent1"/>
+          </a:fillRef>
+          <a:effectRef idx="0">
+            <a:schemeClr val="accent1"/>
+          </a:effectRef>
+          <a:fontRef idx="minor">
+            <a:schemeClr val="tx1"/>
+          </a:fontRef>
+        </p:style>
+      </p:cxnSp>
+      <p:cxnSp>
+        <p:nvCxnSpPr>
+          <p:cNvPr id="89" name="Straight Connector 88">
+            <a:extLst>
+              <a:ext uri="{FF2B5EF4-FFF2-40B4-BE49-F238E27FC236}">
+                <a16:creationId xmlns:a16="http://schemas.microsoft.com/office/drawing/2014/main" id="{1F151707-1B20-4A1F-AF81-76237923B489}"/>
+              </a:ext>
+            </a:extLst>
+          </p:cNvPr>
+          <p:cNvCxnSpPr>
+            <a:cxnSpLocks/>
+          </p:cNvCxnSpPr>
+          <p:nvPr/>
+        </p:nvCxnSpPr>
+        <p:spPr>
+          <a:xfrm>
+            <a:off x="5261287" y="13254423"/>
+            <a:ext cx="175201" cy="0"/>
+          </a:xfrm>
+          <a:prstGeom prst="line">
+            <a:avLst/>
+          </a:prstGeom>
+          <a:ln w="38100">
+            <a:solidFill>
+              <a:schemeClr val="bg2">
+                <a:lumMod val="75000"/>
+              </a:schemeClr>
+            </a:solidFill>
+          </a:ln>
+        </p:spPr>
+        <p:style>
+          <a:lnRef idx="1">
+            <a:schemeClr val="accent1"/>
+          </a:lnRef>
+          <a:fillRef idx="0">
+            <a:schemeClr val="accent1"/>
+          </a:fillRef>
+          <a:effectRef idx="0">
+            <a:schemeClr val="accent1"/>
+          </a:effectRef>
+          <a:fontRef idx="minor">
+            <a:schemeClr val="tx1"/>
+          </a:fontRef>
+        </p:style>
+      </p:cxnSp>
+      <p:cxnSp>
+        <p:nvCxnSpPr>
+          <p:cNvPr id="90" name="Straight Connector 89">
+            <a:extLst>
+              <a:ext uri="{FF2B5EF4-FFF2-40B4-BE49-F238E27FC236}">
+                <a16:creationId xmlns:a16="http://schemas.microsoft.com/office/drawing/2014/main" id="{BB099BDF-DF24-4316-B85C-459522AFC34A}"/>
+              </a:ext>
+            </a:extLst>
+          </p:cNvPr>
+          <p:cNvCxnSpPr>
+            <a:cxnSpLocks/>
+          </p:cNvCxnSpPr>
+          <p:nvPr/>
+        </p:nvCxnSpPr>
+        <p:spPr>
+          <a:xfrm>
+            <a:off x="4852852" y="11731137"/>
+            <a:ext cx="498629" cy="733199"/>
+          </a:xfrm>
+          <a:prstGeom prst="line">
+            <a:avLst/>
+          </a:prstGeom>
+          <a:ln w="38100">
+            <a:solidFill>
+              <a:schemeClr val="bg2">
+                <a:lumMod val="75000"/>
+              </a:schemeClr>
+            </a:solidFill>
+          </a:ln>
+        </p:spPr>
+        <p:style>
+          <a:lnRef idx="1">
+            <a:schemeClr val="accent1"/>
+          </a:lnRef>
+          <a:fillRef idx="0">
+            <a:schemeClr val="accent1"/>
+          </a:fillRef>
+          <a:effectRef idx="0">
+            <a:schemeClr val="accent1"/>
+          </a:effectRef>
+          <a:fontRef idx="minor">
+            <a:schemeClr val="tx1"/>
+          </a:fontRef>
+        </p:style>
+      </p:cxnSp>
+      <p:cxnSp>
+        <p:nvCxnSpPr>
+          <p:cNvPr id="91" name="Straight Connector 90">
+            <a:extLst>
+              <a:ext uri="{FF2B5EF4-FFF2-40B4-BE49-F238E27FC236}">
+                <a16:creationId xmlns:a16="http://schemas.microsoft.com/office/drawing/2014/main" id="{58DF7EBB-4C66-4447-BD5F-AF9592011417}"/>
+              </a:ext>
+            </a:extLst>
+          </p:cNvPr>
+          <p:cNvCxnSpPr>
+            <a:cxnSpLocks/>
+          </p:cNvCxnSpPr>
+          <p:nvPr/>
+        </p:nvCxnSpPr>
+        <p:spPr>
+          <a:xfrm flipV="1">
+            <a:off x="5338580" y="12464334"/>
+            <a:ext cx="97905" cy="2"/>
+          </a:xfrm>
+          <a:prstGeom prst="line">
+            <a:avLst/>
+          </a:prstGeom>
+          <a:ln w="38100">
+            <a:solidFill>
+              <a:schemeClr val="bg2">
+                <a:lumMod val="75000"/>
+              </a:schemeClr>
+            </a:solidFill>
+          </a:ln>
+        </p:spPr>
+        <p:style>
+          <a:lnRef idx="1">
+            <a:schemeClr val="accent1"/>
+          </a:lnRef>
+          <a:fillRef idx="0">
+            <a:schemeClr val="accent1"/>
+          </a:fillRef>
+          <a:effectRef idx="0">
+            <a:schemeClr val="accent1"/>
+          </a:effectRef>
+          <a:fontRef idx="minor">
+            <a:schemeClr val="tx1"/>
+          </a:fontRef>
+        </p:style>
+      </p:cxnSp>
+      <p:cxnSp>
+        <p:nvCxnSpPr>
+          <p:cNvPr id="92" name="Straight Connector 91">
+            <a:extLst>
+              <a:ext uri="{FF2B5EF4-FFF2-40B4-BE49-F238E27FC236}">
+                <a16:creationId xmlns:a16="http://schemas.microsoft.com/office/drawing/2014/main" id="{1DB7CECE-B691-4FE5-929F-A32702A585AD}"/>
+              </a:ext>
+            </a:extLst>
+          </p:cNvPr>
+          <p:cNvCxnSpPr>
+            <a:cxnSpLocks/>
+          </p:cNvCxnSpPr>
+          <p:nvPr/>
+        </p:nvCxnSpPr>
+        <p:spPr>
+          <a:xfrm>
+            <a:off x="4771940" y="11731134"/>
+            <a:ext cx="97010" cy="0"/>
+          </a:xfrm>
+          <a:prstGeom prst="line">
+            <a:avLst/>
+          </a:prstGeom>
+          <a:ln w="38100">
+            <a:solidFill>
+              <a:schemeClr val="bg2">
+                <a:lumMod val="75000"/>
+              </a:schemeClr>
+            </a:solidFill>
+          </a:ln>
+        </p:spPr>
+        <p:style>
+          <a:lnRef idx="1">
+            <a:schemeClr val="accent1"/>
+          </a:lnRef>
+          <a:fillRef idx="0">
+            <a:schemeClr val="accent1"/>
+          </a:fillRef>
+          <a:effectRef idx="0">
+            <a:schemeClr val="accent1"/>
+          </a:effectRef>
+          <a:fontRef idx="minor">
+            <a:schemeClr val="tx1"/>
+          </a:fontRef>
+        </p:style>
+      </p:cxnSp>
+      <p:grpSp>
+        <p:nvGrpSpPr>
+          <p:cNvPr id="93" name="Group 92">
+            <a:extLst>
+              <a:ext uri="{FF2B5EF4-FFF2-40B4-BE49-F238E27FC236}">
+                <a16:creationId xmlns:a16="http://schemas.microsoft.com/office/drawing/2014/main" id="{DFEBAA8B-11B1-44E5-A8D3-40995B6DBF4E}"/>
+              </a:ext>
+            </a:extLst>
+          </p:cNvPr>
+          <p:cNvGrpSpPr/>
+          <p:nvPr/>
+        </p:nvGrpSpPr>
+        <p:grpSpPr>
+          <a:xfrm>
+            <a:off x="4779338" y="12490852"/>
+            <a:ext cx="664551" cy="1531786"/>
+            <a:chOff x="4651775" y="4504164"/>
+            <a:chExt cx="664551" cy="1531785"/>
+          </a:xfrm>
+        </p:grpSpPr>
+        <p:cxnSp>
+          <p:nvCxnSpPr>
+            <p:cNvPr id="94" name="Straight Connector 93">
+              <a:extLst>
+                <a:ext uri="{FF2B5EF4-FFF2-40B4-BE49-F238E27FC236}">
+                  <a16:creationId xmlns:a16="http://schemas.microsoft.com/office/drawing/2014/main" id="{D2C6D161-FE1D-477A-92C2-42BF1CE8EF4A}"/>
+                </a:ext>
+              </a:extLst>
+            </p:cNvPr>
+            <p:cNvCxnSpPr>
+              <a:cxnSpLocks/>
+            </p:cNvCxnSpPr>
+            <p:nvPr/>
+          </p:nvCxnSpPr>
+          <p:spPr>
+            <a:xfrm>
+              <a:off x="5141125" y="6027454"/>
+              <a:ext cx="175201" cy="0"/>
+            </a:xfrm>
+            <a:prstGeom prst="line">
+              <a:avLst/>
+            </a:prstGeom>
+            <a:ln w="38100">
+              <a:solidFill>
+                <a:schemeClr val="bg2">
+                  <a:lumMod val="75000"/>
+                </a:schemeClr>
+              </a:solidFill>
+            </a:ln>
+          </p:spPr>
+          <p:style>
+            <a:lnRef idx="1">
+              <a:schemeClr val="accent1"/>
+            </a:lnRef>
+            <a:fillRef idx="0">
+              <a:schemeClr val="accent1"/>
+            </a:fillRef>
+            <a:effectRef idx="0">
+              <a:schemeClr val="accent1"/>
+            </a:effectRef>
+            <a:fontRef idx="minor">
+              <a:schemeClr val="tx1"/>
+            </a:fontRef>
+          </p:style>
+        </p:cxnSp>
+        <p:cxnSp>
+          <p:nvCxnSpPr>
+            <p:cNvPr id="95" name="Straight Connector 94">
+              <a:extLst>
+                <a:ext uri="{FF2B5EF4-FFF2-40B4-BE49-F238E27FC236}">
+                  <a16:creationId xmlns:a16="http://schemas.microsoft.com/office/drawing/2014/main" id="{4242596D-247D-4AE7-BB7B-9296EB285A86}"/>
+                </a:ext>
+              </a:extLst>
+            </p:cNvPr>
+            <p:cNvCxnSpPr>
+              <a:cxnSpLocks/>
+            </p:cNvCxnSpPr>
+            <p:nvPr/>
+          </p:nvCxnSpPr>
+          <p:spPr>
+            <a:xfrm>
+              <a:off x="4732687" y="4504168"/>
+              <a:ext cx="425114" cy="1531781"/>
+            </a:xfrm>
+            <a:prstGeom prst="line">
+              <a:avLst/>
+            </a:prstGeom>
+            <a:ln w="38100">
+              <a:solidFill>
+                <a:schemeClr val="bg2">
+                  <a:lumMod val="75000"/>
+                </a:schemeClr>
+              </a:solidFill>
+            </a:ln>
+          </p:spPr>
+          <p:style>
+            <a:lnRef idx="1">
+              <a:schemeClr val="accent1"/>
+            </a:lnRef>
+            <a:fillRef idx="0">
+              <a:schemeClr val="accent1"/>
+            </a:fillRef>
+            <a:effectRef idx="0">
+              <a:schemeClr val="accent1"/>
+            </a:effectRef>
+            <a:fontRef idx="minor">
+              <a:schemeClr val="tx1"/>
+            </a:fontRef>
+          </p:style>
+        </p:cxnSp>
+        <p:cxnSp>
+          <p:nvCxnSpPr>
+            <p:cNvPr id="96" name="Straight Connector 95">
+              <a:extLst>
+                <a:ext uri="{FF2B5EF4-FFF2-40B4-BE49-F238E27FC236}">
+                  <a16:creationId xmlns:a16="http://schemas.microsoft.com/office/drawing/2014/main" id="{24D54CB1-C7BC-484C-9C7A-EDC2569DF27A}"/>
+                </a:ext>
+              </a:extLst>
+            </p:cNvPr>
+            <p:cNvCxnSpPr>
+              <a:cxnSpLocks/>
+            </p:cNvCxnSpPr>
+            <p:nvPr/>
+          </p:nvCxnSpPr>
+          <p:spPr>
+            <a:xfrm>
+              <a:off x="4651775" y="4504164"/>
+              <a:ext cx="97010" cy="0"/>
+            </a:xfrm>
+            <a:prstGeom prst="line">
+              <a:avLst/>
+            </a:prstGeom>
+            <a:ln w="38100">
+              <a:solidFill>
+                <a:schemeClr val="bg2">
+                  <a:lumMod val="75000"/>
+                </a:schemeClr>
+              </a:solidFill>
+            </a:ln>
+          </p:spPr>
+          <p:style>
+            <a:lnRef idx="1">
+              <a:schemeClr val="accent1"/>
+            </a:lnRef>
+            <a:fillRef idx="0">
+              <a:schemeClr val="accent1"/>
+            </a:fillRef>
+            <a:effectRef idx="0">
+              <a:schemeClr val="accent1"/>
+            </a:effectRef>
+            <a:fontRef idx="minor">
+              <a:schemeClr val="tx1"/>
+            </a:fontRef>
+          </p:style>
+        </p:cxnSp>
+      </p:grpSp>
+      <p:cxnSp>
+        <p:nvCxnSpPr>
+          <p:cNvPr id="97" name="Straight Connector 96">
+            <a:extLst>
+              <a:ext uri="{FF2B5EF4-FFF2-40B4-BE49-F238E27FC236}">
+                <a16:creationId xmlns:a16="http://schemas.microsoft.com/office/drawing/2014/main" id="{DB87695C-4F2A-4F6D-AEB2-BEEED3838136}"/>
+              </a:ext>
+            </a:extLst>
+          </p:cNvPr>
+          <p:cNvCxnSpPr>
+            <a:cxnSpLocks/>
+          </p:cNvCxnSpPr>
+          <p:nvPr/>
+        </p:nvCxnSpPr>
+        <p:spPr>
+          <a:xfrm flipH="1">
+            <a:off x="4921001" y="10942655"/>
+            <a:ext cx="364358" cy="2445613"/>
+          </a:xfrm>
+          <a:prstGeom prst="line">
+            <a:avLst/>
+          </a:prstGeom>
+          <a:ln w="38100">
+            <a:solidFill>
+              <a:schemeClr val="bg2">
+                <a:lumMod val="75000"/>
+              </a:schemeClr>
+            </a:solidFill>
+          </a:ln>
+        </p:spPr>
+        <p:style>
+          <a:lnRef idx="1">
+            <a:schemeClr val="accent1"/>
+          </a:lnRef>
+          <a:fillRef idx="0">
+            <a:schemeClr val="accent1"/>
+          </a:fillRef>
+          <a:effectRef idx="0">
+            <a:schemeClr val="accent1"/>
+          </a:effectRef>
+          <a:fontRef idx="minor">
+            <a:schemeClr val="tx1"/>
+          </a:fontRef>
+        </p:style>
+      </p:cxnSp>
+      <p:cxnSp>
+        <p:nvCxnSpPr>
+          <p:cNvPr id="98" name="Straight Connector 97">
+            <a:extLst>
+              <a:ext uri="{FF2B5EF4-FFF2-40B4-BE49-F238E27FC236}">
+                <a16:creationId xmlns:a16="http://schemas.microsoft.com/office/drawing/2014/main" id="{1A32FB79-CF3E-4467-8E57-8B68BC1226F1}"/>
+              </a:ext>
+            </a:extLst>
+          </p:cNvPr>
+          <p:cNvCxnSpPr>
+            <a:cxnSpLocks/>
+          </p:cNvCxnSpPr>
+          <p:nvPr/>
+        </p:nvCxnSpPr>
+        <p:spPr>
+          <a:xfrm>
+            <a:off x="4771949" y="13379770"/>
+            <a:ext cx="175201" cy="0"/>
+          </a:xfrm>
+          <a:prstGeom prst="line">
+            <a:avLst/>
+          </a:prstGeom>
+          <a:ln w="38100">
+            <a:solidFill>
+              <a:schemeClr val="bg2">
+                <a:lumMod val="75000"/>
+              </a:schemeClr>
+            </a:solidFill>
+          </a:ln>
+        </p:spPr>
+        <p:style>
+          <a:lnRef idx="1">
+            <a:schemeClr val="accent1"/>
+          </a:lnRef>
+          <a:fillRef idx="0">
+            <a:schemeClr val="accent1"/>
+          </a:fillRef>
+          <a:effectRef idx="0">
+            <a:schemeClr val="accent1"/>
+          </a:effectRef>
+          <a:fontRef idx="minor">
+            <a:schemeClr val="tx1"/>
+          </a:fontRef>
+        </p:style>
+      </p:cxnSp>
+      <p:cxnSp>
+        <p:nvCxnSpPr>
+          <p:cNvPr id="99" name="Straight Connector 98">
+            <a:extLst>
+              <a:ext uri="{FF2B5EF4-FFF2-40B4-BE49-F238E27FC236}">
+                <a16:creationId xmlns:a16="http://schemas.microsoft.com/office/drawing/2014/main" id="{1DC1A61A-5928-4C9A-9482-90091B9CC386}"/>
+              </a:ext>
+            </a:extLst>
+          </p:cNvPr>
+          <p:cNvCxnSpPr>
+            <a:cxnSpLocks/>
+          </p:cNvCxnSpPr>
+          <p:nvPr/>
+        </p:nvCxnSpPr>
+        <p:spPr>
+          <a:xfrm>
+            <a:off x="5275056" y="10942649"/>
+            <a:ext cx="175201" cy="0"/>
+          </a:xfrm>
+          <a:prstGeom prst="line">
+            <a:avLst/>
+          </a:prstGeom>
+          <a:ln w="38100">
+            <a:solidFill>
+              <a:schemeClr val="bg2">
+                <a:lumMod val="75000"/>
+              </a:schemeClr>
+            </a:solidFill>
+          </a:ln>
+        </p:spPr>
+        <p:style>
+          <a:lnRef idx="1">
+            <a:schemeClr val="accent1"/>
+          </a:lnRef>
+          <a:fillRef idx="0">
+            <a:schemeClr val="accent1"/>
+          </a:fillRef>
+          <a:effectRef idx="0">
+            <a:schemeClr val="accent1"/>
+          </a:effectRef>
+          <a:fontRef idx="minor">
+            <a:schemeClr val="tx1"/>
+          </a:fontRef>
+        </p:style>
+      </p:cxnSp>
+      <p:cxnSp>
+        <p:nvCxnSpPr>
+          <p:cNvPr id="100" name="Straight Connector 99">
+            <a:extLst>
+              <a:ext uri="{FF2B5EF4-FFF2-40B4-BE49-F238E27FC236}">
+                <a16:creationId xmlns:a16="http://schemas.microsoft.com/office/drawing/2014/main" id="{F9C03D24-5A25-445D-A679-04C85E692226}"/>
+              </a:ext>
+            </a:extLst>
+          </p:cNvPr>
+          <p:cNvCxnSpPr>
+            <a:cxnSpLocks/>
+          </p:cNvCxnSpPr>
+          <p:nvPr/>
+        </p:nvCxnSpPr>
+        <p:spPr>
+          <a:xfrm flipH="1">
+            <a:off x="4973164" y="11652568"/>
+            <a:ext cx="330820" cy="2454115"/>
+          </a:xfrm>
+          <a:prstGeom prst="line">
+            <a:avLst/>
+          </a:prstGeom>
+          <a:ln w="38100">
+            <a:solidFill>
+              <a:schemeClr val="bg2">
+                <a:lumMod val="75000"/>
+              </a:schemeClr>
+            </a:solidFill>
+          </a:ln>
+        </p:spPr>
+        <p:style>
+          <a:lnRef idx="1">
+            <a:schemeClr val="accent1"/>
+          </a:lnRef>
+          <a:fillRef idx="0">
+            <a:schemeClr val="accent1"/>
+          </a:fillRef>
+          <a:effectRef idx="0">
+            <a:schemeClr val="accent1"/>
+          </a:effectRef>
+          <a:fontRef idx="minor">
+            <a:schemeClr val="tx1"/>
+          </a:fontRef>
+        </p:style>
+      </p:cxnSp>
+      <p:cxnSp>
+        <p:nvCxnSpPr>
+          <p:cNvPr id="101" name="Straight Connector 100">
+            <a:extLst>
+              <a:ext uri="{FF2B5EF4-FFF2-40B4-BE49-F238E27FC236}">
+                <a16:creationId xmlns:a16="http://schemas.microsoft.com/office/drawing/2014/main" id="{81CB1756-8B51-45F1-957D-8103BDC075B1}"/>
+              </a:ext>
+            </a:extLst>
+          </p:cNvPr>
+          <p:cNvCxnSpPr>
+            <a:cxnSpLocks/>
+          </p:cNvCxnSpPr>
+          <p:nvPr/>
+        </p:nvCxnSpPr>
+        <p:spPr>
+          <a:xfrm>
+            <a:off x="5285365" y="11652573"/>
+            <a:ext cx="151126" cy="0"/>
+          </a:xfrm>
+          <a:prstGeom prst="line">
+            <a:avLst/>
+          </a:prstGeom>
+          <a:ln w="38100">
+            <a:solidFill>
+              <a:schemeClr val="bg2">
+                <a:lumMod val="75000"/>
+              </a:schemeClr>
+            </a:solidFill>
+          </a:ln>
+        </p:spPr>
+        <p:style>
+          <a:lnRef idx="1">
+            <a:schemeClr val="accent1"/>
+          </a:lnRef>
+          <a:fillRef idx="0">
+            <a:schemeClr val="accent1"/>
+          </a:fillRef>
+          <a:effectRef idx="0">
+            <a:schemeClr val="accent1"/>
+          </a:effectRef>
+          <a:fontRef idx="minor">
+            <a:schemeClr val="tx1"/>
+          </a:fontRef>
+        </p:style>
+      </p:cxnSp>
+      <p:cxnSp>
+        <p:nvCxnSpPr>
+          <p:cNvPr id="102" name="Straight Connector 101">
+            <a:extLst>
+              <a:ext uri="{FF2B5EF4-FFF2-40B4-BE49-F238E27FC236}">
+                <a16:creationId xmlns:a16="http://schemas.microsoft.com/office/drawing/2014/main" id="{E493E31A-EC46-41B3-9623-9A91EF785F2E}"/>
+              </a:ext>
+            </a:extLst>
+          </p:cNvPr>
+          <p:cNvCxnSpPr>
+            <a:cxnSpLocks/>
+          </p:cNvCxnSpPr>
+          <p:nvPr/>
+        </p:nvCxnSpPr>
+        <p:spPr>
+          <a:xfrm>
+            <a:off x="4771940" y="14098185"/>
+            <a:ext cx="220712" cy="0"/>
+          </a:xfrm>
+          <a:prstGeom prst="line">
+            <a:avLst/>
+          </a:prstGeom>
+          <a:ln w="38100">
+            <a:solidFill>
+              <a:schemeClr val="bg2">
+                <a:lumMod val="75000"/>
+              </a:schemeClr>
+            </a:solidFill>
+          </a:ln>
+        </p:spPr>
+        <p:style>
+          <a:lnRef idx="1">
+            <a:schemeClr val="accent1"/>
+          </a:lnRef>
+          <a:fillRef idx="0">
+            <a:schemeClr val="accent1"/>
+          </a:fillRef>
+          <a:effectRef idx="0">
+            <a:schemeClr val="accent1"/>
+          </a:effectRef>
+          <a:fontRef idx="minor">
+            <a:schemeClr val="tx1"/>
+          </a:fontRef>
+        </p:style>
+      </p:cxnSp>
+      <p:pic>
+        <p:nvPicPr>
+          <p:cNvPr id="103" name="Picture 102">
+            <a:extLst>
+              <a:ext uri="{FF2B5EF4-FFF2-40B4-BE49-F238E27FC236}">
+                <a16:creationId xmlns:a16="http://schemas.microsoft.com/office/drawing/2014/main" id="{6813C0D7-94F0-475B-9E01-03C0326B3A34}"/>
+              </a:ext>
+            </a:extLst>
+          </p:cNvPr>
+          <p:cNvPicPr>
+            <a:picLocks noChangeAspect="1"/>
+          </p:cNvPicPr>
+          <p:nvPr/>
+        </p:nvPicPr>
+        <p:blipFill>
+          <a:blip r:embed="rId9"/>
+          <a:stretch>
+            <a:fillRect/>
+          </a:stretch>
+        </p:blipFill>
+        <p:spPr>
+          <a:xfrm>
+            <a:off x="2492350" y="9048665"/>
+            <a:ext cx="962999" cy="533089"/>
+          </a:xfrm>
+          <a:prstGeom prst="rect">
+            <a:avLst/>
+          </a:prstGeom>
+        </p:spPr>
+      </p:pic>
+      <p:pic>
+        <p:nvPicPr>
+          <p:cNvPr id="104" name="Picture 103">
+            <a:extLst>
+              <a:ext uri="{FF2B5EF4-FFF2-40B4-BE49-F238E27FC236}">
+                <a16:creationId xmlns:a16="http://schemas.microsoft.com/office/drawing/2014/main" id="{CD6D661C-0D81-4688-92C9-0AA3C5BF3766}"/>
+              </a:ext>
+            </a:extLst>
+          </p:cNvPr>
+          <p:cNvPicPr>
+            <a:picLocks noChangeAspect="1"/>
+          </p:cNvPicPr>
+          <p:nvPr/>
+        </p:nvPicPr>
+        <p:blipFill>
+          <a:blip r:embed="rId10"/>
+          <a:stretch>
+            <a:fillRect/>
+          </a:stretch>
+        </p:blipFill>
+        <p:spPr>
+          <a:xfrm>
+            <a:off x="2524624" y="9750861"/>
+            <a:ext cx="935757" cy="647547"/>
+          </a:xfrm>
+          <a:prstGeom prst="rect">
+            <a:avLst/>
+          </a:prstGeom>
+        </p:spPr>
+      </p:pic>
+      <p:pic>
+        <p:nvPicPr>
+          <p:cNvPr id="105" name="Picture 104">
+            <a:extLst>
+              <a:ext uri="{FF2B5EF4-FFF2-40B4-BE49-F238E27FC236}">
+                <a16:creationId xmlns:a16="http://schemas.microsoft.com/office/drawing/2014/main" id="{C5CE4EC0-3052-4B25-A30C-3F8A0F4CC197}"/>
+              </a:ext>
+            </a:extLst>
+          </p:cNvPr>
+          <p:cNvPicPr>
+            <a:picLocks noChangeAspect="1"/>
+          </p:cNvPicPr>
+          <p:nvPr/>
+        </p:nvPicPr>
+        <p:blipFill>
+          <a:blip r:embed="rId11"/>
+          <a:stretch>
+            <a:fillRect/>
+          </a:stretch>
+        </p:blipFill>
+        <p:spPr>
+          <a:xfrm>
+            <a:off x="2519594" y="10548719"/>
+            <a:ext cx="935757" cy="592757"/>
+          </a:xfrm>
+          <a:prstGeom prst="rect">
+            <a:avLst/>
+          </a:prstGeom>
+        </p:spPr>
+      </p:pic>
+      <p:pic>
+        <p:nvPicPr>
+          <p:cNvPr id="106" name="Picture 105">
+            <a:extLst>
+              <a:ext uri="{FF2B5EF4-FFF2-40B4-BE49-F238E27FC236}">
+                <a16:creationId xmlns:a16="http://schemas.microsoft.com/office/drawing/2014/main" id="{9EEA7F68-332F-488C-AF61-938A7ADEE9F1}"/>
+              </a:ext>
+            </a:extLst>
+          </p:cNvPr>
+          <p:cNvPicPr>
+            <a:picLocks noChangeAspect="1"/>
+          </p:cNvPicPr>
+          <p:nvPr/>
+        </p:nvPicPr>
+        <p:blipFill>
+          <a:blip r:embed="rId12"/>
+          <a:stretch>
+            <a:fillRect/>
+          </a:stretch>
+        </p:blipFill>
+        <p:spPr>
+          <a:xfrm>
+            <a:off x="2511003" y="11291787"/>
+            <a:ext cx="962999" cy="544901"/>
+          </a:xfrm>
+          <a:prstGeom prst="rect">
+            <a:avLst/>
+          </a:prstGeom>
+        </p:spPr>
+      </p:pic>
+      <p:sp>
+        <p:nvSpPr>
+          <p:cNvPr id="107" name="TextBox 106">
+            <a:extLst>
+              <a:ext uri="{FF2B5EF4-FFF2-40B4-BE49-F238E27FC236}">
+                <a16:creationId xmlns:a16="http://schemas.microsoft.com/office/drawing/2014/main" id="{A68B8357-6A92-4342-A436-0D42EB0695D3}"/>
+              </a:ext>
+            </a:extLst>
+          </p:cNvPr>
+          <p:cNvSpPr txBox="1"/>
+          <p:nvPr/>
+        </p:nvSpPr>
+        <p:spPr>
+          <a:xfrm>
+            <a:off x="907963" y="11449739"/>
+            <a:ext cx="1158671" cy="307777"/>
+          </a:xfrm>
+          <a:prstGeom prst="rect">
+            <a:avLst/>
+          </a:prstGeom>
+          <a:noFill/>
+        </p:spPr>
+        <p:txBody>
+          <a:bodyPr wrap="square">
+            <a:spAutoFit/>
+          </a:bodyPr>
+          <a:lstStyle/>
+          <a:p>
+            <a:pPr algn="l"/>
+            <a:r>
+              <a:rPr lang="en-US" sz="1400" dirty="0">
+                <a:latin typeface="Times New Roman" panose="02020603050405020304" pitchFamily="18" charset="0"/>
+                <a:cs typeface="Times New Roman" panose="02020603050405020304" pitchFamily="18" charset="0"/>
+              </a:rPr>
+              <a:t>Rocuronium</a:t>
+            </a:r>
+          </a:p>
+        </p:txBody>
+      </p:sp>
+      <p:pic>
+        <p:nvPicPr>
+          <p:cNvPr id="108" name="Picture 107">
+            <a:extLst>
+              <a:ext uri="{FF2B5EF4-FFF2-40B4-BE49-F238E27FC236}">
+                <a16:creationId xmlns:a16="http://schemas.microsoft.com/office/drawing/2014/main" id="{9C3410D8-A414-465C-BD0D-92E5F9123301}"/>
+              </a:ext>
+            </a:extLst>
+          </p:cNvPr>
+          <p:cNvPicPr>
+            <a:picLocks noChangeAspect="1"/>
+          </p:cNvPicPr>
+          <p:nvPr/>
+        </p:nvPicPr>
+        <p:blipFill>
+          <a:blip r:embed="rId13"/>
+          <a:stretch>
+            <a:fillRect/>
+          </a:stretch>
+        </p:blipFill>
+        <p:spPr>
+          <a:xfrm>
+            <a:off x="2566804" y="12089196"/>
+            <a:ext cx="962999" cy="635096"/>
+          </a:xfrm>
+          <a:prstGeom prst="rect">
+            <a:avLst/>
+          </a:prstGeom>
+        </p:spPr>
+      </p:pic>
+      <p:sp>
+        <p:nvSpPr>
+          <p:cNvPr id="109" name="TextBox 108">
+            <a:extLst>
+              <a:ext uri="{FF2B5EF4-FFF2-40B4-BE49-F238E27FC236}">
+                <a16:creationId xmlns:a16="http://schemas.microsoft.com/office/drawing/2014/main" id="{00F70B8A-D3B1-4470-9E24-C99F42422E62}"/>
+              </a:ext>
+            </a:extLst>
+          </p:cNvPr>
+          <p:cNvSpPr txBox="1"/>
+          <p:nvPr/>
+        </p:nvSpPr>
+        <p:spPr>
+          <a:xfrm>
+            <a:off x="895158" y="12245829"/>
+            <a:ext cx="1303361" cy="523220"/>
+          </a:xfrm>
+          <a:prstGeom prst="rect">
+            <a:avLst/>
+          </a:prstGeom>
+          <a:noFill/>
+        </p:spPr>
+        <p:txBody>
+          <a:bodyPr wrap="square">
+            <a:spAutoFit/>
+          </a:bodyPr>
+          <a:lstStyle/>
+          <a:p>
+            <a:r>
+              <a:rPr lang="en-US" sz="1400" dirty="0">
+                <a:latin typeface="Times New Roman" panose="02020603050405020304" pitchFamily="18" charset="0"/>
+                <a:cs typeface="Times New Roman" panose="02020603050405020304" pitchFamily="18" charset="0"/>
+              </a:rPr>
+              <a:t>Rapacuronium</a:t>
+            </a:r>
+          </a:p>
+          <a:p>
+            <a:pPr algn="l"/>
+            <a:endParaRPr lang="en-US" sz="1400" dirty="0">
+              <a:latin typeface="Times New Roman" panose="02020603050405020304" pitchFamily="18" charset="0"/>
+              <a:cs typeface="Times New Roman" panose="02020603050405020304" pitchFamily="18" charset="0"/>
+            </a:endParaRPr>
+          </a:p>
+        </p:txBody>
+      </p:sp>
+      <p:pic>
+        <p:nvPicPr>
+          <p:cNvPr id="110" name="Picture 109">
+            <a:extLst>
+              <a:ext uri="{FF2B5EF4-FFF2-40B4-BE49-F238E27FC236}">
+                <a16:creationId xmlns:a16="http://schemas.microsoft.com/office/drawing/2014/main" id="{F8E784ED-6866-4893-9FED-7D4416DA919B}"/>
+              </a:ext>
+            </a:extLst>
+          </p:cNvPr>
+          <p:cNvPicPr>
+            <a:picLocks noChangeAspect="1"/>
+          </p:cNvPicPr>
+          <p:nvPr/>
+        </p:nvPicPr>
+        <p:blipFill>
+          <a:blip r:embed="rId14"/>
+          <a:stretch>
+            <a:fillRect/>
+          </a:stretch>
+        </p:blipFill>
+        <p:spPr>
+          <a:xfrm>
+            <a:off x="2768451" y="12830455"/>
+            <a:ext cx="761351" cy="761351"/>
+          </a:xfrm>
+          <a:prstGeom prst="rect">
+            <a:avLst/>
+          </a:prstGeom>
+        </p:spPr>
+      </p:pic>
+      <p:sp>
+        <p:nvSpPr>
+          <p:cNvPr id="111" name="TextBox 110">
+            <a:extLst>
+              <a:ext uri="{FF2B5EF4-FFF2-40B4-BE49-F238E27FC236}">
+                <a16:creationId xmlns:a16="http://schemas.microsoft.com/office/drawing/2014/main" id="{6E30002C-9861-4407-BA5F-39854C0D57E1}"/>
+              </a:ext>
+            </a:extLst>
+          </p:cNvPr>
+          <p:cNvSpPr txBox="1"/>
+          <p:nvPr/>
+        </p:nvSpPr>
+        <p:spPr>
+          <a:xfrm>
+            <a:off x="897838" y="13001304"/>
+            <a:ext cx="1650251" cy="307777"/>
+          </a:xfrm>
+          <a:prstGeom prst="rect">
+            <a:avLst/>
+          </a:prstGeom>
+          <a:noFill/>
+        </p:spPr>
+        <p:txBody>
+          <a:bodyPr wrap="square">
+            <a:spAutoFit/>
+          </a:bodyPr>
+          <a:lstStyle/>
+          <a:p>
+            <a:pPr algn="l"/>
+            <a:r>
+              <a:rPr lang="en-US" sz="1400" dirty="0">
+                <a:latin typeface="Times New Roman" panose="02020603050405020304" pitchFamily="18" charset="0"/>
+                <a:cs typeface="Times New Roman" panose="02020603050405020304" pitchFamily="18" charset="0"/>
+              </a:rPr>
+              <a:t>Metocurine iodide</a:t>
+            </a:r>
+          </a:p>
+        </p:txBody>
+      </p:sp>
+      <p:pic>
+        <p:nvPicPr>
+          <p:cNvPr id="115" name="Picture 114">
+            <a:extLst>
+              <a:ext uri="{FF2B5EF4-FFF2-40B4-BE49-F238E27FC236}">
+                <a16:creationId xmlns:a16="http://schemas.microsoft.com/office/drawing/2014/main" id="{9CCFBD43-F7E0-441E-A299-5772973144C3}"/>
+              </a:ext>
+            </a:extLst>
+          </p:cNvPr>
+          <p:cNvPicPr>
+            <a:picLocks noChangeAspect="1"/>
+          </p:cNvPicPr>
+          <p:nvPr/>
+        </p:nvPicPr>
+        <p:blipFill>
+          <a:blip r:embed="rId15"/>
+          <a:stretch>
+            <a:fillRect/>
+          </a:stretch>
+        </p:blipFill>
+        <p:spPr>
+          <a:xfrm>
+            <a:off x="2785688" y="13612934"/>
+            <a:ext cx="625147" cy="802429"/>
+          </a:xfrm>
+          <a:prstGeom prst="rect">
+            <a:avLst/>
+          </a:prstGeom>
+        </p:spPr>
+      </p:pic>
+      <p:sp>
+        <p:nvSpPr>
+          <p:cNvPr id="122" name="TextBox 121">
+            <a:extLst>
+              <a:ext uri="{FF2B5EF4-FFF2-40B4-BE49-F238E27FC236}">
+                <a16:creationId xmlns:a16="http://schemas.microsoft.com/office/drawing/2014/main" id="{752FF157-5EAD-4F44-BA12-30821B43F633}"/>
+              </a:ext>
+            </a:extLst>
+          </p:cNvPr>
+          <p:cNvSpPr txBox="1"/>
+          <p:nvPr/>
+        </p:nvSpPr>
+        <p:spPr>
+          <a:xfrm>
+            <a:off x="897838" y="13798907"/>
+            <a:ext cx="1650251" cy="307777"/>
+          </a:xfrm>
+          <a:prstGeom prst="rect">
+            <a:avLst/>
+          </a:prstGeom>
+          <a:noFill/>
+        </p:spPr>
+        <p:txBody>
+          <a:bodyPr wrap="square">
+            <a:spAutoFit/>
+          </a:bodyPr>
+          <a:lstStyle/>
+          <a:p>
+            <a:pPr algn="l"/>
+            <a:r>
+              <a:rPr lang="en-US" sz="1400" dirty="0">
+                <a:latin typeface="Times New Roman" panose="02020603050405020304" pitchFamily="18" charset="0"/>
+                <a:cs typeface="Times New Roman" panose="02020603050405020304" pitchFamily="18" charset="0"/>
+              </a:rPr>
+              <a:t>Metocurine</a:t>
+            </a:r>
+          </a:p>
+        </p:txBody>
+      </p:sp>
+      <p:sp>
+        <p:nvSpPr>
+          <p:cNvPr id="123" name="TextBox 122">
+            <a:extLst>
+              <a:ext uri="{FF2B5EF4-FFF2-40B4-BE49-F238E27FC236}">
+                <a16:creationId xmlns:a16="http://schemas.microsoft.com/office/drawing/2014/main" id="{62BFD26D-49E7-44CC-A440-64B5018DC062}"/>
+              </a:ext>
+            </a:extLst>
+          </p:cNvPr>
+          <p:cNvSpPr txBox="1"/>
+          <p:nvPr/>
+        </p:nvSpPr>
+        <p:spPr>
+          <a:xfrm flipH="1">
+            <a:off x="2150622" y="8197988"/>
+            <a:ext cx="1512577" cy="738664"/>
+          </a:xfrm>
+          <a:prstGeom prst="rect">
+            <a:avLst/>
+          </a:prstGeom>
+          <a:noFill/>
+        </p:spPr>
+        <p:txBody>
+          <a:bodyPr wrap="square" rtlCol="0">
+            <a:spAutoFit/>
+          </a:bodyPr>
+          <a:lstStyle/>
+          <a:p>
+            <a:pPr algn="ctr"/>
+            <a:r>
+              <a:rPr lang="en-US" sz="1400" b="1" dirty="0">
+                <a:solidFill>
+                  <a:srgbClr val="333333"/>
+                </a:solidFill>
+                <a:latin typeface="Times New Roman" panose="02020603050405020304" pitchFamily="18" charset="0"/>
+                <a:cs typeface="Times New Roman" panose="02020603050405020304" pitchFamily="18" charset="0"/>
+              </a:rPr>
+              <a:t>Tyrosine-protein kinase Tec</a:t>
+            </a:r>
+          </a:p>
+          <a:p>
+            <a:pPr algn="ctr"/>
+            <a:endParaRPr lang="en-US" sz="1400" b="1" dirty="0">
+              <a:latin typeface="Times New Roman" panose="02020603050405020304" pitchFamily="18" charset="0"/>
+              <a:cs typeface="Times New Roman" panose="02020603050405020304" pitchFamily="18" charset="0"/>
+            </a:endParaRPr>
+          </a:p>
+        </p:txBody>
+      </p:sp>
+      <p:graphicFrame>
+        <p:nvGraphicFramePr>
+          <p:cNvPr id="124" name="Table 54">
+            <a:extLst>
+              <a:ext uri="{FF2B5EF4-FFF2-40B4-BE49-F238E27FC236}">
+                <a16:creationId xmlns:a16="http://schemas.microsoft.com/office/drawing/2014/main" id="{93CC24D0-0C1F-4B2C-B0FB-5B81111373EF}"/>
+              </a:ext>
+            </a:extLst>
+          </p:cNvPr>
+          <p:cNvGraphicFramePr>
+            <a:graphicFrameLocks noGrp="1"/>
+          </p:cNvGraphicFramePr>
+          <p:nvPr>
+            <p:extLst>
+              <p:ext uri="{D42A27DB-BD31-4B8C-83A1-F6EECF244321}">
+                <p14:modId xmlns:p14="http://schemas.microsoft.com/office/powerpoint/2010/main" val="854217948"/>
+              </p:ext>
+            </p:extLst>
+          </p:nvPr>
+        </p:nvGraphicFramePr>
+        <p:xfrm>
+          <a:off x="6609766" y="8117281"/>
+          <a:ext cx="766626" cy="6176669"/>
+        </p:xfrm>
+        <a:graphic>
+          <a:graphicData uri="http://schemas.openxmlformats.org/drawingml/2006/table">
+            <a:tbl>
+              <a:tblPr firstRow="1" bandRow="1">
+                <a:tableStyleId>{5C22544A-7EE6-4342-B048-85BDC9FD1C3A}</a:tableStyleId>
+              </a:tblPr>
+              <a:tblGrid>
+                <a:gridCol w="766626">
+                  <a:extLst>
+                    <a:ext uri="{9D8B030D-6E8A-4147-A177-3AD203B41FA5}">
+                      <a16:colId xmlns:a16="http://schemas.microsoft.com/office/drawing/2014/main" val="2561657324"/>
+                    </a:ext>
+                  </a:extLst>
+                </a:gridCol>
+              </a:tblGrid>
+              <a:tr h="805933">
+                <a:tc>
+                  <a:txBody>
+                    <a:bodyPr/>
+                    <a:lstStyle/>
+                    <a:p>
+                      <a:pPr algn="ctr"/>
+                      <a:endParaRPr lang="en-US" sz="1300" dirty="0">
+                        <a:solidFill>
+                          <a:schemeClr val="tx1"/>
+                        </a:solidFill>
+                        <a:latin typeface="Times New Roman" panose="02020603050405020304" pitchFamily="18" charset="0"/>
+                        <a:cs typeface="Times New Roman" panose="02020603050405020304" pitchFamily="18" charset="0"/>
+                      </a:endParaRPr>
+                    </a:p>
+                    <a:p>
+                      <a:pPr algn="ctr"/>
+                      <a:endParaRPr lang="en-US" sz="1300" dirty="0">
+                        <a:solidFill>
+                          <a:schemeClr val="tx1"/>
+                        </a:solidFill>
+                        <a:latin typeface="Times New Roman" panose="02020603050405020304" pitchFamily="18" charset="0"/>
+                        <a:cs typeface="Times New Roman" panose="02020603050405020304" pitchFamily="18" charset="0"/>
+                      </a:endParaRPr>
+                    </a:p>
+                  </a:txBody>
+                  <a:tcPr>
+                    <a:solidFill>
+                      <a:schemeClr val="accent2">
+                        <a:lumMod val="20000"/>
+                        <a:lumOff val="80000"/>
+                      </a:schemeClr>
+                    </a:solidFill>
+                  </a:tcPr>
+                </a:tc>
+                <a:extLst>
+                  <a:ext uri="{0D108BD9-81ED-4DB2-BD59-A6C34878D82A}">
+                    <a16:rowId xmlns:a16="http://schemas.microsoft.com/office/drawing/2014/main" val="69399357"/>
+                  </a:ext>
+                </a:extLst>
+              </a:tr>
+              <a:tr h="767248">
+                <a:tc>
+                  <a:txBody>
+                    <a:bodyPr/>
+                    <a:lstStyle/>
+                    <a:p>
+                      <a:pPr algn="ctr"/>
+                      <a:endParaRPr lang="en-US" sz="1300" dirty="0">
+                        <a:solidFill>
+                          <a:schemeClr val="tx1"/>
+                        </a:solidFill>
+                        <a:latin typeface="Times New Roman" panose="02020603050405020304" pitchFamily="18" charset="0"/>
+                        <a:cs typeface="Times New Roman" panose="02020603050405020304" pitchFamily="18" charset="0"/>
+                      </a:endParaRPr>
+                    </a:p>
+                    <a:p>
+                      <a:pPr algn="ctr"/>
+                      <a:r>
+                        <a:rPr lang="en-US" sz="1300" dirty="0">
+                          <a:solidFill>
+                            <a:schemeClr val="tx1"/>
+                          </a:solidFill>
+                          <a:latin typeface="Times New Roman" panose="02020603050405020304" pitchFamily="18" charset="0"/>
+                          <a:cs typeface="Times New Roman" panose="02020603050405020304" pitchFamily="18" charset="0"/>
+                        </a:rPr>
+                        <a:t>0</a:t>
+                      </a:r>
+                    </a:p>
+                  </a:txBody>
+                  <a:tcPr>
+                    <a:solidFill>
+                      <a:schemeClr val="bg2">
+                        <a:lumMod val="90000"/>
+                      </a:schemeClr>
+                    </a:solidFill>
+                  </a:tcPr>
+                </a:tc>
+                <a:extLst>
+                  <a:ext uri="{0D108BD9-81ED-4DB2-BD59-A6C34878D82A}">
+                    <a16:rowId xmlns:a16="http://schemas.microsoft.com/office/drawing/2014/main" val="2731884086"/>
+                  </a:ext>
+                </a:extLst>
+              </a:tr>
+              <a:tr h="767248">
+                <a:tc>
+                  <a:txBody>
+                    <a:bodyPr/>
+                    <a:lstStyle/>
+                    <a:p>
+                      <a:pPr algn="ctr"/>
+                      <a:endParaRPr lang="en-US" sz="1300">
+                        <a:solidFill>
+                          <a:schemeClr val="tx1"/>
+                        </a:solidFill>
+                        <a:latin typeface="Times New Roman" panose="02020603050405020304" pitchFamily="18" charset="0"/>
+                        <a:cs typeface="Times New Roman" panose="02020603050405020304" pitchFamily="18" charset="0"/>
+                      </a:endParaRPr>
+                    </a:p>
+                    <a:p>
+                      <a:pPr algn="ctr"/>
+                      <a:r>
+                        <a:rPr lang="en-US" sz="1300">
+                          <a:solidFill>
+                            <a:schemeClr val="tx1"/>
+                          </a:solidFill>
+                          <a:latin typeface="Times New Roman" panose="02020603050405020304" pitchFamily="18" charset="0"/>
+                          <a:cs typeface="Times New Roman" panose="02020603050405020304" pitchFamily="18" charset="0"/>
+                        </a:rPr>
+                        <a:t>0</a:t>
+                      </a:r>
+                      <a:endParaRPr lang="en-US" sz="1300" dirty="0">
+                        <a:solidFill>
+                          <a:schemeClr val="tx1"/>
+                        </a:solidFill>
+                        <a:latin typeface="Times New Roman" panose="02020603050405020304" pitchFamily="18" charset="0"/>
+                        <a:cs typeface="Times New Roman" panose="02020603050405020304" pitchFamily="18" charset="0"/>
+                      </a:endParaRPr>
+                    </a:p>
+                  </a:txBody>
+                  <a:tcPr>
+                    <a:solidFill>
+                      <a:schemeClr val="bg2">
+                        <a:lumMod val="90000"/>
+                      </a:schemeClr>
+                    </a:solidFill>
+                  </a:tcPr>
+                </a:tc>
+                <a:extLst>
+                  <a:ext uri="{0D108BD9-81ED-4DB2-BD59-A6C34878D82A}">
+                    <a16:rowId xmlns:a16="http://schemas.microsoft.com/office/drawing/2014/main" val="698217815"/>
+                  </a:ext>
+                </a:extLst>
+              </a:tr>
+              <a:tr h="767248">
+                <a:tc>
+                  <a:txBody>
+                    <a:bodyPr/>
+                    <a:lstStyle/>
+                    <a:p>
+                      <a:pPr algn="ctr"/>
+                      <a:endParaRPr lang="en-US" sz="1300">
+                        <a:solidFill>
+                          <a:schemeClr val="tx1"/>
+                        </a:solidFill>
+                        <a:latin typeface="Times New Roman" panose="02020603050405020304" pitchFamily="18" charset="0"/>
+                        <a:cs typeface="Times New Roman" panose="02020603050405020304" pitchFamily="18" charset="0"/>
+                      </a:endParaRPr>
+                    </a:p>
+                    <a:p>
+                      <a:pPr algn="ctr"/>
+                      <a:r>
+                        <a:rPr lang="en-US" sz="1300">
+                          <a:solidFill>
+                            <a:schemeClr val="tx1"/>
+                          </a:solidFill>
+                          <a:latin typeface="Times New Roman" panose="02020603050405020304" pitchFamily="18" charset="0"/>
+                          <a:cs typeface="Times New Roman" panose="02020603050405020304" pitchFamily="18" charset="0"/>
+                        </a:rPr>
+                        <a:t>-3</a:t>
+                      </a:r>
+                      <a:endParaRPr lang="en-US" sz="1300" dirty="0">
+                        <a:solidFill>
+                          <a:schemeClr val="tx1"/>
+                        </a:solidFill>
+                        <a:latin typeface="Times New Roman" panose="02020603050405020304" pitchFamily="18" charset="0"/>
+                        <a:cs typeface="Times New Roman" panose="02020603050405020304" pitchFamily="18" charset="0"/>
+                      </a:endParaRPr>
+                    </a:p>
+                  </a:txBody>
+                  <a:tcPr>
+                    <a:solidFill>
+                      <a:schemeClr val="bg2">
+                        <a:lumMod val="90000"/>
+                      </a:schemeClr>
+                    </a:solidFill>
+                  </a:tcPr>
+                </a:tc>
+                <a:extLst>
+                  <a:ext uri="{0D108BD9-81ED-4DB2-BD59-A6C34878D82A}">
+                    <a16:rowId xmlns:a16="http://schemas.microsoft.com/office/drawing/2014/main" val="3753925749"/>
+                  </a:ext>
+                </a:extLst>
+              </a:tr>
+              <a:tr h="767248">
+                <a:tc>
+                  <a:txBody>
+                    <a:bodyPr/>
+                    <a:lstStyle/>
+                    <a:p>
+                      <a:pPr algn="ctr"/>
+                      <a:endParaRPr lang="en-US" sz="1300">
+                        <a:solidFill>
+                          <a:schemeClr val="tx1"/>
+                        </a:solidFill>
+                        <a:latin typeface="Times New Roman" panose="02020603050405020304" pitchFamily="18" charset="0"/>
+                        <a:cs typeface="Times New Roman" panose="02020603050405020304" pitchFamily="18" charset="0"/>
+                      </a:endParaRPr>
+                    </a:p>
+                    <a:p>
+                      <a:pPr algn="ctr"/>
+                      <a:r>
+                        <a:rPr lang="en-US" sz="1300">
+                          <a:solidFill>
+                            <a:schemeClr val="tx1"/>
+                          </a:solidFill>
+                          <a:latin typeface="Times New Roman" panose="02020603050405020304" pitchFamily="18" charset="0"/>
+                          <a:cs typeface="Times New Roman" panose="02020603050405020304" pitchFamily="18" charset="0"/>
+                        </a:rPr>
+                        <a:t>-1</a:t>
+                      </a:r>
+                      <a:endParaRPr lang="en-US" sz="1300" dirty="0">
+                        <a:solidFill>
+                          <a:schemeClr val="tx1"/>
+                        </a:solidFill>
+                        <a:latin typeface="Times New Roman" panose="02020603050405020304" pitchFamily="18" charset="0"/>
+                        <a:cs typeface="Times New Roman" panose="02020603050405020304" pitchFamily="18" charset="0"/>
+                      </a:endParaRPr>
+                    </a:p>
+                  </a:txBody>
+                  <a:tcPr>
+                    <a:solidFill>
+                      <a:schemeClr val="bg2">
+                        <a:lumMod val="90000"/>
+                      </a:schemeClr>
+                    </a:solidFill>
+                  </a:tcPr>
+                </a:tc>
+                <a:extLst>
+                  <a:ext uri="{0D108BD9-81ED-4DB2-BD59-A6C34878D82A}">
+                    <a16:rowId xmlns:a16="http://schemas.microsoft.com/office/drawing/2014/main" val="2840804932"/>
+                  </a:ext>
+                </a:extLst>
+              </a:tr>
+              <a:tr h="767248">
+                <a:tc>
+                  <a:txBody>
+                    <a:bodyPr/>
+                    <a:lstStyle/>
+                    <a:p>
+                      <a:pPr algn="ctr"/>
+                      <a:endParaRPr lang="en-US" sz="1300">
+                        <a:solidFill>
+                          <a:schemeClr val="tx1"/>
+                        </a:solidFill>
+                        <a:latin typeface="Times New Roman" panose="02020603050405020304" pitchFamily="18" charset="0"/>
+                        <a:cs typeface="Times New Roman" panose="02020603050405020304" pitchFamily="18" charset="0"/>
+                      </a:endParaRPr>
+                    </a:p>
+                    <a:p>
+                      <a:pPr algn="ctr"/>
+                      <a:r>
+                        <a:rPr lang="en-US" sz="1300">
+                          <a:solidFill>
+                            <a:schemeClr val="tx1"/>
+                          </a:solidFill>
+                          <a:latin typeface="Times New Roman" panose="02020603050405020304" pitchFamily="18" charset="0"/>
+                          <a:cs typeface="Times New Roman" panose="02020603050405020304" pitchFamily="18" charset="0"/>
+                        </a:rPr>
+                        <a:t>-2</a:t>
+                      </a:r>
+                      <a:endParaRPr lang="en-US" sz="1300" dirty="0">
+                        <a:solidFill>
+                          <a:schemeClr val="tx1"/>
+                        </a:solidFill>
+                        <a:latin typeface="Times New Roman" panose="02020603050405020304" pitchFamily="18" charset="0"/>
+                        <a:cs typeface="Times New Roman" panose="02020603050405020304" pitchFamily="18" charset="0"/>
+                      </a:endParaRPr>
+                    </a:p>
+                  </a:txBody>
+                  <a:tcPr>
+                    <a:solidFill>
+                      <a:schemeClr val="bg2">
+                        <a:lumMod val="90000"/>
+                      </a:schemeClr>
+                    </a:solidFill>
+                  </a:tcPr>
+                </a:tc>
+                <a:extLst>
+                  <a:ext uri="{0D108BD9-81ED-4DB2-BD59-A6C34878D82A}">
+                    <a16:rowId xmlns:a16="http://schemas.microsoft.com/office/drawing/2014/main" val="2731855112"/>
+                  </a:ext>
+                </a:extLst>
+              </a:tr>
+              <a:tr h="767248">
+                <a:tc>
+                  <a:txBody>
+                    <a:bodyPr/>
+                    <a:lstStyle/>
+                    <a:p>
+                      <a:pPr algn="ctr"/>
+                      <a:endParaRPr lang="en-US" sz="1300">
+                        <a:solidFill>
+                          <a:schemeClr val="tx1"/>
+                        </a:solidFill>
+                        <a:latin typeface="Times New Roman" panose="02020603050405020304" pitchFamily="18" charset="0"/>
+                        <a:cs typeface="Times New Roman" panose="02020603050405020304" pitchFamily="18" charset="0"/>
+                      </a:endParaRPr>
+                    </a:p>
+                    <a:p>
+                      <a:pPr algn="ctr"/>
+                      <a:r>
+                        <a:rPr lang="en-US" sz="1300">
+                          <a:solidFill>
+                            <a:schemeClr val="tx1"/>
+                          </a:solidFill>
+                          <a:latin typeface="Times New Roman" panose="02020603050405020304" pitchFamily="18" charset="0"/>
+                          <a:cs typeface="Times New Roman" panose="02020603050405020304" pitchFamily="18" charset="0"/>
+                        </a:rPr>
+                        <a:t>+3</a:t>
+                      </a:r>
+                      <a:endParaRPr lang="en-US" sz="1300" dirty="0">
+                        <a:solidFill>
+                          <a:schemeClr val="tx1"/>
+                        </a:solidFill>
+                        <a:latin typeface="Times New Roman" panose="02020603050405020304" pitchFamily="18" charset="0"/>
+                        <a:cs typeface="Times New Roman" panose="02020603050405020304" pitchFamily="18" charset="0"/>
+                      </a:endParaRPr>
+                    </a:p>
+                  </a:txBody>
+                  <a:tcPr>
+                    <a:solidFill>
+                      <a:schemeClr val="bg2">
+                        <a:lumMod val="90000"/>
+                      </a:schemeClr>
+                    </a:solidFill>
+                  </a:tcPr>
+                </a:tc>
+                <a:extLst>
+                  <a:ext uri="{0D108BD9-81ED-4DB2-BD59-A6C34878D82A}">
+                    <a16:rowId xmlns:a16="http://schemas.microsoft.com/office/drawing/2014/main" val="912332712"/>
+                  </a:ext>
+                </a:extLst>
+              </a:tr>
+              <a:tr h="767248">
+                <a:tc>
+                  <a:txBody>
+                    <a:bodyPr/>
+                    <a:lstStyle/>
+                    <a:p>
+                      <a:pPr algn="ctr"/>
+                      <a:endParaRPr lang="en-US" sz="1300" dirty="0">
+                        <a:solidFill>
+                          <a:schemeClr val="tx1"/>
+                        </a:solidFill>
+                        <a:latin typeface="Times New Roman" panose="02020603050405020304" pitchFamily="18" charset="0"/>
+                        <a:cs typeface="Times New Roman" panose="02020603050405020304" pitchFamily="18" charset="0"/>
+                      </a:endParaRPr>
+                    </a:p>
+                    <a:p>
+                      <a:pPr algn="ctr"/>
+                      <a:r>
+                        <a:rPr lang="en-US" sz="1300" dirty="0">
+                          <a:solidFill>
+                            <a:schemeClr val="tx1"/>
+                          </a:solidFill>
+                          <a:latin typeface="Times New Roman" panose="02020603050405020304" pitchFamily="18" charset="0"/>
+                          <a:cs typeface="Times New Roman" panose="02020603050405020304" pitchFamily="18" charset="0"/>
+                        </a:rPr>
+                        <a:t>+3</a:t>
+                      </a:r>
+                    </a:p>
+                  </a:txBody>
+                  <a:tcPr>
+                    <a:solidFill>
+                      <a:schemeClr val="bg2">
+                        <a:lumMod val="90000"/>
+                      </a:schemeClr>
+                    </a:solidFill>
+                  </a:tcPr>
+                </a:tc>
+                <a:extLst>
+                  <a:ext uri="{0D108BD9-81ED-4DB2-BD59-A6C34878D82A}">
+                    <a16:rowId xmlns:a16="http://schemas.microsoft.com/office/drawing/2014/main" val="2455186243"/>
+                  </a:ext>
+                </a:extLst>
+              </a:tr>
+            </a:tbl>
+          </a:graphicData>
+        </a:graphic>
+      </p:graphicFrame>
+      <p:grpSp>
+        <p:nvGrpSpPr>
+          <p:cNvPr id="52" name="Group 51">
+            <a:extLst>
+              <a:ext uri="{FF2B5EF4-FFF2-40B4-BE49-F238E27FC236}">
+                <a16:creationId xmlns:a16="http://schemas.microsoft.com/office/drawing/2014/main" id="{994D6443-06F6-40F3-8842-B92858727F7B}"/>
+              </a:ext>
+            </a:extLst>
+          </p:cNvPr>
+          <p:cNvGrpSpPr/>
+          <p:nvPr/>
+        </p:nvGrpSpPr>
+        <p:grpSpPr>
+          <a:xfrm>
+            <a:off x="2617966" y="7532041"/>
+            <a:ext cx="4264104" cy="496698"/>
+            <a:chOff x="2906907" y="7532181"/>
+            <a:chExt cx="4264104" cy="496698"/>
+          </a:xfrm>
+        </p:grpSpPr>
+        <p:sp>
+          <p:nvSpPr>
+            <p:cNvPr id="126" name="TextBox 125">
+              <a:extLst>
+                <a:ext uri="{FF2B5EF4-FFF2-40B4-BE49-F238E27FC236}">
+                  <a16:creationId xmlns:a16="http://schemas.microsoft.com/office/drawing/2014/main" id="{217304F8-027F-49A1-B790-EC57A34F7CBC}"/>
+                </a:ext>
+              </a:extLst>
+            </p:cNvPr>
+            <p:cNvSpPr txBox="1"/>
+            <p:nvPr/>
+          </p:nvSpPr>
+          <p:spPr>
+            <a:xfrm>
+              <a:off x="3020422" y="7600900"/>
+              <a:ext cx="4150589" cy="307392"/>
+            </a:xfrm>
+            <a:prstGeom prst="rect">
+              <a:avLst/>
+            </a:prstGeom>
+            <a:noFill/>
+          </p:spPr>
+          <p:txBody>
+            <a:bodyPr wrap="square" rtlCol="0">
+              <a:spAutoFit/>
+            </a:bodyPr>
+            <a:lstStyle/>
+            <a:p>
+              <a:pPr>
+                <a:lnSpc>
+                  <a:spcPct val="107000"/>
+                </a:lnSpc>
+                <a:spcAft>
+                  <a:spcPts val="686"/>
+                </a:spcAft>
+              </a:pPr>
+              <a:r>
+                <a:rPr lang="en-US" sz="1400" b="1" dirty="0">
+                  <a:latin typeface="Times New Roman" panose="02020603050405020304" pitchFamily="18" charset="0"/>
+                  <a:ea typeface="Calibri" panose="020F0502020204030204" pitchFamily="34" charset="0"/>
+                  <a:cs typeface="Times New Roman" panose="02020603050405020304" pitchFamily="18" charset="0"/>
+                </a:rPr>
+                <a:t>c</a:t>
+              </a:r>
+              <a:r>
+                <a:rPr lang="en-US" sz="1400" b="1" baseline="-25000" dirty="0">
+                  <a:latin typeface="Times New Roman" panose="02020603050405020304" pitchFamily="18" charset="0"/>
+                  <a:ea typeface="Calibri" panose="020F0502020204030204" pitchFamily="34" charset="0"/>
+                  <a:cs typeface="Times New Roman" panose="02020603050405020304" pitchFamily="18" charset="0"/>
+                </a:rPr>
+                <a:t>Spearman</a:t>
+              </a:r>
+              <a:r>
+                <a:rPr lang="en-US" sz="1400" b="1" dirty="0">
+                  <a:latin typeface="Times New Roman" panose="02020603050405020304" pitchFamily="18" charset="0"/>
+                  <a:ea typeface="Calibri" panose="020F0502020204030204" pitchFamily="34" charset="0"/>
+                  <a:cs typeface="Times New Roman" panose="02020603050405020304" pitchFamily="18" charset="0"/>
+                </a:rPr>
+                <a:t>(</a:t>
+              </a:r>
+              <a:r>
+                <a:rPr lang="en-US" sz="1400" b="1" dirty="0" err="1">
+                  <a:latin typeface="Times New Roman" panose="02020603050405020304" pitchFamily="18" charset="0"/>
+                  <a:ea typeface="Calibri" panose="020F0502020204030204" pitchFamily="34" charset="0"/>
+                  <a:cs typeface="Times New Roman" panose="02020603050405020304" pitchFamily="18" charset="0"/>
+                </a:rPr>
+                <a:t>p</a:t>
+              </a:r>
+              <a:r>
+                <a:rPr lang="en-US" sz="1400" b="1" baseline="-25000" dirty="0" err="1">
+                  <a:latin typeface="Times New Roman" panose="02020603050405020304" pitchFamily="18" charset="0"/>
+                  <a:ea typeface="Calibri" panose="020F0502020204030204" pitchFamily="34" charset="0"/>
+                  <a:cs typeface="Times New Roman" panose="02020603050405020304" pitchFamily="18" charset="0"/>
+                </a:rPr>
+                <a:t>ij</a:t>
+              </a:r>
+              <a:r>
+                <a:rPr lang="en-US" sz="1400" b="1" baseline="30000" dirty="0" err="1">
+                  <a:latin typeface="Times New Roman" panose="02020603050405020304" pitchFamily="18" charset="0"/>
+                  <a:ea typeface="Calibri" panose="020F0502020204030204" pitchFamily="34" charset="0"/>
+                  <a:cs typeface="Times New Roman" panose="02020603050405020304" pitchFamily="18" charset="0"/>
+                </a:rPr>
+                <a:t>VecNet</a:t>
+              </a:r>
+              <a:r>
+                <a:rPr lang="en-US" sz="1400" b="1" dirty="0">
+                  <a:latin typeface="Times New Roman" panose="02020603050405020304" pitchFamily="18" charset="0"/>
+                  <a:ea typeface="Calibri" panose="020F0502020204030204" pitchFamily="34" charset="0"/>
+                  <a:cs typeface="Times New Roman" panose="02020603050405020304" pitchFamily="18" charset="0"/>
+                </a:rPr>
+                <a:t>, </a:t>
+              </a:r>
+              <a:r>
+                <a:rPr lang="el-GR" sz="1400" b="1" dirty="0">
+                  <a:solidFill>
+                    <a:srgbClr val="202122"/>
+                  </a:solidFill>
+                  <a:latin typeface="Times New Roman" panose="02020603050405020304" pitchFamily="18" charset="0"/>
+                  <a:cs typeface="Times New Roman" panose="02020603050405020304" pitchFamily="18" charset="0"/>
+                </a:rPr>
+                <a:t>Δ</a:t>
+              </a:r>
+              <a:r>
+                <a:rPr lang="en-US" sz="1400" b="1" dirty="0">
+                  <a:latin typeface="Times New Roman" panose="02020603050405020304" pitchFamily="18" charset="0"/>
+                  <a:ea typeface="Calibri" panose="020F0502020204030204" pitchFamily="34" charset="0"/>
+                  <a:cs typeface="Times New Roman" panose="02020603050405020304" pitchFamily="18" charset="0"/>
+                </a:rPr>
+                <a:t>G) = -0.40</a:t>
+              </a:r>
+            </a:p>
+          </p:txBody>
+        </p:sp>
+        <p:sp>
+          <p:nvSpPr>
+            <p:cNvPr id="4" name="Rectangle: Rounded Corners 3">
+              <a:extLst>
+                <a:ext uri="{FF2B5EF4-FFF2-40B4-BE49-F238E27FC236}">
+                  <a16:creationId xmlns:a16="http://schemas.microsoft.com/office/drawing/2014/main" id="{6ED2C278-A325-49F7-B73E-DB6DE2BCF978}"/>
+                </a:ext>
+              </a:extLst>
+            </p:cNvPr>
+            <p:cNvSpPr/>
+            <p:nvPr/>
+          </p:nvSpPr>
+          <p:spPr>
+            <a:xfrm>
+              <a:off x="2906907" y="7532181"/>
+              <a:ext cx="2790500" cy="496698"/>
+            </a:xfrm>
+            <a:prstGeom prst="roundRect">
+              <a:avLst/>
+            </a:prstGeom>
+            <a:noFill/>
+            <a:ln w="19050">
+              <a:solidFill>
+                <a:schemeClr val="accent5">
+                  <a:lumMod val="75000"/>
+                </a:schemeClr>
+              </a:solidFill>
+            </a:ln>
+          </p:spPr>
+          <p:style>
+            <a:lnRef idx="2">
+              <a:schemeClr val="accent1">
+                <a:shade val="50000"/>
+              </a:schemeClr>
+            </a:lnRef>
+            <a:fillRef idx="1">
+              <a:schemeClr val="accent1"/>
+            </a:fillRef>
+            <a:effectRef idx="0">
+              <a:schemeClr val="accent1"/>
+            </a:effectRef>
+            <a:fontRef idx="minor">
+              <a:schemeClr val="lt1"/>
+            </a:fontRef>
+          </p:style>
+          <p:txBody>
+            <a:bodyPr rtlCol="0" anchor="ctr"/>
+            <a:lstStyle/>
+            <a:p>
+              <a:pPr algn="ctr"/>
+              <a:endParaRPr lang="en-US"/>
+            </a:p>
+          </p:txBody>
+        </p:sp>
+      </p:grpSp>
+      <p:sp>
+        <p:nvSpPr>
+          <p:cNvPr id="50" name="TextBox 49">
+            <a:extLst>
+              <a:ext uri="{FF2B5EF4-FFF2-40B4-BE49-F238E27FC236}">
+                <a16:creationId xmlns:a16="http://schemas.microsoft.com/office/drawing/2014/main" id="{051FA179-7DF7-468E-AEC7-4C688F01A43B}"/>
+              </a:ext>
+            </a:extLst>
+          </p:cNvPr>
+          <p:cNvSpPr txBox="1"/>
+          <p:nvPr/>
+        </p:nvSpPr>
+        <p:spPr>
+          <a:xfrm>
+            <a:off x="1908313" y="7243638"/>
+            <a:ext cx="860138" cy="369332"/>
+          </a:xfrm>
+          <a:prstGeom prst="rect">
+            <a:avLst/>
+          </a:prstGeom>
+          <a:noFill/>
+        </p:spPr>
+        <p:txBody>
+          <a:bodyPr wrap="square" rtlCol="0">
+            <a:spAutoFit/>
+          </a:bodyPr>
+          <a:lstStyle/>
+          <a:p>
+            <a:endParaRPr lang="en-US" dirty="0"/>
+          </a:p>
+        </p:txBody>
+      </p:sp>
+      <p:sp>
+        <p:nvSpPr>
+          <p:cNvPr id="51" name="TextBox 50">
+            <a:extLst>
+              <a:ext uri="{FF2B5EF4-FFF2-40B4-BE49-F238E27FC236}">
+                <a16:creationId xmlns:a16="http://schemas.microsoft.com/office/drawing/2014/main" id="{3940EE4F-B183-447A-9086-E15199B74D43}"/>
+              </a:ext>
+            </a:extLst>
+          </p:cNvPr>
+          <p:cNvSpPr txBox="1"/>
+          <p:nvPr/>
+        </p:nvSpPr>
+        <p:spPr>
+          <a:xfrm>
+            <a:off x="3752450" y="8028879"/>
+            <a:ext cx="1114589" cy="954107"/>
+          </a:xfrm>
+          <a:prstGeom prst="rect">
+            <a:avLst/>
+          </a:prstGeom>
+          <a:noFill/>
+        </p:spPr>
+        <p:txBody>
+          <a:bodyPr wrap="square" rtlCol="0">
+            <a:spAutoFit/>
+          </a:bodyPr>
+          <a:lstStyle/>
+          <a:p>
+            <a:pPr algn="ctr"/>
+            <a:endParaRPr lang="en-US" sz="1400" b="1" dirty="0">
+              <a:solidFill>
+                <a:schemeClr val="tx1"/>
+              </a:solidFill>
+              <a:latin typeface="Times New Roman" panose="02020603050405020304" pitchFamily="18" charset="0"/>
+              <a:cs typeface="Times New Roman" panose="02020603050405020304" pitchFamily="18" charset="0"/>
+            </a:endParaRPr>
+          </a:p>
+          <a:p>
+            <a:pPr algn="ctr"/>
+            <a:r>
+              <a:rPr lang="en-US" sz="1400" b="1" dirty="0">
+                <a:solidFill>
+                  <a:schemeClr val="tx1"/>
+                </a:solidFill>
+                <a:latin typeface="Times New Roman" panose="02020603050405020304" pitchFamily="18" charset="0"/>
+                <a:cs typeface="Times New Roman" panose="02020603050405020304" pitchFamily="18" charset="0"/>
+              </a:rPr>
+              <a:t>Prediction Percentile</a:t>
+            </a:r>
+          </a:p>
+          <a:p>
+            <a:endParaRPr lang="en-US" sz="1400" b="1" dirty="0"/>
+          </a:p>
+        </p:txBody>
+      </p:sp>
+      <p:sp>
+        <p:nvSpPr>
+          <p:cNvPr id="128" name="TextBox 127">
+            <a:extLst>
+              <a:ext uri="{FF2B5EF4-FFF2-40B4-BE49-F238E27FC236}">
+                <a16:creationId xmlns:a16="http://schemas.microsoft.com/office/drawing/2014/main" id="{AA85A22C-79C2-474D-A670-1B34AA7E39CC}"/>
+              </a:ext>
+            </a:extLst>
+          </p:cNvPr>
+          <p:cNvSpPr txBox="1"/>
+          <p:nvPr/>
+        </p:nvSpPr>
+        <p:spPr>
+          <a:xfrm>
+            <a:off x="5371857" y="8130434"/>
+            <a:ext cx="1114589" cy="738664"/>
+          </a:xfrm>
+          <a:prstGeom prst="rect">
+            <a:avLst/>
+          </a:prstGeom>
+          <a:noFill/>
+        </p:spPr>
+        <p:txBody>
+          <a:bodyPr wrap="square" rtlCol="0">
+            <a:spAutoFit/>
+          </a:bodyPr>
+          <a:lstStyle/>
+          <a:p>
+            <a:pPr algn="ctr"/>
+            <a:r>
+              <a:rPr lang="en-US" sz="1400" b="1" dirty="0">
+                <a:solidFill>
+                  <a:schemeClr val="tx1"/>
+                </a:solidFill>
+                <a:latin typeface="Times New Roman" panose="02020603050405020304" pitchFamily="18" charset="0"/>
+                <a:cs typeface="Times New Roman" panose="02020603050405020304" pitchFamily="18" charset="0"/>
+              </a:rPr>
+              <a:t>Binding Affinity (kcal/mole)</a:t>
+            </a:r>
+          </a:p>
+        </p:txBody>
+      </p:sp>
+      <p:sp>
+        <p:nvSpPr>
+          <p:cNvPr id="129" name="TextBox 128">
+            <a:extLst>
+              <a:ext uri="{FF2B5EF4-FFF2-40B4-BE49-F238E27FC236}">
+                <a16:creationId xmlns:a16="http://schemas.microsoft.com/office/drawing/2014/main" id="{4551E6C1-8267-4DB4-A463-DDC5604293E0}"/>
+              </a:ext>
+            </a:extLst>
+          </p:cNvPr>
+          <p:cNvSpPr txBox="1"/>
+          <p:nvPr/>
+        </p:nvSpPr>
+        <p:spPr>
+          <a:xfrm>
+            <a:off x="6543681" y="8261305"/>
+            <a:ext cx="889130" cy="523220"/>
+          </a:xfrm>
+          <a:prstGeom prst="rect">
+            <a:avLst/>
+          </a:prstGeom>
+          <a:noFill/>
+        </p:spPr>
+        <p:txBody>
+          <a:bodyPr wrap="square" rtlCol="0">
+            <a:spAutoFit/>
+          </a:bodyPr>
+          <a:lstStyle/>
+          <a:p>
+            <a:pPr algn="ctr"/>
+            <a:r>
+              <a:rPr lang="en-US" sz="1400" b="1" dirty="0">
+                <a:solidFill>
+                  <a:schemeClr val="tx1"/>
+                </a:solidFill>
+                <a:latin typeface="Times New Roman" panose="02020603050405020304" pitchFamily="18" charset="0"/>
+                <a:cs typeface="Times New Roman" panose="02020603050405020304" pitchFamily="18" charset="0"/>
+              </a:rPr>
+              <a:t>Change in Rank</a:t>
             </a:r>
           </a:p>
         </p:txBody>

--- a/Images/fig4.pptx
+++ b/Images/fig4.pptx
@@ -3445,7 +3445,7 @@
                 <a:latin typeface="Times New Roman" panose="02020603050405020304" pitchFamily="18" charset="0"/>
                 <a:cs typeface="Times New Roman" panose="02020603050405020304" pitchFamily="18" charset="0"/>
               </a:rPr>
-              <a:t>B</a:t>
+              <a:t>C</a:t>
             </a:r>
           </a:p>
         </p:txBody>
@@ -3464,10 +3464,10 @@
         </p:nvGrpSpPr>
         <p:grpSpPr>
           <a:xfrm>
-            <a:off x="895157" y="68975"/>
-            <a:ext cx="14111322" cy="7293335"/>
-            <a:chOff x="57646" y="755987"/>
-            <a:chExt cx="14111322" cy="7293334"/>
+            <a:off x="144498" y="871995"/>
+            <a:ext cx="10252452" cy="5964257"/>
+            <a:chOff x="45712" y="755987"/>
+            <a:chExt cx="14123256" cy="7313039"/>
           </a:xfrm>
         </p:grpSpPr>
         <p:pic>
@@ -3531,7 +3531,7 @@
           </p:nvSpPr>
           <p:spPr>
             <a:xfrm>
-              <a:off x="5678955" y="7649211"/>
+              <a:off x="5773330" y="7668916"/>
               <a:ext cx="4101181" cy="400110"/>
             </a:xfrm>
             <a:prstGeom prst="rect">
@@ -3548,7 +3548,7 @@
             <a:lstStyle/>
             <a:p>
               <a:r>
-                <a:rPr lang="en-US" sz="2000" dirty="0">
+                <a:rPr lang="en-US" sz="1400" dirty="0">
                   <a:latin typeface="Times New Roman" panose="02020603050405020304" pitchFamily="18" charset="0"/>
                   <a:cs typeface="Times New Roman" panose="02020603050405020304" pitchFamily="18" charset="0"/>
                 </a:rPr>
@@ -3571,8 +3571,8 @@
           </p:nvSpPr>
           <p:spPr>
             <a:xfrm rot="16200000">
-              <a:off x="-127392" y="3967403"/>
-              <a:ext cx="770186" cy="400110"/>
+              <a:off x="-127393" y="3896458"/>
+              <a:ext cx="770187" cy="423978"/>
             </a:xfrm>
             <a:prstGeom prst="rect">
               <a:avLst/>
@@ -3588,7 +3588,7 @@
             <a:lstStyle/>
             <a:p>
               <a:r>
-                <a:rPr lang="en-US" sz="2000" dirty="0">
+                <a:rPr lang="en-US" sz="1400" dirty="0">
                   <a:latin typeface="Times New Roman" panose="02020603050405020304" pitchFamily="18" charset="0"/>
                   <a:cs typeface="Times New Roman" panose="02020603050405020304" pitchFamily="18" charset="0"/>
                 </a:rPr>
@@ -3611,8 +3611,8 @@
           </p:nvSpPr>
           <p:spPr>
             <a:xfrm>
-              <a:off x="8156452" y="944808"/>
-              <a:ext cx="2647787" cy="707886"/>
+              <a:off x="7748786" y="942021"/>
+              <a:ext cx="2647787" cy="641543"/>
             </a:xfrm>
             <a:prstGeom prst="rect">
               <a:avLst/>
@@ -3625,8 +3625,9 @@
             </a:bodyPr>
             <a:lstStyle/>
             <a:p>
+              <a:pPr algn="ctr"/>
               <a:r>
-                <a:rPr lang="en-US" sz="2000" dirty="0">
+                <a:rPr lang="en-US" sz="1400" dirty="0">
                   <a:latin typeface="Times New Roman" panose="02020603050405020304" pitchFamily="18" charset="0"/>
                   <a:cs typeface="Times New Roman" panose="02020603050405020304" pitchFamily="18" charset="0"/>
                 </a:rPr>
@@ -3634,8 +3635,9 @@
               </a:r>
             </a:p>
             <a:p>
+              <a:pPr algn="ctr"/>
               <a:r>
-                <a:rPr lang="en-US" sz="2000" dirty="0">
+                <a:rPr lang="en-US" sz="1400" dirty="0">
                   <a:latin typeface="Times New Roman" panose="02020603050405020304" pitchFamily="18" charset="0"/>
                   <a:cs typeface="Times New Roman" panose="02020603050405020304" pitchFamily="18" charset="0"/>
                 </a:rPr>
@@ -3659,7 +3661,7 @@
           <p:spPr>
             <a:xfrm>
               <a:off x="11081451" y="882989"/>
-              <a:ext cx="2530626" cy="955793"/>
+              <a:ext cx="2530627" cy="1019983"/>
             </a:xfrm>
             <a:prstGeom prst="rect">
               <a:avLst/>
@@ -3712,8 +3714,8 @@
           </p:nvSpPr>
           <p:spPr>
             <a:xfrm>
-              <a:off x="11499096" y="898641"/>
-              <a:ext cx="2647787" cy="400110"/>
+              <a:off x="11521181" y="1001660"/>
+              <a:ext cx="2647787" cy="377379"/>
             </a:xfrm>
             <a:prstGeom prst="rect">
               <a:avLst/>
@@ -3727,7 +3729,7 @@
             <a:lstStyle/>
             <a:p>
               <a:r>
-                <a:rPr lang="en-US" sz="2000" dirty="0">
+                <a:rPr lang="en-US" sz="1400" dirty="0">
                   <a:latin typeface="Times New Roman" panose="02020603050405020304" pitchFamily="18" charset="0"/>
                   <a:cs typeface="Times New Roman" panose="02020603050405020304" pitchFamily="18" charset="0"/>
                 </a:rPr>
@@ -3750,8 +3752,8 @@
           </p:nvSpPr>
           <p:spPr>
             <a:xfrm>
-              <a:off x="11521181" y="1335000"/>
-              <a:ext cx="2647787" cy="400110"/>
+              <a:off x="11521181" y="1378281"/>
+              <a:ext cx="2647787" cy="377379"/>
             </a:xfrm>
             <a:prstGeom prst="rect">
               <a:avLst/>
@@ -3765,7 +3767,7 @@
             <a:lstStyle/>
             <a:p>
               <a:r>
-                <a:rPr lang="en-US" sz="2000" dirty="0">
+                <a:rPr lang="en-US" sz="1400" dirty="0">
                   <a:latin typeface="Times New Roman" panose="02020603050405020304" pitchFamily="18" charset="0"/>
                   <a:cs typeface="Times New Roman" panose="02020603050405020304" pitchFamily="18" charset="0"/>
                 </a:rPr>
@@ -3788,7 +3790,7 @@
           </p:nvSpPr>
           <p:spPr>
             <a:xfrm>
-              <a:off x="11138137" y="944032"/>
+              <a:off x="11138137" y="1006062"/>
               <a:ext cx="383044" cy="319848"/>
             </a:xfrm>
             <a:prstGeom prst="rect">
@@ -3860,7 +3862,7 @@
                 <a:latin typeface="Times New Roman" panose="02020603050405020304" pitchFamily="18" charset="0"/>
                 <a:cs typeface="Times New Roman" panose="02020603050405020304" pitchFamily="18" charset="0"/>
               </a:rPr>
-              <a:t>C</a:t>
+              <a:t>D</a:t>
             </a:r>
           </a:p>
         </p:txBody>
@@ -4938,58 +4940,6 @@
               </a:rPr>
               <a:t>*</a:t>
             </a:r>
-          </a:p>
-        </p:txBody>
-      </p:sp>
-      <p:sp>
-        <p:nvSpPr>
-          <p:cNvPr id="77" name="Rectangle 76">
-            <a:extLst>
-              <a:ext uri="{FF2B5EF4-FFF2-40B4-BE49-F238E27FC236}">
-                <a16:creationId xmlns:a16="http://schemas.microsoft.com/office/drawing/2014/main" id="{44129094-3B51-4BA1-8A31-E70D33CAC7F6}"/>
-              </a:ext>
-            </a:extLst>
-          </p:cNvPr>
-          <p:cNvSpPr/>
-          <p:nvPr/>
-        </p:nvSpPr>
-        <p:spPr>
-          <a:xfrm>
-            <a:off x="11981621" y="703870"/>
-            <a:ext cx="383044" cy="319848"/>
-          </a:xfrm>
-          <a:prstGeom prst="rect">
-            <a:avLst/>
-          </a:prstGeom>
-          <a:solidFill>
-            <a:srgbClr val="FFA401"/>
-          </a:solidFill>
-          <a:ln>
-            <a:noFill/>
-          </a:ln>
-        </p:spPr>
-        <p:style>
-          <a:lnRef idx="2">
-            <a:schemeClr val="accent1">
-              <a:shade val="50000"/>
-            </a:schemeClr>
-          </a:lnRef>
-          <a:fillRef idx="1">
-            <a:schemeClr val="accent1"/>
-          </a:fillRef>
-          <a:effectRef idx="0">
-            <a:schemeClr val="accent1"/>
-          </a:effectRef>
-          <a:fontRef idx="minor">
-            <a:schemeClr val="lt1"/>
-          </a:fontRef>
-        </p:style>
-        <p:txBody>
-          <a:bodyPr rtlCol="0" anchor="ctr"/>
-          <a:lstStyle/>
-          <a:p>
-            <a:pPr algn="ctr"/>
-            <a:endParaRPr lang="en-US" dirty="0"/>
           </a:p>
         </p:txBody>
       </p:sp>
@@ -7638,18 +7588,10 @@
                   <a:ea typeface="Calibri" panose="020F0502020204030204" pitchFamily="34" charset="0"/>
                   <a:cs typeface="Times New Roman" panose="02020603050405020304" pitchFamily="18" charset="0"/>
                 </a:rPr>
-                <a:t>(</a:t>
+                <a:t>(p</a:t>
               </a:r>
               <a:r>
-                <a:rPr lang="en-US" sz="1400" b="1" dirty="0" err="1">
-                  <a:latin typeface="Times New Roman" panose="02020603050405020304" pitchFamily="18" charset="0"/>
-                  <a:ea typeface="Calibri" panose="020F0502020204030204" pitchFamily="34" charset="0"/>
-                  <a:cs typeface="Times New Roman" panose="02020603050405020304" pitchFamily="18" charset="0"/>
-                </a:rPr>
-                <a:t>p</a:t>
-              </a:r>
-              <a:r>
-                <a:rPr lang="en-US" sz="1400" b="1" baseline="-25000" dirty="0" err="1">
+                <a:rPr lang="en-US" sz="1400" b="1" baseline="-25000" dirty="0">
                   <a:latin typeface="Times New Roman" panose="02020603050405020304" pitchFamily="18" charset="0"/>
                   <a:ea typeface="Calibri" panose="020F0502020204030204" pitchFamily="34" charset="0"/>
                   <a:cs typeface="Times New Roman" panose="02020603050405020304" pitchFamily="18" charset="0"/>
@@ -7657,7 +7599,7 @@
                 <a:t>ij</a:t>
               </a:r>
               <a:r>
-                <a:rPr lang="en-US" sz="1400" b="1" baseline="30000" dirty="0" err="1">
+                <a:rPr lang="en-US" sz="1400" b="1" baseline="30000" dirty="0">
                   <a:latin typeface="Times New Roman" panose="02020603050405020304" pitchFamily="18" charset="0"/>
                   <a:ea typeface="Calibri" panose="020F0502020204030204" pitchFamily="34" charset="0"/>
                   <a:cs typeface="Times New Roman" panose="02020603050405020304" pitchFamily="18" charset="0"/>
@@ -7915,6 +7857,739 @@
                 <a:cs typeface="Times New Roman" panose="02020603050405020304" pitchFamily="18" charset="0"/>
               </a:rPr>
               <a:t>Change in Rank</a:t>
+            </a:r>
+          </a:p>
+        </p:txBody>
+      </p:sp>
+      <p:sp>
+        <p:nvSpPr>
+          <p:cNvPr id="88" name="Rectangle 87">
+            <a:extLst>
+              <a:ext uri="{FF2B5EF4-FFF2-40B4-BE49-F238E27FC236}">
+                <a16:creationId xmlns:a16="http://schemas.microsoft.com/office/drawing/2014/main" id="{0E0A6469-1C1A-4663-84D4-BB7970329506}"/>
+              </a:ext>
+            </a:extLst>
+          </p:cNvPr>
+          <p:cNvSpPr/>
+          <p:nvPr/>
+        </p:nvSpPr>
+        <p:spPr>
+          <a:xfrm>
+            <a:off x="8196788" y="1416050"/>
+            <a:ext cx="278062" cy="260857"/>
+          </a:xfrm>
+          <a:prstGeom prst="rect">
+            <a:avLst/>
+          </a:prstGeom>
+          <a:solidFill>
+            <a:srgbClr val="FFAF1B"/>
+          </a:solidFill>
+          <a:ln>
+            <a:noFill/>
+          </a:ln>
+        </p:spPr>
+        <p:style>
+          <a:lnRef idx="2">
+            <a:schemeClr val="accent1">
+              <a:shade val="50000"/>
+            </a:schemeClr>
+          </a:lnRef>
+          <a:fillRef idx="1">
+            <a:schemeClr val="accent1"/>
+          </a:fillRef>
+          <a:effectRef idx="0">
+            <a:schemeClr val="accent1"/>
+          </a:effectRef>
+          <a:fontRef idx="minor">
+            <a:schemeClr val="lt1"/>
+          </a:fontRef>
+        </p:style>
+        <p:txBody>
+          <a:bodyPr rtlCol="0" anchor="ctr"/>
+          <a:lstStyle/>
+          <a:p>
+            <a:pPr algn="ctr"/>
+            <a:endParaRPr lang="en-US" dirty="0"/>
+          </a:p>
+        </p:txBody>
+      </p:sp>
+      <p:grpSp>
+        <p:nvGrpSpPr>
+          <p:cNvPr id="5" name="Group 4">
+            <a:extLst>
+              <a:ext uri="{FF2B5EF4-FFF2-40B4-BE49-F238E27FC236}">
+                <a16:creationId xmlns:a16="http://schemas.microsoft.com/office/drawing/2014/main" id="{1FA17FFA-7530-4B49-9CFB-1901E9B8061E}"/>
+              </a:ext>
+            </a:extLst>
+          </p:cNvPr>
+          <p:cNvGrpSpPr/>
+          <p:nvPr/>
+        </p:nvGrpSpPr>
+        <p:grpSpPr>
+          <a:xfrm>
+            <a:off x="11674692" y="2202238"/>
+            <a:ext cx="3026538" cy="2722623"/>
+            <a:chOff x="11235594" y="1936333"/>
+            <a:chExt cx="3026538" cy="2722623"/>
+          </a:xfrm>
+        </p:grpSpPr>
+        <p:sp>
+          <p:nvSpPr>
+            <p:cNvPr id="3" name="Rectangle 2">
+              <a:extLst>
+                <a:ext uri="{FF2B5EF4-FFF2-40B4-BE49-F238E27FC236}">
+                  <a16:creationId xmlns:a16="http://schemas.microsoft.com/office/drawing/2014/main" id="{BB7B45B8-4B8E-4CDD-A4C9-D5D2942FF222}"/>
+                </a:ext>
+              </a:extLst>
+            </p:cNvPr>
+            <p:cNvSpPr/>
+            <p:nvPr/>
+          </p:nvSpPr>
+          <p:spPr>
+            <a:xfrm>
+              <a:off x="11235595" y="1939399"/>
+              <a:ext cx="1481391" cy="1336818"/>
+            </a:xfrm>
+            <a:prstGeom prst="rect">
+              <a:avLst/>
+            </a:prstGeom>
+            <a:solidFill>
+              <a:schemeClr val="accent6">
+                <a:lumMod val="40000"/>
+                <a:lumOff val="60000"/>
+              </a:schemeClr>
+            </a:solidFill>
+            <a:ln>
+              <a:noFill/>
+            </a:ln>
+          </p:spPr>
+          <p:style>
+            <a:lnRef idx="2">
+              <a:schemeClr val="accent1">
+                <a:shade val="50000"/>
+              </a:schemeClr>
+            </a:lnRef>
+            <a:fillRef idx="1">
+              <a:schemeClr val="accent1"/>
+            </a:fillRef>
+            <a:effectRef idx="0">
+              <a:schemeClr val="accent1"/>
+            </a:effectRef>
+            <a:fontRef idx="minor">
+              <a:schemeClr val="lt1"/>
+            </a:fontRef>
+          </p:style>
+          <p:txBody>
+            <a:bodyPr rtlCol="0" anchor="ctr"/>
+            <a:lstStyle/>
+            <a:p>
+              <a:pPr algn="ctr"/>
+              <a:r>
+                <a:rPr lang="en-US" sz="2400" b="1" dirty="0">
+                  <a:solidFill>
+                    <a:schemeClr val="tx1"/>
+                  </a:solidFill>
+                  <a:latin typeface="Times New Roman" panose="02020603050405020304" pitchFamily="18" charset="0"/>
+                  <a:cs typeface="Times New Roman" panose="02020603050405020304" pitchFamily="18" charset="0"/>
+                </a:rPr>
+                <a:t>72</a:t>
+              </a:r>
+            </a:p>
+          </p:txBody>
+        </p:sp>
+        <p:sp>
+          <p:nvSpPr>
+            <p:cNvPr id="125" name="Rectangle 124">
+              <a:extLst>
+                <a:ext uri="{FF2B5EF4-FFF2-40B4-BE49-F238E27FC236}">
+                  <a16:creationId xmlns:a16="http://schemas.microsoft.com/office/drawing/2014/main" id="{55C1AC7B-F0F3-415A-88ED-1909BFB8A571}"/>
+                </a:ext>
+              </a:extLst>
+            </p:cNvPr>
+            <p:cNvSpPr/>
+            <p:nvPr/>
+          </p:nvSpPr>
+          <p:spPr>
+            <a:xfrm>
+              <a:off x="12780741" y="3322138"/>
+              <a:ext cx="1481391" cy="1336818"/>
+            </a:xfrm>
+            <a:prstGeom prst="rect">
+              <a:avLst/>
+            </a:prstGeom>
+            <a:solidFill>
+              <a:schemeClr val="accent6">
+                <a:lumMod val="40000"/>
+                <a:lumOff val="60000"/>
+              </a:schemeClr>
+            </a:solidFill>
+            <a:ln>
+              <a:noFill/>
+            </a:ln>
+          </p:spPr>
+          <p:style>
+            <a:lnRef idx="2">
+              <a:schemeClr val="accent1">
+                <a:shade val="50000"/>
+              </a:schemeClr>
+            </a:lnRef>
+            <a:fillRef idx="1">
+              <a:schemeClr val="accent1"/>
+            </a:fillRef>
+            <a:effectRef idx="0">
+              <a:schemeClr val="accent1"/>
+            </a:effectRef>
+            <a:fontRef idx="minor">
+              <a:schemeClr val="lt1"/>
+            </a:fontRef>
+          </p:style>
+          <p:txBody>
+            <a:bodyPr rtlCol="0" anchor="ctr"/>
+            <a:lstStyle/>
+            <a:p>
+              <a:pPr algn="ctr"/>
+              <a:r>
+                <a:rPr lang="en-US" sz="2400" b="1" dirty="0">
+                  <a:solidFill>
+                    <a:schemeClr val="tx1"/>
+                  </a:solidFill>
+                  <a:latin typeface="Times New Roman" panose="02020603050405020304" pitchFamily="18" charset="0"/>
+                  <a:cs typeface="Times New Roman" panose="02020603050405020304" pitchFamily="18" charset="0"/>
+                </a:rPr>
+                <a:t>21</a:t>
+              </a:r>
+            </a:p>
+          </p:txBody>
+        </p:sp>
+        <p:sp>
+          <p:nvSpPr>
+            <p:cNvPr id="127" name="Rectangle 126">
+              <a:extLst>
+                <a:ext uri="{FF2B5EF4-FFF2-40B4-BE49-F238E27FC236}">
+                  <a16:creationId xmlns:a16="http://schemas.microsoft.com/office/drawing/2014/main" id="{BD4591A8-6DA6-4216-BB23-3D77DAB23466}"/>
+                </a:ext>
+              </a:extLst>
+            </p:cNvPr>
+            <p:cNvSpPr/>
+            <p:nvPr/>
+          </p:nvSpPr>
+          <p:spPr>
+            <a:xfrm>
+              <a:off x="12780741" y="1936333"/>
+              <a:ext cx="1481391" cy="1336818"/>
+            </a:xfrm>
+            <a:prstGeom prst="rect">
+              <a:avLst/>
+            </a:prstGeom>
+            <a:solidFill>
+              <a:schemeClr val="accent2">
+                <a:lumMod val="40000"/>
+                <a:lumOff val="60000"/>
+              </a:schemeClr>
+            </a:solidFill>
+            <a:ln>
+              <a:noFill/>
+            </a:ln>
+          </p:spPr>
+          <p:style>
+            <a:lnRef idx="2">
+              <a:schemeClr val="accent1">
+                <a:shade val="50000"/>
+              </a:schemeClr>
+            </a:lnRef>
+            <a:fillRef idx="1">
+              <a:schemeClr val="accent1"/>
+            </a:fillRef>
+            <a:effectRef idx="0">
+              <a:schemeClr val="accent1"/>
+            </a:effectRef>
+            <a:fontRef idx="minor">
+              <a:schemeClr val="lt1"/>
+            </a:fontRef>
+          </p:style>
+          <p:txBody>
+            <a:bodyPr rtlCol="0" anchor="ctr"/>
+            <a:lstStyle/>
+            <a:p>
+              <a:pPr algn="ctr"/>
+              <a:r>
+                <a:rPr lang="en-US" sz="2400" b="1" dirty="0">
+                  <a:solidFill>
+                    <a:schemeClr val="tx1"/>
+                  </a:solidFill>
+                  <a:latin typeface="Times New Roman" panose="02020603050405020304" pitchFamily="18" charset="0"/>
+                  <a:cs typeface="Times New Roman" panose="02020603050405020304" pitchFamily="18" charset="0"/>
+                </a:rPr>
+                <a:t>22</a:t>
+              </a:r>
+            </a:p>
+          </p:txBody>
+        </p:sp>
+        <p:sp>
+          <p:nvSpPr>
+            <p:cNvPr id="130" name="Rectangle 129">
+              <a:extLst>
+                <a:ext uri="{FF2B5EF4-FFF2-40B4-BE49-F238E27FC236}">
+                  <a16:creationId xmlns:a16="http://schemas.microsoft.com/office/drawing/2014/main" id="{2E69C1FF-B666-4BB7-A868-60C7541650C1}"/>
+                </a:ext>
+              </a:extLst>
+            </p:cNvPr>
+            <p:cNvSpPr/>
+            <p:nvPr/>
+          </p:nvSpPr>
+          <p:spPr>
+            <a:xfrm>
+              <a:off x="11235594" y="3322138"/>
+              <a:ext cx="1481391" cy="1336818"/>
+            </a:xfrm>
+            <a:prstGeom prst="rect">
+              <a:avLst/>
+            </a:prstGeom>
+            <a:solidFill>
+              <a:schemeClr val="accent2">
+                <a:lumMod val="40000"/>
+                <a:lumOff val="60000"/>
+              </a:schemeClr>
+            </a:solidFill>
+            <a:ln>
+              <a:noFill/>
+            </a:ln>
+          </p:spPr>
+          <p:style>
+            <a:lnRef idx="2">
+              <a:schemeClr val="accent1">
+                <a:shade val="50000"/>
+              </a:schemeClr>
+            </a:lnRef>
+            <a:fillRef idx="1">
+              <a:schemeClr val="accent1"/>
+            </a:fillRef>
+            <a:effectRef idx="0">
+              <a:schemeClr val="accent1"/>
+            </a:effectRef>
+            <a:fontRef idx="minor">
+              <a:schemeClr val="lt1"/>
+            </a:fontRef>
+          </p:style>
+          <p:txBody>
+            <a:bodyPr rtlCol="0" anchor="ctr"/>
+            <a:lstStyle/>
+            <a:p>
+              <a:pPr algn="ctr"/>
+              <a:r>
+                <a:rPr lang="en-US" sz="2400" b="1" dirty="0">
+                  <a:solidFill>
+                    <a:schemeClr val="tx1"/>
+                  </a:solidFill>
+                  <a:latin typeface="Times New Roman" panose="02020603050405020304" pitchFamily="18" charset="0"/>
+                  <a:cs typeface="Times New Roman" panose="02020603050405020304" pitchFamily="18" charset="0"/>
+                </a:rPr>
+                <a:t>15</a:t>
+              </a:r>
+            </a:p>
+          </p:txBody>
+        </p:sp>
+      </p:grpSp>
+      <p:sp>
+        <p:nvSpPr>
+          <p:cNvPr id="6" name="TextBox 5">
+            <a:extLst>
+              <a:ext uri="{FF2B5EF4-FFF2-40B4-BE49-F238E27FC236}">
+                <a16:creationId xmlns:a16="http://schemas.microsoft.com/office/drawing/2014/main" id="{7A3EF207-65D5-492E-98DA-556A989AC177}"/>
+              </a:ext>
+            </a:extLst>
+          </p:cNvPr>
+          <p:cNvSpPr txBox="1"/>
+          <p:nvPr/>
+        </p:nvSpPr>
+        <p:spPr>
+          <a:xfrm rot="16200000">
+            <a:off x="9364441" y="3436865"/>
+            <a:ext cx="2541850" cy="338554"/>
+          </a:xfrm>
+          <a:prstGeom prst="rect">
+            <a:avLst/>
+          </a:prstGeom>
+          <a:noFill/>
+        </p:spPr>
+        <p:txBody>
+          <a:bodyPr wrap="none" rtlCol="0">
+            <a:spAutoFit/>
+          </a:bodyPr>
+          <a:lstStyle/>
+          <a:p>
+            <a:r>
+              <a:rPr lang="en-US" sz="1600" b="1" dirty="0">
+                <a:latin typeface="Times New Roman" panose="02020603050405020304" pitchFamily="18" charset="0"/>
+                <a:cs typeface="Times New Roman" panose="02020603050405020304" pitchFamily="18" charset="0"/>
+              </a:rPr>
+              <a:t>True Label (Auto-docking)</a:t>
+            </a:r>
+          </a:p>
+        </p:txBody>
+      </p:sp>
+      <p:sp>
+        <p:nvSpPr>
+          <p:cNvPr id="131" name="TextBox 130">
+            <a:extLst>
+              <a:ext uri="{FF2B5EF4-FFF2-40B4-BE49-F238E27FC236}">
+                <a16:creationId xmlns:a16="http://schemas.microsoft.com/office/drawing/2014/main" id="{3677ED33-833F-474D-A0B0-03D6427A99D1}"/>
+              </a:ext>
+            </a:extLst>
+          </p:cNvPr>
+          <p:cNvSpPr txBox="1"/>
+          <p:nvPr/>
+        </p:nvSpPr>
+        <p:spPr>
+          <a:xfrm>
+            <a:off x="12012232" y="1184826"/>
+            <a:ext cx="2486065" cy="338554"/>
+          </a:xfrm>
+          <a:prstGeom prst="rect">
+            <a:avLst/>
+          </a:prstGeom>
+          <a:noFill/>
+        </p:spPr>
+        <p:txBody>
+          <a:bodyPr wrap="none" rtlCol="0">
+            <a:spAutoFit/>
+          </a:bodyPr>
+          <a:lstStyle/>
+          <a:p>
+            <a:r>
+              <a:rPr lang="en-US" sz="1600" b="1" dirty="0">
+                <a:latin typeface="Times New Roman" panose="02020603050405020304" pitchFamily="18" charset="0"/>
+                <a:cs typeface="Times New Roman" panose="02020603050405020304" pitchFamily="18" charset="0"/>
+              </a:rPr>
+              <a:t>Predicted Label (AI-Bind)</a:t>
+            </a:r>
+          </a:p>
+        </p:txBody>
+      </p:sp>
+      <p:sp>
+        <p:nvSpPr>
+          <p:cNvPr id="132" name="TextBox 131">
+            <a:extLst>
+              <a:ext uri="{FF2B5EF4-FFF2-40B4-BE49-F238E27FC236}">
+                <a16:creationId xmlns:a16="http://schemas.microsoft.com/office/drawing/2014/main" id="{295A2E1F-3E8B-4342-8A09-0B927743C047}"/>
+              </a:ext>
+            </a:extLst>
+          </p:cNvPr>
+          <p:cNvSpPr txBox="1"/>
+          <p:nvPr/>
+        </p:nvSpPr>
+        <p:spPr>
+          <a:xfrm>
+            <a:off x="11980011" y="1774015"/>
+            <a:ext cx="846707" cy="338554"/>
+          </a:xfrm>
+          <a:prstGeom prst="rect">
+            <a:avLst/>
+          </a:prstGeom>
+          <a:noFill/>
+        </p:spPr>
+        <p:txBody>
+          <a:bodyPr wrap="none" rtlCol="0">
+            <a:spAutoFit/>
+          </a:bodyPr>
+          <a:lstStyle/>
+          <a:p>
+            <a:r>
+              <a:rPr lang="en-US" sz="1600" dirty="0">
+                <a:latin typeface="Times New Roman" panose="02020603050405020304" pitchFamily="18" charset="0"/>
+                <a:cs typeface="Times New Roman" panose="02020603050405020304" pitchFamily="18" charset="0"/>
+              </a:rPr>
+              <a:t>Binding</a:t>
+            </a:r>
+          </a:p>
+        </p:txBody>
+      </p:sp>
+      <p:sp>
+        <p:nvSpPr>
+          <p:cNvPr id="133" name="TextBox 132">
+            <a:extLst>
+              <a:ext uri="{FF2B5EF4-FFF2-40B4-BE49-F238E27FC236}">
+                <a16:creationId xmlns:a16="http://schemas.microsoft.com/office/drawing/2014/main" id="{81278A5E-40B6-4993-9020-A688A2BCA2BB}"/>
+              </a:ext>
+            </a:extLst>
+          </p:cNvPr>
+          <p:cNvSpPr txBox="1"/>
+          <p:nvPr/>
+        </p:nvSpPr>
+        <p:spPr>
+          <a:xfrm>
+            <a:off x="13369131" y="1763978"/>
+            <a:ext cx="1566880" cy="338554"/>
+          </a:xfrm>
+          <a:prstGeom prst="rect">
+            <a:avLst/>
+          </a:prstGeom>
+          <a:noFill/>
+        </p:spPr>
+        <p:txBody>
+          <a:bodyPr wrap="square" rtlCol="0">
+            <a:spAutoFit/>
+          </a:bodyPr>
+          <a:lstStyle/>
+          <a:p>
+            <a:r>
+              <a:rPr lang="en-US" sz="1600" dirty="0">
+                <a:latin typeface="Times New Roman" panose="02020603050405020304" pitchFamily="18" charset="0"/>
+                <a:cs typeface="Times New Roman" panose="02020603050405020304" pitchFamily="18" charset="0"/>
+              </a:rPr>
+              <a:t>Non-binding</a:t>
+            </a:r>
+          </a:p>
+        </p:txBody>
+      </p:sp>
+      <p:sp>
+        <p:nvSpPr>
+          <p:cNvPr id="134" name="TextBox 133">
+            <a:extLst>
+              <a:ext uri="{FF2B5EF4-FFF2-40B4-BE49-F238E27FC236}">
+                <a16:creationId xmlns:a16="http://schemas.microsoft.com/office/drawing/2014/main" id="{0AC35379-2D9E-4EAB-AD7F-A514C64A719D}"/>
+              </a:ext>
+            </a:extLst>
+          </p:cNvPr>
+          <p:cNvSpPr txBox="1"/>
+          <p:nvPr/>
+        </p:nvSpPr>
+        <p:spPr>
+          <a:xfrm rot="16200000">
+            <a:off x="10898549" y="2699444"/>
+            <a:ext cx="846707" cy="338554"/>
+          </a:xfrm>
+          <a:prstGeom prst="rect">
+            <a:avLst/>
+          </a:prstGeom>
+          <a:noFill/>
+        </p:spPr>
+        <p:txBody>
+          <a:bodyPr wrap="none" rtlCol="0">
+            <a:spAutoFit/>
+          </a:bodyPr>
+          <a:lstStyle/>
+          <a:p>
+            <a:r>
+              <a:rPr lang="en-US" sz="1600" dirty="0">
+                <a:latin typeface="Times New Roman" panose="02020603050405020304" pitchFamily="18" charset="0"/>
+                <a:cs typeface="Times New Roman" panose="02020603050405020304" pitchFamily="18" charset="0"/>
+              </a:rPr>
+              <a:t>Binding</a:t>
+            </a:r>
+          </a:p>
+        </p:txBody>
+      </p:sp>
+      <p:sp>
+        <p:nvSpPr>
+          <p:cNvPr id="135" name="TextBox 134">
+            <a:extLst>
+              <a:ext uri="{FF2B5EF4-FFF2-40B4-BE49-F238E27FC236}">
+                <a16:creationId xmlns:a16="http://schemas.microsoft.com/office/drawing/2014/main" id="{747CFBB3-203E-496D-AB9E-A899138700FC}"/>
+              </a:ext>
+            </a:extLst>
+          </p:cNvPr>
+          <p:cNvSpPr txBox="1"/>
+          <p:nvPr/>
+        </p:nvSpPr>
+        <p:spPr>
+          <a:xfrm rot="16200000">
+            <a:off x="10530626" y="3853282"/>
+            <a:ext cx="1566880" cy="338554"/>
+          </a:xfrm>
+          <a:prstGeom prst="rect">
+            <a:avLst/>
+          </a:prstGeom>
+          <a:noFill/>
+        </p:spPr>
+        <p:txBody>
+          <a:bodyPr wrap="square" rtlCol="0">
+            <a:spAutoFit/>
+          </a:bodyPr>
+          <a:lstStyle/>
+          <a:p>
+            <a:r>
+              <a:rPr lang="en-US" sz="1600" dirty="0">
+                <a:latin typeface="Times New Roman" panose="02020603050405020304" pitchFamily="18" charset="0"/>
+                <a:cs typeface="Times New Roman" panose="02020603050405020304" pitchFamily="18" charset="0"/>
+              </a:rPr>
+              <a:t>Non-binding</a:t>
+            </a:r>
+          </a:p>
+        </p:txBody>
+      </p:sp>
+      <p:sp>
+        <p:nvSpPr>
+          <p:cNvPr id="136" name="TextBox 135">
+            <a:extLst>
+              <a:ext uri="{FF2B5EF4-FFF2-40B4-BE49-F238E27FC236}">
+                <a16:creationId xmlns:a16="http://schemas.microsoft.com/office/drawing/2014/main" id="{FBF91EAD-089E-44A1-9567-55F84E87E62D}"/>
+              </a:ext>
+            </a:extLst>
+          </p:cNvPr>
+          <p:cNvSpPr txBox="1"/>
+          <p:nvPr/>
+        </p:nvSpPr>
+        <p:spPr>
+          <a:xfrm>
+            <a:off x="10062216" y="6391"/>
+            <a:ext cx="669467" cy="580800"/>
+          </a:xfrm>
+          <a:prstGeom prst="rect">
+            <a:avLst/>
+          </a:prstGeom>
+          <a:noFill/>
+        </p:spPr>
+        <p:txBody>
+          <a:bodyPr wrap="square" rtlCol="0">
+            <a:spAutoFit/>
+          </a:bodyPr>
+          <a:lstStyle/>
+          <a:p>
+            <a:r>
+              <a:rPr lang="en-US" sz="3174" b="1" dirty="0">
+                <a:latin typeface="Times New Roman" panose="02020603050405020304" pitchFamily="18" charset="0"/>
+                <a:cs typeface="Times New Roman" panose="02020603050405020304" pitchFamily="18" charset="0"/>
+              </a:rPr>
+              <a:t>B</a:t>
+            </a:r>
+          </a:p>
+        </p:txBody>
+      </p:sp>
+      <p:sp>
+        <p:nvSpPr>
+          <p:cNvPr id="7" name="TextBox 6">
+            <a:extLst>
+              <a:ext uri="{FF2B5EF4-FFF2-40B4-BE49-F238E27FC236}">
+                <a16:creationId xmlns:a16="http://schemas.microsoft.com/office/drawing/2014/main" id="{43CB4980-1D72-477C-BA16-1F86368D268A}"/>
+              </a:ext>
+            </a:extLst>
+          </p:cNvPr>
+          <p:cNvSpPr txBox="1"/>
+          <p:nvPr/>
+        </p:nvSpPr>
+        <p:spPr>
+          <a:xfrm>
+            <a:off x="12049705" y="5333089"/>
+            <a:ext cx="3046612" cy="461665"/>
+          </a:xfrm>
+          <a:prstGeom prst="rect">
+            <a:avLst/>
+          </a:prstGeom>
+          <a:noFill/>
+        </p:spPr>
+        <p:txBody>
+          <a:bodyPr wrap="square" rtlCol="0">
+            <a:spAutoFit/>
+          </a:bodyPr>
+          <a:lstStyle/>
+          <a:p>
+            <a:r>
+              <a:rPr lang="en-US" sz="2400" b="1">
+                <a:latin typeface="Times New Roman" panose="02020603050405020304" pitchFamily="18" charset="0"/>
+                <a:cs typeface="Times New Roman" panose="02020603050405020304" pitchFamily="18" charset="0"/>
+              </a:rPr>
+              <a:t>F1-Score </a:t>
+            </a:r>
+            <a:r>
+              <a:rPr lang="en-US" sz="2400" b="1" dirty="0">
+                <a:latin typeface="Times New Roman" panose="02020603050405020304" pitchFamily="18" charset="0"/>
+                <a:cs typeface="Times New Roman" panose="02020603050405020304" pitchFamily="18" charset="0"/>
+              </a:rPr>
+              <a:t>= 0.80</a:t>
+            </a:r>
+          </a:p>
+        </p:txBody>
+      </p:sp>
+      <p:sp>
+        <p:nvSpPr>
+          <p:cNvPr id="8" name="Rectangle: Rounded Corners 7">
+            <a:extLst>
+              <a:ext uri="{FF2B5EF4-FFF2-40B4-BE49-F238E27FC236}">
+                <a16:creationId xmlns:a16="http://schemas.microsoft.com/office/drawing/2014/main" id="{C5F0171F-2C06-45D8-A3AA-237AE6665733}"/>
+              </a:ext>
+            </a:extLst>
+          </p:cNvPr>
+          <p:cNvSpPr/>
+          <p:nvPr/>
+        </p:nvSpPr>
+        <p:spPr>
+          <a:xfrm>
+            <a:off x="11776831" y="5231695"/>
+            <a:ext cx="2700542" cy="1224261"/>
+          </a:xfrm>
+          <a:prstGeom prst="roundRect">
+            <a:avLst/>
+          </a:prstGeom>
+          <a:noFill/>
+          <a:ln>
+            <a:solidFill>
+              <a:schemeClr val="tx1">
+                <a:lumMod val="95000"/>
+                <a:lumOff val="5000"/>
+              </a:schemeClr>
+            </a:solidFill>
+          </a:ln>
+        </p:spPr>
+        <p:style>
+          <a:lnRef idx="2">
+            <a:schemeClr val="accent1">
+              <a:shade val="50000"/>
+            </a:schemeClr>
+          </a:lnRef>
+          <a:fillRef idx="1">
+            <a:schemeClr val="accent1"/>
+          </a:fillRef>
+          <a:effectRef idx="0">
+            <a:schemeClr val="accent1"/>
+          </a:effectRef>
+          <a:fontRef idx="minor">
+            <a:schemeClr val="lt1"/>
+          </a:fontRef>
+        </p:style>
+        <p:txBody>
+          <a:bodyPr rtlCol="0" anchor="ctr"/>
+          <a:lstStyle/>
+          <a:p>
+            <a:pPr algn="ctr"/>
+            <a:endParaRPr lang="en-US"/>
+          </a:p>
+        </p:txBody>
+      </p:sp>
+      <p:sp>
+        <p:nvSpPr>
+          <p:cNvPr id="10" name="TextBox 9">
+            <a:extLst>
+              <a:ext uri="{FF2B5EF4-FFF2-40B4-BE49-F238E27FC236}">
+                <a16:creationId xmlns:a16="http://schemas.microsoft.com/office/drawing/2014/main" id="{91246EDB-627A-436B-A978-3995488E29B8}"/>
+              </a:ext>
+            </a:extLst>
+          </p:cNvPr>
+          <p:cNvSpPr txBox="1"/>
+          <p:nvPr/>
+        </p:nvSpPr>
+        <p:spPr>
+          <a:xfrm>
+            <a:off x="12233268" y="5833037"/>
+            <a:ext cx="1787669" cy="461665"/>
+          </a:xfrm>
+          <a:prstGeom prst="rect">
+            <a:avLst/>
+          </a:prstGeom>
+          <a:noFill/>
+        </p:spPr>
+        <p:txBody>
+          <a:bodyPr wrap="none" rtlCol="0">
+            <a:spAutoFit/>
+          </a:bodyPr>
+          <a:lstStyle/>
+          <a:p>
+            <a:r>
+              <a:rPr lang="en-US" sz="2400" b="1" dirty="0">
+                <a:latin typeface="Times New Roman" panose="02020603050405020304" pitchFamily="18" charset="0"/>
+                <a:cs typeface="Times New Roman" panose="02020603050405020304" pitchFamily="18" charset="0"/>
+              </a:rPr>
+              <a:t>MCC = 0.33</a:t>
             </a:r>
           </a:p>
         </p:txBody>

--- a/Images/fig4.pptx
+++ b/Images/fig4.pptx
@@ -2,7 +2,7 @@
 <file path=ppt/presentation.xml><?xml version="1.0" encoding="utf-8"?>
 <p:presentation xmlns:a="http://schemas.openxmlformats.org/drawingml/2006/main" xmlns:r="http://schemas.openxmlformats.org/officeDocument/2006/relationships" xmlns:p="http://schemas.openxmlformats.org/presentationml/2006/main" saveSubsetFonts="1">
   <p:sldMasterIdLst>
-    <p:sldMasterId id="2147483888" r:id="rId1"/>
+    <p:sldMasterId id="2147483900" r:id="rId1"/>
   </p:sldMasterIdLst>
   <p:notesMasterIdLst>
     <p:notesMasterId r:id="rId3"/>
@@ -10,7 +10,7 @@
   <p:sldIdLst>
     <p:sldId id="256" r:id="rId2"/>
   </p:sldIdLst>
-  <p:sldSz cx="22860000" cy="21945600"/>
+  <p:sldSz cx="19202400" cy="18288000"/>
   <p:notesSz cx="6858000" cy="9144000"/>
   <p:defaultTextStyle>
     <a:defPPr>
@@ -197,7 +197,7 @@
           <a:p>
             <a:fld id="{D34CEA9E-E5A5-49C8-A578-AF124664FEC0}" type="datetimeFigureOut">
               <a:rPr lang="en-US" smtClean="0"/>
-              <a:t>11/17/2021</a:t>
+              <a:t>11/19/2021</a:t>
             </a:fld>
             <a:endParaRPr lang="en-US"/>
           </a:p>
@@ -215,8 +215,8 @@
         </p:nvSpPr>
         <p:spPr>
           <a:xfrm>
-            <a:off x="1820863" y="1143000"/>
-            <a:ext cx="3216275" cy="3086100"/>
+            <a:off x="1809750" y="1143000"/>
+            <a:ext cx="3238500" cy="3086100"/>
           </a:xfrm>
           <a:prstGeom prst="rect">
             <a:avLst/>
@@ -370,8 +370,8 @@
   </p:cSld>
   <p:clrMap bg1="lt1" tx1="dk1" bg2="lt2" tx2="dk2" accent1="accent1" accent2="accent2" accent3="accent3" accent4="accent4" accent5="accent5" accent6="accent6" hlink="hlink" folHlink="folHlink"/>
   <p:notesStyle>
-    <a:lvl1pPr marL="0" algn="l" defTabSz="817826" rtl="0" eaLnBrk="1" latinLnBrk="0" hangingPunct="1">
-      <a:defRPr sz="1073" kern="1200">
+    <a:lvl1pPr marL="0" algn="l" defTabSz="684234" rtl="0" eaLnBrk="1" latinLnBrk="0" hangingPunct="1">
+      <a:defRPr sz="898" kern="1200">
         <a:solidFill>
           <a:schemeClr val="tx1"/>
         </a:solidFill>
@@ -380,8 +380,8 @@
         <a:cs typeface="+mn-cs"/>
       </a:defRPr>
     </a:lvl1pPr>
-    <a:lvl2pPr marL="408912" algn="l" defTabSz="817826" rtl="0" eaLnBrk="1" latinLnBrk="0" hangingPunct="1">
-      <a:defRPr sz="1073" kern="1200">
+    <a:lvl2pPr marL="342117" algn="l" defTabSz="684234" rtl="0" eaLnBrk="1" latinLnBrk="0" hangingPunct="1">
+      <a:defRPr sz="898" kern="1200">
         <a:solidFill>
           <a:schemeClr val="tx1"/>
         </a:solidFill>
@@ -390,8 +390,8 @@
         <a:cs typeface="+mn-cs"/>
       </a:defRPr>
     </a:lvl2pPr>
-    <a:lvl3pPr marL="817826" algn="l" defTabSz="817826" rtl="0" eaLnBrk="1" latinLnBrk="0" hangingPunct="1">
-      <a:defRPr sz="1073" kern="1200">
+    <a:lvl3pPr marL="684234" algn="l" defTabSz="684234" rtl="0" eaLnBrk="1" latinLnBrk="0" hangingPunct="1">
+      <a:defRPr sz="898" kern="1200">
         <a:solidFill>
           <a:schemeClr val="tx1"/>
         </a:solidFill>
@@ -400,8 +400,8 @@
         <a:cs typeface="+mn-cs"/>
       </a:defRPr>
     </a:lvl3pPr>
-    <a:lvl4pPr marL="1226738" algn="l" defTabSz="817826" rtl="0" eaLnBrk="1" latinLnBrk="0" hangingPunct="1">
-      <a:defRPr sz="1073" kern="1200">
+    <a:lvl4pPr marL="1026351" algn="l" defTabSz="684234" rtl="0" eaLnBrk="1" latinLnBrk="0" hangingPunct="1">
+      <a:defRPr sz="898" kern="1200">
         <a:solidFill>
           <a:schemeClr val="tx1"/>
         </a:solidFill>
@@ -410,8 +410,8 @@
         <a:cs typeface="+mn-cs"/>
       </a:defRPr>
     </a:lvl4pPr>
-    <a:lvl5pPr marL="1635652" algn="l" defTabSz="817826" rtl="0" eaLnBrk="1" latinLnBrk="0" hangingPunct="1">
-      <a:defRPr sz="1073" kern="1200">
+    <a:lvl5pPr marL="1368468" algn="l" defTabSz="684234" rtl="0" eaLnBrk="1" latinLnBrk="0" hangingPunct="1">
+      <a:defRPr sz="898" kern="1200">
         <a:solidFill>
           <a:schemeClr val="tx1"/>
         </a:solidFill>
@@ -420,8 +420,8 @@
         <a:cs typeface="+mn-cs"/>
       </a:defRPr>
     </a:lvl5pPr>
-    <a:lvl6pPr marL="2044564" algn="l" defTabSz="817826" rtl="0" eaLnBrk="1" latinLnBrk="0" hangingPunct="1">
-      <a:defRPr sz="1073" kern="1200">
+    <a:lvl6pPr marL="1710585" algn="l" defTabSz="684234" rtl="0" eaLnBrk="1" latinLnBrk="0" hangingPunct="1">
+      <a:defRPr sz="898" kern="1200">
         <a:solidFill>
           <a:schemeClr val="tx1"/>
         </a:solidFill>
@@ -430,8 +430,8 @@
         <a:cs typeface="+mn-cs"/>
       </a:defRPr>
     </a:lvl6pPr>
-    <a:lvl7pPr marL="2453478" algn="l" defTabSz="817826" rtl="0" eaLnBrk="1" latinLnBrk="0" hangingPunct="1">
-      <a:defRPr sz="1073" kern="1200">
+    <a:lvl7pPr marL="2052702" algn="l" defTabSz="684234" rtl="0" eaLnBrk="1" latinLnBrk="0" hangingPunct="1">
+      <a:defRPr sz="898" kern="1200">
         <a:solidFill>
           <a:schemeClr val="tx1"/>
         </a:solidFill>
@@ -440,8 +440,8 @@
         <a:cs typeface="+mn-cs"/>
       </a:defRPr>
     </a:lvl7pPr>
-    <a:lvl8pPr marL="2862390" algn="l" defTabSz="817826" rtl="0" eaLnBrk="1" latinLnBrk="0" hangingPunct="1">
-      <a:defRPr sz="1073" kern="1200">
+    <a:lvl8pPr marL="2394819" algn="l" defTabSz="684234" rtl="0" eaLnBrk="1" latinLnBrk="0" hangingPunct="1">
+      <a:defRPr sz="898" kern="1200">
         <a:solidFill>
           <a:schemeClr val="tx1"/>
         </a:solidFill>
@@ -450,8 +450,8 @@
         <a:cs typeface="+mn-cs"/>
       </a:defRPr>
     </a:lvl8pPr>
-    <a:lvl9pPr marL="3271304" algn="l" defTabSz="817826" rtl="0" eaLnBrk="1" latinLnBrk="0" hangingPunct="1">
-      <a:defRPr sz="1073" kern="1200">
+    <a:lvl9pPr marL="2736936" algn="l" defTabSz="684234" rtl="0" eaLnBrk="1" latinLnBrk="0" hangingPunct="1">
+      <a:defRPr sz="898" kern="1200">
         <a:solidFill>
           <a:schemeClr val="tx1"/>
         </a:solidFill>
@@ -493,8 +493,8 @@
         </p:nvSpPr>
         <p:spPr>
           <a:xfrm>
-            <a:off x="1820863" y="1143000"/>
-            <a:ext cx="3216275" cy="3086100"/>
+            <a:off x="1809750" y="1143000"/>
+            <a:ext cx="3238500" cy="3086100"/>
           </a:xfrm>
         </p:spPr>
       </p:sp>
@@ -582,15 +582,15 @@
         </p:nvSpPr>
         <p:spPr>
           <a:xfrm>
-            <a:off x="1714500" y="3591562"/>
-            <a:ext cx="19431000" cy="7640320"/>
+            <a:off x="1440180" y="2992968"/>
+            <a:ext cx="16322040" cy="6366933"/>
           </a:xfrm>
         </p:spPr>
         <p:txBody>
           <a:bodyPr anchor="b"/>
           <a:lstStyle>
             <a:lvl1pPr algn="ctr">
-              <a:defRPr sz="15000"/>
+              <a:defRPr sz="12600"/>
             </a:lvl1pPr>
           </a:lstStyle>
           <a:p>
@@ -614,8 +614,8 @@
         </p:nvSpPr>
         <p:spPr>
           <a:xfrm>
-            <a:off x="2857500" y="11526522"/>
-            <a:ext cx="17145000" cy="5298438"/>
+            <a:off x="2400300" y="9605435"/>
+            <a:ext cx="14401800" cy="4415365"/>
           </a:xfrm>
         </p:spPr>
         <p:txBody>
@@ -623,39 +623,39 @@
           <a:lstStyle>
             <a:lvl1pPr marL="0" indent="0" algn="ctr">
               <a:buNone/>
-              <a:defRPr sz="6000"/>
+              <a:defRPr sz="5040"/>
             </a:lvl1pPr>
-            <a:lvl2pPr marL="1143000" indent="0" algn="ctr">
+            <a:lvl2pPr marL="960120" indent="0" algn="ctr">
               <a:buNone/>
-              <a:defRPr sz="5000"/>
+              <a:defRPr sz="4200"/>
             </a:lvl2pPr>
-            <a:lvl3pPr marL="2286000" indent="0" algn="ctr">
+            <a:lvl3pPr marL="1920240" indent="0" algn="ctr">
               <a:buNone/>
-              <a:defRPr sz="4500"/>
+              <a:defRPr sz="3780"/>
             </a:lvl3pPr>
-            <a:lvl4pPr marL="3429000" indent="0" algn="ctr">
+            <a:lvl4pPr marL="2880360" indent="0" algn="ctr">
               <a:buNone/>
-              <a:defRPr sz="4000"/>
+              <a:defRPr sz="3360"/>
             </a:lvl4pPr>
-            <a:lvl5pPr marL="4572000" indent="0" algn="ctr">
+            <a:lvl5pPr marL="3840480" indent="0" algn="ctr">
               <a:buNone/>
-              <a:defRPr sz="4000"/>
+              <a:defRPr sz="3360"/>
             </a:lvl5pPr>
-            <a:lvl6pPr marL="5715000" indent="0" algn="ctr">
+            <a:lvl6pPr marL="4800600" indent="0" algn="ctr">
               <a:buNone/>
-              <a:defRPr sz="4000"/>
+              <a:defRPr sz="3360"/>
             </a:lvl6pPr>
-            <a:lvl7pPr marL="6858000" indent="0" algn="ctr">
+            <a:lvl7pPr marL="5760720" indent="0" algn="ctr">
               <a:buNone/>
-              <a:defRPr sz="4000"/>
+              <a:defRPr sz="3360"/>
             </a:lvl7pPr>
-            <a:lvl8pPr marL="8001000" indent="0" algn="ctr">
+            <a:lvl8pPr marL="6720840" indent="0" algn="ctr">
               <a:buNone/>
-              <a:defRPr sz="4000"/>
+              <a:defRPr sz="3360"/>
             </a:lvl8pPr>
-            <a:lvl9pPr marL="9144000" indent="0" algn="ctr">
+            <a:lvl9pPr marL="7680960" indent="0" algn="ctr">
               <a:buNone/>
-              <a:defRPr sz="4000"/>
+              <a:defRPr sz="3360"/>
             </a:lvl9pPr>
           </a:lstStyle>
           <a:p>
@@ -684,7 +684,7 @@
           <a:p>
             <a:fld id="{BA05AF01-4F0E-4718-A4C1-DFCBB47EE5F2}" type="datetimeFigureOut">
               <a:rPr lang="en-US" smtClean="0"/>
-              <a:t>11/17/2021</a:t>
+              <a:t>11/19/2021</a:t>
             </a:fld>
             <a:endParaRPr lang="en-US"/>
           </a:p>
@@ -735,7 +735,7 @@
     </p:spTree>
     <p:extLst>
       <p:ext uri="{BB962C8B-B14F-4D97-AF65-F5344CB8AC3E}">
-        <p14:creationId xmlns:p14="http://schemas.microsoft.com/office/powerpoint/2010/main" val="986007329"/>
+        <p14:creationId xmlns:p14="http://schemas.microsoft.com/office/powerpoint/2010/main" val="326898143"/>
       </p:ext>
     </p:extLst>
   </p:cSld>
@@ -854,7 +854,7 @@
           <a:p>
             <a:fld id="{BA05AF01-4F0E-4718-A4C1-DFCBB47EE5F2}" type="datetimeFigureOut">
               <a:rPr lang="en-US" smtClean="0"/>
-              <a:t>11/17/2021</a:t>
+              <a:t>11/19/2021</a:t>
             </a:fld>
             <a:endParaRPr lang="en-US"/>
           </a:p>
@@ -905,7 +905,7 @@
     </p:spTree>
     <p:extLst>
       <p:ext uri="{BB962C8B-B14F-4D97-AF65-F5344CB8AC3E}">
-        <p14:creationId xmlns:p14="http://schemas.microsoft.com/office/powerpoint/2010/main" val="1803974504"/>
+        <p14:creationId xmlns:p14="http://schemas.microsoft.com/office/powerpoint/2010/main" val="3837443132"/>
       </p:ext>
     </p:extLst>
   </p:cSld>
@@ -944,8 +944,8 @@
         </p:nvSpPr>
         <p:spPr>
           <a:xfrm>
-            <a:off x="16359189" y="1168400"/>
-            <a:ext cx="4929188" cy="18597882"/>
+            <a:off x="13741718" y="973667"/>
+            <a:ext cx="4140518" cy="15498235"/>
           </a:xfrm>
         </p:spPr>
         <p:txBody>
@@ -972,8 +972,8 @@
         </p:nvSpPr>
         <p:spPr>
           <a:xfrm>
-            <a:off x="1571626" y="1168400"/>
-            <a:ext cx="14501813" cy="18597882"/>
+            <a:off x="1320166" y="973667"/>
+            <a:ext cx="12181523" cy="15498235"/>
           </a:xfrm>
         </p:spPr>
         <p:txBody>
@@ -1034,7 +1034,7 @@
           <a:p>
             <a:fld id="{BA05AF01-4F0E-4718-A4C1-DFCBB47EE5F2}" type="datetimeFigureOut">
               <a:rPr lang="en-US" smtClean="0"/>
-              <a:t>11/17/2021</a:t>
+              <a:t>11/19/2021</a:t>
             </a:fld>
             <a:endParaRPr lang="en-US"/>
           </a:p>
@@ -1085,7 +1085,7 @@
     </p:spTree>
     <p:extLst>
       <p:ext uri="{BB962C8B-B14F-4D97-AF65-F5344CB8AC3E}">
-        <p14:creationId xmlns:p14="http://schemas.microsoft.com/office/powerpoint/2010/main" val="4022997782"/>
+        <p14:creationId xmlns:p14="http://schemas.microsoft.com/office/powerpoint/2010/main" val="932213241"/>
       </p:ext>
     </p:extLst>
   </p:cSld>
@@ -1204,7 +1204,7 @@
           <a:p>
             <a:fld id="{BA05AF01-4F0E-4718-A4C1-DFCBB47EE5F2}" type="datetimeFigureOut">
               <a:rPr lang="en-US" smtClean="0"/>
-              <a:t>11/17/2021</a:t>
+              <a:t>11/19/2021</a:t>
             </a:fld>
             <a:endParaRPr lang="en-US"/>
           </a:p>
@@ -1255,7 +1255,7 @@
     </p:spTree>
     <p:extLst>
       <p:ext uri="{BB962C8B-B14F-4D97-AF65-F5344CB8AC3E}">
-        <p14:creationId xmlns:p14="http://schemas.microsoft.com/office/powerpoint/2010/main" val="2900989642"/>
+        <p14:creationId xmlns:p14="http://schemas.microsoft.com/office/powerpoint/2010/main" val="1352392617"/>
       </p:ext>
     </p:extLst>
   </p:cSld>
@@ -1294,15 +1294,15 @@
         </p:nvSpPr>
         <p:spPr>
           <a:xfrm>
-            <a:off x="1559720" y="5471167"/>
-            <a:ext cx="19716750" cy="9128758"/>
+            <a:off x="1310165" y="4559305"/>
+            <a:ext cx="16562070" cy="7607299"/>
           </a:xfrm>
         </p:spPr>
         <p:txBody>
           <a:bodyPr anchor="b"/>
           <a:lstStyle>
             <a:lvl1pPr>
-              <a:defRPr sz="15000"/>
+              <a:defRPr sz="12600"/>
             </a:lvl1pPr>
           </a:lstStyle>
           <a:p>
@@ -1326,8 +1326,8 @@
         </p:nvSpPr>
         <p:spPr>
           <a:xfrm>
-            <a:off x="1559720" y="14686287"/>
-            <a:ext cx="19716750" cy="4800598"/>
+            <a:off x="1310165" y="12238572"/>
+            <a:ext cx="16562070" cy="4000499"/>
           </a:xfrm>
         </p:spPr>
         <p:txBody>
@@ -1335,15 +1335,15 @@
           <a:lstStyle>
             <a:lvl1pPr marL="0" indent="0">
               <a:buNone/>
-              <a:defRPr sz="6000">
+              <a:defRPr sz="5040">
                 <a:solidFill>
                   <a:schemeClr val="tx1"/>
                 </a:solidFill>
               </a:defRPr>
             </a:lvl1pPr>
-            <a:lvl2pPr marL="1143000" indent="0">
+            <a:lvl2pPr marL="960120" indent="0">
               <a:buNone/>
-              <a:defRPr sz="5000">
+              <a:defRPr sz="4200">
                 <a:solidFill>
                   <a:schemeClr val="tx1">
                     <a:tint val="75000"/>
@@ -1351,9 +1351,9 @@
                 </a:solidFill>
               </a:defRPr>
             </a:lvl2pPr>
-            <a:lvl3pPr marL="2286000" indent="0">
+            <a:lvl3pPr marL="1920240" indent="0">
               <a:buNone/>
-              <a:defRPr sz="4500">
+              <a:defRPr sz="3780">
                 <a:solidFill>
                   <a:schemeClr val="tx1">
                     <a:tint val="75000"/>
@@ -1361,9 +1361,9 @@
                 </a:solidFill>
               </a:defRPr>
             </a:lvl3pPr>
-            <a:lvl4pPr marL="3429000" indent="0">
+            <a:lvl4pPr marL="2880360" indent="0">
               <a:buNone/>
-              <a:defRPr sz="4000">
+              <a:defRPr sz="3360">
                 <a:solidFill>
                   <a:schemeClr val="tx1">
                     <a:tint val="75000"/>
@@ -1371,9 +1371,9 @@
                 </a:solidFill>
               </a:defRPr>
             </a:lvl4pPr>
-            <a:lvl5pPr marL="4572000" indent="0">
+            <a:lvl5pPr marL="3840480" indent="0">
               <a:buNone/>
-              <a:defRPr sz="4000">
+              <a:defRPr sz="3360">
                 <a:solidFill>
                   <a:schemeClr val="tx1">
                     <a:tint val="75000"/>
@@ -1381,9 +1381,9 @@
                 </a:solidFill>
               </a:defRPr>
             </a:lvl5pPr>
-            <a:lvl6pPr marL="5715000" indent="0">
+            <a:lvl6pPr marL="4800600" indent="0">
               <a:buNone/>
-              <a:defRPr sz="4000">
+              <a:defRPr sz="3360">
                 <a:solidFill>
                   <a:schemeClr val="tx1">
                     <a:tint val="75000"/>
@@ -1391,9 +1391,9 @@
                 </a:solidFill>
               </a:defRPr>
             </a:lvl6pPr>
-            <a:lvl7pPr marL="6858000" indent="0">
+            <a:lvl7pPr marL="5760720" indent="0">
               <a:buNone/>
-              <a:defRPr sz="4000">
+              <a:defRPr sz="3360">
                 <a:solidFill>
                   <a:schemeClr val="tx1">
                     <a:tint val="75000"/>
@@ -1401,9 +1401,9 @@
                 </a:solidFill>
               </a:defRPr>
             </a:lvl7pPr>
-            <a:lvl8pPr marL="8001000" indent="0">
+            <a:lvl8pPr marL="6720840" indent="0">
               <a:buNone/>
-              <a:defRPr sz="4000">
+              <a:defRPr sz="3360">
                 <a:solidFill>
                   <a:schemeClr val="tx1">
                     <a:tint val="75000"/>
@@ -1411,9 +1411,9 @@
                 </a:solidFill>
               </a:defRPr>
             </a:lvl8pPr>
-            <a:lvl9pPr marL="9144000" indent="0">
+            <a:lvl9pPr marL="7680960" indent="0">
               <a:buNone/>
-              <a:defRPr sz="4000">
+              <a:defRPr sz="3360">
                 <a:solidFill>
                   <a:schemeClr val="tx1">
                     <a:tint val="75000"/>
@@ -1448,7 +1448,7 @@
           <a:p>
             <a:fld id="{BA05AF01-4F0E-4718-A4C1-DFCBB47EE5F2}" type="datetimeFigureOut">
               <a:rPr lang="en-US" smtClean="0"/>
-              <a:t>11/17/2021</a:t>
+              <a:t>11/19/2021</a:t>
             </a:fld>
             <a:endParaRPr lang="en-US"/>
           </a:p>
@@ -1499,7 +1499,7 @@
     </p:spTree>
     <p:extLst>
       <p:ext uri="{BB962C8B-B14F-4D97-AF65-F5344CB8AC3E}">
-        <p14:creationId xmlns:p14="http://schemas.microsoft.com/office/powerpoint/2010/main" val="3672165240"/>
+        <p14:creationId xmlns:p14="http://schemas.microsoft.com/office/powerpoint/2010/main" val="2175564890"/>
       </p:ext>
     </p:extLst>
   </p:cSld>
@@ -1561,8 +1561,8 @@
         </p:nvSpPr>
         <p:spPr>
           <a:xfrm>
-            <a:off x="1571625" y="5842000"/>
-            <a:ext cx="9715500" cy="13924282"/>
+            <a:off x="1320165" y="4868333"/>
+            <a:ext cx="8161020" cy="11603568"/>
           </a:xfrm>
         </p:spPr>
         <p:txBody>
@@ -1618,8 +1618,8 @@
         </p:nvSpPr>
         <p:spPr>
           <a:xfrm>
-            <a:off x="11572875" y="5842000"/>
-            <a:ext cx="9715500" cy="13924282"/>
+            <a:off x="9721215" y="4868333"/>
+            <a:ext cx="8161020" cy="11603568"/>
           </a:xfrm>
         </p:spPr>
         <p:txBody>
@@ -1680,7 +1680,7 @@
           <a:p>
             <a:fld id="{BA05AF01-4F0E-4718-A4C1-DFCBB47EE5F2}" type="datetimeFigureOut">
               <a:rPr lang="en-US" smtClean="0"/>
-              <a:t>11/17/2021</a:t>
+              <a:t>11/19/2021</a:t>
             </a:fld>
             <a:endParaRPr lang="en-US"/>
           </a:p>
@@ -1731,7 +1731,7 @@
     </p:spTree>
     <p:extLst>
       <p:ext uri="{BB962C8B-B14F-4D97-AF65-F5344CB8AC3E}">
-        <p14:creationId xmlns:p14="http://schemas.microsoft.com/office/powerpoint/2010/main" val="1599755396"/>
+        <p14:creationId xmlns:p14="http://schemas.microsoft.com/office/powerpoint/2010/main" val="2444265641"/>
       </p:ext>
     </p:extLst>
   </p:cSld>
@@ -1770,8 +1770,8 @@
         </p:nvSpPr>
         <p:spPr>
           <a:xfrm>
-            <a:off x="1574603" y="1168405"/>
-            <a:ext cx="19716750" cy="4241802"/>
+            <a:off x="1322666" y="973671"/>
+            <a:ext cx="16562070" cy="3534835"/>
           </a:xfrm>
         </p:spPr>
         <p:txBody>
@@ -1798,8 +1798,8 @@
         </p:nvSpPr>
         <p:spPr>
           <a:xfrm>
-            <a:off x="1574605" y="5379722"/>
-            <a:ext cx="9670850" cy="2636518"/>
+            <a:off x="1322668" y="4483101"/>
+            <a:ext cx="8123514" cy="2197099"/>
           </a:xfrm>
         </p:spPr>
         <p:txBody>
@@ -1807,39 +1807,39 @@
           <a:lstStyle>
             <a:lvl1pPr marL="0" indent="0">
               <a:buNone/>
-              <a:defRPr sz="6000" b="1"/>
+              <a:defRPr sz="5040" b="1"/>
             </a:lvl1pPr>
-            <a:lvl2pPr marL="1143000" indent="0">
+            <a:lvl2pPr marL="960120" indent="0">
               <a:buNone/>
-              <a:defRPr sz="5000" b="1"/>
+              <a:defRPr sz="4200" b="1"/>
             </a:lvl2pPr>
-            <a:lvl3pPr marL="2286000" indent="0">
+            <a:lvl3pPr marL="1920240" indent="0">
               <a:buNone/>
-              <a:defRPr sz="4500" b="1"/>
+              <a:defRPr sz="3780" b="1"/>
             </a:lvl3pPr>
-            <a:lvl4pPr marL="3429000" indent="0">
+            <a:lvl4pPr marL="2880360" indent="0">
               <a:buNone/>
-              <a:defRPr sz="4000" b="1"/>
+              <a:defRPr sz="3360" b="1"/>
             </a:lvl4pPr>
-            <a:lvl5pPr marL="4572000" indent="0">
+            <a:lvl5pPr marL="3840480" indent="0">
               <a:buNone/>
-              <a:defRPr sz="4000" b="1"/>
+              <a:defRPr sz="3360" b="1"/>
             </a:lvl5pPr>
-            <a:lvl6pPr marL="5715000" indent="0">
+            <a:lvl6pPr marL="4800600" indent="0">
               <a:buNone/>
-              <a:defRPr sz="4000" b="1"/>
+              <a:defRPr sz="3360" b="1"/>
             </a:lvl6pPr>
-            <a:lvl7pPr marL="6858000" indent="0">
+            <a:lvl7pPr marL="5760720" indent="0">
               <a:buNone/>
-              <a:defRPr sz="4000" b="1"/>
+              <a:defRPr sz="3360" b="1"/>
             </a:lvl7pPr>
-            <a:lvl8pPr marL="8001000" indent="0">
+            <a:lvl8pPr marL="6720840" indent="0">
               <a:buNone/>
-              <a:defRPr sz="4000" b="1"/>
+              <a:defRPr sz="3360" b="1"/>
             </a:lvl8pPr>
-            <a:lvl9pPr marL="9144000" indent="0">
+            <a:lvl9pPr marL="7680960" indent="0">
               <a:buNone/>
-              <a:defRPr sz="4000" b="1"/>
+              <a:defRPr sz="3360" b="1"/>
             </a:lvl9pPr>
           </a:lstStyle>
           <a:p>
@@ -1863,8 +1863,8 @@
         </p:nvSpPr>
         <p:spPr>
           <a:xfrm>
-            <a:off x="1574605" y="8016240"/>
-            <a:ext cx="9670850" cy="11790682"/>
+            <a:off x="1322668" y="6680200"/>
+            <a:ext cx="8123514" cy="9825568"/>
           </a:xfrm>
         </p:spPr>
         <p:txBody>
@@ -1920,8 +1920,8 @@
         </p:nvSpPr>
         <p:spPr>
           <a:xfrm>
-            <a:off x="11572876" y="5379722"/>
-            <a:ext cx="9718478" cy="2636518"/>
+            <a:off x="9721216" y="4483101"/>
+            <a:ext cx="8163521" cy="2197099"/>
           </a:xfrm>
         </p:spPr>
         <p:txBody>
@@ -1929,39 +1929,39 @@
           <a:lstStyle>
             <a:lvl1pPr marL="0" indent="0">
               <a:buNone/>
-              <a:defRPr sz="6000" b="1"/>
+              <a:defRPr sz="5040" b="1"/>
             </a:lvl1pPr>
-            <a:lvl2pPr marL="1143000" indent="0">
+            <a:lvl2pPr marL="960120" indent="0">
               <a:buNone/>
-              <a:defRPr sz="5000" b="1"/>
+              <a:defRPr sz="4200" b="1"/>
             </a:lvl2pPr>
-            <a:lvl3pPr marL="2286000" indent="0">
+            <a:lvl3pPr marL="1920240" indent="0">
               <a:buNone/>
-              <a:defRPr sz="4500" b="1"/>
+              <a:defRPr sz="3780" b="1"/>
             </a:lvl3pPr>
-            <a:lvl4pPr marL="3429000" indent="0">
+            <a:lvl4pPr marL="2880360" indent="0">
               <a:buNone/>
-              <a:defRPr sz="4000" b="1"/>
+              <a:defRPr sz="3360" b="1"/>
             </a:lvl4pPr>
-            <a:lvl5pPr marL="4572000" indent="0">
+            <a:lvl5pPr marL="3840480" indent="0">
               <a:buNone/>
-              <a:defRPr sz="4000" b="1"/>
+              <a:defRPr sz="3360" b="1"/>
             </a:lvl5pPr>
-            <a:lvl6pPr marL="5715000" indent="0">
+            <a:lvl6pPr marL="4800600" indent="0">
               <a:buNone/>
-              <a:defRPr sz="4000" b="1"/>
+              <a:defRPr sz="3360" b="1"/>
             </a:lvl6pPr>
-            <a:lvl7pPr marL="6858000" indent="0">
+            <a:lvl7pPr marL="5760720" indent="0">
               <a:buNone/>
-              <a:defRPr sz="4000" b="1"/>
+              <a:defRPr sz="3360" b="1"/>
             </a:lvl7pPr>
-            <a:lvl8pPr marL="8001000" indent="0">
+            <a:lvl8pPr marL="6720840" indent="0">
               <a:buNone/>
-              <a:defRPr sz="4000" b="1"/>
+              <a:defRPr sz="3360" b="1"/>
             </a:lvl8pPr>
-            <a:lvl9pPr marL="9144000" indent="0">
+            <a:lvl9pPr marL="7680960" indent="0">
               <a:buNone/>
-              <a:defRPr sz="4000" b="1"/>
+              <a:defRPr sz="3360" b="1"/>
             </a:lvl9pPr>
           </a:lstStyle>
           <a:p>
@@ -1985,8 +1985,8 @@
         </p:nvSpPr>
         <p:spPr>
           <a:xfrm>
-            <a:off x="11572876" y="8016240"/>
-            <a:ext cx="9718478" cy="11790682"/>
+            <a:off x="9721216" y="6680200"/>
+            <a:ext cx="8163521" cy="9825568"/>
           </a:xfrm>
         </p:spPr>
         <p:txBody>
@@ -2047,7 +2047,7 @@
           <a:p>
             <a:fld id="{BA05AF01-4F0E-4718-A4C1-DFCBB47EE5F2}" type="datetimeFigureOut">
               <a:rPr lang="en-US" smtClean="0"/>
-              <a:t>11/17/2021</a:t>
+              <a:t>11/19/2021</a:t>
             </a:fld>
             <a:endParaRPr lang="en-US"/>
           </a:p>
@@ -2098,7 +2098,7 @@
     </p:spTree>
     <p:extLst>
       <p:ext uri="{BB962C8B-B14F-4D97-AF65-F5344CB8AC3E}">
-        <p14:creationId xmlns:p14="http://schemas.microsoft.com/office/powerpoint/2010/main" val="2715321815"/>
+        <p14:creationId xmlns:p14="http://schemas.microsoft.com/office/powerpoint/2010/main" val="1233301652"/>
       </p:ext>
     </p:extLst>
   </p:cSld>
@@ -2165,7 +2165,7 @@
           <a:p>
             <a:fld id="{BA05AF01-4F0E-4718-A4C1-DFCBB47EE5F2}" type="datetimeFigureOut">
               <a:rPr lang="en-US" smtClean="0"/>
-              <a:t>11/17/2021</a:t>
+              <a:t>11/19/2021</a:t>
             </a:fld>
             <a:endParaRPr lang="en-US"/>
           </a:p>
@@ -2216,7 +2216,7 @@
     </p:spTree>
     <p:extLst>
       <p:ext uri="{BB962C8B-B14F-4D97-AF65-F5344CB8AC3E}">
-        <p14:creationId xmlns:p14="http://schemas.microsoft.com/office/powerpoint/2010/main" val="2217222979"/>
+        <p14:creationId xmlns:p14="http://schemas.microsoft.com/office/powerpoint/2010/main" val="1297169910"/>
       </p:ext>
     </p:extLst>
   </p:cSld>
@@ -2260,7 +2260,7 @@
           <a:p>
             <a:fld id="{BA05AF01-4F0E-4718-A4C1-DFCBB47EE5F2}" type="datetimeFigureOut">
               <a:rPr lang="en-US" smtClean="0"/>
-              <a:t>11/17/2021</a:t>
+              <a:t>11/19/2021</a:t>
             </a:fld>
             <a:endParaRPr lang="en-US"/>
           </a:p>
@@ -2311,7 +2311,7 @@
     </p:spTree>
     <p:extLst>
       <p:ext uri="{BB962C8B-B14F-4D97-AF65-F5344CB8AC3E}">
-        <p14:creationId xmlns:p14="http://schemas.microsoft.com/office/powerpoint/2010/main" val="3660181515"/>
+        <p14:creationId xmlns:p14="http://schemas.microsoft.com/office/powerpoint/2010/main" val="919575801"/>
       </p:ext>
     </p:extLst>
   </p:cSld>
@@ -2350,15 +2350,15 @@
         </p:nvSpPr>
         <p:spPr>
           <a:xfrm>
-            <a:off x="1574603" y="1463040"/>
-            <a:ext cx="7372945" cy="5120640"/>
+            <a:off x="1322666" y="1219200"/>
+            <a:ext cx="6193274" cy="4267200"/>
           </a:xfrm>
         </p:spPr>
         <p:txBody>
           <a:bodyPr anchor="b"/>
           <a:lstStyle>
             <a:lvl1pPr>
-              <a:defRPr sz="8000"/>
+              <a:defRPr sz="6720"/>
             </a:lvl1pPr>
           </a:lstStyle>
           <a:p>
@@ -2382,39 +2382,39 @@
         </p:nvSpPr>
         <p:spPr>
           <a:xfrm>
-            <a:off x="9718477" y="3159765"/>
-            <a:ext cx="11572875" cy="15595600"/>
+            <a:off x="8163521" y="2633138"/>
+            <a:ext cx="9721215" cy="12996333"/>
           </a:xfrm>
         </p:spPr>
         <p:txBody>
           <a:bodyPr/>
           <a:lstStyle>
             <a:lvl1pPr>
-              <a:defRPr sz="8000"/>
+              <a:defRPr sz="6720"/>
             </a:lvl1pPr>
             <a:lvl2pPr>
-              <a:defRPr sz="7000"/>
+              <a:defRPr sz="5880"/>
             </a:lvl2pPr>
             <a:lvl3pPr>
-              <a:defRPr sz="6000"/>
+              <a:defRPr sz="5040"/>
             </a:lvl3pPr>
             <a:lvl4pPr>
-              <a:defRPr sz="5000"/>
+              <a:defRPr sz="4200"/>
             </a:lvl4pPr>
             <a:lvl5pPr>
-              <a:defRPr sz="5000"/>
+              <a:defRPr sz="4200"/>
             </a:lvl5pPr>
             <a:lvl6pPr>
-              <a:defRPr sz="5000"/>
+              <a:defRPr sz="4200"/>
             </a:lvl6pPr>
             <a:lvl7pPr>
-              <a:defRPr sz="5000"/>
+              <a:defRPr sz="4200"/>
             </a:lvl7pPr>
             <a:lvl8pPr>
-              <a:defRPr sz="5000"/>
+              <a:defRPr sz="4200"/>
             </a:lvl8pPr>
             <a:lvl9pPr>
-              <a:defRPr sz="5000"/>
+              <a:defRPr sz="4200"/>
             </a:lvl9pPr>
           </a:lstStyle>
           <a:p>
@@ -2467,8 +2467,8 @@
         </p:nvSpPr>
         <p:spPr>
           <a:xfrm>
-            <a:off x="1574603" y="6583680"/>
-            <a:ext cx="7372945" cy="12197082"/>
+            <a:off x="1322666" y="5486400"/>
+            <a:ext cx="6193274" cy="10164235"/>
           </a:xfrm>
         </p:spPr>
         <p:txBody>
@@ -2476,39 +2476,39 @@
           <a:lstStyle>
             <a:lvl1pPr marL="0" indent="0">
               <a:buNone/>
-              <a:defRPr sz="4000"/>
+              <a:defRPr sz="3360"/>
             </a:lvl1pPr>
-            <a:lvl2pPr marL="1143000" indent="0">
+            <a:lvl2pPr marL="960120" indent="0">
               <a:buNone/>
-              <a:defRPr sz="3500"/>
+              <a:defRPr sz="2940"/>
             </a:lvl2pPr>
-            <a:lvl3pPr marL="2286000" indent="0">
+            <a:lvl3pPr marL="1920240" indent="0">
               <a:buNone/>
-              <a:defRPr sz="3000"/>
+              <a:defRPr sz="2520"/>
             </a:lvl3pPr>
-            <a:lvl4pPr marL="3429000" indent="0">
+            <a:lvl4pPr marL="2880360" indent="0">
               <a:buNone/>
-              <a:defRPr sz="2500"/>
+              <a:defRPr sz="2100"/>
             </a:lvl4pPr>
-            <a:lvl5pPr marL="4572000" indent="0">
+            <a:lvl5pPr marL="3840480" indent="0">
               <a:buNone/>
-              <a:defRPr sz="2500"/>
+              <a:defRPr sz="2100"/>
             </a:lvl5pPr>
-            <a:lvl6pPr marL="5715000" indent="0">
+            <a:lvl6pPr marL="4800600" indent="0">
               <a:buNone/>
-              <a:defRPr sz="2500"/>
+              <a:defRPr sz="2100"/>
             </a:lvl6pPr>
-            <a:lvl7pPr marL="6858000" indent="0">
+            <a:lvl7pPr marL="5760720" indent="0">
               <a:buNone/>
-              <a:defRPr sz="2500"/>
+              <a:defRPr sz="2100"/>
             </a:lvl7pPr>
-            <a:lvl8pPr marL="8001000" indent="0">
+            <a:lvl8pPr marL="6720840" indent="0">
               <a:buNone/>
-              <a:defRPr sz="2500"/>
+              <a:defRPr sz="2100"/>
             </a:lvl8pPr>
-            <a:lvl9pPr marL="9144000" indent="0">
+            <a:lvl9pPr marL="7680960" indent="0">
               <a:buNone/>
-              <a:defRPr sz="2500"/>
+              <a:defRPr sz="2100"/>
             </a:lvl9pPr>
           </a:lstStyle>
           <a:p>
@@ -2537,7 +2537,7 @@
           <a:p>
             <a:fld id="{BA05AF01-4F0E-4718-A4C1-DFCBB47EE5F2}" type="datetimeFigureOut">
               <a:rPr lang="en-US" smtClean="0"/>
-              <a:t>11/17/2021</a:t>
+              <a:t>11/19/2021</a:t>
             </a:fld>
             <a:endParaRPr lang="en-US"/>
           </a:p>
@@ -2588,7 +2588,7 @@
     </p:spTree>
     <p:extLst>
       <p:ext uri="{BB962C8B-B14F-4D97-AF65-F5344CB8AC3E}">
-        <p14:creationId xmlns:p14="http://schemas.microsoft.com/office/powerpoint/2010/main" val="475469267"/>
+        <p14:creationId xmlns:p14="http://schemas.microsoft.com/office/powerpoint/2010/main" val="1258066157"/>
       </p:ext>
     </p:extLst>
   </p:cSld>
@@ -2627,15 +2627,15 @@
         </p:nvSpPr>
         <p:spPr>
           <a:xfrm>
-            <a:off x="1574603" y="1463040"/>
-            <a:ext cx="7372945" cy="5120640"/>
+            <a:off x="1322666" y="1219200"/>
+            <a:ext cx="6193274" cy="4267200"/>
           </a:xfrm>
         </p:spPr>
         <p:txBody>
           <a:bodyPr anchor="b"/>
           <a:lstStyle>
             <a:lvl1pPr>
-              <a:defRPr sz="8000"/>
+              <a:defRPr sz="6720"/>
             </a:lvl1pPr>
           </a:lstStyle>
           <a:p>
@@ -2659,8 +2659,8 @@
         </p:nvSpPr>
         <p:spPr>
           <a:xfrm>
-            <a:off x="9718477" y="3159765"/>
-            <a:ext cx="11572875" cy="15595600"/>
+            <a:off x="8163521" y="2633138"/>
+            <a:ext cx="9721215" cy="12996333"/>
           </a:xfrm>
         </p:spPr>
         <p:txBody>
@@ -2668,39 +2668,39 @@
           <a:lstStyle>
             <a:lvl1pPr marL="0" indent="0">
               <a:buNone/>
-              <a:defRPr sz="8000"/>
+              <a:defRPr sz="6720"/>
             </a:lvl1pPr>
-            <a:lvl2pPr marL="1143000" indent="0">
+            <a:lvl2pPr marL="960120" indent="0">
               <a:buNone/>
-              <a:defRPr sz="7000"/>
+              <a:defRPr sz="5880"/>
             </a:lvl2pPr>
-            <a:lvl3pPr marL="2286000" indent="0">
+            <a:lvl3pPr marL="1920240" indent="0">
               <a:buNone/>
-              <a:defRPr sz="6000"/>
+              <a:defRPr sz="5040"/>
             </a:lvl3pPr>
-            <a:lvl4pPr marL="3429000" indent="0">
+            <a:lvl4pPr marL="2880360" indent="0">
               <a:buNone/>
-              <a:defRPr sz="5000"/>
+              <a:defRPr sz="4200"/>
             </a:lvl4pPr>
-            <a:lvl5pPr marL="4572000" indent="0">
+            <a:lvl5pPr marL="3840480" indent="0">
               <a:buNone/>
-              <a:defRPr sz="5000"/>
+              <a:defRPr sz="4200"/>
             </a:lvl5pPr>
-            <a:lvl6pPr marL="5715000" indent="0">
+            <a:lvl6pPr marL="4800600" indent="0">
               <a:buNone/>
-              <a:defRPr sz="5000"/>
+              <a:defRPr sz="4200"/>
             </a:lvl6pPr>
-            <a:lvl7pPr marL="6858000" indent="0">
+            <a:lvl7pPr marL="5760720" indent="0">
               <a:buNone/>
-              <a:defRPr sz="5000"/>
+              <a:defRPr sz="4200"/>
             </a:lvl7pPr>
-            <a:lvl8pPr marL="8001000" indent="0">
+            <a:lvl8pPr marL="6720840" indent="0">
               <a:buNone/>
-              <a:defRPr sz="5000"/>
+              <a:defRPr sz="4200"/>
             </a:lvl8pPr>
-            <a:lvl9pPr marL="9144000" indent="0">
+            <a:lvl9pPr marL="7680960" indent="0">
               <a:buNone/>
-              <a:defRPr sz="5000"/>
+              <a:defRPr sz="4200"/>
             </a:lvl9pPr>
           </a:lstStyle>
           <a:p>
@@ -2724,8 +2724,8 @@
         </p:nvSpPr>
         <p:spPr>
           <a:xfrm>
-            <a:off x="1574603" y="6583680"/>
-            <a:ext cx="7372945" cy="12197082"/>
+            <a:off x="1322666" y="5486400"/>
+            <a:ext cx="6193274" cy="10164235"/>
           </a:xfrm>
         </p:spPr>
         <p:txBody>
@@ -2733,39 +2733,39 @@
           <a:lstStyle>
             <a:lvl1pPr marL="0" indent="0">
               <a:buNone/>
-              <a:defRPr sz="4000"/>
+              <a:defRPr sz="3360"/>
             </a:lvl1pPr>
-            <a:lvl2pPr marL="1143000" indent="0">
+            <a:lvl2pPr marL="960120" indent="0">
               <a:buNone/>
-              <a:defRPr sz="3500"/>
+              <a:defRPr sz="2940"/>
             </a:lvl2pPr>
-            <a:lvl3pPr marL="2286000" indent="0">
+            <a:lvl3pPr marL="1920240" indent="0">
               <a:buNone/>
-              <a:defRPr sz="3000"/>
+              <a:defRPr sz="2520"/>
             </a:lvl3pPr>
-            <a:lvl4pPr marL="3429000" indent="0">
+            <a:lvl4pPr marL="2880360" indent="0">
               <a:buNone/>
-              <a:defRPr sz="2500"/>
+              <a:defRPr sz="2100"/>
             </a:lvl4pPr>
-            <a:lvl5pPr marL="4572000" indent="0">
+            <a:lvl5pPr marL="3840480" indent="0">
               <a:buNone/>
-              <a:defRPr sz="2500"/>
+              <a:defRPr sz="2100"/>
             </a:lvl5pPr>
-            <a:lvl6pPr marL="5715000" indent="0">
+            <a:lvl6pPr marL="4800600" indent="0">
               <a:buNone/>
-              <a:defRPr sz="2500"/>
+              <a:defRPr sz="2100"/>
             </a:lvl6pPr>
-            <a:lvl7pPr marL="6858000" indent="0">
+            <a:lvl7pPr marL="5760720" indent="0">
               <a:buNone/>
-              <a:defRPr sz="2500"/>
+              <a:defRPr sz="2100"/>
             </a:lvl7pPr>
-            <a:lvl8pPr marL="8001000" indent="0">
+            <a:lvl8pPr marL="6720840" indent="0">
               <a:buNone/>
-              <a:defRPr sz="2500"/>
+              <a:defRPr sz="2100"/>
             </a:lvl8pPr>
-            <a:lvl9pPr marL="9144000" indent="0">
+            <a:lvl9pPr marL="7680960" indent="0">
               <a:buNone/>
-              <a:defRPr sz="2500"/>
+              <a:defRPr sz="2100"/>
             </a:lvl9pPr>
           </a:lstStyle>
           <a:p>
@@ -2794,7 +2794,7 @@
           <a:p>
             <a:fld id="{BA05AF01-4F0E-4718-A4C1-DFCBB47EE5F2}" type="datetimeFigureOut">
               <a:rPr lang="en-US" smtClean="0"/>
-              <a:t>11/17/2021</a:t>
+              <a:t>11/19/2021</a:t>
             </a:fld>
             <a:endParaRPr lang="en-US"/>
           </a:p>
@@ -2845,7 +2845,7 @@
     </p:spTree>
     <p:extLst>
       <p:ext uri="{BB962C8B-B14F-4D97-AF65-F5344CB8AC3E}">
-        <p14:creationId xmlns:p14="http://schemas.microsoft.com/office/powerpoint/2010/main" val="3913114021"/>
+        <p14:creationId xmlns:p14="http://schemas.microsoft.com/office/powerpoint/2010/main" val="1923209105"/>
       </p:ext>
     </p:extLst>
   </p:cSld>
@@ -2889,8 +2889,8 @@
         </p:nvSpPr>
         <p:spPr>
           <a:xfrm>
-            <a:off x="1571625" y="1168405"/>
-            <a:ext cx="19716750" cy="4241802"/>
+            <a:off x="1320165" y="973671"/>
+            <a:ext cx="16562070" cy="3534835"/>
           </a:xfrm>
           <a:prstGeom prst="rect">
             <a:avLst/>
@@ -2922,8 +2922,8 @@
         </p:nvSpPr>
         <p:spPr>
           <a:xfrm>
-            <a:off x="1571625" y="5842000"/>
-            <a:ext cx="19716750" cy="13924282"/>
+            <a:off x="1320165" y="4868333"/>
+            <a:ext cx="16562070" cy="11603568"/>
           </a:xfrm>
           <a:prstGeom prst="rect">
             <a:avLst/>
@@ -2984,8 +2984,8 @@
         </p:nvSpPr>
         <p:spPr>
           <a:xfrm>
-            <a:off x="1571625" y="20340325"/>
-            <a:ext cx="5143500" cy="1168400"/>
+            <a:off x="1320165" y="16950271"/>
+            <a:ext cx="4320540" cy="973667"/>
           </a:xfrm>
           <a:prstGeom prst="rect">
             <a:avLst/>
@@ -2995,7 +2995,7 @@
           <a:bodyPr vert="horz" lIns="91440" tIns="45720" rIns="91440" bIns="45720" rtlCol="0" anchor="ctr"/>
           <a:lstStyle>
             <a:lvl1pPr algn="l">
-              <a:defRPr sz="3000">
+              <a:defRPr sz="2520">
                 <a:solidFill>
                   <a:schemeClr val="tx1">
                     <a:tint val="75000"/>
@@ -3007,7 +3007,7 @@
           <a:p>
             <a:fld id="{BA05AF01-4F0E-4718-A4C1-DFCBB47EE5F2}" type="datetimeFigureOut">
               <a:rPr lang="en-US" smtClean="0"/>
-              <a:t>11/17/2021</a:t>
+              <a:t>11/19/2021</a:t>
             </a:fld>
             <a:endParaRPr lang="en-US"/>
           </a:p>
@@ -3025,8 +3025,8 @@
         </p:nvSpPr>
         <p:spPr>
           <a:xfrm>
-            <a:off x="7572375" y="20340325"/>
-            <a:ext cx="7715250" cy="1168400"/>
+            <a:off x="6360795" y="16950271"/>
+            <a:ext cx="6480810" cy="973667"/>
           </a:xfrm>
           <a:prstGeom prst="rect">
             <a:avLst/>
@@ -3036,7 +3036,7 @@
           <a:bodyPr vert="horz" lIns="91440" tIns="45720" rIns="91440" bIns="45720" rtlCol="0" anchor="ctr"/>
           <a:lstStyle>
             <a:lvl1pPr algn="ctr">
-              <a:defRPr sz="3000">
+              <a:defRPr sz="2520">
                 <a:solidFill>
                   <a:schemeClr val="tx1">
                     <a:tint val="75000"/>
@@ -3062,8 +3062,8 @@
         </p:nvSpPr>
         <p:spPr>
           <a:xfrm>
-            <a:off x="16144875" y="20340325"/>
-            <a:ext cx="5143500" cy="1168400"/>
+            <a:off x="13561695" y="16950271"/>
+            <a:ext cx="4320540" cy="973667"/>
           </a:xfrm>
           <a:prstGeom prst="rect">
             <a:avLst/>
@@ -3073,7 +3073,7 @@
           <a:bodyPr vert="horz" lIns="91440" tIns="45720" rIns="91440" bIns="45720" rtlCol="0" anchor="ctr"/>
           <a:lstStyle>
             <a:lvl1pPr algn="r">
-              <a:defRPr sz="3000">
+              <a:defRPr sz="2520">
                 <a:solidFill>
                   <a:schemeClr val="tx1">
                     <a:tint val="75000"/>
@@ -3094,27 +3094,27 @@
     </p:spTree>
     <p:extLst>
       <p:ext uri="{BB962C8B-B14F-4D97-AF65-F5344CB8AC3E}">
-        <p14:creationId xmlns:p14="http://schemas.microsoft.com/office/powerpoint/2010/main" val="3206866701"/>
+        <p14:creationId xmlns:p14="http://schemas.microsoft.com/office/powerpoint/2010/main" val="2091846828"/>
       </p:ext>
     </p:extLst>
   </p:cSld>
   <p:clrMap bg1="lt1" tx1="dk1" bg2="lt2" tx2="dk2" accent1="accent1" accent2="accent2" accent3="accent3" accent4="accent4" accent5="accent5" accent6="accent6" hlink="hlink" folHlink="folHlink"/>
   <p:sldLayoutIdLst>
-    <p:sldLayoutId id="2147483889" r:id="rId1"/>
-    <p:sldLayoutId id="2147483890" r:id="rId2"/>
-    <p:sldLayoutId id="2147483891" r:id="rId3"/>
-    <p:sldLayoutId id="2147483892" r:id="rId4"/>
-    <p:sldLayoutId id="2147483893" r:id="rId5"/>
-    <p:sldLayoutId id="2147483894" r:id="rId6"/>
-    <p:sldLayoutId id="2147483895" r:id="rId7"/>
-    <p:sldLayoutId id="2147483896" r:id="rId8"/>
-    <p:sldLayoutId id="2147483897" r:id="rId9"/>
-    <p:sldLayoutId id="2147483898" r:id="rId10"/>
-    <p:sldLayoutId id="2147483899" r:id="rId11"/>
+    <p:sldLayoutId id="2147483901" r:id="rId1"/>
+    <p:sldLayoutId id="2147483902" r:id="rId2"/>
+    <p:sldLayoutId id="2147483903" r:id="rId3"/>
+    <p:sldLayoutId id="2147483904" r:id="rId4"/>
+    <p:sldLayoutId id="2147483905" r:id="rId5"/>
+    <p:sldLayoutId id="2147483906" r:id="rId6"/>
+    <p:sldLayoutId id="2147483907" r:id="rId7"/>
+    <p:sldLayoutId id="2147483908" r:id="rId8"/>
+    <p:sldLayoutId id="2147483909" r:id="rId9"/>
+    <p:sldLayoutId id="2147483910" r:id="rId10"/>
+    <p:sldLayoutId id="2147483911" r:id="rId11"/>
   </p:sldLayoutIdLst>
   <p:txStyles>
     <p:titleStyle>
-      <a:lvl1pPr algn="l" defTabSz="2286000" rtl="0" eaLnBrk="1" latinLnBrk="0" hangingPunct="1">
+      <a:lvl1pPr algn="l" defTabSz="1920240" rtl="0" eaLnBrk="1" latinLnBrk="0" hangingPunct="1">
         <a:lnSpc>
           <a:spcPct val="90000"/>
         </a:lnSpc>
@@ -3122,7 +3122,7 @@
           <a:spcPct val="0"/>
         </a:spcBef>
         <a:buNone/>
-        <a:defRPr sz="11000" kern="1200">
+        <a:defRPr sz="9240" kern="1200">
           <a:solidFill>
             <a:schemeClr val="tx1"/>
           </a:solidFill>
@@ -3133,16 +3133,16 @@
       </a:lvl1pPr>
     </p:titleStyle>
     <p:bodyStyle>
-      <a:lvl1pPr marL="571500" indent="-571500" algn="l" defTabSz="2286000" rtl="0" eaLnBrk="1" latinLnBrk="0" hangingPunct="1">
+      <a:lvl1pPr marL="480060" indent="-480060" algn="l" defTabSz="1920240" rtl="0" eaLnBrk="1" latinLnBrk="0" hangingPunct="1">
         <a:lnSpc>
           <a:spcPct val="90000"/>
         </a:lnSpc>
         <a:spcBef>
-          <a:spcPts val="2500"/>
+          <a:spcPts val="2100"/>
         </a:spcBef>
         <a:buFont typeface="Arial" panose="020B0604020202020204" pitchFamily="34" charset="0"/>
         <a:buChar char="•"/>
-        <a:defRPr sz="7000" kern="1200">
+        <a:defRPr sz="5880" kern="1200">
           <a:solidFill>
             <a:schemeClr val="tx1"/>
           </a:solidFill>
@@ -3151,16 +3151,16 @@
           <a:cs typeface="+mn-cs"/>
         </a:defRPr>
       </a:lvl1pPr>
-      <a:lvl2pPr marL="1714500" indent="-571500" algn="l" defTabSz="2286000" rtl="0" eaLnBrk="1" latinLnBrk="0" hangingPunct="1">
+      <a:lvl2pPr marL="1440180" indent="-480060" algn="l" defTabSz="1920240" rtl="0" eaLnBrk="1" latinLnBrk="0" hangingPunct="1">
         <a:lnSpc>
           <a:spcPct val="90000"/>
         </a:lnSpc>
         <a:spcBef>
-          <a:spcPts val="1250"/>
+          <a:spcPts val="1050"/>
         </a:spcBef>
         <a:buFont typeface="Arial" panose="020B0604020202020204" pitchFamily="34" charset="0"/>
         <a:buChar char="•"/>
-        <a:defRPr sz="6000" kern="1200">
+        <a:defRPr sz="5040" kern="1200">
           <a:solidFill>
             <a:schemeClr val="tx1"/>
           </a:solidFill>
@@ -3169,16 +3169,16 @@
           <a:cs typeface="+mn-cs"/>
         </a:defRPr>
       </a:lvl2pPr>
-      <a:lvl3pPr marL="2857500" indent="-571500" algn="l" defTabSz="2286000" rtl="0" eaLnBrk="1" latinLnBrk="0" hangingPunct="1">
+      <a:lvl3pPr marL="2400300" indent="-480060" algn="l" defTabSz="1920240" rtl="0" eaLnBrk="1" latinLnBrk="0" hangingPunct="1">
         <a:lnSpc>
           <a:spcPct val="90000"/>
         </a:lnSpc>
         <a:spcBef>
-          <a:spcPts val="1250"/>
+          <a:spcPts val="1050"/>
         </a:spcBef>
         <a:buFont typeface="Arial" panose="020B0604020202020204" pitchFamily="34" charset="0"/>
         <a:buChar char="•"/>
-        <a:defRPr sz="5000" kern="1200">
+        <a:defRPr sz="4200" kern="1200">
           <a:solidFill>
             <a:schemeClr val="tx1"/>
           </a:solidFill>
@@ -3187,16 +3187,16 @@
           <a:cs typeface="+mn-cs"/>
         </a:defRPr>
       </a:lvl3pPr>
-      <a:lvl4pPr marL="4000500" indent="-571500" algn="l" defTabSz="2286000" rtl="0" eaLnBrk="1" latinLnBrk="0" hangingPunct="1">
+      <a:lvl4pPr marL="3360420" indent="-480060" algn="l" defTabSz="1920240" rtl="0" eaLnBrk="1" latinLnBrk="0" hangingPunct="1">
         <a:lnSpc>
           <a:spcPct val="90000"/>
         </a:lnSpc>
         <a:spcBef>
-          <a:spcPts val="1250"/>
+          <a:spcPts val="1050"/>
         </a:spcBef>
         <a:buFont typeface="Arial" panose="020B0604020202020204" pitchFamily="34" charset="0"/>
         <a:buChar char="•"/>
-        <a:defRPr sz="4500" kern="1200">
+        <a:defRPr sz="3780" kern="1200">
           <a:solidFill>
             <a:schemeClr val="tx1"/>
           </a:solidFill>
@@ -3205,16 +3205,16 @@
           <a:cs typeface="+mn-cs"/>
         </a:defRPr>
       </a:lvl4pPr>
-      <a:lvl5pPr marL="5143500" indent="-571500" algn="l" defTabSz="2286000" rtl="0" eaLnBrk="1" latinLnBrk="0" hangingPunct="1">
+      <a:lvl5pPr marL="4320540" indent="-480060" algn="l" defTabSz="1920240" rtl="0" eaLnBrk="1" latinLnBrk="0" hangingPunct="1">
         <a:lnSpc>
           <a:spcPct val="90000"/>
         </a:lnSpc>
         <a:spcBef>
-          <a:spcPts val="1250"/>
+          <a:spcPts val="1050"/>
         </a:spcBef>
         <a:buFont typeface="Arial" panose="020B0604020202020204" pitchFamily="34" charset="0"/>
         <a:buChar char="•"/>
-        <a:defRPr sz="4500" kern="1200">
+        <a:defRPr sz="3780" kern="1200">
           <a:solidFill>
             <a:schemeClr val="tx1"/>
           </a:solidFill>
@@ -3223,16 +3223,16 @@
           <a:cs typeface="+mn-cs"/>
         </a:defRPr>
       </a:lvl5pPr>
-      <a:lvl6pPr marL="6286500" indent="-571500" algn="l" defTabSz="2286000" rtl="0" eaLnBrk="1" latinLnBrk="0" hangingPunct="1">
+      <a:lvl6pPr marL="5280660" indent="-480060" algn="l" defTabSz="1920240" rtl="0" eaLnBrk="1" latinLnBrk="0" hangingPunct="1">
         <a:lnSpc>
           <a:spcPct val="90000"/>
         </a:lnSpc>
         <a:spcBef>
-          <a:spcPts val="1250"/>
+          <a:spcPts val="1050"/>
         </a:spcBef>
         <a:buFont typeface="Arial" panose="020B0604020202020204" pitchFamily="34" charset="0"/>
         <a:buChar char="•"/>
-        <a:defRPr sz="4500" kern="1200">
+        <a:defRPr sz="3780" kern="1200">
           <a:solidFill>
             <a:schemeClr val="tx1"/>
           </a:solidFill>
@@ -3241,16 +3241,16 @@
           <a:cs typeface="+mn-cs"/>
         </a:defRPr>
       </a:lvl6pPr>
-      <a:lvl7pPr marL="7429500" indent="-571500" algn="l" defTabSz="2286000" rtl="0" eaLnBrk="1" latinLnBrk="0" hangingPunct="1">
+      <a:lvl7pPr marL="6240780" indent="-480060" algn="l" defTabSz="1920240" rtl="0" eaLnBrk="1" latinLnBrk="0" hangingPunct="1">
         <a:lnSpc>
           <a:spcPct val="90000"/>
         </a:lnSpc>
         <a:spcBef>
-          <a:spcPts val="1250"/>
+          <a:spcPts val="1050"/>
         </a:spcBef>
         <a:buFont typeface="Arial" panose="020B0604020202020204" pitchFamily="34" charset="0"/>
         <a:buChar char="•"/>
-        <a:defRPr sz="4500" kern="1200">
+        <a:defRPr sz="3780" kern="1200">
           <a:solidFill>
             <a:schemeClr val="tx1"/>
           </a:solidFill>
@@ -3259,16 +3259,16 @@
           <a:cs typeface="+mn-cs"/>
         </a:defRPr>
       </a:lvl7pPr>
-      <a:lvl8pPr marL="8572500" indent="-571500" algn="l" defTabSz="2286000" rtl="0" eaLnBrk="1" latinLnBrk="0" hangingPunct="1">
+      <a:lvl8pPr marL="7200900" indent="-480060" algn="l" defTabSz="1920240" rtl="0" eaLnBrk="1" latinLnBrk="0" hangingPunct="1">
         <a:lnSpc>
           <a:spcPct val="90000"/>
         </a:lnSpc>
         <a:spcBef>
-          <a:spcPts val="1250"/>
+          <a:spcPts val="1050"/>
         </a:spcBef>
         <a:buFont typeface="Arial" panose="020B0604020202020204" pitchFamily="34" charset="0"/>
         <a:buChar char="•"/>
-        <a:defRPr sz="4500" kern="1200">
+        <a:defRPr sz="3780" kern="1200">
           <a:solidFill>
             <a:schemeClr val="tx1"/>
           </a:solidFill>
@@ -3277,16 +3277,16 @@
           <a:cs typeface="+mn-cs"/>
         </a:defRPr>
       </a:lvl8pPr>
-      <a:lvl9pPr marL="9715500" indent="-571500" algn="l" defTabSz="2286000" rtl="0" eaLnBrk="1" latinLnBrk="0" hangingPunct="1">
+      <a:lvl9pPr marL="8161020" indent="-480060" algn="l" defTabSz="1920240" rtl="0" eaLnBrk="1" latinLnBrk="0" hangingPunct="1">
         <a:lnSpc>
           <a:spcPct val="90000"/>
         </a:lnSpc>
         <a:spcBef>
-          <a:spcPts val="1250"/>
+          <a:spcPts val="1050"/>
         </a:spcBef>
         <a:buFont typeface="Arial" panose="020B0604020202020204" pitchFamily="34" charset="0"/>
         <a:buChar char="•"/>
-        <a:defRPr sz="4500" kern="1200">
+        <a:defRPr sz="3780" kern="1200">
           <a:solidFill>
             <a:schemeClr val="tx1"/>
           </a:solidFill>
@@ -3300,8 +3300,8 @@
       <a:defPPr>
         <a:defRPr lang="en-US"/>
       </a:defPPr>
-      <a:lvl1pPr marL="0" algn="l" defTabSz="2286000" rtl="0" eaLnBrk="1" latinLnBrk="0" hangingPunct="1">
-        <a:defRPr sz="4500" kern="1200">
+      <a:lvl1pPr marL="0" algn="l" defTabSz="1920240" rtl="0" eaLnBrk="1" latinLnBrk="0" hangingPunct="1">
+        <a:defRPr sz="3780" kern="1200">
           <a:solidFill>
             <a:schemeClr val="tx1"/>
           </a:solidFill>
@@ -3310,8 +3310,8 @@
           <a:cs typeface="+mn-cs"/>
         </a:defRPr>
       </a:lvl1pPr>
-      <a:lvl2pPr marL="1143000" algn="l" defTabSz="2286000" rtl="0" eaLnBrk="1" latinLnBrk="0" hangingPunct="1">
-        <a:defRPr sz="4500" kern="1200">
+      <a:lvl2pPr marL="960120" algn="l" defTabSz="1920240" rtl="0" eaLnBrk="1" latinLnBrk="0" hangingPunct="1">
+        <a:defRPr sz="3780" kern="1200">
           <a:solidFill>
             <a:schemeClr val="tx1"/>
           </a:solidFill>
@@ -3320,8 +3320,8 @@
           <a:cs typeface="+mn-cs"/>
         </a:defRPr>
       </a:lvl2pPr>
-      <a:lvl3pPr marL="2286000" algn="l" defTabSz="2286000" rtl="0" eaLnBrk="1" latinLnBrk="0" hangingPunct="1">
-        <a:defRPr sz="4500" kern="1200">
+      <a:lvl3pPr marL="1920240" algn="l" defTabSz="1920240" rtl="0" eaLnBrk="1" latinLnBrk="0" hangingPunct="1">
+        <a:defRPr sz="3780" kern="1200">
           <a:solidFill>
             <a:schemeClr val="tx1"/>
           </a:solidFill>
@@ -3330,8 +3330,8 @@
           <a:cs typeface="+mn-cs"/>
         </a:defRPr>
       </a:lvl3pPr>
-      <a:lvl4pPr marL="3429000" algn="l" defTabSz="2286000" rtl="0" eaLnBrk="1" latinLnBrk="0" hangingPunct="1">
-        <a:defRPr sz="4500" kern="1200">
+      <a:lvl4pPr marL="2880360" algn="l" defTabSz="1920240" rtl="0" eaLnBrk="1" latinLnBrk="0" hangingPunct="1">
+        <a:defRPr sz="3780" kern="1200">
           <a:solidFill>
             <a:schemeClr val="tx1"/>
           </a:solidFill>
@@ -3340,8 +3340,8 @@
           <a:cs typeface="+mn-cs"/>
         </a:defRPr>
       </a:lvl4pPr>
-      <a:lvl5pPr marL="4572000" algn="l" defTabSz="2286000" rtl="0" eaLnBrk="1" latinLnBrk="0" hangingPunct="1">
-        <a:defRPr sz="4500" kern="1200">
+      <a:lvl5pPr marL="3840480" algn="l" defTabSz="1920240" rtl="0" eaLnBrk="1" latinLnBrk="0" hangingPunct="1">
+        <a:defRPr sz="3780" kern="1200">
           <a:solidFill>
             <a:schemeClr val="tx1"/>
           </a:solidFill>
@@ -3350,8 +3350,8 @@
           <a:cs typeface="+mn-cs"/>
         </a:defRPr>
       </a:lvl5pPr>
-      <a:lvl6pPr marL="5715000" algn="l" defTabSz="2286000" rtl="0" eaLnBrk="1" latinLnBrk="0" hangingPunct="1">
-        <a:defRPr sz="4500" kern="1200">
+      <a:lvl6pPr marL="4800600" algn="l" defTabSz="1920240" rtl="0" eaLnBrk="1" latinLnBrk="0" hangingPunct="1">
+        <a:defRPr sz="3780" kern="1200">
           <a:solidFill>
             <a:schemeClr val="tx1"/>
           </a:solidFill>
@@ -3360,8 +3360,8 @@
           <a:cs typeface="+mn-cs"/>
         </a:defRPr>
       </a:lvl6pPr>
-      <a:lvl7pPr marL="6858000" algn="l" defTabSz="2286000" rtl="0" eaLnBrk="1" latinLnBrk="0" hangingPunct="1">
-        <a:defRPr sz="4500" kern="1200">
+      <a:lvl7pPr marL="5760720" algn="l" defTabSz="1920240" rtl="0" eaLnBrk="1" latinLnBrk="0" hangingPunct="1">
+        <a:defRPr sz="3780" kern="1200">
           <a:solidFill>
             <a:schemeClr val="tx1"/>
           </a:solidFill>
@@ -3370,8 +3370,8 @@
           <a:cs typeface="+mn-cs"/>
         </a:defRPr>
       </a:lvl7pPr>
-      <a:lvl8pPr marL="8001000" algn="l" defTabSz="2286000" rtl="0" eaLnBrk="1" latinLnBrk="0" hangingPunct="1">
-        <a:defRPr sz="4500" kern="1200">
+      <a:lvl8pPr marL="6720840" algn="l" defTabSz="1920240" rtl="0" eaLnBrk="1" latinLnBrk="0" hangingPunct="1">
+        <a:defRPr sz="3780" kern="1200">
           <a:solidFill>
             <a:schemeClr val="tx1"/>
           </a:solidFill>
@@ -3380,8 +3380,8 @@
           <a:cs typeface="+mn-cs"/>
         </a:defRPr>
       </a:lvl8pPr>
-      <a:lvl9pPr marL="9144000" algn="l" defTabSz="2286000" rtl="0" eaLnBrk="1" latinLnBrk="0" hangingPunct="1">
-        <a:defRPr sz="4500" kern="1200">
+      <a:lvl9pPr marL="7680960" algn="l" defTabSz="1920240" rtl="0" eaLnBrk="1" latinLnBrk="0" hangingPunct="1">
+        <a:defRPr sz="3780" kern="1200">
           <a:solidFill>
             <a:schemeClr val="tx1"/>
           </a:solidFill>
@@ -3412,12 +3412,121 @@
           <a:chExt cx="0" cy="0"/>
         </a:xfrm>
       </p:grpSpPr>
+      <p:sp>
+        <p:nvSpPr>
+          <p:cNvPr id="25" name="TextBox 24">
+            <a:extLst>
+              <a:ext uri="{FF2B5EF4-FFF2-40B4-BE49-F238E27FC236}">
+                <a16:creationId xmlns:a16="http://schemas.microsoft.com/office/drawing/2014/main" id="{8DFA5ECB-6CA6-4F27-807D-6A189A005588}"/>
+              </a:ext>
+            </a:extLst>
+          </p:cNvPr>
+          <p:cNvSpPr txBox="1"/>
+          <p:nvPr/>
+        </p:nvSpPr>
+        <p:spPr>
+          <a:xfrm>
+            <a:off x="557074" y="8066628"/>
+            <a:ext cx="836834" cy="707886"/>
+          </a:xfrm>
+          <a:prstGeom prst="rect">
+            <a:avLst/>
+          </a:prstGeom>
+          <a:noFill/>
+        </p:spPr>
+        <p:txBody>
+          <a:bodyPr wrap="square" rtlCol="0">
+            <a:spAutoFit/>
+          </a:bodyPr>
+          <a:lstStyle/>
+          <a:p>
+            <a:r>
+              <a:rPr lang="en-US" sz="4000" b="1" dirty="0">
+                <a:latin typeface="Times New Roman" panose="02020603050405020304" pitchFamily="18" charset="0"/>
+                <a:cs typeface="Times New Roman" panose="02020603050405020304" pitchFamily="18" charset="0"/>
+              </a:rPr>
+              <a:t>C</a:t>
+            </a:r>
+          </a:p>
+        </p:txBody>
+      </p:sp>
+      <p:sp>
+        <p:nvSpPr>
+          <p:cNvPr id="71" name="TextBox 70">
+            <a:extLst>
+              <a:ext uri="{FF2B5EF4-FFF2-40B4-BE49-F238E27FC236}">
+                <a16:creationId xmlns:a16="http://schemas.microsoft.com/office/drawing/2014/main" id="{EDB09EDB-853F-4EC5-83C3-85497C4D6B8E}"/>
+              </a:ext>
+            </a:extLst>
+          </p:cNvPr>
+          <p:cNvSpPr txBox="1"/>
+          <p:nvPr/>
+        </p:nvSpPr>
+        <p:spPr>
+          <a:xfrm>
+            <a:off x="4188048" y="12206352"/>
+            <a:ext cx="3375678" cy="477054"/>
+          </a:xfrm>
+          <a:prstGeom prst="rect">
+            <a:avLst/>
+          </a:prstGeom>
+          <a:solidFill>
+            <a:schemeClr val="bg1"/>
+          </a:solidFill>
+        </p:spPr>
+        <p:txBody>
+          <a:bodyPr wrap="square" rtlCol="0">
+            <a:spAutoFit/>
+          </a:bodyPr>
+          <a:lstStyle/>
+          <a:p>
+            <a:pPr algn="ctr"/>
+            <a:r>
+              <a:rPr lang="en-US" sz="2500" b="1" dirty="0">
+                <a:latin typeface="Times New Roman" panose="02020603050405020304" pitchFamily="18" charset="0"/>
+                <a:cs typeface="Times New Roman" panose="02020603050405020304" pitchFamily="18" charset="0"/>
+              </a:rPr>
+              <a:t>Anidulafungin</a:t>
+            </a:r>
+          </a:p>
+        </p:txBody>
+      </p:sp>
+      <p:pic>
+        <p:nvPicPr>
+          <p:cNvPr id="13" name="Picture 12">
+            <a:extLst>
+              <a:ext uri="{FF2B5EF4-FFF2-40B4-BE49-F238E27FC236}">
+                <a16:creationId xmlns:a16="http://schemas.microsoft.com/office/drawing/2014/main" id="{BF80C24D-407B-402F-86A3-05F16F6A39B1}"/>
+              </a:ext>
+            </a:extLst>
+          </p:cNvPr>
+          <p:cNvPicPr>
+            <a:picLocks noChangeAspect="1"/>
+          </p:cNvPicPr>
+          <p:nvPr/>
+        </p:nvPicPr>
+        <p:blipFill>
+          <a:blip r:embed="rId3"/>
+          <a:stretch>
+            <a:fillRect/>
+          </a:stretch>
+        </p:blipFill>
+        <p:spPr>
+          <a:xfrm>
+            <a:off x="2836990" y="8612924"/>
+            <a:ext cx="6825152" cy="3377146"/>
+          </a:xfrm>
+          <a:prstGeom prst="rect">
+            <a:avLst/>
+          </a:prstGeom>
+        </p:spPr>
+      </p:pic>
       <p:grpSp>
         <p:nvGrpSpPr>
-          <p:cNvPr id="4" name="Group 3">
+          <p:cNvPr id="30" name="Group 29">
             <a:extLst>
               <a:ext uri="{FF2B5EF4-FFF2-40B4-BE49-F238E27FC236}">
-                <a16:creationId xmlns:a16="http://schemas.microsoft.com/office/drawing/2014/main" id="{B8E8600A-4D77-4E67-9587-848846E03EB4}"/>
+                <a16:creationId xmlns:a16="http://schemas.microsoft.com/office/drawing/2014/main" id="{E18254A2-1BEC-40A8-BFD1-9C3B965C99F4}"/>
               </a:ext>
             </a:extLst>
           </p:cNvPr>
@@ -3426,18 +3535,48 @@
         </p:nvGrpSpPr>
         <p:grpSpPr>
           <a:xfrm>
-            <a:off x="290893" y="12761954"/>
-            <a:ext cx="10926573" cy="9040642"/>
-            <a:chOff x="-270850" y="12535685"/>
-            <a:chExt cx="10926573" cy="9040642"/>
+            <a:off x="2713992" y="12481491"/>
+            <a:ext cx="6371947" cy="4966287"/>
+            <a:chOff x="4223648" y="15734158"/>
+            <a:chExt cx="3963705" cy="3073825"/>
           </a:xfrm>
         </p:grpSpPr>
+        <p:pic>
+          <p:nvPicPr>
+            <p:cNvPr id="21" name="Picture 20">
+              <a:extLst>
+                <a:ext uri="{FF2B5EF4-FFF2-40B4-BE49-F238E27FC236}">
+                  <a16:creationId xmlns:a16="http://schemas.microsoft.com/office/drawing/2014/main" id="{2F3C1E16-FFB0-4DB7-B3C2-3E1285F901B2}"/>
+                </a:ext>
+              </a:extLst>
+            </p:cNvPr>
+            <p:cNvPicPr>
+              <a:picLocks noChangeAspect="1"/>
+            </p:cNvPicPr>
+            <p:nvPr/>
+          </p:nvPicPr>
+          <p:blipFill>
+            <a:blip r:embed="rId4"/>
+            <a:stretch>
+              <a:fillRect/>
+            </a:stretch>
+          </p:blipFill>
+          <p:spPr>
+            <a:xfrm>
+              <a:off x="4506376" y="15850662"/>
+              <a:ext cx="3423512" cy="2153209"/>
+            </a:xfrm>
+            <a:prstGeom prst="rect">
+              <a:avLst/>
+            </a:prstGeom>
+          </p:spPr>
+        </p:pic>
         <p:sp>
           <p:nvSpPr>
-            <p:cNvPr id="25" name="TextBox 24">
+            <p:cNvPr id="22" name="TextBox 21">
               <a:extLst>
                 <a:ext uri="{FF2B5EF4-FFF2-40B4-BE49-F238E27FC236}">
-                  <a16:creationId xmlns:a16="http://schemas.microsoft.com/office/drawing/2014/main" id="{8DFA5ECB-6CA6-4F27-807D-6A189A005588}"/>
+                  <a16:creationId xmlns:a16="http://schemas.microsoft.com/office/drawing/2014/main" id="{593CFE39-BE15-45C2-B387-A95645C7889A}"/>
                 </a:ext>
               </a:extLst>
             </p:cNvPr>
@@ -3445,9 +3584,9 @@
             <p:nvPr/>
           </p:nvSpPr>
           <p:spPr>
-            <a:xfrm>
-              <a:off x="-270850" y="12535685"/>
-              <a:ext cx="836834" cy="584775"/>
+            <a:xfrm rot="16200000">
+              <a:off x="3644266" y="16326275"/>
+              <a:ext cx="1504321" cy="320088"/>
             </a:xfrm>
             <a:prstGeom prst="rect">
               <a:avLst/>
@@ -3461,51 +3600,163 @@
             <a:lstStyle/>
             <a:p>
               <a:r>
-                <a:rPr lang="en-US" sz="3200" b="1" dirty="0">
+                <a:rPr lang="en-US" sz="2000" dirty="0">
+                  <a:solidFill>
+                    <a:srgbClr val="0000F8"/>
+                  </a:solidFill>
                   <a:latin typeface="Times New Roman" panose="02020603050405020304" pitchFamily="18" charset="0"/>
                   <a:cs typeface="Times New Roman" panose="02020603050405020304" pitchFamily="18" charset="0"/>
                 </a:rPr>
-                <a:t>C</a:t>
+                <a:t>% Inhibition</a:t>
               </a:r>
             </a:p>
           </p:txBody>
         </p:sp>
-        <p:pic>
-          <p:nvPicPr>
-            <p:cNvPr id="17" name="Picture 16">
+        <p:sp>
+          <p:nvSpPr>
+            <p:cNvPr id="74" name="TextBox 73">
               <a:extLst>
                 <a:ext uri="{FF2B5EF4-FFF2-40B4-BE49-F238E27FC236}">
-                  <a16:creationId xmlns:a16="http://schemas.microsoft.com/office/drawing/2014/main" id="{3F4096E0-3731-4642-AF22-1567F3308AD2}"/>
+                  <a16:creationId xmlns:a16="http://schemas.microsoft.com/office/drawing/2014/main" id="{0E60287A-9E18-49AA-A89D-CCC1D89E5F53}"/>
                 </a:ext>
               </a:extLst>
             </p:cNvPr>
-            <p:cNvPicPr>
-              <a:picLocks noChangeAspect="1"/>
-            </p:cNvPicPr>
+            <p:cNvSpPr txBox="1"/>
             <p:nvPr/>
-          </p:nvPicPr>
-          <p:blipFill>
-            <a:blip r:embed="rId3"/>
-            <a:stretch>
-              <a:fillRect/>
-            </a:stretch>
-          </p:blipFill>
+          </p:nvSpPr>
           <p:spPr>
-            <a:xfrm>
-              <a:off x="6611578" y="12693936"/>
-              <a:ext cx="2988469" cy="3345656"/>
+            <a:xfrm rot="5400000">
+              <a:off x="7211768" y="17073882"/>
+              <a:ext cx="1504321" cy="320088"/>
             </a:xfrm>
             <a:prstGeom prst="rect">
               <a:avLst/>
             </a:prstGeom>
+            <a:noFill/>
           </p:spPr>
-        </p:pic>
+          <p:txBody>
+            <a:bodyPr wrap="square" rtlCol="0">
+              <a:spAutoFit/>
+            </a:bodyPr>
+            <a:lstStyle/>
+            <a:p>
+              <a:r>
+                <a:rPr lang="en-US" sz="2000" dirty="0">
+                  <a:solidFill>
+                    <a:srgbClr val="F7080B"/>
+                  </a:solidFill>
+                  <a:latin typeface="Times New Roman" panose="02020603050405020304" pitchFamily="18" charset="0"/>
+                  <a:cs typeface="Times New Roman" panose="02020603050405020304" pitchFamily="18" charset="0"/>
+                </a:rPr>
+                <a:t>% Cell ratio</a:t>
+              </a:r>
+            </a:p>
+          </p:txBody>
+        </p:sp>
         <p:sp>
           <p:nvSpPr>
-            <p:cNvPr id="68" name="TextBox 67">
+            <p:cNvPr id="24" name="Rectangle 23">
               <a:extLst>
                 <a:ext uri="{FF2B5EF4-FFF2-40B4-BE49-F238E27FC236}">
-                  <a16:creationId xmlns:a16="http://schemas.microsoft.com/office/drawing/2014/main" id="{B8B36C3A-51B7-4796-A434-CE056FBF3424}"/>
+                  <a16:creationId xmlns:a16="http://schemas.microsoft.com/office/drawing/2014/main" id="{9D8F4083-E7D0-4F02-A037-3B1FD4BC8F80}"/>
+                </a:ext>
+              </a:extLst>
+            </p:cNvPr>
+            <p:cNvSpPr/>
+            <p:nvPr/>
+          </p:nvSpPr>
+          <p:spPr>
+            <a:xfrm>
+              <a:off x="4223648" y="17292324"/>
+              <a:ext cx="258690" cy="204716"/>
+            </a:xfrm>
+            <a:prstGeom prst="rect">
+              <a:avLst/>
+            </a:prstGeom>
+            <a:solidFill>
+              <a:srgbClr val="0201FC"/>
+            </a:solidFill>
+          </p:spPr>
+          <p:style>
+            <a:lnRef idx="2">
+              <a:schemeClr val="accent1">
+                <a:shade val="50000"/>
+              </a:schemeClr>
+            </a:lnRef>
+            <a:fillRef idx="1">
+              <a:schemeClr val="accent1"/>
+            </a:fillRef>
+            <a:effectRef idx="0">
+              <a:schemeClr val="accent1"/>
+            </a:effectRef>
+            <a:fontRef idx="minor">
+              <a:schemeClr val="lt1"/>
+            </a:fontRef>
+          </p:style>
+          <p:txBody>
+            <a:bodyPr rtlCol="0" anchor="ctr"/>
+            <a:lstStyle/>
+            <a:p>
+              <a:pPr algn="ctr"/>
+              <a:endParaRPr lang="en-US" sz="3068"/>
+            </a:p>
+          </p:txBody>
+        </p:sp>
+        <p:sp>
+          <p:nvSpPr>
+            <p:cNvPr id="75" name="Rectangle 74">
+              <a:extLst>
+                <a:ext uri="{FF2B5EF4-FFF2-40B4-BE49-F238E27FC236}">
+                  <a16:creationId xmlns:a16="http://schemas.microsoft.com/office/drawing/2014/main" id="{650A4339-8E7E-4120-950E-7D7C7178461D}"/>
+                </a:ext>
+              </a:extLst>
+            </p:cNvPr>
+            <p:cNvSpPr/>
+            <p:nvPr/>
+          </p:nvSpPr>
+          <p:spPr>
+            <a:xfrm>
+              <a:off x="7858182" y="16232829"/>
+              <a:ext cx="258690" cy="204716"/>
+            </a:xfrm>
+            <a:prstGeom prst="rect">
+              <a:avLst/>
+            </a:prstGeom>
+            <a:solidFill>
+              <a:srgbClr val="FD0000"/>
+            </a:solidFill>
+          </p:spPr>
+          <p:style>
+            <a:lnRef idx="2">
+              <a:schemeClr val="accent1">
+                <a:shade val="50000"/>
+              </a:schemeClr>
+            </a:lnRef>
+            <a:fillRef idx="1">
+              <a:schemeClr val="accent1"/>
+            </a:fillRef>
+            <a:effectRef idx="0">
+              <a:schemeClr val="accent1"/>
+            </a:effectRef>
+            <a:fontRef idx="minor">
+              <a:schemeClr val="lt1"/>
+            </a:fontRef>
+          </p:style>
+          <p:txBody>
+            <a:bodyPr rtlCol="0" anchor="ctr"/>
+            <a:lstStyle/>
+            <a:p>
+              <a:pPr algn="ctr"/>
+              <a:endParaRPr lang="en-US" sz="3068"/>
+            </a:p>
+          </p:txBody>
+        </p:sp>
+        <p:sp>
+          <p:nvSpPr>
+            <p:cNvPr id="76" name="TextBox 75">
+              <a:extLst>
+                <a:ext uri="{FF2B5EF4-FFF2-40B4-BE49-F238E27FC236}">
+                  <a16:creationId xmlns:a16="http://schemas.microsoft.com/office/drawing/2014/main" id="{0A344F5C-A593-498C-9C4C-67EDB7451A59}"/>
                 </a:ext>
               </a:extLst>
             </p:cNvPr>
@@ -3514,15 +3765,13 @@
           </p:nvSpPr>
           <p:spPr>
             <a:xfrm>
-              <a:off x="6431873" y="15828800"/>
-              <a:ext cx="3375678" cy="477054"/>
+              <a:off x="5374000" y="17985842"/>
+              <a:ext cx="2529815" cy="320088"/>
             </a:xfrm>
             <a:prstGeom prst="rect">
               <a:avLst/>
             </a:prstGeom>
-            <a:solidFill>
-              <a:schemeClr val="bg1"/>
-            </a:solidFill>
+            <a:noFill/>
           </p:spPr>
           <p:txBody>
             <a:bodyPr wrap="square" rtlCol="0">
@@ -3530,32 +3779,39 @@
             </a:bodyPr>
             <a:lstStyle/>
             <a:p>
-              <a:pPr algn="ctr"/>
               <a:r>
-                <a:rPr lang="en-US" sz="2500" b="1" dirty="0">
+                <a:rPr lang="en-US" sz="2000" dirty="0">
                   <a:latin typeface="Times New Roman" panose="02020603050405020304" pitchFamily="18" charset="0"/>
                   <a:cs typeface="Times New Roman" panose="02020603050405020304" pitchFamily="18" charset="0"/>
                 </a:rPr>
-                <a:t>Cyclosporin</a:t>
+                <a:t>Concentration [log </a:t>
               </a:r>
               <a:r>
-                <a:rPr lang="en-US" sz="2500" dirty="0">
+                <a:rPr lang="el-GR" sz="2000" dirty="0">
                   <a:solidFill>
-                    <a:srgbClr val="5B616B"/>
+                    <a:srgbClr val="202124"/>
                   </a:solidFill>
-                  <a:latin typeface="-apple-system"/>
+                  <a:latin typeface="Times New Roman" panose="02020603050405020304" pitchFamily="18" charset="0"/>
+                  <a:cs typeface="Times New Roman" panose="02020603050405020304" pitchFamily="18" charset="0"/>
                 </a:rPr>
-                <a:t> </a:t>
+                <a:t>μ</a:t>
+              </a:r>
+              <a:r>
+                <a:rPr lang="en-US" sz="2000" dirty="0">
+                  <a:latin typeface="Times New Roman" panose="02020603050405020304" pitchFamily="18" charset="0"/>
+                  <a:cs typeface="Times New Roman" panose="02020603050405020304" pitchFamily="18" charset="0"/>
+                </a:rPr>
+                <a:t>M]</a:t>
               </a:r>
             </a:p>
           </p:txBody>
         </p:sp>
         <p:sp>
           <p:nvSpPr>
-            <p:cNvPr id="71" name="TextBox 70">
+            <p:cNvPr id="113" name="TextBox 112">
               <a:extLst>
                 <a:ext uri="{FF2B5EF4-FFF2-40B4-BE49-F238E27FC236}">
-                  <a16:creationId xmlns:a16="http://schemas.microsoft.com/office/drawing/2014/main" id="{EDB09EDB-853F-4EC5-83C3-85497C4D6B8E}"/>
+                  <a16:creationId xmlns:a16="http://schemas.microsoft.com/office/drawing/2014/main" id="{87EED1F5-1EE6-4DC5-9246-FF711A6B6B77}"/>
                 </a:ext>
               </a:extLst>
             </p:cNvPr>
@@ -3564,15 +3820,13 @@
           </p:nvSpPr>
           <p:spPr>
             <a:xfrm>
-              <a:off x="1297764" y="15837098"/>
-              <a:ext cx="3375678" cy="477054"/>
+              <a:off x="5191518" y="18241674"/>
+              <a:ext cx="2995835" cy="566309"/>
             </a:xfrm>
             <a:prstGeom prst="rect">
               <a:avLst/>
             </a:prstGeom>
-            <a:solidFill>
-              <a:schemeClr val="bg1"/>
-            </a:solidFill>
+            <a:noFill/>
           </p:spPr>
           <p:txBody>
             <a:bodyPr wrap="square" rtlCol="0">
@@ -3580,17 +3834,169 @@
             </a:bodyPr>
             <a:lstStyle/>
             <a:p>
-              <a:pPr algn="ctr"/>
               <a:r>
-                <a:rPr lang="en-US" sz="2500" b="1" dirty="0">
+                <a:rPr lang="en-US" sz="2000" dirty="0">
                   <a:latin typeface="Times New Roman" panose="02020603050405020304" pitchFamily="18" charset="0"/>
+                  <a:ea typeface="Calibri" panose="020F0502020204030204" pitchFamily="34" charset="0"/>
                   <a:cs typeface="Times New Roman" panose="02020603050405020304" pitchFamily="18" charset="0"/>
                 </a:rPr>
-                <a:t>Anidulafungin</a:t>
+                <a:t>IC</a:t>
               </a:r>
+              <a:r>
+                <a:rPr lang="en-US" sz="2000" baseline="-25000" dirty="0">
+                  <a:latin typeface="Times New Roman" panose="02020603050405020304" pitchFamily="18" charset="0"/>
+                  <a:ea typeface="Calibri" panose="020F0502020204030204" pitchFamily="34" charset="0"/>
+                  <a:cs typeface="Times New Roman" panose="02020603050405020304" pitchFamily="18" charset="0"/>
+                </a:rPr>
+                <a:t>50</a:t>
+              </a:r>
+              <a:r>
+                <a:rPr lang="en-US" sz="2000" dirty="0">
+                  <a:latin typeface="Times New Roman" panose="02020603050405020304" pitchFamily="18" charset="0"/>
+                  <a:ea typeface="Calibri" panose="020F0502020204030204" pitchFamily="34" charset="0"/>
+                  <a:cs typeface="Times New Roman" panose="02020603050405020304" pitchFamily="18" charset="0"/>
+                </a:rPr>
+                <a:t>=4.64; CC</a:t>
+              </a:r>
+              <a:r>
+                <a:rPr lang="en-US" sz="2000" baseline="-25000" dirty="0">
+                  <a:latin typeface="Times New Roman" panose="02020603050405020304" pitchFamily="18" charset="0"/>
+                  <a:ea typeface="Calibri" panose="020F0502020204030204" pitchFamily="34" charset="0"/>
+                  <a:cs typeface="Times New Roman" panose="02020603050405020304" pitchFamily="18" charset="0"/>
+                </a:rPr>
+                <a:t>50</a:t>
+              </a:r>
+              <a:r>
+                <a:rPr lang="en-US" sz="2000" dirty="0">
+                  <a:latin typeface="Times New Roman" panose="02020603050405020304" pitchFamily="18" charset="0"/>
+                  <a:ea typeface="Calibri" panose="020F0502020204030204" pitchFamily="34" charset="0"/>
+                  <a:cs typeface="Times New Roman" panose="02020603050405020304" pitchFamily="18" charset="0"/>
+                </a:rPr>
+                <a:t>&gt;50; SI=10.78</a:t>
+              </a:r>
+            </a:p>
+            <a:p>
+              <a:r>
+                <a:rPr lang="en-US" sz="2000" baseline="-25000" dirty="0">
+                  <a:latin typeface="Times New Roman" panose="02020603050405020304" pitchFamily="18" charset="0"/>
+                  <a:ea typeface="Calibri" panose="020F0502020204030204" pitchFamily="34" charset="0"/>
+                  <a:cs typeface="Times New Roman" panose="02020603050405020304" pitchFamily="18" charset="0"/>
+                </a:rPr>
+                <a:t> </a:t>
+              </a:r>
+              <a:endParaRPr lang="en-US" sz="2000" dirty="0">
+                <a:latin typeface="Times New Roman" panose="02020603050405020304" pitchFamily="18" charset="0"/>
+                <a:ea typeface="Calibri" panose="020F0502020204030204" pitchFamily="34" charset="0"/>
+                <a:cs typeface="Times New Roman" panose="02020603050405020304" pitchFamily="18" charset="0"/>
+              </a:endParaRPr>
             </a:p>
           </p:txBody>
         </p:sp>
+      </p:grpSp>
+      <p:sp>
+        <p:nvSpPr>
+          <p:cNvPr id="42" name="TextBox 41">
+            <a:extLst>
+              <a:ext uri="{FF2B5EF4-FFF2-40B4-BE49-F238E27FC236}">
+                <a16:creationId xmlns:a16="http://schemas.microsoft.com/office/drawing/2014/main" id="{2C65A75C-B0CE-4DA3-9198-91D6293173A0}"/>
+              </a:ext>
+            </a:extLst>
+          </p:cNvPr>
+          <p:cNvSpPr txBox="1"/>
+          <p:nvPr/>
+        </p:nvSpPr>
+        <p:spPr>
+          <a:xfrm>
+            <a:off x="200506" y="17189373"/>
+            <a:ext cx="9974296" cy="900246"/>
+          </a:xfrm>
+          <a:prstGeom prst="rect">
+            <a:avLst/>
+          </a:prstGeom>
+          <a:noFill/>
+        </p:spPr>
+        <p:txBody>
+          <a:bodyPr wrap="square" rtlCol="0">
+            <a:spAutoFit/>
+          </a:bodyPr>
+          <a:lstStyle/>
+          <a:p>
+            <a:r>
+              <a:rPr lang="en-US" sz="1750" i="1" dirty="0">
+                <a:solidFill>
+                  <a:srgbClr val="232629"/>
+                </a:solidFill>
+                <a:latin typeface="Times New Roman" panose="02020603050405020304" pitchFamily="18" charset="0"/>
+                <a:ea typeface="Calibri" panose="020F0502020204030204" pitchFamily="34" charset="0"/>
+                <a:cs typeface="Times New Roman" panose="02020603050405020304" pitchFamily="18" charset="0"/>
+              </a:rPr>
+              <a:t>*Adapted from Jeon,  S.et al. Identification  of  antiviral  drug  candidates  against  SARS-CoV-2  from FDA-approved  drugs. Antimicrobial Agents and Chemotherapy 64 (2020). URL https://doi.org/10.1128/aac.00819-20. Adapted with permission.</a:t>
+            </a:r>
+            <a:endParaRPr lang="en-US" sz="1750" dirty="0">
+              <a:latin typeface="Times New Roman" panose="02020603050405020304" pitchFamily="18" charset="0"/>
+              <a:cs typeface="Times New Roman" panose="02020603050405020304" pitchFamily="18" charset="0"/>
+            </a:endParaRPr>
+          </a:p>
+        </p:txBody>
+      </p:sp>
+      <p:sp>
+        <p:nvSpPr>
+          <p:cNvPr id="43" name="TextBox 42">
+            <a:extLst>
+              <a:ext uri="{FF2B5EF4-FFF2-40B4-BE49-F238E27FC236}">
+                <a16:creationId xmlns:a16="http://schemas.microsoft.com/office/drawing/2014/main" id="{6FEFA3DC-5D6F-4EE1-9993-F0CD2EDAE4D6}"/>
+              </a:ext>
+            </a:extLst>
+          </p:cNvPr>
+          <p:cNvSpPr txBox="1"/>
+          <p:nvPr/>
+        </p:nvSpPr>
+        <p:spPr>
+          <a:xfrm>
+            <a:off x="7118759" y="15207244"/>
+            <a:ext cx="275826" cy="361637"/>
+          </a:xfrm>
+          <a:prstGeom prst="rect">
+            <a:avLst/>
+          </a:prstGeom>
+          <a:noFill/>
+        </p:spPr>
+        <p:txBody>
+          <a:bodyPr wrap="square" rtlCol="0">
+            <a:spAutoFit/>
+          </a:bodyPr>
+          <a:lstStyle/>
+          <a:p>
+            <a:r>
+              <a:rPr lang="en-US" sz="1750" dirty="0">
+                <a:latin typeface="Times New Roman" panose="02020603050405020304" pitchFamily="18" charset="0"/>
+                <a:cs typeface="Times New Roman" panose="02020603050405020304" pitchFamily="18" charset="0"/>
+              </a:rPr>
+              <a:t>*</a:t>
+            </a:r>
+          </a:p>
+        </p:txBody>
+      </p:sp>
+      <p:grpSp>
+        <p:nvGrpSpPr>
+          <p:cNvPr id="12" name="Group 11">
+            <a:extLst>
+              <a:ext uri="{FF2B5EF4-FFF2-40B4-BE49-F238E27FC236}">
+                <a16:creationId xmlns:a16="http://schemas.microsoft.com/office/drawing/2014/main" id="{3CD805E7-940D-4A19-993A-35DEEC2BE660}"/>
+              </a:ext>
+            </a:extLst>
+          </p:cNvPr>
+          <p:cNvGrpSpPr/>
+          <p:nvPr/>
+        </p:nvGrpSpPr>
+        <p:grpSpPr>
+          <a:xfrm>
+            <a:off x="11396761" y="12688821"/>
+            <a:ext cx="6229115" cy="4726729"/>
+            <a:chOff x="11236220" y="12100158"/>
+            <a:chExt cx="6229115" cy="4726729"/>
+          </a:xfrm>
+        </p:grpSpPr>
         <p:grpSp>
           <p:nvGrpSpPr>
             <p:cNvPr id="36" name="Group 35">
@@ -3605,10 +4011,10 @@
           </p:nvGrpSpPr>
           <p:grpSpPr>
             <a:xfrm>
-              <a:off x="5723328" y="16835640"/>
-              <a:ext cx="4932395" cy="3751149"/>
-              <a:chOff x="10183576" y="14168435"/>
-              <a:chExt cx="3945916" cy="3000919"/>
+              <a:off x="11236220" y="12100158"/>
+              <a:ext cx="6229115" cy="4726729"/>
+              <a:chOff x="10245644" y="14091159"/>
+              <a:chExt cx="3905503" cy="3077946"/>
             </a:xfrm>
           </p:grpSpPr>
           <p:pic>
@@ -3626,14 +4032,14 @@
               <p:nvPr/>
             </p:nvPicPr>
             <p:blipFill>
-              <a:blip r:embed="rId4"/>
+              <a:blip r:embed="rId5"/>
               <a:stretch>
                 <a:fillRect/>
               </a:stretch>
             </p:blipFill>
             <p:spPr>
               <a:xfrm>
-                <a:off x="10489194" y="14168435"/>
+                <a:off x="10534363" y="14127250"/>
                 <a:ext cx="3379749" cy="2232080"/>
               </a:xfrm>
               <a:prstGeom prst="rect">
@@ -3655,10 +4061,10 @@
             </p:nvGrpSpPr>
             <p:grpSpPr>
               <a:xfrm>
-                <a:off x="10183576" y="14175801"/>
-                <a:ext cx="3945916" cy="2993553"/>
-                <a:chOff x="4229449" y="15871793"/>
-                <a:chExt cx="3945916" cy="2993553"/>
+                <a:off x="10245644" y="14091159"/>
+                <a:ext cx="3905503" cy="3077946"/>
+                <a:chOff x="4291517" y="15787151"/>
+                <a:chExt cx="3905503" cy="3077946"/>
               </a:xfrm>
             </p:grpSpPr>
             <p:sp>
@@ -3675,7 +4081,7 @@
               </p:nvSpPr>
               <p:spPr>
                 <a:xfrm rot="16200000">
-                  <a:off x="3637332" y="16463910"/>
+                  <a:off x="3699400" y="16379268"/>
                   <a:ext cx="1504322" cy="320088"/>
                 </a:xfrm>
                 <a:prstGeom prst="rect">
@@ -3716,7 +4122,7 @@
               </p:nvSpPr>
               <p:spPr>
                 <a:xfrm rot="5400000">
-                  <a:off x="7263160" y="16997534"/>
+                  <a:off x="7263160" y="17155192"/>
                   <a:ext cx="1504321" cy="320088"/>
                 </a:xfrm>
                 <a:prstGeom prst="rect">
@@ -3757,7 +4163,7 @@
               </p:nvSpPr>
               <p:spPr>
                 <a:xfrm>
-                  <a:off x="4286474" y="17390216"/>
+                  <a:off x="4297305" y="17326474"/>
                   <a:ext cx="258690" cy="204716"/>
                 </a:xfrm>
                 <a:prstGeom prst="rect">
@@ -3806,7 +4212,7 @@
               </p:nvSpPr>
               <p:spPr>
                 <a:xfrm>
-                  <a:off x="7885975" y="16218647"/>
+                  <a:off x="7938330" y="16316647"/>
                   <a:ext cx="258690" cy="204716"/>
                 </a:xfrm>
                 <a:prstGeom prst="rect">
@@ -3855,7 +4261,7 @@
               </p:nvSpPr>
               <p:spPr>
                 <a:xfrm>
-                  <a:off x="5116918" y="18001990"/>
+                  <a:off x="5385000" y="17978700"/>
                   <a:ext cx="2529816" cy="320088"/>
                 </a:xfrm>
                 <a:prstGeom prst="rect">
@@ -3910,7 +4316,7 @@
               </p:nvSpPr>
               <p:spPr>
                 <a:xfrm>
-                  <a:off x="4883907" y="18299037"/>
+                  <a:off x="5179529" y="18298788"/>
                   <a:ext cx="2995836" cy="566309"/>
                 </a:xfrm>
                 <a:prstGeom prst="rect">
@@ -3984,492 +4390,6 @@
             </p:sp>
           </p:grpSp>
         </p:grpSp>
-        <p:pic>
-          <p:nvPicPr>
-            <p:cNvPr id="13" name="Picture 12">
-              <a:extLst>
-                <a:ext uri="{FF2B5EF4-FFF2-40B4-BE49-F238E27FC236}">
-                  <a16:creationId xmlns:a16="http://schemas.microsoft.com/office/drawing/2014/main" id="{BF80C24D-407B-402F-86A3-05F16F6A39B1}"/>
-                </a:ext>
-              </a:extLst>
-            </p:cNvPr>
-            <p:cNvPicPr>
-              <a:picLocks noChangeAspect="1"/>
-            </p:cNvPicPr>
-            <p:nvPr/>
-          </p:nvPicPr>
-          <p:blipFill>
-            <a:blip r:embed="rId5"/>
-            <a:stretch>
-              <a:fillRect/>
-            </a:stretch>
-          </p:blipFill>
-          <p:spPr>
-            <a:xfrm>
-              <a:off x="974632" y="13542478"/>
-              <a:ext cx="4718941" cy="2334974"/>
-            </a:xfrm>
-            <a:prstGeom prst="rect">
-              <a:avLst/>
-            </a:prstGeom>
-          </p:spPr>
-        </p:pic>
-        <p:grpSp>
-          <p:nvGrpSpPr>
-            <p:cNvPr id="30" name="Group 29">
-              <a:extLst>
-                <a:ext uri="{FF2B5EF4-FFF2-40B4-BE49-F238E27FC236}">
-                  <a16:creationId xmlns:a16="http://schemas.microsoft.com/office/drawing/2014/main" id="{E18254A2-1BEC-40A8-BFD1-9C3B965C99F4}"/>
-                </a:ext>
-              </a:extLst>
-            </p:cNvPr>
-            <p:cNvGrpSpPr/>
-            <p:nvPr/>
-          </p:nvGrpSpPr>
-          <p:grpSpPr>
-            <a:xfrm>
-              <a:off x="365929" y="16829807"/>
-              <a:ext cx="4897650" cy="3771382"/>
-              <a:chOff x="4229451" y="15850662"/>
-              <a:chExt cx="3918120" cy="3017105"/>
-            </a:xfrm>
-          </p:grpSpPr>
-          <p:pic>
-            <p:nvPicPr>
-              <p:cNvPr id="21" name="Picture 20">
-                <a:extLst>
-                  <a:ext uri="{FF2B5EF4-FFF2-40B4-BE49-F238E27FC236}">
-                    <a16:creationId xmlns:a16="http://schemas.microsoft.com/office/drawing/2014/main" id="{2F3C1E16-FFB0-4DB7-B3C2-3E1285F901B2}"/>
-                  </a:ext>
-                </a:extLst>
-              </p:cNvPr>
-              <p:cNvPicPr>
-                <a:picLocks noChangeAspect="1"/>
-              </p:cNvPicPr>
-              <p:nvPr/>
-            </p:nvPicPr>
-            <p:blipFill>
-              <a:blip r:embed="rId6"/>
-              <a:stretch>
-                <a:fillRect/>
-              </a:stretch>
-            </p:blipFill>
-            <p:spPr>
-              <a:xfrm>
-                <a:off x="4506376" y="15850662"/>
-                <a:ext cx="3423512" cy="2153209"/>
-              </a:xfrm>
-              <a:prstGeom prst="rect">
-                <a:avLst/>
-              </a:prstGeom>
-            </p:spPr>
-          </p:pic>
-          <p:sp>
-            <p:nvSpPr>
-              <p:cNvPr id="22" name="TextBox 21">
-                <a:extLst>
-                  <a:ext uri="{FF2B5EF4-FFF2-40B4-BE49-F238E27FC236}">
-                    <a16:creationId xmlns:a16="http://schemas.microsoft.com/office/drawing/2014/main" id="{593CFE39-BE15-45C2-B387-A95645C7889A}"/>
-                  </a:ext>
-                </a:extLst>
-              </p:cNvPr>
-              <p:cNvSpPr txBox="1"/>
-              <p:nvPr/>
-            </p:nvSpPr>
-            <p:spPr>
-              <a:xfrm rot="16200000">
-                <a:off x="3637334" y="16463908"/>
-                <a:ext cx="1504321" cy="320088"/>
-              </a:xfrm>
-              <a:prstGeom prst="rect">
-                <a:avLst/>
-              </a:prstGeom>
-              <a:noFill/>
-            </p:spPr>
-            <p:txBody>
-              <a:bodyPr wrap="square" rtlCol="0">
-                <a:spAutoFit/>
-              </a:bodyPr>
-              <a:lstStyle/>
-              <a:p>
-                <a:r>
-                  <a:rPr lang="en-US" sz="2000" dirty="0">
-                    <a:solidFill>
-                      <a:srgbClr val="0000F8"/>
-                    </a:solidFill>
-                    <a:latin typeface="Times New Roman" panose="02020603050405020304" pitchFamily="18" charset="0"/>
-                    <a:cs typeface="Times New Roman" panose="02020603050405020304" pitchFamily="18" charset="0"/>
-                  </a:rPr>
-                  <a:t>% Inhibition</a:t>
-                </a:r>
-              </a:p>
-            </p:txBody>
-          </p:sp>
-          <p:sp>
-            <p:nvSpPr>
-              <p:cNvPr id="74" name="TextBox 73">
-                <a:extLst>
-                  <a:ext uri="{FF2B5EF4-FFF2-40B4-BE49-F238E27FC236}">
-                    <a16:creationId xmlns:a16="http://schemas.microsoft.com/office/drawing/2014/main" id="{0E60287A-9E18-49AA-A89D-CCC1D89E5F53}"/>
-                  </a:ext>
-                </a:extLst>
-              </p:cNvPr>
-              <p:cNvSpPr txBox="1"/>
-              <p:nvPr/>
-            </p:nvSpPr>
-            <p:spPr>
-              <a:xfrm rot="5400000">
-                <a:off x="7235366" y="16986307"/>
-                <a:ext cx="1504321" cy="320088"/>
-              </a:xfrm>
-              <a:prstGeom prst="rect">
-                <a:avLst/>
-              </a:prstGeom>
-              <a:noFill/>
-            </p:spPr>
-            <p:txBody>
-              <a:bodyPr wrap="square" rtlCol="0">
-                <a:spAutoFit/>
-              </a:bodyPr>
-              <a:lstStyle/>
-              <a:p>
-                <a:r>
-                  <a:rPr lang="en-US" sz="2000" dirty="0">
-                    <a:solidFill>
-                      <a:srgbClr val="F7080B"/>
-                    </a:solidFill>
-                    <a:latin typeface="Times New Roman" panose="02020603050405020304" pitchFamily="18" charset="0"/>
-                    <a:cs typeface="Times New Roman" panose="02020603050405020304" pitchFamily="18" charset="0"/>
-                  </a:rPr>
-                  <a:t>% Cell ratio</a:t>
-                </a:r>
-              </a:p>
-            </p:txBody>
-          </p:sp>
-          <p:sp>
-            <p:nvSpPr>
-              <p:cNvPr id="24" name="Rectangle 23">
-                <a:extLst>
-                  <a:ext uri="{FF2B5EF4-FFF2-40B4-BE49-F238E27FC236}">
-                    <a16:creationId xmlns:a16="http://schemas.microsoft.com/office/drawing/2014/main" id="{9D8F4083-E7D0-4F02-A037-3B1FD4BC8F80}"/>
-                  </a:ext>
-                </a:extLst>
-              </p:cNvPr>
-              <p:cNvSpPr/>
-              <p:nvPr/>
-            </p:nvSpPr>
-            <p:spPr>
-              <a:xfrm>
-                <a:off x="4286474" y="17390216"/>
-                <a:ext cx="258690" cy="204716"/>
-              </a:xfrm>
-              <a:prstGeom prst="rect">
-                <a:avLst/>
-              </a:prstGeom>
-              <a:solidFill>
-                <a:srgbClr val="0201FC"/>
-              </a:solidFill>
-            </p:spPr>
-            <p:style>
-              <a:lnRef idx="2">
-                <a:schemeClr val="accent1">
-                  <a:shade val="50000"/>
-                </a:schemeClr>
-              </a:lnRef>
-              <a:fillRef idx="1">
-                <a:schemeClr val="accent1"/>
-              </a:fillRef>
-              <a:effectRef idx="0">
-                <a:schemeClr val="accent1"/>
-              </a:effectRef>
-              <a:fontRef idx="minor">
-                <a:schemeClr val="lt1"/>
-              </a:fontRef>
-            </p:style>
-            <p:txBody>
-              <a:bodyPr rtlCol="0" anchor="ctr"/>
-              <a:lstStyle/>
-              <a:p>
-                <a:pPr algn="ctr"/>
-                <a:endParaRPr lang="en-US" sz="3068"/>
-              </a:p>
-            </p:txBody>
-          </p:sp>
-          <p:sp>
-            <p:nvSpPr>
-              <p:cNvPr id="75" name="Rectangle 74">
-                <a:extLst>
-                  <a:ext uri="{FF2B5EF4-FFF2-40B4-BE49-F238E27FC236}">
-                    <a16:creationId xmlns:a16="http://schemas.microsoft.com/office/drawing/2014/main" id="{650A4339-8E7E-4120-950E-7D7C7178461D}"/>
-                  </a:ext>
-                </a:extLst>
-              </p:cNvPr>
-              <p:cNvSpPr/>
-              <p:nvPr/>
-            </p:nvSpPr>
-            <p:spPr>
-              <a:xfrm>
-                <a:off x="7858182" y="16232829"/>
-                <a:ext cx="258690" cy="204716"/>
-              </a:xfrm>
-              <a:prstGeom prst="rect">
-                <a:avLst/>
-              </a:prstGeom>
-              <a:solidFill>
-                <a:srgbClr val="FD0000"/>
-              </a:solidFill>
-            </p:spPr>
-            <p:style>
-              <a:lnRef idx="2">
-                <a:schemeClr val="accent1">
-                  <a:shade val="50000"/>
-                </a:schemeClr>
-              </a:lnRef>
-              <a:fillRef idx="1">
-                <a:schemeClr val="accent1"/>
-              </a:fillRef>
-              <a:effectRef idx="0">
-                <a:schemeClr val="accent1"/>
-              </a:effectRef>
-              <a:fontRef idx="minor">
-                <a:schemeClr val="lt1"/>
-              </a:fontRef>
-            </p:style>
-            <p:txBody>
-              <a:bodyPr rtlCol="0" anchor="ctr"/>
-              <a:lstStyle/>
-              <a:p>
-                <a:pPr algn="ctr"/>
-                <a:endParaRPr lang="en-US" sz="3068"/>
-              </a:p>
-            </p:txBody>
-          </p:sp>
-          <p:sp>
-            <p:nvSpPr>
-              <p:cNvPr id="76" name="TextBox 75">
-                <a:extLst>
-                  <a:ext uri="{FF2B5EF4-FFF2-40B4-BE49-F238E27FC236}">
-                    <a16:creationId xmlns:a16="http://schemas.microsoft.com/office/drawing/2014/main" id="{0A344F5C-A593-498C-9C4C-67EDB7451A59}"/>
-                  </a:ext>
-                </a:extLst>
-              </p:cNvPr>
-              <p:cNvSpPr txBox="1"/>
-              <p:nvPr/>
-            </p:nvSpPr>
-            <p:spPr>
-              <a:xfrm>
-                <a:off x="5084181" y="17913984"/>
-                <a:ext cx="2529815" cy="320088"/>
-              </a:xfrm>
-              <a:prstGeom prst="rect">
-                <a:avLst/>
-              </a:prstGeom>
-              <a:noFill/>
-            </p:spPr>
-            <p:txBody>
-              <a:bodyPr wrap="square" rtlCol="0">
-                <a:spAutoFit/>
-              </a:bodyPr>
-              <a:lstStyle/>
-              <a:p>
-                <a:r>
-                  <a:rPr lang="en-US" sz="2000" dirty="0">
-                    <a:latin typeface="Times New Roman" panose="02020603050405020304" pitchFamily="18" charset="0"/>
-                    <a:cs typeface="Times New Roman" panose="02020603050405020304" pitchFamily="18" charset="0"/>
-                  </a:rPr>
-                  <a:t>Concentration [log </a:t>
-                </a:r>
-                <a:r>
-                  <a:rPr lang="el-GR" sz="2000" dirty="0">
-                    <a:solidFill>
-                      <a:srgbClr val="202124"/>
-                    </a:solidFill>
-                    <a:latin typeface="Times New Roman" panose="02020603050405020304" pitchFamily="18" charset="0"/>
-                    <a:cs typeface="Times New Roman" panose="02020603050405020304" pitchFamily="18" charset="0"/>
-                  </a:rPr>
-                  <a:t>μ</a:t>
-                </a:r>
-                <a:r>
-                  <a:rPr lang="en-US" sz="2000" dirty="0">
-                    <a:latin typeface="Times New Roman" panose="02020603050405020304" pitchFamily="18" charset="0"/>
-                    <a:cs typeface="Times New Roman" panose="02020603050405020304" pitchFamily="18" charset="0"/>
-                  </a:rPr>
-                  <a:t>M]</a:t>
-                </a:r>
-              </a:p>
-            </p:txBody>
-          </p:sp>
-          <p:sp>
-            <p:nvSpPr>
-              <p:cNvPr id="113" name="TextBox 112">
-                <a:extLst>
-                  <a:ext uri="{FF2B5EF4-FFF2-40B4-BE49-F238E27FC236}">
-                    <a16:creationId xmlns:a16="http://schemas.microsoft.com/office/drawing/2014/main" id="{87EED1F5-1EE6-4DC5-9246-FF711A6B6B77}"/>
-                  </a:ext>
-                </a:extLst>
-              </p:cNvPr>
-              <p:cNvSpPr txBox="1"/>
-              <p:nvPr/>
-            </p:nvSpPr>
-            <p:spPr>
-              <a:xfrm>
-                <a:off x="4809501" y="18301458"/>
-                <a:ext cx="2995835" cy="566309"/>
-              </a:xfrm>
-              <a:prstGeom prst="rect">
-                <a:avLst/>
-              </a:prstGeom>
-              <a:noFill/>
-            </p:spPr>
-            <p:txBody>
-              <a:bodyPr wrap="square" rtlCol="0">
-                <a:spAutoFit/>
-              </a:bodyPr>
-              <a:lstStyle/>
-              <a:p>
-                <a:r>
-                  <a:rPr lang="en-US" sz="2000" dirty="0">
-                    <a:latin typeface="Times New Roman" panose="02020603050405020304" pitchFamily="18" charset="0"/>
-                    <a:ea typeface="Calibri" panose="020F0502020204030204" pitchFamily="34" charset="0"/>
-                    <a:cs typeface="Times New Roman" panose="02020603050405020304" pitchFamily="18" charset="0"/>
-                  </a:rPr>
-                  <a:t>IC</a:t>
-                </a:r>
-                <a:r>
-                  <a:rPr lang="en-US" sz="2000" baseline="-25000" dirty="0">
-                    <a:latin typeface="Times New Roman" panose="02020603050405020304" pitchFamily="18" charset="0"/>
-                    <a:ea typeface="Calibri" panose="020F0502020204030204" pitchFamily="34" charset="0"/>
-                    <a:cs typeface="Times New Roman" panose="02020603050405020304" pitchFamily="18" charset="0"/>
-                  </a:rPr>
-                  <a:t>50</a:t>
-                </a:r>
-                <a:r>
-                  <a:rPr lang="en-US" sz="2000" dirty="0">
-                    <a:latin typeface="Times New Roman" panose="02020603050405020304" pitchFamily="18" charset="0"/>
-                    <a:ea typeface="Calibri" panose="020F0502020204030204" pitchFamily="34" charset="0"/>
-                    <a:cs typeface="Times New Roman" panose="02020603050405020304" pitchFamily="18" charset="0"/>
-                  </a:rPr>
-                  <a:t>=4.64; CC</a:t>
-                </a:r>
-                <a:r>
-                  <a:rPr lang="en-US" sz="2000" baseline="-25000" dirty="0">
-                    <a:latin typeface="Times New Roman" panose="02020603050405020304" pitchFamily="18" charset="0"/>
-                    <a:ea typeface="Calibri" panose="020F0502020204030204" pitchFamily="34" charset="0"/>
-                    <a:cs typeface="Times New Roman" panose="02020603050405020304" pitchFamily="18" charset="0"/>
-                  </a:rPr>
-                  <a:t>50</a:t>
-                </a:r>
-                <a:r>
-                  <a:rPr lang="en-US" sz="2000" dirty="0">
-                    <a:latin typeface="Times New Roman" panose="02020603050405020304" pitchFamily="18" charset="0"/>
-                    <a:ea typeface="Calibri" panose="020F0502020204030204" pitchFamily="34" charset="0"/>
-                    <a:cs typeface="Times New Roman" panose="02020603050405020304" pitchFamily="18" charset="0"/>
-                  </a:rPr>
-                  <a:t>&gt;50; SI=10.78</a:t>
-                </a:r>
-              </a:p>
-              <a:p>
-                <a:r>
-                  <a:rPr lang="en-US" sz="2000" baseline="-25000" dirty="0">
-                    <a:latin typeface="Times New Roman" panose="02020603050405020304" pitchFamily="18" charset="0"/>
-                    <a:ea typeface="Calibri" panose="020F0502020204030204" pitchFamily="34" charset="0"/>
-                    <a:cs typeface="Times New Roman" panose="02020603050405020304" pitchFamily="18" charset="0"/>
-                  </a:rPr>
-                  <a:t> </a:t>
-                </a:r>
-                <a:endParaRPr lang="en-US" sz="2000" dirty="0">
-                  <a:latin typeface="Times New Roman" panose="02020603050405020304" pitchFamily="18" charset="0"/>
-                  <a:ea typeface="Calibri" panose="020F0502020204030204" pitchFamily="34" charset="0"/>
-                  <a:cs typeface="Times New Roman" panose="02020603050405020304" pitchFamily="18" charset="0"/>
-                </a:endParaRPr>
-              </a:p>
-            </p:txBody>
-          </p:sp>
-        </p:grpSp>
-        <p:sp>
-          <p:nvSpPr>
-            <p:cNvPr id="42" name="TextBox 41">
-              <a:extLst>
-                <a:ext uri="{FF2B5EF4-FFF2-40B4-BE49-F238E27FC236}">
-                  <a16:creationId xmlns:a16="http://schemas.microsoft.com/office/drawing/2014/main" id="{2C65A75C-B0CE-4DA3-9198-91D6293173A0}"/>
-                </a:ext>
-              </a:extLst>
-            </p:cNvPr>
-            <p:cNvSpPr txBox="1"/>
-            <p:nvPr/>
-          </p:nvSpPr>
-          <p:spPr>
-            <a:xfrm>
-              <a:off x="536030" y="20676081"/>
-              <a:ext cx="9974296" cy="900246"/>
-            </a:xfrm>
-            <a:prstGeom prst="rect">
-              <a:avLst/>
-            </a:prstGeom>
-            <a:noFill/>
-          </p:spPr>
-          <p:txBody>
-            <a:bodyPr wrap="square" rtlCol="0">
-              <a:spAutoFit/>
-            </a:bodyPr>
-            <a:lstStyle/>
-            <a:p>
-              <a:r>
-                <a:rPr lang="en-US" sz="1750" i="1" dirty="0">
-                  <a:solidFill>
-                    <a:srgbClr val="232629"/>
-                  </a:solidFill>
-                  <a:latin typeface="Times New Roman" panose="02020603050405020304" pitchFamily="18" charset="0"/>
-                  <a:ea typeface="Calibri" panose="020F0502020204030204" pitchFamily="34" charset="0"/>
-                  <a:cs typeface="Times New Roman" panose="02020603050405020304" pitchFamily="18" charset="0"/>
-                </a:rPr>
-                <a:t>*Adapted from Jeon,  S.et al. Identification  of  antiviral  drug  candidates  against  SARS-CoV-2  from FDA-approved  drugs. Antimicrobial Agents and Chemotherapy 64 (2020). URL https://doi.org/10.1128/aac.00819-20. Adapted with permission.</a:t>
-              </a:r>
-              <a:endParaRPr lang="en-US" sz="1750" dirty="0">
-                <a:latin typeface="Times New Roman" panose="02020603050405020304" pitchFamily="18" charset="0"/>
-                <a:cs typeface="Times New Roman" panose="02020603050405020304" pitchFamily="18" charset="0"/>
-              </a:endParaRPr>
-            </a:p>
-          </p:txBody>
-        </p:sp>
-        <p:sp>
-          <p:nvSpPr>
-            <p:cNvPr id="43" name="TextBox 42">
-              <a:extLst>
-                <a:ext uri="{FF2B5EF4-FFF2-40B4-BE49-F238E27FC236}">
-                  <a16:creationId xmlns:a16="http://schemas.microsoft.com/office/drawing/2014/main" id="{6FEFA3DC-5D6F-4EE1-9993-F0CD2EDAE4D6}"/>
-                </a:ext>
-              </a:extLst>
-            </p:cNvPr>
-            <p:cNvSpPr txBox="1"/>
-            <p:nvPr/>
-          </p:nvSpPr>
-          <p:spPr>
-            <a:xfrm>
-              <a:off x="4835785" y="20096821"/>
-              <a:ext cx="275826" cy="361637"/>
-            </a:xfrm>
-            <a:prstGeom prst="rect">
-              <a:avLst/>
-            </a:prstGeom>
-            <a:noFill/>
-          </p:spPr>
-          <p:txBody>
-            <a:bodyPr wrap="square" rtlCol="0">
-              <a:spAutoFit/>
-            </a:bodyPr>
-            <a:lstStyle/>
-            <a:p>
-              <a:r>
-                <a:rPr lang="en-US" sz="1750" dirty="0">
-                  <a:latin typeface="Times New Roman" panose="02020603050405020304" pitchFamily="18" charset="0"/>
-                  <a:cs typeface="Times New Roman" panose="02020603050405020304" pitchFamily="18" charset="0"/>
-                </a:rPr>
-                <a:t>*</a:t>
-              </a:r>
-            </a:p>
-          </p:txBody>
-        </p:sp>
         <p:sp>
           <p:nvSpPr>
             <p:cNvPr id="243" name="TextBox 242">
@@ -4484,8 +4404,8 @@
           </p:nvSpPr>
           <p:spPr>
             <a:xfrm>
-              <a:off x="9568243" y="19788893"/>
-              <a:ext cx="396162" cy="368665"/>
+              <a:off x="15743970" y="15829109"/>
+              <a:ext cx="396162" cy="361637"/>
             </a:xfrm>
             <a:prstGeom prst="rect">
               <a:avLst/>
@@ -4509,44 +4429,6 @@
           </p:txBody>
         </p:sp>
       </p:grpSp>
-      <p:sp>
-        <p:nvSpPr>
-          <p:cNvPr id="136" name="TextBox 135">
-            <a:extLst>
-              <a:ext uri="{FF2B5EF4-FFF2-40B4-BE49-F238E27FC236}">
-                <a16:creationId xmlns:a16="http://schemas.microsoft.com/office/drawing/2014/main" id="{FBF91EAD-089E-44A1-9567-55F84E87E62D}"/>
-              </a:ext>
-            </a:extLst>
-          </p:cNvPr>
-          <p:cNvSpPr txBox="1"/>
-          <p:nvPr/>
-        </p:nvSpPr>
-        <p:spPr>
-          <a:xfrm>
-            <a:off x="257135" y="6104787"/>
-            <a:ext cx="836834" cy="584775"/>
-          </a:xfrm>
-          <a:prstGeom prst="rect">
-            <a:avLst/>
-          </a:prstGeom>
-          <a:noFill/>
-        </p:spPr>
-        <p:txBody>
-          <a:bodyPr wrap="square" rtlCol="0">
-            <a:spAutoFit/>
-          </a:bodyPr>
-          <a:lstStyle/>
-          <a:p>
-            <a:r>
-              <a:rPr lang="en-US" sz="3200" b="1" dirty="0">
-                <a:latin typeface="Times New Roman" panose="02020603050405020304" pitchFamily="18" charset="0"/>
-                <a:cs typeface="Times New Roman" panose="02020603050405020304" pitchFamily="18" charset="0"/>
-              </a:rPr>
-              <a:t>B</a:t>
-            </a:r>
-          </a:p>
-        </p:txBody>
-      </p:sp>
       <p:grpSp>
         <p:nvGrpSpPr>
           <p:cNvPr id="11" name="Group 10">
@@ -4561,10 +4443,10 @@
         </p:nvGrpSpPr>
         <p:grpSpPr>
           <a:xfrm>
-            <a:off x="2863651" y="6740938"/>
-            <a:ext cx="5776244" cy="5946371"/>
-            <a:chOff x="14808652" y="1481032"/>
-            <a:chExt cx="5776244" cy="5946371"/>
+            <a:off x="12826229" y="923125"/>
+            <a:ext cx="5776242" cy="5946371"/>
+            <a:chOff x="14808654" y="1481032"/>
+            <a:chExt cx="5776242" cy="5946371"/>
           </a:xfrm>
         </p:grpSpPr>
         <p:grpSp>
@@ -4858,7 +4740,7 @@
           </p:nvSpPr>
           <p:spPr>
             <a:xfrm rot="16200000">
-              <a:off x="13444721" y="4307623"/>
+              <a:off x="13444723" y="4307623"/>
               <a:ext cx="3127972" cy="400110"/>
             </a:xfrm>
             <a:prstGeom prst="rect">
@@ -5010,7 +4892,7 @@
           </p:nvSpPr>
           <p:spPr>
             <a:xfrm rot="16200000">
-              <a:off x="15361772" y="3385846"/>
+              <a:off x="15361772" y="3385847"/>
               <a:ext cx="1010213" cy="400110"/>
             </a:xfrm>
             <a:prstGeom prst="rect">
@@ -5048,7 +4930,7 @@
           </p:nvSpPr>
           <p:spPr>
             <a:xfrm rot="16200000">
-              <a:off x="14877783" y="4828144"/>
+              <a:off x="14877783" y="4828145"/>
               <a:ext cx="1958600" cy="400110"/>
             </a:xfrm>
             <a:prstGeom prst="rect">
@@ -5180,10 +5062,10 @@
         </p:nvGrpSpPr>
         <p:grpSpPr>
           <a:xfrm>
-            <a:off x="525867" y="483359"/>
-            <a:ext cx="10624655" cy="5840175"/>
-            <a:chOff x="1880459" y="991681"/>
-            <a:chExt cx="13025446" cy="7691808"/>
+            <a:off x="1123977" y="1483085"/>
+            <a:ext cx="10609677" cy="5798847"/>
+            <a:chOff x="1898821" y="991681"/>
+            <a:chExt cx="13007084" cy="7637378"/>
           </a:xfrm>
         </p:grpSpPr>
         <p:pic>
@@ -5201,7 +5083,7 @@
             <p:nvPr/>
           </p:nvPicPr>
           <p:blipFill>
-            <a:blip r:embed="rId7">
+            <a:blip r:embed="rId6">
               <a:extLst>
                 <a:ext uri="{28A0092B-C50C-407E-A947-70E740481C1C}">
                   <a14:useLocalDpi xmlns:a14="http://schemas.microsoft.com/office/drawing/2010/main" val="0"/>
@@ -5248,7 +5130,7 @@
           <p:spPr>
             <a:xfrm>
               <a:off x="7197434" y="8223701"/>
-              <a:ext cx="4477075" cy="459788"/>
+              <a:ext cx="4477075" cy="405358"/>
             </a:xfrm>
             <a:prstGeom prst="rect">
               <a:avLst/>
@@ -5287,8 +5169,8 @@
           </p:nvSpPr>
           <p:spPr>
             <a:xfrm rot="16200000">
-              <a:off x="1694897" y="4278030"/>
-              <a:ext cx="785171" cy="414048"/>
+              <a:off x="1694897" y="4296391"/>
+              <a:ext cx="785171" cy="377324"/>
             </a:xfrm>
             <a:prstGeom prst="rect">
               <a:avLst/>
@@ -5385,7 +5267,7 @@
             <a:solidFill>
               <a:schemeClr val="bg1"/>
             </a:solidFill>
-            <a:ln>
+            <a:ln w="3175">
               <a:solidFill>
                 <a:schemeClr val="tx1"/>
               </a:solidFill>
@@ -5431,7 +5313,7 @@
           <p:spPr>
             <a:xfrm>
               <a:off x="12503280" y="1198347"/>
-              <a:ext cx="2402625" cy="459788"/>
+              <a:ext cx="2402625" cy="405358"/>
             </a:xfrm>
             <a:prstGeom prst="rect">
               <a:avLst/>
@@ -5468,8 +5350,8 @@
           </p:nvSpPr>
           <p:spPr>
             <a:xfrm>
-              <a:off x="12503280" y="1615939"/>
-              <a:ext cx="2402625" cy="459788"/>
+              <a:off x="12503280" y="1615940"/>
+              <a:ext cx="2402625" cy="405358"/>
             </a:xfrm>
             <a:prstGeom prst="rect">
               <a:avLst/>
@@ -5611,8 +5493,8 @@
         </p:nvSpPr>
         <p:spPr>
           <a:xfrm>
-            <a:off x="261763" y="97353"/>
-            <a:ext cx="1100211" cy="584775"/>
+            <a:off x="557074" y="215239"/>
+            <a:ext cx="1100212" cy="707886"/>
           </a:xfrm>
           <a:prstGeom prst="rect">
             <a:avLst/>
@@ -5626,7 +5508,7 @@
           <a:lstStyle/>
           <a:p>
             <a:r>
-              <a:rPr lang="en-US" sz="3200" b="1" dirty="0">
+              <a:rPr lang="en-US" sz="4000" b="1" dirty="0">
                 <a:latin typeface="Times New Roman" panose="02020603050405020304" pitchFamily="18" charset="0"/>
                 <a:cs typeface="Times New Roman" panose="02020603050405020304" pitchFamily="18" charset="0"/>
               </a:rPr>
@@ -5635,147 +5517,6 @@
           </a:p>
         </p:txBody>
       </p:sp>
-      <p:sp>
-        <p:nvSpPr>
-          <p:cNvPr id="2" name="Left Brace 1">
-            <a:extLst>
-              <a:ext uri="{FF2B5EF4-FFF2-40B4-BE49-F238E27FC236}">
-                <a16:creationId xmlns:a16="http://schemas.microsoft.com/office/drawing/2014/main" id="{FC1FC0FA-6E8C-41DD-BDE0-1B29FE1FB806}"/>
-              </a:ext>
-            </a:extLst>
-          </p:cNvPr>
-          <p:cNvSpPr/>
-          <p:nvPr/>
-        </p:nvSpPr>
-        <p:spPr>
-          <a:xfrm>
-            <a:off x="11177352" y="3187250"/>
-            <a:ext cx="510691" cy="16946723"/>
-          </a:xfrm>
-          <a:prstGeom prst="leftBrace">
-            <a:avLst/>
-          </a:prstGeom>
-          <a:ln>
-            <a:solidFill>
-              <a:schemeClr val="tx1"/>
-            </a:solidFill>
-          </a:ln>
-        </p:spPr>
-        <p:style>
-          <a:lnRef idx="1">
-            <a:schemeClr val="accent1"/>
-          </a:lnRef>
-          <a:fillRef idx="0">
-            <a:schemeClr val="accent1"/>
-          </a:fillRef>
-          <a:effectRef idx="0">
-            <a:schemeClr val="accent1"/>
-          </a:effectRef>
-          <a:fontRef idx="minor">
-            <a:schemeClr val="tx1"/>
-          </a:fontRef>
-        </p:style>
-        <p:txBody>
-          <a:bodyPr rtlCol="0" anchor="ctr"/>
-          <a:lstStyle/>
-          <a:p>
-            <a:pPr algn="ctr"/>
-            <a:endParaRPr lang="en-US"/>
-          </a:p>
-        </p:txBody>
-      </p:sp>
-      <p:cxnSp>
-        <p:nvCxnSpPr>
-          <p:cNvPr id="27" name="Straight Arrow Connector 26">
-            <a:extLst>
-              <a:ext uri="{FF2B5EF4-FFF2-40B4-BE49-F238E27FC236}">
-                <a16:creationId xmlns:a16="http://schemas.microsoft.com/office/drawing/2014/main" id="{8B94F3E5-86DD-4EE4-816A-6876AFD6D3DC}"/>
-              </a:ext>
-            </a:extLst>
-          </p:cNvPr>
-          <p:cNvCxnSpPr>
-            <a:cxnSpLocks/>
-            <a:endCxn id="2" idx="1"/>
-          </p:cNvCxnSpPr>
-          <p:nvPr/>
-        </p:nvCxnSpPr>
-        <p:spPr>
-          <a:xfrm>
-            <a:off x="5825322" y="9308805"/>
-            <a:ext cx="5352030" cy="2351807"/>
-          </a:xfrm>
-          <a:prstGeom prst="straightConnector1">
-            <a:avLst/>
-          </a:prstGeom>
-          <a:ln>
-            <a:solidFill>
-              <a:schemeClr val="tx1"/>
-            </a:solidFill>
-            <a:tailEnd type="triangle"/>
-          </a:ln>
-        </p:spPr>
-        <p:style>
-          <a:lnRef idx="1">
-            <a:schemeClr val="accent1"/>
-          </a:lnRef>
-          <a:fillRef idx="0">
-            <a:schemeClr val="accent1"/>
-          </a:fillRef>
-          <a:effectRef idx="0">
-            <a:schemeClr val="accent1"/>
-          </a:effectRef>
-          <a:fontRef idx="minor">
-            <a:schemeClr val="tx1"/>
-          </a:fontRef>
-        </p:style>
-      </p:cxnSp>
-      <p:pic>
-        <p:nvPicPr>
-          <p:cNvPr id="26" name="Picture 2">
-            <a:extLst>
-              <a:ext uri="{FF2B5EF4-FFF2-40B4-BE49-F238E27FC236}">
-                <a16:creationId xmlns:a16="http://schemas.microsoft.com/office/drawing/2014/main" id="{43E0B1A0-E0CA-4A29-BC7D-65DC6F253E03}"/>
-              </a:ext>
-            </a:extLst>
-          </p:cNvPr>
-          <p:cNvPicPr>
-            <a:picLocks noChangeAspect="1" noChangeArrowheads="1"/>
-          </p:cNvPicPr>
-          <p:nvPr/>
-        </p:nvPicPr>
-        <p:blipFill>
-          <a:blip r:embed="rId8">
-            <a:extLst>
-              <a:ext uri="{28A0092B-C50C-407E-A947-70E740481C1C}">
-                <a14:useLocalDpi xmlns:a14="http://schemas.microsoft.com/office/drawing/2010/main" val="0"/>
-              </a:ext>
-            </a:extLst>
-          </a:blip>
-          <a:srcRect/>
-          <a:stretch>
-            <a:fillRect/>
-          </a:stretch>
-        </p:blipFill>
-        <p:spPr bwMode="auto">
-          <a:xfrm>
-            <a:off x="11671210" y="1661557"/>
-            <a:ext cx="10662924" cy="20221673"/>
-          </a:xfrm>
-          <a:prstGeom prst="rect">
-            <a:avLst/>
-          </a:prstGeom>
-          <a:noFill/>
-          <a:extLst>
-            <a:ext uri="{909E8E84-426E-40DD-AFC4-6F175D3DCCD1}">
-              <a14:hiddenFill xmlns:a14="http://schemas.microsoft.com/office/drawing/2010/main">
-                <a:solidFill>
-                  <a:srgbClr val="FFFFFF"/>
-                </a:solidFill>
-              </a14:hiddenFill>
-            </a:ext>
-          </a:extLst>
-        </p:spPr>
-      </p:pic>
       <p:sp>
         <p:nvSpPr>
           <p:cNvPr id="78" name="TextBox 77">
@@ -5790,8 +5531,8 @@
         </p:nvSpPr>
         <p:spPr>
           <a:xfrm>
-            <a:off x="11102106" y="0"/>
-            <a:ext cx="1122133" cy="584775"/>
+            <a:off x="11745351" y="212017"/>
+            <a:ext cx="1122133" cy="707886"/>
           </a:xfrm>
           <a:prstGeom prst="rect">
             <a:avLst/>
@@ -5805,21 +5546,51 @@
           <a:lstStyle/>
           <a:p>
             <a:r>
-              <a:rPr lang="en-US" sz="3200" b="1" dirty="0">
+              <a:rPr lang="en-US" sz="4000" b="1" dirty="0">
                 <a:latin typeface="Times New Roman" panose="02020603050405020304" pitchFamily="18" charset="0"/>
                 <a:cs typeface="Times New Roman" panose="02020603050405020304" pitchFamily="18" charset="0"/>
               </a:rPr>
-              <a:t>D</a:t>
-            </a:r>
-          </a:p>
-        </p:txBody>
-      </p:sp>
-      <p:sp>
-        <p:nvSpPr>
-          <p:cNvPr id="79" name="TextBox 78">
+              <a:t>B</a:t>
+            </a:r>
+          </a:p>
+        </p:txBody>
+      </p:sp>
+      <p:pic>
+        <p:nvPicPr>
+          <p:cNvPr id="77" name="Picture 76">
             <a:extLst>
               <a:ext uri="{FF2B5EF4-FFF2-40B4-BE49-F238E27FC236}">
-                <a16:creationId xmlns:a16="http://schemas.microsoft.com/office/drawing/2014/main" id="{5662ACE6-A88B-4474-90F8-28D59E4946B4}"/>
+                <a16:creationId xmlns:a16="http://schemas.microsoft.com/office/drawing/2014/main" id="{73466955-6192-4ABB-9EE9-D896BBB04470}"/>
+              </a:ext>
+            </a:extLst>
+          </p:cNvPr>
+          <p:cNvPicPr>
+            <a:picLocks noChangeAspect="1"/>
+          </p:cNvPicPr>
+          <p:nvPr/>
+        </p:nvPicPr>
+        <p:blipFill>
+          <a:blip r:embed="rId7"/>
+          <a:stretch>
+            <a:fillRect/>
+          </a:stretch>
+        </p:blipFill>
+        <p:spPr>
+          <a:xfrm>
+            <a:off x="12564985" y="7772111"/>
+            <a:ext cx="3919720" cy="4388212"/>
+          </a:xfrm>
+          <a:prstGeom prst="rect">
+            <a:avLst/>
+          </a:prstGeom>
+        </p:spPr>
+      </p:pic>
+      <p:sp>
+        <p:nvSpPr>
+          <p:cNvPr id="95" name="TextBox 94">
+            <a:extLst>
+              <a:ext uri="{FF2B5EF4-FFF2-40B4-BE49-F238E27FC236}">
+                <a16:creationId xmlns:a16="http://schemas.microsoft.com/office/drawing/2014/main" id="{A15D52A1-1642-4D86-B7FF-DB034A166C43}"/>
               </a:ext>
             </a:extLst>
           </p:cNvPr>
@@ -5828,8 +5599,58 @@
         </p:nvSpPr>
         <p:spPr>
           <a:xfrm>
-            <a:off x="14499985" y="185938"/>
-            <a:ext cx="4749587" cy="522259"/>
+            <a:off x="12881196" y="12186045"/>
+            <a:ext cx="3375678" cy="477054"/>
+          </a:xfrm>
+          <a:prstGeom prst="rect">
+            <a:avLst/>
+          </a:prstGeom>
+          <a:solidFill>
+            <a:schemeClr val="bg1"/>
+          </a:solidFill>
+        </p:spPr>
+        <p:txBody>
+          <a:bodyPr wrap="square" rtlCol="0">
+            <a:spAutoFit/>
+          </a:bodyPr>
+          <a:lstStyle/>
+          <a:p>
+            <a:pPr algn="ctr"/>
+            <a:r>
+              <a:rPr lang="en-US" sz="2500" b="1" dirty="0">
+                <a:latin typeface="Times New Roman" panose="02020603050405020304" pitchFamily="18" charset="0"/>
+                <a:cs typeface="Times New Roman" panose="02020603050405020304" pitchFamily="18" charset="0"/>
+              </a:rPr>
+              <a:t>Cyclosporin</a:t>
+            </a:r>
+            <a:r>
+              <a:rPr lang="en-US" sz="2500" dirty="0">
+                <a:solidFill>
+                  <a:srgbClr val="5B616B"/>
+                </a:solidFill>
+                <a:latin typeface="-apple-system"/>
+              </a:rPr>
+              <a:t> </a:t>
+            </a:r>
+          </a:p>
+        </p:txBody>
+      </p:sp>
+      <p:sp>
+        <p:nvSpPr>
+          <p:cNvPr id="97" name="TextBox 96">
+            <a:extLst>
+              <a:ext uri="{FF2B5EF4-FFF2-40B4-BE49-F238E27FC236}">
+                <a16:creationId xmlns:a16="http://schemas.microsoft.com/office/drawing/2014/main" id="{173B26EB-64D5-4C9F-A909-D7BC4DC3EB9E}"/>
+              </a:ext>
+            </a:extLst>
+          </p:cNvPr>
+          <p:cNvSpPr txBox="1"/>
+          <p:nvPr/>
+        </p:nvSpPr>
+        <p:spPr>
+          <a:xfrm>
+            <a:off x="7494096" y="16378047"/>
+            <a:ext cx="396162" cy="361637"/>
           </a:xfrm>
           <a:prstGeom prst="rect">
             <a:avLst/>
@@ -5842,743 +5663,13 @@
           </a:bodyPr>
           <a:lstStyle/>
           <a:p>
-            <a:pPr>
-              <a:lnSpc>
-                <a:spcPct val="107000"/>
-              </a:lnSpc>
-              <a:spcAft>
-                <a:spcPts val="857"/>
-              </a:spcAft>
-            </a:pPr>
-            <a:r>
-              <a:rPr lang="en-US" sz="2800" b="1" dirty="0">
-                <a:latin typeface="Times New Roman" panose="02020603050405020304" pitchFamily="18" charset="0"/>
-                <a:ea typeface="Calibri" panose="020F0502020204030204" pitchFamily="34" charset="0"/>
-                <a:cs typeface="Times New Roman" panose="02020603050405020304" pitchFamily="18" charset="0"/>
-              </a:rPr>
-              <a:t>c</a:t>
-            </a:r>
-            <a:r>
-              <a:rPr lang="en-US" sz="2800" b="1" baseline="-25000" dirty="0">
-                <a:latin typeface="Times New Roman" panose="02020603050405020304" pitchFamily="18" charset="0"/>
-                <a:ea typeface="Calibri" panose="020F0502020204030204" pitchFamily="34" charset="0"/>
-                <a:cs typeface="Times New Roman" panose="02020603050405020304" pitchFamily="18" charset="0"/>
-              </a:rPr>
-              <a:t>Spearman</a:t>
-            </a:r>
-            <a:r>
-              <a:rPr lang="en-US" sz="2800" b="1" dirty="0">
-                <a:latin typeface="Times New Roman" panose="02020603050405020304" pitchFamily="18" charset="0"/>
-                <a:ea typeface="Calibri" panose="020F0502020204030204" pitchFamily="34" charset="0"/>
-                <a:cs typeface="Times New Roman" panose="02020603050405020304" pitchFamily="18" charset="0"/>
-              </a:rPr>
-              <a:t>(p</a:t>
-            </a:r>
-            <a:r>
-              <a:rPr lang="en-US" sz="2800" b="1" baseline="-25000" dirty="0">
-                <a:latin typeface="Times New Roman" panose="02020603050405020304" pitchFamily="18" charset="0"/>
-                <a:ea typeface="Calibri" panose="020F0502020204030204" pitchFamily="34" charset="0"/>
-                <a:cs typeface="Times New Roman" panose="02020603050405020304" pitchFamily="18" charset="0"/>
-              </a:rPr>
-              <a:t>ij</a:t>
-            </a:r>
-            <a:r>
-              <a:rPr lang="en-US" sz="2800" b="1" baseline="30000" dirty="0">
-                <a:latin typeface="Times New Roman" panose="02020603050405020304" pitchFamily="18" charset="0"/>
-                <a:ea typeface="Calibri" panose="020F0502020204030204" pitchFamily="34" charset="0"/>
-                <a:cs typeface="Times New Roman" panose="02020603050405020304" pitchFamily="18" charset="0"/>
-              </a:rPr>
-              <a:t>VecNet</a:t>
-            </a:r>
-            <a:r>
-              <a:rPr lang="en-US" sz="2800" b="1" dirty="0">
-                <a:latin typeface="Times New Roman" panose="02020603050405020304" pitchFamily="18" charset="0"/>
-                <a:ea typeface="Calibri" panose="020F0502020204030204" pitchFamily="34" charset="0"/>
-                <a:cs typeface="Times New Roman" panose="02020603050405020304" pitchFamily="18" charset="0"/>
-              </a:rPr>
-              <a:t>, </a:t>
-            </a:r>
-            <a:r>
-              <a:rPr lang="el-GR" sz="2800" b="1" dirty="0">
-                <a:solidFill>
-                  <a:srgbClr val="202122"/>
-                </a:solidFill>
+            <a:r>
+              <a:rPr lang="en-US" sz="1750" dirty="0">
                 <a:latin typeface="Times New Roman" panose="02020603050405020304" pitchFamily="18" charset="0"/>
                 <a:cs typeface="Times New Roman" panose="02020603050405020304" pitchFamily="18" charset="0"/>
               </a:rPr>
-              <a:t>Δ</a:t>
-            </a:r>
-            <a:r>
-              <a:rPr lang="en-US" sz="2800" b="1" dirty="0">
-                <a:latin typeface="Times New Roman" panose="02020603050405020304" pitchFamily="18" charset="0"/>
-                <a:ea typeface="Calibri" panose="020F0502020204030204" pitchFamily="34" charset="0"/>
-                <a:cs typeface="Times New Roman" panose="02020603050405020304" pitchFamily="18" charset="0"/>
-              </a:rPr>
-              <a:t>G) = -0.51</a:t>
-            </a:r>
-          </a:p>
-        </p:txBody>
-      </p:sp>
-      <p:grpSp>
-        <p:nvGrpSpPr>
-          <p:cNvPr id="80" name="Group 79">
-            <a:extLst>
-              <a:ext uri="{FF2B5EF4-FFF2-40B4-BE49-F238E27FC236}">
-                <a16:creationId xmlns:a16="http://schemas.microsoft.com/office/drawing/2014/main" id="{7952CF81-D9E0-4B8A-80B0-7B1CBF440AD8}"/>
-              </a:ext>
-            </a:extLst>
-          </p:cNvPr>
-          <p:cNvGrpSpPr/>
-          <p:nvPr/>
-        </p:nvGrpSpPr>
-        <p:grpSpPr>
-          <a:xfrm>
-            <a:off x="12730412" y="1113306"/>
-            <a:ext cx="8212487" cy="717113"/>
-            <a:chOff x="12848655" y="1208096"/>
-            <a:chExt cx="8212487" cy="717113"/>
-          </a:xfrm>
-        </p:grpSpPr>
-        <p:sp>
-          <p:nvSpPr>
-            <p:cNvPr id="81" name="TextBox 80">
-              <a:extLst>
-                <a:ext uri="{FF2B5EF4-FFF2-40B4-BE49-F238E27FC236}">
-                  <a16:creationId xmlns:a16="http://schemas.microsoft.com/office/drawing/2014/main" id="{66DF9D5A-EEFD-4866-B273-B148902DD99F}"/>
-                </a:ext>
-              </a:extLst>
-            </p:cNvPr>
-            <p:cNvSpPr txBox="1"/>
-            <p:nvPr/>
-          </p:nvSpPr>
-          <p:spPr>
-            <a:xfrm>
-              <a:off x="12848655" y="1208096"/>
-              <a:ext cx="2288201" cy="707886"/>
-            </a:xfrm>
-            <a:prstGeom prst="rect">
-              <a:avLst/>
-            </a:prstGeom>
-            <a:noFill/>
-          </p:spPr>
-          <p:txBody>
-            <a:bodyPr wrap="square" rtlCol="0">
-              <a:spAutoFit/>
-            </a:bodyPr>
-            <a:lstStyle/>
-            <a:p>
-              <a:pPr algn="ctr"/>
-              <a:r>
-                <a:rPr lang="en-US" sz="2000" dirty="0">
-                  <a:latin typeface="Times New Roman" panose="02020603050405020304" pitchFamily="18" charset="0"/>
-                  <a:cs typeface="Times New Roman" panose="02020603050405020304" pitchFamily="18" charset="0"/>
-                </a:rPr>
-                <a:t>Higher AI-Bind Prediction </a:t>
-              </a:r>
-              <a:r>
-                <a:rPr lang="en-US" sz="2000" dirty="0">
-                  <a:latin typeface="Times New Roman" panose="02020603050405020304" pitchFamily="18" charset="0"/>
-                  <a:ea typeface="Calibri" panose="020F0502020204030204" pitchFamily="34" charset="0"/>
-                  <a:cs typeface="Times New Roman" panose="02020603050405020304" pitchFamily="18" charset="0"/>
-                </a:rPr>
-                <a:t>p</a:t>
-              </a:r>
-              <a:r>
-                <a:rPr lang="en-US" sz="2000" baseline="-25000" dirty="0">
-                  <a:latin typeface="Times New Roman" panose="02020603050405020304" pitchFamily="18" charset="0"/>
-                  <a:ea typeface="Calibri" panose="020F0502020204030204" pitchFamily="34" charset="0"/>
-                  <a:cs typeface="Times New Roman" panose="02020603050405020304" pitchFamily="18" charset="0"/>
-                </a:rPr>
-                <a:t>ij</a:t>
-              </a:r>
-              <a:r>
-                <a:rPr lang="en-US" sz="2000" baseline="30000" dirty="0">
-                  <a:latin typeface="Times New Roman" panose="02020603050405020304" pitchFamily="18" charset="0"/>
-                  <a:ea typeface="Calibri" panose="020F0502020204030204" pitchFamily="34" charset="0"/>
-                  <a:cs typeface="Times New Roman" panose="02020603050405020304" pitchFamily="18" charset="0"/>
-                </a:rPr>
-                <a:t>VecNet</a:t>
-              </a:r>
-              <a:r>
-                <a:rPr lang="en-US" sz="2000" dirty="0">
-                  <a:latin typeface="Times New Roman" panose="02020603050405020304" pitchFamily="18" charset="0"/>
-                  <a:cs typeface="Times New Roman" panose="02020603050405020304" pitchFamily="18" charset="0"/>
-                </a:rPr>
-                <a:t> </a:t>
-              </a:r>
-            </a:p>
-          </p:txBody>
-        </p:sp>
-        <p:sp>
-          <p:nvSpPr>
-            <p:cNvPr id="82" name="TextBox 81">
-              <a:extLst>
-                <a:ext uri="{FF2B5EF4-FFF2-40B4-BE49-F238E27FC236}">
-                  <a16:creationId xmlns:a16="http://schemas.microsoft.com/office/drawing/2014/main" id="{08F0C053-4939-4F9A-B817-A30704613120}"/>
-                </a:ext>
-              </a:extLst>
-            </p:cNvPr>
-            <p:cNvSpPr txBox="1"/>
-            <p:nvPr/>
-          </p:nvSpPr>
-          <p:spPr>
-            <a:xfrm>
-              <a:off x="15848922" y="1217323"/>
-              <a:ext cx="2288201" cy="707886"/>
-            </a:xfrm>
-            <a:prstGeom prst="rect">
-              <a:avLst/>
-            </a:prstGeom>
-            <a:noFill/>
-          </p:spPr>
-          <p:txBody>
-            <a:bodyPr wrap="square" rtlCol="0">
-              <a:spAutoFit/>
-            </a:bodyPr>
-            <a:lstStyle/>
-            <a:p>
-              <a:pPr algn="ctr"/>
-              <a:r>
-                <a:rPr lang="en-US" sz="2000" dirty="0">
-                  <a:latin typeface="Times New Roman" panose="02020603050405020304" pitchFamily="18" charset="0"/>
-                  <a:cs typeface="Times New Roman" panose="02020603050405020304" pitchFamily="18" charset="0"/>
-                </a:rPr>
-                <a:t>Lower Binding Affinity</a:t>
-              </a:r>
-            </a:p>
-          </p:txBody>
-        </p:sp>
-        <p:sp>
-          <p:nvSpPr>
-            <p:cNvPr id="83" name="TextBox 82">
-              <a:extLst>
-                <a:ext uri="{FF2B5EF4-FFF2-40B4-BE49-F238E27FC236}">
-                  <a16:creationId xmlns:a16="http://schemas.microsoft.com/office/drawing/2014/main" id="{6A413CCD-D798-442E-BADE-E1884BDCA82D}"/>
-                </a:ext>
-              </a:extLst>
-            </p:cNvPr>
-            <p:cNvSpPr txBox="1"/>
-            <p:nvPr/>
-          </p:nvSpPr>
-          <p:spPr>
-            <a:xfrm>
-              <a:off x="18772941" y="1392227"/>
-              <a:ext cx="2288201" cy="400110"/>
-            </a:xfrm>
-            <a:prstGeom prst="rect">
-              <a:avLst/>
-            </a:prstGeom>
-            <a:noFill/>
-          </p:spPr>
-          <p:txBody>
-            <a:bodyPr wrap="square" rtlCol="0">
-              <a:spAutoFit/>
-            </a:bodyPr>
-            <a:lstStyle/>
-            <a:p>
-              <a:pPr algn="ctr"/>
-              <a:r>
-                <a:rPr lang="en-US" sz="2000" dirty="0">
-                  <a:latin typeface="Times New Roman" panose="02020603050405020304" pitchFamily="18" charset="0"/>
-                  <a:cs typeface="Times New Roman" panose="02020603050405020304" pitchFamily="18" charset="0"/>
-                </a:rPr>
-                <a:t>Stronger Binding</a:t>
-              </a:r>
-            </a:p>
-          </p:txBody>
-        </p:sp>
-      </p:grpSp>
-      <p:grpSp>
-        <p:nvGrpSpPr>
-          <p:cNvPr id="84" name="Group 83">
-            <a:extLst>
-              <a:ext uri="{FF2B5EF4-FFF2-40B4-BE49-F238E27FC236}">
-                <a16:creationId xmlns:a16="http://schemas.microsoft.com/office/drawing/2014/main" id="{E7694A60-E618-4FE6-A1C7-C2F89E0D72D6}"/>
-              </a:ext>
-            </a:extLst>
-          </p:cNvPr>
-          <p:cNvGrpSpPr/>
-          <p:nvPr/>
-        </p:nvGrpSpPr>
-        <p:grpSpPr>
-          <a:xfrm>
-            <a:off x="11455419" y="2017699"/>
-            <a:ext cx="1396175" cy="1169551"/>
-            <a:chOff x="11533570" y="2051698"/>
-            <a:chExt cx="1396175" cy="1169551"/>
-          </a:xfrm>
-        </p:grpSpPr>
-        <p:sp>
-          <p:nvSpPr>
-            <p:cNvPr id="85" name="TextBox 84">
-              <a:extLst>
-                <a:ext uri="{FF2B5EF4-FFF2-40B4-BE49-F238E27FC236}">
-                  <a16:creationId xmlns:a16="http://schemas.microsoft.com/office/drawing/2014/main" id="{13125864-B3D7-4255-8017-170CA79D200A}"/>
-                </a:ext>
-              </a:extLst>
-            </p:cNvPr>
-            <p:cNvSpPr txBox="1"/>
-            <p:nvPr/>
-          </p:nvSpPr>
-          <p:spPr>
-            <a:xfrm>
-              <a:off x="11533570" y="2051698"/>
-              <a:ext cx="1393236" cy="1169551"/>
-            </a:xfrm>
-            <a:prstGeom prst="rect">
-              <a:avLst/>
-            </a:prstGeom>
-            <a:noFill/>
-          </p:spPr>
-          <p:txBody>
-            <a:bodyPr wrap="square" rtlCol="0">
-              <a:spAutoFit/>
-            </a:bodyPr>
-            <a:lstStyle/>
-            <a:p>
-              <a:pPr algn="ctr"/>
-              <a:endParaRPr lang="en-US" sz="1750" b="1" dirty="0">
-                <a:latin typeface="Times New Roman" panose="02020603050405020304" pitchFamily="18" charset="0"/>
-                <a:cs typeface="Times New Roman" panose="02020603050405020304" pitchFamily="18" charset="0"/>
-              </a:endParaRPr>
-            </a:p>
-            <a:p>
-              <a:pPr algn="ctr"/>
-              <a:r>
-                <a:rPr lang="en-US" sz="1750" b="1" dirty="0">
-                  <a:latin typeface="Times New Roman" panose="02020603050405020304" pitchFamily="18" charset="0"/>
-                  <a:cs typeface="Times New Roman" panose="02020603050405020304" pitchFamily="18" charset="0"/>
-                </a:rPr>
-                <a:t>Prediction Percentile</a:t>
-              </a:r>
-            </a:p>
-            <a:p>
-              <a:endParaRPr lang="en-US" sz="1750" b="1" dirty="0"/>
-            </a:p>
-          </p:txBody>
-        </p:sp>
-        <p:sp>
-          <p:nvSpPr>
-            <p:cNvPr id="86" name="Rectangle: Rounded Corners 85">
-              <a:extLst>
-                <a:ext uri="{FF2B5EF4-FFF2-40B4-BE49-F238E27FC236}">
-                  <a16:creationId xmlns:a16="http://schemas.microsoft.com/office/drawing/2014/main" id="{F697AC08-F1D5-4AAA-89ED-AF94FF6EAEC6}"/>
-                </a:ext>
-              </a:extLst>
-            </p:cNvPr>
-            <p:cNvSpPr/>
-            <p:nvPr/>
-          </p:nvSpPr>
-          <p:spPr>
-            <a:xfrm>
-              <a:off x="11536581" y="2213292"/>
-              <a:ext cx="1393164" cy="898358"/>
-            </a:xfrm>
-            <a:prstGeom prst="roundRect">
-              <a:avLst/>
-            </a:prstGeom>
-            <a:noFill/>
-            <a:ln>
-              <a:solidFill>
-                <a:srgbClr val="A2A2FF"/>
-              </a:solidFill>
-            </a:ln>
-          </p:spPr>
-          <p:style>
-            <a:lnRef idx="2">
-              <a:schemeClr val="accent1">
-                <a:shade val="50000"/>
-              </a:schemeClr>
-            </a:lnRef>
-            <a:fillRef idx="1">
-              <a:schemeClr val="accent1"/>
-            </a:fillRef>
-            <a:effectRef idx="0">
-              <a:schemeClr val="accent1"/>
-            </a:effectRef>
-            <a:fontRef idx="minor">
-              <a:schemeClr val="lt1"/>
-            </a:fontRef>
-          </p:style>
-          <p:txBody>
-            <a:bodyPr rtlCol="0" anchor="ctr"/>
-            <a:lstStyle/>
-            <a:p>
-              <a:pPr algn="ctr"/>
-              <a:endParaRPr lang="en-US"/>
-            </a:p>
-          </p:txBody>
-        </p:sp>
-      </p:grpSp>
-      <p:grpSp>
-        <p:nvGrpSpPr>
-          <p:cNvPr id="87" name="Group 86">
-            <a:extLst>
-              <a:ext uri="{FF2B5EF4-FFF2-40B4-BE49-F238E27FC236}">
-                <a16:creationId xmlns:a16="http://schemas.microsoft.com/office/drawing/2014/main" id="{E37FF816-FECD-4379-A4EB-FC8A52E82379}"/>
-              </a:ext>
-            </a:extLst>
-          </p:cNvPr>
-          <p:cNvGrpSpPr/>
-          <p:nvPr/>
-        </p:nvGrpSpPr>
-        <p:grpSpPr>
-          <a:xfrm>
-            <a:off x="21030798" y="1908100"/>
-            <a:ext cx="1422789" cy="1169551"/>
-            <a:chOff x="21092411" y="1809408"/>
-            <a:chExt cx="1422789" cy="1169551"/>
-          </a:xfrm>
-        </p:grpSpPr>
-        <p:sp>
-          <p:nvSpPr>
-            <p:cNvPr id="88" name="TextBox 87">
-              <a:extLst>
-                <a:ext uri="{FF2B5EF4-FFF2-40B4-BE49-F238E27FC236}">
-                  <a16:creationId xmlns:a16="http://schemas.microsoft.com/office/drawing/2014/main" id="{080FE1E5-E22B-4B29-824E-1A40987717B7}"/>
-                </a:ext>
-              </a:extLst>
-            </p:cNvPr>
-            <p:cNvSpPr txBox="1"/>
-            <p:nvPr/>
-          </p:nvSpPr>
-          <p:spPr>
-            <a:xfrm>
-              <a:off x="21121964" y="1971376"/>
-              <a:ext cx="1393236" cy="900246"/>
-            </a:xfrm>
-            <a:prstGeom prst="rect">
-              <a:avLst/>
-            </a:prstGeom>
-            <a:noFill/>
-          </p:spPr>
-          <p:txBody>
-            <a:bodyPr wrap="square" rtlCol="0">
-              <a:spAutoFit/>
-            </a:bodyPr>
-            <a:lstStyle/>
-            <a:p>
-              <a:pPr algn="ctr"/>
-              <a:r>
-                <a:rPr lang="en-US" sz="1750" b="1" dirty="0">
-                  <a:latin typeface="Times New Roman" panose="02020603050405020304" pitchFamily="18" charset="0"/>
-                  <a:cs typeface="Times New Roman" panose="02020603050405020304" pitchFamily="18" charset="0"/>
-                </a:rPr>
-                <a:t>Binding Affinity (kcal/mole)</a:t>
-              </a:r>
-            </a:p>
-          </p:txBody>
-        </p:sp>
-        <p:sp>
-          <p:nvSpPr>
-            <p:cNvPr id="89" name="Rectangle: Rounded Corners 88">
-              <a:extLst>
-                <a:ext uri="{FF2B5EF4-FFF2-40B4-BE49-F238E27FC236}">
-                  <a16:creationId xmlns:a16="http://schemas.microsoft.com/office/drawing/2014/main" id="{CD9FF5F6-652B-46F9-BCEF-1774B570C88D}"/>
-                </a:ext>
-              </a:extLst>
-            </p:cNvPr>
-            <p:cNvSpPr/>
-            <p:nvPr/>
-          </p:nvSpPr>
-          <p:spPr>
-            <a:xfrm>
-              <a:off x="21092411" y="1809408"/>
-              <a:ext cx="1393164" cy="1169551"/>
-            </a:xfrm>
-            <a:prstGeom prst="roundRect">
-              <a:avLst/>
-            </a:prstGeom>
-            <a:noFill/>
-            <a:ln>
-              <a:solidFill>
-                <a:srgbClr val="B6DAB6"/>
-              </a:solidFill>
-            </a:ln>
-          </p:spPr>
-          <p:style>
-            <a:lnRef idx="2">
-              <a:schemeClr val="accent1">
-                <a:shade val="50000"/>
-              </a:schemeClr>
-            </a:lnRef>
-            <a:fillRef idx="1">
-              <a:schemeClr val="accent1"/>
-            </a:fillRef>
-            <a:effectRef idx="0">
-              <a:schemeClr val="accent1"/>
-            </a:effectRef>
-            <a:fontRef idx="minor">
-              <a:schemeClr val="lt1"/>
-            </a:fontRef>
-          </p:style>
-          <p:txBody>
-            <a:bodyPr rtlCol="0" anchor="ctr"/>
-            <a:lstStyle/>
-            <a:p>
-              <a:pPr algn="ctr"/>
-              <a:endParaRPr lang="en-US"/>
-            </a:p>
-          </p:txBody>
-        </p:sp>
-      </p:grpSp>
-      <p:sp>
-        <p:nvSpPr>
-          <p:cNvPr id="90" name="Rectangle: Rounded Corners 89">
-            <a:extLst>
-              <a:ext uri="{FF2B5EF4-FFF2-40B4-BE49-F238E27FC236}">
-                <a16:creationId xmlns:a16="http://schemas.microsoft.com/office/drawing/2014/main" id="{EDB7E1D0-A7BB-479A-8195-64B5F6F191D0}"/>
-              </a:ext>
-            </a:extLst>
-          </p:cNvPr>
-          <p:cNvSpPr/>
-          <p:nvPr/>
-        </p:nvSpPr>
-        <p:spPr>
-          <a:xfrm>
-            <a:off x="12834479" y="1085532"/>
-            <a:ext cx="2080065" cy="851542"/>
-          </a:xfrm>
-          <a:prstGeom prst="roundRect">
-            <a:avLst/>
-          </a:prstGeom>
-          <a:noFill/>
-          <a:ln>
-            <a:solidFill>
-              <a:schemeClr val="tx1"/>
-            </a:solidFill>
-          </a:ln>
-        </p:spPr>
-        <p:style>
-          <a:lnRef idx="2">
-            <a:schemeClr val="accent1">
-              <a:shade val="50000"/>
-            </a:schemeClr>
-          </a:lnRef>
-          <a:fillRef idx="1">
-            <a:schemeClr val="accent1"/>
-          </a:fillRef>
-          <a:effectRef idx="0">
-            <a:schemeClr val="accent1"/>
-          </a:effectRef>
-          <a:fontRef idx="minor">
-            <a:schemeClr val="lt1"/>
-          </a:fontRef>
-        </p:style>
-        <p:txBody>
-          <a:bodyPr rtlCol="0" anchor="ctr"/>
-          <a:lstStyle/>
-          <a:p>
-            <a:pPr algn="ctr"/>
-            <a:endParaRPr lang="en-US"/>
-          </a:p>
-        </p:txBody>
-      </p:sp>
-      <p:sp>
-        <p:nvSpPr>
-          <p:cNvPr id="91" name="Rectangle: Rounded Corners 90">
-            <a:extLst>
-              <a:ext uri="{FF2B5EF4-FFF2-40B4-BE49-F238E27FC236}">
-                <a16:creationId xmlns:a16="http://schemas.microsoft.com/office/drawing/2014/main" id="{147EBE27-45BC-4280-A2F3-CFA5E5B705DA}"/>
-              </a:ext>
-            </a:extLst>
-          </p:cNvPr>
-          <p:cNvSpPr/>
-          <p:nvPr/>
-        </p:nvSpPr>
-        <p:spPr>
-          <a:xfrm>
-            <a:off x="15843986" y="1084687"/>
-            <a:ext cx="2080065" cy="851542"/>
-          </a:xfrm>
-          <a:prstGeom prst="roundRect">
-            <a:avLst/>
-          </a:prstGeom>
-          <a:noFill/>
-          <a:ln>
-            <a:solidFill>
-              <a:schemeClr val="tx1"/>
-            </a:solidFill>
-          </a:ln>
-        </p:spPr>
-        <p:style>
-          <a:lnRef idx="2">
-            <a:schemeClr val="accent1">
-              <a:shade val="50000"/>
-            </a:schemeClr>
-          </a:lnRef>
-          <a:fillRef idx="1">
-            <a:schemeClr val="accent1"/>
-          </a:fillRef>
-          <a:effectRef idx="0">
-            <a:schemeClr val="accent1"/>
-          </a:effectRef>
-          <a:fontRef idx="minor">
-            <a:schemeClr val="lt1"/>
-          </a:fontRef>
-        </p:style>
-        <p:txBody>
-          <a:bodyPr rtlCol="0" anchor="ctr"/>
-          <a:lstStyle/>
-          <a:p>
-            <a:pPr algn="ctr"/>
-            <a:endParaRPr lang="en-US"/>
-          </a:p>
-        </p:txBody>
-      </p:sp>
-      <p:sp>
-        <p:nvSpPr>
-          <p:cNvPr id="92" name="Rectangle: Rounded Corners 91">
-            <a:extLst>
-              <a:ext uri="{FF2B5EF4-FFF2-40B4-BE49-F238E27FC236}">
-                <a16:creationId xmlns:a16="http://schemas.microsoft.com/office/drawing/2014/main" id="{50FD2175-FB56-4378-AAEE-0BBFCDD66F60}"/>
-              </a:ext>
-            </a:extLst>
-          </p:cNvPr>
-          <p:cNvSpPr/>
-          <p:nvPr/>
-        </p:nvSpPr>
-        <p:spPr>
-          <a:xfrm>
-            <a:off x="18738821" y="1096774"/>
-            <a:ext cx="2080065" cy="851542"/>
-          </a:xfrm>
-          <a:prstGeom prst="roundRect">
-            <a:avLst/>
-          </a:prstGeom>
-          <a:noFill/>
-          <a:ln>
-            <a:solidFill>
-              <a:schemeClr val="tx1"/>
-            </a:solidFill>
-          </a:ln>
-        </p:spPr>
-        <p:style>
-          <a:lnRef idx="2">
-            <a:schemeClr val="accent1">
-              <a:shade val="50000"/>
-            </a:schemeClr>
-          </a:lnRef>
-          <a:fillRef idx="1">
-            <a:schemeClr val="accent1"/>
-          </a:fillRef>
-          <a:effectRef idx="0">
-            <a:schemeClr val="accent1"/>
-          </a:effectRef>
-          <a:fontRef idx="minor">
-            <a:schemeClr val="lt1"/>
-          </a:fontRef>
-        </p:style>
-        <p:txBody>
-          <a:bodyPr rtlCol="0" anchor="ctr"/>
-          <a:lstStyle/>
-          <a:p>
-            <a:pPr algn="ctr"/>
-            <a:endParaRPr lang="en-US"/>
-          </a:p>
-        </p:txBody>
-      </p:sp>
-      <p:sp>
-        <p:nvSpPr>
-          <p:cNvPr id="93" name="Arrow: Right 92">
-            <a:extLst>
-              <a:ext uri="{FF2B5EF4-FFF2-40B4-BE49-F238E27FC236}">
-                <a16:creationId xmlns:a16="http://schemas.microsoft.com/office/drawing/2014/main" id="{41403B52-B556-4592-86B7-C85AB6DC4620}"/>
-              </a:ext>
-            </a:extLst>
-          </p:cNvPr>
-          <p:cNvSpPr/>
-          <p:nvPr/>
-        </p:nvSpPr>
-        <p:spPr>
-          <a:xfrm>
-            <a:off x="15115367" y="1247329"/>
-            <a:ext cx="510684" cy="532982"/>
-          </a:xfrm>
-          <a:prstGeom prst="rightArrow">
-            <a:avLst/>
-          </a:prstGeom>
-          <a:noFill/>
-          <a:ln>
-            <a:solidFill>
-              <a:schemeClr val="tx1"/>
-            </a:solidFill>
-          </a:ln>
-        </p:spPr>
-        <p:style>
-          <a:lnRef idx="2">
-            <a:schemeClr val="accent1">
-              <a:shade val="50000"/>
-            </a:schemeClr>
-          </a:lnRef>
-          <a:fillRef idx="1">
-            <a:schemeClr val="accent1"/>
-          </a:fillRef>
-          <a:effectRef idx="0">
-            <a:schemeClr val="accent1"/>
-          </a:effectRef>
-          <a:fontRef idx="minor">
-            <a:schemeClr val="lt1"/>
-          </a:fontRef>
-        </p:style>
-        <p:txBody>
-          <a:bodyPr rtlCol="0" anchor="ctr"/>
-          <a:lstStyle/>
-          <a:p>
-            <a:pPr algn="ctr"/>
-            <a:endParaRPr lang="en-US"/>
-          </a:p>
-        </p:txBody>
-      </p:sp>
-      <p:sp>
-        <p:nvSpPr>
-          <p:cNvPr id="94" name="Arrow: Right 93">
-            <a:extLst>
-              <a:ext uri="{FF2B5EF4-FFF2-40B4-BE49-F238E27FC236}">
-                <a16:creationId xmlns:a16="http://schemas.microsoft.com/office/drawing/2014/main" id="{6C13728C-4ACB-4704-BA17-C219C2DC9A34}"/>
-              </a:ext>
-            </a:extLst>
-          </p:cNvPr>
-          <p:cNvSpPr/>
-          <p:nvPr/>
-        </p:nvSpPr>
-        <p:spPr>
-          <a:xfrm>
-            <a:off x="18061271" y="1243967"/>
-            <a:ext cx="510684" cy="532982"/>
-          </a:xfrm>
-          <a:prstGeom prst="rightArrow">
-            <a:avLst/>
-          </a:prstGeom>
-          <a:noFill/>
-          <a:ln>
-            <a:solidFill>
-              <a:schemeClr val="tx1"/>
-            </a:solidFill>
-          </a:ln>
-        </p:spPr>
-        <p:style>
-          <a:lnRef idx="2">
-            <a:schemeClr val="accent1">
-              <a:shade val="50000"/>
-            </a:schemeClr>
-          </a:lnRef>
-          <a:fillRef idx="1">
-            <a:schemeClr val="accent1"/>
-          </a:fillRef>
-          <a:effectRef idx="0">
-            <a:schemeClr val="accent1"/>
-          </a:effectRef>
-          <a:fontRef idx="minor">
-            <a:schemeClr val="lt1"/>
-          </a:fontRef>
-        </p:style>
-        <p:txBody>
-          <a:bodyPr rtlCol="0" anchor="ctr"/>
-          <a:lstStyle/>
-          <a:p>
-            <a:pPr algn="ctr"/>
-            <a:endParaRPr lang="en-US"/>
+              <a:t>*</a:t>
+            </a:r>
           </a:p>
         </p:txBody>
       </p:sp>

--- a/Images/fig4.pptx
+++ b/Images/fig4.pptx
@@ -197,7 +197,7 @@
           <a:p>
             <a:fld id="{D34CEA9E-E5A5-49C8-A578-AF124664FEC0}" type="datetimeFigureOut">
               <a:rPr lang="en-US" smtClean="0"/>
-              <a:t>11/19/2021</a:t>
+              <a:t>11/23/2021</a:t>
             </a:fld>
             <a:endParaRPr lang="en-US"/>
           </a:p>
@@ -684,7 +684,7 @@
           <a:p>
             <a:fld id="{BA05AF01-4F0E-4718-A4C1-DFCBB47EE5F2}" type="datetimeFigureOut">
               <a:rPr lang="en-US" smtClean="0"/>
-              <a:t>11/19/2021</a:t>
+              <a:t>11/23/2021</a:t>
             </a:fld>
             <a:endParaRPr lang="en-US"/>
           </a:p>
@@ -854,7 +854,7 @@
           <a:p>
             <a:fld id="{BA05AF01-4F0E-4718-A4C1-DFCBB47EE5F2}" type="datetimeFigureOut">
               <a:rPr lang="en-US" smtClean="0"/>
-              <a:t>11/19/2021</a:t>
+              <a:t>11/23/2021</a:t>
             </a:fld>
             <a:endParaRPr lang="en-US"/>
           </a:p>
@@ -1034,7 +1034,7 @@
           <a:p>
             <a:fld id="{BA05AF01-4F0E-4718-A4C1-DFCBB47EE5F2}" type="datetimeFigureOut">
               <a:rPr lang="en-US" smtClean="0"/>
-              <a:t>11/19/2021</a:t>
+              <a:t>11/23/2021</a:t>
             </a:fld>
             <a:endParaRPr lang="en-US"/>
           </a:p>
@@ -1204,7 +1204,7 @@
           <a:p>
             <a:fld id="{BA05AF01-4F0E-4718-A4C1-DFCBB47EE5F2}" type="datetimeFigureOut">
               <a:rPr lang="en-US" smtClean="0"/>
-              <a:t>11/19/2021</a:t>
+              <a:t>11/23/2021</a:t>
             </a:fld>
             <a:endParaRPr lang="en-US"/>
           </a:p>
@@ -1448,7 +1448,7 @@
           <a:p>
             <a:fld id="{BA05AF01-4F0E-4718-A4C1-DFCBB47EE5F2}" type="datetimeFigureOut">
               <a:rPr lang="en-US" smtClean="0"/>
-              <a:t>11/19/2021</a:t>
+              <a:t>11/23/2021</a:t>
             </a:fld>
             <a:endParaRPr lang="en-US"/>
           </a:p>
@@ -1680,7 +1680,7 @@
           <a:p>
             <a:fld id="{BA05AF01-4F0E-4718-A4C1-DFCBB47EE5F2}" type="datetimeFigureOut">
               <a:rPr lang="en-US" smtClean="0"/>
-              <a:t>11/19/2021</a:t>
+              <a:t>11/23/2021</a:t>
             </a:fld>
             <a:endParaRPr lang="en-US"/>
           </a:p>
@@ -2047,7 +2047,7 @@
           <a:p>
             <a:fld id="{BA05AF01-4F0E-4718-A4C1-DFCBB47EE5F2}" type="datetimeFigureOut">
               <a:rPr lang="en-US" smtClean="0"/>
-              <a:t>11/19/2021</a:t>
+              <a:t>11/23/2021</a:t>
             </a:fld>
             <a:endParaRPr lang="en-US"/>
           </a:p>
@@ -2165,7 +2165,7 @@
           <a:p>
             <a:fld id="{BA05AF01-4F0E-4718-A4C1-DFCBB47EE5F2}" type="datetimeFigureOut">
               <a:rPr lang="en-US" smtClean="0"/>
-              <a:t>11/19/2021</a:t>
+              <a:t>11/23/2021</a:t>
             </a:fld>
             <a:endParaRPr lang="en-US"/>
           </a:p>
@@ -2260,7 +2260,7 @@
           <a:p>
             <a:fld id="{BA05AF01-4F0E-4718-A4C1-DFCBB47EE5F2}" type="datetimeFigureOut">
               <a:rPr lang="en-US" smtClean="0"/>
-              <a:t>11/19/2021</a:t>
+              <a:t>11/23/2021</a:t>
             </a:fld>
             <a:endParaRPr lang="en-US"/>
           </a:p>
@@ -2537,7 +2537,7 @@
           <a:p>
             <a:fld id="{BA05AF01-4F0E-4718-A4C1-DFCBB47EE5F2}" type="datetimeFigureOut">
               <a:rPr lang="en-US" smtClean="0"/>
-              <a:t>11/19/2021</a:t>
+              <a:t>11/23/2021</a:t>
             </a:fld>
             <a:endParaRPr lang="en-US"/>
           </a:p>
@@ -2794,7 +2794,7 @@
           <a:p>
             <a:fld id="{BA05AF01-4F0E-4718-A4C1-DFCBB47EE5F2}" type="datetimeFigureOut">
               <a:rPr lang="en-US" smtClean="0"/>
-              <a:t>11/19/2021</a:t>
+              <a:t>11/23/2021</a:t>
             </a:fld>
             <a:endParaRPr lang="en-US"/>
           </a:p>
@@ -3007,7 +3007,7 @@
           <a:p>
             <a:fld id="{BA05AF01-4F0E-4718-A4C1-DFCBB47EE5F2}" type="datetimeFigureOut">
               <a:rPr lang="en-US" smtClean="0"/>
-              <a:t>11/19/2021</a:t>
+              <a:t>11/23/2021</a:t>
             </a:fld>
             <a:endParaRPr lang="en-US"/>
           </a:p>
